--- a/APRESENTAÇÃO.pptx
+++ b/APRESENTAÇÃO.pptx
@@ -5,7 +5,7 @@
     <p:sldMasterId id="2147483648" r:id="rId4"/>
   </p:sldMasterIdLst>
   <p:notesMasterIdLst>
-    <p:notesMasterId r:id="rId33"/>
+    <p:notesMasterId r:id="rId43"/>
   </p:notesMasterIdLst>
   <p:sldIdLst>
     <p:sldId id="285" r:id="rId5"/>
@@ -34,8 +34,18 @@
     <p:sldId id="356" r:id="rId28"/>
     <p:sldId id="357" r:id="rId29"/>
     <p:sldId id="358" r:id="rId30"/>
-    <p:sldId id="351" r:id="rId31"/>
-    <p:sldId id="337" r:id="rId32"/>
+    <p:sldId id="368" r:id="rId31"/>
+    <p:sldId id="369" r:id="rId32"/>
+    <p:sldId id="371" r:id="rId33"/>
+    <p:sldId id="370" r:id="rId34"/>
+    <p:sldId id="372" r:id="rId35"/>
+    <p:sldId id="373" r:id="rId36"/>
+    <p:sldId id="374" r:id="rId37"/>
+    <p:sldId id="375" r:id="rId38"/>
+    <p:sldId id="376" r:id="rId39"/>
+    <p:sldId id="377" r:id="rId40"/>
+    <p:sldId id="351" r:id="rId41"/>
+    <p:sldId id="337" r:id="rId42"/>
   </p:sldIdLst>
   <p:sldSz cx="12192000" cy="6858000"/>
   <p:notesSz cx="6858000" cy="9144000"/>
@@ -145,1449 +155,9 @@
 <file path=ppt/revisionInfo.xml><?xml version="1.0" encoding="utf-8"?>
 <p1510:revInfo xmlns:a="http://schemas.openxmlformats.org/drawingml/2006/main" xmlns:r="http://schemas.openxmlformats.org/officeDocument/2006/relationships" xmlns:p1510="http://schemas.microsoft.com/office/powerpoint/2015/10/main">
   <p1510:revLst>
-    <p1510:client id="{565506F2-49C2-0BC0-FCAE-ABE4777F5644}" v="6" dt="2020-08-31T21:20:01.509"/>
-    <p1510:client id="{B75C79C7-7432-4B3C-AF6C-89A1CEBDD04E}" v="179" dt="2020-09-01T00:34:10.256"/>
-    <p1510:client id="{C2F93E6F-DFC2-4800-FF01-EC0D224F24DE}" v="58" dt="2020-08-31T01:20:34.859"/>
+    <p1510:client id="{B75C79C7-7432-4B3C-AF6C-89A1CEBDD04E}" v="187" dt="2020-09-14T23:26:50.471"/>
   </p1510:revLst>
 </p1510:revInfo>
-</file>
-
-<file path=ppt/changesInfos/changesInfo1.xml><?xml version="1.0" encoding="utf-8"?>
-<pc:chgInfo xmlns:a="http://schemas.openxmlformats.org/drawingml/2006/main" xmlns:r="http://schemas.openxmlformats.org/officeDocument/2006/relationships" xmlns:ac="http://schemas.microsoft.com/office/drawing/2013/main/command" xmlns:pc="http://schemas.microsoft.com/office/powerpoint/2013/main/command">
-  <pc:docChgLst>
-    <pc:chgData name="PABLO RIBEIRO" userId="8dc26c22-85d6-4ba5-a9ce-1fb6dafde0e5" providerId="ADAL" clId="{B75C79C7-7432-4B3C-AF6C-89A1CEBDD04E}"/>
-    <pc:docChg chg="undo redo custSel mod addSld delSld modSld">
-      <pc:chgData name="PABLO RIBEIRO" userId="8dc26c22-85d6-4ba5-a9ce-1fb6dafde0e5" providerId="ADAL" clId="{B75C79C7-7432-4B3C-AF6C-89A1CEBDD04E}" dt="2020-09-01T00:38:14.874" v="2670" actId="47"/>
-      <pc:docMkLst>
-        <pc:docMk/>
-      </pc:docMkLst>
-      <pc:sldChg chg="del">
-        <pc:chgData name="PABLO RIBEIRO" userId="8dc26c22-85d6-4ba5-a9ce-1fb6dafde0e5" providerId="ADAL" clId="{B75C79C7-7432-4B3C-AF6C-89A1CEBDD04E}" dt="2020-08-31T01:33:06.474" v="20" actId="47"/>
-        <pc:sldMkLst>
-          <pc:docMk/>
-          <pc:sldMk cId="3468149142" sldId="257"/>
-        </pc:sldMkLst>
-      </pc:sldChg>
-      <pc:sldChg chg="delSp modSp mod modTransition">
-        <pc:chgData name="PABLO RIBEIRO" userId="8dc26c22-85d6-4ba5-a9ce-1fb6dafde0e5" providerId="ADAL" clId="{B75C79C7-7432-4B3C-AF6C-89A1CEBDD04E}" dt="2020-08-31T21:32:04.379" v="2094"/>
-        <pc:sldMkLst>
-          <pc:docMk/>
-          <pc:sldMk cId="4269712483" sldId="285"/>
-        </pc:sldMkLst>
-        <pc:spChg chg="del">
-          <ac:chgData name="PABLO RIBEIRO" userId="8dc26c22-85d6-4ba5-a9ce-1fb6dafde0e5" providerId="ADAL" clId="{B75C79C7-7432-4B3C-AF6C-89A1CEBDD04E}" dt="2020-08-31T04:06:57.797" v="542" actId="478"/>
-          <ac:spMkLst>
-            <pc:docMk/>
-            <pc:sldMk cId="4269712483" sldId="285"/>
-            <ac:spMk id="2" creationId="{8DC77F96-D85D-4CF1-9408-AE6BC0DAEA51}"/>
-          </ac:spMkLst>
-        </pc:spChg>
-        <pc:spChg chg="del">
-          <ac:chgData name="PABLO RIBEIRO" userId="8dc26c22-85d6-4ba5-a9ce-1fb6dafde0e5" providerId="ADAL" clId="{B75C79C7-7432-4B3C-AF6C-89A1CEBDD04E}" dt="2020-08-31T04:06:56.508" v="541" actId="478"/>
-          <ac:spMkLst>
-            <pc:docMk/>
-            <pc:sldMk cId="4269712483" sldId="285"/>
-            <ac:spMk id="3" creationId="{DA2EB03B-37A9-4218-97D0-020F30CA9D6B}"/>
-          </ac:spMkLst>
-        </pc:spChg>
-        <pc:spChg chg="mod">
-          <ac:chgData name="PABLO RIBEIRO" userId="8dc26c22-85d6-4ba5-a9ce-1fb6dafde0e5" providerId="ADAL" clId="{B75C79C7-7432-4B3C-AF6C-89A1CEBDD04E}" dt="2020-08-31T01:32:59.821" v="19" actId="207"/>
-          <ac:spMkLst>
-            <pc:docMk/>
-            <pc:sldMk cId="4269712483" sldId="285"/>
-            <ac:spMk id="5" creationId="{89D938D6-E2AA-44CA-B68B-67D297F63CE7}"/>
-          </ac:spMkLst>
-        </pc:spChg>
-      </pc:sldChg>
-      <pc:sldChg chg="delSp modSp mod modTransition">
-        <pc:chgData name="PABLO RIBEIRO" userId="8dc26c22-85d6-4ba5-a9ce-1fb6dafde0e5" providerId="ADAL" clId="{B75C79C7-7432-4B3C-AF6C-89A1CEBDD04E}" dt="2020-08-31T21:32:06.563" v="2095"/>
-        <pc:sldMkLst>
-          <pc:docMk/>
-          <pc:sldMk cId="3317501920" sldId="287"/>
-        </pc:sldMkLst>
-        <pc:spChg chg="del">
-          <ac:chgData name="PABLO RIBEIRO" userId="8dc26c22-85d6-4ba5-a9ce-1fb6dafde0e5" providerId="ADAL" clId="{B75C79C7-7432-4B3C-AF6C-89A1CEBDD04E}" dt="2020-08-31T04:07:00.984" v="543" actId="478"/>
-          <ac:spMkLst>
-            <pc:docMk/>
-            <pc:sldMk cId="3317501920" sldId="287"/>
-            <ac:spMk id="2" creationId="{057CBF82-FC2A-4C38-B5B7-C89BBCFEBAEB}"/>
-          </ac:spMkLst>
-        </pc:spChg>
-        <pc:spChg chg="del">
-          <ac:chgData name="PABLO RIBEIRO" userId="8dc26c22-85d6-4ba5-a9ce-1fb6dafde0e5" providerId="ADAL" clId="{B75C79C7-7432-4B3C-AF6C-89A1CEBDD04E}" dt="2020-08-31T04:07:02.883" v="544" actId="478"/>
-          <ac:spMkLst>
-            <pc:docMk/>
-            <pc:sldMk cId="3317501920" sldId="287"/>
-            <ac:spMk id="3" creationId="{FA5DACD8-4651-4A80-A4CA-B2FC86A37EBF}"/>
-          </ac:spMkLst>
-        </pc:spChg>
-        <pc:spChg chg="mod">
-          <ac:chgData name="PABLO RIBEIRO" userId="8dc26c22-85d6-4ba5-a9ce-1fb6dafde0e5" providerId="ADAL" clId="{B75C79C7-7432-4B3C-AF6C-89A1CEBDD04E}" dt="2020-08-31T04:07:32.591" v="550" actId="2711"/>
-          <ac:spMkLst>
-            <pc:docMk/>
-            <pc:sldMk cId="3317501920" sldId="287"/>
-            <ac:spMk id="5" creationId="{89D938D6-E2AA-44CA-B68B-67D297F63CE7}"/>
-          </ac:spMkLst>
-        </pc:spChg>
-        <pc:spChg chg="mod">
-          <ac:chgData name="PABLO RIBEIRO" userId="8dc26c22-85d6-4ba5-a9ce-1fb6dafde0e5" providerId="ADAL" clId="{B75C79C7-7432-4B3C-AF6C-89A1CEBDD04E}" dt="2020-08-31T04:07:32.191" v="549" actId="2711"/>
-          <ac:spMkLst>
-            <pc:docMk/>
-            <pc:sldMk cId="3317501920" sldId="287"/>
-            <ac:spMk id="6" creationId="{B02297A7-65C9-4F21-B8B4-AE910AB8A720}"/>
-          </ac:spMkLst>
-        </pc:spChg>
-      </pc:sldChg>
-      <pc:sldChg chg="addSp delSp modSp mod modTransition">
-        <pc:chgData name="PABLO RIBEIRO" userId="8dc26c22-85d6-4ba5-a9ce-1fb6dafde0e5" providerId="ADAL" clId="{B75C79C7-7432-4B3C-AF6C-89A1CEBDD04E}" dt="2020-08-31T21:32:44.660" v="2101"/>
-        <pc:sldMkLst>
-          <pc:docMk/>
-          <pc:sldMk cId="2905676382" sldId="336"/>
-        </pc:sldMkLst>
-        <pc:spChg chg="mod">
-          <ac:chgData name="PABLO RIBEIRO" userId="8dc26c22-85d6-4ba5-a9ce-1fb6dafde0e5" providerId="ADAL" clId="{B75C79C7-7432-4B3C-AF6C-89A1CEBDD04E}" dt="2020-08-31T01:37:17.038" v="72" actId="113"/>
-          <ac:spMkLst>
-            <pc:docMk/>
-            <pc:sldMk cId="2905676382" sldId="336"/>
-            <ac:spMk id="7" creationId="{CAF04F12-0930-4925-93A7-E1E37CB1168F}"/>
-          </ac:spMkLst>
-        </pc:spChg>
-        <pc:picChg chg="add del mod">
-          <ac:chgData name="PABLO RIBEIRO" userId="8dc26c22-85d6-4ba5-a9ce-1fb6dafde0e5" providerId="ADAL" clId="{B75C79C7-7432-4B3C-AF6C-89A1CEBDD04E}" dt="2020-08-31T01:56:50.674" v="87" actId="478"/>
-          <ac:picMkLst>
-            <pc:docMk/>
-            <pc:sldMk cId="2905676382" sldId="336"/>
-            <ac:picMk id="4" creationId="{A0F982D8-0CF0-47C5-A417-B55D6D4AB085}"/>
-          </ac:picMkLst>
-        </pc:picChg>
-        <pc:picChg chg="add mod">
-          <ac:chgData name="PABLO RIBEIRO" userId="8dc26c22-85d6-4ba5-a9ce-1fb6dafde0e5" providerId="ADAL" clId="{B75C79C7-7432-4B3C-AF6C-89A1CEBDD04E}" dt="2020-08-31T01:58:03.271" v="102" actId="14100"/>
-          <ac:picMkLst>
-            <pc:docMk/>
-            <pc:sldMk cId="2905676382" sldId="336"/>
-            <ac:picMk id="6" creationId="{2C03FDDF-C86A-4B29-A0EE-04A833362481}"/>
-          </ac:picMkLst>
-        </pc:picChg>
-        <pc:picChg chg="add">
-          <ac:chgData name="PABLO RIBEIRO" userId="8dc26c22-85d6-4ba5-a9ce-1fb6dafde0e5" providerId="ADAL" clId="{B75C79C7-7432-4B3C-AF6C-89A1CEBDD04E}" dt="2020-08-31T04:07:51.819" v="551" actId="22"/>
-          <ac:picMkLst>
-            <pc:docMk/>
-            <pc:sldMk cId="2905676382" sldId="336"/>
-            <ac:picMk id="11" creationId="{790CC9C5-4DBC-4647-ACF7-E80C69277B31}"/>
-          </ac:picMkLst>
-        </pc:picChg>
-        <pc:picChg chg="add del">
-          <ac:chgData name="PABLO RIBEIRO" userId="8dc26c22-85d6-4ba5-a9ce-1fb6dafde0e5" providerId="ADAL" clId="{B75C79C7-7432-4B3C-AF6C-89A1CEBDD04E}" dt="2020-08-31T04:08:16.904" v="559" actId="22"/>
-          <ac:picMkLst>
-            <pc:docMk/>
-            <pc:sldMk cId="2905676382" sldId="336"/>
-            <ac:picMk id="13" creationId="{160F0DDC-F7C0-4FE1-83F9-C8F4EB9AFD75}"/>
-          </ac:picMkLst>
-        </pc:picChg>
-      </pc:sldChg>
-      <pc:sldChg chg="delSp modSp add del mod modTransition">
-        <pc:chgData name="PABLO RIBEIRO" userId="8dc26c22-85d6-4ba5-a9ce-1fb6dafde0e5" providerId="ADAL" clId="{B75C79C7-7432-4B3C-AF6C-89A1CEBDD04E}" dt="2020-08-31T21:33:30.710" v="2114"/>
-        <pc:sldMkLst>
-          <pc:docMk/>
-          <pc:sldMk cId="2006994937" sldId="337"/>
-        </pc:sldMkLst>
-        <pc:spChg chg="del">
-          <ac:chgData name="PABLO RIBEIRO" userId="8dc26c22-85d6-4ba5-a9ce-1fb6dafde0e5" providerId="ADAL" clId="{B75C79C7-7432-4B3C-AF6C-89A1CEBDD04E}" dt="2020-08-31T04:10:42.433" v="590" actId="478"/>
-          <ac:spMkLst>
-            <pc:docMk/>
-            <pc:sldMk cId="2006994937" sldId="337"/>
-            <ac:spMk id="2" creationId="{03020F05-E047-46C4-9E54-429487FC770B}"/>
-          </ac:spMkLst>
-        </pc:spChg>
-        <pc:spChg chg="del">
-          <ac:chgData name="PABLO RIBEIRO" userId="8dc26c22-85d6-4ba5-a9ce-1fb6dafde0e5" providerId="ADAL" clId="{B75C79C7-7432-4B3C-AF6C-89A1CEBDD04E}" dt="2020-08-31T04:10:43.530" v="591" actId="478"/>
-          <ac:spMkLst>
-            <pc:docMk/>
-            <pc:sldMk cId="2006994937" sldId="337"/>
-            <ac:spMk id="3" creationId="{C1E2B563-0E5B-4A44-8989-61C72232EE2A}"/>
-          </ac:spMkLst>
-        </pc:spChg>
-        <pc:spChg chg="mod">
-          <ac:chgData name="PABLO RIBEIRO" userId="8dc26c22-85d6-4ba5-a9ce-1fb6dafde0e5" providerId="ADAL" clId="{B75C79C7-7432-4B3C-AF6C-89A1CEBDD04E}" dt="2020-08-31T01:33:59.998" v="21" actId="207"/>
-          <ac:spMkLst>
-            <pc:docMk/>
-            <pc:sldMk cId="2006994937" sldId="337"/>
-            <ac:spMk id="5" creationId="{89D938D6-E2AA-44CA-B68B-67D297F63CE7}"/>
-          </ac:spMkLst>
-        </pc:spChg>
-      </pc:sldChg>
-      <pc:sldChg chg="addSp delSp modSp del mod">
-        <pc:chgData name="PABLO RIBEIRO" userId="8dc26c22-85d6-4ba5-a9ce-1fb6dafde0e5" providerId="ADAL" clId="{B75C79C7-7432-4B3C-AF6C-89A1CEBDD04E}" dt="2020-08-31T02:21:01.196" v="377" actId="47"/>
-        <pc:sldMkLst>
-          <pc:docMk/>
-          <pc:sldMk cId="1809221687" sldId="338"/>
-        </pc:sldMkLst>
-        <pc:picChg chg="mod">
-          <ac:chgData name="PABLO RIBEIRO" userId="8dc26c22-85d6-4ba5-a9ce-1fb6dafde0e5" providerId="ADAL" clId="{B75C79C7-7432-4B3C-AF6C-89A1CEBDD04E}" dt="2020-08-31T01:55:40.968" v="86" actId="1076"/>
-          <ac:picMkLst>
-            <pc:docMk/>
-            <pc:sldMk cId="1809221687" sldId="338"/>
-            <ac:picMk id="4" creationId="{62E78956-544E-469C-91A4-4CAB5412E58B}"/>
-          </ac:picMkLst>
-        </pc:picChg>
-        <pc:picChg chg="add del mod ord">
-          <ac:chgData name="PABLO RIBEIRO" userId="8dc26c22-85d6-4ba5-a9ce-1fb6dafde0e5" providerId="ADAL" clId="{B75C79C7-7432-4B3C-AF6C-89A1CEBDD04E}" dt="2020-08-31T01:56:52.426" v="88" actId="478"/>
-          <ac:picMkLst>
-            <pc:docMk/>
-            <pc:sldMk cId="1809221687" sldId="338"/>
-            <ac:picMk id="5" creationId="{D59627D3-A6C7-4C5B-AD61-40BCEC7792FE}"/>
-          </ac:picMkLst>
-        </pc:picChg>
-        <pc:picChg chg="add mod ord">
-          <ac:chgData name="PABLO RIBEIRO" userId="8dc26c22-85d6-4ba5-a9ce-1fb6dafde0e5" providerId="ADAL" clId="{B75C79C7-7432-4B3C-AF6C-89A1CEBDD04E}" dt="2020-08-31T01:58:23.141" v="111" actId="167"/>
-          <ac:picMkLst>
-            <pc:docMk/>
-            <pc:sldMk cId="1809221687" sldId="338"/>
-            <ac:picMk id="8" creationId="{D2A0809C-6AC3-46D9-B727-A40BAA45ECCD}"/>
-          </ac:picMkLst>
-        </pc:picChg>
-      </pc:sldChg>
-      <pc:sldChg chg="addSp delSp modSp mod modTransition">
-        <pc:chgData name="PABLO RIBEIRO" userId="8dc26c22-85d6-4ba5-a9ce-1fb6dafde0e5" providerId="ADAL" clId="{B75C79C7-7432-4B3C-AF6C-89A1CEBDD04E}" dt="2020-08-31T21:33:04.731" v="2107"/>
-        <pc:sldMkLst>
-          <pc:docMk/>
-          <pc:sldMk cId="3719064308" sldId="339"/>
-        </pc:sldMkLst>
-        <pc:graphicFrameChg chg="add del">
-          <ac:chgData name="PABLO RIBEIRO" userId="8dc26c22-85d6-4ba5-a9ce-1fb6dafde0e5" providerId="ADAL" clId="{B75C79C7-7432-4B3C-AF6C-89A1CEBDD04E}" dt="2020-08-31T02:13:42.243" v="343" actId="22"/>
-          <ac:graphicFrameMkLst>
-            <pc:docMk/>
-            <pc:sldMk cId="3719064308" sldId="339"/>
-            <ac:graphicFrameMk id="11" creationId="{6E7D616F-5A65-4C96-8A8D-1C9EF870EA6F}"/>
-          </ac:graphicFrameMkLst>
-        </pc:graphicFrameChg>
-        <pc:graphicFrameChg chg="add mod modGraphic">
-          <ac:chgData name="PABLO RIBEIRO" userId="8dc26c22-85d6-4ba5-a9ce-1fb6dafde0e5" providerId="ADAL" clId="{B75C79C7-7432-4B3C-AF6C-89A1CEBDD04E}" dt="2020-08-31T02:14:32.250" v="350" actId="207"/>
-          <ac:graphicFrameMkLst>
-            <pc:docMk/>
-            <pc:sldMk cId="3719064308" sldId="339"/>
-            <ac:graphicFrameMk id="13" creationId="{03C839C4-C302-4899-9BC4-B4704E3A8273}"/>
-          </ac:graphicFrameMkLst>
-        </pc:graphicFrameChg>
-        <pc:picChg chg="add del ord">
-          <ac:chgData name="PABLO RIBEIRO" userId="8dc26c22-85d6-4ba5-a9ce-1fb6dafde0e5" providerId="ADAL" clId="{B75C79C7-7432-4B3C-AF6C-89A1CEBDD04E}" dt="2020-08-31T01:56:53.749" v="89" actId="478"/>
-          <ac:picMkLst>
-            <pc:docMk/>
-            <pc:sldMk cId="3719064308" sldId="339"/>
-            <ac:picMk id="3" creationId="{8DFF4AEE-0A97-4D50-BD54-91798A1B805C}"/>
-          </ac:picMkLst>
-        </pc:picChg>
-        <pc:picChg chg="add ord">
-          <ac:chgData name="PABLO RIBEIRO" userId="8dc26c22-85d6-4ba5-a9ce-1fb6dafde0e5" providerId="ADAL" clId="{B75C79C7-7432-4B3C-AF6C-89A1CEBDD04E}" dt="2020-08-31T01:58:29.668" v="113" actId="167"/>
-          <ac:picMkLst>
-            <pc:docMk/>
-            <pc:sldMk cId="3719064308" sldId="339"/>
-            <ac:picMk id="4" creationId="{7960B030-7F4E-4F87-9664-A61EA9BC8C6A}"/>
-          </ac:picMkLst>
-        </pc:picChg>
-        <pc:picChg chg="del">
-          <ac:chgData name="PABLO RIBEIRO" userId="8dc26c22-85d6-4ba5-a9ce-1fb6dafde0e5" providerId="ADAL" clId="{B75C79C7-7432-4B3C-AF6C-89A1CEBDD04E}" dt="2020-08-31T02:13:43.148" v="344" actId="478"/>
-          <ac:picMkLst>
-            <pc:docMk/>
-            <pc:sldMk cId="3719064308" sldId="339"/>
-            <ac:picMk id="5" creationId="{BE5B46AC-69A6-4AD6-8927-BD85605C2F76}"/>
-          </ac:picMkLst>
-        </pc:picChg>
-        <pc:picChg chg="del">
-          <ac:chgData name="PABLO RIBEIRO" userId="8dc26c22-85d6-4ba5-a9ce-1fb6dafde0e5" providerId="ADAL" clId="{B75C79C7-7432-4B3C-AF6C-89A1CEBDD04E}" dt="2020-08-31T02:13:44.004" v="345" actId="478"/>
-          <ac:picMkLst>
-            <pc:docMk/>
-            <pc:sldMk cId="3719064308" sldId="339"/>
-            <ac:picMk id="8" creationId="{A45BF69C-3F00-4CF1-A051-ECC8F4DFB6DA}"/>
-          </ac:picMkLst>
-        </pc:picChg>
-        <pc:picChg chg="add ord">
-          <ac:chgData name="PABLO RIBEIRO" userId="8dc26c22-85d6-4ba5-a9ce-1fb6dafde0e5" providerId="ADAL" clId="{B75C79C7-7432-4B3C-AF6C-89A1CEBDD04E}" dt="2020-08-31T04:08:06.796" v="556" actId="167"/>
-          <ac:picMkLst>
-            <pc:docMk/>
-            <pc:sldMk cId="3719064308" sldId="339"/>
-            <ac:picMk id="17" creationId="{AA87685E-8252-41BE-A1BE-9A4E10D28E59}"/>
-          </ac:picMkLst>
-        </pc:picChg>
-        <pc:picChg chg="add del">
-          <ac:chgData name="PABLO RIBEIRO" userId="8dc26c22-85d6-4ba5-a9ce-1fb6dafde0e5" providerId="ADAL" clId="{B75C79C7-7432-4B3C-AF6C-89A1CEBDD04E}" dt="2020-08-31T04:08:39.204" v="566" actId="478"/>
-          <ac:picMkLst>
-            <pc:docMk/>
-            <pc:sldMk cId="3719064308" sldId="339"/>
-            <ac:picMk id="19" creationId="{25CBE383-4BE0-42B4-8CD1-FB5F951B4C7A}"/>
-          </ac:picMkLst>
-        </pc:picChg>
-        <pc:picChg chg="add del">
-          <ac:chgData name="PABLO RIBEIRO" userId="8dc26c22-85d6-4ba5-a9ce-1fb6dafde0e5" providerId="ADAL" clId="{B75C79C7-7432-4B3C-AF6C-89A1CEBDD04E}" dt="2020-08-31T04:08:29.256" v="563" actId="22"/>
-          <ac:picMkLst>
-            <pc:docMk/>
-            <pc:sldMk cId="3719064308" sldId="339"/>
-            <ac:picMk id="21" creationId="{B1921AAD-2356-4ECE-A25F-E7DAC06B38D7}"/>
-          </ac:picMkLst>
-        </pc:picChg>
-        <pc:picChg chg="add del ord">
-          <ac:chgData name="PABLO RIBEIRO" userId="8dc26c22-85d6-4ba5-a9ce-1fb6dafde0e5" providerId="ADAL" clId="{B75C79C7-7432-4B3C-AF6C-89A1CEBDD04E}" dt="2020-08-31T04:08:49.438" v="569" actId="478"/>
-          <ac:picMkLst>
-            <pc:docMk/>
-            <pc:sldMk cId="3719064308" sldId="339"/>
-            <ac:picMk id="23" creationId="{72668CCA-F6C8-4671-92CD-FA34092F1366}"/>
-          </ac:picMkLst>
-        </pc:picChg>
-        <pc:picChg chg="add mod ord">
-          <ac:chgData name="PABLO RIBEIRO" userId="8dc26c22-85d6-4ba5-a9ce-1fb6dafde0e5" providerId="ADAL" clId="{B75C79C7-7432-4B3C-AF6C-89A1CEBDD04E}" dt="2020-08-31T04:18:43.200" v="1147" actId="1035"/>
-          <ac:picMkLst>
-            <pc:docMk/>
-            <pc:sldMk cId="3719064308" sldId="339"/>
-            <ac:picMk id="25" creationId="{7A27BB82-2CBF-42C0-939C-E21D4C8753DA}"/>
-          </ac:picMkLst>
-        </pc:picChg>
-      </pc:sldChg>
-      <pc:sldChg chg="addSp delSp modSp mod modTransition">
-        <pc:chgData name="PABLO RIBEIRO" userId="8dc26c22-85d6-4ba5-a9ce-1fb6dafde0e5" providerId="ADAL" clId="{B75C79C7-7432-4B3C-AF6C-89A1CEBDD04E}" dt="2020-08-31T21:33:15.396" v="2110"/>
-        <pc:sldMkLst>
-          <pc:docMk/>
-          <pc:sldMk cId="816006521" sldId="340"/>
-        </pc:sldMkLst>
-        <pc:graphicFrameChg chg="add mod modGraphic">
-          <ac:chgData name="PABLO RIBEIRO" userId="8dc26c22-85d6-4ba5-a9ce-1fb6dafde0e5" providerId="ADAL" clId="{B75C79C7-7432-4B3C-AF6C-89A1CEBDD04E}" dt="2020-08-31T04:09:31.610" v="581" actId="1076"/>
-          <ac:graphicFrameMkLst>
-            <pc:docMk/>
-            <pc:sldMk cId="816006521" sldId="340"/>
-            <ac:graphicFrameMk id="6" creationId="{FC296426-977F-4CA5-860E-FEA8DB61A2FF}"/>
-          </ac:graphicFrameMkLst>
-        </pc:graphicFrameChg>
-        <pc:picChg chg="add ord">
-          <ac:chgData name="PABLO RIBEIRO" userId="8dc26c22-85d6-4ba5-a9ce-1fb6dafde0e5" providerId="ADAL" clId="{B75C79C7-7432-4B3C-AF6C-89A1CEBDD04E}" dt="2020-08-31T01:58:33.674" v="115" actId="167"/>
-          <ac:picMkLst>
-            <pc:docMk/>
-            <pc:sldMk cId="816006521" sldId="340"/>
-            <ac:picMk id="3" creationId="{6582D976-9DA5-4814-8A5D-BC6EC32A0A94}"/>
-          </ac:picMkLst>
-        </pc:picChg>
-        <pc:picChg chg="del">
-          <ac:chgData name="PABLO RIBEIRO" userId="8dc26c22-85d6-4ba5-a9ce-1fb6dafde0e5" providerId="ADAL" clId="{B75C79C7-7432-4B3C-AF6C-89A1CEBDD04E}" dt="2020-08-31T02:19:09.041" v="371" actId="478"/>
-          <ac:picMkLst>
-            <pc:docMk/>
-            <pc:sldMk cId="816006521" sldId="340"/>
-            <ac:picMk id="4" creationId="{CEA694AC-A838-476E-9292-B3938DE0FD52}"/>
-          </ac:picMkLst>
-        </pc:picChg>
-        <pc:picChg chg="add ord">
-          <ac:chgData name="PABLO RIBEIRO" userId="8dc26c22-85d6-4ba5-a9ce-1fb6dafde0e5" providerId="ADAL" clId="{B75C79C7-7432-4B3C-AF6C-89A1CEBDD04E}" dt="2020-08-31T04:09:00.042" v="575" actId="167"/>
-          <ac:picMkLst>
-            <pc:docMk/>
-            <pc:sldMk cId="816006521" sldId="340"/>
-            <ac:picMk id="12" creationId="{ED641490-A5F9-456C-A8E5-F43475383417}"/>
-          </ac:picMkLst>
-        </pc:picChg>
-      </pc:sldChg>
-      <pc:sldChg chg="addSp delSp modSp mod modTransition">
-        <pc:chgData name="PABLO RIBEIRO" userId="8dc26c22-85d6-4ba5-a9ce-1fb6dafde0e5" providerId="ADAL" clId="{B75C79C7-7432-4B3C-AF6C-89A1CEBDD04E}" dt="2020-08-31T21:33:21.731" v="2112"/>
-        <pc:sldMkLst>
-          <pc:docMk/>
-          <pc:sldMk cId="3676568615" sldId="341"/>
-        </pc:sldMkLst>
-        <pc:graphicFrameChg chg="add mod modGraphic">
-          <ac:chgData name="PABLO RIBEIRO" userId="8dc26c22-85d6-4ba5-a9ce-1fb6dafde0e5" providerId="ADAL" clId="{B75C79C7-7432-4B3C-AF6C-89A1CEBDD04E}" dt="2020-08-31T02:37:44.429" v="538" actId="113"/>
-          <ac:graphicFrameMkLst>
-            <pc:docMk/>
-            <pc:sldMk cId="3676568615" sldId="341"/>
-            <ac:graphicFrameMk id="3" creationId="{5073A125-CC6B-4E20-989F-9038CF8EF4B9}"/>
-          </ac:graphicFrameMkLst>
-        </pc:graphicFrameChg>
-        <pc:picChg chg="add">
-          <ac:chgData name="PABLO RIBEIRO" userId="8dc26c22-85d6-4ba5-a9ce-1fb6dafde0e5" providerId="ADAL" clId="{B75C79C7-7432-4B3C-AF6C-89A1CEBDD04E}" dt="2020-08-31T02:22:53.092" v="412" actId="22"/>
-          <ac:picMkLst>
-            <pc:docMk/>
-            <pc:sldMk cId="3676568615" sldId="341"/>
-            <ac:picMk id="4" creationId="{A6FDDAF7-2E9D-45AD-B343-EFC47AB4D154}"/>
-          </ac:picMkLst>
-        </pc:picChg>
-        <pc:picChg chg="del">
-          <ac:chgData name="PABLO RIBEIRO" userId="8dc26c22-85d6-4ba5-a9ce-1fb6dafde0e5" providerId="ADAL" clId="{B75C79C7-7432-4B3C-AF6C-89A1CEBDD04E}" dt="2020-08-31T02:22:50.290" v="411" actId="478"/>
-          <ac:picMkLst>
-            <pc:docMk/>
-            <pc:sldMk cId="3676568615" sldId="341"/>
-            <ac:picMk id="5" creationId="{F140EA26-1964-427D-A9EF-D963F8BF364A}"/>
-          </ac:picMkLst>
-        </pc:picChg>
-        <pc:picChg chg="add del mod">
-          <ac:chgData name="PABLO RIBEIRO" userId="8dc26c22-85d6-4ba5-a9ce-1fb6dafde0e5" providerId="ADAL" clId="{B75C79C7-7432-4B3C-AF6C-89A1CEBDD04E}" dt="2020-08-31T04:09:39.458" v="589" actId="1076"/>
-          <ac:picMkLst>
-            <pc:docMk/>
-            <pc:sldMk cId="3676568615" sldId="341"/>
-            <ac:picMk id="12" creationId="{002A0673-1078-414F-8181-9FE9DC680CF0}"/>
-          </ac:picMkLst>
-        </pc:picChg>
-      </pc:sldChg>
-      <pc:sldChg chg="del">
-        <pc:chgData name="PABLO RIBEIRO" userId="8dc26c22-85d6-4ba5-a9ce-1fb6dafde0e5" providerId="ADAL" clId="{B75C79C7-7432-4B3C-AF6C-89A1CEBDD04E}" dt="2020-08-31T01:30:51.067" v="0" actId="47"/>
-        <pc:sldMkLst>
-          <pc:docMk/>
-          <pc:sldMk cId="1176321288" sldId="342"/>
-        </pc:sldMkLst>
-      </pc:sldChg>
-      <pc:sldChg chg="addSp modSp mod modTransition">
-        <pc:chgData name="PABLO RIBEIRO" userId="8dc26c22-85d6-4ba5-a9ce-1fb6dafde0e5" providerId="ADAL" clId="{B75C79C7-7432-4B3C-AF6C-89A1CEBDD04E}" dt="2020-08-31T21:32:08.893" v="2096"/>
-        <pc:sldMkLst>
-          <pc:docMk/>
-          <pc:sldMk cId="1795665419" sldId="343"/>
-        </pc:sldMkLst>
-        <pc:spChg chg="mod">
-          <ac:chgData name="PABLO RIBEIRO" userId="8dc26c22-85d6-4ba5-a9ce-1fb6dafde0e5" providerId="ADAL" clId="{B75C79C7-7432-4B3C-AF6C-89A1CEBDD04E}" dt="2020-08-31T04:16:36.906" v="845" actId="207"/>
-          <ac:spMkLst>
-            <pc:docMk/>
-            <pc:sldMk cId="1795665419" sldId="343"/>
-            <ac:spMk id="7" creationId="{CAF04F12-0930-4925-93A7-E1E37CB1168F}"/>
-          </ac:spMkLst>
-        </pc:spChg>
-        <pc:picChg chg="add mod">
-          <ac:chgData name="PABLO RIBEIRO" userId="8dc26c22-85d6-4ba5-a9ce-1fb6dafde0e5" providerId="ADAL" clId="{B75C79C7-7432-4B3C-AF6C-89A1CEBDD04E}" dt="2020-08-31T04:06:12.133" v="540" actId="1076"/>
-          <ac:picMkLst>
-            <pc:docMk/>
-            <pc:sldMk cId="1795665419" sldId="343"/>
-            <ac:picMk id="3" creationId="{4BD75C6F-D32A-47ED-8C5D-F4D3A0F6F4E4}"/>
-          </ac:picMkLst>
-        </pc:picChg>
-        <pc:picChg chg="add mod">
-          <ac:chgData name="PABLO RIBEIRO" userId="8dc26c22-85d6-4ba5-a9ce-1fb6dafde0e5" providerId="ADAL" clId="{B75C79C7-7432-4B3C-AF6C-89A1CEBDD04E}" dt="2020-08-31T04:12:42.785" v="630" actId="14100"/>
-          <ac:picMkLst>
-            <pc:docMk/>
-            <pc:sldMk cId="1795665419" sldId="343"/>
-            <ac:picMk id="9" creationId="{6A47D407-B4EA-4A7D-A5ED-824DDCC0A746}"/>
-          </ac:picMkLst>
-        </pc:picChg>
-      </pc:sldChg>
-      <pc:sldChg chg="addSp delSp modSp add mod modTransition">
-        <pc:chgData name="PABLO RIBEIRO" userId="8dc26c22-85d6-4ba5-a9ce-1fb6dafde0e5" providerId="ADAL" clId="{B75C79C7-7432-4B3C-AF6C-89A1CEBDD04E}" dt="2020-08-31T21:33:01.399" v="2106"/>
-        <pc:sldMkLst>
-          <pc:docMk/>
-          <pc:sldMk cId="3010994414" sldId="344"/>
-        </pc:sldMkLst>
-        <pc:graphicFrameChg chg="add mod modGraphic">
-          <ac:chgData name="PABLO RIBEIRO" userId="8dc26c22-85d6-4ba5-a9ce-1fb6dafde0e5" providerId="ADAL" clId="{B75C79C7-7432-4B3C-AF6C-89A1CEBDD04E}" dt="2020-08-31T02:14:23.346" v="348" actId="121"/>
-          <ac:graphicFrameMkLst>
-            <pc:docMk/>
-            <pc:sldMk cId="3010994414" sldId="344"/>
-            <ac:graphicFrameMk id="3" creationId="{510A96F3-A5FA-47DA-8991-D34E89E46989}"/>
-          </ac:graphicFrameMkLst>
-        </pc:graphicFrameChg>
-        <pc:picChg chg="del">
-          <ac:chgData name="PABLO RIBEIRO" userId="8dc26c22-85d6-4ba5-a9ce-1fb6dafde0e5" providerId="ADAL" clId="{B75C79C7-7432-4B3C-AF6C-89A1CEBDD04E}" dt="2020-08-31T02:13:24.995" v="340" actId="478"/>
-          <ac:picMkLst>
-            <pc:docMk/>
-            <pc:sldMk cId="3010994414" sldId="344"/>
-            <ac:picMk id="4" creationId="{62E78956-544E-469C-91A4-4CAB5412E58B}"/>
-          </ac:picMkLst>
-        </pc:picChg>
-        <pc:picChg chg="add del">
-          <ac:chgData name="PABLO RIBEIRO" userId="8dc26c22-85d6-4ba5-a9ce-1fb6dafde0e5" providerId="ADAL" clId="{B75C79C7-7432-4B3C-AF6C-89A1CEBDD04E}" dt="2020-08-31T04:07:53.950" v="553" actId="22"/>
-          <ac:picMkLst>
-            <pc:docMk/>
-            <pc:sldMk cId="3010994414" sldId="344"/>
-            <ac:picMk id="10" creationId="{6752EA51-3335-445C-9FBC-452EECB30DCB}"/>
-          </ac:picMkLst>
-        </pc:picChg>
-        <pc:picChg chg="add ord">
-          <ac:chgData name="PABLO RIBEIRO" userId="8dc26c22-85d6-4ba5-a9ce-1fb6dafde0e5" providerId="ADAL" clId="{B75C79C7-7432-4B3C-AF6C-89A1CEBDD04E}" dt="2020-08-31T04:08:32.076" v="565" actId="167"/>
-          <ac:picMkLst>
-            <pc:docMk/>
-            <pc:sldMk cId="3010994414" sldId="344"/>
-            <ac:picMk id="12" creationId="{A9119E0C-9C61-4FEE-96C6-7AE9B7A83286}"/>
-          </ac:picMkLst>
-        </pc:picChg>
-      </pc:sldChg>
-      <pc:sldChg chg="addSp delSp modSp add mod modTransition">
-        <pc:chgData name="PABLO RIBEIRO" userId="8dc26c22-85d6-4ba5-a9ce-1fb6dafde0e5" providerId="ADAL" clId="{B75C79C7-7432-4B3C-AF6C-89A1CEBDD04E}" dt="2020-08-31T21:33:07.178" v="2108"/>
-        <pc:sldMkLst>
-          <pc:docMk/>
-          <pc:sldMk cId="1628365897" sldId="345"/>
-        </pc:sldMkLst>
-        <pc:graphicFrameChg chg="add del mod modGraphic">
-          <ac:chgData name="PABLO RIBEIRO" userId="8dc26c22-85d6-4ba5-a9ce-1fb6dafde0e5" providerId="ADAL" clId="{B75C79C7-7432-4B3C-AF6C-89A1CEBDD04E}" dt="2020-08-31T02:15:47.242" v="358" actId="2165"/>
-          <ac:graphicFrameMkLst>
-            <pc:docMk/>
-            <pc:sldMk cId="1628365897" sldId="345"/>
-            <ac:graphicFrameMk id="13" creationId="{03C839C4-C302-4899-9BC4-B4704E3A8273}"/>
-          </ac:graphicFrameMkLst>
-        </pc:graphicFrameChg>
-        <pc:picChg chg="add del">
-          <ac:chgData name="PABLO RIBEIRO" userId="8dc26c22-85d6-4ba5-a9ce-1fb6dafde0e5" providerId="ADAL" clId="{B75C79C7-7432-4B3C-AF6C-89A1CEBDD04E}" dt="2020-08-31T04:08:54.650" v="572" actId="478"/>
-          <ac:picMkLst>
-            <pc:docMk/>
-            <pc:sldMk cId="1628365897" sldId="345"/>
-            <ac:picMk id="6" creationId="{C0AB1CDB-3DEF-42DE-96C9-2A7E7301B431}"/>
-          </ac:picMkLst>
-        </pc:picChg>
-        <pc:picChg chg="add">
-          <ac:chgData name="PABLO RIBEIRO" userId="8dc26c22-85d6-4ba5-a9ce-1fb6dafde0e5" providerId="ADAL" clId="{B75C79C7-7432-4B3C-AF6C-89A1CEBDD04E}" dt="2020-08-31T04:08:54.921" v="573" actId="22"/>
-          <ac:picMkLst>
-            <pc:docMk/>
-            <pc:sldMk cId="1628365897" sldId="345"/>
-            <ac:picMk id="9" creationId="{B51B870C-8427-4E1B-8221-2424A5D8C2CB}"/>
-          </ac:picMkLst>
-        </pc:picChg>
-      </pc:sldChg>
-      <pc:sldChg chg="addSp delSp modSp add mod modTransition">
-        <pc:chgData name="PABLO RIBEIRO" userId="8dc26c22-85d6-4ba5-a9ce-1fb6dafde0e5" providerId="ADAL" clId="{B75C79C7-7432-4B3C-AF6C-89A1CEBDD04E}" dt="2020-08-31T21:33:19.089" v="2111"/>
-        <pc:sldMkLst>
-          <pc:docMk/>
-          <pc:sldMk cId="10134701" sldId="346"/>
-        </pc:sldMkLst>
-        <pc:graphicFrameChg chg="mod modGraphic">
-          <ac:chgData name="PABLO RIBEIRO" userId="8dc26c22-85d6-4ba5-a9ce-1fb6dafde0e5" providerId="ADAL" clId="{B75C79C7-7432-4B3C-AF6C-89A1CEBDD04E}" dt="2020-08-31T02:19:37.438" v="376" actId="2711"/>
-          <ac:graphicFrameMkLst>
-            <pc:docMk/>
-            <pc:sldMk cId="10134701" sldId="346"/>
-            <ac:graphicFrameMk id="6" creationId="{FC296426-977F-4CA5-860E-FEA8DB61A2FF}"/>
-          </ac:graphicFrameMkLst>
-        </pc:graphicFrameChg>
-        <pc:picChg chg="add del mod">
-          <ac:chgData name="PABLO RIBEIRO" userId="8dc26c22-85d6-4ba5-a9ce-1fb6dafde0e5" providerId="ADAL" clId="{B75C79C7-7432-4B3C-AF6C-89A1CEBDD04E}" dt="2020-08-31T04:09:37.484" v="586" actId="22"/>
-          <ac:picMkLst>
-            <pc:docMk/>
-            <pc:sldMk cId="10134701" sldId="346"/>
-            <ac:picMk id="9" creationId="{0B35BD46-0F80-4FCB-B393-66C0FEB57312}"/>
-          </ac:picMkLst>
-        </pc:picChg>
-      </pc:sldChg>
-      <pc:sldChg chg="addSp modSp add mod modTransition">
-        <pc:chgData name="PABLO RIBEIRO" userId="8dc26c22-85d6-4ba5-a9ce-1fb6dafde0e5" providerId="ADAL" clId="{B75C79C7-7432-4B3C-AF6C-89A1CEBDD04E}" dt="2020-08-31T21:32:19.588" v="2098"/>
-        <pc:sldMkLst>
-          <pc:docMk/>
-          <pc:sldMk cId="2816726262" sldId="347"/>
-        </pc:sldMkLst>
-        <pc:spChg chg="mod">
-          <ac:chgData name="PABLO RIBEIRO" userId="8dc26c22-85d6-4ba5-a9ce-1fb6dafde0e5" providerId="ADAL" clId="{B75C79C7-7432-4B3C-AF6C-89A1CEBDD04E}" dt="2020-08-31T04:11:06.741" v="617" actId="20577"/>
-          <ac:spMkLst>
-            <pc:docMk/>
-            <pc:sldMk cId="2816726262" sldId="347"/>
-            <ac:spMk id="2" creationId="{53C9334F-F7EA-4C4D-AD73-14F433AEFC7C}"/>
-          </ac:spMkLst>
-        </pc:spChg>
-        <pc:spChg chg="mod">
-          <ac:chgData name="PABLO RIBEIRO" userId="8dc26c22-85d6-4ba5-a9ce-1fb6dafde0e5" providerId="ADAL" clId="{B75C79C7-7432-4B3C-AF6C-89A1CEBDD04E}" dt="2020-08-31T04:40:46.440" v="1726" actId="20577"/>
-          <ac:spMkLst>
-            <pc:docMk/>
-            <pc:sldMk cId="2816726262" sldId="347"/>
-            <ac:spMk id="7" creationId="{CAF04F12-0930-4925-93A7-E1E37CB1168F}"/>
-          </ac:spMkLst>
-        </pc:spChg>
-        <pc:picChg chg="add mod">
-          <ac:chgData name="PABLO RIBEIRO" userId="8dc26c22-85d6-4ba5-a9ce-1fb6dafde0e5" providerId="ADAL" clId="{B75C79C7-7432-4B3C-AF6C-89A1CEBDD04E}" dt="2020-08-31T04:13:59.042" v="635" actId="1076"/>
-          <ac:picMkLst>
-            <pc:docMk/>
-            <pc:sldMk cId="2816726262" sldId="347"/>
-            <ac:picMk id="8" creationId="{575F9B8A-EE37-411B-B17D-BA6456242DA9}"/>
-          </ac:picMkLst>
-        </pc:picChg>
-      </pc:sldChg>
-      <pc:sldChg chg="addSp delSp modSp add mod modTransition">
-        <pc:chgData name="PABLO RIBEIRO" userId="8dc26c22-85d6-4ba5-a9ce-1fb6dafde0e5" providerId="ADAL" clId="{B75C79C7-7432-4B3C-AF6C-89A1CEBDD04E}" dt="2020-08-31T21:32:24.199" v="2099"/>
-        <pc:sldMkLst>
-          <pc:docMk/>
-          <pc:sldMk cId="3468865845" sldId="348"/>
-        </pc:sldMkLst>
-        <pc:spChg chg="mod">
-          <ac:chgData name="PABLO RIBEIRO" userId="8dc26c22-85d6-4ba5-a9ce-1fb6dafde0e5" providerId="ADAL" clId="{B75C79C7-7432-4B3C-AF6C-89A1CEBDD04E}" dt="2020-08-31T04:19:08.455" v="1160" actId="20577"/>
-          <ac:spMkLst>
-            <pc:docMk/>
-            <pc:sldMk cId="3468865845" sldId="348"/>
-            <ac:spMk id="2" creationId="{53C9334F-F7EA-4C4D-AD73-14F433AEFC7C}"/>
-          </ac:spMkLst>
-        </pc:spChg>
-        <pc:spChg chg="mod">
-          <ac:chgData name="PABLO RIBEIRO" userId="8dc26c22-85d6-4ba5-a9ce-1fb6dafde0e5" providerId="ADAL" clId="{B75C79C7-7432-4B3C-AF6C-89A1CEBDD04E}" dt="2020-08-31T04:26:17.636" v="1667" actId="20577"/>
-          <ac:spMkLst>
-            <pc:docMk/>
-            <pc:sldMk cId="3468865845" sldId="348"/>
-            <ac:spMk id="7" creationId="{CAF04F12-0930-4925-93A7-E1E37CB1168F}"/>
-          </ac:spMkLst>
-        </pc:spChg>
-        <pc:picChg chg="del">
-          <ac:chgData name="PABLO RIBEIRO" userId="8dc26c22-85d6-4ba5-a9ce-1fb6dafde0e5" providerId="ADAL" clId="{B75C79C7-7432-4B3C-AF6C-89A1CEBDD04E}" dt="2020-08-31T04:19:10.536" v="1161" actId="478"/>
-          <ac:picMkLst>
-            <pc:docMk/>
-            <pc:sldMk cId="3468865845" sldId="348"/>
-            <ac:picMk id="8" creationId="{575F9B8A-EE37-411B-B17D-BA6456242DA9}"/>
-          </ac:picMkLst>
-        </pc:picChg>
-        <pc:picChg chg="add mod">
-          <ac:chgData name="PABLO RIBEIRO" userId="8dc26c22-85d6-4ba5-a9ce-1fb6dafde0e5" providerId="ADAL" clId="{B75C79C7-7432-4B3C-AF6C-89A1CEBDD04E}" dt="2020-08-31T04:20:16.929" v="1167" actId="1076"/>
-          <ac:picMkLst>
-            <pc:docMk/>
-            <pc:sldMk cId="3468865845" sldId="348"/>
-            <ac:picMk id="9" creationId="{89C57104-9983-4B7C-A59A-FDC58344F69B}"/>
-          </ac:picMkLst>
-        </pc:picChg>
-      </pc:sldChg>
-      <pc:sldChg chg="addSp delSp modSp add mod modTransition setBg">
-        <pc:chgData name="PABLO RIBEIRO" userId="8dc26c22-85d6-4ba5-a9ce-1fb6dafde0e5" providerId="ADAL" clId="{B75C79C7-7432-4B3C-AF6C-89A1CEBDD04E}" dt="2020-08-31T21:32:27.001" v="2100"/>
-        <pc:sldMkLst>
-          <pc:docMk/>
-          <pc:sldMk cId="1084006738" sldId="349"/>
-        </pc:sldMkLst>
-        <pc:spChg chg="mod">
-          <ac:chgData name="PABLO RIBEIRO" userId="8dc26c22-85d6-4ba5-a9ce-1fb6dafde0e5" providerId="ADAL" clId="{B75C79C7-7432-4B3C-AF6C-89A1CEBDD04E}" dt="2020-08-31T04:29:01.379" v="1682" actId="26606"/>
-          <ac:spMkLst>
-            <pc:docMk/>
-            <pc:sldMk cId="1084006738" sldId="349"/>
-            <ac:spMk id="2" creationId="{53C9334F-F7EA-4C4D-AD73-14F433AEFC7C}"/>
-          </ac:spMkLst>
-        </pc:spChg>
-        <pc:spChg chg="mod">
-          <ac:chgData name="PABLO RIBEIRO" userId="8dc26c22-85d6-4ba5-a9ce-1fb6dafde0e5" providerId="ADAL" clId="{B75C79C7-7432-4B3C-AF6C-89A1CEBDD04E}" dt="2020-08-31T04:29:01.379" v="1682" actId="26606"/>
-          <ac:spMkLst>
-            <pc:docMk/>
-            <pc:sldMk cId="1084006738" sldId="349"/>
-            <ac:spMk id="5" creationId="{75938DF3-E53E-449A-A3ED-A0E032B49E3B}"/>
-          </ac:spMkLst>
-        </pc:spChg>
-        <pc:spChg chg="mod">
-          <ac:chgData name="PABLO RIBEIRO" userId="8dc26c22-85d6-4ba5-a9ce-1fb6dafde0e5" providerId="ADAL" clId="{B75C79C7-7432-4B3C-AF6C-89A1CEBDD04E}" dt="2020-08-31T04:29:01.379" v="1682" actId="26606"/>
-          <ac:spMkLst>
-            <pc:docMk/>
-            <pc:sldMk cId="1084006738" sldId="349"/>
-            <ac:spMk id="6" creationId="{34A58F1A-F1BA-4B3F-80F5-FA21E0B933DA}"/>
-          </ac:spMkLst>
-        </pc:spChg>
-        <pc:spChg chg="mod">
-          <ac:chgData name="PABLO RIBEIRO" userId="8dc26c22-85d6-4ba5-a9ce-1fb6dafde0e5" providerId="ADAL" clId="{B75C79C7-7432-4B3C-AF6C-89A1CEBDD04E}" dt="2020-08-31T04:29:52.567" v="1705" actId="12"/>
-          <ac:spMkLst>
-            <pc:docMk/>
-            <pc:sldMk cId="1084006738" sldId="349"/>
-            <ac:spMk id="7" creationId="{CAF04F12-0930-4925-93A7-E1E37CB1168F}"/>
-          </ac:spMkLst>
-        </pc:spChg>
-        <pc:spChg chg="add del">
-          <ac:chgData name="PABLO RIBEIRO" userId="8dc26c22-85d6-4ba5-a9ce-1fb6dafde0e5" providerId="ADAL" clId="{B75C79C7-7432-4B3C-AF6C-89A1CEBDD04E}" dt="2020-08-31T04:29:01.379" v="1682" actId="26606"/>
-          <ac:spMkLst>
-            <pc:docMk/>
-            <pc:sldMk cId="1084006738" sldId="349"/>
-            <ac:spMk id="14" creationId="{799A8B4F-0FED-46C0-9186-5A8E116D8744}"/>
-          </ac:spMkLst>
-        </pc:spChg>
-        <pc:spChg chg="add del">
-          <ac:chgData name="PABLO RIBEIRO" userId="8dc26c22-85d6-4ba5-a9ce-1fb6dafde0e5" providerId="ADAL" clId="{B75C79C7-7432-4B3C-AF6C-89A1CEBDD04E}" dt="2020-08-31T04:29:01.379" v="1682" actId="26606"/>
-          <ac:spMkLst>
-            <pc:docMk/>
-            <pc:sldMk cId="1084006738" sldId="349"/>
-            <ac:spMk id="18" creationId="{38A69B74-22E3-47CC-823F-18BE7930C814}"/>
-          </ac:spMkLst>
-        </pc:spChg>
-        <pc:spChg chg="add del">
-          <ac:chgData name="PABLO RIBEIRO" userId="8dc26c22-85d6-4ba5-a9ce-1fb6dafde0e5" providerId="ADAL" clId="{B75C79C7-7432-4B3C-AF6C-89A1CEBDD04E}" dt="2020-08-31T04:29:01.379" v="1682" actId="26606"/>
-          <ac:spMkLst>
-            <pc:docMk/>
-            <pc:sldMk cId="1084006738" sldId="349"/>
-            <ac:spMk id="20" creationId="{1778637B-5DB8-4A75-B2E6-FC2B1BB9A7DB}"/>
-          </ac:spMkLst>
-        </pc:spChg>
-        <pc:spChg chg="add del">
-          <ac:chgData name="PABLO RIBEIRO" userId="8dc26c22-85d6-4ba5-a9ce-1fb6dafde0e5" providerId="ADAL" clId="{B75C79C7-7432-4B3C-AF6C-89A1CEBDD04E}" dt="2020-08-31T04:29:01.379" v="1682" actId="26606"/>
-          <ac:spMkLst>
-            <pc:docMk/>
-            <pc:sldMk cId="1084006738" sldId="349"/>
-            <ac:spMk id="22" creationId="{0035A30C-45F3-4EFB-B2E8-6E2A11843D39}"/>
-          </ac:spMkLst>
-        </pc:spChg>
-        <pc:picChg chg="mod">
-          <ac:chgData name="PABLO RIBEIRO" userId="8dc26c22-85d6-4ba5-a9ce-1fb6dafde0e5" providerId="ADAL" clId="{B75C79C7-7432-4B3C-AF6C-89A1CEBDD04E}" dt="2020-08-31T04:29:01.379" v="1682" actId="26606"/>
-          <ac:picMkLst>
-            <pc:docMk/>
-            <pc:sldMk cId="1084006738" sldId="349"/>
-            <ac:picMk id="3" creationId="{4BD75C6F-D32A-47ED-8C5D-F4D3A0F6F4E4}"/>
-          </ac:picMkLst>
-        </pc:picChg>
-        <pc:picChg chg="add mod ord">
-          <ac:chgData name="PABLO RIBEIRO" userId="8dc26c22-85d6-4ba5-a9ce-1fb6dafde0e5" providerId="ADAL" clId="{B75C79C7-7432-4B3C-AF6C-89A1CEBDD04E}" dt="2020-08-31T04:29:20.592" v="1687" actId="1076"/>
-          <ac:picMkLst>
-            <pc:docMk/>
-            <pc:sldMk cId="1084006738" sldId="349"/>
-            <ac:picMk id="8" creationId="{EB2352B0-5B16-42E5-9FA2-D2F79AC17DEE}"/>
-          </ac:picMkLst>
-        </pc:picChg>
-        <pc:picChg chg="del mod">
-          <ac:chgData name="PABLO RIBEIRO" userId="8dc26c22-85d6-4ba5-a9ce-1fb6dafde0e5" providerId="ADAL" clId="{B75C79C7-7432-4B3C-AF6C-89A1CEBDD04E}" dt="2020-08-31T04:29:06.076" v="1683" actId="478"/>
-          <ac:picMkLst>
-            <pc:docMk/>
-            <pc:sldMk cId="1084006738" sldId="349"/>
-            <ac:picMk id="9" creationId="{89C57104-9983-4B7C-A59A-FDC58344F69B}"/>
-          </ac:picMkLst>
-        </pc:picChg>
-        <pc:picChg chg="add del">
-          <ac:chgData name="PABLO RIBEIRO" userId="8dc26c22-85d6-4ba5-a9ce-1fb6dafde0e5" providerId="ADAL" clId="{B75C79C7-7432-4B3C-AF6C-89A1CEBDD04E}" dt="2020-08-31T04:29:01.379" v="1682" actId="26606"/>
-          <ac:picMkLst>
-            <pc:docMk/>
-            <pc:sldMk cId="1084006738" sldId="349"/>
-            <ac:picMk id="16" creationId="{DA6861EE-7660-46C9-80BD-173B8F7454B8}"/>
-          </ac:picMkLst>
-        </pc:picChg>
-      </pc:sldChg>
-      <pc:sldChg chg="add del">
-        <pc:chgData name="PABLO RIBEIRO" userId="8dc26c22-85d6-4ba5-a9ce-1fb6dafde0e5" providerId="ADAL" clId="{B75C79C7-7432-4B3C-AF6C-89A1CEBDD04E}" dt="2020-08-31T04:40:37.722" v="1707"/>
-        <pc:sldMkLst>
-          <pc:docMk/>
-          <pc:sldMk cId="1530950418" sldId="350"/>
-        </pc:sldMkLst>
-      </pc:sldChg>
-      <pc:sldChg chg="modSp add del mod">
-        <pc:chgData name="PABLO RIBEIRO" userId="8dc26c22-85d6-4ba5-a9ce-1fb6dafde0e5" providerId="ADAL" clId="{B75C79C7-7432-4B3C-AF6C-89A1CEBDD04E}" dt="2020-08-31T04:42:12.039" v="1735" actId="47"/>
-        <pc:sldMkLst>
-          <pc:docMk/>
-          <pc:sldMk cId="2832522695" sldId="350"/>
-        </pc:sldMkLst>
-        <pc:spChg chg="mod">
-          <ac:chgData name="PABLO RIBEIRO" userId="8dc26c22-85d6-4ba5-a9ce-1fb6dafde0e5" providerId="ADAL" clId="{B75C79C7-7432-4B3C-AF6C-89A1CEBDD04E}" dt="2020-08-31T04:42:07.252" v="1733" actId="20577"/>
-          <ac:spMkLst>
-            <pc:docMk/>
-            <pc:sldMk cId="2832522695" sldId="350"/>
-            <ac:spMk id="2" creationId="{53C9334F-F7EA-4C4D-AD73-14F433AEFC7C}"/>
-          </ac:spMkLst>
-        </pc:spChg>
-      </pc:sldChg>
-      <pc:sldChg chg="addSp delSp modSp add del mod modTransition">
-        <pc:chgData name="PABLO RIBEIRO" userId="8dc26c22-85d6-4ba5-a9ce-1fb6dafde0e5" providerId="ADAL" clId="{B75C79C7-7432-4B3C-AF6C-89A1CEBDD04E}" dt="2020-08-31T21:33:26.414" v="2113"/>
-        <pc:sldMkLst>
-          <pc:docMk/>
-          <pc:sldMk cId="2876785368" sldId="351"/>
-        </pc:sldMkLst>
-        <pc:spChg chg="mod">
-          <ac:chgData name="PABLO RIBEIRO" userId="8dc26c22-85d6-4ba5-a9ce-1fb6dafde0e5" providerId="ADAL" clId="{B75C79C7-7432-4B3C-AF6C-89A1CEBDD04E}" dt="2020-08-31T04:43:53.622" v="1885" actId="20577"/>
-          <ac:spMkLst>
-            <pc:docMk/>
-            <pc:sldMk cId="2876785368" sldId="351"/>
-            <ac:spMk id="2" creationId="{53C9334F-F7EA-4C4D-AD73-14F433AEFC7C}"/>
-          </ac:spMkLst>
-        </pc:spChg>
-        <pc:spChg chg="mod">
-          <ac:chgData name="PABLO RIBEIRO" userId="8dc26c22-85d6-4ba5-a9ce-1fb6dafde0e5" providerId="ADAL" clId="{B75C79C7-7432-4B3C-AF6C-89A1CEBDD04E}" dt="2020-08-31T04:48:16.704" v="2090" actId="20577"/>
-          <ac:spMkLst>
-            <pc:docMk/>
-            <pc:sldMk cId="2876785368" sldId="351"/>
-            <ac:spMk id="7" creationId="{CAF04F12-0930-4925-93A7-E1E37CB1168F}"/>
-          </ac:spMkLst>
-        </pc:spChg>
-        <pc:graphicFrameChg chg="add mod modGraphic">
-          <ac:chgData name="PABLO RIBEIRO" userId="8dc26c22-85d6-4ba5-a9ce-1fb6dafde0e5" providerId="ADAL" clId="{B75C79C7-7432-4B3C-AF6C-89A1CEBDD04E}" dt="2020-08-31T04:48:36.185" v="2093" actId="20577"/>
-          <ac:graphicFrameMkLst>
-            <pc:docMk/>
-            <pc:sldMk cId="2876785368" sldId="351"/>
-            <ac:graphicFrameMk id="4" creationId="{799B4115-AB34-4B72-88FD-93B763BDA13D}"/>
-          </ac:graphicFrameMkLst>
-        </pc:graphicFrameChg>
-        <pc:graphicFrameChg chg="add mod modGraphic">
-          <ac:chgData name="PABLO RIBEIRO" userId="8dc26c22-85d6-4ba5-a9ce-1fb6dafde0e5" providerId="ADAL" clId="{B75C79C7-7432-4B3C-AF6C-89A1CEBDD04E}" dt="2020-08-31T04:48:15.371" v="2088" actId="1036"/>
-          <ac:graphicFrameMkLst>
-            <pc:docMk/>
-            <pc:sldMk cId="2876785368" sldId="351"/>
-            <ac:graphicFrameMk id="11" creationId="{381DA933-18D4-4640-BAB8-09AF14827847}"/>
-          </ac:graphicFrameMkLst>
-        </pc:graphicFrameChg>
-        <pc:picChg chg="del mod">
-          <ac:chgData name="PABLO RIBEIRO" userId="8dc26c22-85d6-4ba5-a9ce-1fb6dafde0e5" providerId="ADAL" clId="{B75C79C7-7432-4B3C-AF6C-89A1CEBDD04E}" dt="2020-08-31T04:47:02.755" v="2014" actId="478"/>
-          <ac:picMkLst>
-            <pc:docMk/>
-            <pc:sldMk cId="2876785368" sldId="351"/>
-            <ac:picMk id="8" creationId="{EB2352B0-5B16-42E5-9FA2-D2F79AC17DEE}"/>
-          </ac:picMkLst>
-        </pc:picChg>
-        <pc:picChg chg="add mod">
-          <ac:chgData name="PABLO RIBEIRO" userId="8dc26c22-85d6-4ba5-a9ce-1fb6dafde0e5" providerId="ADAL" clId="{B75C79C7-7432-4B3C-AF6C-89A1CEBDD04E}" dt="2020-08-31T04:47:16.979" v="2020" actId="1035"/>
-          <ac:picMkLst>
-            <pc:docMk/>
-            <pc:sldMk cId="2876785368" sldId="351"/>
-            <ac:picMk id="13" creationId="{15841944-E37A-410E-8129-925031F09E24}"/>
-          </ac:picMkLst>
-        </pc:picChg>
-      </pc:sldChg>
-      <pc:sldChg chg="addSp delSp modSp add mod">
-        <pc:chgData name="PABLO RIBEIRO" userId="8dc26c22-85d6-4ba5-a9ce-1fb6dafde0e5" providerId="ADAL" clId="{B75C79C7-7432-4B3C-AF6C-89A1CEBDD04E}" dt="2020-08-31T21:53:35.645" v="2212" actId="1076"/>
-        <pc:sldMkLst>
-          <pc:docMk/>
-          <pc:sldMk cId="1687084639" sldId="352"/>
-        </pc:sldMkLst>
-        <pc:spChg chg="mod">
-          <ac:chgData name="PABLO RIBEIRO" userId="8dc26c22-85d6-4ba5-a9ce-1fb6dafde0e5" providerId="ADAL" clId="{B75C79C7-7432-4B3C-AF6C-89A1CEBDD04E}" dt="2020-08-31T21:47:14.170" v="2169" actId="20577"/>
-          <ac:spMkLst>
-            <pc:docMk/>
-            <pc:sldMk cId="1687084639" sldId="352"/>
-            <ac:spMk id="2" creationId="{53C9334F-F7EA-4C4D-AD73-14F433AEFC7C}"/>
-          </ac:spMkLst>
-        </pc:spChg>
-        <pc:spChg chg="add mod">
-          <ac:chgData name="PABLO RIBEIRO" userId="8dc26c22-85d6-4ba5-a9ce-1fb6dafde0e5" providerId="ADAL" clId="{B75C79C7-7432-4B3C-AF6C-89A1CEBDD04E}" dt="2020-08-31T21:53:35.645" v="2212" actId="1076"/>
-          <ac:spMkLst>
-            <pc:docMk/>
-            <pc:sldMk cId="1687084639" sldId="352"/>
-            <ac:spMk id="15" creationId="{9239BA59-274C-4C68-B53A-E91ABA151109}"/>
-          </ac:spMkLst>
-        </pc:spChg>
-        <pc:graphicFrameChg chg="del">
-          <ac:chgData name="PABLO RIBEIRO" userId="8dc26c22-85d6-4ba5-a9ce-1fb6dafde0e5" providerId="ADAL" clId="{B75C79C7-7432-4B3C-AF6C-89A1CEBDD04E}" dt="2020-08-31T21:51:35.283" v="2178" actId="478"/>
-          <ac:graphicFrameMkLst>
-            <pc:docMk/>
-            <pc:sldMk cId="1687084639" sldId="352"/>
-            <ac:graphicFrameMk id="13" creationId="{03C839C4-C302-4899-9BC4-B4704E3A8273}"/>
-          </ac:graphicFrameMkLst>
-        </pc:graphicFrameChg>
-        <pc:picChg chg="del">
-          <ac:chgData name="PABLO RIBEIRO" userId="8dc26c22-85d6-4ba5-a9ce-1fb6dafde0e5" providerId="ADAL" clId="{B75C79C7-7432-4B3C-AF6C-89A1CEBDD04E}" dt="2020-08-31T21:51:22.786" v="2171" actId="478"/>
-          <ac:picMkLst>
-            <pc:docMk/>
-            <pc:sldMk cId="1687084639" sldId="352"/>
-            <ac:picMk id="4" creationId="{7960B030-7F4E-4F87-9664-A61EA9BC8C6A}"/>
-          </ac:picMkLst>
-        </pc:picChg>
-        <pc:picChg chg="add mod">
-          <ac:chgData name="PABLO RIBEIRO" userId="8dc26c22-85d6-4ba5-a9ce-1fb6dafde0e5" providerId="ADAL" clId="{B75C79C7-7432-4B3C-AF6C-89A1CEBDD04E}" dt="2020-08-31T21:51:32.754" v="2177" actId="1076"/>
-          <ac:picMkLst>
-            <pc:docMk/>
-            <pc:sldMk cId="1687084639" sldId="352"/>
-            <ac:picMk id="8" creationId="{70FBDF34-C397-42E8-9711-FD8EB3D4F428}"/>
-          </ac:picMkLst>
-        </pc:picChg>
-        <pc:picChg chg="add del mod">
-          <ac:chgData name="PABLO RIBEIRO" userId="8dc26c22-85d6-4ba5-a9ce-1fb6dafde0e5" providerId="ADAL" clId="{B75C79C7-7432-4B3C-AF6C-89A1CEBDD04E}" dt="2020-08-31T21:52:44.134" v="2187" actId="478"/>
-          <ac:picMkLst>
-            <pc:docMk/>
-            <pc:sldMk cId="1687084639" sldId="352"/>
-            <ac:picMk id="11" creationId="{1C8D20F6-891D-45D5-9849-FAB1BFEF13DF}"/>
-          </ac:picMkLst>
-        </pc:picChg>
-        <pc:picChg chg="add">
-          <ac:chgData name="PABLO RIBEIRO" userId="8dc26c22-85d6-4ba5-a9ce-1fb6dafde0e5" providerId="ADAL" clId="{B75C79C7-7432-4B3C-AF6C-89A1CEBDD04E}" dt="2020-08-31T21:53:03.054" v="2188" actId="22"/>
-          <ac:picMkLst>
-            <pc:docMk/>
-            <pc:sldMk cId="1687084639" sldId="352"/>
-            <ac:picMk id="14" creationId="{FA123A51-B134-4DCC-A9AA-4D1169590810}"/>
-          </ac:picMkLst>
-        </pc:picChg>
-      </pc:sldChg>
-      <pc:sldChg chg="addSp delSp modSp add mod">
-        <pc:chgData name="PABLO RIBEIRO" userId="8dc26c22-85d6-4ba5-a9ce-1fb6dafde0e5" providerId="ADAL" clId="{B75C79C7-7432-4B3C-AF6C-89A1CEBDD04E}" dt="2020-08-31T22:09:06.873" v="2273" actId="478"/>
-        <pc:sldMkLst>
-          <pc:docMk/>
-          <pc:sldMk cId="73016996" sldId="353"/>
-        </pc:sldMkLst>
-        <pc:spChg chg="mod">
-          <ac:chgData name="PABLO RIBEIRO" userId="8dc26c22-85d6-4ba5-a9ce-1fb6dafde0e5" providerId="ADAL" clId="{B75C79C7-7432-4B3C-AF6C-89A1CEBDD04E}" dt="2020-08-31T21:58:11.893" v="2239" actId="1076"/>
-          <ac:spMkLst>
-            <pc:docMk/>
-            <pc:sldMk cId="73016996" sldId="353"/>
-            <ac:spMk id="15" creationId="{9239BA59-274C-4C68-B53A-E91ABA151109}"/>
-          </ac:spMkLst>
-        </pc:spChg>
-        <pc:picChg chg="add mod">
-          <ac:chgData name="PABLO RIBEIRO" userId="8dc26c22-85d6-4ba5-a9ce-1fb6dafde0e5" providerId="ADAL" clId="{B75C79C7-7432-4B3C-AF6C-89A1CEBDD04E}" dt="2020-08-31T21:58:00.758" v="2217" actId="1076"/>
-          <ac:picMkLst>
-            <pc:docMk/>
-            <pc:sldMk cId="73016996" sldId="353"/>
-            <ac:picMk id="6" creationId="{CAE04177-F3B3-41D5-8188-9BF1B93817FE}"/>
-          </ac:picMkLst>
-        </pc:picChg>
-        <pc:picChg chg="add del mod">
-          <ac:chgData name="PABLO RIBEIRO" userId="8dc26c22-85d6-4ba5-a9ce-1fb6dafde0e5" providerId="ADAL" clId="{B75C79C7-7432-4B3C-AF6C-89A1CEBDD04E}" dt="2020-08-31T22:09:06.873" v="2273" actId="478"/>
-          <ac:picMkLst>
-            <pc:docMk/>
-            <pc:sldMk cId="73016996" sldId="353"/>
-            <ac:picMk id="11" creationId="{BD1EDB3F-8F49-4025-BE10-05017569FF66}"/>
-          </ac:picMkLst>
-        </pc:picChg>
-        <pc:picChg chg="del">
-          <ac:chgData name="PABLO RIBEIRO" userId="8dc26c22-85d6-4ba5-a9ce-1fb6dafde0e5" providerId="ADAL" clId="{B75C79C7-7432-4B3C-AF6C-89A1CEBDD04E}" dt="2020-08-31T21:57:53.319" v="2214" actId="478"/>
-          <ac:picMkLst>
-            <pc:docMk/>
-            <pc:sldMk cId="73016996" sldId="353"/>
-            <ac:picMk id="14" creationId="{FA123A51-B134-4DCC-A9AA-4D1169590810}"/>
-          </ac:picMkLst>
-        </pc:picChg>
-      </pc:sldChg>
-      <pc:sldChg chg="delSp modSp add mod">
-        <pc:chgData name="PABLO RIBEIRO" userId="8dc26c22-85d6-4ba5-a9ce-1fb6dafde0e5" providerId="ADAL" clId="{B75C79C7-7432-4B3C-AF6C-89A1CEBDD04E}" dt="2020-08-31T22:01:59.732" v="2266" actId="20577"/>
-        <pc:sldMkLst>
-          <pc:docMk/>
-          <pc:sldMk cId="1584831231" sldId="354"/>
-        </pc:sldMkLst>
-        <pc:spChg chg="mod">
-          <ac:chgData name="PABLO RIBEIRO" userId="8dc26c22-85d6-4ba5-a9ce-1fb6dafde0e5" providerId="ADAL" clId="{B75C79C7-7432-4B3C-AF6C-89A1CEBDD04E}" dt="2020-08-31T22:01:59.732" v="2266" actId="20577"/>
-          <ac:spMkLst>
-            <pc:docMk/>
-            <pc:sldMk cId="1584831231" sldId="354"/>
-            <ac:spMk id="15" creationId="{9239BA59-274C-4C68-B53A-E91ABA151109}"/>
-          </ac:spMkLst>
-        </pc:spChg>
-        <pc:picChg chg="del">
-          <ac:chgData name="PABLO RIBEIRO" userId="8dc26c22-85d6-4ba5-a9ce-1fb6dafde0e5" providerId="ADAL" clId="{B75C79C7-7432-4B3C-AF6C-89A1CEBDD04E}" dt="2020-08-31T22:01:39.295" v="2243" actId="478"/>
-          <ac:picMkLst>
-            <pc:docMk/>
-            <pc:sldMk cId="1584831231" sldId="354"/>
-            <ac:picMk id="6" creationId="{CAE04177-F3B3-41D5-8188-9BF1B93817FE}"/>
-          </ac:picMkLst>
-        </pc:picChg>
-        <pc:picChg chg="mod">
-          <ac:chgData name="PABLO RIBEIRO" userId="8dc26c22-85d6-4ba5-a9ce-1fb6dafde0e5" providerId="ADAL" clId="{B75C79C7-7432-4B3C-AF6C-89A1CEBDD04E}" dt="2020-08-31T22:01:50.884" v="2247" actId="1076"/>
-          <ac:picMkLst>
-            <pc:docMk/>
-            <pc:sldMk cId="1584831231" sldId="354"/>
-            <ac:picMk id="11" creationId="{BD1EDB3F-8F49-4025-BE10-05017569FF66}"/>
-          </ac:picMkLst>
-        </pc:picChg>
-      </pc:sldChg>
-      <pc:sldChg chg="addSp delSp modSp add mod">
-        <pc:chgData name="PABLO RIBEIRO" userId="8dc26c22-85d6-4ba5-a9ce-1fb6dafde0e5" providerId="ADAL" clId="{B75C79C7-7432-4B3C-AF6C-89A1CEBDD04E}" dt="2020-08-31T22:09:55.246" v="2330" actId="1076"/>
-        <pc:sldMkLst>
-          <pc:docMk/>
-          <pc:sldMk cId="2560647563" sldId="355"/>
-        </pc:sldMkLst>
-        <pc:spChg chg="mod">
-          <ac:chgData name="PABLO RIBEIRO" userId="8dc26c22-85d6-4ba5-a9ce-1fb6dafde0e5" providerId="ADAL" clId="{B75C79C7-7432-4B3C-AF6C-89A1CEBDD04E}" dt="2020-08-31T22:09:55.246" v="2330" actId="1076"/>
-          <ac:spMkLst>
-            <pc:docMk/>
-            <pc:sldMk cId="2560647563" sldId="355"/>
-            <ac:spMk id="15" creationId="{9239BA59-274C-4C68-B53A-E91ABA151109}"/>
-          </ac:spMkLst>
-        </pc:spChg>
-        <pc:picChg chg="add mod">
-          <ac:chgData name="PABLO RIBEIRO" userId="8dc26c22-85d6-4ba5-a9ce-1fb6dafde0e5" providerId="ADAL" clId="{B75C79C7-7432-4B3C-AF6C-89A1CEBDD04E}" dt="2020-08-31T22:09:41.017" v="2276" actId="1076"/>
-          <ac:picMkLst>
-            <pc:docMk/>
-            <pc:sldMk cId="2560647563" sldId="355"/>
-            <ac:picMk id="6" creationId="{C227CCF9-A41E-401B-88F8-7B3B76AC4471}"/>
-          </ac:picMkLst>
-        </pc:picChg>
-        <pc:picChg chg="del">
-          <ac:chgData name="PABLO RIBEIRO" userId="8dc26c22-85d6-4ba5-a9ce-1fb6dafde0e5" providerId="ADAL" clId="{B75C79C7-7432-4B3C-AF6C-89A1CEBDD04E}" dt="2020-08-31T22:09:35.887" v="2274" actId="478"/>
-          <ac:picMkLst>
-            <pc:docMk/>
-            <pc:sldMk cId="2560647563" sldId="355"/>
-            <ac:picMk id="11" creationId="{BD1EDB3F-8F49-4025-BE10-05017569FF66}"/>
-          </ac:picMkLst>
-        </pc:picChg>
-      </pc:sldChg>
-      <pc:sldChg chg="addSp delSp modSp add mod">
-        <pc:chgData name="PABLO RIBEIRO" userId="8dc26c22-85d6-4ba5-a9ce-1fb6dafde0e5" providerId="ADAL" clId="{B75C79C7-7432-4B3C-AF6C-89A1CEBDD04E}" dt="2020-08-31T22:41:07.176" v="2540" actId="1076"/>
-        <pc:sldMkLst>
-          <pc:docMk/>
-          <pc:sldMk cId="1349614022" sldId="356"/>
-        </pc:sldMkLst>
-        <pc:spChg chg="mod ord">
-          <ac:chgData name="PABLO RIBEIRO" userId="8dc26c22-85d6-4ba5-a9ce-1fb6dafde0e5" providerId="ADAL" clId="{B75C79C7-7432-4B3C-AF6C-89A1CEBDD04E}" dt="2020-08-31T22:41:07.176" v="2540" actId="1076"/>
-          <ac:spMkLst>
-            <pc:docMk/>
-            <pc:sldMk cId="1349614022" sldId="356"/>
-            <ac:spMk id="15" creationId="{9239BA59-274C-4C68-B53A-E91ABA151109}"/>
-          </ac:spMkLst>
-        </pc:spChg>
-        <pc:picChg chg="add del mod">
-          <ac:chgData name="PABLO RIBEIRO" userId="8dc26c22-85d6-4ba5-a9ce-1fb6dafde0e5" providerId="ADAL" clId="{B75C79C7-7432-4B3C-AF6C-89A1CEBDD04E}" dt="2020-08-31T22:11:23.994" v="2345" actId="478"/>
-          <ac:picMkLst>
-            <pc:docMk/>
-            <pc:sldMk cId="1349614022" sldId="356"/>
-            <ac:picMk id="6" creationId="{08B85230-AE97-47FA-A9D0-096F38C16210}"/>
-          </ac:picMkLst>
-        </pc:picChg>
-        <pc:picChg chg="del">
-          <ac:chgData name="PABLO RIBEIRO" userId="8dc26c22-85d6-4ba5-a9ce-1fb6dafde0e5" providerId="ADAL" clId="{B75C79C7-7432-4B3C-AF6C-89A1CEBDD04E}" dt="2020-08-31T22:10:05.627" v="2333" actId="478"/>
-          <ac:picMkLst>
-            <pc:docMk/>
-            <pc:sldMk cId="1349614022" sldId="356"/>
-            <ac:picMk id="11" creationId="{BD1EDB3F-8F49-4025-BE10-05017569FF66}"/>
-          </ac:picMkLst>
-        </pc:picChg>
-        <pc:picChg chg="add mod">
-          <ac:chgData name="PABLO RIBEIRO" userId="8dc26c22-85d6-4ba5-a9ce-1fb6dafde0e5" providerId="ADAL" clId="{B75C79C7-7432-4B3C-AF6C-89A1CEBDD04E}" dt="2020-08-31T22:11:38.158" v="2350" actId="1076"/>
-          <ac:picMkLst>
-            <pc:docMk/>
-            <pc:sldMk cId="1349614022" sldId="356"/>
-            <ac:picMk id="12" creationId="{D27E30DD-E824-4EBC-9C6C-EB1CA29F2BB0}"/>
-          </ac:picMkLst>
-        </pc:picChg>
-      </pc:sldChg>
-      <pc:sldChg chg="addSp delSp modSp add mod">
-        <pc:chgData name="PABLO RIBEIRO" userId="8dc26c22-85d6-4ba5-a9ce-1fb6dafde0e5" providerId="ADAL" clId="{B75C79C7-7432-4B3C-AF6C-89A1CEBDD04E}" dt="2020-08-31T22:20:44.601" v="2472" actId="1076"/>
-        <pc:sldMkLst>
-          <pc:docMk/>
-          <pc:sldMk cId="26052012" sldId="357"/>
-        </pc:sldMkLst>
-        <pc:spChg chg="mod">
-          <ac:chgData name="PABLO RIBEIRO" userId="8dc26c22-85d6-4ba5-a9ce-1fb6dafde0e5" providerId="ADAL" clId="{B75C79C7-7432-4B3C-AF6C-89A1CEBDD04E}" dt="2020-08-31T22:20:44.601" v="2472" actId="1076"/>
-          <ac:spMkLst>
-            <pc:docMk/>
-            <pc:sldMk cId="26052012" sldId="357"/>
-            <ac:spMk id="15" creationId="{9239BA59-274C-4C68-B53A-E91ABA151109}"/>
-          </ac:spMkLst>
-        </pc:spChg>
-        <pc:picChg chg="add mod">
-          <ac:chgData name="PABLO RIBEIRO" userId="8dc26c22-85d6-4ba5-a9ce-1fb6dafde0e5" providerId="ADAL" clId="{B75C79C7-7432-4B3C-AF6C-89A1CEBDD04E}" dt="2020-08-31T22:20:27.278" v="2439" actId="1076"/>
-          <ac:picMkLst>
-            <pc:docMk/>
-            <pc:sldMk cId="26052012" sldId="357"/>
-            <ac:picMk id="6" creationId="{E696B324-BAAB-48E4-8D66-C60503A796DD}"/>
-          </ac:picMkLst>
-        </pc:picChg>
-        <pc:picChg chg="del">
-          <ac:chgData name="PABLO RIBEIRO" userId="8dc26c22-85d6-4ba5-a9ce-1fb6dafde0e5" providerId="ADAL" clId="{B75C79C7-7432-4B3C-AF6C-89A1CEBDD04E}" dt="2020-08-31T22:20:19.431" v="2437" actId="478"/>
-          <ac:picMkLst>
-            <pc:docMk/>
-            <pc:sldMk cId="26052012" sldId="357"/>
-            <ac:picMk id="11" creationId="{BD1EDB3F-8F49-4025-BE10-05017569FF66}"/>
-          </ac:picMkLst>
-        </pc:picChg>
-      </pc:sldChg>
-      <pc:sldChg chg="addSp delSp modSp add mod">
-        <pc:chgData name="PABLO RIBEIRO" userId="8dc26c22-85d6-4ba5-a9ce-1fb6dafde0e5" providerId="ADAL" clId="{B75C79C7-7432-4B3C-AF6C-89A1CEBDD04E}" dt="2020-09-01T00:38:06.047" v="2668" actId="1076"/>
-        <pc:sldMkLst>
-          <pc:docMk/>
-          <pc:sldMk cId="1334174076" sldId="358"/>
-        </pc:sldMkLst>
-        <pc:spChg chg="mod">
-          <ac:chgData name="PABLO RIBEIRO" userId="8dc26c22-85d6-4ba5-a9ce-1fb6dafde0e5" providerId="ADAL" clId="{B75C79C7-7432-4B3C-AF6C-89A1CEBDD04E}" dt="2020-09-01T00:38:06.047" v="2668" actId="1076"/>
-          <ac:spMkLst>
-            <pc:docMk/>
-            <pc:sldMk cId="1334174076" sldId="358"/>
-            <ac:spMk id="15" creationId="{9239BA59-274C-4C68-B53A-E91ABA151109}"/>
-          </ac:spMkLst>
-        </pc:spChg>
-        <pc:picChg chg="add">
-          <ac:chgData name="PABLO RIBEIRO" userId="8dc26c22-85d6-4ba5-a9ce-1fb6dafde0e5" providerId="ADAL" clId="{B75C79C7-7432-4B3C-AF6C-89A1CEBDD04E}" dt="2020-09-01T00:37:49.760" v="2646" actId="22"/>
-          <ac:picMkLst>
-            <pc:docMk/>
-            <pc:sldMk cId="1334174076" sldId="358"/>
-            <ac:picMk id="6" creationId="{FA586841-9493-407E-8A89-026648C23597}"/>
-          </ac:picMkLst>
-        </pc:picChg>
-        <pc:picChg chg="del">
-          <ac:chgData name="PABLO RIBEIRO" userId="8dc26c22-85d6-4ba5-a9ce-1fb6dafde0e5" providerId="ADAL" clId="{B75C79C7-7432-4B3C-AF6C-89A1CEBDD04E}" dt="2020-09-01T00:37:49.503" v="2645" actId="478"/>
-          <ac:picMkLst>
-            <pc:docMk/>
-            <pc:sldMk cId="1334174076" sldId="358"/>
-            <ac:picMk id="11" creationId="{BD1EDB3F-8F49-4025-BE10-05017569FF66}"/>
-          </ac:picMkLst>
-        </pc:picChg>
-      </pc:sldChg>
-      <pc:sldChg chg="add del">
-        <pc:chgData name="PABLO RIBEIRO" userId="8dc26c22-85d6-4ba5-a9ce-1fb6dafde0e5" providerId="ADAL" clId="{B75C79C7-7432-4B3C-AF6C-89A1CEBDD04E}" dt="2020-09-01T00:38:13.661" v="2669" actId="47"/>
-        <pc:sldMkLst>
-          <pc:docMk/>
-          <pc:sldMk cId="4036169100" sldId="359"/>
-        </pc:sldMkLst>
-      </pc:sldChg>
-      <pc:sldChg chg="add del">
-        <pc:chgData name="PABLO RIBEIRO" userId="8dc26c22-85d6-4ba5-a9ce-1fb6dafde0e5" providerId="ADAL" clId="{B75C79C7-7432-4B3C-AF6C-89A1CEBDD04E}" dt="2020-09-01T00:38:14.874" v="2670" actId="47"/>
-        <pc:sldMkLst>
-          <pc:docMk/>
-          <pc:sldMk cId="640246383" sldId="360"/>
-        </pc:sldMkLst>
-      </pc:sldChg>
-      <pc:sldChg chg="add del">
-        <pc:chgData name="PABLO RIBEIRO" userId="8dc26c22-85d6-4ba5-a9ce-1fb6dafde0e5" providerId="ADAL" clId="{B75C79C7-7432-4B3C-AF6C-89A1CEBDD04E}" dt="2020-08-31T22:10:04.016" v="2332"/>
-        <pc:sldMkLst>
-          <pc:docMk/>
-          <pc:sldMk cId="1207351126" sldId="361"/>
-        </pc:sldMkLst>
-      </pc:sldChg>
-      <pc:sldChg chg="addSp delSp modSp add mod">
-        <pc:chgData name="PABLO RIBEIRO" userId="8dc26c22-85d6-4ba5-a9ce-1fb6dafde0e5" providerId="ADAL" clId="{B75C79C7-7432-4B3C-AF6C-89A1CEBDD04E}" dt="2020-08-31T22:25:46.737" v="2521" actId="1076"/>
-        <pc:sldMkLst>
-          <pc:docMk/>
-          <pc:sldMk cId="3821467730" sldId="361"/>
-        </pc:sldMkLst>
-        <pc:spChg chg="mod">
-          <ac:chgData name="PABLO RIBEIRO" userId="8dc26c22-85d6-4ba5-a9ce-1fb6dafde0e5" providerId="ADAL" clId="{B75C79C7-7432-4B3C-AF6C-89A1CEBDD04E}" dt="2020-08-31T22:21:35.299" v="2507" actId="1076"/>
-          <ac:spMkLst>
-            <pc:docMk/>
-            <pc:sldMk cId="3821467730" sldId="361"/>
-            <ac:spMk id="15" creationId="{9239BA59-274C-4C68-B53A-E91ABA151109}"/>
-          </ac:spMkLst>
-        </pc:spChg>
-        <pc:picChg chg="add mod">
-          <ac:chgData name="PABLO RIBEIRO" userId="8dc26c22-85d6-4ba5-a9ce-1fb6dafde0e5" providerId="ADAL" clId="{B75C79C7-7432-4B3C-AF6C-89A1CEBDD04E}" dt="2020-08-31T22:21:24.734" v="2476" actId="1076"/>
-          <ac:picMkLst>
-            <pc:docMk/>
-            <pc:sldMk cId="3821467730" sldId="361"/>
-            <ac:picMk id="6" creationId="{7DFE43DE-96F3-422C-83AF-A1ADE0F528C6}"/>
-          </ac:picMkLst>
-        </pc:picChg>
-        <pc:picChg chg="add mod">
-          <ac:chgData name="PABLO RIBEIRO" userId="8dc26c22-85d6-4ba5-a9ce-1fb6dafde0e5" providerId="ADAL" clId="{B75C79C7-7432-4B3C-AF6C-89A1CEBDD04E}" dt="2020-08-31T22:25:46.737" v="2521" actId="1076"/>
-          <ac:picMkLst>
-            <pc:docMk/>
-            <pc:sldMk cId="3821467730" sldId="361"/>
-            <ac:picMk id="11" creationId="{27161361-876A-41B4-83B8-C465CFD922CE}"/>
-          </ac:picMkLst>
-        </pc:picChg>
-        <pc:picChg chg="del">
-          <ac:chgData name="PABLO RIBEIRO" userId="8dc26c22-85d6-4ba5-a9ce-1fb6dafde0e5" providerId="ADAL" clId="{B75C79C7-7432-4B3C-AF6C-89A1CEBDD04E}" dt="2020-08-31T22:21:21.782" v="2474" actId="478"/>
-          <ac:picMkLst>
-            <pc:docMk/>
-            <pc:sldMk cId="3821467730" sldId="361"/>
-            <ac:picMk id="14" creationId="{FA123A51-B134-4DCC-A9AA-4D1169590810}"/>
-          </ac:picMkLst>
-        </pc:picChg>
-      </pc:sldChg>
-      <pc:sldChg chg="delSp modSp add mod">
-        <pc:chgData name="PABLO RIBEIRO" userId="8dc26c22-85d6-4ba5-a9ce-1fb6dafde0e5" providerId="ADAL" clId="{B75C79C7-7432-4B3C-AF6C-89A1CEBDD04E}" dt="2020-08-31T22:26:55.247" v="2532" actId="1076"/>
-        <pc:sldMkLst>
-          <pc:docMk/>
-          <pc:sldMk cId="1745682544" sldId="362"/>
-        </pc:sldMkLst>
-        <pc:spChg chg="mod ord">
-          <ac:chgData name="PABLO RIBEIRO" userId="8dc26c22-85d6-4ba5-a9ce-1fb6dafde0e5" providerId="ADAL" clId="{B75C79C7-7432-4B3C-AF6C-89A1CEBDD04E}" dt="2020-08-31T22:26:55.247" v="2532" actId="1076"/>
-          <ac:spMkLst>
-            <pc:docMk/>
-            <pc:sldMk cId="1745682544" sldId="362"/>
-            <ac:spMk id="15" creationId="{9239BA59-274C-4C68-B53A-E91ABA151109}"/>
-          </ac:spMkLst>
-        </pc:spChg>
-        <pc:picChg chg="del">
-          <ac:chgData name="PABLO RIBEIRO" userId="8dc26c22-85d6-4ba5-a9ce-1fb6dafde0e5" providerId="ADAL" clId="{B75C79C7-7432-4B3C-AF6C-89A1CEBDD04E}" dt="2020-08-31T22:25:32.069" v="2512" actId="478"/>
-          <ac:picMkLst>
-            <pc:docMk/>
-            <pc:sldMk cId="1745682544" sldId="362"/>
-            <ac:picMk id="6" creationId="{7DFE43DE-96F3-422C-83AF-A1ADE0F528C6}"/>
-          </ac:picMkLst>
-        </pc:picChg>
-        <pc:picChg chg="mod">
-          <ac:chgData name="PABLO RIBEIRO" userId="8dc26c22-85d6-4ba5-a9ce-1fb6dafde0e5" providerId="ADAL" clId="{B75C79C7-7432-4B3C-AF6C-89A1CEBDD04E}" dt="2020-08-31T22:25:49.941" v="2522" actId="1076"/>
-          <ac:picMkLst>
-            <pc:docMk/>
-            <pc:sldMk cId="1745682544" sldId="362"/>
-            <ac:picMk id="11" creationId="{27161361-876A-41B4-83B8-C465CFD922CE}"/>
-          </ac:picMkLst>
-        </pc:picChg>
-      </pc:sldChg>
-      <pc:sldChg chg="addSp delSp modSp add mod">
-        <pc:chgData name="PABLO RIBEIRO" userId="8dc26c22-85d6-4ba5-a9ce-1fb6dafde0e5" providerId="ADAL" clId="{B75C79C7-7432-4B3C-AF6C-89A1CEBDD04E}" dt="2020-09-01T00:34:05.708" v="2588" actId="1035"/>
-        <pc:sldMkLst>
-          <pc:docMk/>
-          <pc:sldMk cId="3575065037" sldId="363"/>
-        </pc:sldMkLst>
-        <pc:spChg chg="mod">
-          <ac:chgData name="PABLO RIBEIRO" userId="8dc26c22-85d6-4ba5-a9ce-1fb6dafde0e5" providerId="ADAL" clId="{B75C79C7-7432-4B3C-AF6C-89A1CEBDD04E}" dt="2020-09-01T00:34:05.708" v="2588" actId="1035"/>
-          <ac:spMkLst>
-            <pc:docMk/>
-            <pc:sldMk cId="3575065037" sldId="363"/>
-            <ac:spMk id="15" creationId="{9239BA59-274C-4C68-B53A-E91ABA151109}"/>
-          </ac:spMkLst>
-        </pc:spChg>
-        <pc:picChg chg="add mod">
-          <ac:chgData name="PABLO RIBEIRO" userId="8dc26c22-85d6-4ba5-a9ce-1fb6dafde0e5" providerId="ADAL" clId="{B75C79C7-7432-4B3C-AF6C-89A1CEBDD04E}" dt="2020-09-01T00:33:38.319" v="2544" actId="1076"/>
-          <ac:picMkLst>
-            <pc:docMk/>
-            <pc:sldMk cId="3575065037" sldId="363"/>
-            <ac:picMk id="6" creationId="{19A7BFDA-C968-4C84-92BD-42EDA3499647}"/>
-          </ac:picMkLst>
-        </pc:picChg>
-        <pc:picChg chg="del">
-          <ac:chgData name="PABLO RIBEIRO" userId="8dc26c22-85d6-4ba5-a9ce-1fb6dafde0e5" providerId="ADAL" clId="{B75C79C7-7432-4B3C-AF6C-89A1CEBDD04E}" dt="2020-09-01T00:33:17.600" v="2542" actId="478"/>
-          <ac:picMkLst>
-            <pc:docMk/>
-            <pc:sldMk cId="3575065037" sldId="363"/>
-            <ac:picMk id="11" creationId="{27161361-876A-41B4-83B8-C465CFD922CE}"/>
-          </ac:picMkLst>
-        </pc:picChg>
-      </pc:sldChg>
-      <pc:sldChg chg="addSp delSp modSp add mod">
-        <pc:chgData name="PABLO RIBEIRO" userId="8dc26c22-85d6-4ba5-a9ce-1fb6dafde0e5" providerId="ADAL" clId="{B75C79C7-7432-4B3C-AF6C-89A1CEBDD04E}" dt="2020-09-01T00:34:42.420" v="2608" actId="1076"/>
-        <pc:sldMkLst>
-          <pc:docMk/>
-          <pc:sldMk cId="252151287" sldId="364"/>
-        </pc:sldMkLst>
-        <pc:spChg chg="mod">
-          <ac:chgData name="PABLO RIBEIRO" userId="8dc26c22-85d6-4ba5-a9ce-1fb6dafde0e5" providerId="ADAL" clId="{B75C79C7-7432-4B3C-AF6C-89A1CEBDD04E}" dt="2020-09-01T00:34:42.420" v="2608" actId="1076"/>
-          <ac:spMkLst>
-            <pc:docMk/>
-            <pc:sldMk cId="252151287" sldId="364"/>
-            <ac:spMk id="15" creationId="{9239BA59-274C-4C68-B53A-E91ABA151109}"/>
-          </ac:spMkLst>
-        </pc:spChg>
-        <pc:picChg chg="del">
-          <ac:chgData name="PABLO RIBEIRO" userId="8dc26c22-85d6-4ba5-a9ce-1fb6dafde0e5" providerId="ADAL" clId="{B75C79C7-7432-4B3C-AF6C-89A1CEBDD04E}" dt="2020-09-01T00:34:30.316" v="2592" actId="478"/>
-          <ac:picMkLst>
-            <pc:docMk/>
-            <pc:sldMk cId="252151287" sldId="364"/>
-            <ac:picMk id="6" creationId="{19A7BFDA-C968-4C84-92BD-42EDA3499647}"/>
-          </ac:picMkLst>
-        </pc:picChg>
-        <pc:picChg chg="add mod">
-          <ac:chgData name="PABLO RIBEIRO" userId="8dc26c22-85d6-4ba5-a9ce-1fb6dafde0e5" providerId="ADAL" clId="{B75C79C7-7432-4B3C-AF6C-89A1CEBDD04E}" dt="2020-09-01T00:34:33.850" v="2594" actId="1076"/>
-          <ac:picMkLst>
-            <pc:docMk/>
-            <pc:sldMk cId="252151287" sldId="364"/>
-            <ac:picMk id="10" creationId="{80AC3981-0999-4761-9E03-5220CC3C2317}"/>
-          </ac:picMkLst>
-        </pc:picChg>
-      </pc:sldChg>
-      <pc:sldChg chg="addSp delSp modSp add mod">
-        <pc:chgData name="PABLO RIBEIRO" userId="8dc26c22-85d6-4ba5-a9ce-1fb6dafde0e5" providerId="ADAL" clId="{B75C79C7-7432-4B3C-AF6C-89A1CEBDD04E}" dt="2020-09-01T00:36:34.970" v="2644" actId="1076"/>
-        <pc:sldMkLst>
-          <pc:docMk/>
-          <pc:sldMk cId="3645359642" sldId="365"/>
-        </pc:sldMkLst>
-        <pc:spChg chg="mod ord">
-          <ac:chgData name="PABLO RIBEIRO" userId="8dc26c22-85d6-4ba5-a9ce-1fb6dafde0e5" providerId="ADAL" clId="{B75C79C7-7432-4B3C-AF6C-89A1CEBDD04E}" dt="2020-09-01T00:36:34.970" v="2644" actId="1076"/>
-          <ac:spMkLst>
-            <pc:docMk/>
-            <pc:sldMk cId="3645359642" sldId="365"/>
-            <ac:spMk id="15" creationId="{9239BA59-274C-4C68-B53A-E91ABA151109}"/>
-          </ac:spMkLst>
-        </pc:spChg>
-        <pc:picChg chg="del">
-          <ac:chgData name="PABLO RIBEIRO" userId="8dc26c22-85d6-4ba5-a9ce-1fb6dafde0e5" providerId="ADAL" clId="{B75C79C7-7432-4B3C-AF6C-89A1CEBDD04E}" dt="2020-09-01T00:35:08.751" v="2609" actId="478"/>
-          <ac:picMkLst>
-            <pc:docMk/>
-            <pc:sldMk cId="3645359642" sldId="365"/>
-            <ac:picMk id="6" creationId="{19A7BFDA-C968-4C84-92BD-42EDA3499647}"/>
-          </ac:picMkLst>
-        </pc:picChg>
-        <pc:picChg chg="add mod">
-          <ac:chgData name="PABLO RIBEIRO" userId="8dc26c22-85d6-4ba5-a9ce-1fb6dafde0e5" providerId="ADAL" clId="{B75C79C7-7432-4B3C-AF6C-89A1CEBDD04E}" dt="2020-09-01T00:36:32.443" v="2643" actId="1076"/>
-          <ac:picMkLst>
-            <pc:docMk/>
-            <pc:sldMk cId="3645359642" sldId="365"/>
-            <ac:picMk id="10" creationId="{6898881B-F68F-4F3D-A288-D15BD9FE2F95}"/>
-          </ac:picMkLst>
-        </pc:picChg>
-      </pc:sldChg>
-      <pc:sldChg chg="addSp delSp modSp add mod">
-        <pc:chgData name="PABLO RIBEIRO" userId="8dc26c22-85d6-4ba5-a9ce-1fb6dafde0e5" providerId="ADAL" clId="{B75C79C7-7432-4B3C-AF6C-89A1CEBDD04E}" dt="2020-09-01T00:36:20.692" v="2642" actId="1076"/>
-        <pc:sldMkLst>
-          <pc:docMk/>
-          <pc:sldMk cId="310629225" sldId="366"/>
-        </pc:sldMkLst>
-        <pc:spChg chg="mod ord">
-          <ac:chgData name="PABLO RIBEIRO" userId="8dc26c22-85d6-4ba5-a9ce-1fb6dafde0e5" providerId="ADAL" clId="{B75C79C7-7432-4B3C-AF6C-89A1CEBDD04E}" dt="2020-09-01T00:36:20.692" v="2642" actId="1076"/>
-          <ac:spMkLst>
-            <pc:docMk/>
-            <pc:sldMk cId="310629225" sldId="366"/>
-            <ac:spMk id="15" creationId="{9239BA59-274C-4C68-B53A-E91ABA151109}"/>
-          </ac:spMkLst>
-        </pc:spChg>
-        <pc:picChg chg="del">
-          <ac:chgData name="PABLO RIBEIRO" userId="8dc26c22-85d6-4ba5-a9ce-1fb6dafde0e5" providerId="ADAL" clId="{B75C79C7-7432-4B3C-AF6C-89A1CEBDD04E}" dt="2020-09-01T00:35:26.522" v="2631" actId="478"/>
-          <ac:picMkLst>
-            <pc:docMk/>
-            <pc:sldMk cId="310629225" sldId="366"/>
-            <ac:picMk id="6" creationId="{19A7BFDA-C968-4C84-92BD-42EDA3499647}"/>
-          </ac:picMkLst>
-        </pc:picChg>
-        <pc:picChg chg="add mod">
-          <ac:chgData name="PABLO RIBEIRO" userId="8dc26c22-85d6-4ba5-a9ce-1fb6dafde0e5" providerId="ADAL" clId="{B75C79C7-7432-4B3C-AF6C-89A1CEBDD04E}" dt="2020-09-01T00:36:16.612" v="2641" actId="1076"/>
-          <ac:picMkLst>
-            <pc:docMk/>
-            <pc:sldMk cId="310629225" sldId="366"/>
-            <ac:picMk id="10" creationId="{6E926028-1E2E-495F-91A9-BD9DDBC2C718}"/>
-          </ac:picMkLst>
-        </pc:picChg>
-      </pc:sldChg>
-    </pc:docChg>
-  </pc:docChgLst>
-  <pc:docChgLst>
-    <pc:chgData name="PABLO LUIZ DE OLIVEIRA LESSA RIBEIRO" userId="S::pablo.ribeiro@fatec.sp.gov.br::8dc26c22-85d6-4ba5-a9ce-1fb6dafde0e5" providerId="AD" clId="Web-{565506F2-49C2-0BC0-FCAE-ABE4777F5644}"/>
-    <pc:docChg chg="modSld">
-      <pc:chgData name="PABLO LUIZ DE OLIVEIRA LESSA RIBEIRO" userId="S::pablo.ribeiro@fatec.sp.gov.br::8dc26c22-85d6-4ba5-a9ce-1fb6dafde0e5" providerId="AD" clId="Web-{565506F2-49C2-0BC0-FCAE-ABE4777F5644}" dt="2020-08-31T21:20:01.509" v="5" actId="1076"/>
-      <pc:docMkLst>
-        <pc:docMk/>
-      </pc:docMkLst>
-      <pc:sldChg chg="modSp">
-        <pc:chgData name="PABLO LUIZ DE OLIVEIRA LESSA RIBEIRO" userId="S::pablo.ribeiro@fatec.sp.gov.br::8dc26c22-85d6-4ba5-a9ce-1fb6dafde0e5" providerId="AD" clId="Web-{565506F2-49C2-0BC0-FCAE-ABE4777F5644}" dt="2020-08-31T21:19:19.978" v="0" actId="1076"/>
-        <pc:sldMkLst>
-          <pc:docMk/>
-          <pc:sldMk cId="4269712483" sldId="285"/>
-        </pc:sldMkLst>
-        <pc:picChg chg="mod">
-          <ac:chgData name="PABLO LUIZ DE OLIVEIRA LESSA RIBEIRO" userId="S::pablo.ribeiro@fatec.sp.gov.br::8dc26c22-85d6-4ba5-a9ce-1fb6dafde0e5" providerId="AD" clId="Web-{565506F2-49C2-0BC0-FCAE-ABE4777F5644}" dt="2020-08-31T21:19:19.978" v="0" actId="1076"/>
-          <ac:picMkLst>
-            <pc:docMk/>
-            <pc:sldMk cId="4269712483" sldId="285"/>
-            <ac:picMk id="7" creationId="{0C00EA31-2DD5-4F53-9D69-98D4ADD9D842}"/>
-          </ac:picMkLst>
-        </pc:picChg>
-      </pc:sldChg>
-      <pc:sldChg chg="modSp">
-        <pc:chgData name="PABLO LUIZ DE OLIVEIRA LESSA RIBEIRO" userId="S::pablo.ribeiro@fatec.sp.gov.br::8dc26c22-85d6-4ba5-a9ce-1fb6dafde0e5" providerId="AD" clId="Web-{565506F2-49C2-0BC0-FCAE-ABE4777F5644}" dt="2020-08-31T21:19:42.775" v="3" actId="1076"/>
-        <pc:sldMkLst>
-          <pc:docMk/>
-          <pc:sldMk cId="3317501920" sldId="287"/>
-        </pc:sldMkLst>
-        <pc:picChg chg="mod">
-          <ac:chgData name="PABLO LUIZ DE OLIVEIRA LESSA RIBEIRO" userId="S::pablo.ribeiro@fatec.sp.gov.br::8dc26c22-85d6-4ba5-a9ce-1fb6dafde0e5" providerId="AD" clId="Web-{565506F2-49C2-0BC0-FCAE-ABE4777F5644}" dt="2020-08-31T21:19:42.775" v="3" actId="1076"/>
-          <ac:picMkLst>
-            <pc:docMk/>
-            <pc:sldMk cId="3317501920" sldId="287"/>
-            <ac:picMk id="7" creationId="{0C00EA31-2DD5-4F53-9D69-98D4ADD9D842}"/>
-          </ac:picMkLst>
-        </pc:picChg>
-      </pc:sldChg>
-      <pc:sldChg chg="modSp">
-        <pc:chgData name="PABLO LUIZ DE OLIVEIRA LESSA RIBEIRO" userId="S::pablo.ribeiro@fatec.sp.gov.br::8dc26c22-85d6-4ba5-a9ce-1fb6dafde0e5" providerId="AD" clId="Web-{565506F2-49C2-0BC0-FCAE-ABE4777F5644}" dt="2020-08-31T21:20:01.509" v="5" actId="1076"/>
-        <pc:sldMkLst>
-          <pc:docMk/>
-          <pc:sldMk cId="2006994937" sldId="337"/>
-        </pc:sldMkLst>
-        <pc:picChg chg="mod">
-          <ac:chgData name="PABLO LUIZ DE OLIVEIRA LESSA RIBEIRO" userId="S::pablo.ribeiro@fatec.sp.gov.br::8dc26c22-85d6-4ba5-a9ce-1fb6dafde0e5" providerId="AD" clId="Web-{565506F2-49C2-0BC0-FCAE-ABE4777F5644}" dt="2020-08-31T21:20:01.509" v="5" actId="1076"/>
-          <ac:picMkLst>
-            <pc:docMk/>
-            <pc:sldMk cId="2006994937" sldId="337"/>
-            <ac:picMk id="7" creationId="{0C00EA31-2DD5-4F53-9D69-98D4ADD9D842}"/>
-          </ac:picMkLst>
-        </pc:picChg>
-      </pc:sldChg>
-    </pc:docChg>
-  </pc:docChgLst>
-  <pc:docChgLst>
-    <pc:chgData name="PABLO LUIZ DE OLIVEIRA LESSA RIBEIRO" userId="S::pablo.ribeiro@fatec.sp.gov.br::8dc26c22-85d6-4ba5-a9ce-1fb6dafde0e5" providerId="AD" clId="Web-{C2F93E6F-DFC2-4800-FF01-EC0D224F24DE}"/>
-    <pc:docChg chg="addSld modSld">
-      <pc:chgData name="PABLO LUIZ DE OLIVEIRA LESSA RIBEIRO" userId="S::pablo.ribeiro@fatec.sp.gov.br::8dc26c22-85d6-4ba5-a9ce-1fb6dafde0e5" providerId="AD" clId="Web-{C2F93E6F-DFC2-4800-FF01-EC0D224F24DE}" dt="2020-08-31T01:20:34.859" v="60" actId="1076"/>
-      <pc:docMkLst>
-        <pc:docMk/>
-      </pc:docMkLst>
-      <pc:sldChg chg="addSp delSp modSp mod setBg">
-        <pc:chgData name="PABLO LUIZ DE OLIVEIRA LESSA RIBEIRO" userId="S::pablo.ribeiro@fatec.sp.gov.br::8dc26c22-85d6-4ba5-a9ce-1fb6dafde0e5" providerId="AD" clId="Web-{C2F93E6F-DFC2-4800-FF01-EC0D224F24DE}" dt="2020-08-31T01:18:11.010" v="16"/>
-        <pc:sldMkLst>
-          <pc:docMk/>
-          <pc:sldMk cId="3468149142" sldId="257"/>
-        </pc:sldMkLst>
-        <pc:spChg chg="mod">
-          <ac:chgData name="PABLO LUIZ DE OLIVEIRA LESSA RIBEIRO" userId="S::pablo.ribeiro@fatec.sp.gov.br::8dc26c22-85d6-4ba5-a9ce-1fb6dafde0e5" providerId="AD" clId="Web-{C2F93E6F-DFC2-4800-FF01-EC0D224F24DE}" dt="2020-08-31T01:18:10.994" v="15"/>
-          <ac:spMkLst>
-            <pc:docMk/>
-            <pc:sldMk cId="3468149142" sldId="257"/>
-            <ac:spMk id="2" creationId="{53C9334F-F7EA-4C4D-AD73-14F433AEFC7C}"/>
-          </ac:spMkLst>
-        </pc:spChg>
-        <pc:spChg chg="mod">
-          <ac:chgData name="PABLO LUIZ DE OLIVEIRA LESSA RIBEIRO" userId="S::pablo.ribeiro@fatec.sp.gov.br::8dc26c22-85d6-4ba5-a9ce-1fb6dafde0e5" providerId="AD" clId="Web-{C2F93E6F-DFC2-4800-FF01-EC0D224F24DE}" dt="2020-08-31T01:18:10.994" v="15"/>
-          <ac:spMkLst>
-            <pc:docMk/>
-            <pc:sldMk cId="3468149142" sldId="257"/>
-            <ac:spMk id="3" creationId="{1D33D6A8-FC9E-4019-9BDE-9D0285E0D19C}"/>
-          </ac:spMkLst>
-        </pc:spChg>
-        <pc:spChg chg="add del">
-          <ac:chgData name="PABLO LUIZ DE OLIVEIRA LESSA RIBEIRO" userId="S::pablo.ribeiro@fatec.sp.gov.br::8dc26c22-85d6-4ba5-a9ce-1fb6dafde0e5" providerId="AD" clId="Web-{C2F93E6F-DFC2-4800-FF01-EC0D224F24DE}" dt="2020-08-31T01:18:11.010" v="16"/>
-          <ac:spMkLst>
-            <pc:docMk/>
-            <pc:sldMk cId="3468149142" sldId="257"/>
-            <ac:spMk id="9" creationId="{F4C0B10B-D2C4-4A54-AFAD-3D27DF88BB37}"/>
-          </ac:spMkLst>
-        </pc:spChg>
-        <pc:spChg chg="add">
-          <ac:chgData name="PABLO LUIZ DE OLIVEIRA LESSA RIBEIRO" userId="S::pablo.ribeiro@fatec.sp.gov.br::8dc26c22-85d6-4ba5-a9ce-1fb6dafde0e5" providerId="AD" clId="Web-{C2F93E6F-DFC2-4800-FF01-EC0D224F24DE}" dt="2020-08-31T01:18:11.010" v="16"/>
-          <ac:spMkLst>
-            <pc:docMk/>
-            <pc:sldMk cId="3468149142" sldId="257"/>
-            <ac:spMk id="18" creationId="{F4C0B10B-D2C4-4A54-AFAD-3D27DF88BB37}"/>
-          </ac:spMkLst>
-        </pc:spChg>
-        <pc:spChg chg="add del">
-          <ac:chgData name="PABLO LUIZ DE OLIVEIRA LESSA RIBEIRO" userId="S::pablo.ribeiro@fatec.sp.gov.br::8dc26c22-85d6-4ba5-a9ce-1fb6dafde0e5" providerId="AD" clId="Web-{C2F93E6F-DFC2-4800-FF01-EC0D224F24DE}" dt="2020-08-31T01:18:10.994" v="15"/>
-          <ac:spMkLst>
-            <pc:docMk/>
-            <pc:sldMk cId="3468149142" sldId="257"/>
-            <ac:spMk id="21" creationId="{6FBDFA86-51D3-4729-B154-796918372804}"/>
-          </ac:spMkLst>
-        </pc:spChg>
-        <pc:grpChg chg="add del">
-          <ac:chgData name="PABLO LUIZ DE OLIVEIRA LESSA RIBEIRO" userId="S::pablo.ribeiro@fatec.sp.gov.br::8dc26c22-85d6-4ba5-a9ce-1fb6dafde0e5" providerId="AD" clId="Web-{C2F93E6F-DFC2-4800-FF01-EC0D224F24DE}" dt="2020-08-31T01:18:11.010" v="16"/>
-          <ac:grpSpMkLst>
-            <pc:docMk/>
-            <pc:sldMk cId="3468149142" sldId="257"/>
-            <ac:grpSpMk id="11" creationId="{B6BADB90-C74B-40D6-86DC-503F65FCE8DC}"/>
-          </ac:grpSpMkLst>
-        </pc:grpChg>
-        <pc:grpChg chg="add">
-          <ac:chgData name="PABLO LUIZ DE OLIVEIRA LESSA RIBEIRO" userId="S::pablo.ribeiro@fatec.sp.gov.br::8dc26c22-85d6-4ba5-a9ce-1fb6dafde0e5" providerId="AD" clId="Web-{C2F93E6F-DFC2-4800-FF01-EC0D224F24DE}" dt="2020-08-31T01:18:11.010" v="16"/>
-          <ac:grpSpMkLst>
-            <pc:docMk/>
-            <pc:sldMk cId="3468149142" sldId="257"/>
-            <ac:grpSpMk id="19" creationId="{B6BADB90-C74B-40D6-86DC-503F65FCE8DC}"/>
-          </ac:grpSpMkLst>
-        </pc:grpChg>
-        <pc:picChg chg="add mod">
-          <ac:chgData name="PABLO LUIZ DE OLIVEIRA LESSA RIBEIRO" userId="S::pablo.ribeiro@fatec.sp.gov.br::8dc26c22-85d6-4ba5-a9ce-1fb6dafde0e5" providerId="AD" clId="Web-{C2F93E6F-DFC2-4800-FF01-EC0D224F24DE}" dt="2020-08-31T01:18:10.994" v="15"/>
-          <ac:picMkLst>
-            <pc:docMk/>
-            <pc:sldMk cId="3468149142" sldId="257"/>
-            <ac:picMk id="4" creationId="{8977E2FE-DE8E-4811-8AE9-DA3C96E9BC51}"/>
-          </ac:picMkLst>
-        </pc:picChg>
-        <pc:cxnChg chg="add del">
-          <ac:chgData name="PABLO LUIZ DE OLIVEIRA LESSA RIBEIRO" userId="S::pablo.ribeiro@fatec.sp.gov.br::8dc26c22-85d6-4ba5-a9ce-1fb6dafde0e5" providerId="AD" clId="Web-{C2F93E6F-DFC2-4800-FF01-EC0D224F24DE}" dt="2020-08-31T01:18:10.994" v="15"/>
-          <ac:cxnSpMkLst>
-            <pc:docMk/>
-            <pc:sldMk cId="3468149142" sldId="257"/>
-            <ac:cxnSpMk id="23" creationId="{0F1CE7C6-BE91-42A7-9214-F33FD918C386}"/>
-          </ac:cxnSpMkLst>
-        </pc:cxnChg>
-      </pc:sldChg>
-      <pc:sldChg chg="addSp delSp modSp add replId">
-        <pc:chgData name="PABLO LUIZ DE OLIVEIRA LESSA RIBEIRO" userId="S::pablo.ribeiro@fatec.sp.gov.br::8dc26c22-85d6-4ba5-a9ce-1fb6dafde0e5" providerId="AD" clId="Web-{C2F93E6F-DFC2-4800-FF01-EC0D224F24DE}" dt="2020-08-31T01:18:54.308" v="28" actId="1076"/>
-        <pc:sldMkLst>
-          <pc:docMk/>
-          <pc:sldMk cId="1176321288" sldId="342"/>
-        </pc:sldMkLst>
-        <pc:spChg chg="mod">
-          <ac:chgData name="PABLO LUIZ DE OLIVEIRA LESSA RIBEIRO" userId="S::pablo.ribeiro@fatec.sp.gov.br::8dc26c22-85d6-4ba5-a9ce-1fb6dafde0e5" providerId="AD" clId="Web-{C2F93E6F-DFC2-4800-FF01-EC0D224F24DE}" dt="2020-08-31T01:18:38.089" v="22" actId="20577"/>
-          <ac:spMkLst>
-            <pc:docMk/>
-            <pc:sldMk cId="1176321288" sldId="342"/>
-            <ac:spMk id="2" creationId="{53C9334F-F7EA-4C4D-AD73-14F433AEFC7C}"/>
-          </ac:spMkLst>
-        </pc:spChg>
-        <pc:spChg chg="add mod">
-          <ac:chgData name="PABLO LUIZ DE OLIVEIRA LESSA RIBEIRO" userId="S::pablo.ribeiro@fatec.sp.gov.br::8dc26c22-85d6-4ba5-a9ce-1fb6dafde0e5" providerId="AD" clId="Web-{C2F93E6F-DFC2-4800-FF01-EC0D224F24DE}" dt="2020-08-31T01:18:54.308" v="28" actId="1076"/>
-          <ac:spMkLst>
-            <pc:docMk/>
-            <pc:sldMk cId="1176321288" sldId="342"/>
-            <ac:spMk id="3" creationId="{7F743C2E-6446-463A-AA27-3C7DA36C51FC}"/>
-          </ac:spMkLst>
-        </pc:spChg>
-        <pc:spChg chg="del">
-          <ac:chgData name="PABLO LUIZ DE OLIVEIRA LESSA RIBEIRO" userId="S::pablo.ribeiro@fatec.sp.gov.br::8dc26c22-85d6-4ba5-a9ce-1fb6dafde0e5" providerId="AD" clId="Web-{C2F93E6F-DFC2-4800-FF01-EC0D224F24DE}" dt="2020-08-31T01:18:41.901" v="25"/>
-          <ac:spMkLst>
-            <pc:docMk/>
-            <pc:sldMk cId="1176321288" sldId="342"/>
-            <ac:spMk id="7" creationId="{CAF04F12-0930-4925-93A7-E1E37CB1168F}"/>
-          </ac:spMkLst>
-        </pc:spChg>
-        <pc:picChg chg="add">
-          <ac:chgData name="PABLO LUIZ DE OLIVEIRA LESSA RIBEIRO" userId="S::pablo.ribeiro@fatec.sp.gov.br::8dc26c22-85d6-4ba5-a9ce-1fb6dafde0e5" providerId="AD" clId="Web-{C2F93E6F-DFC2-4800-FF01-EC0D224F24DE}" dt="2020-08-31T01:18:51.605" v="27"/>
-          <ac:picMkLst>
-            <pc:docMk/>
-            <pc:sldMk cId="1176321288" sldId="342"/>
-            <ac:picMk id="5" creationId="{A4E77311-5AC6-4C85-85BD-95FA52A5EE8B}"/>
-          </ac:picMkLst>
-        </pc:picChg>
-      </pc:sldChg>
-      <pc:sldChg chg="modSp add replId">
-        <pc:chgData name="PABLO LUIZ DE OLIVEIRA LESSA RIBEIRO" userId="S::pablo.ribeiro@fatec.sp.gov.br::8dc26c22-85d6-4ba5-a9ce-1fb6dafde0e5" providerId="AD" clId="Web-{C2F93E6F-DFC2-4800-FF01-EC0D224F24DE}" dt="2020-08-31T01:20:34.859" v="60" actId="1076"/>
-        <pc:sldMkLst>
-          <pc:docMk/>
-          <pc:sldMk cId="1795665419" sldId="343"/>
-        </pc:sldMkLst>
-        <pc:spChg chg="mod">
-          <ac:chgData name="PABLO LUIZ DE OLIVEIRA LESSA RIBEIRO" userId="S::pablo.ribeiro@fatec.sp.gov.br::8dc26c22-85d6-4ba5-a9ce-1fb6dafde0e5" providerId="AD" clId="Web-{C2F93E6F-DFC2-4800-FF01-EC0D224F24DE}" dt="2020-08-31T01:19:03.762" v="38" actId="20577"/>
-          <ac:spMkLst>
-            <pc:docMk/>
-            <pc:sldMk cId="1795665419" sldId="343"/>
-            <ac:spMk id="2" creationId="{53C9334F-F7EA-4C4D-AD73-14F433AEFC7C}"/>
-          </ac:spMkLst>
-        </pc:spChg>
-        <pc:spChg chg="mod">
-          <ac:chgData name="PABLO LUIZ DE OLIVEIRA LESSA RIBEIRO" userId="S::pablo.ribeiro@fatec.sp.gov.br::8dc26c22-85d6-4ba5-a9ce-1fb6dafde0e5" providerId="AD" clId="Web-{C2F93E6F-DFC2-4800-FF01-EC0D224F24DE}" dt="2020-08-31T01:20:34.859" v="60" actId="1076"/>
-          <ac:spMkLst>
-            <pc:docMk/>
-            <pc:sldMk cId="1795665419" sldId="343"/>
-            <ac:spMk id="7" creationId="{CAF04F12-0930-4925-93A7-E1E37CB1168F}"/>
-          </ac:spMkLst>
-        </pc:spChg>
-      </pc:sldChg>
-    </pc:docChg>
-  </pc:docChgLst>
-</pc:chgInfo>
 </file>
 
 <file path=ppt/notesMasters/notesMaster1.xml><?xml version="1.0" encoding="utf-8"?>
@@ -1672,7 +242,7 @@
           <a:p>
             <a:fld id="{E0F86D54-DA32-4249-B31F-DC73D06C51A2}" type="datetimeFigureOut">
               <a:rPr lang="pt-BR" smtClean="0"/>
-              <a:t>31/08/2020</a:t>
+              <a:t>14/09/2020</a:t>
             </a:fld>
             <a:endParaRPr lang="pt-BR"/>
           </a:p>
@@ -1830,7 +400,7 @@
           <a:p>
             <a:fld id="{6270F400-6B7C-44DC-ADBB-01E1F65065BC}" type="slidenum">
               <a:rPr lang="pt-BR" smtClean="0"/>
-              <a:t>‹nº›</a:t>
+              <a:t>‹#›</a:t>
             </a:fld>
             <a:endParaRPr lang="pt-BR"/>
           </a:p>
@@ -2086,7 +656,7 @@
           <a:p>
             <a:fld id="{EF6E9D72-62BA-497E-9689-56B6877B0064}" type="datetime1">
               <a:rPr lang="pt-BR" smtClean="0"/>
-              <a:t>31/08/2020</a:t>
+              <a:t>14/09/2020</a:t>
             </a:fld>
             <a:endParaRPr lang="pt-BR"/>
           </a:p>
@@ -2143,7 +713,7 @@
           <a:p>
             <a:fld id="{BD2B5394-143A-4208-A3B1-25D9600048D5}" type="slidenum">
               <a:rPr lang="pt-BR" smtClean="0"/>
-              <a:t>‹nº›</a:t>
+              <a:t>‹#›</a:t>
             </a:fld>
             <a:endParaRPr lang="pt-BR"/>
           </a:p>
@@ -2287,7 +857,7 @@
           <a:p>
             <a:fld id="{1CB300A0-DB27-4380-91DD-6542E8980ACE}" type="datetime1">
               <a:rPr lang="pt-BR" smtClean="0"/>
-              <a:t>31/08/2020</a:t>
+              <a:t>14/09/2020</a:t>
             </a:fld>
             <a:endParaRPr lang="pt-BR"/>
           </a:p>
@@ -2344,7 +914,7 @@
           <a:p>
             <a:fld id="{BD2B5394-143A-4208-A3B1-25D9600048D5}" type="slidenum">
               <a:rPr lang="pt-BR" smtClean="0"/>
-              <a:t>‹nº›</a:t>
+              <a:t>‹#›</a:t>
             </a:fld>
             <a:endParaRPr lang="pt-BR"/>
           </a:p>
@@ -2498,7 +1068,7 @@
           <a:p>
             <a:fld id="{D3360261-C254-4598-9AC4-63AA54618917}" type="datetime1">
               <a:rPr lang="pt-BR" smtClean="0"/>
-              <a:t>31/08/2020</a:t>
+              <a:t>14/09/2020</a:t>
             </a:fld>
             <a:endParaRPr lang="pt-BR"/>
           </a:p>
@@ -2555,7 +1125,7 @@
           <a:p>
             <a:fld id="{BD2B5394-143A-4208-A3B1-25D9600048D5}" type="slidenum">
               <a:rPr lang="pt-BR" smtClean="0"/>
-              <a:t>‹nº›</a:t>
+              <a:t>‹#›</a:t>
             </a:fld>
             <a:endParaRPr lang="pt-BR"/>
           </a:p>
@@ -2699,7 +1269,7 @@
           <a:p>
             <a:fld id="{88BBAD8D-7423-4C20-8314-4D8E8E2C51AB}" type="datetime1">
               <a:rPr lang="pt-BR" smtClean="0"/>
-              <a:t>31/08/2020</a:t>
+              <a:t>14/09/2020</a:t>
             </a:fld>
             <a:endParaRPr lang="pt-BR"/>
           </a:p>
@@ -2756,7 +1326,7 @@
           <a:p>
             <a:fld id="{BD2B5394-143A-4208-A3B1-25D9600048D5}" type="slidenum">
               <a:rPr lang="pt-BR" smtClean="0"/>
-              <a:t>‹nº›</a:t>
+              <a:t>‹#›</a:t>
             </a:fld>
             <a:endParaRPr lang="pt-BR"/>
           </a:p>
@@ -2977,7 +1547,7 @@
           <a:p>
             <a:fld id="{C73408C8-A3CD-4704-A663-06FB0D1DB7BB}" type="datetime1">
               <a:rPr lang="pt-BR" smtClean="0"/>
-              <a:t>31/08/2020</a:t>
+              <a:t>14/09/2020</a:t>
             </a:fld>
             <a:endParaRPr lang="pt-BR"/>
           </a:p>
@@ -3034,7 +1604,7 @@
           <a:p>
             <a:fld id="{BD2B5394-143A-4208-A3B1-25D9600048D5}" type="slidenum">
               <a:rPr lang="pt-BR" smtClean="0"/>
-              <a:t>‹nº›</a:t>
+              <a:t>‹#›</a:t>
             </a:fld>
             <a:endParaRPr lang="pt-BR"/>
           </a:p>
@@ -3245,7 +1815,7 @@
           <a:p>
             <a:fld id="{03304D04-B014-4A71-A860-ADBAB45C6D34}" type="datetime1">
               <a:rPr lang="pt-BR" smtClean="0"/>
-              <a:t>31/08/2020</a:t>
+              <a:t>14/09/2020</a:t>
             </a:fld>
             <a:endParaRPr lang="pt-BR"/>
           </a:p>
@@ -3302,7 +1872,7 @@
           <a:p>
             <a:fld id="{BD2B5394-143A-4208-A3B1-25D9600048D5}" type="slidenum">
               <a:rPr lang="pt-BR" smtClean="0"/>
-              <a:t>‹nº›</a:t>
+              <a:t>‹#›</a:t>
             </a:fld>
             <a:endParaRPr lang="pt-BR"/>
           </a:p>
@@ -3660,7 +2230,7 @@
           <a:p>
             <a:fld id="{45BF0DE9-11EE-4342-9141-49A83AFADE3E}" type="datetime1">
               <a:rPr lang="pt-BR" smtClean="0"/>
-              <a:t>31/08/2020</a:t>
+              <a:t>14/09/2020</a:t>
             </a:fld>
             <a:endParaRPr lang="pt-BR"/>
           </a:p>
@@ -3717,7 +2287,7 @@
           <a:p>
             <a:fld id="{BD2B5394-143A-4208-A3B1-25D9600048D5}" type="slidenum">
               <a:rPr lang="pt-BR" smtClean="0"/>
-              <a:t>‹nº›</a:t>
+              <a:t>‹#›</a:t>
             </a:fld>
             <a:endParaRPr lang="pt-BR"/>
           </a:p>
@@ -3804,7 +2374,7 @@
           <a:p>
             <a:fld id="{559CB44C-219B-43EC-BAC1-C192D8E05653}" type="datetime1">
               <a:rPr lang="pt-BR" smtClean="0"/>
-              <a:t>31/08/2020</a:t>
+              <a:t>14/09/2020</a:t>
             </a:fld>
             <a:endParaRPr lang="pt-BR"/>
           </a:p>
@@ -3861,7 +2431,7 @@
           <a:p>
             <a:fld id="{BD2B5394-143A-4208-A3B1-25D9600048D5}" type="slidenum">
               <a:rPr lang="pt-BR" smtClean="0"/>
-              <a:t>‹nº›</a:t>
+              <a:t>‹#›</a:t>
             </a:fld>
             <a:endParaRPr lang="pt-BR"/>
           </a:p>
@@ -3920,7 +2490,7 @@
           <a:p>
             <a:fld id="{68867202-4D13-4045-B60A-71B3778B605C}" type="datetime1">
               <a:rPr lang="pt-BR" smtClean="0"/>
-              <a:t>31/08/2020</a:t>
+              <a:t>14/09/2020</a:t>
             </a:fld>
             <a:endParaRPr lang="pt-BR"/>
           </a:p>
@@ -3977,7 +2547,7 @@
           <a:p>
             <a:fld id="{BD2B5394-143A-4208-A3B1-25D9600048D5}" type="slidenum">
               <a:rPr lang="pt-BR" smtClean="0"/>
-              <a:t>‹nº›</a:t>
+              <a:t>‹#›</a:t>
             </a:fld>
             <a:endParaRPr lang="pt-BR"/>
           </a:p>
@@ -4234,7 +2804,7 @@
           <a:p>
             <a:fld id="{6A14D430-76D1-4CB5-9FA4-1397F74F79A6}" type="datetime1">
               <a:rPr lang="pt-BR" smtClean="0"/>
-              <a:t>31/08/2020</a:t>
+              <a:t>14/09/2020</a:t>
             </a:fld>
             <a:endParaRPr lang="pt-BR"/>
           </a:p>
@@ -4291,7 +2861,7 @@
           <a:p>
             <a:fld id="{BD2B5394-143A-4208-A3B1-25D9600048D5}" type="slidenum">
               <a:rPr lang="pt-BR" smtClean="0"/>
-              <a:t>‹nº›</a:t>
+              <a:t>‹#›</a:t>
             </a:fld>
             <a:endParaRPr lang="pt-BR"/>
           </a:p>
@@ -4525,7 +3095,7 @@
           <a:p>
             <a:fld id="{7487368C-01CB-450C-88DE-7111879311AD}" type="datetime1">
               <a:rPr lang="pt-BR" smtClean="0"/>
-              <a:t>31/08/2020</a:t>
+              <a:t>14/09/2020</a:t>
             </a:fld>
             <a:endParaRPr lang="pt-BR"/>
           </a:p>
@@ -4582,7 +3152,7 @@
           <a:p>
             <a:fld id="{BD2B5394-143A-4208-A3B1-25D9600048D5}" type="slidenum">
               <a:rPr lang="pt-BR" smtClean="0"/>
-              <a:t>‹nº›</a:t>
+              <a:t>‹#›</a:t>
             </a:fld>
             <a:endParaRPr lang="pt-BR"/>
           </a:p>
@@ -4769,7 +3339,7 @@
           <a:p>
             <a:fld id="{8AB9EB09-7393-43F0-9161-6BAD68D0F9C8}" type="datetime1">
               <a:rPr lang="pt-BR" smtClean="0"/>
-              <a:t>31/08/2020</a:t>
+              <a:t>14/09/2020</a:t>
             </a:fld>
             <a:endParaRPr lang="pt-BR"/>
           </a:p>
@@ -4862,7 +3432,7 @@
           <a:p>
             <a:fld id="{BD2B5394-143A-4208-A3B1-25D9600048D5}" type="slidenum">
               <a:rPr lang="pt-BR" smtClean="0"/>
-              <a:t>‹nº›</a:t>
+              <a:t>‹#›</a:t>
             </a:fld>
             <a:endParaRPr lang="pt-BR"/>
           </a:p>
@@ -14681,13 +13251,13 @@
   <p:clrMapOvr>
     <a:masterClrMapping/>
   </p:clrMapOvr>
-  <mc:AlternateContent xmlns:mc="http://schemas.openxmlformats.org/markup-compatibility/2006">
-    <mc:Choice xmlns:p14="http://schemas.microsoft.com/office/powerpoint/2010/main" Requires="p14">
+  <mc:AlternateContent xmlns:mc="http://schemas.openxmlformats.org/markup-compatibility/2006" xmlns:p14="http://schemas.microsoft.com/office/powerpoint/2010/main">
+    <mc:Choice Requires="p14">
       <p:transition spd="med" p14:dur="700">
         <p:fade/>
       </p:transition>
     </mc:Choice>
-    <mc:Fallback>
+    <mc:Fallback xmlns="">
       <p:transition spd="med">
         <p:fade/>
       </p:transition>
@@ -25769,15 +24339,15 @@
           <a:lstStyle/>
           <a:p>
             <a:r>
-              <a:rPr lang="pt-BR" b="1">
+              <a:rPr lang="pt-BR" b="1" dirty="0">
                 <a:solidFill>
                   <a:srgbClr val="002060"/>
                 </a:solidFill>
                 <a:latin typeface="Century Gothic"/>
               </a:rPr>
-              <a:t>Preço e forma de pagamento</a:t>
+              <a:t>Primeira entrega: CRUD Cliente</a:t>
             </a:r>
-            <a:endParaRPr lang="pt-BR" b="1">
+            <a:endParaRPr lang="pt-BR" b="1" dirty="0">
               <a:solidFill>
                 <a:srgbClr val="002060"/>
               </a:solidFill>
@@ -25802,7 +24372,7 @@
         </p:nvSpPr>
         <p:spPr>
           <a:xfrm>
-            <a:off x="523240" y="1496027"/>
+            <a:off x="523240" y="1592742"/>
             <a:ext cx="10830560" cy="3753694"/>
           </a:xfrm>
           <a:prstGeom prst="rect">
@@ -25983,62 +24553,25 @@
           <a:p>
             <a:pPr algn="just"/>
             <a:r>
-              <a:rPr lang="pt-BR" altLang="ko-KR" sz="2000">
+              <a:rPr lang="pt-BR" sz="2000" dirty="0">
                 <a:solidFill>
                   <a:schemeClr val="tx1"/>
                 </a:solidFill>
                 <a:latin typeface="Century Gothic"/>
-                <a:ea typeface="맑은 고딕" panose="020B0503020000020004" pitchFamily="34" charset="-127"/>
+                <a:cs typeface="Times New Roman"/>
               </a:rPr>
-              <a:t>Os valores informados nesta proposta já incluem os impostos incidentes sobre serviços (ISS, PIS, COFINS, CSSL e IRPJ). Valor total: </a:t>
+              <a:t>O primeiro entregável do sistema é uma versão da funcionalidade de inserção, deleção, consulta e alteração de clientes e seus respectivos endereços e cartões. </a:t>
             </a:r>
-          </a:p>
-          <a:p>
-            <a:pPr algn="just"/>
-            <a:endParaRPr lang="pt-BR" altLang="ko-KR" sz="2000">
+            <a:endParaRPr lang="pt-BR" sz="2000" dirty="0">
               <a:solidFill>
                 <a:schemeClr val="tx1"/>
               </a:solidFill>
               <a:latin typeface="Century Gothic"/>
-              <a:ea typeface="맑은 고딕" panose="020B0503020000020004" pitchFamily="34" charset="-127"/>
             </a:endParaRPr>
           </a:p>
           <a:p>
             <a:pPr algn="just"/>
-            <a:endParaRPr lang="pt-BR" altLang="ko-KR" sz="2000">
-              <a:solidFill>
-                <a:schemeClr val="tx1"/>
-              </a:solidFill>
-              <a:latin typeface="Century Gothic"/>
-              <a:ea typeface="맑은 고딕" panose="020B0503020000020004" pitchFamily="34" charset="-127"/>
-            </a:endParaRPr>
-          </a:p>
-          <a:p>
-            <a:pPr algn="just"/>
-            <a:endParaRPr lang="pt-BR" altLang="ko-KR" sz="2000">
-              <a:solidFill>
-                <a:schemeClr val="tx1"/>
-              </a:solidFill>
-              <a:latin typeface="Century Gothic"/>
-              <a:ea typeface="맑은 고딕" panose="020B0503020000020004" pitchFamily="34" charset="-127"/>
-            </a:endParaRPr>
-          </a:p>
-          <a:p>
-            <a:pPr algn="just"/>
-            <a:r>
-              <a:rPr lang="pt-BR" altLang="ko-KR" sz="2000">
-                <a:solidFill>
-                  <a:schemeClr val="tx1"/>
-                </a:solidFill>
-                <a:latin typeface="Century Gothic"/>
-                <a:ea typeface="맑은 고딕" panose="020B0503020000020004" pitchFamily="34" charset="-127"/>
-              </a:rPr>
-              <a:t>O pagamento será dividido em quatro parcelas iguais. Sendo que a última parcela estará vinculada ao aceite da entrega final do projeto:</a:t>
-            </a:r>
-          </a:p>
-          <a:p>
-            <a:pPr algn="just"/>
-            <a:endParaRPr lang="pt-BR" altLang="ko-KR" sz="2000">
+            <a:endParaRPr lang="ko-KR" altLang="en-US" sz="2000" dirty="0">
               <a:solidFill>
                 <a:schemeClr val="tx1"/>
               </a:solidFill>
@@ -26134,1749 +24667,12 @@
           </a:p>
         </p:txBody>
       </p:sp>
-      <p:graphicFrame>
-        <p:nvGraphicFramePr>
-          <p:cNvPr id="4" name="Tabela 4">
+      <p:pic>
+        <p:nvPicPr>
+          <p:cNvPr id="9" name="Imagem 8" descr="Uma imagem contendo texto, homem, screenshot, em pé&#10;&#10;Descrição gerada automaticamente">
             <a:extLst>
               <a:ext uri="{FF2B5EF4-FFF2-40B4-BE49-F238E27FC236}">
-                <a16:creationId xmlns:a16="http://schemas.microsoft.com/office/drawing/2014/main" id="{799B4115-AB34-4B72-88FD-93B763BDA13D}"/>
-              </a:ext>
-            </a:extLst>
-          </p:cNvPr>
-          <p:cNvGraphicFramePr>
-            <a:graphicFrameLocks noGrp="1"/>
-          </p:cNvGraphicFramePr>
-          <p:nvPr>
-            <p:extLst>
-              <p:ext uri="{D42A27DB-BD31-4B8C-83A1-F6EECF244321}">
-                <p14:modId xmlns:p14="http://schemas.microsoft.com/office/powerpoint/2010/main" val="2308319116"/>
-              </p:ext>
-            </p:extLst>
-          </p:nvPr>
-        </p:nvGraphicFramePr>
-        <p:xfrm>
-          <a:off x="838201" y="2325952"/>
-          <a:ext cx="10515599" cy="883708"/>
-        </p:xfrm>
-        <a:graphic>
-          <a:graphicData uri="http://schemas.openxmlformats.org/drawingml/2006/table">
-            <a:tbl>
-              <a:tblPr firstRow="1" bandRow="1">
-                <a:tableStyleId>{5C22544A-7EE6-4342-B048-85BDC9FD1C3A}</a:tableStyleId>
-              </a:tblPr>
-              <a:tblGrid>
-                <a:gridCol w="7443393">
-                  <a:extLst>
-                    <a:ext uri="{9D8B030D-6E8A-4147-A177-3AD203B41FA5}">
-                      <a16:colId xmlns:a16="http://schemas.microsoft.com/office/drawing/2014/main" val="668136959"/>
-                    </a:ext>
-                  </a:extLst>
-                </a:gridCol>
-                <a:gridCol w="3072206">
-                  <a:extLst>
-                    <a:ext uri="{9D8B030D-6E8A-4147-A177-3AD203B41FA5}">
-                      <a16:colId xmlns:a16="http://schemas.microsoft.com/office/drawing/2014/main" val="1552878829"/>
-                    </a:ext>
-                  </a:extLst>
-                </a:gridCol>
-              </a:tblGrid>
-              <a:tr h="441854">
-                <a:tc>
-                  <a:txBody>
-                    <a:bodyPr/>
-                    <a:lstStyle/>
-                    <a:p>
-                      <a:pPr algn="ctr"/>
-                      <a:r>
-                        <a:rPr lang="pt-BR" sz="1200" b="1">
-                          <a:solidFill>
-                            <a:schemeClr val="bg2"/>
-                          </a:solidFill>
-                          <a:latin typeface="Century Gothic" panose="020B0502020202020204" pitchFamily="34" charset="0"/>
-                        </a:rPr>
-                        <a:t>Descrição</a:t>
-                      </a:r>
-                    </a:p>
-                  </a:txBody>
-                  <a:tcPr anchor="ctr">
-                    <a:lnL w="12700" cap="flat" cmpd="sng" algn="ctr">
-                      <a:solidFill>
-                        <a:schemeClr val="tx1"/>
-                      </a:solidFill>
-                      <a:prstDash val="solid"/>
-                      <a:round/>
-                      <a:headEnd type="none" w="med" len="med"/>
-                      <a:tailEnd type="none" w="med" len="med"/>
-                    </a:lnL>
-                    <a:lnR w="12700" cap="flat" cmpd="sng" algn="ctr">
-                      <a:solidFill>
-                        <a:schemeClr val="tx1"/>
-                      </a:solidFill>
-                      <a:prstDash val="solid"/>
-                      <a:round/>
-                      <a:headEnd type="none" w="med" len="med"/>
-                      <a:tailEnd type="none" w="med" len="med"/>
-                    </a:lnR>
-                    <a:lnT w="12700" cap="flat" cmpd="sng" algn="ctr">
-                      <a:solidFill>
-                        <a:schemeClr val="tx1"/>
-                      </a:solidFill>
-                      <a:prstDash val="solid"/>
-                      <a:round/>
-                      <a:headEnd type="none" w="med" len="med"/>
-                      <a:tailEnd type="none" w="med" len="med"/>
-                    </a:lnT>
-                    <a:lnB w="12700" cap="flat" cmpd="sng" algn="ctr">
-                      <a:solidFill>
-                        <a:schemeClr val="tx1"/>
-                      </a:solidFill>
-                      <a:prstDash val="solid"/>
-                      <a:round/>
-                      <a:headEnd type="none" w="med" len="med"/>
-                      <a:tailEnd type="none" w="med" len="med"/>
-                    </a:lnB>
-                    <a:solidFill>
-                      <a:srgbClr val="002060"/>
-                    </a:solidFill>
-                  </a:tcPr>
-                </a:tc>
-                <a:tc>
-                  <a:txBody>
-                    <a:bodyPr/>
-                    <a:lstStyle/>
-                    <a:p>
-                      <a:pPr algn="ctr"/>
-                      <a:r>
-                        <a:rPr lang="pt-BR" sz="1200" b="1">
-                          <a:solidFill>
-                            <a:schemeClr val="bg2"/>
-                          </a:solidFill>
-                          <a:latin typeface="Century Gothic" panose="020B0502020202020204" pitchFamily="34" charset="0"/>
-                        </a:rPr>
-                        <a:t>Valor total</a:t>
-                      </a:r>
-                      <a:endParaRPr lang="pt-BR"/>
-                    </a:p>
-                  </a:txBody>
-                  <a:tcPr anchor="ctr">
-                    <a:lnL w="12700" cap="flat" cmpd="sng" algn="ctr">
-                      <a:solidFill>
-                        <a:schemeClr val="tx1"/>
-                      </a:solidFill>
-                      <a:prstDash val="solid"/>
-                      <a:round/>
-                      <a:headEnd type="none" w="med" len="med"/>
-                      <a:tailEnd type="none" w="med" len="med"/>
-                    </a:lnL>
-                    <a:lnR w="12700" cap="flat" cmpd="sng" algn="ctr">
-                      <a:solidFill>
-                        <a:schemeClr val="tx1"/>
-                      </a:solidFill>
-                      <a:prstDash val="solid"/>
-                      <a:round/>
-                      <a:headEnd type="none" w="med" len="med"/>
-                      <a:tailEnd type="none" w="med" len="med"/>
-                    </a:lnR>
-                    <a:lnT w="12700" cap="flat" cmpd="sng" algn="ctr">
-                      <a:solidFill>
-                        <a:schemeClr val="tx1"/>
-                      </a:solidFill>
-                      <a:prstDash val="solid"/>
-                      <a:round/>
-                      <a:headEnd type="none" w="med" len="med"/>
-                      <a:tailEnd type="none" w="med" len="med"/>
-                    </a:lnT>
-                    <a:lnB w="12700" cap="flat" cmpd="sng" algn="ctr">
-                      <a:solidFill>
-                        <a:schemeClr val="tx1"/>
-                      </a:solidFill>
-                      <a:prstDash val="solid"/>
-                      <a:round/>
-                      <a:headEnd type="none" w="med" len="med"/>
-                      <a:tailEnd type="none" w="med" len="med"/>
-                    </a:lnB>
-                    <a:solidFill>
-                      <a:srgbClr val="002060"/>
-                    </a:solidFill>
-                  </a:tcPr>
-                </a:tc>
-                <a:extLst>
-                  <a:ext uri="{0D108BD9-81ED-4DB2-BD59-A6C34878D82A}">
-                    <a16:rowId xmlns:a16="http://schemas.microsoft.com/office/drawing/2014/main" val="1643989339"/>
-                  </a:ext>
-                </a:extLst>
-              </a:tr>
-              <a:tr h="441854">
-                <a:tc>
-                  <a:txBody>
-                    <a:bodyPr/>
-                    <a:lstStyle/>
-                    <a:p>
-                      <a:pPr algn="ctr" fontAlgn="ctr"/>
-                      <a:r>
-                        <a:rPr lang="pt-BR" sz="1200" b="0" i="0" u="none" strike="noStrike">
-                          <a:solidFill>
-                            <a:schemeClr val="tx1"/>
-                          </a:solidFill>
-                          <a:effectLst/>
-                          <a:latin typeface="Calibri" panose="020F0502020204030204" pitchFamily="34" charset="0"/>
-                        </a:rPr>
-                        <a:t>ECOMMERCE BUIATCHAKA GAMES</a:t>
-                      </a:r>
-                    </a:p>
-                  </a:txBody>
-                  <a:tcPr marL="9525" marR="9525" marT="9525" marB="0" anchor="ctr">
-                    <a:lnL w="12700" cap="flat" cmpd="sng" algn="ctr">
-                      <a:solidFill>
-                        <a:schemeClr val="tx1"/>
-                      </a:solidFill>
-                      <a:prstDash val="solid"/>
-                      <a:round/>
-                      <a:headEnd type="none" w="med" len="med"/>
-                      <a:tailEnd type="none" w="med" len="med"/>
-                    </a:lnL>
-                    <a:lnR w="12700" cap="flat" cmpd="sng" algn="ctr">
-                      <a:solidFill>
-                        <a:schemeClr val="tx1"/>
-                      </a:solidFill>
-                      <a:prstDash val="solid"/>
-                      <a:round/>
-                      <a:headEnd type="none" w="med" len="med"/>
-                      <a:tailEnd type="none" w="med" len="med"/>
-                    </a:lnR>
-                    <a:lnT w="12700" cap="flat" cmpd="sng" algn="ctr">
-                      <a:solidFill>
-                        <a:schemeClr val="tx1"/>
-                      </a:solidFill>
-                      <a:prstDash val="solid"/>
-                      <a:round/>
-                      <a:headEnd type="none" w="med" len="med"/>
-                      <a:tailEnd type="none" w="med" len="med"/>
-                    </a:lnT>
-                    <a:lnB w="12700" cap="flat" cmpd="sng" algn="ctr">
-                      <a:solidFill>
-                        <a:schemeClr val="tx1"/>
-                      </a:solidFill>
-                      <a:prstDash val="solid"/>
-                      <a:round/>
-                      <a:headEnd type="none" w="med" len="med"/>
-                      <a:tailEnd type="none" w="med" len="med"/>
-                    </a:lnB>
-                  </a:tcPr>
-                </a:tc>
-                <a:tc>
-                  <a:txBody>
-                    <a:bodyPr/>
-                    <a:lstStyle/>
-                    <a:p>
-                      <a:pPr algn="ctr" fontAlgn="ctr"/>
-                      <a:r>
-                        <a:rPr lang="pt-BR" sz="1200" b="0" i="0" u="none" strike="noStrike">
-                          <a:solidFill>
-                            <a:schemeClr val="tx1"/>
-                          </a:solidFill>
-                          <a:effectLst/>
-                          <a:latin typeface="Calibri" panose="020F0502020204030204" pitchFamily="34" charset="0"/>
-                        </a:rPr>
-                        <a:t>R$ 70.640,00</a:t>
-                      </a:r>
-                    </a:p>
-                  </a:txBody>
-                  <a:tcPr marL="9525" marR="9525" marT="9525" marB="0" anchor="ctr">
-                    <a:lnL w="12700" cap="flat" cmpd="sng" algn="ctr">
-                      <a:solidFill>
-                        <a:schemeClr val="tx1"/>
-                      </a:solidFill>
-                      <a:prstDash val="solid"/>
-                      <a:round/>
-                      <a:headEnd type="none" w="med" len="med"/>
-                      <a:tailEnd type="none" w="med" len="med"/>
-                    </a:lnL>
-                    <a:lnR w="12700" cap="flat" cmpd="sng" algn="ctr">
-                      <a:solidFill>
-                        <a:schemeClr val="tx1"/>
-                      </a:solidFill>
-                      <a:prstDash val="solid"/>
-                      <a:round/>
-                      <a:headEnd type="none" w="med" len="med"/>
-                      <a:tailEnd type="none" w="med" len="med"/>
-                    </a:lnR>
-                    <a:lnT w="12700" cap="flat" cmpd="sng" algn="ctr">
-                      <a:solidFill>
-                        <a:schemeClr val="tx1"/>
-                      </a:solidFill>
-                      <a:prstDash val="solid"/>
-                      <a:round/>
-                      <a:headEnd type="none" w="med" len="med"/>
-                      <a:tailEnd type="none" w="med" len="med"/>
-                    </a:lnT>
-                    <a:lnB w="12700" cap="flat" cmpd="sng" algn="ctr">
-                      <a:solidFill>
-                        <a:schemeClr val="tx1"/>
-                      </a:solidFill>
-                      <a:prstDash val="solid"/>
-                      <a:round/>
-                      <a:headEnd type="none" w="med" len="med"/>
-                      <a:tailEnd type="none" w="med" len="med"/>
-                    </a:lnB>
-                  </a:tcPr>
-                </a:tc>
-                <a:extLst>
-                  <a:ext uri="{0D108BD9-81ED-4DB2-BD59-A6C34878D82A}">
-                    <a16:rowId xmlns:a16="http://schemas.microsoft.com/office/drawing/2014/main" val="164761615"/>
-                  </a:ext>
-                </a:extLst>
-              </a:tr>
-            </a:tbl>
-          </a:graphicData>
-        </a:graphic>
-      </p:graphicFrame>
-      <p:graphicFrame>
-        <p:nvGraphicFramePr>
-          <p:cNvPr id="11" name="Tabela 4">
-            <a:extLst>
-              <a:ext uri="{FF2B5EF4-FFF2-40B4-BE49-F238E27FC236}">
-                <a16:creationId xmlns:a16="http://schemas.microsoft.com/office/drawing/2014/main" id="{381DA933-18D4-4640-BAB8-09AF14827847}"/>
-              </a:ext>
-            </a:extLst>
-          </p:cNvPr>
-          <p:cNvGraphicFramePr>
-            <a:graphicFrameLocks noGrp="1"/>
-          </p:cNvGraphicFramePr>
-          <p:nvPr>
-            <p:extLst>
-              <p:ext uri="{D42A27DB-BD31-4B8C-83A1-F6EECF244321}">
-                <p14:modId xmlns:p14="http://schemas.microsoft.com/office/powerpoint/2010/main" val="1106011318"/>
-              </p:ext>
-            </p:extLst>
-          </p:nvPr>
-        </p:nvGraphicFramePr>
-        <p:xfrm>
-          <a:off x="838200" y="4084172"/>
-          <a:ext cx="10515595" cy="2224616"/>
-        </p:xfrm>
-        <a:graphic>
-          <a:graphicData uri="http://schemas.openxmlformats.org/drawingml/2006/table">
-            <a:tbl>
-              <a:tblPr firstRow="1" bandRow="1">
-                <a:tableStyleId>{5C22544A-7EE6-4342-B048-85BDC9FD1C3A}</a:tableStyleId>
-              </a:tblPr>
-              <a:tblGrid>
-                <a:gridCol w="3081274">
-                  <a:extLst>
-                    <a:ext uri="{9D8B030D-6E8A-4147-A177-3AD203B41FA5}">
-                      <a16:colId xmlns:a16="http://schemas.microsoft.com/office/drawing/2014/main" val="668136959"/>
-                    </a:ext>
-                  </a:extLst>
-                </a:gridCol>
-                <a:gridCol w="3081274">
-                  <a:extLst>
-                    <a:ext uri="{9D8B030D-6E8A-4147-A177-3AD203B41FA5}">
-                      <a16:colId xmlns:a16="http://schemas.microsoft.com/office/drawing/2014/main" val="1560634046"/>
-                    </a:ext>
-                  </a:extLst>
-                </a:gridCol>
-                <a:gridCol w="3081274">
-                  <a:extLst>
-                    <a:ext uri="{9D8B030D-6E8A-4147-A177-3AD203B41FA5}">
-                      <a16:colId xmlns:a16="http://schemas.microsoft.com/office/drawing/2014/main" val="4116290467"/>
-                    </a:ext>
-                  </a:extLst>
-                </a:gridCol>
-                <a:gridCol w="1271773">
-                  <a:extLst>
-                    <a:ext uri="{9D8B030D-6E8A-4147-A177-3AD203B41FA5}">
-                      <a16:colId xmlns:a16="http://schemas.microsoft.com/office/drawing/2014/main" val="1552878829"/>
-                    </a:ext>
-                  </a:extLst>
-                </a:gridCol>
-              </a:tblGrid>
-              <a:tr h="441854">
-                <a:tc>
-                  <a:txBody>
-                    <a:bodyPr/>
-                    <a:lstStyle/>
-                    <a:p>
-                      <a:pPr algn="ctr"/>
-                      <a:r>
-                        <a:rPr lang="pt-BR" sz="1200" b="1">
-                          <a:solidFill>
-                            <a:schemeClr val="bg2"/>
-                          </a:solidFill>
-                          <a:latin typeface="Century Gothic" panose="020B0502020202020204" pitchFamily="34" charset="0"/>
-                        </a:rPr>
-                        <a:t>Descrição</a:t>
-                      </a:r>
-                    </a:p>
-                  </a:txBody>
-                  <a:tcPr anchor="ctr">
-                    <a:lnL w="12700" cap="flat" cmpd="sng" algn="ctr">
-                      <a:solidFill>
-                        <a:schemeClr val="tx1"/>
-                      </a:solidFill>
-                      <a:prstDash val="solid"/>
-                      <a:round/>
-                      <a:headEnd type="none" w="med" len="med"/>
-                      <a:tailEnd type="none" w="med" len="med"/>
-                    </a:lnL>
-                    <a:lnR w="12700" cap="flat" cmpd="sng" algn="ctr">
-                      <a:solidFill>
-                        <a:schemeClr val="tx1"/>
-                      </a:solidFill>
-                      <a:prstDash val="solid"/>
-                      <a:round/>
-                      <a:headEnd type="none" w="med" len="med"/>
-                      <a:tailEnd type="none" w="med" len="med"/>
-                    </a:lnR>
-                    <a:lnT w="12700" cap="flat" cmpd="sng" algn="ctr">
-                      <a:solidFill>
-                        <a:schemeClr val="tx1"/>
-                      </a:solidFill>
-                      <a:prstDash val="solid"/>
-                      <a:round/>
-                      <a:headEnd type="none" w="med" len="med"/>
-                      <a:tailEnd type="none" w="med" len="med"/>
-                    </a:lnT>
-                    <a:lnB w="12700" cap="flat" cmpd="sng" algn="ctr">
-                      <a:solidFill>
-                        <a:schemeClr val="tx1"/>
-                      </a:solidFill>
-                      <a:prstDash val="solid"/>
-                      <a:round/>
-                      <a:headEnd type="none" w="med" len="med"/>
-                      <a:tailEnd type="none" w="med" len="med"/>
-                    </a:lnB>
-                    <a:solidFill>
-                      <a:srgbClr val="002060"/>
-                    </a:solidFill>
-                  </a:tcPr>
-                </a:tc>
-                <a:tc>
-                  <a:txBody>
-                    <a:bodyPr/>
-                    <a:lstStyle/>
-                    <a:p>
-                      <a:pPr algn="ctr"/>
-                      <a:r>
-                        <a:rPr lang="pt-BR" sz="1200" b="1">
-                          <a:solidFill>
-                            <a:schemeClr val="bg2"/>
-                          </a:solidFill>
-                          <a:latin typeface="Century Gothic" panose="020B0502020202020204" pitchFamily="34" charset="0"/>
-                        </a:rPr>
-                        <a:t>Valor do faturamento</a:t>
-                      </a:r>
-                    </a:p>
-                  </a:txBody>
-                  <a:tcPr anchor="ctr">
-                    <a:lnL w="12700" cap="flat" cmpd="sng" algn="ctr">
-                      <a:solidFill>
-                        <a:schemeClr val="tx1"/>
-                      </a:solidFill>
-                      <a:prstDash val="solid"/>
-                      <a:round/>
-                      <a:headEnd type="none" w="med" len="med"/>
-                      <a:tailEnd type="none" w="med" len="med"/>
-                    </a:lnL>
-                    <a:lnR w="12700" cap="flat" cmpd="sng" algn="ctr">
-                      <a:solidFill>
-                        <a:schemeClr val="tx1"/>
-                      </a:solidFill>
-                      <a:prstDash val="solid"/>
-                      <a:round/>
-                      <a:headEnd type="none" w="med" len="med"/>
-                      <a:tailEnd type="none" w="med" len="med"/>
-                    </a:lnR>
-                    <a:lnT w="12700" cap="flat" cmpd="sng" algn="ctr">
-                      <a:solidFill>
-                        <a:schemeClr val="tx1"/>
-                      </a:solidFill>
-                      <a:prstDash val="solid"/>
-                      <a:round/>
-                      <a:headEnd type="none" w="med" len="med"/>
-                      <a:tailEnd type="none" w="med" len="med"/>
-                    </a:lnT>
-                    <a:lnB w="12700" cap="flat" cmpd="sng" algn="ctr">
-                      <a:solidFill>
-                        <a:schemeClr val="tx1"/>
-                      </a:solidFill>
-                      <a:prstDash val="solid"/>
-                      <a:round/>
-                      <a:headEnd type="none" w="med" len="med"/>
-                      <a:tailEnd type="none" w="med" len="med"/>
-                    </a:lnB>
-                    <a:solidFill>
-                      <a:srgbClr val="002060"/>
-                    </a:solidFill>
-                  </a:tcPr>
-                </a:tc>
-                <a:tc>
-                  <a:txBody>
-                    <a:bodyPr/>
-                    <a:lstStyle/>
-                    <a:p>
-                      <a:pPr algn="ctr"/>
-                      <a:r>
-                        <a:rPr lang="pt-BR" sz="1200" b="1">
-                          <a:solidFill>
-                            <a:schemeClr val="bg2"/>
-                          </a:solidFill>
-                          <a:latin typeface="Century Gothic" panose="020B0502020202020204" pitchFamily="34" charset="0"/>
-                        </a:rPr>
-                        <a:t>Data do faturamento</a:t>
-                      </a:r>
-                    </a:p>
-                  </a:txBody>
-                  <a:tcPr anchor="ctr">
-                    <a:lnL w="12700" cap="flat" cmpd="sng" algn="ctr">
-                      <a:solidFill>
-                        <a:schemeClr val="tx1"/>
-                      </a:solidFill>
-                      <a:prstDash val="solid"/>
-                      <a:round/>
-                      <a:headEnd type="none" w="med" len="med"/>
-                      <a:tailEnd type="none" w="med" len="med"/>
-                    </a:lnL>
-                    <a:lnR w="12700" cap="flat" cmpd="sng" algn="ctr">
-                      <a:solidFill>
-                        <a:schemeClr val="tx1"/>
-                      </a:solidFill>
-                      <a:prstDash val="solid"/>
-                      <a:round/>
-                      <a:headEnd type="none" w="med" len="med"/>
-                      <a:tailEnd type="none" w="med" len="med"/>
-                    </a:lnR>
-                    <a:lnT w="12700" cap="flat" cmpd="sng" algn="ctr">
-                      <a:solidFill>
-                        <a:schemeClr val="tx1"/>
-                      </a:solidFill>
-                      <a:prstDash val="solid"/>
-                      <a:round/>
-                      <a:headEnd type="none" w="med" len="med"/>
-                      <a:tailEnd type="none" w="med" len="med"/>
-                    </a:lnT>
-                    <a:lnB w="12700" cap="flat" cmpd="sng" algn="ctr">
-                      <a:solidFill>
-                        <a:schemeClr val="tx1"/>
-                      </a:solidFill>
-                      <a:prstDash val="solid"/>
-                      <a:round/>
-                      <a:headEnd type="none" w="med" len="med"/>
-                      <a:tailEnd type="none" w="med" len="med"/>
-                    </a:lnB>
-                    <a:solidFill>
-                      <a:srgbClr val="002060"/>
-                    </a:solidFill>
-                  </a:tcPr>
-                </a:tc>
-                <a:tc>
-                  <a:txBody>
-                    <a:bodyPr/>
-                    <a:lstStyle/>
-                    <a:p>
-                      <a:pPr algn="ctr"/>
-                      <a:r>
-                        <a:rPr lang="pt-BR" sz="1200" b="1">
-                          <a:solidFill>
-                            <a:schemeClr val="bg2"/>
-                          </a:solidFill>
-                          <a:latin typeface="Century Gothic" panose="020B0502020202020204" pitchFamily="34" charset="0"/>
-                        </a:rPr>
-                        <a:t>Data do pagamento</a:t>
-                      </a:r>
-                      <a:endParaRPr lang="pt-BR"/>
-                    </a:p>
-                  </a:txBody>
-                  <a:tcPr anchor="ctr">
-                    <a:lnL w="12700" cap="flat" cmpd="sng" algn="ctr">
-                      <a:solidFill>
-                        <a:schemeClr val="tx1"/>
-                      </a:solidFill>
-                      <a:prstDash val="solid"/>
-                      <a:round/>
-                      <a:headEnd type="none" w="med" len="med"/>
-                      <a:tailEnd type="none" w="med" len="med"/>
-                    </a:lnL>
-                    <a:lnR w="12700" cap="flat" cmpd="sng" algn="ctr">
-                      <a:solidFill>
-                        <a:schemeClr val="tx1"/>
-                      </a:solidFill>
-                      <a:prstDash val="solid"/>
-                      <a:round/>
-                      <a:headEnd type="none" w="med" len="med"/>
-                      <a:tailEnd type="none" w="med" len="med"/>
-                    </a:lnR>
-                    <a:lnT w="12700" cap="flat" cmpd="sng" algn="ctr">
-                      <a:solidFill>
-                        <a:schemeClr val="tx1"/>
-                      </a:solidFill>
-                      <a:prstDash val="solid"/>
-                      <a:round/>
-                      <a:headEnd type="none" w="med" len="med"/>
-                      <a:tailEnd type="none" w="med" len="med"/>
-                    </a:lnT>
-                    <a:lnB w="12700" cap="flat" cmpd="sng" algn="ctr">
-                      <a:solidFill>
-                        <a:schemeClr val="tx1"/>
-                      </a:solidFill>
-                      <a:prstDash val="solid"/>
-                      <a:round/>
-                      <a:headEnd type="none" w="med" len="med"/>
-                      <a:tailEnd type="none" w="med" len="med"/>
-                    </a:lnB>
-                    <a:solidFill>
-                      <a:srgbClr val="002060"/>
-                    </a:solidFill>
-                  </a:tcPr>
-                </a:tc>
-                <a:extLst>
-                  <a:ext uri="{0D108BD9-81ED-4DB2-BD59-A6C34878D82A}">
-                    <a16:rowId xmlns:a16="http://schemas.microsoft.com/office/drawing/2014/main" val="1643989339"/>
-                  </a:ext>
-                </a:extLst>
-              </a:tr>
-              <a:tr h="441854">
-                <a:tc>
-                  <a:txBody>
-                    <a:bodyPr/>
-                    <a:lstStyle/>
-                    <a:p>
-                      <a:pPr algn="ctr">
-                        <a:lnSpc>
-                          <a:spcPct val="115000"/>
-                        </a:lnSpc>
-                        <a:spcAft>
-                          <a:spcPts val="1000"/>
-                        </a:spcAft>
-                      </a:pPr>
-                      <a:r>
-                        <a:rPr lang="pt-BR" sz="1200">
-                          <a:effectLst/>
-                          <a:latin typeface="Calibri" panose="020F0502020204030204" pitchFamily="34" charset="0"/>
-                          <a:ea typeface="Abadi Extra Light" panose="020B0204020104020204" pitchFamily="34" charset="0"/>
-                          <a:cs typeface="Calibri" panose="020F0502020204030204" pitchFamily="34" charset="0"/>
-                        </a:rPr>
-                        <a:t>1º Parcela</a:t>
-                      </a:r>
-                      <a:endParaRPr lang="pt-BR" sz="1200">
-                        <a:effectLst/>
-                        <a:latin typeface="Calibri" panose="020F0502020204030204" pitchFamily="34" charset="0"/>
-                        <a:ea typeface="Calibri" panose="020F0502020204030204" pitchFamily="34" charset="0"/>
-                        <a:cs typeface="Calibri" panose="020F0502020204030204" pitchFamily="34" charset="0"/>
-                      </a:endParaRPr>
-                    </a:p>
-                  </a:txBody>
-                  <a:tcPr marL="68580" marR="68580" marT="0" marB="0" anchor="ctr">
-                    <a:lnL w="12700" cap="flat" cmpd="sng" algn="ctr">
-                      <a:solidFill>
-                        <a:schemeClr val="tx1"/>
-                      </a:solidFill>
-                      <a:prstDash val="solid"/>
-                      <a:round/>
-                      <a:headEnd type="none" w="med" len="med"/>
-                      <a:tailEnd type="none" w="med" len="med"/>
-                    </a:lnL>
-                    <a:lnR w="12700" cap="flat" cmpd="sng" algn="ctr">
-                      <a:solidFill>
-                        <a:schemeClr val="tx1"/>
-                      </a:solidFill>
-                      <a:prstDash val="solid"/>
-                      <a:round/>
-                      <a:headEnd type="none" w="med" len="med"/>
-                      <a:tailEnd type="none" w="med" len="med"/>
-                    </a:lnR>
-                    <a:lnT w="12700" cap="flat" cmpd="sng" algn="ctr">
-                      <a:solidFill>
-                        <a:schemeClr val="tx1"/>
-                      </a:solidFill>
-                      <a:prstDash val="solid"/>
-                      <a:round/>
-                      <a:headEnd type="none" w="med" len="med"/>
-                      <a:tailEnd type="none" w="med" len="med"/>
-                    </a:lnT>
-                    <a:lnB w="12700" cap="flat" cmpd="sng" algn="ctr">
-                      <a:solidFill>
-                        <a:schemeClr val="tx1"/>
-                      </a:solidFill>
-                      <a:prstDash val="solid"/>
-                      <a:round/>
-                      <a:headEnd type="none" w="med" len="med"/>
-                      <a:tailEnd type="none" w="med" len="med"/>
-                    </a:lnB>
-                  </a:tcPr>
-                </a:tc>
-                <a:tc>
-                  <a:txBody>
-                    <a:bodyPr/>
-                    <a:lstStyle/>
-                    <a:p>
-                      <a:pPr algn="ctr">
-                        <a:lnSpc>
-                          <a:spcPct val="115000"/>
-                        </a:lnSpc>
-                        <a:spcAft>
-                          <a:spcPts val="1000"/>
-                        </a:spcAft>
-                      </a:pPr>
-                      <a:r>
-                        <a:rPr lang="pt-BR" sz="1200">
-                          <a:effectLst/>
-                          <a:latin typeface="Calibri" panose="020F0502020204030204" pitchFamily="34" charset="0"/>
-                          <a:ea typeface="Abadi Extra Light" panose="020B0204020104020204" pitchFamily="34" charset="0"/>
-                          <a:cs typeface="Calibri" panose="020F0502020204030204" pitchFamily="34" charset="0"/>
-                        </a:rPr>
-                        <a:t>R$ 17.660,00</a:t>
-                      </a:r>
-                      <a:endParaRPr lang="pt-BR" sz="1200">
-                        <a:effectLst/>
-                        <a:latin typeface="Calibri" panose="020F0502020204030204" pitchFamily="34" charset="0"/>
-                        <a:ea typeface="Calibri" panose="020F0502020204030204" pitchFamily="34" charset="0"/>
-                        <a:cs typeface="Calibri" panose="020F0502020204030204" pitchFamily="34" charset="0"/>
-                      </a:endParaRPr>
-                    </a:p>
-                  </a:txBody>
-                  <a:tcPr marL="68580" marR="68580" marT="0" marB="0" anchor="ctr">
-                    <a:lnL w="12700" cap="flat" cmpd="sng" algn="ctr">
-                      <a:solidFill>
-                        <a:schemeClr val="tx1"/>
-                      </a:solidFill>
-                      <a:prstDash val="solid"/>
-                      <a:round/>
-                      <a:headEnd type="none" w="med" len="med"/>
-                      <a:tailEnd type="none" w="med" len="med"/>
-                    </a:lnL>
-                    <a:lnR w="12700" cap="flat" cmpd="sng" algn="ctr">
-                      <a:solidFill>
-                        <a:schemeClr val="tx1"/>
-                      </a:solidFill>
-                      <a:prstDash val="solid"/>
-                      <a:round/>
-                      <a:headEnd type="none" w="med" len="med"/>
-                      <a:tailEnd type="none" w="med" len="med"/>
-                    </a:lnR>
-                    <a:lnT w="12700" cap="flat" cmpd="sng" algn="ctr">
-                      <a:solidFill>
-                        <a:schemeClr val="tx1"/>
-                      </a:solidFill>
-                      <a:prstDash val="solid"/>
-                      <a:round/>
-                      <a:headEnd type="none" w="med" len="med"/>
-                      <a:tailEnd type="none" w="med" len="med"/>
-                    </a:lnT>
-                    <a:lnB w="12700" cap="flat" cmpd="sng" algn="ctr">
-                      <a:solidFill>
-                        <a:schemeClr val="tx1"/>
-                      </a:solidFill>
-                      <a:prstDash val="solid"/>
-                      <a:round/>
-                      <a:headEnd type="none" w="med" len="med"/>
-                      <a:tailEnd type="none" w="med" len="med"/>
-                    </a:lnB>
-                  </a:tcPr>
-                </a:tc>
-                <a:tc>
-                  <a:txBody>
-                    <a:bodyPr/>
-                    <a:lstStyle/>
-                    <a:p>
-                      <a:pPr algn="ctr">
-                        <a:lnSpc>
-                          <a:spcPct val="115000"/>
-                        </a:lnSpc>
-                        <a:spcAft>
-                          <a:spcPts val="1000"/>
-                        </a:spcAft>
-                      </a:pPr>
-                      <a:r>
-                        <a:rPr lang="pt-BR" sz="1200">
-                          <a:effectLst/>
-                          <a:latin typeface="Calibri" panose="020F0502020204030204" pitchFamily="34" charset="0"/>
-                          <a:ea typeface="Abadi Extra Light" panose="020B0204020104020204" pitchFamily="34" charset="0"/>
-                          <a:cs typeface="Calibri" panose="020F0502020204030204" pitchFamily="34" charset="0"/>
-                        </a:rPr>
-                        <a:t>01/09/2020</a:t>
-                      </a:r>
-                      <a:endParaRPr lang="pt-BR" sz="1200">
-                        <a:effectLst/>
-                        <a:latin typeface="Calibri" panose="020F0502020204030204" pitchFamily="34" charset="0"/>
-                        <a:ea typeface="Calibri" panose="020F0502020204030204" pitchFamily="34" charset="0"/>
-                        <a:cs typeface="Calibri" panose="020F0502020204030204" pitchFamily="34" charset="0"/>
-                      </a:endParaRPr>
-                    </a:p>
-                  </a:txBody>
-                  <a:tcPr marL="68580" marR="68580" marT="0" marB="0" anchor="ctr">
-                    <a:lnL w="12700" cap="flat" cmpd="sng" algn="ctr">
-                      <a:solidFill>
-                        <a:schemeClr val="tx1"/>
-                      </a:solidFill>
-                      <a:prstDash val="solid"/>
-                      <a:round/>
-                      <a:headEnd type="none" w="med" len="med"/>
-                      <a:tailEnd type="none" w="med" len="med"/>
-                    </a:lnL>
-                    <a:lnR w="12700" cap="flat" cmpd="sng" algn="ctr">
-                      <a:solidFill>
-                        <a:schemeClr val="tx1"/>
-                      </a:solidFill>
-                      <a:prstDash val="solid"/>
-                      <a:round/>
-                      <a:headEnd type="none" w="med" len="med"/>
-                      <a:tailEnd type="none" w="med" len="med"/>
-                    </a:lnR>
-                    <a:lnT w="12700" cap="flat" cmpd="sng" algn="ctr">
-                      <a:solidFill>
-                        <a:schemeClr val="tx1"/>
-                      </a:solidFill>
-                      <a:prstDash val="solid"/>
-                      <a:round/>
-                      <a:headEnd type="none" w="med" len="med"/>
-                      <a:tailEnd type="none" w="med" len="med"/>
-                    </a:lnT>
-                    <a:lnB w="12700" cap="flat" cmpd="sng" algn="ctr">
-                      <a:solidFill>
-                        <a:schemeClr val="tx1"/>
-                      </a:solidFill>
-                      <a:prstDash val="solid"/>
-                      <a:round/>
-                      <a:headEnd type="none" w="med" len="med"/>
-                      <a:tailEnd type="none" w="med" len="med"/>
-                    </a:lnB>
-                  </a:tcPr>
-                </a:tc>
-                <a:tc>
-                  <a:txBody>
-                    <a:bodyPr/>
-                    <a:lstStyle/>
-                    <a:p>
-                      <a:pPr algn="ctr">
-                        <a:lnSpc>
-                          <a:spcPct val="115000"/>
-                        </a:lnSpc>
-                        <a:spcAft>
-                          <a:spcPts val="1000"/>
-                        </a:spcAft>
-                      </a:pPr>
-                      <a:r>
-                        <a:rPr lang="pt-BR" sz="1200">
-                          <a:effectLst/>
-                          <a:latin typeface="Calibri" panose="020F0502020204030204" pitchFamily="34" charset="0"/>
-                          <a:ea typeface="Abadi Extra Light" panose="020B0204020104020204" pitchFamily="34" charset="0"/>
-                          <a:cs typeface="Calibri" panose="020F0502020204030204" pitchFamily="34" charset="0"/>
-                        </a:rPr>
-                        <a:t>16/09/2020</a:t>
-                      </a:r>
-                      <a:endParaRPr lang="pt-BR" sz="1200">
-                        <a:effectLst/>
-                        <a:latin typeface="Calibri" panose="020F0502020204030204" pitchFamily="34" charset="0"/>
-                        <a:ea typeface="Calibri" panose="020F0502020204030204" pitchFamily="34" charset="0"/>
-                        <a:cs typeface="Calibri" panose="020F0502020204030204" pitchFamily="34" charset="0"/>
-                      </a:endParaRPr>
-                    </a:p>
-                  </a:txBody>
-                  <a:tcPr marL="68580" marR="68580" marT="0" marB="0" anchor="ctr">
-                    <a:lnL w="12700" cap="flat" cmpd="sng" algn="ctr">
-                      <a:solidFill>
-                        <a:schemeClr val="tx1"/>
-                      </a:solidFill>
-                      <a:prstDash val="solid"/>
-                      <a:round/>
-                      <a:headEnd type="none" w="med" len="med"/>
-                      <a:tailEnd type="none" w="med" len="med"/>
-                    </a:lnL>
-                    <a:lnR w="12700" cap="flat" cmpd="sng" algn="ctr">
-                      <a:solidFill>
-                        <a:schemeClr val="tx1"/>
-                      </a:solidFill>
-                      <a:prstDash val="solid"/>
-                      <a:round/>
-                      <a:headEnd type="none" w="med" len="med"/>
-                      <a:tailEnd type="none" w="med" len="med"/>
-                    </a:lnR>
-                    <a:lnT w="12700" cap="flat" cmpd="sng" algn="ctr">
-                      <a:solidFill>
-                        <a:schemeClr val="tx1"/>
-                      </a:solidFill>
-                      <a:prstDash val="solid"/>
-                      <a:round/>
-                      <a:headEnd type="none" w="med" len="med"/>
-                      <a:tailEnd type="none" w="med" len="med"/>
-                    </a:lnT>
-                    <a:lnB w="12700" cap="flat" cmpd="sng" algn="ctr">
-                      <a:solidFill>
-                        <a:schemeClr val="tx1"/>
-                      </a:solidFill>
-                      <a:prstDash val="solid"/>
-                      <a:round/>
-                      <a:headEnd type="none" w="med" len="med"/>
-                      <a:tailEnd type="none" w="med" len="med"/>
-                    </a:lnB>
-                  </a:tcPr>
-                </a:tc>
-                <a:extLst>
-                  <a:ext uri="{0D108BD9-81ED-4DB2-BD59-A6C34878D82A}">
-                    <a16:rowId xmlns:a16="http://schemas.microsoft.com/office/drawing/2014/main" val="1934115713"/>
-                  </a:ext>
-                </a:extLst>
-              </a:tr>
-              <a:tr h="441854">
-                <a:tc>
-                  <a:txBody>
-                    <a:bodyPr/>
-                    <a:lstStyle/>
-                    <a:p>
-                      <a:pPr algn="ctr">
-                        <a:lnSpc>
-                          <a:spcPct val="115000"/>
-                        </a:lnSpc>
-                        <a:spcAft>
-                          <a:spcPts val="1000"/>
-                        </a:spcAft>
-                      </a:pPr>
-                      <a:r>
-                        <a:rPr lang="pt-BR" sz="1200">
-                          <a:effectLst/>
-                          <a:latin typeface="Calibri" panose="020F0502020204030204" pitchFamily="34" charset="0"/>
-                          <a:ea typeface="Abadi Extra Light" panose="020B0204020104020204" pitchFamily="34" charset="0"/>
-                          <a:cs typeface="Calibri" panose="020F0502020204030204" pitchFamily="34" charset="0"/>
-                        </a:rPr>
-                        <a:t>2º Parcela</a:t>
-                      </a:r>
-                      <a:endParaRPr lang="pt-BR" sz="1200">
-                        <a:effectLst/>
-                        <a:latin typeface="Calibri" panose="020F0502020204030204" pitchFamily="34" charset="0"/>
-                        <a:ea typeface="Calibri" panose="020F0502020204030204" pitchFamily="34" charset="0"/>
-                        <a:cs typeface="Calibri" panose="020F0502020204030204" pitchFamily="34" charset="0"/>
-                      </a:endParaRPr>
-                    </a:p>
-                  </a:txBody>
-                  <a:tcPr marL="68580" marR="68580" marT="0" marB="0" anchor="ctr">
-                    <a:lnL w="12700" cap="flat" cmpd="sng" algn="ctr">
-                      <a:solidFill>
-                        <a:schemeClr val="tx1"/>
-                      </a:solidFill>
-                      <a:prstDash val="solid"/>
-                      <a:round/>
-                      <a:headEnd type="none" w="med" len="med"/>
-                      <a:tailEnd type="none" w="med" len="med"/>
-                    </a:lnL>
-                    <a:lnR w="12700" cap="flat" cmpd="sng" algn="ctr">
-                      <a:solidFill>
-                        <a:schemeClr val="tx1"/>
-                      </a:solidFill>
-                      <a:prstDash val="solid"/>
-                      <a:round/>
-                      <a:headEnd type="none" w="med" len="med"/>
-                      <a:tailEnd type="none" w="med" len="med"/>
-                    </a:lnR>
-                    <a:lnT w="12700" cap="flat" cmpd="sng" algn="ctr">
-                      <a:solidFill>
-                        <a:schemeClr val="tx1"/>
-                      </a:solidFill>
-                      <a:prstDash val="solid"/>
-                      <a:round/>
-                      <a:headEnd type="none" w="med" len="med"/>
-                      <a:tailEnd type="none" w="med" len="med"/>
-                    </a:lnT>
-                    <a:lnB w="12700" cap="flat" cmpd="sng" algn="ctr">
-                      <a:solidFill>
-                        <a:schemeClr val="tx1"/>
-                      </a:solidFill>
-                      <a:prstDash val="solid"/>
-                      <a:round/>
-                      <a:headEnd type="none" w="med" len="med"/>
-                      <a:tailEnd type="none" w="med" len="med"/>
-                    </a:lnB>
-                  </a:tcPr>
-                </a:tc>
-                <a:tc>
-                  <a:txBody>
-                    <a:bodyPr/>
-                    <a:lstStyle/>
-                    <a:p>
-                      <a:pPr algn="ctr">
-                        <a:lnSpc>
-                          <a:spcPct val="115000"/>
-                        </a:lnSpc>
-                        <a:spcAft>
-                          <a:spcPts val="1000"/>
-                        </a:spcAft>
-                      </a:pPr>
-                      <a:r>
-                        <a:rPr lang="pt-BR" sz="1200">
-                          <a:effectLst/>
-                          <a:latin typeface="Calibri" panose="020F0502020204030204" pitchFamily="34" charset="0"/>
-                          <a:ea typeface="Abadi Extra Light" panose="020B0204020104020204" pitchFamily="34" charset="0"/>
-                          <a:cs typeface="Calibri" panose="020F0502020204030204" pitchFamily="34" charset="0"/>
-                        </a:rPr>
-                        <a:t>R$ 17.660,00</a:t>
-                      </a:r>
-                      <a:endParaRPr lang="pt-BR" sz="1200">
-                        <a:effectLst/>
-                        <a:latin typeface="Calibri" panose="020F0502020204030204" pitchFamily="34" charset="0"/>
-                        <a:ea typeface="Calibri" panose="020F0502020204030204" pitchFamily="34" charset="0"/>
-                        <a:cs typeface="Calibri" panose="020F0502020204030204" pitchFamily="34" charset="0"/>
-                      </a:endParaRPr>
-                    </a:p>
-                  </a:txBody>
-                  <a:tcPr marL="68580" marR="68580" marT="0" marB="0" anchor="ctr">
-                    <a:lnL w="12700" cap="flat" cmpd="sng" algn="ctr">
-                      <a:solidFill>
-                        <a:schemeClr val="tx1"/>
-                      </a:solidFill>
-                      <a:prstDash val="solid"/>
-                      <a:round/>
-                      <a:headEnd type="none" w="med" len="med"/>
-                      <a:tailEnd type="none" w="med" len="med"/>
-                    </a:lnL>
-                    <a:lnR w="12700" cap="flat" cmpd="sng" algn="ctr">
-                      <a:solidFill>
-                        <a:schemeClr val="tx1"/>
-                      </a:solidFill>
-                      <a:prstDash val="solid"/>
-                      <a:round/>
-                      <a:headEnd type="none" w="med" len="med"/>
-                      <a:tailEnd type="none" w="med" len="med"/>
-                    </a:lnR>
-                    <a:lnT w="12700" cap="flat" cmpd="sng" algn="ctr">
-                      <a:solidFill>
-                        <a:schemeClr val="tx1"/>
-                      </a:solidFill>
-                      <a:prstDash val="solid"/>
-                      <a:round/>
-                      <a:headEnd type="none" w="med" len="med"/>
-                      <a:tailEnd type="none" w="med" len="med"/>
-                    </a:lnT>
-                    <a:lnB w="12700" cap="flat" cmpd="sng" algn="ctr">
-                      <a:solidFill>
-                        <a:schemeClr val="tx1"/>
-                      </a:solidFill>
-                      <a:prstDash val="solid"/>
-                      <a:round/>
-                      <a:headEnd type="none" w="med" len="med"/>
-                      <a:tailEnd type="none" w="med" len="med"/>
-                    </a:lnB>
-                  </a:tcPr>
-                </a:tc>
-                <a:tc>
-                  <a:txBody>
-                    <a:bodyPr/>
-                    <a:lstStyle/>
-                    <a:p>
-                      <a:pPr algn="ctr">
-                        <a:lnSpc>
-                          <a:spcPct val="115000"/>
-                        </a:lnSpc>
-                        <a:spcAft>
-                          <a:spcPts val="1000"/>
-                        </a:spcAft>
-                      </a:pPr>
-                      <a:r>
-                        <a:rPr lang="pt-BR" sz="1200">
-                          <a:effectLst/>
-                          <a:latin typeface="Calibri" panose="020F0502020204030204" pitchFamily="34" charset="0"/>
-                          <a:ea typeface="Abadi Extra Light" panose="020B0204020104020204" pitchFamily="34" charset="0"/>
-                          <a:cs typeface="Calibri" panose="020F0502020204030204" pitchFamily="34" charset="0"/>
-                        </a:rPr>
-                        <a:t>01/10/2020</a:t>
-                      </a:r>
-                      <a:endParaRPr lang="pt-BR" sz="1200">
-                        <a:effectLst/>
-                        <a:latin typeface="Calibri" panose="020F0502020204030204" pitchFamily="34" charset="0"/>
-                        <a:ea typeface="Calibri" panose="020F0502020204030204" pitchFamily="34" charset="0"/>
-                        <a:cs typeface="Calibri" panose="020F0502020204030204" pitchFamily="34" charset="0"/>
-                      </a:endParaRPr>
-                    </a:p>
-                  </a:txBody>
-                  <a:tcPr marL="68580" marR="68580" marT="0" marB="0" anchor="ctr">
-                    <a:lnL w="12700" cap="flat" cmpd="sng" algn="ctr">
-                      <a:solidFill>
-                        <a:schemeClr val="tx1"/>
-                      </a:solidFill>
-                      <a:prstDash val="solid"/>
-                      <a:round/>
-                      <a:headEnd type="none" w="med" len="med"/>
-                      <a:tailEnd type="none" w="med" len="med"/>
-                    </a:lnL>
-                    <a:lnR w="12700" cap="flat" cmpd="sng" algn="ctr">
-                      <a:solidFill>
-                        <a:schemeClr val="tx1"/>
-                      </a:solidFill>
-                      <a:prstDash val="solid"/>
-                      <a:round/>
-                      <a:headEnd type="none" w="med" len="med"/>
-                      <a:tailEnd type="none" w="med" len="med"/>
-                    </a:lnR>
-                    <a:lnT w="12700" cap="flat" cmpd="sng" algn="ctr">
-                      <a:solidFill>
-                        <a:schemeClr val="tx1"/>
-                      </a:solidFill>
-                      <a:prstDash val="solid"/>
-                      <a:round/>
-                      <a:headEnd type="none" w="med" len="med"/>
-                      <a:tailEnd type="none" w="med" len="med"/>
-                    </a:lnT>
-                    <a:lnB w="12700" cap="flat" cmpd="sng" algn="ctr">
-                      <a:solidFill>
-                        <a:schemeClr val="tx1"/>
-                      </a:solidFill>
-                      <a:prstDash val="solid"/>
-                      <a:round/>
-                      <a:headEnd type="none" w="med" len="med"/>
-                      <a:tailEnd type="none" w="med" len="med"/>
-                    </a:lnB>
-                  </a:tcPr>
-                </a:tc>
-                <a:tc>
-                  <a:txBody>
-                    <a:bodyPr/>
-                    <a:lstStyle/>
-                    <a:p>
-                      <a:pPr algn="ctr">
-                        <a:lnSpc>
-                          <a:spcPct val="115000"/>
-                        </a:lnSpc>
-                        <a:spcAft>
-                          <a:spcPts val="1000"/>
-                        </a:spcAft>
-                      </a:pPr>
-                      <a:r>
-                        <a:rPr lang="pt-BR" sz="1200">
-                          <a:effectLst/>
-                          <a:latin typeface="Calibri" panose="020F0502020204030204" pitchFamily="34" charset="0"/>
-                          <a:ea typeface="Abadi Extra Light" panose="020B0204020104020204" pitchFamily="34" charset="0"/>
-                          <a:cs typeface="Calibri" panose="020F0502020204030204" pitchFamily="34" charset="0"/>
-                        </a:rPr>
-                        <a:t>16/10/2020</a:t>
-                      </a:r>
-                      <a:endParaRPr lang="pt-BR" sz="1200">
-                        <a:effectLst/>
-                        <a:latin typeface="Calibri" panose="020F0502020204030204" pitchFamily="34" charset="0"/>
-                        <a:ea typeface="Calibri" panose="020F0502020204030204" pitchFamily="34" charset="0"/>
-                        <a:cs typeface="Calibri" panose="020F0502020204030204" pitchFamily="34" charset="0"/>
-                      </a:endParaRPr>
-                    </a:p>
-                  </a:txBody>
-                  <a:tcPr marL="68580" marR="68580" marT="0" marB="0" anchor="ctr">
-                    <a:lnL w="12700" cap="flat" cmpd="sng" algn="ctr">
-                      <a:solidFill>
-                        <a:schemeClr val="tx1"/>
-                      </a:solidFill>
-                      <a:prstDash val="solid"/>
-                      <a:round/>
-                      <a:headEnd type="none" w="med" len="med"/>
-                      <a:tailEnd type="none" w="med" len="med"/>
-                    </a:lnL>
-                    <a:lnR w="12700" cap="flat" cmpd="sng" algn="ctr">
-                      <a:solidFill>
-                        <a:schemeClr val="tx1"/>
-                      </a:solidFill>
-                      <a:prstDash val="solid"/>
-                      <a:round/>
-                      <a:headEnd type="none" w="med" len="med"/>
-                      <a:tailEnd type="none" w="med" len="med"/>
-                    </a:lnR>
-                    <a:lnT w="12700" cap="flat" cmpd="sng" algn="ctr">
-                      <a:solidFill>
-                        <a:schemeClr val="tx1"/>
-                      </a:solidFill>
-                      <a:prstDash val="solid"/>
-                      <a:round/>
-                      <a:headEnd type="none" w="med" len="med"/>
-                      <a:tailEnd type="none" w="med" len="med"/>
-                    </a:lnT>
-                    <a:lnB w="12700" cap="flat" cmpd="sng" algn="ctr">
-                      <a:solidFill>
-                        <a:schemeClr val="tx1"/>
-                      </a:solidFill>
-                      <a:prstDash val="solid"/>
-                      <a:round/>
-                      <a:headEnd type="none" w="med" len="med"/>
-                      <a:tailEnd type="none" w="med" len="med"/>
-                    </a:lnB>
-                  </a:tcPr>
-                </a:tc>
-                <a:extLst>
-                  <a:ext uri="{0D108BD9-81ED-4DB2-BD59-A6C34878D82A}">
-                    <a16:rowId xmlns:a16="http://schemas.microsoft.com/office/drawing/2014/main" val="4277832923"/>
-                  </a:ext>
-                </a:extLst>
-              </a:tr>
-              <a:tr h="441854">
-                <a:tc>
-                  <a:txBody>
-                    <a:bodyPr/>
-                    <a:lstStyle/>
-                    <a:p>
-                      <a:pPr algn="ctr">
-                        <a:lnSpc>
-                          <a:spcPct val="115000"/>
-                        </a:lnSpc>
-                        <a:spcAft>
-                          <a:spcPts val="1000"/>
-                        </a:spcAft>
-                      </a:pPr>
-                      <a:r>
-                        <a:rPr lang="pt-BR" sz="1200">
-                          <a:effectLst/>
-                          <a:latin typeface="Calibri" panose="020F0502020204030204" pitchFamily="34" charset="0"/>
-                          <a:ea typeface="Abadi Extra Light" panose="020B0204020104020204" pitchFamily="34" charset="0"/>
-                          <a:cs typeface="Calibri" panose="020F0502020204030204" pitchFamily="34" charset="0"/>
-                        </a:rPr>
-                        <a:t>3º Parcela</a:t>
-                      </a:r>
-                      <a:endParaRPr lang="pt-BR" sz="1200">
-                        <a:effectLst/>
-                        <a:latin typeface="Calibri" panose="020F0502020204030204" pitchFamily="34" charset="0"/>
-                        <a:ea typeface="Calibri" panose="020F0502020204030204" pitchFamily="34" charset="0"/>
-                        <a:cs typeface="Calibri" panose="020F0502020204030204" pitchFamily="34" charset="0"/>
-                      </a:endParaRPr>
-                    </a:p>
-                  </a:txBody>
-                  <a:tcPr marL="68580" marR="68580" marT="0" marB="0" anchor="ctr">
-                    <a:lnL w="12700" cap="flat" cmpd="sng" algn="ctr">
-                      <a:solidFill>
-                        <a:schemeClr val="tx1"/>
-                      </a:solidFill>
-                      <a:prstDash val="solid"/>
-                      <a:round/>
-                      <a:headEnd type="none" w="med" len="med"/>
-                      <a:tailEnd type="none" w="med" len="med"/>
-                    </a:lnL>
-                    <a:lnR w="12700" cap="flat" cmpd="sng" algn="ctr">
-                      <a:solidFill>
-                        <a:schemeClr val="tx1"/>
-                      </a:solidFill>
-                      <a:prstDash val="solid"/>
-                      <a:round/>
-                      <a:headEnd type="none" w="med" len="med"/>
-                      <a:tailEnd type="none" w="med" len="med"/>
-                    </a:lnR>
-                    <a:lnT w="12700" cap="flat" cmpd="sng" algn="ctr">
-                      <a:solidFill>
-                        <a:schemeClr val="tx1"/>
-                      </a:solidFill>
-                      <a:prstDash val="solid"/>
-                      <a:round/>
-                      <a:headEnd type="none" w="med" len="med"/>
-                      <a:tailEnd type="none" w="med" len="med"/>
-                    </a:lnT>
-                    <a:lnB w="12700" cap="flat" cmpd="sng" algn="ctr">
-                      <a:solidFill>
-                        <a:schemeClr val="tx1"/>
-                      </a:solidFill>
-                      <a:prstDash val="solid"/>
-                      <a:round/>
-                      <a:headEnd type="none" w="med" len="med"/>
-                      <a:tailEnd type="none" w="med" len="med"/>
-                    </a:lnB>
-                  </a:tcPr>
-                </a:tc>
-                <a:tc>
-                  <a:txBody>
-                    <a:bodyPr/>
-                    <a:lstStyle/>
-                    <a:p>
-                      <a:pPr algn="ctr">
-                        <a:lnSpc>
-                          <a:spcPct val="115000"/>
-                        </a:lnSpc>
-                        <a:spcAft>
-                          <a:spcPts val="1000"/>
-                        </a:spcAft>
-                      </a:pPr>
-                      <a:r>
-                        <a:rPr lang="pt-BR" sz="1200">
-                          <a:effectLst/>
-                          <a:latin typeface="Calibri" panose="020F0502020204030204" pitchFamily="34" charset="0"/>
-                          <a:ea typeface="Abadi Extra Light" panose="020B0204020104020204" pitchFamily="34" charset="0"/>
-                          <a:cs typeface="Calibri" panose="020F0502020204030204" pitchFamily="34" charset="0"/>
-                        </a:rPr>
-                        <a:t>R$ 17.660,00</a:t>
-                      </a:r>
-                      <a:endParaRPr lang="pt-BR" sz="1200">
-                        <a:effectLst/>
-                        <a:latin typeface="Calibri" panose="020F0502020204030204" pitchFamily="34" charset="0"/>
-                        <a:ea typeface="Calibri" panose="020F0502020204030204" pitchFamily="34" charset="0"/>
-                        <a:cs typeface="Calibri" panose="020F0502020204030204" pitchFamily="34" charset="0"/>
-                      </a:endParaRPr>
-                    </a:p>
-                  </a:txBody>
-                  <a:tcPr marL="68580" marR="68580" marT="0" marB="0" anchor="ctr">
-                    <a:lnL w="12700" cap="flat" cmpd="sng" algn="ctr">
-                      <a:solidFill>
-                        <a:schemeClr val="tx1"/>
-                      </a:solidFill>
-                      <a:prstDash val="solid"/>
-                      <a:round/>
-                      <a:headEnd type="none" w="med" len="med"/>
-                      <a:tailEnd type="none" w="med" len="med"/>
-                    </a:lnL>
-                    <a:lnR w="12700" cap="flat" cmpd="sng" algn="ctr">
-                      <a:solidFill>
-                        <a:schemeClr val="tx1"/>
-                      </a:solidFill>
-                      <a:prstDash val="solid"/>
-                      <a:round/>
-                      <a:headEnd type="none" w="med" len="med"/>
-                      <a:tailEnd type="none" w="med" len="med"/>
-                    </a:lnR>
-                    <a:lnT w="12700" cap="flat" cmpd="sng" algn="ctr">
-                      <a:solidFill>
-                        <a:schemeClr val="tx1"/>
-                      </a:solidFill>
-                      <a:prstDash val="solid"/>
-                      <a:round/>
-                      <a:headEnd type="none" w="med" len="med"/>
-                      <a:tailEnd type="none" w="med" len="med"/>
-                    </a:lnT>
-                    <a:lnB w="12700" cap="flat" cmpd="sng" algn="ctr">
-                      <a:solidFill>
-                        <a:schemeClr val="tx1"/>
-                      </a:solidFill>
-                      <a:prstDash val="solid"/>
-                      <a:round/>
-                      <a:headEnd type="none" w="med" len="med"/>
-                      <a:tailEnd type="none" w="med" len="med"/>
-                    </a:lnB>
-                  </a:tcPr>
-                </a:tc>
-                <a:tc>
-                  <a:txBody>
-                    <a:bodyPr/>
-                    <a:lstStyle/>
-                    <a:p>
-                      <a:pPr algn="ctr">
-                        <a:lnSpc>
-                          <a:spcPct val="115000"/>
-                        </a:lnSpc>
-                        <a:spcAft>
-                          <a:spcPts val="1000"/>
-                        </a:spcAft>
-                      </a:pPr>
-                      <a:r>
-                        <a:rPr lang="pt-BR" sz="1200">
-                          <a:effectLst/>
-                          <a:latin typeface="Calibri" panose="020F0502020204030204" pitchFamily="34" charset="0"/>
-                          <a:ea typeface="Abadi Extra Light" panose="020B0204020104020204" pitchFamily="34" charset="0"/>
-                          <a:cs typeface="Calibri" panose="020F0502020204030204" pitchFamily="34" charset="0"/>
-                        </a:rPr>
-                        <a:t>01/11/2020</a:t>
-                      </a:r>
-                      <a:endParaRPr lang="pt-BR" sz="1200">
-                        <a:effectLst/>
-                        <a:latin typeface="Calibri" panose="020F0502020204030204" pitchFamily="34" charset="0"/>
-                        <a:ea typeface="Calibri" panose="020F0502020204030204" pitchFamily="34" charset="0"/>
-                        <a:cs typeface="Calibri" panose="020F0502020204030204" pitchFamily="34" charset="0"/>
-                      </a:endParaRPr>
-                    </a:p>
-                  </a:txBody>
-                  <a:tcPr marL="68580" marR="68580" marT="0" marB="0" anchor="ctr">
-                    <a:lnL w="12700" cap="flat" cmpd="sng" algn="ctr">
-                      <a:solidFill>
-                        <a:schemeClr val="tx1"/>
-                      </a:solidFill>
-                      <a:prstDash val="solid"/>
-                      <a:round/>
-                      <a:headEnd type="none" w="med" len="med"/>
-                      <a:tailEnd type="none" w="med" len="med"/>
-                    </a:lnL>
-                    <a:lnR w="12700" cap="flat" cmpd="sng" algn="ctr">
-                      <a:solidFill>
-                        <a:schemeClr val="tx1"/>
-                      </a:solidFill>
-                      <a:prstDash val="solid"/>
-                      <a:round/>
-                      <a:headEnd type="none" w="med" len="med"/>
-                      <a:tailEnd type="none" w="med" len="med"/>
-                    </a:lnR>
-                    <a:lnT w="12700" cap="flat" cmpd="sng" algn="ctr">
-                      <a:solidFill>
-                        <a:schemeClr val="tx1"/>
-                      </a:solidFill>
-                      <a:prstDash val="solid"/>
-                      <a:round/>
-                      <a:headEnd type="none" w="med" len="med"/>
-                      <a:tailEnd type="none" w="med" len="med"/>
-                    </a:lnT>
-                    <a:lnB w="12700" cap="flat" cmpd="sng" algn="ctr">
-                      <a:solidFill>
-                        <a:schemeClr val="tx1"/>
-                      </a:solidFill>
-                      <a:prstDash val="solid"/>
-                      <a:round/>
-                      <a:headEnd type="none" w="med" len="med"/>
-                      <a:tailEnd type="none" w="med" len="med"/>
-                    </a:lnB>
-                  </a:tcPr>
-                </a:tc>
-                <a:tc>
-                  <a:txBody>
-                    <a:bodyPr/>
-                    <a:lstStyle/>
-                    <a:p>
-                      <a:pPr algn="ctr">
-                        <a:lnSpc>
-                          <a:spcPct val="115000"/>
-                        </a:lnSpc>
-                        <a:spcAft>
-                          <a:spcPts val="1000"/>
-                        </a:spcAft>
-                      </a:pPr>
-                      <a:r>
-                        <a:rPr lang="pt-BR" sz="1200">
-                          <a:effectLst/>
-                          <a:latin typeface="Calibri" panose="020F0502020204030204" pitchFamily="34" charset="0"/>
-                          <a:ea typeface="Abadi Extra Light" panose="020B0204020104020204" pitchFamily="34" charset="0"/>
-                          <a:cs typeface="Calibri" panose="020F0502020204030204" pitchFamily="34" charset="0"/>
-                        </a:rPr>
-                        <a:t>16/11/2020</a:t>
-                      </a:r>
-                      <a:endParaRPr lang="pt-BR" sz="1200">
-                        <a:effectLst/>
-                        <a:latin typeface="Calibri" panose="020F0502020204030204" pitchFamily="34" charset="0"/>
-                        <a:ea typeface="Calibri" panose="020F0502020204030204" pitchFamily="34" charset="0"/>
-                        <a:cs typeface="Calibri" panose="020F0502020204030204" pitchFamily="34" charset="0"/>
-                      </a:endParaRPr>
-                    </a:p>
-                  </a:txBody>
-                  <a:tcPr marL="68580" marR="68580" marT="0" marB="0" anchor="ctr">
-                    <a:lnL w="12700" cap="flat" cmpd="sng" algn="ctr">
-                      <a:solidFill>
-                        <a:schemeClr val="tx1"/>
-                      </a:solidFill>
-                      <a:prstDash val="solid"/>
-                      <a:round/>
-                      <a:headEnd type="none" w="med" len="med"/>
-                      <a:tailEnd type="none" w="med" len="med"/>
-                    </a:lnL>
-                    <a:lnR w="12700" cap="flat" cmpd="sng" algn="ctr">
-                      <a:solidFill>
-                        <a:schemeClr val="tx1"/>
-                      </a:solidFill>
-                      <a:prstDash val="solid"/>
-                      <a:round/>
-                      <a:headEnd type="none" w="med" len="med"/>
-                      <a:tailEnd type="none" w="med" len="med"/>
-                    </a:lnR>
-                    <a:lnT w="12700" cap="flat" cmpd="sng" algn="ctr">
-                      <a:solidFill>
-                        <a:schemeClr val="tx1"/>
-                      </a:solidFill>
-                      <a:prstDash val="solid"/>
-                      <a:round/>
-                      <a:headEnd type="none" w="med" len="med"/>
-                      <a:tailEnd type="none" w="med" len="med"/>
-                    </a:lnT>
-                    <a:lnB w="12700" cap="flat" cmpd="sng" algn="ctr">
-                      <a:solidFill>
-                        <a:schemeClr val="tx1"/>
-                      </a:solidFill>
-                      <a:prstDash val="solid"/>
-                      <a:round/>
-                      <a:headEnd type="none" w="med" len="med"/>
-                      <a:tailEnd type="none" w="med" len="med"/>
-                    </a:lnB>
-                  </a:tcPr>
-                </a:tc>
-                <a:extLst>
-                  <a:ext uri="{0D108BD9-81ED-4DB2-BD59-A6C34878D82A}">
-                    <a16:rowId xmlns:a16="http://schemas.microsoft.com/office/drawing/2014/main" val="1810590542"/>
-                  </a:ext>
-                </a:extLst>
-              </a:tr>
-              <a:tr h="441854">
-                <a:tc>
-                  <a:txBody>
-                    <a:bodyPr/>
-                    <a:lstStyle/>
-                    <a:p>
-                      <a:pPr algn="ctr">
-                        <a:lnSpc>
-                          <a:spcPct val="115000"/>
-                        </a:lnSpc>
-                        <a:spcAft>
-                          <a:spcPts val="1000"/>
-                        </a:spcAft>
-                      </a:pPr>
-                      <a:r>
-                        <a:rPr lang="pt-BR" sz="1200">
-                          <a:effectLst/>
-                          <a:latin typeface="Calibri" panose="020F0502020204030204" pitchFamily="34" charset="0"/>
-                          <a:ea typeface="Abadi Extra Light" panose="020B0204020104020204" pitchFamily="34" charset="0"/>
-                          <a:cs typeface="Calibri" panose="020F0502020204030204" pitchFamily="34" charset="0"/>
-                        </a:rPr>
-                        <a:t>4º Parcela</a:t>
-                      </a:r>
-                      <a:endParaRPr lang="pt-BR" sz="1200">
-                        <a:effectLst/>
-                        <a:latin typeface="Calibri" panose="020F0502020204030204" pitchFamily="34" charset="0"/>
-                        <a:ea typeface="Calibri" panose="020F0502020204030204" pitchFamily="34" charset="0"/>
-                        <a:cs typeface="Calibri" panose="020F0502020204030204" pitchFamily="34" charset="0"/>
-                      </a:endParaRPr>
-                    </a:p>
-                  </a:txBody>
-                  <a:tcPr marL="68580" marR="68580" marT="0" marB="0" anchor="ctr">
-                    <a:lnL w="12700" cap="flat" cmpd="sng" algn="ctr">
-                      <a:solidFill>
-                        <a:schemeClr val="tx1"/>
-                      </a:solidFill>
-                      <a:prstDash val="solid"/>
-                      <a:round/>
-                      <a:headEnd type="none" w="med" len="med"/>
-                      <a:tailEnd type="none" w="med" len="med"/>
-                    </a:lnL>
-                    <a:lnR w="12700" cap="flat" cmpd="sng" algn="ctr">
-                      <a:solidFill>
-                        <a:schemeClr val="tx1"/>
-                      </a:solidFill>
-                      <a:prstDash val="solid"/>
-                      <a:round/>
-                      <a:headEnd type="none" w="med" len="med"/>
-                      <a:tailEnd type="none" w="med" len="med"/>
-                    </a:lnR>
-                    <a:lnT w="12700" cap="flat" cmpd="sng" algn="ctr">
-                      <a:solidFill>
-                        <a:schemeClr val="tx1"/>
-                      </a:solidFill>
-                      <a:prstDash val="solid"/>
-                      <a:round/>
-                      <a:headEnd type="none" w="med" len="med"/>
-                      <a:tailEnd type="none" w="med" len="med"/>
-                    </a:lnT>
-                    <a:lnB w="12700" cap="flat" cmpd="sng" algn="ctr">
-                      <a:solidFill>
-                        <a:schemeClr val="tx1"/>
-                      </a:solidFill>
-                      <a:prstDash val="solid"/>
-                      <a:round/>
-                      <a:headEnd type="none" w="med" len="med"/>
-                      <a:tailEnd type="none" w="med" len="med"/>
-                    </a:lnB>
-                  </a:tcPr>
-                </a:tc>
-                <a:tc>
-                  <a:txBody>
-                    <a:bodyPr/>
-                    <a:lstStyle/>
-                    <a:p>
-                      <a:pPr algn="ctr">
-                        <a:lnSpc>
-                          <a:spcPct val="115000"/>
-                        </a:lnSpc>
-                        <a:spcAft>
-                          <a:spcPts val="1000"/>
-                        </a:spcAft>
-                      </a:pPr>
-                      <a:r>
-                        <a:rPr lang="pt-BR" sz="1200">
-                          <a:effectLst/>
-                          <a:latin typeface="Calibri" panose="020F0502020204030204" pitchFamily="34" charset="0"/>
-                          <a:ea typeface="Abadi Extra Light" panose="020B0204020104020204" pitchFamily="34" charset="0"/>
-                          <a:cs typeface="Calibri" panose="020F0502020204030204" pitchFamily="34" charset="0"/>
-                        </a:rPr>
-                        <a:t>R$ 17.660,00</a:t>
-                      </a:r>
-                      <a:endParaRPr lang="pt-BR" sz="1200">
-                        <a:effectLst/>
-                        <a:latin typeface="Calibri" panose="020F0502020204030204" pitchFamily="34" charset="0"/>
-                        <a:ea typeface="Calibri" panose="020F0502020204030204" pitchFamily="34" charset="0"/>
-                        <a:cs typeface="Calibri" panose="020F0502020204030204" pitchFamily="34" charset="0"/>
-                      </a:endParaRPr>
-                    </a:p>
-                  </a:txBody>
-                  <a:tcPr marL="68580" marR="68580" marT="0" marB="0" anchor="ctr">
-                    <a:lnL w="12700" cap="flat" cmpd="sng" algn="ctr">
-                      <a:solidFill>
-                        <a:schemeClr val="tx1"/>
-                      </a:solidFill>
-                      <a:prstDash val="solid"/>
-                      <a:round/>
-                      <a:headEnd type="none" w="med" len="med"/>
-                      <a:tailEnd type="none" w="med" len="med"/>
-                    </a:lnL>
-                    <a:lnR w="12700" cap="flat" cmpd="sng" algn="ctr">
-                      <a:solidFill>
-                        <a:schemeClr val="tx1"/>
-                      </a:solidFill>
-                      <a:prstDash val="solid"/>
-                      <a:round/>
-                      <a:headEnd type="none" w="med" len="med"/>
-                      <a:tailEnd type="none" w="med" len="med"/>
-                    </a:lnR>
-                    <a:lnT w="12700" cap="flat" cmpd="sng" algn="ctr">
-                      <a:solidFill>
-                        <a:schemeClr val="tx1"/>
-                      </a:solidFill>
-                      <a:prstDash val="solid"/>
-                      <a:round/>
-                      <a:headEnd type="none" w="med" len="med"/>
-                      <a:tailEnd type="none" w="med" len="med"/>
-                    </a:lnT>
-                    <a:lnB w="12700" cap="flat" cmpd="sng" algn="ctr">
-                      <a:solidFill>
-                        <a:schemeClr val="tx1"/>
-                      </a:solidFill>
-                      <a:prstDash val="solid"/>
-                      <a:round/>
-                      <a:headEnd type="none" w="med" len="med"/>
-                      <a:tailEnd type="none" w="med" len="med"/>
-                    </a:lnB>
-                  </a:tcPr>
-                </a:tc>
-                <a:tc>
-                  <a:txBody>
-                    <a:bodyPr/>
-                    <a:lstStyle/>
-                    <a:p>
-                      <a:pPr algn="ctr">
-                        <a:lnSpc>
-                          <a:spcPct val="115000"/>
-                        </a:lnSpc>
-                        <a:spcAft>
-                          <a:spcPts val="1000"/>
-                        </a:spcAft>
-                      </a:pPr>
-                      <a:r>
-                        <a:rPr lang="pt-BR" sz="1200">
-                          <a:effectLst/>
-                          <a:latin typeface="Calibri" panose="020F0502020204030204" pitchFamily="34" charset="0"/>
-                          <a:ea typeface="Abadi Extra Light" panose="020B0204020104020204" pitchFamily="34" charset="0"/>
-                          <a:cs typeface="Calibri" panose="020F0502020204030204" pitchFamily="34" charset="0"/>
-                        </a:rPr>
-                        <a:t>01/12/2020</a:t>
-                      </a:r>
-                      <a:endParaRPr lang="pt-BR" sz="1200">
-                        <a:effectLst/>
-                        <a:latin typeface="Calibri" panose="020F0502020204030204" pitchFamily="34" charset="0"/>
-                        <a:ea typeface="Calibri" panose="020F0502020204030204" pitchFamily="34" charset="0"/>
-                        <a:cs typeface="Calibri" panose="020F0502020204030204" pitchFamily="34" charset="0"/>
-                      </a:endParaRPr>
-                    </a:p>
-                  </a:txBody>
-                  <a:tcPr marL="68580" marR="68580" marT="0" marB="0" anchor="ctr">
-                    <a:lnL w="12700" cap="flat" cmpd="sng" algn="ctr">
-                      <a:solidFill>
-                        <a:schemeClr val="tx1"/>
-                      </a:solidFill>
-                      <a:prstDash val="solid"/>
-                      <a:round/>
-                      <a:headEnd type="none" w="med" len="med"/>
-                      <a:tailEnd type="none" w="med" len="med"/>
-                    </a:lnL>
-                    <a:lnR w="12700" cap="flat" cmpd="sng" algn="ctr">
-                      <a:solidFill>
-                        <a:schemeClr val="tx1"/>
-                      </a:solidFill>
-                      <a:prstDash val="solid"/>
-                      <a:round/>
-                      <a:headEnd type="none" w="med" len="med"/>
-                      <a:tailEnd type="none" w="med" len="med"/>
-                    </a:lnR>
-                    <a:lnT w="12700" cap="flat" cmpd="sng" algn="ctr">
-                      <a:solidFill>
-                        <a:schemeClr val="tx1"/>
-                      </a:solidFill>
-                      <a:prstDash val="solid"/>
-                      <a:round/>
-                      <a:headEnd type="none" w="med" len="med"/>
-                      <a:tailEnd type="none" w="med" len="med"/>
-                    </a:lnT>
-                    <a:lnB w="12700" cap="flat" cmpd="sng" algn="ctr">
-                      <a:solidFill>
-                        <a:schemeClr val="tx1"/>
-                      </a:solidFill>
-                      <a:prstDash val="solid"/>
-                      <a:round/>
-                      <a:headEnd type="none" w="med" len="med"/>
-                      <a:tailEnd type="none" w="med" len="med"/>
-                    </a:lnB>
-                  </a:tcPr>
-                </a:tc>
-                <a:tc>
-                  <a:txBody>
-                    <a:bodyPr/>
-                    <a:lstStyle/>
-                    <a:p>
-                      <a:pPr algn="ctr">
-                        <a:lnSpc>
-                          <a:spcPct val="115000"/>
-                        </a:lnSpc>
-                        <a:spcAft>
-                          <a:spcPts val="1000"/>
-                        </a:spcAft>
-                      </a:pPr>
-                      <a:r>
-                        <a:rPr lang="pt-BR" sz="1200">
-                          <a:effectLst/>
-                          <a:latin typeface="Calibri" panose="020F0502020204030204" pitchFamily="34" charset="0"/>
-                          <a:ea typeface="Abadi Extra Light" panose="020B0204020104020204" pitchFamily="34" charset="0"/>
-                          <a:cs typeface="Calibri" panose="020F0502020204030204" pitchFamily="34" charset="0"/>
-                        </a:rPr>
-                        <a:t>16/12/2020</a:t>
-                      </a:r>
-                      <a:endParaRPr lang="pt-BR" sz="1200">
-                        <a:effectLst/>
-                        <a:latin typeface="Calibri" panose="020F0502020204030204" pitchFamily="34" charset="0"/>
-                        <a:ea typeface="Calibri" panose="020F0502020204030204" pitchFamily="34" charset="0"/>
-                        <a:cs typeface="Calibri" panose="020F0502020204030204" pitchFamily="34" charset="0"/>
-                      </a:endParaRPr>
-                    </a:p>
-                  </a:txBody>
-                  <a:tcPr marL="68580" marR="68580" marT="0" marB="0" anchor="ctr">
-                    <a:lnL w="12700" cap="flat" cmpd="sng" algn="ctr">
-                      <a:solidFill>
-                        <a:schemeClr val="tx1"/>
-                      </a:solidFill>
-                      <a:prstDash val="solid"/>
-                      <a:round/>
-                      <a:headEnd type="none" w="med" len="med"/>
-                      <a:tailEnd type="none" w="med" len="med"/>
-                    </a:lnL>
-                    <a:lnR w="12700" cap="flat" cmpd="sng" algn="ctr">
-                      <a:solidFill>
-                        <a:schemeClr val="tx1"/>
-                      </a:solidFill>
-                      <a:prstDash val="solid"/>
-                      <a:round/>
-                      <a:headEnd type="none" w="med" len="med"/>
-                      <a:tailEnd type="none" w="med" len="med"/>
-                    </a:lnR>
-                    <a:lnT w="12700" cap="flat" cmpd="sng" algn="ctr">
-                      <a:solidFill>
-                        <a:schemeClr val="tx1"/>
-                      </a:solidFill>
-                      <a:prstDash val="solid"/>
-                      <a:round/>
-                      <a:headEnd type="none" w="med" len="med"/>
-                      <a:tailEnd type="none" w="med" len="med"/>
-                    </a:lnT>
-                    <a:lnB w="12700" cap="flat" cmpd="sng" algn="ctr">
-                      <a:solidFill>
-                        <a:schemeClr val="tx1"/>
-                      </a:solidFill>
-                      <a:prstDash val="solid"/>
-                      <a:round/>
-                      <a:headEnd type="none" w="med" len="med"/>
-                      <a:tailEnd type="none" w="med" len="med"/>
-                    </a:lnB>
-                  </a:tcPr>
-                </a:tc>
-                <a:extLst>
-                  <a:ext uri="{0D108BD9-81ED-4DB2-BD59-A6C34878D82A}">
-                    <a16:rowId xmlns:a16="http://schemas.microsoft.com/office/drawing/2014/main" val="164761615"/>
-                  </a:ext>
-                </a:extLst>
-              </a:tr>
-            </a:tbl>
-          </a:graphicData>
-        </a:graphic>
-      </p:graphicFrame>
-      <p:pic>
-        <p:nvPicPr>
-          <p:cNvPr id="13" name="Imagem 12" descr="Uma imagem contendo homem, segurando&#10;&#10;Descrição gerada automaticamente">
-            <a:extLst>
-              <a:ext uri="{FF2B5EF4-FFF2-40B4-BE49-F238E27FC236}">
-                <a16:creationId xmlns:a16="http://schemas.microsoft.com/office/drawing/2014/main" id="{15841944-E37A-410E-8129-925031F09E24}"/>
+                <a16:creationId xmlns:a16="http://schemas.microsoft.com/office/drawing/2014/main" id="{6A47D407-B4EA-4A7D-A5ED-824DDCC0A746}"/>
               </a:ext>
             </a:extLst>
           </p:cNvPr>
@@ -27899,8 +24695,8 @@
         </p:blipFill>
         <p:spPr>
           <a:xfrm>
-            <a:off x="9964675" y="-2215"/>
-            <a:ext cx="2227325" cy="1593560"/>
+            <a:off x="9566451" y="-891"/>
+            <a:ext cx="2567589" cy="1609170"/>
           </a:xfrm>
           <a:prstGeom prst="rect">
             <a:avLst/>
@@ -27910,25 +24706,16 @@
     </p:spTree>
     <p:extLst>
       <p:ext uri="{BB962C8B-B14F-4D97-AF65-F5344CB8AC3E}">
-        <p14:creationId xmlns:p14="http://schemas.microsoft.com/office/powerpoint/2010/main" val="2876785368"/>
+        <p14:creationId xmlns:p14="http://schemas.microsoft.com/office/powerpoint/2010/main" val="3485983013"/>
       </p:ext>
     </p:extLst>
   </p:cSld>
   <p:clrMapOvr>
     <a:masterClrMapping/>
   </p:clrMapOvr>
-  <mc:AlternateContent xmlns:mc="http://schemas.openxmlformats.org/markup-compatibility/2006">
-    <mc:Choice xmlns:p14="http://schemas.microsoft.com/office/powerpoint/2010/main" Requires="p14">
-      <p:transition spd="slow">
-        <p14:flash/>
-      </p:transition>
-    </mc:Choice>
-    <mc:Fallback>
-      <p:transition spd="slow">
-        <p:fade/>
-      </p:transition>
-    </mc:Fallback>
-  </mc:AlternateContent>
+  <p:transition spd="slow">
+    <p:wipe/>
+  </p:transition>
 </p:sld>
 </file>
 
@@ -27951,179 +24738,40 @@
       </p:grpSpPr>
       <p:sp>
         <p:nvSpPr>
-          <p:cNvPr id="4" name="Título 1">
+          <p:cNvPr id="2" name="Título 1">
             <a:extLst>
               <a:ext uri="{FF2B5EF4-FFF2-40B4-BE49-F238E27FC236}">
-                <a16:creationId xmlns:a16="http://schemas.microsoft.com/office/drawing/2014/main" id="{8B2E5E53-9E39-4FB1-823D-3C703040A847}"/>
+                <a16:creationId xmlns:a16="http://schemas.microsoft.com/office/drawing/2014/main" id="{53C9334F-F7EA-4C4D-AD73-14F433AEFC7C}"/>
               </a:ext>
             </a:extLst>
           </p:cNvPr>
-          <p:cNvSpPr txBox="1">
-            <a:spLocks/>
+          <p:cNvSpPr>
+            <a:spLocks noGrp="1"/>
           </p:cNvSpPr>
-          <p:nvPr/>
+          <p:nvPr>
+            <p:ph type="title"/>
+          </p:nvPr>
         </p:nvSpPr>
         <p:spPr>
           <a:xfrm>
-            <a:off x="0" y="1124744"/>
-            <a:ext cx="12192000" cy="360040"/>
+            <a:off x="838200" y="86830"/>
+            <a:ext cx="10515600" cy="1325563"/>
           </a:xfrm>
-          <a:prstGeom prst="rect">
-            <a:avLst/>
-          </a:prstGeom>
-          <a:solidFill>
-            <a:srgbClr val="002060"/>
-          </a:solidFill>
         </p:spPr>
         <p:txBody>
-          <a:bodyPr vert="horz" lIns="91440" tIns="45720" rIns="91440" bIns="45720" rtlCol="0" anchor="ctr">
-            <a:noAutofit/>
-          </a:bodyPr>
-          <a:lstStyle>
-            <a:lvl1pPr algn="ctr" defTabSz="914400" rtl="0" eaLnBrk="1" latinLnBrk="0" hangingPunct="1">
-              <a:spcBef>
-                <a:spcPct val="0"/>
-              </a:spcBef>
-              <a:buNone/>
-              <a:defRPr sz="4400" kern="1200">
-                <a:solidFill>
-                  <a:schemeClr val="tx1"/>
-                </a:solidFill>
-                <a:latin typeface="+mj-lt"/>
-                <a:ea typeface="+mj-ea"/>
-                <a:cs typeface="+mj-cs"/>
-              </a:defRPr>
-            </a:lvl1pPr>
-          </a:lstStyle>
+          <a:bodyPr/>
+          <a:lstStyle/>
           <a:p>
             <a:r>
-              <a:rPr lang="pt-BR" sz="1800" spc="300">
-                <a:solidFill>
-                  <a:schemeClr val="bg1"/>
-                </a:solidFill>
-                <a:latin typeface="Times New Roman" pitchFamily="18" charset="0"/>
-                <a:cs typeface="Times New Roman" pitchFamily="18" charset="0"/>
-              </a:rPr>
-              <a:t>Faculdade de Tecnologia de Mogi das Cruze</a:t>
-            </a:r>
-            <a:r>
-              <a:rPr lang="pt-BR" sz="1800">
-                <a:solidFill>
-                  <a:schemeClr val="bg1"/>
-                </a:solidFill>
-                <a:latin typeface="Times New Roman" pitchFamily="18" charset="0"/>
-                <a:cs typeface="Times New Roman" pitchFamily="18" charset="0"/>
-              </a:rPr>
-              <a:t>s</a:t>
-            </a:r>
-          </a:p>
-        </p:txBody>
-      </p:sp>
-      <p:sp>
-        <p:nvSpPr>
-          <p:cNvPr id="5" name="Título 1">
-            <a:extLst>
-              <a:ext uri="{FF2B5EF4-FFF2-40B4-BE49-F238E27FC236}">
-                <a16:creationId xmlns:a16="http://schemas.microsoft.com/office/drawing/2014/main" id="{89D938D6-E2AA-44CA-B68B-67D297F63CE7}"/>
-              </a:ext>
-            </a:extLst>
-          </p:cNvPr>
-          <p:cNvSpPr txBox="1">
-            <a:spLocks/>
-          </p:cNvSpPr>
-          <p:nvPr/>
-        </p:nvSpPr>
-        <p:spPr>
-          <a:xfrm>
-            <a:off x="2220191" y="1709619"/>
-            <a:ext cx="7751618" cy="3627311"/>
-          </a:xfrm>
-          <a:prstGeom prst="rect">
-            <a:avLst/>
-          </a:prstGeom>
-        </p:spPr>
-        <p:txBody>
-          <a:bodyPr vert="horz" lIns="91440" tIns="45720" rIns="91440" bIns="45720" rtlCol="0" anchor="ctr">
-            <a:normAutofit/>
-          </a:bodyPr>
-          <a:lstStyle>
-            <a:lvl1pPr algn="l" defTabSz="914400" rtl="0" eaLnBrk="1" latinLnBrk="0" hangingPunct="1">
-              <a:lnSpc>
-                <a:spcPct val="90000"/>
-              </a:lnSpc>
-              <a:spcBef>
-                <a:spcPct val="0"/>
-              </a:spcBef>
-              <a:buNone/>
-              <a:defRPr sz="4400" kern="1200">
-                <a:solidFill>
-                  <a:schemeClr val="tx1"/>
-                </a:solidFill>
-                <a:latin typeface="+mj-lt"/>
-                <a:ea typeface="+mj-ea"/>
-                <a:cs typeface="+mj-cs"/>
-              </a:defRPr>
-            </a:lvl1pPr>
-          </a:lstStyle>
-          <a:p>
-            <a:pPr algn="ctr"/>
-            <a:r>
-              <a:rPr lang="pt-BR" sz="3700" b="1">
+              <a:rPr lang="pt-BR" b="1" dirty="0">
                 <a:solidFill>
                   <a:srgbClr val="002060"/>
                 </a:solidFill>
-                <a:latin typeface="Century Gothic" panose="020B0502020202020204" pitchFamily="34" charset="0"/>
+                <a:latin typeface="Century Gothic"/>
               </a:rPr>
-              <a:t>Laboratório de Engenharia de Software </a:t>
+              <a:t>Tela: Cadastro de cliente</a:t>
             </a:r>
-          </a:p>
-          <a:p>
-            <a:pPr algn="ctr"/>
-            <a:br>
-              <a:rPr lang="pt-BR" sz="3700" b="1">
-                <a:solidFill>
-                  <a:srgbClr val="002060"/>
-                </a:solidFill>
-                <a:latin typeface="Century Gothic" panose="020B0502020202020204" pitchFamily="34" charset="0"/>
-              </a:rPr>
-            </a:br>
-            <a:r>
-              <a:rPr lang="pt-BR" sz="3700" b="1" err="1">
-                <a:solidFill>
-                  <a:srgbClr val="002060"/>
-                </a:solidFill>
-                <a:latin typeface="Century Gothic" panose="020B0502020202020204" pitchFamily="34" charset="0"/>
-              </a:rPr>
-              <a:t>GrowUp</a:t>
-            </a:r>
-            <a:endParaRPr lang="pt-BR" sz="3700" b="1">
-              <a:solidFill>
-                <a:srgbClr val="002060"/>
-              </a:solidFill>
-              <a:latin typeface="Century Gothic" panose="020B0502020202020204" pitchFamily="34" charset="0"/>
-            </a:endParaRPr>
-          </a:p>
-          <a:p>
-            <a:pPr algn="ctr"/>
-            <a:endParaRPr lang="pt-BR" sz="3700" b="1">
-              <a:solidFill>
-                <a:srgbClr val="002060"/>
-              </a:solidFill>
-              <a:latin typeface="Century Gothic" panose="020B0502020202020204" pitchFamily="34" charset="0"/>
-            </a:endParaRPr>
-          </a:p>
-          <a:p>
-            <a:pPr algn="ctr"/>
-            <a:r>
-              <a:rPr lang="pt-BR" sz="3700" b="1">
-                <a:solidFill>
-                  <a:srgbClr val="002060"/>
-                </a:solidFill>
-                <a:latin typeface="Century Gothic" panose="020B0502020202020204" pitchFamily="34" charset="0"/>
-              </a:rPr>
-              <a:t>Obrigado!</a:t>
-            </a:r>
-            <a:endParaRPr lang="pt-BR" sz="3600" b="1">
+            <a:endParaRPr lang="pt-BR" b="1" dirty="0">
               <a:solidFill>
                 <a:srgbClr val="002060"/>
               </a:solidFill>
@@ -28134,110 +24782,160 @@
       </p:sp>
       <p:pic>
         <p:nvPicPr>
-          <p:cNvPr id="7" name="Imagem 6" descr="logo-novo-cps-cor">
+          <p:cNvPr id="3" name="Picture 4" descr="A picture containing soccer, person, field, room&#10;&#10;Description automatically generated">
             <a:extLst>
               <a:ext uri="{FF2B5EF4-FFF2-40B4-BE49-F238E27FC236}">
-                <a16:creationId xmlns:a16="http://schemas.microsoft.com/office/drawing/2014/main" id="{0C00EA31-2DD5-4F53-9D69-98D4ADD9D842}"/>
+                <a16:creationId xmlns:a16="http://schemas.microsoft.com/office/drawing/2014/main" id="{4BD75C6F-D32A-47ED-8C5D-F4D3A0F6F4E4}"/>
               </a:ext>
             </a:extLst>
           </p:cNvPr>
-          <p:cNvPicPr/>
+          <p:cNvPicPr>
+            <a:picLocks noChangeAspect="1"/>
+          </p:cNvPicPr>
           <p:nvPr/>
         </p:nvPicPr>
-        <p:blipFill>
+        <p:blipFill rotWithShape="1">
           <a:blip r:embed="rId2"/>
-          <a:srcRect/>
-          <a:stretch>
-            <a:fillRect/>
-          </a:stretch>
+          <a:srcRect b="11667"/>
+          <a:stretch/>
         </p:blipFill>
-        <p:spPr bwMode="auto">
-          <a:xfrm>
-            <a:off x="3299298" y="103000"/>
-            <a:ext cx="5580660" cy="924809"/>
-          </a:xfrm>
-          <a:prstGeom prst="rect">
-            <a:avLst/>
-          </a:prstGeom>
-          <a:noFill/>
-          <a:ln w="9525">
-            <a:noFill/>
-            <a:miter lim="800000"/>
-            <a:headEnd/>
-            <a:tailEnd/>
-          </a:ln>
-        </p:spPr>
-      </p:pic>
-      <p:sp>
-        <p:nvSpPr>
-          <p:cNvPr id="8" name="Título 1">
-            <a:extLst>
-              <a:ext uri="{FF2B5EF4-FFF2-40B4-BE49-F238E27FC236}">
-                <a16:creationId xmlns:a16="http://schemas.microsoft.com/office/drawing/2014/main" id="{961F6963-9864-4982-BB08-2ACE44CC2B5E}"/>
-              </a:ext>
-            </a:extLst>
-          </p:cNvPr>
-          <p:cNvSpPr txBox="1">
-            <a:spLocks/>
-          </p:cNvSpPr>
-          <p:nvPr/>
-        </p:nvSpPr>
         <p:spPr>
           <a:xfrm>
-            <a:off x="2220191" y="4899997"/>
-            <a:ext cx="7751618" cy="1958003"/>
+            <a:off x="10312400" y="5249721"/>
+            <a:ext cx="1356360" cy="1006416"/>
           </a:xfrm>
           <a:prstGeom prst="rect">
             <a:avLst/>
           </a:prstGeom>
         </p:spPr>
+      </p:pic>
+      <p:sp>
+        <p:nvSpPr>
+          <p:cNvPr id="5" name="Espaço Reservado para Rodapé 4">
+            <a:extLst>
+              <a:ext uri="{FF2B5EF4-FFF2-40B4-BE49-F238E27FC236}">
+                <a16:creationId xmlns:a16="http://schemas.microsoft.com/office/drawing/2014/main" id="{75938DF3-E53E-449A-A3ED-A0E032B49E3B}"/>
+              </a:ext>
+            </a:extLst>
+          </p:cNvPr>
+          <p:cNvSpPr>
+            <a:spLocks noGrp="1"/>
+          </p:cNvSpPr>
+          <p:nvPr>
+            <p:ph type="ftr" sz="quarter" idx="11"/>
+          </p:nvPr>
+        </p:nvSpPr>
+        <p:spPr/>
         <p:txBody>
-          <a:bodyPr vert="horz" lIns="91440" tIns="45720" rIns="91440" bIns="45720" rtlCol="0" anchor="ctr">
-            <a:normAutofit/>
-          </a:bodyPr>
-          <a:lstStyle>
-            <a:lvl1pPr algn="l" defTabSz="914400" rtl="0" eaLnBrk="1" latinLnBrk="0" hangingPunct="1">
-              <a:lnSpc>
-                <a:spcPct val="90000"/>
-              </a:lnSpc>
-              <a:spcBef>
-                <a:spcPct val="0"/>
-              </a:spcBef>
-              <a:buNone/>
-              <a:defRPr sz="4400" kern="1200">
-                <a:solidFill>
-                  <a:schemeClr val="tx1"/>
-                </a:solidFill>
-                <a:latin typeface="+mj-lt"/>
-                <a:ea typeface="+mj-ea"/>
-                <a:cs typeface="+mj-cs"/>
-              </a:defRPr>
-            </a:lvl1pPr>
-          </a:lstStyle>
+          <a:bodyPr/>
+          <a:lstStyle/>
           <a:p>
-            <a:pPr algn="ctr"/>
             <a:r>
-              <a:rPr lang="pt-BR" sz="2000" b="1">
-                <a:latin typeface="Century Gothic" panose="020B0502020202020204" pitchFamily="34" charset="0"/>
-              </a:rPr>
-              <a:t>Pablo Luiz de Oliveira Lessa Ribeiro</a:t>
-            </a:r>
-          </a:p>
-          <a:p>
-            <a:pPr algn="ctr"/>
-            <a:r>
-              <a:rPr lang="pt-BR" sz="2000" b="1">
-                <a:latin typeface="Century Gothic" panose="020B0502020202020204" pitchFamily="34" charset="0"/>
-              </a:rPr>
-              <a:t>Grupo: LS-025</a:t>
+              <a:rPr lang="pt-BR"/>
+              <a:t>FATEC MOGI DAS CRUZES</a:t>
             </a:r>
           </a:p>
         </p:txBody>
       </p:sp>
+      <p:sp>
+        <p:nvSpPr>
+          <p:cNvPr id="6" name="Espaço Reservado para Número de Slide 5">
+            <a:extLst>
+              <a:ext uri="{FF2B5EF4-FFF2-40B4-BE49-F238E27FC236}">
+                <a16:creationId xmlns:a16="http://schemas.microsoft.com/office/drawing/2014/main" id="{34A58F1A-F1BA-4B3F-80F5-FA21E0B933DA}"/>
+              </a:ext>
+            </a:extLst>
+          </p:cNvPr>
+          <p:cNvSpPr>
+            <a:spLocks noGrp="1"/>
+          </p:cNvSpPr>
+          <p:nvPr>
+            <p:ph type="sldNum" sz="quarter" idx="12"/>
+          </p:nvPr>
+        </p:nvSpPr>
+        <p:spPr/>
+        <p:txBody>
+          <a:bodyPr/>
+          <a:lstStyle/>
+          <a:p>
+            <a:fld id="{BD2B5394-143A-4208-A3B1-25D9600048D5}" type="slidenum">
+              <a:rPr lang="pt-BR" smtClean="0"/>
+              <a:t>28</a:t>
+            </a:fld>
+            <a:endParaRPr lang="pt-BR"/>
+          </a:p>
+        </p:txBody>
+      </p:sp>
+      <p:pic>
+        <p:nvPicPr>
+          <p:cNvPr id="9" name="Imagem 8" descr="Uma imagem contendo texto, homem, screenshot, em pé&#10;&#10;Descrição gerada automaticamente">
+            <a:extLst>
+              <a:ext uri="{FF2B5EF4-FFF2-40B4-BE49-F238E27FC236}">
+                <a16:creationId xmlns:a16="http://schemas.microsoft.com/office/drawing/2014/main" id="{6A47D407-B4EA-4A7D-A5ED-824DDCC0A746}"/>
+              </a:ext>
+            </a:extLst>
+          </p:cNvPr>
+          <p:cNvPicPr>
+            <a:picLocks noChangeAspect="1"/>
+          </p:cNvPicPr>
+          <p:nvPr/>
+        </p:nvPicPr>
+        <p:blipFill>
+          <a:blip r:embed="rId3">
+            <a:extLst>
+              <a:ext uri="{28A0092B-C50C-407E-A947-70E740481C1C}">
+                <a14:useLocalDpi xmlns:a14="http://schemas.microsoft.com/office/drawing/2010/main" val="0"/>
+              </a:ext>
+            </a:extLst>
+          </a:blip>
+          <a:stretch>
+            <a:fillRect/>
+          </a:stretch>
+        </p:blipFill>
+        <p:spPr>
+          <a:xfrm>
+            <a:off x="9566451" y="-891"/>
+            <a:ext cx="2567589" cy="1609170"/>
+          </a:xfrm>
+          <a:prstGeom prst="rect">
+            <a:avLst/>
+          </a:prstGeom>
+        </p:spPr>
+      </p:pic>
+      <p:pic>
+        <p:nvPicPr>
+          <p:cNvPr id="8" name="Imagem 7">
+            <a:extLst>
+              <a:ext uri="{FF2B5EF4-FFF2-40B4-BE49-F238E27FC236}">
+                <a16:creationId xmlns:a16="http://schemas.microsoft.com/office/drawing/2014/main" id="{93FFB302-F718-46F5-AA8A-CE3B3D219736}"/>
+              </a:ext>
+            </a:extLst>
+          </p:cNvPr>
+          <p:cNvPicPr>
+            <a:picLocks noChangeAspect="1"/>
+          </p:cNvPicPr>
+          <p:nvPr/>
+        </p:nvPicPr>
+        <p:blipFill>
+          <a:blip r:embed="rId4"/>
+          <a:stretch>
+            <a:fillRect/>
+          </a:stretch>
+        </p:blipFill>
+        <p:spPr>
+          <a:xfrm>
+            <a:off x="0" y="1708492"/>
+            <a:ext cx="12192000" cy="4591050"/>
+          </a:xfrm>
+          <a:prstGeom prst="rect">
+            <a:avLst/>
+          </a:prstGeom>
+        </p:spPr>
+      </p:pic>
     </p:spTree>
     <p:extLst>
       <p:ext uri="{BB962C8B-B14F-4D97-AF65-F5344CB8AC3E}">
-        <p14:creationId xmlns:p14="http://schemas.microsoft.com/office/powerpoint/2010/main" val="2006994937"/>
+        <p14:creationId xmlns:p14="http://schemas.microsoft.com/office/powerpoint/2010/main" val="3601913371"/>
       </p:ext>
     </p:extLst>
   </p:cSld>
@@ -28245,7 +24943,461 @@
     <a:masterClrMapping/>
   </p:clrMapOvr>
   <p:transition spd="slow">
-    <p:push dir="u"/>
+    <p:wipe/>
+  </p:transition>
+</p:sld>
+</file>
+
+<file path=ppt/slides/slide29.xml><?xml version="1.0" encoding="utf-8"?>
+<p:sld xmlns:a="http://schemas.openxmlformats.org/drawingml/2006/main" xmlns:r="http://schemas.openxmlformats.org/officeDocument/2006/relationships" xmlns:p="http://schemas.openxmlformats.org/presentationml/2006/main">
+  <p:cSld>
+    <p:spTree>
+      <p:nvGrpSpPr>
+        <p:cNvPr id="1" name=""/>
+        <p:cNvGrpSpPr/>
+        <p:nvPr/>
+      </p:nvGrpSpPr>
+      <p:grpSpPr>
+        <a:xfrm>
+          <a:off x="0" y="0"/>
+          <a:ext cx="0" cy="0"/>
+          <a:chOff x="0" y="0"/>
+          <a:chExt cx="0" cy="0"/>
+        </a:xfrm>
+      </p:grpSpPr>
+      <p:sp>
+        <p:nvSpPr>
+          <p:cNvPr id="2" name="Título 1">
+            <a:extLst>
+              <a:ext uri="{FF2B5EF4-FFF2-40B4-BE49-F238E27FC236}">
+                <a16:creationId xmlns:a16="http://schemas.microsoft.com/office/drawing/2014/main" id="{53C9334F-F7EA-4C4D-AD73-14F433AEFC7C}"/>
+              </a:ext>
+            </a:extLst>
+          </p:cNvPr>
+          <p:cNvSpPr>
+            <a:spLocks noGrp="1"/>
+          </p:cNvSpPr>
+          <p:nvPr>
+            <p:ph type="title"/>
+          </p:nvPr>
+        </p:nvSpPr>
+        <p:spPr>
+          <a:xfrm>
+            <a:off x="838200" y="86830"/>
+            <a:ext cx="10515600" cy="1325563"/>
+          </a:xfrm>
+        </p:spPr>
+        <p:txBody>
+          <a:bodyPr/>
+          <a:lstStyle/>
+          <a:p>
+            <a:r>
+              <a:rPr lang="pt-BR" b="1" dirty="0">
+                <a:solidFill>
+                  <a:srgbClr val="002060"/>
+                </a:solidFill>
+                <a:latin typeface="Century Gothic"/>
+              </a:rPr>
+              <a:t>Tela: Validação cadastro cliente</a:t>
+            </a:r>
+            <a:endParaRPr lang="pt-BR" b="1" dirty="0">
+              <a:solidFill>
+                <a:srgbClr val="002060"/>
+              </a:solidFill>
+              <a:latin typeface="Century Gothic" panose="020B0502020202020204" pitchFamily="34" charset="0"/>
+            </a:endParaRPr>
+          </a:p>
+        </p:txBody>
+      </p:sp>
+      <p:sp>
+        <p:nvSpPr>
+          <p:cNvPr id="7" name="Content Placeholder 6">
+            <a:extLst>
+              <a:ext uri="{FF2B5EF4-FFF2-40B4-BE49-F238E27FC236}">
+                <a16:creationId xmlns:a16="http://schemas.microsoft.com/office/drawing/2014/main" id="{CAF04F12-0930-4925-93A7-E1E37CB1168F}"/>
+              </a:ext>
+            </a:extLst>
+          </p:cNvPr>
+          <p:cNvSpPr>
+            <a:spLocks noGrp="1"/>
+          </p:cNvSpPr>
+          <p:nvPr/>
+        </p:nvSpPr>
+        <p:spPr>
+          <a:xfrm>
+            <a:off x="523240" y="1592742"/>
+            <a:ext cx="10830560" cy="3753694"/>
+          </a:xfrm>
+          <a:prstGeom prst="rect">
+            <a:avLst/>
+          </a:prstGeom>
+        </p:spPr>
+        <p:txBody>
+          <a:bodyPr vert="horz" lIns="396000" tIns="45720" rIns="91440" bIns="45720" rtlCol="0" anchor="t">
+            <a:noAutofit/>
+          </a:bodyPr>
+          <a:lstStyle>
+            <a:lvl1pPr marL="0" indent="0" algn="l" defTabSz="914400" rtl="0" eaLnBrk="1" latinLnBrk="0" hangingPunct="1">
+              <a:lnSpc>
+                <a:spcPct val="90000"/>
+              </a:lnSpc>
+              <a:spcBef>
+                <a:spcPts val="1000"/>
+              </a:spcBef>
+              <a:buFont typeface="Arial" panose="020B0604020202020204" pitchFamily="34" charset="0"/>
+              <a:buNone/>
+              <a:defRPr sz="1400" kern="1200">
+                <a:solidFill>
+                  <a:schemeClr val="tx1">
+                    <a:lumMod val="75000"/>
+                    <a:lumOff val="25000"/>
+                  </a:schemeClr>
+                </a:solidFill>
+                <a:latin typeface="Arial" pitchFamily="34" charset="0"/>
+                <a:ea typeface="+mn-ea"/>
+                <a:cs typeface="Arial" pitchFamily="34" charset="0"/>
+              </a:defRPr>
+            </a:lvl1pPr>
+            <a:lvl2pPr marL="685800" indent="-228600" algn="l" defTabSz="914400" rtl="0" eaLnBrk="1" latinLnBrk="0" hangingPunct="1">
+              <a:lnSpc>
+                <a:spcPct val="90000"/>
+              </a:lnSpc>
+              <a:spcBef>
+                <a:spcPts val="500"/>
+              </a:spcBef>
+              <a:buFont typeface="Arial" panose="020B0604020202020204" pitchFamily="34" charset="0"/>
+              <a:buChar char="•"/>
+              <a:defRPr sz="2400" kern="1200">
+                <a:solidFill>
+                  <a:schemeClr val="tx1"/>
+                </a:solidFill>
+                <a:latin typeface="+mn-lt"/>
+                <a:ea typeface="+mn-ea"/>
+                <a:cs typeface="+mn-cs"/>
+              </a:defRPr>
+            </a:lvl2pPr>
+            <a:lvl3pPr marL="1143000" indent="-228600" algn="l" defTabSz="914400" rtl="0" eaLnBrk="1" latinLnBrk="0" hangingPunct="1">
+              <a:lnSpc>
+                <a:spcPct val="90000"/>
+              </a:lnSpc>
+              <a:spcBef>
+                <a:spcPts val="500"/>
+              </a:spcBef>
+              <a:buFont typeface="Arial" panose="020B0604020202020204" pitchFamily="34" charset="0"/>
+              <a:buChar char="•"/>
+              <a:defRPr sz="2000" kern="1200">
+                <a:solidFill>
+                  <a:schemeClr val="tx1"/>
+                </a:solidFill>
+                <a:latin typeface="+mn-lt"/>
+                <a:ea typeface="+mn-ea"/>
+                <a:cs typeface="+mn-cs"/>
+              </a:defRPr>
+            </a:lvl3pPr>
+            <a:lvl4pPr marL="1600200" indent="-228600" algn="l" defTabSz="914400" rtl="0" eaLnBrk="1" latinLnBrk="0" hangingPunct="1">
+              <a:lnSpc>
+                <a:spcPct val="90000"/>
+              </a:lnSpc>
+              <a:spcBef>
+                <a:spcPts val="500"/>
+              </a:spcBef>
+              <a:buFont typeface="Arial" panose="020B0604020202020204" pitchFamily="34" charset="0"/>
+              <a:buChar char="•"/>
+              <a:defRPr sz="1800" kern="1200">
+                <a:solidFill>
+                  <a:schemeClr val="tx1"/>
+                </a:solidFill>
+                <a:latin typeface="+mn-lt"/>
+                <a:ea typeface="+mn-ea"/>
+                <a:cs typeface="+mn-cs"/>
+              </a:defRPr>
+            </a:lvl4pPr>
+            <a:lvl5pPr marL="2057400" indent="-228600" algn="l" defTabSz="914400" rtl="0" eaLnBrk="1" latinLnBrk="0" hangingPunct="1">
+              <a:lnSpc>
+                <a:spcPct val="90000"/>
+              </a:lnSpc>
+              <a:spcBef>
+                <a:spcPts val="500"/>
+              </a:spcBef>
+              <a:buFont typeface="Arial" panose="020B0604020202020204" pitchFamily="34" charset="0"/>
+              <a:buChar char="•"/>
+              <a:defRPr sz="1800" kern="1200">
+                <a:solidFill>
+                  <a:schemeClr val="tx1"/>
+                </a:solidFill>
+                <a:latin typeface="+mn-lt"/>
+                <a:ea typeface="+mn-ea"/>
+                <a:cs typeface="+mn-cs"/>
+              </a:defRPr>
+            </a:lvl5pPr>
+            <a:lvl6pPr marL="2514600" indent="-228600" algn="l" defTabSz="914400" rtl="0" eaLnBrk="1" latinLnBrk="0" hangingPunct="1">
+              <a:lnSpc>
+                <a:spcPct val="90000"/>
+              </a:lnSpc>
+              <a:spcBef>
+                <a:spcPts val="500"/>
+              </a:spcBef>
+              <a:buFont typeface="Arial" panose="020B0604020202020204" pitchFamily="34" charset="0"/>
+              <a:buChar char="•"/>
+              <a:defRPr sz="1800" kern="1200">
+                <a:solidFill>
+                  <a:schemeClr val="tx1"/>
+                </a:solidFill>
+                <a:latin typeface="+mn-lt"/>
+                <a:ea typeface="+mn-ea"/>
+                <a:cs typeface="+mn-cs"/>
+              </a:defRPr>
+            </a:lvl6pPr>
+            <a:lvl7pPr marL="2971800" indent="-228600" algn="l" defTabSz="914400" rtl="0" eaLnBrk="1" latinLnBrk="0" hangingPunct="1">
+              <a:lnSpc>
+                <a:spcPct val="90000"/>
+              </a:lnSpc>
+              <a:spcBef>
+                <a:spcPts val="500"/>
+              </a:spcBef>
+              <a:buFont typeface="Arial" panose="020B0604020202020204" pitchFamily="34" charset="0"/>
+              <a:buChar char="•"/>
+              <a:defRPr sz="1800" kern="1200">
+                <a:solidFill>
+                  <a:schemeClr val="tx1"/>
+                </a:solidFill>
+                <a:latin typeface="+mn-lt"/>
+                <a:ea typeface="+mn-ea"/>
+                <a:cs typeface="+mn-cs"/>
+              </a:defRPr>
+            </a:lvl7pPr>
+            <a:lvl8pPr marL="3429000" indent="-228600" algn="l" defTabSz="914400" rtl="0" eaLnBrk="1" latinLnBrk="0" hangingPunct="1">
+              <a:lnSpc>
+                <a:spcPct val="90000"/>
+              </a:lnSpc>
+              <a:spcBef>
+                <a:spcPts val="500"/>
+              </a:spcBef>
+              <a:buFont typeface="Arial" panose="020B0604020202020204" pitchFamily="34" charset="0"/>
+              <a:buChar char="•"/>
+              <a:defRPr sz="1800" kern="1200">
+                <a:solidFill>
+                  <a:schemeClr val="tx1"/>
+                </a:solidFill>
+                <a:latin typeface="+mn-lt"/>
+                <a:ea typeface="+mn-ea"/>
+                <a:cs typeface="+mn-cs"/>
+              </a:defRPr>
+            </a:lvl8pPr>
+            <a:lvl9pPr marL="3886200" indent="-228600" algn="l" defTabSz="914400" rtl="0" eaLnBrk="1" latinLnBrk="0" hangingPunct="1">
+              <a:lnSpc>
+                <a:spcPct val="90000"/>
+              </a:lnSpc>
+              <a:spcBef>
+                <a:spcPts val="500"/>
+              </a:spcBef>
+              <a:buFont typeface="Arial" panose="020B0604020202020204" pitchFamily="34" charset="0"/>
+              <a:buChar char="•"/>
+              <a:defRPr sz="1800" kern="1200">
+                <a:solidFill>
+                  <a:schemeClr val="tx1"/>
+                </a:solidFill>
+                <a:latin typeface="+mn-lt"/>
+                <a:ea typeface="+mn-ea"/>
+                <a:cs typeface="+mn-cs"/>
+              </a:defRPr>
+            </a:lvl9pPr>
+          </a:lstStyle>
+          <a:p>
+            <a:pPr algn="just"/>
+            <a:r>
+              <a:rPr lang="pt-BR" sz="2000" dirty="0">
+                <a:solidFill>
+                  <a:schemeClr val="tx1"/>
+                </a:solidFill>
+                <a:latin typeface="Century Gothic"/>
+                <a:cs typeface="Times New Roman"/>
+              </a:rPr>
+              <a:t>O primeiro entregável do sistema é uma versão da funcionalidade de inserção, deleção, consulta e alteração de clientes e seus respectivos endereços e cartões.</a:t>
+            </a:r>
+            <a:endParaRPr lang="pt-BR" sz="2000" dirty="0">
+              <a:solidFill>
+                <a:schemeClr val="tx1"/>
+              </a:solidFill>
+              <a:latin typeface="Century Gothic"/>
+            </a:endParaRPr>
+          </a:p>
+          <a:p>
+            <a:pPr algn="just"/>
+            <a:endParaRPr lang="ko-KR" altLang="en-US" sz="2000" dirty="0">
+              <a:solidFill>
+                <a:schemeClr val="tx1"/>
+              </a:solidFill>
+              <a:latin typeface="Century Gothic"/>
+              <a:ea typeface="맑은 고딕" panose="020B0503020000020004" pitchFamily="34" charset="-127"/>
+            </a:endParaRPr>
+          </a:p>
+        </p:txBody>
+      </p:sp>
+      <p:pic>
+        <p:nvPicPr>
+          <p:cNvPr id="3" name="Picture 4" descr="A picture containing soccer, person, field, room&#10;&#10;Description automatically generated">
+            <a:extLst>
+              <a:ext uri="{FF2B5EF4-FFF2-40B4-BE49-F238E27FC236}">
+                <a16:creationId xmlns:a16="http://schemas.microsoft.com/office/drawing/2014/main" id="{4BD75C6F-D32A-47ED-8C5D-F4D3A0F6F4E4}"/>
+              </a:ext>
+            </a:extLst>
+          </p:cNvPr>
+          <p:cNvPicPr>
+            <a:picLocks noChangeAspect="1"/>
+          </p:cNvPicPr>
+          <p:nvPr/>
+        </p:nvPicPr>
+        <p:blipFill rotWithShape="1">
+          <a:blip r:embed="rId2"/>
+          <a:srcRect b="11667"/>
+          <a:stretch/>
+        </p:blipFill>
+        <p:spPr>
+          <a:xfrm>
+            <a:off x="10312400" y="5249721"/>
+            <a:ext cx="1356360" cy="1006416"/>
+          </a:xfrm>
+          <a:prstGeom prst="rect">
+            <a:avLst/>
+          </a:prstGeom>
+        </p:spPr>
+      </p:pic>
+      <p:sp>
+        <p:nvSpPr>
+          <p:cNvPr id="5" name="Espaço Reservado para Rodapé 4">
+            <a:extLst>
+              <a:ext uri="{FF2B5EF4-FFF2-40B4-BE49-F238E27FC236}">
+                <a16:creationId xmlns:a16="http://schemas.microsoft.com/office/drawing/2014/main" id="{75938DF3-E53E-449A-A3ED-A0E032B49E3B}"/>
+              </a:ext>
+            </a:extLst>
+          </p:cNvPr>
+          <p:cNvSpPr>
+            <a:spLocks noGrp="1"/>
+          </p:cNvSpPr>
+          <p:nvPr>
+            <p:ph type="ftr" sz="quarter" idx="11"/>
+          </p:nvPr>
+        </p:nvSpPr>
+        <p:spPr/>
+        <p:txBody>
+          <a:bodyPr/>
+          <a:lstStyle/>
+          <a:p>
+            <a:r>
+              <a:rPr lang="pt-BR"/>
+              <a:t>FATEC MOGI DAS CRUZES</a:t>
+            </a:r>
+          </a:p>
+        </p:txBody>
+      </p:sp>
+      <p:sp>
+        <p:nvSpPr>
+          <p:cNvPr id="6" name="Espaço Reservado para Número de Slide 5">
+            <a:extLst>
+              <a:ext uri="{FF2B5EF4-FFF2-40B4-BE49-F238E27FC236}">
+                <a16:creationId xmlns:a16="http://schemas.microsoft.com/office/drawing/2014/main" id="{34A58F1A-F1BA-4B3F-80F5-FA21E0B933DA}"/>
+              </a:ext>
+            </a:extLst>
+          </p:cNvPr>
+          <p:cNvSpPr>
+            <a:spLocks noGrp="1"/>
+          </p:cNvSpPr>
+          <p:nvPr>
+            <p:ph type="sldNum" sz="quarter" idx="12"/>
+          </p:nvPr>
+        </p:nvSpPr>
+        <p:spPr/>
+        <p:txBody>
+          <a:bodyPr/>
+          <a:lstStyle/>
+          <a:p>
+            <a:fld id="{BD2B5394-143A-4208-A3B1-25D9600048D5}" type="slidenum">
+              <a:rPr lang="pt-BR" smtClean="0"/>
+              <a:t>29</a:t>
+            </a:fld>
+            <a:endParaRPr lang="pt-BR"/>
+          </a:p>
+        </p:txBody>
+      </p:sp>
+      <p:pic>
+        <p:nvPicPr>
+          <p:cNvPr id="9" name="Imagem 8" descr="Uma imagem contendo texto, homem, screenshot, em pé&#10;&#10;Descrição gerada automaticamente">
+            <a:extLst>
+              <a:ext uri="{FF2B5EF4-FFF2-40B4-BE49-F238E27FC236}">
+                <a16:creationId xmlns:a16="http://schemas.microsoft.com/office/drawing/2014/main" id="{6A47D407-B4EA-4A7D-A5ED-824DDCC0A746}"/>
+              </a:ext>
+            </a:extLst>
+          </p:cNvPr>
+          <p:cNvPicPr>
+            <a:picLocks noChangeAspect="1"/>
+          </p:cNvPicPr>
+          <p:nvPr/>
+        </p:nvPicPr>
+        <p:blipFill>
+          <a:blip r:embed="rId3">
+            <a:extLst>
+              <a:ext uri="{28A0092B-C50C-407E-A947-70E740481C1C}">
+                <a14:useLocalDpi xmlns:a14="http://schemas.microsoft.com/office/drawing/2010/main" val="0"/>
+              </a:ext>
+            </a:extLst>
+          </a:blip>
+          <a:stretch>
+            <a:fillRect/>
+          </a:stretch>
+        </p:blipFill>
+        <p:spPr>
+          <a:xfrm>
+            <a:off x="9865390" y="-891"/>
+            <a:ext cx="2567589" cy="1609170"/>
+          </a:xfrm>
+          <a:prstGeom prst="rect">
+            <a:avLst/>
+          </a:prstGeom>
+        </p:spPr>
+      </p:pic>
+      <p:pic>
+        <p:nvPicPr>
+          <p:cNvPr id="10" name="Imagem 9">
+            <a:extLst>
+              <a:ext uri="{FF2B5EF4-FFF2-40B4-BE49-F238E27FC236}">
+                <a16:creationId xmlns:a16="http://schemas.microsoft.com/office/drawing/2014/main" id="{F95D3902-44A0-4CB1-BB43-E38F230EB440}"/>
+              </a:ext>
+            </a:extLst>
+          </p:cNvPr>
+          <p:cNvPicPr>
+            <a:picLocks noChangeAspect="1"/>
+          </p:cNvPicPr>
+          <p:nvPr/>
+        </p:nvPicPr>
+        <p:blipFill>
+          <a:blip r:embed="rId4"/>
+          <a:stretch>
+            <a:fillRect/>
+          </a:stretch>
+        </p:blipFill>
+        <p:spPr>
+          <a:xfrm>
+            <a:off x="-655" y="1291120"/>
+            <a:ext cx="12192000" cy="5480050"/>
+          </a:xfrm>
+          <a:prstGeom prst="rect">
+            <a:avLst/>
+          </a:prstGeom>
+        </p:spPr>
+      </p:pic>
+    </p:spTree>
+    <p:extLst>
+      <p:ext uri="{BB962C8B-B14F-4D97-AF65-F5344CB8AC3E}">
+        <p14:creationId xmlns:p14="http://schemas.microsoft.com/office/powerpoint/2010/main" val="302934516"/>
+      </p:ext>
+    </p:extLst>
+  </p:cSld>
+  <p:clrMapOvr>
+    <a:masterClrMapping/>
+  </p:clrMapOvr>
+  <p:transition spd="slow">
+    <p:wipe/>
   </p:transition>
 </p:sld>
 </file>
@@ -28710,6 +25862,4134 @@
   </p:clrMapOvr>
   <p:transition spd="slow">
     <p:wipe/>
+  </p:transition>
+</p:sld>
+</file>
+
+<file path=ppt/slides/slide30.xml><?xml version="1.0" encoding="utf-8"?>
+<p:sld xmlns:a="http://schemas.openxmlformats.org/drawingml/2006/main" xmlns:r="http://schemas.openxmlformats.org/officeDocument/2006/relationships" xmlns:p="http://schemas.openxmlformats.org/presentationml/2006/main">
+  <p:cSld>
+    <p:spTree>
+      <p:nvGrpSpPr>
+        <p:cNvPr id="1" name=""/>
+        <p:cNvGrpSpPr/>
+        <p:nvPr/>
+      </p:nvGrpSpPr>
+      <p:grpSpPr>
+        <a:xfrm>
+          <a:off x="0" y="0"/>
+          <a:ext cx="0" cy="0"/>
+          <a:chOff x="0" y="0"/>
+          <a:chExt cx="0" cy="0"/>
+        </a:xfrm>
+      </p:grpSpPr>
+      <p:sp>
+        <p:nvSpPr>
+          <p:cNvPr id="2" name="Título 1">
+            <a:extLst>
+              <a:ext uri="{FF2B5EF4-FFF2-40B4-BE49-F238E27FC236}">
+                <a16:creationId xmlns:a16="http://schemas.microsoft.com/office/drawing/2014/main" id="{53C9334F-F7EA-4C4D-AD73-14F433AEFC7C}"/>
+              </a:ext>
+            </a:extLst>
+          </p:cNvPr>
+          <p:cNvSpPr>
+            <a:spLocks noGrp="1"/>
+          </p:cNvSpPr>
+          <p:nvPr>
+            <p:ph type="title"/>
+          </p:nvPr>
+        </p:nvSpPr>
+        <p:spPr>
+          <a:xfrm>
+            <a:off x="838200" y="86830"/>
+            <a:ext cx="10515600" cy="1325563"/>
+          </a:xfrm>
+        </p:spPr>
+        <p:txBody>
+          <a:bodyPr/>
+          <a:lstStyle/>
+          <a:p>
+            <a:r>
+              <a:rPr lang="pt-BR" b="1" dirty="0">
+                <a:solidFill>
+                  <a:srgbClr val="002060"/>
+                </a:solidFill>
+                <a:latin typeface="Century Gothic"/>
+              </a:rPr>
+              <a:t>Tela: Perfil do cliente</a:t>
+            </a:r>
+            <a:endParaRPr lang="pt-BR" b="1" dirty="0">
+              <a:solidFill>
+                <a:srgbClr val="002060"/>
+              </a:solidFill>
+              <a:latin typeface="Century Gothic" panose="020B0502020202020204" pitchFamily="34" charset="0"/>
+            </a:endParaRPr>
+          </a:p>
+        </p:txBody>
+      </p:sp>
+      <p:pic>
+        <p:nvPicPr>
+          <p:cNvPr id="3" name="Picture 4" descr="A picture containing soccer, person, field, room&#10;&#10;Description automatically generated">
+            <a:extLst>
+              <a:ext uri="{FF2B5EF4-FFF2-40B4-BE49-F238E27FC236}">
+                <a16:creationId xmlns:a16="http://schemas.microsoft.com/office/drawing/2014/main" id="{4BD75C6F-D32A-47ED-8C5D-F4D3A0F6F4E4}"/>
+              </a:ext>
+            </a:extLst>
+          </p:cNvPr>
+          <p:cNvPicPr>
+            <a:picLocks noChangeAspect="1"/>
+          </p:cNvPicPr>
+          <p:nvPr/>
+        </p:nvPicPr>
+        <p:blipFill rotWithShape="1">
+          <a:blip r:embed="rId2"/>
+          <a:srcRect b="11667"/>
+          <a:stretch/>
+        </p:blipFill>
+        <p:spPr>
+          <a:xfrm>
+            <a:off x="10312400" y="5249721"/>
+            <a:ext cx="1356360" cy="1006416"/>
+          </a:xfrm>
+          <a:prstGeom prst="rect">
+            <a:avLst/>
+          </a:prstGeom>
+        </p:spPr>
+      </p:pic>
+      <p:sp>
+        <p:nvSpPr>
+          <p:cNvPr id="5" name="Espaço Reservado para Rodapé 4">
+            <a:extLst>
+              <a:ext uri="{FF2B5EF4-FFF2-40B4-BE49-F238E27FC236}">
+                <a16:creationId xmlns:a16="http://schemas.microsoft.com/office/drawing/2014/main" id="{75938DF3-E53E-449A-A3ED-A0E032B49E3B}"/>
+              </a:ext>
+            </a:extLst>
+          </p:cNvPr>
+          <p:cNvSpPr>
+            <a:spLocks noGrp="1"/>
+          </p:cNvSpPr>
+          <p:nvPr>
+            <p:ph type="ftr" sz="quarter" idx="11"/>
+          </p:nvPr>
+        </p:nvSpPr>
+        <p:spPr/>
+        <p:txBody>
+          <a:bodyPr/>
+          <a:lstStyle/>
+          <a:p>
+            <a:r>
+              <a:rPr lang="pt-BR"/>
+              <a:t>FATEC MOGI DAS CRUZES</a:t>
+            </a:r>
+          </a:p>
+        </p:txBody>
+      </p:sp>
+      <p:sp>
+        <p:nvSpPr>
+          <p:cNvPr id="6" name="Espaço Reservado para Número de Slide 5">
+            <a:extLst>
+              <a:ext uri="{FF2B5EF4-FFF2-40B4-BE49-F238E27FC236}">
+                <a16:creationId xmlns:a16="http://schemas.microsoft.com/office/drawing/2014/main" id="{34A58F1A-F1BA-4B3F-80F5-FA21E0B933DA}"/>
+              </a:ext>
+            </a:extLst>
+          </p:cNvPr>
+          <p:cNvSpPr>
+            <a:spLocks noGrp="1"/>
+          </p:cNvSpPr>
+          <p:nvPr>
+            <p:ph type="sldNum" sz="quarter" idx="12"/>
+          </p:nvPr>
+        </p:nvSpPr>
+        <p:spPr/>
+        <p:txBody>
+          <a:bodyPr/>
+          <a:lstStyle/>
+          <a:p>
+            <a:fld id="{BD2B5394-143A-4208-A3B1-25D9600048D5}" type="slidenum">
+              <a:rPr lang="pt-BR" smtClean="0"/>
+              <a:t>30</a:t>
+            </a:fld>
+            <a:endParaRPr lang="pt-BR"/>
+          </a:p>
+        </p:txBody>
+      </p:sp>
+      <p:pic>
+        <p:nvPicPr>
+          <p:cNvPr id="9" name="Imagem 8" descr="Uma imagem contendo texto, homem, screenshot, em pé&#10;&#10;Descrição gerada automaticamente">
+            <a:extLst>
+              <a:ext uri="{FF2B5EF4-FFF2-40B4-BE49-F238E27FC236}">
+                <a16:creationId xmlns:a16="http://schemas.microsoft.com/office/drawing/2014/main" id="{6A47D407-B4EA-4A7D-A5ED-824DDCC0A746}"/>
+              </a:ext>
+            </a:extLst>
+          </p:cNvPr>
+          <p:cNvPicPr>
+            <a:picLocks noChangeAspect="1"/>
+          </p:cNvPicPr>
+          <p:nvPr/>
+        </p:nvPicPr>
+        <p:blipFill>
+          <a:blip r:embed="rId3">
+            <a:extLst>
+              <a:ext uri="{28A0092B-C50C-407E-A947-70E740481C1C}">
+                <a14:useLocalDpi xmlns:a14="http://schemas.microsoft.com/office/drawing/2010/main" val="0"/>
+              </a:ext>
+            </a:extLst>
+          </a:blip>
+          <a:stretch>
+            <a:fillRect/>
+          </a:stretch>
+        </p:blipFill>
+        <p:spPr>
+          <a:xfrm>
+            <a:off x="9566451" y="-891"/>
+            <a:ext cx="2567589" cy="1609170"/>
+          </a:xfrm>
+          <a:prstGeom prst="rect">
+            <a:avLst/>
+          </a:prstGeom>
+        </p:spPr>
+      </p:pic>
+      <p:pic>
+        <p:nvPicPr>
+          <p:cNvPr id="10" name="Imagem 9">
+            <a:extLst>
+              <a:ext uri="{FF2B5EF4-FFF2-40B4-BE49-F238E27FC236}">
+                <a16:creationId xmlns:a16="http://schemas.microsoft.com/office/drawing/2014/main" id="{80AEC130-6433-4E87-AD3C-A1655CD299FF}"/>
+              </a:ext>
+            </a:extLst>
+          </p:cNvPr>
+          <p:cNvPicPr>
+            <a:picLocks noChangeAspect="1"/>
+          </p:cNvPicPr>
+          <p:nvPr/>
+        </p:nvPicPr>
+        <p:blipFill>
+          <a:blip r:embed="rId4"/>
+          <a:stretch>
+            <a:fillRect/>
+          </a:stretch>
+        </p:blipFill>
+        <p:spPr>
+          <a:xfrm>
+            <a:off x="0" y="1390479"/>
+            <a:ext cx="12192000" cy="4362450"/>
+          </a:xfrm>
+          <a:prstGeom prst="rect">
+            <a:avLst/>
+          </a:prstGeom>
+        </p:spPr>
+      </p:pic>
+    </p:spTree>
+    <p:extLst>
+      <p:ext uri="{BB962C8B-B14F-4D97-AF65-F5344CB8AC3E}">
+        <p14:creationId xmlns:p14="http://schemas.microsoft.com/office/powerpoint/2010/main" val="3745307294"/>
+      </p:ext>
+    </p:extLst>
+  </p:cSld>
+  <p:clrMapOvr>
+    <a:masterClrMapping/>
+  </p:clrMapOvr>
+  <p:transition spd="slow">
+    <p:wipe/>
+  </p:transition>
+</p:sld>
+</file>
+
+<file path=ppt/slides/slide31.xml><?xml version="1.0" encoding="utf-8"?>
+<p:sld xmlns:a="http://schemas.openxmlformats.org/drawingml/2006/main" xmlns:r="http://schemas.openxmlformats.org/officeDocument/2006/relationships" xmlns:p="http://schemas.openxmlformats.org/presentationml/2006/main">
+  <p:cSld>
+    <p:spTree>
+      <p:nvGrpSpPr>
+        <p:cNvPr id="1" name=""/>
+        <p:cNvGrpSpPr/>
+        <p:nvPr/>
+      </p:nvGrpSpPr>
+      <p:grpSpPr>
+        <a:xfrm>
+          <a:off x="0" y="0"/>
+          <a:ext cx="0" cy="0"/>
+          <a:chOff x="0" y="0"/>
+          <a:chExt cx="0" cy="0"/>
+        </a:xfrm>
+      </p:grpSpPr>
+      <p:sp>
+        <p:nvSpPr>
+          <p:cNvPr id="2" name="Título 1">
+            <a:extLst>
+              <a:ext uri="{FF2B5EF4-FFF2-40B4-BE49-F238E27FC236}">
+                <a16:creationId xmlns:a16="http://schemas.microsoft.com/office/drawing/2014/main" id="{53C9334F-F7EA-4C4D-AD73-14F433AEFC7C}"/>
+              </a:ext>
+            </a:extLst>
+          </p:cNvPr>
+          <p:cNvSpPr>
+            <a:spLocks noGrp="1"/>
+          </p:cNvSpPr>
+          <p:nvPr>
+            <p:ph type="title"/>
+          </p:nvPr>
+        </p:nvSpPr>
+        <p:spPr>
+          <a:xfrm>
+            <a:off x="838200" y="86830"/>
+            <a:ext cx="10515600" cy="1325563"/>
+          </a:xfrm>
+        </p:spPr>
+        <p:txBody>
+          <a:bodyPr/>
+          <a:lstStyle/>
+          <a:p>
+            <a:r>
+              <a:rPr lang="pt-BR" b="1" dirty="0">
+                <a:solidFill>
+                  <a:srgbClr val="002060"/>
+                </a:solidFill>
+                <a:latin typeface="Century Gothic"/>
+              </a:rPr>
+              <a:t>Tela: Alterar senha do cliente</a:t>
+            </a:r>
+            <a:endParaRPr lang="pt-BR" b="1" dirty="0">
+              <a:solidFill>
+                <a:srgbClr val="002060"/>
+              </a:solidFill>
+              <a:latin typeface="Century Gothic" panose="020B0502020202020204" pitchFamily="34" charset="0"/>
+            </a:endParaRPr>
+          </a:p>
+        </p:txBody>
+      </p:sp>
+      <p:pic>
+        <p:nvPicPr>
+          <p:cNvPr id="3" name="Picture 4" descr="A picture containing soccer, person, field, room&#10;&#10;Description automatically generated">
+            <a:extLst>
+              <a:ext uri="{FF2B5EF4-FFF2-40B4-BE49-F238E27FC236}">
+                <a16:creationId xmlns:a16="http://schemas.microsoft.com/office/drawing/2014/main" id="{4BD75C6F-D32A-47ED-8C5D-F4D3A0F6F4E4}"/>
+              </a:ext>
+            </a:extLst>
+          </p:cNvPr>
+          <p:cNvPicPr>
+            <a:picLocks noChangeAspect="1"/>
+          </p:cNvPicPr>
+          <p:nvPr/>
+        </p:nvPicPr>
+        <p:blipFill rotWithShape="1">
+          <a:blip r:embed="rId2"/>
+          <a:srcRect b="11667"/>
+          <a:stretch/>
+        </p:blipFill>
+        <p:spPr>
+          <a:xfrm>
+            <a:off x="10312400" y="5249721"/>
+            <a:ext cx="1356360" cy="1006416"/>
+          </a:xfrm>
+          <a:prstGeom prst="rect">
+            <a:avLst/>
+          </a:prstGeom>
+        </p:spPr>
+      </p:pic>
+      <p:sp>
+        <p:nvSpPr>
+          <p:cNvPr id="5" name="Espaço Reservado para Rodapé 4">
+            <a:extLst>
+              <a:ext uri="{FF2B5EF4-FFF2-40B4-BE49-F238E27FC236}">
+                <a16:creationId xmlns:a16="http://schemas.microsoft.com/office/drawing/2014/main" id="{75938DF3-E53E-449A-A3ED-A0E032B49E3B}"/>
+              </a:ext>
+            </a:extLst>
+          </p:cNvPr>
+          <p:cNvSpPr>
+            <a:spLocks noGrp="1"/>
+          </p:cNvSpPr>
+          <p:nvPr>
+            <p:ph type="ftr" sz="quarter" idx="11"/>
+          </p:nvPr>
+        </p:nvSpPr>
+        <p:spPr/>
+        <p:txBody>
+          <a:bodyPr/>
+          <a:lstStyle/>
+          <a:p>
+            <a:r>
+              <a:rPr lang="pt-BR"/>
+              <a:t>FATEC MOGI DAS CRUZES</a:t>
+            </a:r>
+          </a:p>
+        </p:txBody>
+      </p:sp>
+      <p:sp>
+        <p:nvSpPr>
+          <p:cNvPr id="6" name="Espaço Reservado para Número de Slide 5">
+            <a:extLst>
+              <a:ext uri="{FF2B5EF4-FFF2-40B4-BE49-F238E27FC236}">
+                <a16:creationId xmlns:a16="http://schemas.microsoft.com/office/drawing/2014/main" id="{34A58F1A-F1BA-4B3F-80F5-FA21E0B933DA}"/>
+              </a:ext>
+            </a:extLst>
+          </p:cNvPr>
+          <p:cNvSpPr>
+            <a:spLocks noGrp="1"/>
+          </p:cNvSpPr>
+          <p:nvPr>
+            <p:ph type="sldNum" sz="quarter" idx="12"/>
+          </p:nvPr>
+        </p:nvSpPr>
+        <p:spPr/>
+        <p:txBody>
+          <a:bodyPr/>
+          <a:lstStyle/>
+          <a:p>
+            <a:fld id="{BD2B5394-143A-4208-A3B1-25D9600048D5}" type="slidenum">
+              <a:rPr lang="pt-BR" smtClean="0"/>
+              <a:t>31</a:t>
+            </a:fld>
+            <a:endParaRPr lang="pt-BR"/>
+          </a:p>
+        </p:txBody>
+      </p:sp>
+      <p:pic>
+        <p:nvPicPr>
+          <p:cNvPr id="9" name="Imagem 8" descr="Uma imagem contendo texto, homem, screenshot, em pé&#10;&#10;Descrição gerada automaticamente">
+            <a:extLst>
+              <a:ext uri="{FF2B5EF4-FFF2-40B4-BE49-F238E27FC236}">
+                <a16:creationId xmlns:a16="http://schemas.microsoft.com/office/drawing/2014/main" id="{6A47D407-B4EA-4A7D-A5ED-824DDCC0A746}"/>
+              </a:ext>
+            </a:extLst>
+          </p:cNvPr>
+          <p:cNvPicPr>
+            <a:picLocks noChangeAspect="1"/>
+          </p:cNvPicPr>
+          <p:nvPr/>
+        </p:nvPicPr>
+        <p:blipFill>
+          <a:blip r:embed="rId3">
+            <a:extLst>
+              <a:ext uri="{28A0092B-C50C-407E-A947-70E740481C1C}">
+                <a14:useLocalDpi xmlns:a14="http://schemas.microsoft.com/office/drawing/2010/main" val="0"/>
+              </a:ext>
+            </a:extLst>
+          </a:blip>
+          <a:stretch>
+            <a:fillRect/>
+          </a:stretch>
+        </p:blipFill>
+        <p:spPr>
+          <a:xfrm>
+            <a:off x="9566451" y="-891"/>
+            <a:ext cx="2567589" cy="1609170"/>
+          </a:xfrm>
+          <a:prstGeom prst="rect">
+            <a:avLst/>
+          </a:prstGeom>
+        </p:spPr>
+      </p:pic>
+      <p:pic>
+        <p:nvPicPr>
+          <p:cNvPr id="7" name="Imagem 6">
+            <a:extLst>
+              <a:ext uri="{FF2B5EF4-FFF2-40B4-BE49-F238E27FC236}">
+                <a16:creationId xmlns:a16="http://schemas.microsoft.com/office/drawing/2014/main" id="{781F7BF7-8DC2-41D8-B88E-642C35C5C6CC}"/>
+              </a:ext>
+            </a:extLst>
+          </p:cNvPr>
+          <p:cNvPicPr>
+            <a:picLocks noChangeAspect="1"/>
+          </p:cNvPicPr>
+          <p:nvPr/>
+        </p:nvPicPr>
+        <p:blipFill>
+          <a:blip r:embed="rId4"/>
+          <a:stretch>
+            <a:fillRect/>
+          </a:stretch>
+        </p:blipFill>
+        <p:spPr>
+          <a:xfrm>
+            <a:off x="0" y="1711817"/>
+            <a:ext cx="12192000" cy="3434366"/>
+          </a:xfrm>
+          <a:prstGeom prst="rect">
+            <a:avLst/>
+          </a:prstGeom>
+        </p:spPr>
+      </p:pic>
+    </p:spTree>
+    <p:extLst>
+      <p:ext uri="{BB962C8B-B14F-4D97-AF65-F5344CB8AC3E}">
+        <p14:creationId xmlns:p14="http://schemas.microsoft.com/office/powerpoint/2010/main" val="2105823692"/>
+      </p:ext>
+    </p:extLst>
+  </p:cSld>
+  <p:clrMapOvr>
+    <a:masterClrMapping/>
+  </p:clrMapOvr>
+  <p:transition spd="slow">
+    <p:wipe/>
+  </p:transition>
+</p:sld>
+</file>
+
+<file path=ppt/slides/slide32.xml><?xml version="1.0" encoding="utf-8"?>
+<p:sld xmlns:a="http://schemas.openxmlformats.org/drawingml/2006/main" xmlns:r="http://schemas.openxmlformats.org/officeDocument/2006/relationships" xmlns:p="http://schemas.openxmlformats.org/presentationml/2006/main">
+  <p:cSld>
+    <p:spTree>
+      <p:nvGrpSpPr>
+        <p:cNvPr id="1" name=""/>
+        <p:cNvGrpSpPr/>
+        <p:nvPr/>
+      </p:nvGrpSpPr>
+      <p:grpSpPr>
+        <a:xfrm>
+          <a:off x="0" y="0"/>
+          <a:ext cx="0" cy="0"/>
+          <a:chOff x="0" y="0"/>
+          <a:chExt cx="0" cy="0"/>
+        </a:xfrm>
+      </p:grpSpPr>
+      <p:sp>
+        <p:nvSpPr>
+          <p:cNvPr id="2" name="Título 1">
+            <a:extLst>
+              <a:ext uri="{FF2B5EF4-FFF2-40B4-BE49-F238E27FC236}">
+                <a16:creationId xmlns:a16="http://schemas.microsoft.com/office/drawing/2014/main" id="{53C9334F-F7EA-4C4D-AD73-14F433AEFC7C}"/>
+              </a:ext>
+            </a:extLst>
+          </p:cNvPr>
+          <p:cNvSpPr>
+            <a:spLocks noGrp="1"/>
+          </p:cNvSpPr>
+          <p:nvPr>
+            <p:ph type="title"/>
+          </p:nvPr>
+        </p:nvSpPr>
+        <p:spPr>
+          <a:xfrm>
+            <a:off x="838200" y="86830"/>
+            <a:ext cx="10515600" cy="1325563"/>
+          </a:xfrm>
+        </p:spPr>
+        <p:txBody>
+          <a:bodyPr/>
+          <a:lstStyle/>
+          <a:p>
+            <a:r>
+              <a:rPr lang="pt-BR" b="1" dirty="0">
+                <a:solidFill>
+                  <a:srgbClr val="002060"/>
+                </a:solidFill>
+                <a:latin typeface="Century Gothic"/>
+              </a:rPr>
+              <a:t>Tela: Alterar endereços</a:t>
+            </a:r>
+            <a:endParaRPr lang="pt-BR" b="1" dirty="0">
+              <a:solidFill>
+                <a:srgbClr val="002060"/>
+              </a:solidFill>
+              <a:latin typeface="Century Gothic" panose="020B0502020202020204" pitchFamily="34" charset="0"/>
+            </a:endParaRPr>
+          </a:p>
+        </p:txBody>
+      </p:sp>
+      <p:pic>
+        <p:nvPicPr>
+          <p:cNvPr id="3" name="Picture 4" descr="A picture containing soccer, person, field, room&#10;&#10;Description automatically generated">
+            <a:extLst>
+              <a:ext uri="{FF2B5EF4-FFF2-40B4-BE49-F238E27FC236}">
+                <a16:creationId xmlns:a16="http://schemas.microsoft.com/office/drawing/2014/main" id="{4BD75C6F-D32A-47ED-8C5D-F4D3A0F6F4E4}"/>
+              </a:ext>
+            </a:extLst>
+          </p:cNvPr>
+          <p:cNvPicPr>
+            <a:picLocks noChangeAspect="1"/>
+          </p:cNvPicPr>
+          <p:nvPr/>
+        </p:nvPicPr>
+        <p:blipFill rotWithShape="1">
+          <a:blip r:embed="rId2"/>
+          <a:srcRect b="11667"/>
+          <a:stretch/>
+        </p:blipFill>
+        <p:spPr>
+          <a:xfrm>
+            <a:off x="10312400" y="5249721"/>
+            <a:ext cx="1356360" cy="1006416"/>
+          </a:xfrm>
+          <a:prstGeom prst="rect">
+            <a:avLst/>
+          </a:prstGeom>
+        </p:spPr>
+      </p:pic>
+      <p:sp>
+        <p:nvSpPr>
+          <p:cNvPr id="5" name="Espaço Reservado para Rodapé 4">
+            <a:extLst>
+              <a:ext uri="{FF2B5EF4-FFF2-40B4-BE49-F238E27FC236}">
+                <a16:creationId xmlns:a16="http://schemas.microsoft.com/office/drawing/2014/main" id="{75938DF3-E53E-449A-A3ED-A0E032B49E3B}"/>
+              </a:ext>
+            </a:extLst>
+          </p:cNvPr>
+          <p:cNvSpPr>
+            <a:spLocks noGrp="1"/>
+          </p:cNvSpPr>
+          <p:nvPr>
+            <p:ph type="ftr" sz="quarter" idx="11"/>
+          </p:nvPr>
+        </p:nvSpPr>
+        <p:spPr/>
+        <p:txBody>
+          <a:bodyPr/>
+          <a:lstStyle/>
+          <a:p>
+            <a:r>
+              <a:rPr lang="pt-BR"/>
+              <a:t>FATEC MOGI DAS CRUZES</a:t>
+            </a:r>
+          </a:p>
+        </p:txBody>
+      </p:sp>
+      <p:sp>
+        <p:nvSpPr>
+          <p:cNvPr id="6" name="Espaço Reservado para Número de Slide 5">
+            <a:extLst>
+              <a:ext uri="{FF2B5EF4-FFF2-40B4-BE49-F238E27FC236}">
+                <a16:creationId xmlns:a16="http://schemas.microsoft.com/office/drawing/2014/main" id="{34A58F1A-F1BA-4B3F-80F5-FA21E0B933DA}"/>
+              </a:ext>
+            </a:extLst>
+          </p:cNvPr>
+          <p:cNvSpPr>
+            <a:spLocks noGrp="1"/>
+          </p:cNvSpPr>
+          <p:nvPr>
+            <p:ph type="sldNum" sz="quarter" idx="12"/>
+          </p:nvPr>
+        </p:nvSpPr>
+        <p:spPr/>
+        <p:txBody>
+          <a:bodyPr/>
+          <a:lstStyle/>
+          <a:p>
+            <a:fld id="{BD2B5394-143A-4208-A3B1-25D9600048D5}" type="slidenum">
+              <a:rPr lang="pt-BR" smtClean="0"/>
+              <a:t>32</a:t>
+            </a:fld>
+            <a:endParaRPr lang="pt-BR"/>
+          </a:p>
+        </p:txBody>
+      </p:sp>
+      <p:pic>
+        <p:nvPicPr>
+          <p:cNvPr id="9" name="Imagem 8" descr="Uma imagem contendo texto, homem, screenshot, em pé&#10;&#10;Descrição gerada automaticamente">
+            <a:extLst>
+              <a:ext uri="{FF2B5EF4-FFF2-40B4-BE49-F238E27FC236}">
+                <a16:creationId xmlns:a16="http://schemas.microsoft.com/office/drawing/2014/main" id="{6A47D407-B4EA-4A7D-A5ED-824DDCC0A746}"/>
+              </a:ext>
+            </a:extLst>
+          </p:cNvPr>
+          <p:cNvPicPr>
+            <a:picLocks noChangeAspect="1"/>
+          </p:cNvPicPr>
+          <p:nvPr/>
+        </p:nvPicPr>
+        <p:blipFill>
+          <a:blip r:embed="rId3">
+            <a:extLst>
+              <a:ext uri="{28A0092B-C50C-407E-A947-70E740481C1C}">
+                <a14:useLocalDpi xmlns:a14="http://schemas.microsoft.com/office/drawing/2010/main" val="0"/>
+              </a:ext>
+            </a:extLst>
+          </a:blip>
+          <a:stretch>
+            <a:fillRect/>
+          </a:stretch>
+        </p:blipFill>
+        <p:spPr>
+          <a:xfrm>
+            <a:off x="9566451" y="-891"/>
+            <a:ext cx="2567589" cy="1609170"/>
+          </a:xfrm>
+          <a:prstGeom prst="rect">
+            <a:avLst/>
+          </a:prstGeom>
+        </p:spPr>
+      </p:pic>
+      <p:pic>
+        <p:nvPicPr>
+          <p:cNvPr id="7" name="Imagem 6">
+            <a:extLst>
+              <a:ext uri="{FF2B5EF4-FFF2-40B4-BE49-F238E27FC236}">
+                <a16:creationId xmlns:a16="http://schemas.microsoft.com/office/drawing/2014/main" id="{4C2CB173-D909-4199-BA6F-D00B9E012E22}"/>
+              </a:ext>
+            </a:extLst>
+          </p:cNvPr>
+          <p:cNvPicPr>
+            <a:picLocks noChangeAspect="1"/>
+          </p:cNvPicPr>
+          <p:nvPr/>
+        </p:nvPicPr>
+        <p:blipFill>
+          <a:blip r:embed="rId4"/>
+          <a:stretch>
+            <a:fillRect/>
+          </a:stretch>
+        </p:blipFill>
+        <p:spPr>
+          <a:xfrm>
+            <a:off x="0" y="1412393"/>
+            <a:ext cx="12192000" cy="4602194"/>
+          </a:xfrm>
+          <a:prstGeom prst="rect">
+            <a:avLst/>
+          </a:prstGeom>
+        </p:spPr>
+      </p:pic>
+    </p:spTree>
+    <p:extLst>
+      <p:ext uri="{BB962C8B-B14F-4D97-AF65-F5344CB8AC3E}">
+        <p14:creationId xmlns:p14="http://schemas.microsoft.com/office/powerpoint/2010/main" val="2545494586"/>
+      </p:ext>
+    </p:extLst>
+  </p:cSld>
+  <p:clrMapOvr>
+    <a:masterClrMapping/>
+  </p:clrMapOvr>
+  <p:transition spd="slow">
+    <p:wipe/>
+  </p:transition>
+</p:sld>
+</file>
+
+<file path=ppt/slides/slide33.xml><?xml version="1.0" encoding="utf-8"?>
+<p:sld xmlns:a="http://schemas.openxmlformats.org/drawingml/2006/main" xmlns:r="http://schemas.openxmlformats.org/officeDocument/2006/relationships" xmlns:p="http://schemas.openxmlformats.org/presentationml/2006/main">
+  <p:cSld>
+    <p:spTree>
+      <p:nvGrpSpPr>
+        <p:cNvPr id="1" name=""/>
+        <p:cNvGrpSpPr/>
+        <p:nvPr/>
+      </p:nvGrpSpPr>
+      <p:grpSpPr>
+        <a:xfrm>
+          <a:off x="0" y="0"/>
+          <a:ext cx="0" cy="0"/>
+          <a:chOff x="0" y="0"/>
+          <a:chExt cx="0" cy="0"/>
+        </a:xfrm>
+      </p:grpSpPr>
+      <p:sp>
+        <p:nvSpPr>
+          <p:cNvPr id="2" name="Título 1">
+            <a:extLst>
+              <a:ext uri="{FF2B5EF4-FFF2-40B4-BE49-F238E27FC236}">
+                <a16:creationId xmlns:a16="http://schemas.microsoft.com/office/drawing/2014/main" id="{53C9334F-F7EA-4C4D-AD73-14F433AEFC7C}"/>
+              </a:ext>
+            </a:extLst>
+          </p:cNvPr>
+          <p:cNvSpPr>
+            <a:spLocks noGrp="1"/>
+          </p:cNvSpPr>
+          <p:nvPr>
+            <p:ph type="title"/>
+          </p:nvPr>
+        </p:nvSpPr>
+        <p:spPr>
+          <a:xfrm>
+            <a:off x="838200" y="86830"/>
+            <a:ext cx="10515600" cy="1325563"/>
+          </a:xfrm>
+        </p:spPr>
+        <p:txBody>
+          <a:bodyPr/>
+          <a:lstStyle/>
+          <a:p>
+            <a:r>
+              <a:rPr lang="pt-BR" b="1" dirty="0">
+                <a:solidFill>
+                  <a:srgbClr val="002060"/>
+                </a:solidFill>
+                <a:latin typeface="Century Gothic"/>
+              </a:rPr>
+              <a:t>Tela: Validação de endereço</a:t>
+            </a:r>
+            <a:endParaRPr lang="pt-BR" b="1" dirty="0">
+              <a:solidFill>
+                <a:srgbClr val="002060"/>
+              </a:solidFill>
+              <a:latin typeface="Century Gothic" panose="020B0502020202020204" pitchFamily="34" charset="0"/>
+            </a:endParaRPr>
+          </a:p>
+        </p:txBody>
+      </p:sp>
+      <p:pic>
+        <p:nvPicPr>
+          <p:cNvPr id="3" name="Picture 4" descr="A picture containing soccer, person, field, room&#10;&#10;Description automatically generated">
+            <a:extLst>
+              <a:ext uri="{FF2B5EF4-FFF2-40B4-BE49-F238E27FC236}">
+                <a16:creationId xmlns:a16="http://schemas.microsoft.com/office/drawing/2014/main" id="{4BD75C6F-D32A-47ED-8C5D-F4D3A0F6F4E4}"/>
+              </a:ext>
+            </a:extLst>
+          </p:cNvPr>
+          <p:cNvPicPr>
+            <a:picLocks noChangeAspect="1"/>
+          </p:cNvPicPr>
+          <p:nvPr/>
+        </p:nvPicPr>
+        <p:blipFill rotWithShape="1">
+          <a:blip r:embed="rId2"/>
+          <a:srcRect b="11667"/>
+          <a:stretch/>
+        </p:blipFill>
+        <p:spPr>
+          <a:xfrm>
+            <a:off x="10312400" y="5249721"/>
+            <a:ext cx="1356360" cy="1006416"/>
+          </a:xfrm>
+          <a:prstGeom prst="rect">
+            <a:avLst/>
+          </a:prstGeom>
+        </p:spPr>
+      </p:pic>
+      <p:sp>
+        <p:nvSpPr>
+          <p:cNvPr id="5" name="Espaço Reservado para Rodapé 4">
+            <a:extLst>
+              <a:ext uri="{FF2B5EF4-FFF2-40B4-BE49-F238E27FC236}">
+                <a16:creationId xmlns:a16="http://schemas.microsoft.com/office/drawing/2014/main" id="{75938DF3-E53E-449A-A3ED-A0E032B49E3B}"/>
+              </a:ext>
+            </a:extLst>
+          </p:cNvPr>
+          <p:cNvSpPr>
+            <a:spLocks noGrp="1"/>
+          </p:cNvSpPr>
+          <p:nvPr>
+            <p:ph type="ftr" sz="quarter" idx="11"/>
+          </p:nvPr>
+        </p:nvSpPr>
+        <p:spPr/>
+        <p:txBody>
+          <a:bodyPr/>
+          <a:lstStyle/>
+          <a:p>
+            <a:r>
+              <a:rPr lang="pt-BR"/>
+              <a:t>FATEC MOGI DAS CRUZES</a:t>
+            </a:r>
+          </a:p>
+        </p:txBody>
+      </p:sp>
+      <p:sp>
+        <p:nvSpPr>
+          <p:cNvPr id="6" name="Espaço Reservado para Número de Slide 5">
+            <a:extLst>
+              <a:ext uri="{FF2B5EF4-FFF2-40B4-BE49-F238E27FC236}">
+                <a16:creationId xmlns:a16="http://schemas.microsoft.com/office/drawing/2014/main" id="{34A58F1A-F1BA-4B3F-80F5-FA21E0B933DA}"/>
+              </a:ext>
+            </a:extLst>
+          </p:cNvPr>
+          <p:cNvSpPr>
+            <a:spLocks noGrp="1"/>
+          </p:cNvSpPr>
+          <p:nvPr>
+            <p:ph type="sldNum" sz="quarter" idx="12"/>
+          </p:nvPr>
+        </p:nvSpPr>
+        <p:spPr/>
+        <p:txBody>
+          <a:bodyPr/>
+          <a:lstStyle/>
+          <a:p>
+            <a:fld id="{BD2B5394-143A-4208-A3B1-25D9600048D5}" type="slidenum">
+              <a:rPr lang="pt-BR" smtClean="0"/>
+              <a:t>33</a:t>
+            </a:fld>
+            <a:endParaRPr lang="pt-BR"/>
+          </a:p>
+        </p:txBody>
+      </p:sp>
+      <p:pic>
+        <p:nvPicPr>
+          <p:cNvPr id="9" name="Imagem 8" descr="Uma imagem contendo texto, homem, screenshot, em pé&#10;&#10;Descrição gerada automaticamente">
+            <a:extLst>
+              <a:ext uri="{FF2B5EF4-FFF2-40B4-BE49-F238E27FC236}">
+                <a16:creationId xmlns:a16="http://schemas.microsoft.com/office/drawing/2014/main" id="{6A47D407-B4EA-4A7D-A5ED-824DDCC0A746}"/>
+              </a:ext>
+            </a:extLst>
+          </p:cNvPr>
+          <p:cNvPicPr>
+            <a:picLocks noChangeAspect="1"/>
+          </p:cNvPicPr>
+          <p:nvPr/>
+        </p:nvPicPr>
+        <p:blipFill>
+          <a:blip r:embed="rId3">
+            <a:extLst>
+              <a:ext uri="{28A0092B-C50C-407E-A947-70E740481C1C}">
+                <a14:useLocalDpi xmlns:a14="http://schemas.microsoft.com/office/drawing/2010/main" val="0"/>
+              </a:ext>
+            </a:extLst>
+          </a:blip>
+          <a:stretch>
+            <a:fillRect/>
+          </a:stretch>
+        </p:blipFill>
+        <p:spPr>
+          <a:xfrm>
+            <a:off x="9566451" y="-891"/>
+            <a:ext cx="2567589" cy="1609170"/>
+          </a:xfrm>
+          <a:prstGeom prst="rect">
+            <a:avLst/>
+          </a:prstGeom>
+        </p:spPr>
+      </p:pic>
+      <p:pic>
+        <p:nvPicPr>
+          <p:cNvPr id="7" name="Imagem 6">
+            <a:extLst>
+              <a:ext uri="{FF2B5EF4-FFF2-40B4-BE49-F238E27FC236}">
+                <a16:creationId xmlns:a16="http://schemas.microsoft.com/office/drawing/2014/main" id="{5AD1927B-9DF0-45E7-A8AC-82A855E2D3CF}"/>
+              </a:ext>
+            </a:extLst>
+          </p:cNvPr>
+          <p:cNvPicPr>
+            <a:picLocks noChangeAspect="1"/>
+          </p:cNvPicPr>
+          <p:nvPr/>
+        </p:nvPicPr>
+        <p:blipFill>
+          <a:blip r:embed="rId4"/>
+          <a:stretch>
+            <a:fillRect/>
+          </a:stretch>
+        </p:blipFill>
+        <p:spPr>
+          <a:xfrm>
+            <a:off x="0" y="1412393"/>
+            <a:ext cx="12192000" cy="5245100"/>
+          </a:xfrm>
+          <a:prstGeom prst="rect">
+            <a:avLst/>
+          </a:prstGeom>
+        </p:spPr>
+      </p:pic>
+    </p:spTree>
+    <p:extLst>
+      <p:ext uri="{BB962C8B-B14F-4D97-AF65-F5344CB8AC3E}">
+        <p14:creationId xmlns:p14="http://schemas.microsoft.com/office/powerpoint/2010/main" val="692834735"/>
+      </p:ext>
+    </p:extLst>
+  </p:cSld>
+  <p:clrMapOvr>
+    <a:masterClrMapping/>
+  </p:clrMapOvr>
+  <p:transition spd="slow">
+    <p:wipe/>
+  </p:transition>
+</p:sld>
+</file>
+
+<file path=ppt/slides/slide34.xml><?xml version="1.0" encoding="utf-8"?>
+<p:sld xmlns:a="http://schemas.openxmlformats.org/drawingml/2006/main" xmlns:r="http://schemas.openxmlformats.org/officeDocument/2006/relationships" xmlns:p="http://schemas.openxmlformats.org/presentationml/2006/main">
+  <p:cSld>
+    <p:spTree>
+      <p:nvGrpSpPr>
+        <p:cNvPr id="1" name=""/>
+        <p:cNvGrpSpPr/>
+        <p:nvPr/>
+      </p:nvGrpSpPr>
+      <p:grpSpPr>
+        <a:xfrm>
+          <a:off x="0" y="0"/>
+          <a:ext cx="0" cy="0"/>
+          <a:chOff x="0" y="0"/>
+          <a:chExt cx="0" cy="0"/>
+        </a:xfrm>
+      </p:grpSpPr>
+      <p:sp>
+        <p:nvSpPr>
+          <p:cNvPr id="2" name="Título 1">
+            <a:extLst>
+              <a:ext uri="{FF2B5EF4-FFF2-40B4-BE49-F238E27FC236}">
+                <a16:creationId xmlns:a16="http://schemas.microsoft.com/office/drawing/2014/main" id="{53C9334F-F7EA-4C4D-AD73-14F433AEFC7C}"/>
+              </a:ext>
+            </a:extLst>
+          </p:cNvPr>
+          <p:cNvSpPr>
+            <a:spLocks noGrp="1"/>
+          </p:cNvSpPr>
+          <p:nvPr>
+            <p:ph type="title"/>
+          </p:nvPr>
+        </p:nvSpPr>
+        <p:spPr>
+          <a:xfrm>
+            <a:off x="838200" y="86830"/>
+            <a:ext cx="10515600" cy="1325563"/>
+          </a:xfrm>
+        </p:spPr>
+        <p:txBody>
+          <a:bodyPr/>
+          <a:lstStyle/>
+          <a:p>
+            <a:r>
+              <a:rPr lang="pt-BR" b="1" dirty="0">
+                <a:solidFill>
+                  <a:srgbClr val="002060"/>
+                </a:solidFill>
+                <a:latin typeface="Century Gothic"/>
+              </a:rPr>
+              <a:t>Tela: Consulta endereços</a:t>
+            </a:r>
+            <a:endParaRPr lang="pt-BR" b="1" dirty="0">
+              <a:solidFill>
+                <a:srgbClr val="002060"/>
+              </a:solidFill>
+              <a:latin typeface="Century Gothic" panose="020B0502020202020204" pitchFamily="34" charset="0"/>
+            </a:endParaRPr>
+          </a:p>
+        </p:txBody>
+      </p:sp>
+      <p:pic>
+        <p:nvPicPr>
+          <p:cNvPr id="3" name="Picture 4" descr="A picture containing soccer, person, field, room&#10;&#10;Description automatically generated">
+            <a:extLst>
+              <a:ext uri="{FF2B5EF4-FFF2-40B4-BE49-F238E27FC236}">
+                <a16:creationId xmlns:a16="http://schemas.microsoft.com/office/drawing/2014/main" id="{4BD75C6F-D32A-47ED-8C5D-F4D3A0F6F4E4}"/>
+              </a:ext>
+            </a:extLst>
+          </p:cNvPr>
+          <p:cNvPicPr>
+            <a:picLocks noChangeAspect="1"/>
+          </p:cNvPicPr>
+          <p:nvPr/>
+        </p:nvPicPr>
+        <p:blipFill rotWithShape="1">
+          <a:blip r:embed="rId2"/>
+          <a:srcRect b="11667"/>
+          <a:stretch/>
+        </p:blipFill>
+        <p:spPr>
+          <a:xfrm>
+            <a:off x="10312400" y="5249721"/>
+            <a:ext cx="1356360" cy="1006416"/>
+          </a:xfrm>
+          <a:prstGeom prst="rect">
+            <a:avLst/>
+          </a:prstGeom>
+        </p:spPr>
+      </p:pic>
+      <p:sp>
+        <p:nvSpPr>
+          <p:cNvPr id="5" name="Espaço Reservado para Rodapé 4">
+            <a:extLst>
+              <a:ext uri="{FF2B5EF4-FFF2-40B4-BE49-F238E27FC236}">
+                <a16:creationId xmlns:a16="http://schemas.microsoft.com/office/drawing/2014/main" id="{75938DF3-E53E-449A-A3ED-A0E032B49E3B}"/>
+              </a:ext>
+            </a:extLst>
+          </p:cNvPr>
+          <p:cNvSpPr>
+            <a:spLocks noGrp="1"/>
+          </p:cNvSpPr>
+          <p:nvPr>
+            <p:ph type="ftr" sz="quarter" idx="11"/>
+          </p:nvPr>
+        </p:nvSpPr>
+        <p:spPr/>
+        <p:txBody>
+          <a:bodyPr/>
+          <a:lstStyle/>
+          <a:p>
+            <a:r>
+              <a:rPr lang="pt-BR"/>
+              <a:t>FATEC MOGI DAS CRUZES</a:t>
+            </a:r>
+          </a:p>
+        </p:txBody>
+      </p:sp>
+      <p:sp>
+        <p:nvSpPr>
+          <p:cNvPr id="6" name="Espaço Reservado para Número de Slide 5">
+            <a:extLst>
+              <a:ext uri="{FF2B5EF4-FFF2-40B4-BE49-F238E27FC236}">
+                <a16:creationId xmlns:a16="http://schemas.microsoft.com/office/drawing/2014/main" id="{34A58F1A-F1BA-4B3F-80F5-FA21E0B933DA}"/>
+              </a:ext>
+            </a:extLst>
+          </p:cNvPr>
+          <p:cNvSpPr>
+            <a:spLocks noGrp="1"/>
+          </p:cNvSpPr>
+          <p:nvPr>
+            <p:ph type="sldNum" sz="quarter" idx="12"/>
+          </p:nvPr>
+        </p:nvSpPr>
+        <p:spPr/>
+        <p:txBody>
+          <a:bodyPr/>
+          <a:lstStyle/>
+          <a:p>
+            <a:fld id="{BD2B5394-143A-4208-A3B1-25D9600048D5}" type="slidenum">
+              <a:rPr lang="pt-BR" smtClean="0"/>
+              <a:t>34</a:t>
+            </a:fld>
+            <a:endParaRPr lang="pt-BR"/>
+          </a:p>
+        </p:txBody>
+      </p:sp>
+      <p:pic>
+        <p:nvPicPr>
+          <p:cNvPr id="9" name="Imagem 8" descr="Uma imagem contendo texto, homem, screenshot, em pé&#10;&#10;Descrição gerada automaticamente">
+            <a:extLst>
+              <a:ext uri="{FF2B5EF4-FFF2-40B4-BE49-F238E27FC236}">
+                <a16:creationId xmlns:a16="http://schemas.microsoft.com/office/drawing/2014/main" id="{6A47D407-B4EA-4A7D-A5ED-824DDCC0A746}"/>
+              </a:ext>
+            </a:extLst>
+          </p:cNvPr>
+          <p:cNvPicPr>
+            <a:picLocks noChangeAspect="1"/>
+          </p:cNvPicPr>
+          <p:nvPr/>
+        </p:nvPicPr>
+        <p:blipFill>
+          <a:blip r:embed="rId3">
+            <a:extLst>
+              <a:ext uri="{28A0092B-C50C-407E-A947-70E740481C1C}">
+                <a14:useLocalDpi xmlns:a14="http://schemas.microsoft.com/office/drawing/2010/main" val="0"/>
+              </a:ext>
+            </a:extLst>
+          </a:blip>
+          <a:stretch>
+            <a:fillRect/>
+          </a:stretch>
+        </p:blipFill>
+        <p:spPr>
+          <a:xfrm>
+            <a:off x="9566451" y="-891"/>
+            <a:ext cx="2567589" cy="1609170"/>
+          </a:xfrm>
+          <a:prstGeom prst="rect">
+            <a:avLst/>
+          </a:prstGeom>
+        </p:spPr>
+      </p:pic>
+      <p:pic>
+        <p:nvPicPr>
+          <p:cNvPr id="7" name="Imagem 6">
+            <a:extLst>
+              <a:ext uri="{FF2B5EF4-FFF2-40B4-BE49-F238E27FC236}">
+                <a16:creationId xmlns:a16="http://schemas.microsoft.com/office/drawing/2014/main" id="{1EEB3F0C-3891-44F7-AD75-7687708CD43C}"/>
+              </a:ext>
+            </a:extLst>
+          </p:cNvPr>
+          <p:cNvPicPr>
+            <a:picLocks noChangeAspect="1"/>
+          </p:cNvPicPr>
+          <p:nvPr/>
+        </p:nvPicPr>
+        <p:blipFill>
+          <a:blip r:embed="rId4"/>
+          <a:stretch>
+            <a:fillRect/>
+          </a:stretch>
+        </p:blipFill>
+        <p:spPr>
+          <a:xfrm>
+            <a:off x="0" y="1083540"/>
+            <a:ext cx="12192000" cy="5797550"/>
+          </a:xfrm>
+          <a:prstGeom prst="rect">
+            <a:avLst/>
+          </a:prstGeom>
+        </p:spPr>
+      </p:pic>
+    </p:spTree>
+    <p:extLst>
+      <p:ext uri="{BB962C8B-B14F-4D97-AF65-F5344CB8AC3E}">
+        <p14:creationId xmlns:p14="http://schemas.microsoft.com/office/powerpoint/2010/main" val="2615598137"/>
+      </p:ext>
+    </p:extLst>
+  </p:cSld>
+  <p:clrMapOvr>
+    <a:masterClrMapping/>
+  </p:clrMapOvr>
+  <p:transition spd="slow">
+    <p:wipe/>
+  </p:transition>
+</p:sld>
+</file>
+
+<file path=ppt/slides/slide35.xml><?xml version="1.0" encoding="utf-8"?>
+<p:sld xmlns:a="http://schemas.openxmlformats.org/drawingml/2006/main" xmlns:r="http://schemas.openxmlformats.org/officeDocument/2006/relationships" xmlns:p="http://schemas.openxmlformats.org/presentationml/2006/main">
+  <p:cSld>
+    <p:spTree>
+      <p:nvGrpSpPr>
+        <p:cNvPr id="1" name=""/>
+        <p:cNvGrpSpPr/>
+        <p:nvPr/>
+      </p:nvGrpSpPr>
+      <p:grpSpPr>
+        <a:xfrm>
+          <a:off x="0" y="0"/>
+          <a:ext cx="0" cy="0"/>
+          <a:chOff x="0" y="0"/>
+          <a:chExt cx="0" cy="0"/>
+        </a:xfrm>
+      </p:grpSpPr>
+      <p:sp>
+        <p:nvSpPr>
+          <p:cNvPr id="2" name="Título 1">
+            <a:extLst>
+              <a:ext uri="{FF2B5EF4-FFF2-40B4-BE49-F238E27FC236}">
+                <a16:creationId xmlns:a16="http://schemas.microsoft.com/office/drawing/2014/main" id="{53C9334F-F7EA-4C4D-AD73-14F433AEFC7C}"/>
+              </a:ext>
+            </a:extLst>
+          </p:cNvPr>
+          <p:cNvSpPr>
+            <a:spLocks noGrp="1"/>
+          </p:cNvSpPr>
+          <p:nvPr>
+            <p:ph type="title"/>
+          </p:nvPr>
+        </p:nvSpPr>
+        <p:spPr>
+          <a:xfrm>
+            <a:off x="838200" y="86830"/>
+            <a:ext cx="10515600" cy="1325563"/>
+          </a:xfrm>
+        </p:spPr>
+        <p:txBody>
+          <a:bodyPr/>
+          <a:lstStyle/>
+          <a:p>
+            <a:r>
+              <a:rPr lang="pt-BR" b="1" dirty="0">
+                <a:solidFill>
+                  <a:srgbClr val="002060"/>
+                </a:solidFill>
+                <a:latin typeface="Century Gothic"/>
+              </a:rPr>
+              <a:t>Tela: Validação de cartão</a:t>
+            </a:r>
+            <a:endParaRPr lang="pt-BR" b="1" dirty="0">
+              <a:solidFill>
+                <a:srgbClr val="002060"/>
+              </a:solidFill>
+              <a:latin typeface="Century Gothic" panose="020B0502020202020204" pitchFamily="34" charset="0"/>
+            </a:endParaRPr>
+          </a:p>
+        </p:txBody>
+      </p:sp>
+      <p:pic>
+        <p:nvPicPr>
+          <p:cNvPr id="3" name="Picture 4" descr="A picture containing soccer, person, field, room&#10;&#10;Description automatically generated">
+            <a:extLst>
+              <a:ext uri="{FF2B5EF4-FFF2-40B4-BE49-F238E27FC236}">
+                <a16:creationId xmlns:a16="http://schemas.microsoft.com/office/drawing/2014/main" id="{4BD75C6F-D32A-47ED-8C5D-F4D3A0F6F4E4}"/>
+              </a:ext>
+            </a:extLst>
+          </p:cNvPr>
+          <p:cNvPicPr>
+            <a:picLocks noChangeAspect="1"/>
+          </p:cNvPicPr>
+          <p:nvPr/>
+        </p:nvPicPr>
+        <p:blipFill rotWithShape="1">
+          <a:blip r:embed="rId2"/>
+          <a:srcRect b="11667"/>
+          <a:stretch/>
+        </p:blipFill>
+        <p:spPr>
+          <a:xfrm>
+            <a:off x="10312400" y="5249721"/>
+            <a:ext cx="1356360" cy="1006416"/>
+          </a:xfrm>
+          <a:prstGeom prst="rect">
+            <a:avLst/>
+          </a:prstGeom>
+        </p:spPr>
+      </p:pic>
+      <p:sp>
+        <p:nvSpPr>
+          <p:cNvPr id="5" name="Espaço Reservado para Rodapé 4">
+            <a:extLst>
+              <a:ext uri="{FF2B5EF4-FFF2-40B4-BE49-F238E27FC236}">
+                <a16:creationId xmlns:a16="http://schemas.microsoft.com/office/drawing/2014/main" id="{75938DF3-E53E-449A-A3ED-A0E032B49E3B}"/>
+              </a:ext>
+            </a:extLst>
+          </p:cNvPr>
+          <p:cNvSpPr>
+            <a:spLocks noGrp="1"/>
+          </p:cNvSpPr>
+          <p:nvPr>
+            <p:ph type="ftr" sz="quarter" idx="11"/>
+          </p:nvPr>
+        </p:nvSpPr>
+        <p:spPr/>
+        <p:txBody>
+          <a:bodyPr/>
+          <a:lstStyle/>
+          <a:p>
+            <a:r>
+              <a:rPr lang="pt-BR"/>
+              <a:t>FATEC MOGI DAS CRUZES</a:t>
+            </a:r>
+          </a:p>
+        </p:txBody>
+      </p:sp>
+      <p:sp>
+        <p:nvSpPr>
+          <p:cNvPr id="6" name="Espaço Reservado para Número de Slide 5">
+            <a:extLst>
+              <a:ext uri="{FF2B5EF4-FFF2-40B4-BE49-F238E27FC236}">
+                <a16:creationId xmlns:a16="http://schemas.microsoft.com/office/drawing/2014/main" id="{34A58F1A-F1BA-4B3F-80F5-FA21E0B933DA}"/>
+              </a:ext>
+            </a:extLst>
+          </p:cNvPr>
+          <p:cNvSpPr>
+            <a:spLocks noGrp="1"/>
+          </p:cNvSpPr>
+          <p:nvPr>
+            <p:ph type="sldNum" sz="quarter" idx="12"/>
+          </p:nvPr>
+        </p:nvSpPr>
+        <p:spPr/>
+        <p:txBody>
+          <a:bodyPr/>
+          <a:lstStyle/>
+          <a:p>
+            <a:fld id="{BD2B5394-143A-4208-A3B1-25D9600048D5}" type="slidenum">
+              <a:rPr lang="pt-BR" smtClean="0"/>
+              <a:t>35</a:t>
+            </a:fld>
+            <a:endParaRPr lang="pt-BR"/>
+          </a:p>
+        </p:txBody>
+      </p:sp>
+      <p:pic>
+        <p:nvPicPr>
+          <p:cNvPr id="9" name="Imagem 8" descr="Uma imagem contendo texto, homem, screenshot, em pé&#10;&#10;Descrição gerada automaticamente">
+            <a:extLst>
+              <a:ext uri="{FF2B5EF4-FFF2-40B4-BE49-F238E27FC236}">
+                <a16:creationId xmlns:a16="http://schemas.microsoft.com/office/drawing/2014/main" id="{6A47D407-B4EA-4A7D-A5ED-824DDCC0A746}"/>
+              </a:ext>
+            </a:extLst>
+          </p:cNvPr>
+          <p:cNvPicPr>
+            <a:picLocks noChangeAspect="1"/>
+          </p:cNvPicPr>
+          <p:nvPr/>
+        </p:nvPicPr>
+        <p:blipFill>
+          <a:blip r:embed="rId3">
+            <a:extLst>
+              <a:ext uri="{28A0092B-C50C-407E-A947-70E740481C1C}">
+                <a14:useLocalDpi xmlns:a14="http://schemas.microsoft.com/office/drawing/2010/main" val="0"/>
+              </a:ext>
+            </a:extLst>
+          </a:blip>
+          <a:stretch>
+            <a:fillRect/>
+          </a:stretch>
+        </p:blipFill>
+        <p:spPr>
+          <a:xfrm>
+            <a:off x="9566451" y="-891"/>
+            <a:ext cx="2567589" cy="1609170"/>
+          </a:xfrm>
+          <a:prstGeom prst="rect">
+            <a:avLst/>
+          </a:prstGeom>
+        </p:spPr>
+      </p:pic>
+      <p:pic>
+        <p:nvPicPr>
+          <p:cNvPr id="7" name="Imagem 6">
+            <a:extLst>
+              <a:ext uri="{FF2B5EF4-FFF2-40B4-BE49-F238E27FC236}">
+                <a16:creationId xmlns:a16="http://schemas.microsoft.com/office/drawing/2014/main" id="{4E8F9BE3-BB8D-4A51-BCBE-89DDDC21D273}"/>
+              </a:ext>
+            </a:extLst>
+          </p:cNvPr>
+          <p:cNvPicPr>
+            <a:picLocks noChangeAspect="1"/>
+          </p:cNvPicPr>
+          <p:nvPr/>
+        </p:nvPicPr>
+        <p:blipFill>
+          <a:blip r:embed="rId4"/>
+          <a:stretch>
+            <a:fillRect/>
+          </a:stretch>
+        </p:blipFill>
+        <p:spPr>
+          <a:xfrm>
+            <a:off x="0" y="1313926"/>
+            <a:ext cx="12192000" cy="5812764"/>
+          </a:xfrm>
+          <a:prstGeom prst="rect">
+            <a:avLst/>
+          </a:prstGeom>
+        </p:spPr>
+      </p:pic>
+    </p:spTree>
+    <p:extLst>
+      <p:ext uri="{BB962C8B-B14F-4D97-AF65-F5344CB8AC3E}">
+        <p14:creationId xmlns:p14="http://schemas.microsoft.com/office/powerpoint/2010/main" val="1421388123"/>
+      </p:ext>
+    </p:extLst>
+  </p:cSld>
+  <p:clrMapOvr>
+    <a:masterClrMapping/>
+  </p:clrMapOvr>
+  <p:transition spd="slow">
+    <p:wipe/>
+  </p:transition>
+</p:sld>
+</file>
+
+<file path=ppt/slides/slide36.xml><?xml version="1.0" encoding="utf-8"?>
+<p:sld xmlns:a="http://schemas.openxmlformats.org/drawingml/2006/main" xmlns:r="http://schemas.openxmlformats.org/officeDocument/2006/relationships" xmlns:p="http://schemas.openxmlformats.org/presentationml/2006/main">
+  <p:cSld>
+    <p:spTree>
+      <p:nvGrpSpPr>
+        <p:cNvPr id="1" name=""/>
+        <p:cNvGrpSpPr/>
+        <p:nvPr/>
+      </p:nvGrpSpPr>
+      <p:grpSpPr>
+        <a:xfrm>
+          <a:off x="0" y="0"/>
+          <a:ext cx="0" cy="0"/>
+          <a:chOff x="0" y="0"/>
+          <a:chExt cx="0" cy="0"/>
+        </a:xfrm>
+      </p:grpSpPr>
+      <p:sp>
+        <p:nvSpPr>
+          <p:cNvPr id="2" name="Título 1">
+            <a:extLst>
+              <a:ext uri="{FF2B5EF4-FFF2-40B4-BE49-F238E27FC236}">
+                <a16:creationId xmlns:a16="http://schemas.microsoft.com/office/drawing/2014/main" id="{53C9334F-F7EA-4C4D-AD73-14F433AEFC7C}"/>
+              </a:ext>
+            </a:extLst>
+          </p:cNvPr>
+          <p:cNvSpPr>
+            <a:spLocks noGrp="1"/>
+          </p:cNvSpPr>
+          <p:nvPr>
+            <p:ph type="title"/>
+          </p:nvPr>
+        </p:nvSpPr>
+        <p:spPr>
+          <a:xfrm>
+            <a:off x="838200" y="86830"/>
+            <a:ext cx="10515600" cy="1325563"/>
+          </a:xfrm>
+        </p:spPr>
+        <p:txBody>
+          <a:bodyPr/>
+          <a:lstStyle/>
+          <a:p>
+            <a:r>
+              <a:rPr lang="pt-BR" b="1" dirty="0">
+                <a:solidFill>
+                  <a:srgbClr val="002060"/>
+                </a:solidFill>
+                <a:latin typeface="Century Gothic"/>
+              </a:rPr>
+              <a:t>Tela: Consulta de cartões</a:t>
+            </a:r>
+            <a:endParaRPr lang="pt-BR" b="1" dirty="0">
+              <a:solidFill>
+                <a:srgbClr val="002060"/>
+              </a:solidFill>
+              <a:latin typeface="Century Gothic" panose="020B0502020202020204" pitchFamily="34" charset="0"/>
+            </a:endParaRPr>
+          </a:p>
+        </p:txBody>
+      </p:sp>
+      <p:pic>
+        <p:nvPicPr>
+          <p:cNvPr id="3" name="Picture 4" descr="A picture containing soccer, person, field, room&#10;&#10;Description automatically generated">
+            <a:extLst>
+              <a:ext uri="{FF2B5EF4-FFF2-40B4-BE49-F238E27FC236}">
+                <a16:creationId xmlns:a16="http://schemas.microsoft.com/office/drawing/2014/main" id="{4BD75C6F-D32A-47ED-8C5D-F4D3A0F6F4E4}"/>
+              </a:ext>
+            </a:extLst>
+          </p:cNvPr>
+          <p:cNvPicPr>
+            <a:picLocks noChangeAspect="1"/>
+          </p:cNvPicPr>
+          <p:nvPr/>
+        </p:nvPicPr>
+        <p:blipFill rotWithShape="1">
+          <a:blip r:embed="rId2"/>
+          <a:srcRect b="11667"/>
+          <a:stretch/>
+        </p:blipFill>
+        <p:spPr>
+          <a:xfrm>
+            <a:off x="10312400" y="5249721"/>
+            <a:ext cx="1356360" cy="1006416"/>
+          </a:xfrm>
+          <a:prstGeom prst="rect">
+            <a:avLst/>
+          </a:prstGeom>
+        </p:spPr>
+      </p:pic>
+      <p:sp>
+        <p:nvSpPr>
+          <p:cNvPr id="5" name="Espaço Reservado para Rodapé 4">
+            <a:extLst>
+              <a:ext uri="{FF2B5EF4-FFF2-40B4-BE49-F238E27FC236}">
+                <a16:creationId xmlns:a16="http://schemas.microsoft.com/office/drawing/2014/main" id="{75938DF3-E53E-449A-A3ED-A0E032B49E3B}"/>
+              </a:ext>
+            </a:extLst>
+          </p:cNvPr>
+          <p:cNvSpPr>
+            <a:spLocks noGrp="1"/>
+          </p:cNvSpPr>
+          <p:nvPr>
+            <p:ph type="ftr" sz="quarter" idx="11"/>
+          </p:nvPr>
+        </p:nvSpPr>
+        <p:spPr/>
+        <p:txBody>
+          <a:bodyPr/>
+          <a:lstStyle/>
+          <a:p>
+            <a:r>
+              <a:rPr lang="pt-BR"/>
+              <a:t>FATEC MOGI DAS CRUZES</a:t>
+            </a:r>
+          </a:p>
+        </p:txBody>
+      </p:sp>
+      <p:sp>
+        <p:nvSpPr>
+          <p:cNvPr id="6" name="Espaço Reservado para Número de Slide 5">
+            <a:extLst>
+              <a:ext uri="{FF2B5EF4-FFF2-40B4-BE49-F238E27FC236}">
+                <a16:creationId xmlns:a16="http://schemas.microsoft.com/office/drawing/2014/main" id="{34A58F1A-F1BA-4B3F-80F5-FA21E0B933DA}"/>
+              </a:ext>
+            </a:extLst>
+          </p:cNvPr>
+          <p:cNvSpPr>
+            <a:spLocks noGrp="1"/>
+          </p:cNvSpPr>
+          <p:nvPr>
+            <p:ph type="sldNum" sz="quarter" idx="12"/>
+          </p:nvPr>
+        </p:nvSpPr>
+        <p:spPr/>
+        <p:txBody>
+          <a:bodyPr/>
+          <a:lstStyle/>
+          <a:p>
+            <a:fld id="{BD2B5394-143A-4208-A3B1-25D9600048D5}" type="slidenum">
+              <a:rPr lang="pt-BR" smtClean="0"/>
+              <a:t>36</a:t>
+            </a:fld>
+            <a:endParaRPr lang="pt-BR"/>
+          </a:p>
+        </p:txBody>
+      </p:sp>
+      <p:pic>
+        <p:nvPicPr>
+          <p:cNvPr id="9" name="Imagem 8" descr="Uma imagem contendo texto, homem, screenshot, em pé&#10;&#10;Descrição gerada automaticamente">
+            <a:extLst>
+              <a:ext uri="{FF2B5EF4-FFF2-40B4-BE49-F238E27FC236}">
+                <a16:creationId xmlns:a16="http://schemas.microsoft.com/office/drawing/2014/main" id="{6A47D407-B4EA-4A7D-A5ED-824DDCC0A746}"/>
+              </a:ext>
+            </a:extLst>
+          </p:cNvPr>
+          <p:cNvPicPr>
+            <a:picLocks noChangeAspect="1"/>
+          </p:cNvPicPr>
+          <p:nvPr/>
+        </p:nvPicPr>
+        <p:blipFill>
+          <a:blip r:embed="rId3">
+            <a:extLst>
+              <a:ext uri="{28A0092B-C50C-407E-A947-70E740481C1C}">
+                <a14:useLocalDpi xmlns:a14="http://schemas.microsoft.com/office/drawing/2010/main" val="0"/>
+              </a:ext>
+            </a:extLst>
+          </a:blip>
+          <a:stretch>
+            <a:fillRect/>
+          </a:stretch>
+        </p:blipFill>
+        <p:spPr>
+          <a:xfrm>
+            <a:off x="9566451" y="-891"/>
+            <a:ext cx="2567589" cy="1609170"/>
+          </a:xfrm>
+          <a:prstGeom prst="rect">
+            <a:avLst/>
+          </a:prstGeom>
+        </p:spPr>
+      </p:pic>
+      <p:pic>
+        <p:nvPicPr>
+          <p:cNvPr id="7" name="Imagem 6">
+            <a:extLst>
+              <a:ext uri="{FF2B5EF4-FFF2-40B4-BE49-F238E27FC236}">
+                <a16:creationId xmlns:a16="http://schemas.microsoft.com/office/drawing/2014/main" id="{C5B7753A-10D5-41F6-8D2D-F0A47A8F5015}"/>
+              </a:ext>
+            </a:extLst>
+          </p:cNvPr>
+          <p:cNvPicPr>
+            <a:picLocks noChangeAspect="1"/>
+          </p:cNvPicPr>
+          <p:nvPr/>
+        </p:nvPicPr>
+        <p:blipFill>
+          <a:blip r:embed="rId4"/>
+          <a:stretch>
+            <a:fillRect/>
+          </a:stretch>
+        </p:blipFill>
+        <p:spPr>
+          <a:xfrm>
+            <a:off x="0" y="1512606"/>
+            <a:ext cx="12192000" cy="4457700"/>
+          </a:xfrm>
+          <a:prstGeom prst="rect">
+            <a:avLst/>
+          </a:prstGeom>
+        </p:spPr>
+      </p:pic>
+    </p:spTree>
+    <p:extLst>
+      <p:ext uri="{BB962C8B-B14F-4D97-AF65-F5344CB8AC3E}">
+        <p14:creationId xmlns:p14="http://schemas.microsoft.com/office/powerpoint/2010/main" val="135333668"/>
+      </p:ext>
+    </p:extLst>
+  </p:cSld>
+  <p:clrMapOvr>
+    <a:masterClrMapping/>
+  </p:clrMapOvr>
+  <p:transition spd="slow">
+    <p:wipe/>
+  </p:transition>
+</p:sld>
+</file>
+
+<file path=ppt/slides/slide37.xml><?xml version="1.0" encoding="utf-8"?>
+<p:sld xmlns:a="http://schemas.openxmlformats.org/drawingml/2006/main" xmlns:r="http://schemas.openxmlformats.org/officeDocument/2006/relationships" xmlns:p="http://schemas.openxmlformats.org/presentationml/2006/main">
+  <p:cSld>
+    <p:spTree>
+      <p:nvGrpSpPr>
+        <p:cNvPr id="1" name=""/>
+        <p:cNvGrpSpPr/>
+        <p:nvPr/>
+      </p:nvGrpSpPr>
+      <p:grpSpPr>
+        <a:xfrm>
+          <a:off x="0" y="0"/>
+          <a:ext cx="0" cy="0"/>
+          <a:chOff x="0" y="0"/>
+          <a:chExt cx="0" cy="0"/>
+        </a:xfrm>
+      </p:grpSpPr>
+      <p:sp>
+        <p:nvSpPr>
+          <p:cNvPr id="2" name="Título 1">
+            <a:extLst>
+              <a:ext uri="{FF2B5EF4-FFF2-40B4-BE49-F238E27FC236}">
+                <a16:creationId xmlns:a16="http://schemas.microsoft.com/office/drawing/2014/main" id="{53C9334F-F7EA-4C4D-AD73-14F433AEFC7C}"/>
+              </a:ext>
+            </a:extLst>
+          </p:cNvPr>
+          <p:cNvSpPr>
+            <a:spLocks noGrp="1"/>
+          </p:cNvSpPr>
+          <p:nvPr>
+            <p:ph type="title"/>
+          </p:nvPr>
+        </p:nvSpPr>
+        <p:spPr>
+          <a:xfrm>
+            <a:off x="838200" y="86830"/>
+            <a:ext cx="10515600" cy="1325563"/>
+          </a:xfrm>
+        </p:spPr>
+        <p:txBody>
+          <a:bodyPr/>
+          <a:lstStyle/>
+          <a:p>
+            <a:r>
+              <a:rPr lang="pt-BR" b="1">
+                <a:solidFill>
+                  <a:srgbClr val="002060"/>
+                </a:solidFill>
+                <a:latin typeface="Century Gothic"/>
+              </a:rPr>
+              <a:t>Preço e forma de pagamento</a:t>
+            </a:r>
+            <a:endParaRPr lang="pt-BR" b="1">
+              <a:solidFill>
+                <a:srgbClr val="002060"/>
+              </a:solidFill>
+              <a:latin typeface="Century Gothic" panose="020B0502020202020204" pitchFamily="34" charset="0"/>
+            </a:endParaRPr>
+          </a:p>
+        </p:txBody>
+      </p:sp>
+      <p:sp>
+        <p:nvSpPr>
+          <p:cNvPr id="7" name="Content Placeholder 6">
+            <a:extLst>
+              <a:ext uri="{FF2B5EF4-FFF2-40B4-BE49-F238E27FC236}">
+                <a16:creationId xmlns:a16="http://schemas.microsoft.com/office/drawing/2014/main" id="{CAF04F12-0930-4925-93A7-E1E37CB1168F}"/>
+              </a:ext>
+            </a:extLst>
+          </p:cNvPr>
+          <p:cNvSpPr>
+            <a:spLocks noGrp="1"/>
+          </p:cNvSpPr>
+          <p:nvPr/>
+        </p:nvSpPr>
+        <p:spPr>
+          <a:xfrm>
+            <a:off x="523240" y="1496027"/>
+            <a:ext cx="10830560" cy="3753694"/>
+          </a:xfrm>
+          <a:prstGeom prst="rect">
+            <a:avLst/>
+          </a:prstGeom>
+        </p:spPr>
+        <p:txBody>
+          <a:bodyPr vert="horz" lIns="396000" tIns="45720" rIns="91440" bIns="45720" rtlCol="0" anchor="t">
+            <a:noAutofit/>
+          </a:bodyPr>
+          <a:lstStyle>
+            <a:lvl1pPr marL="0" indent="0" algn="l" defTabSz="914400" rtl="0" eaLnBrk="1" latinLnBrk="0" hangingPunct="1">
+              <a:lnSpc>
+                <a:spcPct val="90000"/>
+              </a:lnSpc>
+              <a:spcBef>
+                <a:spcPts val="1000"/>
+              </a:spcBef>
+              <a:buFont typeface="Arial" panose="020B0604020202020204" pitchFamily="34" charset="0"/>
+              <a:buNone/>
+              <a:defRPr sz="1400" kern="1200">
+                <a:solidFill>
+                  <a:schemeClr val="tx1">
+                    <a:lumMod val="75000"/>
+                    <a:lumOff val="25000"/>
+                  </a:schemeClr>
+                </a:solidFill>
+                <a:latin typeface="Arial" pitchFamily="34" charset="0"/>
+                <a:ea typeface="+mn-ea"/>
+                <a:cs typeface="Arial" pitchFamily="34" charset="0"/>
+              </a:defRPr>
+            </a:lvl1pPr>
+            <a:lvl2pPr marL="685800" indent="-228600" algn="l" defTabSz="914400" rtl="0" eaLnBrk="1" latinLnBrk="0" hangingPunct="1">
+              <a:lnSpc>
+                <a:spcPct val="90000"/>
+              </a:lnSpc>
+              <a:spcBef>
+                <a:spcPts val="500"/>
+              </a:spcBef>
+              <a:buFont typeface="Arial" panose="020B0604020202020204" pitchFamily="34" charset="0"/>
+              <a:buChar char="•"/>
+              <a:defRPr sz="2400" kern="1200">
+                <a:solidFill>
+                  <a:schemeClr val="tx1"/>
+                </a:solidFill>
+                <a:latin typeface="+mn-lt"/>
+                <a:ea typeface="+mn-ea"/>
+                <a:cs typeface="+mn-cs"/>
+              </a:defRPr>
+            </a:lvl2pPr>
+            <a:lvl3pPr marL="1143000" indent="-228600" algn="l" defTabSz="914400" rtl="0" eaLnBrk="1" latinLnBrk="0" hangingPunct="1">
+              <a:lnSpc>
+                <a:spcPct val="90000"/>
+              </a:lnSpc>
+              <a:spcBef>
+                <a:spcPts val="500"/>
+              </a:spcBef>
+              <a:buFont typeface="Arial" panose="020B0604020202020204" pitchFamily="34" charset="0"/>
+              <a:buChar char="•"/>
+              <a:defRPr sz="2000" kern="1200">
+                <a:solidFill>
+                  <a:schemeClr val="tx1"/>
+                </a:solidFill>
+                <a:latin typeface="+mn-lt"/>
+                <a:ea typeface="+mn-ea"/>
+                <a:cs typeface="+mn-cs"/>
+              </a:defRPr>
+            </a:lvl3pPr>
+            <a:lvl4pPr marL="1600200" indent="-228600" algn="l" defTabSz="914400" rtl="0" eaLnBrk="1" latinLnBrk="0" hangingPunct="1">
+              <a:lnSpc>
+                <a:spcPct val="90000"/>
+              </a:lnSpc>
+              <a:spcBef>
+                <a:spcPts val="500"/>
+              </a:spcBef>
+              <a:buFont typeface="Arial" panose="020B0604020202020204" pitchFamily="34" charset="0"/>
+              <a:buChar char="•"/>
+              <a:defRPr sz="1800" kern="1200">
+                <a:solidFill>
+                  <a:schemeClr val="tx1"/>
+                </a:solidFill>
+                <a:latin typeface="+mn-lt"/>
+                <a:ea typeface="+mn-ea"/>
+                <a:cs typeface="+mn-cs"/>
+              </a:defRPr>
+            </a:lvl4pPr>
+            <a:lvl5pPr marL="2057400" indent="-228600" algn="l" defTabSz="914400" rtl="0" eaLnBrk="1" latinLnBrk="0" hangingPunct="1">
+              <a:lnSpc>
+                <a:spcPct val="90000"/>
+              </a:lnSpc>
+              <a:spcBef>
+                <a:spcPts val="500"/>
+              </a:spcBef>
+              <a:buFont typeface="Arial" panose="020B0604020202020204" pitchFamily="34" charset="0"/>
+              <a:buChar char="•"/>
+              <a:defRPr sz="1800" kern="1200">
+                <a:solidFill>
+                  <a:schemeClr val="tx1"/>
+                </a:solidFill>
+                <a:latin typeface="+mn-lt"/>
+                <a:ea typeface="+mn-ea"/>
+                <a:cs typeface="+mn-cs"/>
+              </a:defRPr>
+            </a:lvl5pPr>
+            <a:lvl6pPr marL="2514600" indent="-228600" algn="l" defTabSz="914400" rtl="0" eaLnBrk="1" latinLnBrk="0" hangingPunct="1">
+              <a:lnSpc>
+                <a:spcPct val="90000"/>
+              </a:lnSpc>
+              <a:spcBef>
+                <a:spcPts val="500"/>
+              </a:spcBef>
+              <a:buFont typeface="Arial" panose="020B0604020202020204" pitchFamily="34" charset="0"/>
+              <a:buChar char="•"/>
+              <a:defRPr sz="1800" kern="1200">
+                <a:solidFill>
+                  <a:schemeClr val="tx1"/>
+                </a:solidFill>
+                <a:latin typeface="+mn-lt"/>
+                <a:ea typeface="+mn-ea"/>
+                <a:cs typeface="+mn-cs"/>
+              </a:defRPr>
+            </a:lvl6pPr>
+            <a:lvl7pPr marL="2971800" indent="-228600" algn="l" defTabSz="914400" rtl="0" eaLnBrk="1" latinLnBrk="0" hangingPunct="1">
+              <a:lnSpc>
+                <a:spcPct val="90000"/>
+              </a:lnSpc>
+              <a:spcBef>
+                <a:spcPts val="500"/>
+              </a:spcBef>
+              <a:buFont typeface="Arial" panose="020B0604020202020204" pitchFamily="34" charset="0"/>
+              <a:buChar char="•"/>
+              <a:defRPr sz="1800" kern="1200">
+                <a:solidFill>
+                  <a:schemeClr val="tx1"/>
+                </a:solidFill>
+                <a:latin typeface="+mn-lt"/>
+                <a:ea typeface="+mn-ea"/>
+                <a:cs typeface="+mn-cs"/>
+              </a:defRPr>
+            </a:lvl7pPr>
+            <a:lvl8pPr marL="3429000" indent="-228600" algn="l" defTabSz="914400" rtl="0" eaLnBrk="1" latinLnBrk="0" hangingPunct="1">
+              <a:lnSpc>
+                <a:spcPct val="90000"/>
+              </a:lnSpc>
+              <a:spcBef>
+                <a:spcPts val="500"/>
+              </a:spcBef>
+              <a:buFont typeface="Arial" panose="020B0604020202020204" pitchFamily="34" charset="0"/>
+              <a:buChar char="•"/>
+              <a:defRPr sz="1800" kern="1200">
+                <a:solidFill>
+                  <a:schemeClr val="tx1"/>
+                </a:solidFill>
+                <a:latin typeface="+mn-lt"/>
+                <a:ea typeface="+mn-ea"/>
+                <a:cs typeface="+mn-cs"/>
+              </a:defRPr>
+            </a:lvl8pPr>
+            <a:lvl9pPr marL="3886200" indent="-228600" algn="l" defTabSz="914400" rtl="0" eaLnBrk="1" latinLnBrk="0" hangingPunct="1">
+              <a:lnSpc>
+                <a:spcPct val="90000"/>
+              </a:lnSpc>
+              <a:spcBef>
+                <a:spcPts val="500"/>
+              </a:spcBef>
+              <a:buFont typeface="Arial" panose="020B0604020202020204" pitchFamily="34" charset="0"/>
+              <a:buChar char="•"/>
+              <a:defRPr sz="1800" kern="1200">
+                <a:solidFill>
+                  <a:schemeClr val="tx1"/>
+                </a:solidFill>
+                <a:latin typeface="+mn-lt"/>
+                <a:ea typeface="+mn-ea"/>
+                <a:cs typeface="+mn-cs"/>
+              </a:defRPr>
+            </a:lvl9pPr>
+          </a:lstStyle>
+          <a:p>
+            <a:pPr algn="just"/>
+            <a:r>
+              <a:rPr lang="pt-BR" altLang="ko-KR" sz="2000">
+                <a:solidFill>
+                  <a:schemeClr val="tx1"/>
+                </a:solidFill>
+                <a:latin typeface="Century Gothic"/>
+                <a:ea typeface="맑은 고딕" panose="020B0503020000020004" pitchFamily="34" charset="-127"/>
+              </a:rPr>
+              <a:t>Os valores informados nesta proposta já incluem os impostos incidentes sobre serviços (ISS, PIS, COFINS, CSSL e IRPJ). Valor total: </a:t>
+            </a:r>
+          </a:p>
+          <a:p>
+            <a:pPr algn="just"/>
+            <a:endParaRPr lang="pt-BR" altLang="ko-KR" sz="2000">
+              <a:solidFill>
+                <a:schemeClr val="tx1"/>
+              </a:solidFill>
+              <a:latin typeface="Century Gothic"/>
+              <a:ea typeface="맑은 고딕" panose="020B0503020000020004" pitchFamily="34" charset="-127"/>
+            </a:endParaRPr>
+          </a:p>
+          <a:p>
+            <a:pPr algn="just"/>
+            <a:endParaRPr lang="pt-BR" altLang="ko-KR" sz="2000">
+              <a:solidFill>
+                <a:schemeClr val="tx1"/>
+              </a:solidFill>
+              <a:latin typeface="Century Gothic"/>
+              <a:ea typeface="맑은 고딕" panose="020B0503020000020004" pitchFamily="34" charset="-127"/>
+            </a:endParaRPr>
+          </a:p>
+          <a:p>
+            <a:pPr algn="just"/>
+            <a:endParaRPr lang="pt-BR" altLang="ko-KR" sz="2000">
+              <a:solidFill>
+                <a:schemeClr val="tx1"/>
+              </a:solidFill>
+              <a:latin typeface="Century Gothic"/>
+              <a:ea typeface="맑은 고딕" panose="020B0503020000020004" pitchFamily="34" charset="-127"/>
+            </a:endParaRPr>
+          </a:p>
+          <a:p>
+            <a:pPr algn="just"/>
+            <a:r>
+              <a:rPr lang="pt-BR" altLang="ko-KR" sz="2000">
+                <a:solidFill>
+                  <a:schemeClr val="tx1"/>
+                </a:solidFill>
+                <a:latin typeface="Century Gothic"/>
+                <a:ea typeface="맑은 고딕" panose="020B0503020000020004" pitchFamily="34" charset="-127"/>
+              </a:rPr>
+              <a:t>O pagamento será dividido em quatro parcelas iguais. Sendo que a última parcela estará vinculada ao aceite da entrega final do projeto:</a:t>
+            </a:r>
+          </a:p>
+          <a:p>
+            <a:pPr algn="just"/>
+            <a:endParaRPr lang="pt-BR" altLang="ko-KR" sz="2000">
+              <a:solidFill>
+                <a:schemeClr val="tx1"/>
+              </a:solidFill>
+              <a:latin typeface="Century Gothic"/>
+              <a:ea typeface="맑은 고딕" panose="020B0503020000020004" pitchFamily="34" charset="-127"/>
+            </a:endParaRPr>
+          </a:p>
+        </p:txBody>
+      </p:sp>
+      <p:pic>
+        <p:nvPicPr>
+          <p:cNvPr id="3" name="Picture 4" descr="A picture containing soccer, person, field, room&#10;&#10;Description automatically generated">
+            <a:extLst>
+              <a:ext uri="{FF2B5EF4-FFF2-40B4-BE49-F238E27FC236}">
+                <a16:creationId xmlns:a16="http://schemas.microsoft.com/office/drawing/2014/main" id="{4BD75C6F-D32A-47ED-8C5D-F4D3A0F6F4E4}"/>
+              </a:ext>
+            </a:extLst>
+          </p:cNvPr>
+          <p:cNvPicPr>
+            <a:picLocks noChangeAspect="1"/>
+          </p:cNvPicPr>
+          <p:nvPr/>
+        </p:nvPicPr>
+        <p:blipFill rotWithShape="1">
+          <a:blip r:embed="rId2"/>
+          <a:srcRect b="11667"/>
+          <a:stretch/>
+        </p:blipFill>
+        <p:spPr>
+          <a:xfrm>
+            <a:off x="10312400" y="5249721"/>
+            <a:ext cx="1356360" cy="1006416"/>
+          </a:xfrm>
+          <a:prstGeom prst="rect">
+            <a:avLst/>
+          </a:prstGeom>
+        </p:spPr>
+      </p:pic>
+      <p:sp>
+        <p:nvSpPr>
+          <p:cNvPr id="5" name="Espaço Reservado para Rodapé 4">
+            <a:extLst>
+              <a:ext uri="{FF2B5EF4-FFF2-40B4-BE49-F238E27FC236}">
+                <a16:creationId xmlns:a16="http://schemas.microsoft.com/office/drawing/2014/main" id="{75938DF3-E53E-449A-A3ED-A0E032B49E3B}"/>
+              </a:ext>
+            </a:extLst>
+          </p:cNvPr>
+          <p:cNvSpPr>
+            <a:spLocks noGrp="1"/>
+          </p:cNvSpPr>
+          <p:nvPr>
+            <p:ph type="ftr" sz="quarter" idx="11"/>
+          </p:nvPr>
+        </p:nvSpPr>
+        <p:spPr/>
+        <p:txBody>
+          <a:bodyPr/>
+          <a:lstStyle/>
+          <a:p>
+            <a:r>
+              <a:rPr lang="pt-BR"/>
+              <a:t>FATEC MOGI DAS CRUZES</a:t>
+            </a:r>
+          </a:p>
+        </p:txBody>
+      </p:sp>
+      <p:sp>
+        <p:nvSpPr>
+          <p:cNvPr id="6" name="Espaço Reservado para Número de Slide 5">
+            <a:extLst>
+              <a:ext uri="{FF2B5EF4-FFF2-40B4-BE49-F238E27FC236}">
+                <a16:creationId xmlns:a16="http://schemas.microsoft.com/office/drawing/2014/main" id="{34A58F1A-F1BA-4B3F-80F5-FA21E0B933DA}"/>
+              </a:ext>
+            </a:extLst>
+          </p:cNvPr>
+          <p:cNvSpPr>
+            <a:spLocks noGrp="1"/>
+          </p:cNvSpPr>
+          <p:nvPr>
+            <p:ph type="sldNum" sz="quarter" idx="12"/>
+          </p:nvPr>
+        </p:nvSpPr>
+        <p:spPr/>
+        <p:txBody>
+          <a:bodyPr/>
+          <a:lstStyle/>
+          <a:p>
+            <a:fld id="{BD2B5394-143A-4208-A3B1-25D9600048D5}" type="slidenum">
+              <a:rPr lang="pt-BR" smtClean="0"/>
+              <a:t>37</a:t>
+            </a:fld>
+            <a:endParaRPr lang="pt-BR"/>
+          </a:p>
+        </p:txBody>
+      </p:sp>
+      <p:graphicFrame>
+        <p:nvGraphicFramePr>
+          <p:cNvPr id="4" name="Tabela 4">
+            <a:extLst>
+              <a:ext uri="{FF2B5EF4-FFF2-40B4-BE49-F238E27FC236}">
+                <a16:creationId xmlns:a16="http://schemas.microsoft.com/office/drawing/2014/main" id="{799B4115-AB34-4B72-88FD-93B763BDA13D}"/>
+              </a:ext>
+            </a:extLst>
+          </p:cNvPr>
+          <p:cNvGraphicFramePr>
+            <a:graphicFrameLocks noGrp="1"/>
+          </p:cNvGraphicFramePr>
+          <p:nvPr>
+            <p:extLst>
+              <p:ext uri="{D42A27DB-BD31-4B8C-83A1-F6EECF244321}">
+                <p14:modId xmlns:p14="http://schemas.microsoft.com/office/powerpoint/2010/main" val="2308319116"/>
+              </p:ext>
+            </p:extLst>
+          </p:nvPr>
+        </p:nvGraphicFramePr>
+        <p:xfrm>
+          <a:off x="838201" y="2325952"/>
+          <a:ext cx="10515599" cy="883708"/>
+        </p:xfrm>
+        <a:graphic>
+          <a:graphicData uri="http://schemas.openxmlformats.org/drawingml/2006/table">
+            <a:tbl>
+              <a:tblPr firstRow="1" bandRow="1">
+                <a:tableStyleId>{5C22544A-7EE6-4342-B048-85BDC9FD1C3A}</a:tableStyleId>
+              </a:tblPr>
+              <a:tblGrid>
+                <a:gridCol w="7443393">
+                  <a:extLst>
+                    <a:ext uri="{9D8B030D-6E8A-4147-A177-3AD203B41FA5}">
+                      <a16:colId xmlns:a16="http://schemas.microsoft.com/office/drawing/2014/main" val="668136959"/>
+                    </a:ext>
+                  </a:extLst>
+                </a:gridCol>
+                <a:gridCol w="3072206">
+                  <a:extLst>
+                    <a:ext uri="{9D8B030D-6E8A-4147-A177-3AD203B41FA5}">
+                      <a16:colId xmlns:a16="http://schemas.microsoft.com/office/drawing/2014/main" val="1552878829"/>
+                    </a:ext>
+                  </a:extLst>
+                </a:gridCol>
+              </a:tblGrid>
+              <a:tr h="441854">
+                <a:tc>
+                  <a:txBody>
+                    <a:bodyPr/>
+                    <a:lstStyle/>
+                    <a:p>
+                      <a:pPr algn="ctr"/>
+                      <a:r>
+                        <a:rPr lang="pt-BR" sz="1200" b="1">
+                          <a:solidFill>
+                            <a:schemeClr val="bg2"/>
+                          </a:solidFill>
+                          <a:latin typeface="Century Gothic" panose="020B0502020202020204" pitchFamily="34" charset="0"/>
+                        </a:rPr>
+                        <a:t>Descrição</a:t>
+                      </a:r>
+                    </a:p>
+                  </a:txBody>
+                  <a:tcPr anchor="ctr">
+                    <a:lnL w="12700" cap="flat" cmpd="sng" algn="ctr">
+                      <a:solidFill>
+                        <a:schemeClr val="tx1"/>
+                      </a:solidFill>
+                      <a:prstDash val="solid"/>
+                      <a:round/>
+                      <a:headEnd type="none" w="med" len="med"/>
+                      <a:tailEnd type="none" w="med" len="med"/>
+                    </a:lnL>
+                    <a:lnR w="12700" cap="flat" cmpd="sng" algn="ctr">
+                      <a:solidFill>
+                        <a:schemeClr val="tx1"/>
+                      </a:solidFill>
+                      <a:prstDash val="solid"/>
+                      <a:round/>
+                      <a:headEnd type="none" w="med" len="med"/>
+                      <a:tailEnd type="none" w="med" len="med"/>
+                    </a:lnR>
+                    <a:lnT w="12700" cap="flat" cmpd="sng" algn="ctr">
+                      <a:solidFill>
+                        <a:schemeClr val="tx1"/>
+                      </a:solidFill>
+                      <a:prstDash val="solid"/>
+                      <a:round/>
+                      <a:headEnd type="none" w="med" len="med"/>
+                      <a:tailEnd type="none" w="med" len="med"/>
+                    </a:lnT>
+                    <a:lnB w="12700" cap="flat" cmpd="sng" algn="ctr">
+                      <a:solidFill>
+                        <a:schemeClr val="tx1"/>
+                      </a:solidFill>
+                      <a:prstDash val="solid"/>
+                      <a:round/>
+                      <a:headEnd type="none" w="med" len="med"/>
+                      <a:tailEnd type="none" w="med" len="med"/>
+                    </a:lnB>
+                    <a:solidFill>
+                      <a:srgbClr val="002060"/>
+                    </a:solidFill>
+                  </a:tcPr>
+                </a:tc>
+                <a:tc>
+                  <a:txBody>
+                    <a:bodyPr/>
+                    <a:lstStyle/>
+                    <a:p>
+                      <a:pPr algn="ctr"/>
+                      <a:r>
+                        <a:rPr lang="pt-BR" sz="1200" b="1">
+                          <a:solidFill>
+                            <a:schemeClr val="bg2"/>
+                          </a:solidFill>
+                          <a:latin typeface="Century Gothic" panose="020B0502020202020204" pitchFamily="34" charset="0"/>
+                        </a:rPr>
+                        <a:t>Valor total</a:t>
+                      </a:r>
+                      <a:endParaRPr lang="pt-BR"/>
+                    </a:p>
+                  </a:txBody>
+                  <a:tcPr anchor="ctr">
+                    <a:lnL w="12700" cap="flat" cmpd="sng" algn="ctr">
+                      <a:solidFill>
+                        <a:schemeClr val="tx1"/>
+                      </a:solidFill>
+                      <a:prstDash val="solid"/>
+                      <a:round/>
+                      <a:headEnd type="none" w="med" len="med"/>
+                      <a:tailEnd type="none" w="med" len="med"/>
+                    </a:lnL>
+                    <a:lnR w="12700" cap="flat" cmpd="sng" algn="ctr">
+                      <a:solidFill>
+                        <a:schemeClr val="tx1"/>
+                      </a:solidFill>
+                      <a:prstDash val="solid"/>
+                      <a:round/>
+                      <a:headEnd type="none" w="med" len="med"/>
+                      <a:tailEnd type="none" w="med" len="med"/>
+                    </a:lnR>
+                    <a:lnT w="12700" cap="flat" cmpd="sng" algn="ctr">
+                      <a:solidFill>
+                        <a:schemeClr val="tx1"/>
+                      </a:solidFill>
+                      <a:prstDash val="solid"/>
+                      <a:round/>
+                      <a:headEnd type="none" w="med" len="med"/>
+                      <a:tailEnd type="none" w="med" len="med"/>
+                    </a:lnT>
+                    <a:lnB w="12700" cap="flat" cmpd="sng" algn="ctr">
+                      <a:solidFill>
+                        <a:schemeClr val="tx1"/>
+                      </a:solidFill>
+                      <a:prstDash val="solid"/>
+                      <a:round/>
+                      <a:headEnd type="none" w="med" len="med"/>
+                      <a:tailEnd type="none" w="med" len="med"/>
+                    </a:lnB>
+                    <a:solidFill>
+                      <a:srgbClr val="002060"/>
+                    </a:solidFill>
+                  </a:tcPr>
+                </a:tc>
+                <a:extLst>
+                  <a:ext uri="{0D108BD9-81ED-4DB2-BD59-A6C34878D82A}">
+                    <a16:rowId xmlns:a16="http://schemas.microsoft.com/office/drawing/2014/main" val="1643989339"/>
+                  </a:ext>
+                </a:extLst>
+              </a:tr>
+              <a:tr h="441854">
+                <a:tc>
+                  <a:txBody>
+                    <a:bodyPr/>
+                    <a:lstStyle/>
+                    <a:p>
+                      <a:pPr algn="ctr" fontAlgn="ctr"/>
+                      <a:r>
+                        <a:rPr lang="pt-BR" sz="1200" b="0" i="0" u="none" strike="noStrike">
+                          <a:solidFill>
+                            <a:schemeClr val="tx1"/>
+                          </a:solidFill>
+                          <a:effectLst/>
+                          <a:latin typeface="Calibri" panose="020F0502020204030204" pitchFamily="34" charset="0"/>
+                        </a:rPr>
+                        <a:t>ECOMMERCE BUIATCHAKA GAMES</a:t>
+                      </a:r>
+                    </a:p>
+                  </a:txBody>
+                  <a:tcPr marL="9525" marR="9525" marT="9525" marB="0" anchor="ctr">
+                    <a:lnL w="12700" cap="flat" cmpd="sng" algn="ctr">
+                      <a:solidFill>
+                        <a:schemeClr val="tx1"/>
+                      </a:solidFill>
+                      <a:prstDash val="solid"/>
+                      <a:round/>
+                      <a:headEnd type="none" w="med" len="med"/>
+                      <a:tailEnd type="none" w="med" len="med"/>
+                    </a:lnL>
+                    <a:lnR w="12700" cap="flat" cmpd="sng" algn="ctr">
+                      <a:solidFill>
+                        <a:schemeClr val="tx1"/>
+                      </a:solidFill>
+                      <a:prstDash val="solid"/>
+                      <a:round/>
+                      <a:headEnd type="none" w="med" len="med"/>
+                      <a:tailEnd type="none" w="med" len="med"/>
+                    </a:lnR>
+                    <a:lnT w="12700" cap="flat" cmpd="sng" algn="ctr">
+                      <a:solidFill>
+                        <a:schemeClr val="tx1"/>
+                      </a:solidFill>
+                      <a:prstDash val="solid"/>
+                      <a:round/>
+                      <a:headEnd type="none" w="med" len="med"/>
+                      <a:tailEnd type="none" w="med" len="med"/>
+                    </a:lnT>
+                    <a:lnB w="12700" cap="flat" cmpd="sng" algn="ctr">
+                      <a:solidFill>
+                        <a:schemeClr val="tx1"/>
+                      </a:solidFill>
+                      <a:prstDash val="solid"/>
+                      <a:round/>
+                      <a:headEnd type="none" w="med" len="med"/>
+                      <a:tailEnd type="none" w="med" len="med"/>
+                    </a:lnB>
+                  </a:tcPr>
+                </a:tc>
+                <a:tc>
+                  <a:txBody>
+                    <a:bodyPr/>
+                    <a:lstStyle/>
+                    <a:p>
+                      <a:pPr algn="ctr" fontAlgn="ctr"/>
+                      <a:r>
+                        <a:rPr lang="pt-BR" sz="1200" b="0" i="0" u="none" strike="noStrike">
+                          <a:solidFill>
+                            <a:schemeClr val="tx1"/>
+                          </a:solidFill>
+                          <a:effectLst/>
+                          <a:latin typeface="Calibri" panose="020F0502020204030204" pitchFamily="34" charset="0"/>
+                        </a:rPr>
+                        <a:t>R$ 70.640,00</a:t>
+                      </a:r>
+                    </a:p>
+                  </a:txBody>
+                  <a:tcPr marL="9525" marR="9525" marT="9525" marB="0" anchor="ctr">
+                    <a:lnL w="12700" cap="flat" cmpd="sng" algn="ctr">
+                      <a:solidFill>
+                        <a:schemeClr val="tx1"/>
+                      </a:solidFill>
+                      <a:prstDash val="solid"/>
+                      <a:round/>
+                      <a:headEnd type="none" w="med" len="med"/>
+                      <a:tailEnd type="none" w="med" len="med"/>
+                    </a:lnL>
+                    <a:lnR w="12700" cap="flat" cmpd="sng" algn="ctr">
+                      <a:solidFill>
+                        <a:schemeClr val="tx1"/>
+                      </a:solidFill>
+                      <a:prstDash val="solid"/>
+                      <a:round/>
+                      <a:headEnd type="none" w="med" len="med"/>
+                      <a:tailEnd type="none" w="med" len="med"/>
+                    </a:lnR>
+                    <a:lnT w="12700" cap="flat" cmpd="sng" algn="ctr">
+                      <a:solidFill>
+                        <a:schemeClr val="tx1"/>
+                      </a:solidFill>
+                      <a:prstDash val="solid"/>
+                      <a:round/>
+                      <a:headEnd type="none" w="med" len="med"/>
+                      <a:tailEnd type="none" w="med" len="med"/>
+                    </a:lnT>
+                    <a:lnB w="12700" cap="flat" cmpd="sng" algn="ctr">
+                      <a:solidFill>
+                        <a:schemeClr val="tx1"/>
+                      </a:solidFill>
+                      <a:prstDash val="solid"/>
+                      <a:round/>
+                      <a:headEnd type="none" w="med" len="med"/>
+                      <a:tailEnd type="none" w="med" len="med"/>
+                    </a:lnB>
+                  </a:tcPr>
+                </a:tc>
+                <a:extLst>
+                  <a:ext uri="{0D108BD9-81ED-4DB2-BD59-A6C34878D82A}">
+                    <a16:rowId xmlns:a16="http://schemas.microsoft.com/office/drawing/2014/main" val="164761615"/>
+                  </a:ext>
+                </a:extLst>
+              </a:tr>
+            </a:tbl>
+          </a:graphicData>
+        </a:graphic>
+      </p:graphicFrame>
+      <p:graphicFrame>
+        <p:nvGraphicFramePr>
+          <p:cNvPr id="11" name="Tabela 4">
+            <a:extLst>
+              <a:ext uri="{FF2B5EF4-FFF2-40B4-BE49-F238E27FC236}">
+                <a16:creationId xmlns:a16="http://schemas.microsoft.com/office/drawing/2014/main" id="{381DA933-18D4-4640-BAB8-09AF14827847}"/>
+              </a:ext>
+            </a:extLst>
+          </p:cNvPr>
+          <p:cNvGraphicFramePr>
+            <a:graphicFrameLocks noGrp="1"/>
+          </p:cNvGraphicFramePr>
+          <p:nvPr>
+            <p:extLst>
+              <p:ext uri="{D42A27DB-BD31-4B8C-83A1-F6EECF244321}">
+                <p14:modId xmlns:p14="http://schemas.microsoft.com/office/powerpoint/2010/main" val="1106011318"/>
+              </p:ext>
+            </p:extLst>
+          </p:nvPr>
+        </p:nvGraphicFramePr>
+        <p:xfrm>
+          <a:off x="838200" y="4084172"/>
+          <a:ext cx="10515595" cy="2224616"/>
+        </p:xfrm>
+        <a:graphic>
+          <a:graphicData uri="http://schemas.openxmlformats.org/drawingml/2006/table">
+            <a:tbl>
+              <a:tblPr firstRow="1" bandRow="1">
+                <a:tableStyleId>{5C22544A-7EE6-4342-B048-85BDC9FD1C3A}</a:tableStyleId>
+              </a:tblPr>
+              <a:tblGrid>
+                <a:gridCol w="3081274">
+                  <a:extLst>
+                    <a:ext uri="{9D8B030D-6E8A-4147-A177-3AD203B41FA5}">
+                      <a16:colId xmlns:a16="http://schemas.microsoft.com/office/drawing/2014/main" val="668136959"/>
+                    </a:ext>
+                  </a:extLst>
+                </a:gridCol>
+                <a:gridCol w="3081274">
+                  <a:extLst>
+                    <a:ext uri="{9D8B030D-6E8A-4147-A177-3AD203B41FA5}">
+                      <a16:colId xmlns:a16="http://schemas.microsoft.com/office/drawing/2014/main" val="1560634046"/>
+                    </a:ext>
+                  </a:extLst>
+                </a:gridCol>
+                <a:gridCol w="3081274">
+                  <a:extLst>
+                    <a:ext uri="{9D8B030D-6E8A-4147-A177-3AD203B41FA5}">
+                      <a16:colId xmlns:a16="http://schemas.microsoft.com/office/drawing/2014/main" val="4116290467"/>
+                    </a:ext>
+                  </a:extLst>
+                </a:gridCol>
+                <a:gridCol w="1271773">
+                  <a:extLst>
+                    <a:ext uri="{9D8B030D-6E8A-4147-A177-3AD203B41FA5}">
+                      <a16:colId xmlns:a16="http://schemas.microsoft.com/office/drawing/2014/main" val="1552878829"/>
+                    </a:ext>
+                  </a:extLst>
+                </a:gridCol>
+              </a:tblGrid>
+              <a:tr h="441854">
+                <a:tc>
+                  <a:txBody>
+                    <a:bodyPr/>
+                    <a:lstStyle/>
+                    <a:p>
+                      <a:pPr algn="ctr"/>
+                      <a:r>
+                        <a:rPr lang="pt-BR" sz="1200" b="1">
+                          <a:solidFill>
+                            <a:schemeClr val="bg2"/>
+                          </a:solidFill>
+                          <a:latin typeface="Century Gothic" panose="020B0502020202020204" pitchFamily="34" charset="0"/>
+                        </a:rPr>
+                        <a:t>Descrição</a:t>
+                      </a:r>
+                    </a:p>
+                  </a:txBody>
+                  <a:tcPr anchor="ctr">
+                    <a:lnL w="12700" cap="flat" cmpd="sng" algn="ctr">
+                      <a:solidFill>
+                        <a:schemeClr val="tx1"/>
+                      </a:solidFill>
+                      <a:prstDash val="solid"/>
+                      <a:round/>
+                      <a:headEnd type="none" w="med" len="med"/>
+                      <a:tailEnd type="none" w="med" len="med"/>
+                    </a:lnL>
+                    <a:lnR w="12700" cap="flat" cmpd="sng" algn="ctr">
+                      <a:solidFill>
+                        <a:schemeClr val="tx1"/>
+                      </a:solidFill>
+                      <a:prstDash val="solid"/>
+                      <a:round/>
+                      <a:headEnd type="none" w="med" len="med"/>
+                      <a:tailEnd type="none" w="med" len="med"/>
+                    </a:lnR>
+                    <a:lnT w="12700" cap="flat" cmpd="sng" algn="ctr">
+                      <a:solidFill>
+                        <a:schemeClr val="tx1"/>
+                      </a:solidFill>
+                      <a:prstDash val="solid"/>
+                      <a:round/>
+                      <a:headEnd type="none" w="med" len="med"/>
+                      <a:tailEnd type="none" w="med" len="med"/>
+                    </a:lnT>
+                    <a:lnB w="12700" cap="flat" cmpd="sng" algn="ctr">
+                      <a:solidFill>
+                        <a:schemeClr val="tx1"/>
+                      </a:solidFill>
+                      <a:prstDash val="solid"/>
+                      <a:round/>
+                      <a:headEnd type="none" w="med" len="med"/>
+                      <a:tailEnd type="none" w="med" len="med"/>
+                    </a:lnB>
+                    <a:solidFill>
+                      <a:srgbClr val="002060"/>
+                    </a:solidFill>
+                  </a:tcPr>
+                </a:tc>
+                <a:tc>
+                  <a:txBody>
+                    <a:bodyPr/>
+                    <a:lstStyle/>
+                    <a:p>
+                      <a:pPr algn="ctr"/>
+                      <a:r>
+                        <a:rPr lang="pt-BR" sz="1200" b="1">
+                          <a:solidFill>
+                            <a:schemeClr val="bg2"/>
+                          </a:solidFill>
+                          <a:latin typeface="Century Gothic" panose="020B0502020202020204" pitchFamily="34" charset="0"/>
+                        </a:rPr>
+                        <a:t>Valor do faturamento</a:t>
+                      </a:r>
+                    </a:p>
+                  </a:txBody>
+                  <a:tcPr anchor="ctr">
+                    <a:lnL w="12700" cap="flat" cmpd="sng" algn="ctr">
+                      <a:solidFill>
+                        <a:schemeClr val="tx1"/>
+                      </a:solidFill>
+                      <a:prstDash val="solid"/>
+                      <a:round/>
+                      <a:headEnd type="none" w="med" len="med"/>
+                      <a:tailEnd type="none" w="med" len="med"/>
+                    </a:lnL>
+                    <a:lnR w="12700" cap="flat" cmpd="sng" algn="ctr">
+                      <a:solidFill>
+                        <a:schemeClr val="tx1"/>
+                      </a:solidFill>
+                      <a:prstDash val="solid"/>
+                      <a:round/>
+                      <a:headEnd type="none" w="med" len="med"/>
+                      <a:tailEnd type="none" w="med" len="med"/>
+                    </a:lnR>
+                    <a:lnT w="12700" cap="flat" cmpd="sng" algn="ctr">
+                      <a:solidFill>
+                        <a:schemeClr val="tx1"/>
+                      </a:solidFill>
+                      <a:prstDash val="solid"/>
+                      <a:round/>
+                      <a:headEnd type="none" w="med" len="med"/>
+                      <a:tailEnd type="none" w="med" len="med"/>
+                    </a:lnT>
+                    <a:lnB w="12700" cap="flat" cmpd="sng" algn="ctr">
+                      <a:solidFill>
+                        <a:schemeClr val="tx1"/>
+                      </a:solidFill>
+                      <a:prstDash val="solid"/>
+                      <a:round/>
+                      <a:headEnd type="none" w="med" len="med"/>
+                      <a:tailEnd type="none" w="med" len="med"/>
+                    </a:lnB>
+                    <a:solidFill>
+                      <a:srgbClr val="002060"/>
+                    </a:solidFill>
+                  </a:tcPr>
+                </a:tc>
+                <a:tc>
+                  <a:txBody>
+                    <a:bodyPr/>
+                    <a:lstStyle/>
+                    <a:p>
+                      <a:pPr algn="ctr"/>
+                      <a:r>
+                        <a:rPr lang="pt-BR" sz="1200" b="1">
+                          <a:solidFill>
+                            <a:schemeClr val="bg2"/>
+                          </a:solidFill>
+                          <a:latin typeface="Century Gothic" panose="020B0502020202020204" pitchFamily="34" charset="0"/>
+                        </a:rPr>
+                        <a:t>Data do faturamento</a:t>
+                      </a:r>
+                    </a:p>
+                  </a:txBody>
+                  <a:tcPr anchor="ctr">
+                    <a:lnL w="12700" cap="flat" cmpd="sng" algn="ctr">
+                      <a:solidFill>
+                        <a:schemeClr val="tx1"/>
+                      </a:solidFill>
+                      <a:prstDash val="solid"/>
+                      <a:round/>
+                      <a:headEnd type="none" w="med" len="med"/>
+                      <a:tailEnd type="none" w="med" len="med"/>
+                    </a:lnL>
+                    <a:lnR w="12700" cap="flat" cmpd="sng" algn="ctr">
+                      <a:solidFill>
+                        <a:schemeClr val="tx1"/>
+                      </a:solidFill>
+                      <a:prstDash val="solid"/>
+                      <a:round/>
+                      <a:headEnd type="none" w="med" len="med"/>
+                      <a:tailEnd type="none" w="med" len="med"/>
+                    </a:lnR>
+                    <a:lnT w="12700" cap="flat" cmpd="sng" algn="ctr">
+                      <a:solidFill>
+                        <a:schemeClr val="tx1"/>
+                      </a:solidFill>
+                      <a:prstDash val="solid"/>
+                      <a:round/>
+                      <a:headEnd type="none" w="med" len="med"/>
+                      <a:tailEnd type="none" w="med" len="med"/>
+                    </a:lnT>
+                    <a:lnB w="12700" cap="flat" cmpd="sng" algn="ctr">
+                      <a:solidFill>
+                        <a:schemeClr val="tx1"/>
+                      </a:solidFill>
+                      <a:prstDash val="solid"/>
+                      <a:round/>
+                      <a:headEnd type="none" w="med" len="med"/>
+                      <a:tailEnd type="none" w="med" len="med"/>
+                    </a:lnB>
+                    <a:solidFill>
+                      <a:srgbClr val="002060"/>
+                    </a:solidFill>
+                  </a:tcPr>
+                </a:tc>
+                <a:tc>
+                  <a:txBody>
+                    <a:bodyPr/>
+                    <a:lstStyle/>
+                    <a:p>
+                      <a:pPr algn="ctr"/>
+                      <a:r>
+                        <a:rPr lang="pt-BR" sz="1200" b="1">
+                          <a:solidFill>
+                            <a:schemeClr val="bg2"/>
+                          </a:solidFill>
+                          <a:latin typeface="Century Gothic" panose="020B0502020202020204" pitchFamily="34" charset="0"/>
+                        </a:rPr>
+                        <a:t>Data do pagamento</a:t>
+                      </a:r>
+                      <a:endParaRPr lang="pt-BR"/>
+                    </a:p>
+                  </a:txBody>
+                  <a:tcPr anchor="ctr">
+                    <a:lnL w="12700" cap="flat" cmpd="sng" algn="ctr">
+                      <a:solidFill>
+                        <a:schemeClr val="tx1"/>
+                      </a:solidFill>
+                      <a:prstDash val="solid"/>
+                      <a:round/>
+                      <a:headEnd type="none" w="med" len="med"/>
+                      <a:tailEnd type="none" w="med" len="med"/>
+                    </a:lnL>
+                    <a:lnR w="12700" cap="flat" cmpd="sng" algn="ctr">
+                      <a:solidFill>
+                        <a:schemeClr val="tx1"/>
+                      </a:solidFill>
+                      <a:prstDash val="solid"/>
+                      <a:round/>
+                      <a:headEnd type="none" w="med" len="med"/>
+                      <a:tailEnd type="none" w="med" len="med"/>
+                    </a:lnR>
+                    <a:lnT w="12700" cap="flat" cmpd="sng" algn="ctr">
+                      <a:solidFill>
+                        <a:schemeClr val="tx1"/>
+                      </a:solidFill>
+                      <a:prstDash val="solid"/>
+                      <a:round/>
+                      <a:headEnd type="none" w="med" len="med"/>
+                      <a:tailEnd type="none" w="med" len="med"/>
+                    </a:lnT>
+                    <a:lnB w="12700" cap="flat" cmpd="sng" algn="ctr">
+                      <a:solidFill>
+                        <a:schemeClr val="tx1"/>
+                      </a:solidFill>
+                      <a:prstDash val="solid"/>
+                      <a:round/>
+                      <a:headEnd type="none" w="med" len="med"/>
+                      <a:tailEnd type="none" w="med" len="med"/>
+                    </a:lnB>
+                    <a:solidFill>
+                      <a:srgbClr val="002060"/>
+                    </a:solidFill>
+                  </a:tcPr>
+                </a:tc>
+                <a:extLst>
+                  <a:ext uri="{0D108BD9-81ED-4DB2-BD59-A6C34878D82A}">
+                    <a16:rowId xmlns:a16="http://schemas.microsoft.com/office/drawing/2014/main" val="1643989339"/>
+                  </a:ext>
+                </a:extLst>
+              </a:tr>
+              <a:tr h="441854">
+                <a:tc>
+                  <a:txBody>
+                    <a:bodyPr/>
+                    <a:lstStyle/>
+                    <a:p>
+                      <a:pPr algn="ctr">
+                        <a:lnSpc>
+                          <a:spcPct val="115000"/>
+                        </a:lnSpc>
+                        <a:spcAft>
+                          <a:spcPts val="1000"/>
+                        </a:spcAft>
+                      </a:pPr>
+                      <a:r>
+                        <a:rPr lang="pt-BR" sz="1200">
+                          <a:effectLst/>
+                          <a:latin typeface="Calibri" panose="020F0502020204030204" pitchFamily="34" charset="0"/>
+                          <a:ea typeface="Abadi Extra Light" panose="020B0204020104020204" pitchFamily="34" charset="0"/>
+                          <a:cs typeface="Calibri" panose="020F0502020204030204" pitchFamily="34" charset="0"/>
+                        </a:rPr>
+                        <a:t>1º Parcela</a:t>
+                      </a:r>
+                      <a:endParaRPr lang="pt-BR" sz="1200">
+                        <a:effectLst/>
+                        <a:latin typeface="Calibri" panose="020F0502020204030204" pitchFamily="34" charset="0"/>
+                        <a:ea typeface="Calibri" panose="020F0502020204030204" pitchFamily="34" charset="0"/>
+                        <a:cs typeface="Calibri" panose="020F0502020204030204" pitchFamily="34" charset="0"/>
+                      </a:endParaRPr>
+                    </a:p>
+                  </a:txBody>
+                  <a:tcPr marL="68580" marR="68580" marT="0" marB="0" anchor="ctr">
+                    <a:lnL w="12700" cap="flat" cmpd="sng" algn="ctr">
+                      <a:solidFill>
+                        <a:schemeClr val="tx1"/>
+                      </a:solidFill>
+                      <a:prstDash val="solid"/>
+                      <a:round/>
+                      <a:headEnd type="none" w="med" len="med"/>
+                      <a:tailEnd type="none" w="med" len="med"/>
+                    </a:lnL>
+                    <a:lnR w="12700" cap="flat" cmpd="sng" algn="ctr">
+                      <a:solidFill>
+                        <a:schemeClr val="tx1"/>
+                      </a:solidFill>
+                      <a:prstDash val="solid"/>
+                      <a:round/>
+                      <a:headEnd type="none" w="med" len="med"/>
+                      <a:tailEnd type="none" w="med" len="med"/>
+                    </a:lnR>
+                    <a:lnT w="12700" cap="flat" cmpd="sng" algn="ctr">
+                      <a:solidFill>
+                        <a:schemeClr val="tx1"/>
+                      </a:solidFill>
+                      <a:prstDash val="solid"/>
+                      <a:round/>
+                      <a:headEnd type="none" w="med" len="med"/>
+                      <a:tailEnd type="none" w="med" len="med"/>
+                    </a:lnT>
+                    <a:lnB w="12700" cap="flat" cmpd="sng" algn="ctr">
+                      <a:solidFill>
+                        <a:schemeClr val="tx1"/>
+                      </a:solidFill>
+                      <a:prstDash val="solid"/>
+                      <a:round/>
+                      <a:headEnd type="none" w="med" len="med"/>
+                      <a:tailEnd type="none" w="med" len="med"/>
+                    </a:lnB>
+                  </a:tcPr>
+                </a:tc>
+                <a:tc>
+                  <a:txBody>
+                    <a:bodyPr/>
+                    <a:lstStyle/>
+                    <a:p>
+                      <a:pPr algn="ctr">
+                        <a:lnSpc>
+                          <a:spcPct val="115000"/>
+                        </a:lnSpc>
+                        <a:spcAft>
+                          <a:spcPts val="1000"/>
+                        </a:spcAft>
+                      </a:pPr>
+                      <a:r>
+                        <a:rPr lang="pt-BR" sz="1200">
+                          <a:effectLst/>
+                          <a:latin typeface="Calibri" panose="020F0502020204030204" pitchFamily="34" charset="0"/>
+                          <a:ea typeface="Abadi Extra Light" panose="020B0204020104020204" pitchFamily="34" charset="0"/>
+                          <a:cs typeface="Calibri" panose="020F0502020204030204" pitchFamily="34" charset="0"/>
+                        </a:rPr>
+                        <a:t>R$ 17.660,00</a:t>
+                      </a:r>
+                      <a:endParaRPr lang="pt-BR" sz="1200">
+                        <a:effectLst/>
+                        <a:latin typeface="Calibri" panose="020F0502020204030204" pitchFamily="34" charset="0"/>
+                        <a:ea typeface="Calibri" panose="020F0502020204030204" pitchFamily="34" charset="0"/>
+                        <a:cs typeface="Calibri" panose="020F0502020204030204" pitchFamily="34" charset="0"/>
+                      </a:endParaRPr>
+                    </a:p>
+                  </a:txBody>
+                  <a:tcPr marL="68580" marR="68580" marT="0" marB="0" anchor="ctr">
+                    <a:lnL w="12700" cap="flat" cmpd="sng" algn="ctr">
+                      <a:solidFill>
+                        <a:schemeClr val="tx1"/>
+                      </a:solidFill>
+                      <a:prstDash val="solid"/>
+                      <a:round/>
+                      <a:headEnd type="none" w="med" len="med"/>
+                      <a:tailEnd type="none" w="med" len="med"/>
+                    </a:lnL>
+                    <a:lnR w="12700" cap="flat" cmpd="sng" algn="ctr">
+                      <a:solidFill>
+                        <a:schemeClr val="tx1"/>
+                      </a:solidFill>
+                      <a:prstDash val="solid"/>
+                      <a:round/>
+                      <a:headEnd type="none" w="med" len="med"/>
+                      <a:tailEnd type="none" w="med" len="med"/>
+                    </a:lnR>
+                    <a:lnT w="12700" cap="flat" cmpd="sng" algn="ctr">
+                      <a:solidFill>
+                        <a:schemeClr val="tx1"/>
+                      </a:solidFill>
+                      <a:prstDash val="solid"/>
+                      <a:round/>
+                      <a:headEnd type="none" w="med" len="med"/>
+                      <a:tailEnd type="none" w="med" len="med"/>
+                    </a:lnT>
+                    <a:lnB w="12700" cap="flat" cmpd="sng" algn="ctr">
+                      <a:solidFill>
+                        <a:schemeClr val="tx1"/>
+                      </a:solidFill>
+                      <a:prstDash val="solid"/>
+                      <a:round/>
+                      <a:headEnd type="none" w="med" len="med"/>
+                      <a:tailEnd type="none" w="med" len="med"/>
+                    </a:lnB>
+                  </a:tcPr>
+                </a:tc>
+                <a:tc>
+                  <a:txBody>
+                    <a:bodyPr/>
+                    <a:lstStyle/>
+                    <a:p>
+                      <a:pPr algn="ctr">
+                        <a:lnSpc>
+                          <a:spcPct val="115000"/>
+                        </a:lnSpc>
+                        <a:spcAft>
+                          <a:spcPts val="1000"/>
+                        </a:spcAft>
+                      </a:pPr>
+                      <a:r>
+                        <a:rPr lang="pt-BR" sz="1200">
+                          <a:effectLst/>
+                          <a:latin typeface="Calibri" panose="020F0502020204030204" pitchFamily="34" charset="0"/>
+                          <a:ea typeface="Abadi Extra Light" panose="020B0204020104020204" pitchFamily="34" charset="0"/>
+                          <a:cs typeface="Calibri" panose="020F0502020204030204" pitchFamily="34" charset="0"/>
+                        </a:rPr>
+                        <a:t>01/09/2020</a:t>
+                      </a:r>
+                      <a:endParaRPr lang="pt-BR" sz="1200">
+                        <a:effectLst/>
+                        <a:latin typeface="Calibri" panose="020F0502020204030204" pitchFamily="34" charset="0"/>
+                        <a:ea typeface="Calibri" panose="020F0502020204030204" pitchFamily="34" charset="0"/>
+                        <a:cs typeface="Calibri" panose="020F0502020204030204" pitchFamily="34" charset="0"/>
+                      </a:endParaRPr>
+                    </a:p>
+                  </a:txBody>
+                  <a:tcPr marL="68580" marR="68580" marT="0" marB="0" anchor="ctr">
+                    <a:lnL w="12700" cap="flat" cmpd="sng" algn="ctr">
+                      <a:solidFill>
+                        <a:schemeClr val="tx1"/>
+                      </a:solidFill>
+                      <a:prstDash val="solid"/>
+                      <a:round/>
+                      <a:headEnd type="none" w="med" len="med"/>
+                      <a:tailEnd type="none" w="med" len="med"/>
+                    </a:lnL>
+                    <a:lnR w="12700" cap="flat" cmpd="sng" algn="ctr">
+                      <a:solidFill>
+                        <a:schemeClr val="tx1"/>
+                      </a:solidFill>
+                      <a:prstDash val="solid"/>
+                      <a:round/>
+                      <a:headEnd type="none" w="med" len="med"/>
+                      <a:tailEnd type="none" w="med" len="med"/>
+                    </a:lnR>
+                    <a:lnT w="12700" cap="flat" cmpd="sng" algn="ctr">
+                      <a:solidFill>
+                        <a:schemeClr val="tx1"/>
+                      </a:solidFill>
+                      <a:prstDash val="solid"/>
+                      <a:round/>
+                      <a:headEnd type="none" w="med" len="med"/>
+                      <a:tailEnd type="none" w="med" len="med"/>
+                    </a:lnT>
+                    <a:lnB w="12700" cap="flat" cmpd="sng" algn="ctr">
+                      <a:solidFill>
+                        <a:schemeClr val="tx1"/>
+                      </a:solidFill>
+                      <a:prstDash val="solid"/>
+                      <a:round/>
+                      <a:headEnd type="none" w="med" len="med"/>
+                      <a:tailEnd type="none" w="med" len="med"/>
+                    </a:lnB>
+                  </a:tcPr>
+                </a:tc>
+                <a:tc>
+                  <a:txBody>
+                    <a:bodyPr/>
+                    <a:lstStyle/>
+                    <a:p>
+                      <a:pPr algn="ctr">
+                        <a:lnSpc>
+                          <a:spcPct val="115000"/>
+                        </a:lnSpc>
+                        <a:spcAft>
+                          <a:spcPts val="1000"/>
+                        </a:spcAft>
+                      </a:pPr>
+                      <a:r>
+                        <a:rPr lang="pt-BR" sz="1200">
+                          <a:effectLst/>
+                          <a:latin typeface="Calibri" panose="020F0502020204030204" pitchFamily="34" charset="0"/>
+                          <a:ea typeface="Abadi Extra Light" panose="020B0204020104020204" pitchFamily="34" charset="0"/>
+                          <a:cs typeface="Calibri" panose="020F0502020204030204" pitchFamily="34" charset="0"/>
+                        </a:rPr>
+                        <a:t>16/09/2020</a:t>
+                      </a:r>
+                      <a:endParaRPr lang="pt-BR" sz="1200">
+                        <a:effectLst/>
+                        <a:latin typeface="Calibri" panose="020F0502020204030204" pitchFamily="34" charset="0"/>
+                        <a:ea typeface="Calibri" panose="020F0502020204030204" pitchFamily="34" charset="0"/>
+                        <a:cs typeface="Calibri" panose="020F0502020204030204" pitchFamily="34" charset="0"/>
+                      </a:endParaRPr>
+                    </a:p>
+                  </a:txBody>
+                  <a:tcPr marL="68580" marR="68580" marT="0" marB="0" anchor="ctr">
+                    <a:lnL w="12700" cap="flat" cmpd="sng" algn="ctr">
+                      <a:solidFill>
+                        <a:schemeClr val="tx1"/>
+                      </a:solidFill>
+                      <a:prstDash val="solid"/>
+                      <a:round/>
+                      <a:headEnd type="none" w="med" len="med"/>
+                      <a:tailEnd type="none" w="med" len="med"/>
+                    </a:lnL>
+                    <a:lnR w="12700" cap="flat" cmpd="sng" algn="ctr">
+                      <a:solidFill>
+                        <a:schemeClr val="tx1"/>
+                      </a:solidFill>
+                      <a:prstDash val="solid"/>
+                      <a:round/>
+                      <a:headEnd type="none" w="med" len="med"/>
+                      <a:tailEnd type="none" w="med" len="med"/>
+                    </a:lnR>
+                    <a:lnT w="12700" cap="flat" cmpd="sng" algn="ctr">
+                      <a:solidFill>
+                        <a:schemeClr val="tx1"/>
+                      </a:solidFill>
+                      <a:prstDash val="solid"/>
+                      <a:round/>
+                      <a:headEnd type="none" w="med" len="med"/>
+                      <a:tailEnd type="none" w="med" len="med"/>
+                    </a:lnT>
+                    <a:lnB w="12700" cap="flat" cmpd="sng" algn="ctr">
+                      <a:solidFill>
+                        <a:schemeClr val="tx1"/>
+                      </a:solidFill>
+                      <a:prstDash val="solid"/>
+                      <a:round/>
+                      <a:headEnd type="none" w="med" len="med"/>
+                      <a:tailEnd type="none" w="med" len="med"/>
+                    </a:lnB>
+                  </a:tcPr>
+                </a:tc>
+                <a:extLst>
+                  <a:ext uri="{0D108BD9-81ED-4DB2-BD59-A6C34878D82A}">
+                    <a16:rowId xmlns:a16="http://schemas.microsoft.com/office/drawing/2014/main" val="1934115713"/>
+                  </a:ext>
+                </a:extLst>
+              </a:tr>
+              <a:tr h="441854">
+                <a:tc>
+                  <a:txBody>
+                    <a:bodyPr/>
+                    <a:lstStyle/>
+                    <a:p>
+                      <a:pPr algn="ctr">
+                        <a:lnSpc>
+                          <a:spcPct val="115000"/>
+                        </a:lnSpc>
+                        <a:spcAft>
+                          <a:spcPts val="1000"/>
+                        </a:spcAft>
+                      </a:pPr>
+                      <a:r>
+                        <a:rPr lang="pt-BR" sz="1200">
+                          <a:effectLst/>
+                          <a:latin typeface="Calibri" panose="020F0502020204030204" pitchFamily="34" charset="0"/>
+                          <a:ea typeface="Abadi Extra Light" panose="020B0204020104020204" pitchFamily="34" charset="0"/>
+                          <a:cs typeface="Calibri" panose="020F0502020204030204" pitchFamily="34" charset="0"/>
+                        </a:rPr>
+                        <a:t>2º Parcela</a:t>
+                      </a:r>
+                      <a:endParaRPr lang="pt-BR" sz="1200">
+                        <a:effectLst/>
+                        <a:latin typeface="Calibri" panose="020F0502020204030204" pitchFamily="34" charset="0"/>
+                        <a:ea typeface="Calibri" panose="020F0502020204030204" pitchFamily="34" charset="0"/>
+                        <a:cs typeface="Calibri" panose="020F0502020204030204" pitchFamily="34" charset="0"/>
+                      </a:endParaRPr>
+                    </a:p>
+                  </a:txBody>
+                  <a:tcPr marL="68580" marR="68580" marT="0" marB="0" anchor="ctr">
+                    <a:lnL w="12700" cap="flat" cmpd="sng" algn="ctr">
+                      <a:solidFill>
+                        <a:schemeClr val="tx1"/>
+                      </a:solidFill>
+                      <a:prstDash val="solid"/>
+                      <a:round/>
+                      <a:headEnd type="none" w="med" len="med"/>
+                      <a:tailEnd type="none" w="med" len="med"/>
+                    </a:lnL>
+                    <a:lnR w="12700" cap="flat" cmpd="sng" algn="ctr">
+                      <a:solidFill>
+                        <a:schemeClr val="tx1"/>
+                      </a:solidFill>
+                      <a:prstDash val="solid"/>
+                      <a:round/>
+                      <a:headEnd type="none" w="med" len="med"/>
+                      <a:tailEnd type="none" w="med" len="med"/>
+                    </a:lnR>
+                    <a:lnT w="12700" cap="flat" cmpd="sng" algn="ctr">
+                      <a:solidFill>
+                        <a:schemeClr val="tx1"/>
+                      </a:solidFill>
+                      <a:prstDash val="solid"/>
+                      <a:round/>
+                      <a:headEnd type="none" w="med" len="med"/>
+                      <a:tailEnd type="none" w="med" len="med"/>
+                    </a:lnT>
+                    <a:lnB w="12700" cap="flat" cmpd="sng" algn="ctr">
+                      <a:solidFill>
+                        <a:schemeClr val="tx1"/>
+                      </a:solidFill>
+                      <a:prstDash val="solid"/>
+                      <a:round/>
+                      <a:headEnd type="none" w="med" len="med"/>
+                      <a:tailEnd type="none" w="med" len="med"/>
+                    </a:lnB>
+                  </a:tcPr>
+                </a:tc>
+                <a:tc>
+                  <a:txBody>
+                    <a:bodyPr/>
+                    <a:lstStyle/>
+                    <a:p>
+                      <a:pPr algn="ctr">
+                        <a:lnSpc>
+                          <a:spcPct val="115000"/>
+                        </a:lnSpc>
+                        <a:spcAft>
+                          <a:spcPts val="1000"/>
+                        </a:spcAft>
+                      </a:pPr>
+                      <a:r>
+                        <a:rPr lang="pt-BR" sz="1200">
+                          <a:effectLst/>
+                          <a:latin typeface="Calibri" panose="020F0502020204030204" pitchFamily="34" charset="0"/>
+                          <a:ea typeface="Abadi Extra Light" panose="020B0204020104020204" pitchFamily="34" charset="0"/>
+                          <a:cs typeface="Calibri" panose="020F0502020204030204" pitchFamily="34" charset="0"/>
+                        </a:rPr>
+                        <a:t>R$ 17.660,00</a:t>
+                      </a:r>
+                      <a:endParaRPr lang="pt-BR" sz="1200">
+                        <a:effectLst/>
+                        <a:latin typeface="Calibri" panose="020F0502020204030204" pitchFamily="34" charset="0"/>
+                        <a:ea typeface="Calibri" panose="020F0502020204030204" pitchFamily="34" charset="0"/>
+                        <a:cs typeface="Calibri" panose="020F0502020204030204" pitchFamily="34" charset="0"/>
+                      </a:endParaRPr>
+                    </a:p>
+                  </a:txBody>
+                  <a:tcPr marL="68580" marR="68580" marT="0" marB="0" anchor="ctr">
+                    <a:lnL w="12700" cap="flat" cmpd="sng" algn="ctr">
+                      <a:solidFill>
+                        <a:schemeClr val="tx1"/>
+                      </a:solidFill>
+                      <a:prstDash val="solid"/>
+                      <a:round/>
+                      <a:headEnd type="none" w="med" len="med"/>
+                      <a:tailEnd type="none" w="med" len="med"/>
+                    </a:lnL>
+                    <a:lnR w="12700" cap="flat" cmpd="sng" algn="ctr">
+                      <a:solidFill>
+                        <a:schemeClr val="tx1"/>
+                      </a:solidFill>
+                      <a:prstDash val="solid"/>
+                      <a:round/>
+                      <a:headEnd type="none" w="med" len="med"/>
+                      <a:tailEnd type="none" w="med" len="med"/>
+                    </a:lnR>
+                    <a:lnT w="12700" cap="flat" cmpd="sng" algn="ctr">
+                      <a:solidFill>
+                        <a:schemeClr val="tx1"/>
+                      </a:solidFill>
+                      <a:prstDash val="solid"/>
+                      <a:round/>
+                      <a:headEnd type="none" w="med" len="med"/>
+                      <a:tailEnd type="none" w="med" len="med"/>
+                    </a:lnT>
+                    <a:lnB w="12700" cap="flat" cmpd="sng" algn="ctr">
+                      <a:solidFill>
+                        <a:schemeClr val="tx1"/>
+                      </a:solidFill>
+                      <a:prstDash val="solid"/>
+                      <a:round/>
+                      <a:headEnd type="none" w="med" len="med"/>
+                      <a:tailEnd type="none" w="med" len="med"/>
+                    </a:lnB>
+                  </a:tcPr>
+                </a:tc>
+                <a:tc>
+                  <a:txBody>
+                    <a:bodyPr/>
+                    <a:lstStyle/>
+                    <a:p>
+                      <a:pPr algn="ctr">
+                        <a:lnSpc>
+                          <a:spcPct val="115000"/>
+                        </a:lnSpc>
+                        <a:spcAft>
+                          <a:spcPts val="1000"/>
+                        </a:spcAft>
+                      </a:pPr>
+                      <a:r>
+                        <a:rPr lang="pt-BR" sz="1200">
+                          <a:effectLst/>
+                          <a:latin typeface="Calibri" panose="020F0502020204030204" pitchFamily="34" charset="0"/>
+                          <a:ea typeface="Abadi Extra Light" panose="020B0204020104020204" pitchFamily="34" charset="0"/>
+                          <a:cs typeface="Calibri" panose="020F0502020204030204" pitchFamily="34" charset="0"/>
+                        </a:rPr>
+                        <a:t>01/10/2020</a:t>
+                      </a:r>
+                      <a:endParaRPr lang="pt-BR" sz="1200">
+                        <a:effectLst/>
+                        <a:latin typeface="Calibri" panose="020F0502020204030204" pitchFamily="34" charset="0"/>
+                        <a:ea typeface="Calibri" panose="020F0502020204030204" pitchFamily="34" charset="0"/>
+                        <a:cs typeface="Calibri" panose="020F0502020204030204" pitchFamily="34" charset="0"/>
+                      </a:endParaRPr>
+                    </a:p>
+                  </a:txBody>
+                  <a:tcPr marL="68580" marR="68580" marT="0" marB="0" anchor="ctr">
+                    <a:lnL w="12700" cap="flat" cmpd="sng" algn="ctr">
+                      <a:solidFill>
+                        <a:schemeClr val="tx1"/>
+                      </a:solidFill>
+                      <a:prstDash val="solid"/>
+                      <a:round/>
+                      <a:headEnd type="none" w="med" len="med"/>
+                      <a:tailEnd type="none" w="med" len="med"/>
+                    </a:lnL>
+                    <a:lnR w="12700" cap="flat" cmpd="sng" algn="ctr">
+                      <a:solidFill>
+                        <a:schemeClr val="tx1"/>
+                      </a:solidFill>
+                      <a:prstDash val="solid"/>
+                      <a:round/>
+                      <a:headEnd type="none" w="med" len="med"/>
+                      <a:tailEnd type="none" w="med" len="med"/>
+                    </a:lnR>
+                    <a:lnT w="12700" cap="flat" cmpd="sng" algn="ctr">
+                      <a:solidFill>
+                        <a:schemeClr val="tx1"/>
+                      </a:solidFill>
+                      <a:prstDash val="solid"/>
+                      <a:round/>
+                      <a:headEnd type="none" w="med" len="med"/>
+                      <a:tailEnd type="none" w="med" len="med"/>
+                    </a:lnT>
+                    <a:lnB w="12700" cap="flat" cmpd="sng" algn="ctr">
+                      <a:solidFill>
+                        <a:schemeClr val="tx1"/>
+                      </a:solidFill>
+                      <a:prstDash val="solid"/>
+                      <a:round/>
+                      <a:headEnd type="none" w="med" len="med"/>
+                      <a:tailEnd type="none" w="med" len="med"/>
+                    </a:lnB>
+                  </a:tcPr>
+                </a:tc>
+                <a:tc>
+                  <a:txBody>
+                    <a:bodyPr/>
+                    <a:lstStyle/>
+                    <a:p>
+                      <a:pPr algn="ctr">
+                        <a:lnSpc>
+                          <a:spcPct val="115000"/>
+                        </a:lnSpc>
+                        <a:spcAft>
+                          <a:spcPts val="1000"/>
+                        </a:spcAft>
+                      </a:pPr>
+                      <a:r>
+                        <a:rPr lang="pt-BR" sz="1200">
+                          <a:effectLst/>
+                          <a:latin typeface="Calibri" panose="020F0502020204030204" pitchFamily="34" charset="0"/>
+                          <a:ea typeface="Abadi Extra Light" panose="020B0204020104020204" pitchFamily="34" charset="0"/>
+                          <a:cs typeface="Calibri" panose="020F0502020204030204" pitchFamily="34" charset="0"/>
+                        </a:rPr>
+                        <a:t>16/10/2020</a:t>
+                      </a:r>
+                      <a:endParaRPr lang="pt-BR" sz="1200">
+                        <a:effectLst/>
+                        <a:latin typeface="Calibri" panose="020F0502020204030204" pitchFamily="34" charset="0"/>
+                        <a:ea typeface="Calibri" panose="020F0502020204030204" pitchFamily="34" charset="0"/>
+                        <a:cs typeface="Calibri" panose="020F0502020204030204" pitchFamily="34" charset="0"/>
+                      </a:endParaRPr>
+                    </a:p>
+                  </a:txBody>
+                  <a:tcPr marL="68580" marR="68580" marT="0" marB="0" anchor="ctr">
+                    <a:lnL w="12700" cap="flat" cmpd="sng" algn="ctr">
+                      <a:solidFill>
+                        <a:schemeClr val="tx1"/>
+                      </a:solidFill>
+                      <a:prstDash val="solid"/>
+                      <a:round/>
+                      <a:headEnd type="none" w="med" len="med"/>
+                      <a:tailEnd type="none" w="med" len="med"/>
+                    </a:lnL>
+                    <a:lnR w="12700" cap="flat" cmpd="sng" algn="ctr">
+                      <a:solidFill>
+                        <a:schemeClr val="tx1"/>
+                      </a:solidFill>
+                      <a:prstDash val="solid"/>
+                      <a:round/>
+                      <a:headEnd type="none" w="med" len="med"/>
+                      <a:tailEnd type="none" w="med" len="med"/>
+                    </a:lnR>
+                    <a:lnT w="12700" cap="flat" cmpd="sng" algn="ctr">
+                      <a:solidFill>
+                        <a:schemeClr val="tx1"/>
+                      </a:solidFill>
+                      <a:prstDash val="solid"/>
+                      <a:round/>
+                      <a:headEnd type="none" w="med" len="med"/>
+                      <a:tailEnd type="none" w="med" len="med"/>
+                    </a:lnT>
+                    <a:lnB w="12700" cap="flat" cmpd="sng" algn="ctr">
+                      <a:solidFill>
+                        <a:schemeClr val="tx1"/>
+                      </a:solidFill>
+                      <a:prstDash val="solid"/>
+                      <a:round/>
+                      <a:headEnd type="none" w="med" len="med"/>
+                      <a:tailEnd type="none" w="med" len="med"/>
+                    </a:lnB>
+                  </a:tcPr>
+                </a:tc>
+                <a:extLst>
+                  <a:ext uri="{0D108BD9-81ED-4DB2-BD59-A6C34878D82A}">
+                    <a16:rowId xmlns:a16="http://schemas.microsoft.com/office/drawing/2014/main" val="4277832923"/>
+                  </a:ext>
+                </a:extLst>
+              </a:tr>
+              <a:tr h="441854">
+                <a:tc>
+                  <a:txBody>
+                    <a:bodyPr/>
+                    <a:lstStyle/>
+                    <a:p>
+                      <a:pPr algn="ctr">
+                        <a:lnSpc>
+                          <a:spcPct val="115000"/>
+                        </a:lnSpc>
+                        <a:spcAft>
+                          <a:spcPts val="1000"/>
+                        </a:spcAft>
+                      </a:pPr>
+                      <a:r>
+                        <a:rPr lang="pt-BR" sz="1200">
+                          <a:effectLst/>
+                          <a:latin typeface="Calibri" panose="020F0502020204030204" pitchFamily="34" charset="0"/>
+                          <a:ea typeface="Abadi Extra Light" panose="020B0204020104020204" pitchFamily="34" charset="0"/>
+                          <a:cs typeface="Calibri" panose="020F0502020204030204" pitchFamily="34" charset="0"/>
+                        </a:rPr>
+                        <a:t>3º Parcela</a:t>
+                      </a:r>
+                      <a:endParaRPr lang="pt-BR" sz="1200">
+                        <a:effectLst/>
+                        <a:latin typeface="Calibri" panose="020F0502020204030204" pitchFamily="34" charset="0"/>
+                        <a:ea typeface="Calibri" panose="020F0502020204030204" pitchFamily="34" charset="0"/>
+                        <a:cs typeface="Calibri" panose="020F0502020204030204" pitchFamily="34" charset="0"/>
+                      </a:endParaRPr>
+                    </a:p>
+                  </a:txBody>
+                  <a:tcPr marL="68580" marR="68580" marT="0" marB="0" anchor="ctr">
+                    <a:lnL w="12700" cap="flat" cmpd="sng" algn="ctr">
+                      <a:solidFill>
+                        <a:schemeClr val="tx1"/>
+                      </a:solidFill>
+                      <a:prstDash val="solid"/>
+                      <a:round/>
+                      <a:headEnd type="none" w="med" len="med"/>
+                      <a:tailEnd type="none" w="med" len="med"/>
+                    </a:lnL>
+                    <a:lnR w="12700" cap="flat" cmpd="sng" algn="ctr">
+                      <a:solidFill>
+                        <a:schemeClr val="tx1"/>
+                      </a:solidFill>
+                      <a:prstDash val="solid"/>
+                      <a:round/>
+                      <a:headEnd type="none" w="med" len="med"/>
+                      <a:tailEnd type="none" w="med" len="med"/>
+                    </a:lnR>
+                    <a:lnT w="12700" cap="flat" cmpd="sng" algn="ctr">
+                      <a:solidFill>
+                        <a:schemeClr val="tx1"/>
+                      </a:solidFill>
+                      <a:prstDash val="solid"/>
+                      <a:round/>
+                      <a:headEnd type="none" w="med" len="med"/>
+                      <a:tailEnd type="none" w="med" len="med"/>
+                    </a:lnT>
+                    <a:lnB w="12700" cap="flat" cmpd="sng" algn="ctr">
+                      <a:solidFill>
+                        <a:schemeClr val="tx1"/>
+                      </a:solidFill>
+                      <a:prstDash val="solid"/>
+                      <a:round/>
+                      <a:headEnd type="none" w="med" len="med"/>
+                      <a:tailEnd type="none" w="med" len="med"/>
+                    </a:lnB>
+                  </a:tcPr>
+                </a:tc>
+                <a:tc>
+                  <a:txBody>
+                    <a:bodyPr/>
+                    <a:lstStyle/>
+                    <a:p>
+                      <a:pPr algn="ctr">
+                        <a:lnSpc>
+                          <a:spcPct val="115000"/>
+                        </a:lnSpc>
+                        <a:spcAft>
+                          <a:spcPts val="1000"/>
+                        </a:spcAft>
+                      </a:pPr>
+                      <a:r>
+                        <a:rPr lang="pt-BR" sz="1200">
+                          <a:effectLst/>
+                          <a:latin typeface="Calibri" panose="020F0502020204030204" pitchFamily="34" charset="0"/>
+                          <a:ea typeface="Abadi Extra Light" panose="020B0204020104020204" pitchFamily="34" charset="0"/>
+                          <a:cs typeface="Calibri" panose="020F0502020204030204" pitchFamily="34" charset="0"/>
+                        </a:rPr>
+                        <a:t>R$ 17.660,00</a:t>
+                      </a:r>
+                      <a:endParaRPr lang="pt-BR" sz="1200">
+                        <a:effectLst/>
+                        <a:latin typeface="Calibri" panose="020F0502020204030204" pitchFamily="34" charset="0"/>
+                        <a:ea typeface="Calibri" panose="020F0502020204030204" pitchFamily="34" charset="0"/>
+                        <a:cs typeface="Calibri" panose="020F0502020204030204" pitchFamily="34" charset="0"/>
+                      </a:endParaRPr>
+                    </a:p>
+                  </a:txBody>
+                  <a:tcPr marL="68580" marR="68580" marT="0" marB="0" anchor="ctr">
+                    <a:lnL w="12700" cap="flat" cmpd="sng" algn="ctr">
+                      <a:solidFill>
+                        <a:schemeClr val="tx1"/>
+                      </a:solidFill>
+                      <a:prstDash val="solid"/>
+                      <a:round/>
+                      <a:headEnd type="none" w="med" len="med"/>
+                      <a:tailEnd type="none" w="med" len="med"/>
+                    </a:lnL>
+                    <a:lnR w="12700" cap="flat" cmpd="sng" algn="ctr">
+                      <a:solidFill>
+                        <a:schemeClr val="tx1"/>
+                      </a:solidFill>
+                      <a:prstDash val="solid"/>
+                      <a:round/>
+                      <a:headEnd type="none" w="med" len="med"/>
+                      <a:tailEnd type="none" w="med" len="med"/>
+                    </a:lnR>
+                    <a:lnT w="12700" cap="flat" cmpd="sng" algn="ctr">
+                      <a:solidFill>
+                        <a:schemeClr val="tx1"/>
+                      </a:solidFill>
+                      <a:prstDash val="solid"/>
+                      <a:round/>
+                      <a:headEnd type="none" w="med" len="med"/>
+                      <a:tailEnd type="none" w="med" len="med"/>
+                    </a:lnT>
+                    <a:lnB w="12700" cap="flat" cmpd="sng" algn="ctr">
+                      <a:solidFill>
+                        <a:schemeClr val="tx1"/>
+                      </a:solidFill>
+                      <a:prstDash val="solid"/>
+                      <a:round/>
+                      <a:headEnd type="none" w="med" len="med"/>
+                      <a:tailEnd type="none" w="med" len="med"/>
+                    </a:lnB>
+                  </a:tcPr>
+                </a:tc>
+                <a:tc>
+                  <a:txBody>
+                    <a:bodyPr/>
+                    <a:lstStyle/>
+                    <a:p>
+                      <a:pPr algn="ctr">
+                        <a:lnSpc>
+                          <a:spcPct val="115000"/>
+                        </a:lnSpc>
+                        <a:spcAft>
+                          <a:spcPts val="1000"/>
+                        </a:spcAft>
+                      </a:pPr>
+                      <a:r>
+                        <a:rPr lang="pt-BR" sz="1200">
+                          <a:effectLst/>
+                          <a:latin typeface="Calibri" panose="020F0502020204030204" pitchFamily="34" charset="0"/>
+                          <a:ea typeface="Abadi Extra Light" panose="020B0204020104020204" pitchFamily="34" charset="0"/>
+                          <a:cs typeface="Calibri" panose="020F0502020204030204" pitchFamily="34" charset="0"/>
+                        </a:rPr>
+                        <a:t>01/11/2020</a:t>
+                      </a:r>
+                      <a:endParaRPr lang="pt-BR" sz="1200">
+                        <a:effectLst/>
+                        <a:latin typeface="Calibri" panose="020F0502020204030204" pitchFamily="34" charset="0"/>
+                        <a:ea typeface="Calibri" panose="020F0502020204030204" pitchFamily="34" charset="0"/>
+                        <a:cs typeface="Calibri" panose="020F0502020204030204" pitchFamily="34" charset="0"/>
+                      </a:endParaRPr>
+                    </a:p>
+                  </a:txBody>
+                  <a:tcPr marL="68580" marR="68580" marT="0" marB="0" anchor="ctr">
+                    <a:lnL w="12700" cap="flat" cmpd="sng" algn="ctr">
+                      <a:solidFill>
+                        <a:schemeClr val="tx1"/>
+                      </a:solidFill>
+                      <a:prstDash val="solid"/>
+                      <a:round/>
+                      <a:headEnd type="none" w="med" len="med"/>
+                      <a:tailEnd type="none" w="med" len="med"/>
+                    </a:lnL>
+                    <a:lnR w="12700" cap="flat" cmpd="sng" algn="ctr">
+                      <a:solidFill>
+                        <a:schemeClr val="tx1"/>
+                      </a:solidFill>
+                      <a:prstDash val="solid"/>
+                      <a:round/>
+                      <a:headEnd type="none" w="med" len="med"/>
+                      <a:tailEnd type="none" w="med" len="med"/>
+                    </a:lnR>
+                    <a:lnT w="12700" cap="flat" cmpd="sng" algn="ctr">
+                      <a:solidFill>
+                        <a:schemeClr val="tx1"/>
+                      </a:solidFill>
+                      <a:prstDash val="solid"/>
+                      <a:round/>
+                      <a:headEnd type="none" w="med" len="med"/>
+                      <a:tailEnd type="none" w="med" len="med"/>
+                    </a:lnT>
+                    <a:lnB w="12700" cap="flat" cmpd="sng" algn="ctr">
+                      <a:solidFill>
+                        <a:schemeClr val="tx1"/>
+                      </a:solidFill>
+                      <a:prstDash val="solid"/>
+                      <a:round/>
+                      <a:headEnd type="none" w="med" len="med"/>
+                      <a:tailEnd type="none" w="med" len="med"/>
+                    </a:lnB>
+                  </a:tcPr>
+                </a:tc>
+                <a:tc>
+                  <a:txBody>
+                    <a:bodyPr/>
+                    <a:lstStyle/>
+                    <a:p>
+                      <a:pPr algn="ctr">
+                        <a:lnSpc>
+                          <a:spcPct val="115000"/>
+                        </a:lnSpc>
+                        <a:spcAft>
+                          <a:spcPts val="1000"/>
+                        </a:spcAft>
+                      </a:pPr>
+                      <a:r>
+                        <a:rPr lang="pt-BR" sz="1200">
+                          <a:effectLst/>
+                          <a:latin typeface="Calibri" panose="020F0502020204030204" pitchFamily="34" charset="0"/>
+                          <a:ea typeface="Abadi Extra Light" panose="020B0204020104020204" pitchFamily="34" charset="0"/>
+                          <a:cs typeface="Calibri" panose="020F0502020204030204" pitchFamily="34" charset="0"/>
+                        </a:rPr>
+                        <a:t>16/11/2020</a:t>
+                      </a:r>
+                      <a:endParaRPr lang="pt-BR" sz="1200">
+                        <a:effectLst/>
+                        <a:latin typeface="Calibri" panose="020F0502020204030204" pitchFamily="34" charset="0"/>
+                        <a:ea typeface="Calibri" panose="020F0502020204030204" pitchFamily="34" charset="0"/>
+                        <a:cs typeface="Calibri" panose="020F0502020204030204" pitchFamily="34" charset="0"/>
+                      </a:endParaRPr>
+                    </a:p>
+                  </a:txBody>
+                  <a:tcPr marL="68580" marR="68580" marT="0" marB="0" anchor="ctr">
+                    <a:lnL w="12700" cap="flat" cmpd="sng" algn="ctr">
+                      <a:solidFill>
+                        <a:schemeClr val="tx1"/>
+                      </a:solidFill>
+                      <a:prstDash val="solid"/>
+                      <a:round/>
+                      <a:headEnd type="none" w="med" len="med"/>
+                      <a:tailEnd type="none" w="med" len="med"/>
+                    </a:lnL>
+                    <a:lnR w="12700" cap="flat" cmpd="sng" algn="ctr">
+                      <a:solidFill>
+                        <a:schemeClr val="tx1"/>
+                      </a:solidFill>
+                      <a:prstDash val="solid"/>
+                      <a:round/>
+                      <a:headEnd type="none" w="med" len="med"/>
+                      <a:tailEnd type="none" w="med" len="med"/>
+                    </a:lnR>
+                    <a:lnT w="12700" cap="flat" cmpd="sng" algn="ctr">
+                      <a:solidFill>
+                        <a:schemeClr val="tx1"/>
+                      </a:solidFill>
+                      <a:prstDash val="solid"/>
+                      <a:round/>
+                      <a:headEnd type="none" w="med" len="med"/>
+                      <a:tailEnd type="none" w="med" len="med"/>
+                    </a:lnT>
+                    <a:lnB w="12700" cap="flat" cmpd="sng" algn="ctr">
+                      <a:solidFill>
+                        <a:schemeClr val="tx1"/>
+                      </a:solidFill>
+                      <a:prstDash val="solid"/>
+                      <a:round/>
+                      <a:headEnd type="none" w="med" len="med"/>
+                      <a:tailEnd type="none" w="med" len="med"/>
+                    </a:lnB>
+                  </a:tcPr>
+                </a:tc>
+                <a:extLst>
+                  <a:ext uri="{0D108BD9-81ED-4DB2-BD59-A6C34878D82A}">
+                    <a16:rowId xmlns:a16="http://schemas.microsoft.com/office/drawing/2014/main" val="1810590542"/>
+                  </a:ext>
+                </a:extLst>
+              </a:tr>
+              <a:tr h="441854">
+                <a:tc>
+                  <a:txBody>
+                    <a:bodyPr/>
+                    <a:lstStyle/>
+                    <a:p>
+                      <a:pPr algn="ctr">
+                        <a:lnSpc>
+                          <a:spcPct val="115000"/>
+                        </a:lnSpc>
+                        <a:spcAft>
+                          <a:spcPts val="1000"/>
+                        </a:spcAft>
+                      </a:pPr>
+                      <a:r>
+                        <a:rPr lang="pt-BR" sz="1200">
+                          <a:effectLst/>
+                          <a:latin typeface="Calibri" panose="020F0502020204030204" pitchFamily="34" charset="0"/>
+                          <a:ea typeface="Abadi Extra Light" panose="020B0204020104020204" pitchFamily="34" charset="0"/>
+                          <a:cs typeface="Calibri" panose="020F0502020204030204" pitchFamily="34" charset="0"/>
+                        </a:rPr>
+                        <a:t>4º Parcela</a:t>
+                      </a:r>
+                      <a:endParaRPr lang="pt-BR" sz="1200">
+                        <a:effectLst/>
+                        <a:latin typeface="Calibri" panose="020F0502020204030204" pitchFamily="34" charset="0"/>
+                        <a:ea typeface="Calibri" panose="020F0502020204030204" pitchFamily="34" charset="0"/>
+                        <a:cs typeface="Calibri" panose="020F0502020204030204" pitchFamily="34" charset="0"/>
+                      </a:endParaRPr>
+                    </a:p>
+                  </a:txBody>
+                  <a:tcPr marL="68580" marR="68580" marT="0" marB="0" anchor="ctr">
+                    <a:lnL w="12700" cap="flat" cmpd="sng" algn="ctr">
+                      <a:solidFill>
+                        <a:schemeClr val="tx1"/>
+                      </a:solidFill>
+                      <a:prstDash val="solid"/>
+                      <a:round/>
+                      <a:headEnd type="none" w="med" len="med"/>
+                      <a:tailEnd type="none" w="med" len="med"/>
+                    </a:lnL>
+                    <a:lnR w="12700" cap="flat" cmpd="sng" algn="ctr">
+                      <a:solidFill>
+                        <a:schemeClr val="tx1"/>
+                      </a:solidFill>
+                      <a:prstDash val="solid"/>
+                      <a:round/>
+                      <a:headEnd type="none" w="med" len="med"/>
+                      <a:tailEnd type="none" w="med" len="med"/>
+                    </a:lnR>
+                    <a:lnT w="12700" cap="flat" cmpd="sng" algn="ctr">
+                      <a:solidFill>
+                        <a:schemeClr val="tx1"/>
+                      </a:solidFill>
+                      <a:prstDash val="solid"/>
+                      <a:round/>
+                      <a:headEnd type="none" w="med" len="med"/>
+                      <a:tailEnd type="none" w="med" len="med"/>
+                    </a:lnT>
+                    <a:lnB w="12700" cap="flat" cmpd="sng" algn="ctr">
+                      <a:solidFill>
+                        <a:schemeClr val="tx1"/>
+                      </a:solidFill>
+                      <a:prstDash val="solid"/>
+                      <a:round/>
+                      <a:headEnd type="none" w="med" len="med"/>
+                      <a:tailEnd type="none" w="med" len="med"/>
+                    </a:lnB>
+                  </a:tcPr>
+                </a:tc>
+                <a:tc>
+                  <a:txBody>
+                    <a:bodyPr/>
+                    <a:lstStyle/>
+                    <a:p>
+                      <a:pPr algn="ctr">
+                        <a:lnSpc>
+                          <a:spcPct val="115000"/>
+                        </a:lnSpc>
+                        <a:spcAft>
+                          <a:spcPts val="1000"/>
+                        </a:spcAft>
+                      </a:pPr>
+                      <a:r>
+                        <a:rPr lang="pt-BR" sz="1200">
+                          <a:effectLst/>
+                          <a:latin typeface="Calibri" panose="020F0502020204030204" pitchFamily="34" charset="0"/>
+                          <a:ea typeface="Abadi Extra Light" panose="020B0204020104020204" pitchFamily="34" charset="0"/>
+                          <a:cs typeface="Calibri" panose="020F0502020204030204" pitchFamily="34" charset="0"/>
+                        </a:rPr>
+                        <a:t>R$ 17.660,00</a:t>
+                      </a:r>
+                      <a:endParaRPr lang="pt-BR" sz="1200">
+                        <a:effectLst/>
+                        <a:latin typeface="Calibri" panose="020F0502020204030204" pitchFamily="34" charset="0"/>
+                        <a:ea typeface="Calibri" panose="020F0502020204030204" pitchFamily="34" charset="0"/>
+                        <a:cs typeface="Calibri" panose="020F0502020204030204" pitchFamily="34" charset="0"/>
+                      </a:endParaRPr>
+                    </a:p>
+                  </a:txBody>
+                  <a:tcPr marL="68580" marR="68580" marT="0" marB="0" anchor="ctr">
+                    <a:lnL w="12700" cap="flat" cmpd="sng" algn="ctr">
+                      <a:solidFill>
+                        <a:schemeClr val="tx1"/>
+                      </a:solidFill>
+                      <a:prstDash val="solid"/>
+                      <a:round/>
+                      <a:headEnd type="none" w="med" len="med"/>
+                      <a:tailEnd type="none" w="med" len="med"/>
+                    </a:lnL>
+                    <a:lnR w="12700" cap="flat" cmpd="sng" algn="ctr">
+                      <a:solidFill>
+                        <a:schemeClr val="tx1"/>
+                      </a:solidFill>
+                      <a:prstDash val="solid"/>
+                      <a:round/>
+                      <a:headEnd type="none" w="med" len="med"/>
+                      <a:tailEnd type="none" w="med" len="med"/>
+                    </a:lnR>
+                    <a:lnT w="12700" cap="flat" cmpd="sng" algn="ctr">
+                      <a:solidFill>
+                        <a:schemeClr val="tx1"/>
+                      </a:solidFill>
+                      <a:prstDash val="solid"/>
+                      <a:round/>
+                      <a:headEnd type="none" w="med" len="med"/>
+                      <a:tailEnd type="none" w="med" len="med"/>
+                    </a:lnT>
+                    <a:lnB w="12700" cap="flat" cmpd="sng" algn="ctr">
+                      <a:solidFill>
+                        <a:schemeClr val="tx1"/>
+                      </a:solidFill>
+                      <a:prstDash val="solid"/>
+                      <a:round/>
+                      <a:headEnd type="none" w="med" len="med"/>
+                      <a:tailEnd type="none" w="med" len="med"/>
+                    </a:lnB>
+                  </a:tcPr>
+                </a:tc>
+                <a:tc>
+                  <a:txBody>
+                    <a:bodyPr/>
+                    <a:lstStyle/>
+                    <a:p>
+                      <a:pPr algn="ctr">
+                        <a:lnSpc>
+                          <a:spcPct val="115000"/>
+                        </a:lnSpc>
+                        <a:spcAft>
+                          <a:spcPts val="1000"/>
+                        </a:spcAft>
+                      </a:pPr>
+                      <a:r>
+                        <a:rPr lang="pt-BR" sz="1200">
+                          <a:effectLst/>
+                          <a:latin typeface="Calibri" panose="020F0502020204030204" pitchFamily="34" charset="0"/>
+                          <a:ea typeface="Abadi Extra Light" panose="020B0204020104020204" pitchFamily="34" charset="0"/>
+                          <a:cs typeface="Calibri" panose="020F0502020204030204" pitchFamily="34" charset="0"/>
+                        </a:rPr>
+                        <a:t>01/12/2020</a:t>
+                      </a:r>
+                      <a:endParaRPr lang="pt-BR" sz="1200">
+                        <a:effectLst/>
+                        <a:latin typeface="Calibri" panose="020F0502020204030204" pitchFamily="34" charset="0"/>
+                        <a:ea typeface="Calibri" panose="020F0502020204030204" pitchFamily="34" charset="0"/>
+                        <a:cs typeface="Calibri" panose="020F0502020204030204" pitchFamily="34" charset="0"/>
+                      </a:endParaRPr>
+                    </a:p>
+                  </a:txBody>
+                  <a:tcPr marL="68580" marR="68580" marT="0" marB="0" anchor="ctr">
+                    <a:lnL w="12700" cap="flat" cmpd="sng" algn="ctr">
+                      <a:solidFill>
+                        <a:schemeClr val="tx1"/>
+                      </a:solidFill>
+                      <a:prstDash val="solid"/>
+                      <a:round/>
+                      <a:headEnd type="none" w="med" len="med"/>
+                      <a:tailEnd type="none" w="med" len="med"/>
+                    </a:lnL>
+                    <a:lnR w="12700" cap="flat" cmpd="sng" algn="ctr">
+                      <a:solidFill>
+                        <a:schemeClr val="tx1"/>
+                      </a:solidFill>
+                      <a:prstDash val="solid"/>
+                      <a:round/>
+                      <a:headEnd type="none" w="med" len="med"/>
+                      <a:tailEnd type="none" w="med" len="med"/>
+                    </a:lnR>
+                    <a:lnT w="12700" cap="flat" cmpd="sng" algn="ctr">
+                      <a:solidFill>
+                        <a:schemeClr val="tx1"/>
+                      </a:solidFill>
+                      <a:prstDash val="solid"/>
+                      <a:round/>
+                      <a:headEnd type="none" w="med" len="med"/>
+                      <a:tailEnd type="none" w="med" len="med"/>
+                    </a:lnT>
+                    <a:lnB w="12700" cap="flat" cmpd="sng" algn="ctr">
+                      <a:solidFill>
+                        <a:schemeClr val="tx1"/>
+                      </a:solidFill>
+                      <a:prstDash val="solid"/>
+                      <a:round/>
+                      <a:headEnd type="none" w="med" len="med"/>
+                      <a:tailEnd type="none" w="med" len="med"/>
+                    </a:lnB>
+                  </a:tcPr>
+                </a:tc>
+                <a:tc>
+                  <a:txBody>
+                    <a:bodyPr/>
+                    <a:lstStyle/>
+                    <a:p>
+                      <a:pPr algn="ctr">
+                        <a:lnSpc>
+                          <a:spcPct val="115000"/>
+                        </a:lnSpc>
+                        <a:spcAft>
+                          <a:spcPts val="1000"/>
+                        </a:spcAft>
+                      </a:pPr>
+                      <a:r>
+                        <a:rPr lang="pt-BR" sz="1200">
+                          <a:effectLst/>
+                          <a:latin typeface="Calibri" panose="020F0502020204030204" pitchFamily="34" charset="0"/>
+                          <a:ea typeface="Abadi Extra Light" panose="020B0204020104020204" pitchFamily="34" charset="0"/>
+                          <a:cs typeface="Calibri" panose="020F0502020204030204" pitchFamily="34" charset="0"/>
+                        </a:rPr>
+                        <a:t>16/12/2020</a:t>
+                      </a:r>
+                      <a:endParaRPr lang="pt-BR" sz="1200">
+                        <a:effectLst/>
+                        <a:latin typeface="Calibri" panose="020F0502020204030204" pitchFamily="34" charset="0"/>
+                        <a:ea typeface="Calibri" panose="020F0502020204030204" pitchFamily="34" charset="0"/>
+                        <a:cs typeface="Calibri" panose="020F0502020204030204" pitchFamily="34" charset="0"/>
+                      </a:endParaRPr>
+                    </a:p>
+                  </a:txBody>
+                  <a:tcPr marL="68580" marR="68580" marT="0" marB="0" anchor="ctr">
+                    <a:lnL w="12700" cap="flat" cmpd="sng" algn="ctr">
+                      <a:solidFill>
+                        <a:schemeClr val="tx1"/>
+                      </a:solidFill>
+                      <a:prstDash val="solid"/>
+                      <a:round/>
+                      <a:headEnd type="none" w="med" len="med"/>
+                      <a:tailEnd type="none" w="med" len="med"/>
+                    </a:lnL>
+                    <a:lnR w="12700" cap="flat" cmpd="sng" algn="ctr">
+                      <a:solidFill>
+                        <a:schemeClr val="tx1"/>
+                      </a:solidFill>
+                      <a:prstDash val="solid"/>
+                      <a:round/>
+                      <a:headEnd type="none" w="med" len="med"/>
+                      <a:tailEnd type="none" w="med" len="med"/>
+                    </a:lnR>
+                    <a:lnT w="12700" cap="flat" cmpd="sng" algn="ctr">
+                      <a:solidFill>
+                        <a:schemeClr val="tx1"/>
+                      </a:solidFill>
+                      <a:prstDash val="solid"/>
+                      <a:round/>
+                      <a:headEnd type="none" w="med" len="med"/>
+                      <a:tailEnd type="none" w="med" len="med"/>
+                    </a:lnT>
+                    <a:lnB w="12700" cap="flat" cmpd="sng" algn="ctr">
+                      <a:solidFill>
+                        <a:schemeClr val="tx1"/>
+                      </a:solidFill>
+                      <a:prstDash val="solid"/>
+                      <a:round/>
+                      <a:headEnd type="none" w="med" len="med"/>
+                      <a:tailEnd type="none" w="med" len="med"/>
+                    </a:lnB>
+                  </a:tcPr>
+                </a:tc>
+                <a:extLst>
+                  <a:ext uri="{0D108BD9-81ED-4DB2-BD59-A6C34878D82A}">
+                    <a16:rowId xmlns:a16="http://schemas.microsoft.com/office/drawing/2014/main" val="164761615"/>
+                  </a:ext>
+                </a:extLst>
+              </a:tr>
+            </a:tbl>
+          </a:graphicData>
+        </a:graphic>
+      </p:graphicFrame>
+      <p:pic>
+        <p:nvPicPr>
+          <p:cNvPr id="13" name="Imagem 12" descr="Uma imagem contendo homem, segurando&#10;&#10;Descrição gerada automaticamente">
+            <a:extLst>
+              <a:ext uri="{FF2B5EF4-FFF2-40B4-BE49-F238E27FC236}">
+                <a16:creationId xmlns:a16="http://schemas.microsoft.com/office/drawing/2014/main" id="{15841944-E37A-410E-8129-925031F09E24}"/>
+              </a:ext>
+            </a:extLst>
+          </p:cNvPr>
+          <p:cNvPicPr>
+            <a:picLocks noChangeAspect="1"/>
+          </p:cNvPicPr>
+          <p:nvPr/>
+        </p:nvPicPr>
+        <p:blipFill>
+          <a:blip r:embed="rId3">
+            <a:extLst>
+              <a:ext uri="{28A0092B-C50C-407E-A947-70E740481C1C}">
+                <a14:useLocalDpi xmlns:a14="http://schemas.microsoft.com/office/drawing/2010/main" val="0"/>
+              </a:ext>
+            </a:extLst>
+          </a:blip>
+          <a:stretch>
+            <a:fillRect/>
+          </a:stretch>
+        </p:blipFill>
+        <p:spPr>
+          <a:xfrm>
+            <a:off x="9964675" y="-2215"/>
+            <a:ext cx="2227325" cy="1593560"/>
+          </a:xfrm>
+          <a:prstGeom prst="rect">
+            <a:avLst/>
+          </a:prstGeom>
+        </p:spPr>
+      </p:pic>
+    </p:spTree>
+    <p:extLst>
+      <p:ext uri="{BB962C8B-B14F-4D97-AF65-F5344CB8AC3E}">
+        <p14:creationId xmlns:p14="http://schemas.microsoft.com/office/powerpoint/2010/main" val="2876785368"/>
+      </p:ext>
+    </p:extLst>
+  </p:cSld>
+  <p:clrMapOvr>
+    <a:masterClrMapping/>
+  </p:clrMapOvr>
+  <mc:AlternateContent xmlns:mc="http://schemas.openxmlformats.org/markup-compatibility/2006" xmlns:p14="http://schemas.microsoft.com/office/powerpoint/2010/main">
+    <mc:Choice Requires="p14">
+      <p:transition spd="slow">
+        <p14:flash/>
+      </p:transition>
+    </mc:Choice>
+    <mc:Fallback xmlns="">
+      <p:transition spd="slow">
+        <p:fade/>
+      </p:transition>
+    </mc:Fallback>
+  </mc:AlternateContent>
+</p:sld>
+</file>
+
+<file path=ppt/slides/slide38.xml><?xml version="1.0" encoding="utf-8"?>
+<p:sld xmlns:a="http://schemas.openxmlformats.org/drawingml/2006/main" xmlns:r="http://schemas.openxmlformats.org/officeDocument/2006/relationships" xmlns:p="http://schemas.openxmlformats.org/presentationml/2006/main">
+  <p:cSld>
+    <p:spTree>
+      <p:nvGrpSpPr>
+        <p:cNvPr id="1" name=""/>
+        <p:cNvGrpSpPr/>
+        <p:nvPr/>
+      </p:nvGrpSpPr>
+      <p:grpSpPr>
+        <a:xfrm>
+          <a:off x="0" y="0"/>
+          <a:ext cx="0" cy="0"/>
+          <a:chOff x="0" y="0"/>
+          <a:chExt cx="0" cy="0"/>
+        </a:xfrm>
+      </p:grpSpPr>
+      <p:sp>
+        <p:nvSpPr>
+          <p:cNvPr id="4" name="Título 1">
+            <a:extLst>
+              <a:ext uri="{FF2B5EF4-FFF2-40B4-BE49-F238E27FC236}">
+                <a16:creationId xmlns:a16="http://schemas.microsoft.com/office/drawing/2014/main" id="{8B2E5E53-9E39-4FB1-823D-3C703040A847}"/>
+              </a:ext>
+            </a:extLst>
+          </p:cNvPr>
+          <p:cNvSpPr txBox="1">
+            <a:spLocks/>
+          </p:cNvSpPr>
+          <p:nvPr/>
+        </p:nvSpPr>
+        <p:spPr>
+          <a:xfrm>
+            <a:off x="0" y="1124744"/>
+            <a:ext cx="12192000" cy="360040"/>
+          </a:xfrm>
+          <a:prstGeom prst="rect">
+            <a:avLst/>
+          </a:prstGeom>
+          <a:solidFill>
+            <a:srgbClr val="002060"/>
+          </a:solidFill>
+        </p:spPr>
+        <p:txBody>
+          <a:bodyPr vert="horz" lIns="91440" tIns="45720" rIns="91440" bIns="45720" rtlCol="0" anchor="ctr">
+            <a:noAutofit/>
+          </a:bodyPr>
+          <a:lstStyle>
+            <a:lvl1pPr algn="ctr" defTabSz="914400" rtl="0" eaLnBrk="1" latinLnBrk="0" hangingPunct="1">
+              <a:spcBef>
+                <a:spcPct val="0"/>
+              </a:spcBef>
+              <a:buNone/>
+              <a:defRPr sz="4400" kern="1200">
+                <a:solidFill>
+                  <a:schemeClr val="tx1"/>
+                </a:solidFill>
+                <a:latin typeface="+mj-lt"/>
+                <a:ea typeface="+mj-ea"/>
+                <a:cs typeface="+mj-cs"/>
+              </a:defRPr>
+            </a:lvl1pPr>
+          </a:lstStyle>
+          <a:p>
+            <a:r>
+              <a:rPr lang="pt-BR" sz="1800" spc="300">
+                <a:solidFill>
+                  <a:schemeClr val="bg1"/>
+                </a:solidFill>
+                <a:latin typeface="Times New Roman" pitchFamily="18" charset="0"/>
+                <a:cs typeface="Times New Roman" pitchFamily="18" charset="0"/>
+              </a:rPr>
+              <a:t>Faculdade de Tecnologia de Mogi das Cruze</a:t>
+            </a:r>
+            <a:r>
+              <a:rPr lang="pt-BR" sz="1800">
+                <a:solidFill>
+                  <a:schemeClr val="bg1"/>
+                </a:solidFill>
+                <a:latin typeface="Times New Roman" pitchFamily="18" charset="0"/>
+                <a:cs typeface="Times New Roman" pitchFamily="18" charset="0"/>
+              </a:rPr>
+              <a:t>s</a:t>
+            </a:r>
+          </a:p>
+        </p:txBody>
+      </p:sp>
+      <p:sp>
+        <p:nvSpPr>
+          <p:cNvPr id="5" name="Título 1">
+            <a:extLst>
+              <a:ext uri="{FF2B5EF4-FFF2-40B4-BE49-F238E27FC236}">
+                <a16:creationId xmlns:a16="http://schemas.microsoft.com/office/drawing/2014/main" id="{89D938D6-E2AA-44CA-B68B-67D297F63CE7}"/>
+              </a:ext>
+            </a:extLst>
+          </p:cNvPr>
+          <p:cNvSpPr txBox="1">
+            <a:spLocks/>
+          </p:cNvSpPr>
+          <p:nvPr/>
+        </p:nvSpPr>
+        <p:spPr>
+          <a:xfrm>
+            <a:off x="2220191" y="1709619"/>
+            <a:ext cx="7751618" cy="3627311"/>
+          </a:xfrm>
+          <a:prstGeom prst="rect">
+            <a:avLst/>
+          </a:prstGeom>
+        </p:spPr>
+        <p:txBody>
+          <a:bodyPr vert="horz" lIns="91440" tIns="45720" rIns="91440" bIns="45720" rtlCol="0" anchor="ctr">
+            <a:normAutofit/>
+          </a:bodyPr>
+          <a:lstStyle>
+            <a:lvl1pPr algn="l" defTabSz="914400" rtl="0" eaLnBrk="1" latinLnBrk="0" hangingPunct="1">
+              <a:lnSpc>
+                <a:spcPct val="90000"/>
+              </a:lnSpc>
+              <a:spcBef>
+                <a:spcPct val="0"/>
+              </a:spcBef>
+              <a:buNone/>
+              <a:defRPr sz="4400" kern="1200">
+                <a:solidFill>
+                  <a:schemeClr val="tx1"/>
+                </a:solidFill>
+                <a:latin typeface="+mj-lt"/>
+                <a:ea typeface="+mj-ea"/>
+                <a:cs typeface="+mj-cs"/>
+              </a:defRPr>
+            </a:lvl1pPr>
+          </a:lstStyle>
+          <a:p>
+            <a:pPr algn="ctr"/>
+            <a:r>
+              <a:rPr lang="pt-BR" sz="3700" b="1">
+                <a:solidFill>
+                  <a:srgbClr val="002060"/>
+                </a:solidFill>
+                <a:latin typeface="Century Gothic" panose="020B0502020202020204" pitchFamily="34" charset="0"/>
+              </a:rPr>
+              <a:t>Laboratório de Engenharia de Software </a:t>
+            </a:r>
+          </a:p>
+          <a:p>
+            <a:pPr algn="ctr"/>
+            <a:br>
+              <a:rPr lang="pt-BR" sz="3700" b="1">
+                <a:solidFill>
+                  <a:srgbClr val="002060"/>
+                </a:solidFill>
+                <a:latin typeface="Century Gothic" panose="020B0502020202020204" pitchFamily="34" charset="0"/>
+              </a:rPr>
+            </a:br>
+            <a:r>
+              <a:rPr lang="pt-BR" sz="3700" b="1" err="1">
+                <a:solidFill>
+                  <a:srgbClr val="002060"/>
+                </a:solidFill>
+                <a:latin typeface="Century Gothic" panose="020B0502020202020204" pitchFamily="34" charset="0"/>
+              </a:rPr>
+              <a:t>GrowUp</a:t>
+            </a:r>
+            <a:endParaRPr lang="pt-BR" sz="3700" b="1">
+              <a:solidFill>
+                <a:srgbClr val="002060"/>
+              </a:solidFill>
+              <a:latin typeface="Century Gothic" panose="020B0502020202020204" pitchFamily="34" charset="0"/>
+            </a:endParaRPr>
+          </a:p>
+          <a:p>
+            <a:pPr algn="ctr"/>
+            <a:endParaRPr lang="pt-BR" sz="3700" b="1">
+              <a:solidFill>
+                <a:srgbClr val="002060"/>
+              </a:solidFill>
+              <a:latin typeface="Century Gothic" panose="020B0502020202020204" pitchFamily="34" charset="0"/>
+            </a:endParaRPr>
+          </a:p>
+          <a:p>
+            <a:pPr algn="ctr"/>
+            <a:r>
+              <a:rPr lang="pt-BR" sz="3700" b="1">
+                <a:solidFill>
+                  <a:srgbClr val="002060"/>
+                </a:solidFill>
+                <a:latin typeface="Century Gothic" panose="020B0502020202020204" pitchFamily="34" charset="0"/>
+              </a:rPr>
+              <a:t>Obrigado!</a:t>
+            </a:r>
+            <a:endParaRPr lang="pt-BR" sz="3600" b="1">
+              <a:solidFill>
+                <a:srgbClr val="002060"/>
+              </a:solidFill>
+              <a:latin typeface="Century Gothic" panose="020B0502020202020204" pitchFamily="34" charset="0"/>
+            </a:endParaRPr>
+          </a:p>
+        </p:txBody>
+      </p:sp>
+      <p:pic>
+        <p:nvPicPr>
+          <p:cNvPr id="7" name="Imagem 6" descr="logo-novo-cps-cor">
+            <a:extLst>
+              <a:ext uri="{FF2B5EF4-FFF2-40B4-BE49-F238E27FC236}">
+                <a16:creationId xmlns:a16="http://schemas.microsoft.com/office/drawing/2014/main" id="{0C00EA31-2DD5-4F53-9D69-98D4ADD9D842}"/>
+              </a:ext>
+            </a:extLst>
+          </p:cNvPr>
+          <p:cNvPicPr/>
+          <p:nvPr/>
+        </p:nvPicPr>
+        <p:blipFill>
+          <a:blip r:embed="rId2"/>
+          <a:srcRect/>
+          <a:stretch>
+            <a:fillRect/>
+          </a:stretch>
+        </p:blipFill>
+        <p:spPr bwMode="auto">
+          <a:xfrm>
+            <a:off x="3299298" y="103000"/>
+            <a:ext cx="5580660" cy="924809"/>
+          </a:xfrm>
+          <a:prstGeom prst="rect">
+            <a:avLst/>
+          </a:prstGeom>
+          <a:noFill/>
+          <a:ln w="9525">
+            <a:noFill/>
+            <a:miter lim="800000"/>
+            <a:headEnd/>
+            <a:tailEnd/>
+          </a:ln>
+        </p:spPr>
+      </p:pic>
+      <p:sp>
+        <p:nvSpPr>
+          <p:cNvPr id="8" name="Título 1">
+            <a:extLst>
+              <a:ext uri="{FF2B5EF4-FFF2-40B4-BE49-F238E27FC236}">
+                <a16:creationId xmlns:a16="http://schemas.microsoft.com/office/drawing/2014/main" id="{961F6963-9864-4982-BB08-2ACE44CC2B5E}"/>
+              </a:ext>
+            </a:extLst>
+          </p:cNvPr>
+          <p:cNvSpPr txBox="1">
+            <a:spLocks/>
+          </p:cNvSpPr>
+          <p:nvPr/>
+        </p:nvSpPr>
+        <p:spPr>
+          <a:xfrm>
+            <a:off x="2220191" y="4899997"/>
+            <a:ext cx="7751618" cy="1958003"/>
+          </a:xfrm>
+          <a:prstGeom prst="rect">
+            <a:avLst/>
+          </a:prstGeom>
+        </p:spPr>
+        <p:txBody>
+          <a:bodyPr vert="horz" lIns="91440" tIns="45720" rIns="91440" bIns="45720" rtlCol="0" anchor="ctr">
+            <a:normAutofit/>
+          </a:bodyPr>
+          <a:lstStyle>
+            <a:lvl1pPr algn="l" defTabSz="914400" rtl="0" eaLnBrk="1" latinLnBrk="0" hangingPunct="1">
+              <a:lnSpc>
+                <a:spcPct val="90000"/>
+              </a:lnSpc>
+              <a:spcBef>
+                <a:spcPct val="0"/>
+              </a:spcBef>
+              <a:buNone/>
+              <a:defRPr sz="4400" kern="1200">
+                <a:solidFill>
+                  <a:schemeClr val="tx1"/>
+                </a:solidFill>
+                <a:latin typeface="+mj-lt"/>
+                <a:ea typeface="+mj-ea"/>
+                <a:cs typeface="+mj-cs"/>
+              </a:defRPr>
+            </a:lvl1pPr>
+          </a:lstStyle>
+          <a:p>
+            <a:pPr algn="ctr"/>
+            <a:r>
+              <a:rPr lang="pt-BR" sz="2000" b="1">
+                <a:latin typeface="Century Gothic" panose="020B0502020202020204" pitchFamily="34" charset="0"/>
+              </a:rPr>
+              <a:t>Pablo Luiz de Oliveira Lessa Ribeiro</a:t>
+            </a:r>
+          </a:p>
+          <a:p>
+            <a:pPr algn="ctr"/>
+            <a:r>
+              <a:rPr lang="pt-BR" sz="2000" b="1">
+                <a:latin typeface="Century Gothic" panose="020B0502020202020204" pitchFamily="34" charset="0"/>
+              </a:rPr>
+              <a:t>Grupo: LS-025</a:t>
+            </a:r>
+          </a:p>
+        </p:txBody>
+      </p:sp>
+    </p:spTree>
+    <p:extLst>
+      <p:ext uri="{BB962C8B-B14F-4D97-AF65-F5344CB8AC3E}">
+        <p14:creationId xmlns:p14="http://schemas.microsoft.com/office/powerpoint/2010/main" val="2006994937"/>
+      </p:ext>
+    </p:extLst>
+  </p:cSld>
+  <p:clrMapOvr>
+    <a:masterClrMapping/>
+  </p:clrMapOvr>
+  <p:transition spd="slow">
+    <p:push dir="u"/>
   </p:transition>
 </p:sld>
 </file>
@@ -29197,13 +30477,13 @@
   <p:clrMapOvr>
     <a:masterClrMapping/>
   </p:clrMapOvr>
-  <mc:AlternateContent xmlns:mc="http://schemas.openxmlformats.org/markup-compatibility/2006">
-    <mc:Choice xmlns:p14="http://schemas.microsoft.com/office/powerpoint/2010/main" Requires="p14">
+  <mc:AlternateContent xmlns:mc="http://schemas.openxmlformats.org/markup-compatibility/2006" xmlns:p14="http://schemas.microsoft.com/office/powerpoint/2010/main">
+    <mc:Choice Requires="p14">
       <p:transition spd="med" p14:dur="700">
         <p:fade/>
       </p:transition>
     </mc:Choice>
-    <mc:Fallback>
+    <mc:Fallback xmlns="">
       <p:transition spd="med">
         <p:fade/>
       </p:transition>
@@ -30422,7 +31702,7 @@
               </a:lnSpc>
             </a:pPr>
             <a:r>
-              <a:rPr lang="pt-PT" sz="6200" b="1">
+              <a:rPr lang="pt-PT" sz="6200" b="1" dirty="0">
                 <a:solidFill>
                   <a:schemeClr val="tx1"/>
                 </a:solidFill>
@@ -30432,7 +31712,7 @@
               <a:t>Linguagem de programação</a:t>
             </a:r>
             <a:r>
-              <a:rPr lang="pt-PT" sz="6200">
+              <a:rPr lang="pt-PT" sz="6200" dirty="0">
                 <a:solidFill>
                   <a:schemeClr val="tx1"/>
                 </a:solidFill>
@@ -30449,7 +31729,7 @@
               </a:lnSpc>
             </a:pPr>
             <a:r>
-              <a:rPr lang="pt-PT" sz="6200" b="1">
+              <a:rPr lang="pt-PT" sz="6200" b="1" dirty="0">
                 <a:solidFill>
                   <a:schemeClr val="tx1"/>
                 </a:solidFill>
@@ -30459,7 +31739,7 @@
               <a:t>Outros</a:t>
             </a:r>
             <a:r>
-              <a:rPr lang="pt-PT" sz="6200">
+              <a:rPr lang="pt-PT" sz="6200" dirty="0">
                 <a:solidFill>
                   <a:schemeClr val="tx1"/>
                 </a:solidFill>
@@ -30469,7 +31749,7 @@
               <a:t>: SpringBoot, </a:t>
             </a:r>
             <a:r>
-              <a:rPr lang="en-US" altLang="ko-KR" sz="6200">
+              <a:rPr lang="en-US" altLang="ko-KR" sz="6200" dirty="0">
                 <a:solidFill>
                   <a:schemeClr val="tx1"/>
                 </a:solidFill>
@@ -30479,17 +31759,17 @@
               <a:t>Bootstrap, </a:t>
             </a:r>
             <a:r>
-              <a:rPr lang="pt-PT" sz="6200">
+              <a:rPr lang="pt-PT" sz="6200" dirty="0">
                 <a:solidFill>
                   <a:schemeClr val="tx1"/>
                 </a:solidFill>
                 <a:latin typeface="Century Gothic" panose="020B0502020202020204" pitchFamily="34" charset="0"/>
                 <a:cs typeface="Times New Roman" panose="02020603050405020304" pitchFamily="18" charset="0"/>
               </a:rPr>
-              <a:t>CSS, HTML, JSP, JSTL,  </a:t>
+              <a:t>CSS, HTML, Thymeleaf,  </a:t>
             </a:r>
             <a:r>
-              <a:rPr lang="en-US" altLang="ko-KR" sz="6200">
+              <a:rPr lang="en-US" altLang="ko-KR" sz="6200" dirty="0">
                 <a:solidFill>
                   <a:schemeClr val="tx1"/>
                 </a:solidFill>
@@ -30499,7 +31779,7 @@
               <a:t>jQuery, JavaScript</a:t>
             </a:r>
             <a:r>
-              <a:rPr lang="pt-PT" sz="6200">
+              <a:rPr lang="pt-PT" sz="6200" dirty="0">
                 <a:solidFill>
                   <a:schemeClr val="tx1"/>
                 </a:solidFill>
@@ -30516,7 +31796,7 @@
               </a:lnSpc>
             </a:pPr>
             <a:r>
-              <a:rPr lang="pt-PT" sz="6200" b="1">
+              <a:rPr lang="pt-PT" sz="6200" b="1" dirty="0">
                 <a:solidFill>
                   <a:schemeClr val="tx1"/>
                 </a:solidFill>
@@ -30526,7 +31806,7 @@
               <a:t>Banco de dados</a:t>
             </a:r>
             <a:r>
-              <a:rPr lang="pt-PT" sz="6200">
+              <a:rPr lang="pt-PT" sz="6200" dirty="0">
                 <a:solidFill>
                   <a:schemeClr val="tx1"/>
                 </a:solidFill>
@@ -30543,7 +31823,7 @@
               </a:lnSpc>
             </a:pPr>
             <a:r>
-              <a:rPr lang="pt-PT" sz="6200" b="1">
+              <a:rPr lang="pt-PT" sz="6200" b="1" dirty="0">
                 <a:solidFill>
                   <a:schemeClr val="tx1"/>
                 </a:solidFill>
@@ -30553,7 +31833,7 @@
               <a:t>Modelagem</a:t>
             </a:r>
             <a:r>
-              <a:rPr lang="pt-PT" sz="6200">
+              <a:rPr lang="pt-PT" sz="6200" dirty="0">
                 <a:solidFill>
                   <a:schemeClr val="tx1"/>
                 </a:solidFill>
@@ -30570,7 +31850,7 @@
               </a:lnSpc>
             </a:pPr>
             <a:r>
-              <a:rPr lang="pt-PT" sz="6200" b="1">
+              <a:rPr lang="pt-PT" sz="6200" b="1" dirty="0">
                 <a:solidFill>
                   <a:schemeClr val="tx1"/>
                 </a:solidFill>
@@ -30580,7 +31860,7 @@
               <a:t>Testes</a:t>
             </a:r>
             <a:r>
-              <a:rPr lang="pt-PT" sz="6200">
+              <a:rPr lang="pt-PT" sz="6200" dirty="0">
                 <a:solidFill>
                   <a:schemeClr val="tx1"/>
                 </a:solidFill>
@@ -30597,7 +31877,7 @@
               </a:lnSpc>
             </a:pPr>
             <a:r>
-              <a:rPr lang="pt-BR" sz="6200" b="1" i="0">
+              <a:rPr lang="pt-BR" sz="6200" b="1" i="0" dirty="0">
                 <a:solidFill>
                   <a:schemeClr val="tx1"/>
                 </a:solidFill>
@@ -30608,7 +31888,7 @@
               <a:t>Hospedagem e versionamento de código-fonte</a:t>
             </a:r>
             <a:r>
-              <a:rPr lang="pt-BR" sz="6200" b="0" i="0">
+              <a:rPr lang="pt-BR" sz="6200" b="0" i="0" dirty="0">
                 <a:solidFill>
                   <a:schemeClr val="tx1"/>
                 </a:solidFill>
@@ -30626,7 +31906,7 @@
               </a:lnSpc>
             </a:pPr>
             <a:r>
-              <a:rPr lang="pt-PT" sz="6200" b="1">
+              <a:rPr lang="pt-PT" sz="6200" b="1" dirty="0">
                 <a:solidFill>
                   <a:schemeClr val="tx1"/>
                 </a:solidFill>
@@ -30636,7 +31916,7 @@
               <a:t>Gráficos</a:t>
             </a:r>
             <a:r>
-              <a:rPr lang="pt-PT" sz="6200">
+              <a:rPr lang="pt-PT" sz="6200" dirty="0">
                 <a:solidFill>
                   <a:schemeClr val="tx1"/>
                 </a:solidFill>
@@ -30653,7 +31933,7 @@
               </a:lnSpc>
             </a:pPr>
             <a:r>
-              <a:rPr lang="pt-PT" sz="6200" b="1">
+              <a:rPr lang="pt-PT" sz="6200" b="1" dirty="0">
                 <a:solidFill>
                   <a:schemeClr val="tx1"/>
                 </a:solidFill>
@@ -30663,7 +31943,7 @@
               <a:t>Servidor de aplicação</a:t>
             </a:r>
             <a:r>
-              <a:rPr lang="pt-PT" sz="6200">
+              <a:rPr lang="pt-PT" sz="6200" dirty="0">
                 <a:solidFill>
                   <a:schemeClr val="tx1"/>
                 </a:solidFill>
@@ -30680,7 +31960,7 @@
               </a:lnSpc>
             </a:pPr>
             <a:r>
-              <a:rPr lang="pt-PT" sz="6200">
+              <a:rPr lang="pt-PT" sz="6200" dirty="0">
                 <a:solidFill>
                   <a:schemeClr val="tx1"/>
                 </a:solidFill>
@@ -30697,7 +31977,7 @@
               </a:lnSpc>
             </a:pPr>
             <a:r>
-              <a:rPr lang="pt-PT" sz="6200" b="1">
+              <a:rPr lang="pt-PT" sz="6200" b="1" dirty="0">
                 <a:solidFill>
                   <a:schemeClr val="tx1"/>
                 </a:solidFill>
@@ -30707,7 +31987,7 @@
               <a:t>IDE’s</a:t>
             </a:r>
             <a:r>
-              <a:rPr lang="pt-PT" sz="6200">
+              <a:rPr lang="pt-PT" sz="6200" dirty="0">
                 <a:solidFill>
                   <a:schemeClr val="tx1"/>
                 </a:solidFill>
@@ -30717,7 +31997,7 @@
               <a:t>: </a:t>
             </a:r>
             <a:r>
-              <a:rPr lang="pt-PT" sz="6200">
+              <a:rPr lang="pt-PT" sz="6200" dirty="0">
                 <a:latin typeface="Century Gothic" panose="020B0502020202020204" pitchFamily="34" charset="0"/>
                 <a:cs typeface="Times New Roman" panose="02020603050405020304" pitchFamily="18" charset="0"/>
               </a:rPr>
@@ -30730,17 +32010,17 @@
                 <a:spcPct val="150000"/>
               </a:lnSpc>
             </a:pPr>
-            <a:endParaRPr lang="pt-BR" sz="4400">
+            <a:endParaRPr lang="pt-BR" sz="4400" dirty="0">
               <a:latin typeface="Century Gothic" panose="020B0502020202020204" pitchFamily="34" charset="0"/>
             </a:endParaRPr>
           </a:p>
           <a:p>
-            <a:endParaRPr lang="pt-BR" sz="4400">
+            <a:endParaRPr lang="pt-BR" sz="4400" dirty="0">
               <a:latin typeface="Century Gothic" panose="020B0502020202020204" pitchFamily="34" charset="0"/>
             </a:endParaRPr>
           </a:p>
           <a:p>
-            <a:endParaRPr lang="ko-KR" altLang="en-US">
+            <a:endParaRPr lang="ko-KR" altLang="en-US" dirty="0">
               <a:latin typeface="Century Gothic" panose="020B0502020202020204" pitchFamily="34" charset="0"/>
             </a:endParaRPr>
           </a:p>
@@ -30878,13 +32158,13 @@
   <p:clrMapOvr>
     <a:masterClrMapping/>
   </p:clrMapOvr>
-  <mc:AlternateContent xmlns:mc="http://schemas.openxmlformats.org/markup-compatibility/2006">
-    <mc:Choice xmlns:p14="http://schemas.microsoft.com/office/powerpoint/2010/main" Requires="p14">
+  <mc:AlternateContent xmlns:mc="http://schemas.openxmlformats.org/markup-compatibility/2006" xmlns:p14="http://schemas.microsoft.com/office/powerpoint/2010/main">
+    <mc:Choice Requires="p14">
       <p:transition spd="slow">
         <p14:flash/>
       </p:transition>
     </mc:Choice>
-    <mc:Fallback>
+    <mc:Fallback xmlns="">
       <p:transition spd="slow">
         <p:fade/>
       </p:transition>
@@ -37048,13 +38328,13 @@
   <p:clrMapOvr>
     <a:masterClrMapping/>
   </p:clrMapOvr>
-  <mc:AlternateContent xmlns:mc="http://schemas.openxmlformats.org/markup-compatibility/2006">
-    <mc:Choice xmlns:p14="http://schemas.microsoft.com/office/powerpoint/2010/main" Requires="p14">
+  <mc:AlternateContent xmlns:mc="http://schemas.openxmlformats.org/markup-compatibility/2006" xmlns:p14="http://schemas.microsoft.com/office/powerpoint/2010/main">
+    <mc:Choice Requires="p14">
       <p:transition spd="med" p14:dur="700">
         <p:fade/>
       </p:transition>
     </mc:Choice>
-    <mc:Fallback>
+    <mc:Fallback xmlns="">
       <p:transition spd="med">
         <p:fade/>
       </p:transition>
@@ -43903,6 +45183,12 @@
 </file>
 
 <file path=customXml/item2.xml><?xml version="1.0" encoding="utf-8"?>
+<p:properties xmlns:p="http://schemas.microsoft.com/office/2006/metadata/properties" xmlns:xsi="http://www.w3.org/2001/XMLSchema-instance" xmlns:pc="http://schemas.microsoft.com/office/infopath/2007/PartnerControls">
+  <documentManagement/>
+</p:properties>
+</file>
+
+<file path=customXml/item3.xml><?xml version="1.0" encoding="utf-8"?>
 <ct:contentTypeSchema xmlns:ct="http://schemas.microsoft.com/office/2006/metadata/contentType" xmlns:ma="http://schemas.microsoft.com/office/2006/metadata/properties/metaAttributes" ct:_="" ma:_="" ma:contentTypeName="Documento" ma:contentTypeID="0x01010085A270631BE6E644B5ECC5E0934FDCEB" ma:contentTypeVersion="2" ma:contentTypeDescription="Crie um novo documento." ma:contentTypeScope="" ma:versionID="56d17dba05b3f077caaf6fbaef9a2f41">
   <xsd:schema xmlns:xsd="http://www.w3.org/2001/XMLSchema" xmlns:xs="http://www.w3.org/2001/XMLSchema" xmlns:p="http://schemas.microsoft.com/office/2006/metadata/properties" xmlns:ns2="f3537469-bef8-4b77-a6a4-28593039d778" targetNamespace="http://schemas.microsoft.com/office/2006/metadata/properties" ma:root="true" ma:fieldsID="dbdfc210a957e247984b62cd4c8d0f58" ns2:_="">
     <xsd:import namespace="f3537469-bef8-4b77-a6a4-28593039d778"/>
@@ -44034,12 +45320,6 @@
 </ct:contentTypeSchema>
 </file>
 
-<file path=customXml/item3.xml><?xml version="1.0" encoding="utf-8"?>
-<p:properties xmlns:p="http://schemas.microsoft.com/office/2006/metadata/properties" xmlns:xsi="http://www.w3.org/2001/XMLSchema-instance" xmlns:pc="http://schemas.microsoft.com/office/infopath/2007/PartnerControls">
-  <documentManagement/>
-</p:properties>
-</file>
-
 <file path=customXml/itemProps1.xml><?xml version="1.0" encoding="utf-8"?>
 <ds:datastoreItem xmlns:ds="http://schemas.openxmlformats.org/officeDocument/2006/customXml" ds:itemID="{2186BE49-4CCC-46AC-9CFF-A8FBB65234A6}">
   <ds:schemaRefs>
@@ -44049,6 +45329,22 @@
 </file>
 
 <file path=customXml/itemProps2.xml><?xml version="1.0" encoding="utf-8"?>
+<ds:datastoreItem xmlns:ds="http://schemas.openxmlformats.org/officeDocument/2006/customXml" ds:itemID="{0A39EAF2-64C7-41A6-86C1-B422BB530D5D}">
+  <ds:schemaRefs>
+    <ds:schemaRef ds:uri="http://purl.org/dc/dcmitype/"/>
+    <ds:schemaRef ds:uri="http://www.w3.org/XML/1998/namespace"/>
+    <ds:schemaRef ds:uri="http://schemas.microsoft.com/office/2006/documentManagement/types"/>
+    <ds:schemaRef ds:uri="http://schemas.microsoft.com/office/2006/metadata/properties"/>
+    <ds:schemaRef ds:uri="http://purl.org/dc/elements/1.1/"/>
+    <ds:schemaRef ds:uri="f3537469-bef8-4b77-a6a4-28593039d778"/>
+    <ds:schemaRef ds:uri="http://purl.org/dc/terms/"/>
+    <ds:schemaRef ds:uri="http://schemas.microsoft.com/office/infopath/2007/PartnerControls"/>
+    <ds:schemaRef ds:uri="http://schemas.openxmlformats.org/package/2006/metadata/core-properties"/>
+  </ds:schemaRefs>
+</ds:datastoreItem>
+</file>
+
+<file path=customXml/itemProps3.xml><?xml version="1.0" encoding="utf-8"?>
 <ds:datastoreItem xmlns:ds="http://schemas.openxmlformats.org/officeDocument/2006/customXml" ds:itemID="{AE7AFCE7-D449-434D-BF96-9E32E1273F54}">
   <ds:schemaRefs>
     <ds:schemaRef ds:uri="f3537469-bef8-4b77-a6a4-28593039d778"/>
@@ -44064,13 +45360,4 @@
     <ds:schemaRef ds:uri="http://www.w3.org/2001/XMLSchema"/>
   </ds:schemaRefs>
 </ds:datastoreItem>
-</file>
-
-<file path=customXml/itemProps3.xml><?xml version="1.0" encoding="utf-8"?>
-<ds:datastoreItem xmlns:ds="http://schemas.openxmlformats.org/officeDocument/2006/customXml" ds:itemID="{0A39EAF2-64C7-41A6-86C1-B422BB530D5D}">
-  <ds:schemaRefs>
-    <ds:schemaRef ds:uri="http://schemas.microsoft.com/office/2006/metadata/properties"/>
-    <ds:schemaRef ds:uri="http://schemas.microsoft.com/office/infopath/2007/PartnerControls"/>
-  </ds:schemaRefs>
-</ds:datastoreItem>
 </file>
--- a/APRESENTAÇÃO.pptx
+++ b/APRESENTAÇÃO.pptx
@@ -5,7 +5,7 @@
     <p:sldMasterId id="2147483648" r:id="rId4"/>
   </p:sldMasterIdLst>
   <p:notesMasterIdLst>
-    <p:notesMasterId r:id="rId43"/>
+    <p:notesMasterId r:id="rId52"/>
   </p:notesMasterIdLst>
   <p:sldIdLst>
     <p:sldId id="285" r:id="rId5"/>
@@ -44,8 +44,17 @@
     <p:sldId id="375" r:id="rId38"/>
     <p:sldId id="376" r:id="rId39"/>
     <p:sldId id="377" r:id="rId40"/>
-    <p:sldId id="351" r:id="rId41"/>
-    <p:sldId id="337" r:id="rId42"/>
+    <p:sldId id="378" r:id="rId41"/>
+    <p:sldId id="379" r:id="rId42"/>
+    <p:sldId id="380" r:id="rId43"/>
+    <p:sldId id="381" r:id="rId44"/>
+    <p:sldId id="382" r:id="rId45"/>
+    <p:sldId id="383" r:id="rId46"/>
+    <p:sldId id="384" r:id="rId47"/>
+    <p:sldId id="385" r:id="rId48"/>
+    <p:sldId id="386" r:id="rId49"/>
+    <p:sldId id="351" r:id="rId50"/>
+    <p:sldId id="337" r:id="rId51"/>
   </p:sldIdLst>
   <p:sldSz cx="12192000" cy="6858000"/>
   <p:notesSz cx="6858000" cy="9144000"/>
@@ -152,14 +161,6 @@
 </p:presentation>
 </file>
 
-<file path=ppt/revisionInfo.xml><?xml version="1.0" encoding="utf-8"?>
-<p1510:revInfo xmlns:a="http://schemas.openxmlformats.org/drawingml/2006/main" xmlns:r="http://schemas.openxmlformats.org/officeDocument/2006/relationships" xmlns:p1510="http://schemas.microsoft.com/office/powerpoint/2015/10/main">
-  <p1510:revLst>
-    <p1510:client id="{B75C79C7-7432-4B3C-AF6C-89A1CEBDD04E}" v="187" dt="2020-09-14T23:26:50.471"/>
-  </p1510:revLst>
-</p1510:revInfo>
-</file>
-
 <file path=ppt/notesMasters/notesMaster1.xml><?xml version="1.0" encoding="utf-8"?>
 <p:notesMaster xmlns:a="http://schemas.openxmlformats.org/drawingml/2006/main" xmlns:r="http://schemas.openxmlformats.org/officeDocument/2006/relationships" xmlns:p="http://schemas.openxmlformats.org/presentationml/2006/main">
   <p:cSld>
@@ -242,7 +243,7 @@
           <a:p>
             <a:fld id="{E0F86D54-DA32-4249-B31F-DC73D06C51A2}" type="datetimeFigureOut">
               <a:rPr lang="pt-BR" smtClean="0"/>
-              <a:t>14/09/2020</a:t>
+              <a:t>28/09/2020</a:t>
             </a:fld>
             <a:endParaRPr lang="pt-BR"/>
           </a:p>
@@ -400,7 +401,7 @@
           <a:p>
             <a:fld id="{6270F400-6B7C-44DC-ADBB-01E1F65065BC}" type="slidenum">
               <a:rPr lang="pt-BR" smtClean="0"/>
-              <a:t>‹#›</a:t>
+              <a:t>‹nº›</a:t>
             </a:fld>
             <a:endParaRPr lang="pt-BR"/>
           </a:p>
@@ -656,7 +657,7 @@
           <a:p>
             <a:fld id="{EF6E9D72-62BA-497E-9689-56B6877B0064}" type="datetime1">
               <a:rPr lang="pt-BR" smtClean="0"/>
-              <a:t>14/09/2020</a:t>
+              <a:t>28/09/2020</a:t>
             </a:fld>
             <a:endParaRPr lang="pt-BR"/>
           </a:p>
@@ -713,7 +714,7 @@
           <a:p>
             <a:fld id="{BD2B5394-143A-4208-A3B1-25D9600048D5}" type="slidenum">
               <a:rPr lang="pt-BR" smtClean="0"/>
-              <a:t>‹#›</a:t>
+              <a:t>‹nº›</a:t>
             </a:fld>
             <a:endParaRPr lang="pt-BR"/>
           </a:p>
@@ -857,7 +858,7 @@
           <a:p>
             <a:fld id="{1CB300A0-DB27-4380-91DD-6542E8980ACE}" type="datetime1">
               <a:rPr lang="pt-BR" smtClean="0"/>
-              <a:t>14/09/2020</a:t>
+              <a:t>28/09/2020</a:t>
             </a:fld>
             <a:endParaRPr lang="pt-BR"/>
           </a:p>
@@ -914,7 +915,7 @@
           <a:p>
             <a:fld id="{BD2B5394-143A-4208-A3B1-25D9600048D5}" type="slidenum">
               <a:rPr lang="pt-BR" smtClean="0"/>
-              <a:t>‹#›</a:t>
+              <a:t>‹nº›</a:t>
             </a:fld>
             <a:endParaRPr lang="pt-BR"/>
           </a:p>
@@ -1068,7 +1069,7 @@
           <a:p>
             <a:fld id="{D3360261-C254-4598-9AC4-63AA54618917}" type="datetime1">
               <a:rPr lang="pt-BR" smtClean="0"/>
-              <a:t>14/09/2020</a:t>
+              <a:t>28/09/2020</a:t>
             </a:fld>
             <a:endParaRPr lang="pt-BR"/>
           </a:p>
@@ -1125,7 +1126,7 @@
           <a:p>
             <a:fld id="{BD2B5394-143A-4208-A3B1-25D9600048D5}" type="slidenum">
               <a:rPr lang="pt-BR" smtClean="0"/>
-              <a:t>‹#›</a:t>
+              <a:t>‹nº›</a:t>
             </a:fld>
             <a:endParaRPr lang="pt-BR"/>
           </a:p>
@@ -1269,7 +1270,7 @@
           <a:p>
             <a:fld id="{88BBAD8D-7423-4C20-8314-4D8E8E2C51AB}" type="datetime1">
               <a:rPr lang="pt-BR" smtClean="0"/>
-              <a:t>14/09/2020</a:t>
+              <a:t>28/09/2020</a:t>
             </a:fld>
             <a:endParaRPr lang="pt-BR"/>
           </a:p>
@@ -1326,7 +1327,7 @@
           <a:p>
             <a:fld id="{BD2B5394-143A-4208-A3B1-25D9600048D5}" type="slidenum">
               <a:rPr lang="pt-BR" smtClean="0"/>
-              <a:t>‹#›</a:t>
+              <a:t>‹nº›</a:t>
             </a:fld>
             <a:endParaRPr lang="pt-BR"/>
           </a:p>
@@ -1547,7 +1548,7 @@
           <a:p>
             <a:fld id="{C73408C8-A3CD-4704-A663-06FB0D1DB7BB}" type="datetime1">
               <a:rPr lang="pt-BR" smtClean="0"/>
-              <a:t>14/09/2020</a:t>
+              <a:t>28/09/2020</a:t>
             </a:fld>
             <a:endParaRPr lang="pt-BR"/>
           </a:p>
@@ -1604,7 +1605,7 @@
           <a:p>
             <a:fld id="{BD2B5394-143A-4208-A3B1-25D9600048D5}" type="slidenum">
               <a:rPr lang="pt-BR" smtClean="0"/>
-              <a:t>‹#›</a:t>
+              <a:t>‹nº›</a:t>
             </a:fld>
             <a:endParaRPr lang="pt-BR"/>
           </a:p>
@@ -1815,7 +1816,7 @@
           <a:p>
             <a:fld id="{03304D04-B014-4A71-A860-ADBAB45C6D34}" type="datetime1">
               <a:rPr lang="pt-BR" smtClean="0"/>
-              <a:t>14/09/2020</a:t>
+              <a:t>28/09/2020</a:t>
             </a:fld>
             <a:endParaRPr lang="pt-BR"/>
           </a:p>
@@ -1872,7 +1873,7 @@
           <a:p>
             <a:fld id="{BD2B5394-143A-4208-A3B1-25D9600048D5}" type="slidenum">
               <a:rPr lang="pt-BR" smtClean="0"/>
-              <a:t>‹#›</a:t>
+              <a:t>‹nº›</a:t>
             </a:fld>
             <a:endParaRPr lang="pt-BR"/>
           </a:p>
@@ -2230,7 +2231,7 @@
           <a:p>
             <a:fld id="{45BF0DE9-11EE-4342-9141-49A83AFADE3E}" type="datetime1">
               <a:rPr lang="pt-BR" smtClean="0"/>
-              <a:t>14/09/2020</a:t>
+              <a:t>28/09/2020</a:t>
             </a:fld>
             <a:endParaRPr lang="pt-BR"/>
           </a:p>
@@ -2287,7 +2288,7 @@
           <a:p>
             <a:fld id="{BD2B5394-143A-4208-A3B1-25D9600048D5}" type="slidenum">
               <a:rPr lang="pt-BR" smtClean="0"/>
-              <a:t>‹#›</a:t>
+              <a:t>‹nº›</a:t>
             </a:fld>
             <a:endParaRPr lang="pt-BR"/>
           </a:p>
@@ -2374,7 +2375,7 @@
           <a:p>
             <a:fld id="{559CB44C-219B-43EC-BAC1-C192D8E05653}" type="datetime1">
               <a:rPr lang="pt-BR" smtClean="0"/>
-              <a:t>14/09/2020</a:t>
+              <a:t>28/09/2020</a:t>
             </a:fld>
             <a:endParaRPr lang="pt-BR"/>
           </a:p>
@@ -2431,7 +2432,7 @@
           <a:p>
             <a:fld id="{BD2B5394-143A-4208-A3B1-25D9600048D5}" type="slidenum">
               <a:rPr lang="pt-BR" smtClean="0"/>
-              <a:t>‹#›</a:t>
+              <a:t>‹nº›</a:t>
             </a:fld>
             <a:endParaRPr lang="pt-BR"/>
           </a:p>
@@ -2490,7 +2491,7 @@
           <a:p>
             <a:fld id="{68867202-4D13-4045-B60A-71B3778B605C}" type="datetime1">
               <a:rPr lang="pt-BR" smtClean="0"/>
-              <a:t>14/09/2020</a:t>
+              <a:t>28/09/2020</a:t>
             </a:fld>
             <a:endParaRPr lang="pt-BR"/>
           </a:p>
@@ -2547,7 +2548,7 @@
           <a:p>
             <a:fld id="{BD2B5394-143A-4208-A3B1-25D9600048D5}" type="slidenum">
               <a:rPr lang="pt-BR" smtClean="0"/>
-              <a:t>‹#›</a:t>
+              <a:t>‹nº›</a:t>
             </a:fld>
             <a:endParaRPr lang="pt-BR"/>
           </a:p>
@@ -2804,7 +2805,7 @@
           <a:p>
             <a:fld id="{6A14D430-76D1-4CB5-9FA4-1397F74F79A6}" type="datetime1">
               <a:rPr lang="pt-BR" smtClean="0"/>
-              <a:t>14/09/2020</a:t>
+              <a:t>28/09/2020</a:t>
             </a:fld>
             <a:endParaRPr lang="pt-BR"/>
           </a:p>
@@ -2861,7 +2862,7 @@
           <a:p>
             <a:fld id="{BD2B5394-143A-4208-A3B1-25D9600048D5}" type="slidenum">
               <a:rPr lang="pt-BR" smtClean="0"/>
-              <a:t>‹#›</a:t>
+              <a:t>‹nº›</a:t>
             </a:fld>
             <a:endParaRPr lang="pt-BR"/>
           </a:p>
@@ -3095,7 +3096,7 @@
           <a:p>
             <a:fld id="{7487368C-01CB-450C-88DE-7111879311AD}" type="datetime1">
               <a:rPr lang="pt-BR" smtClean="0"/>
-              <a:t>14/09/2020</a:t>
+              <a:t>28/09/2020</a:t>
             </a:fld>
             <a:endParaRPr lang="pt-BR"/>
           </a:p>
@@ -3152,7 +3153,7 @@
           <a:p>
             <a:fld id="{BD2B5394-143A-4208-A3B1-25D9600048D5}" type="slidenum">
               <a:rPr lang="pt-BR" smtClean="0"/>
-              <a:t>‹#›</a:t>
+              <a:t>‹nº›</a:t>
             </a:fld>
             <a:endParaRPr lang="pt-BR"/>
           </a:p>
@@ -3339,7 +3340,7 @@
           <a:p>
             <a:fld id="{8AB9EB09-7393-43F0-9161-6BAD68D0F9C8}" type="datetime1">
               <a:rPr lang="pt-BR" smtClean="0"/>
-              <a:t>14/09/2020</a:t>
+              <a:t>28/09/2020</a:t>
             </a:fld>
             <a:endParaRPr lang="pt-BR"/>
           </a:p>
@@ -3432,7 +3433,7 @@
           <a:p>
             <a:fld id="{BD2B5394-143A-4208-A3B1-25D9600048D5}" type="slidenum">
               <a:rPr lang="pt-BR" smtClean="0"/>
-              <a:t>‹#›</a:t>
+              <a:t>‹nº›</a:t>
             </a:fld>
             <a:endParaRPr lang="pt-BR"/>
           </a:p>
@@ -3808,7 +3809,7 @@
           </a:lstStyle>
           <a:p>
             <a:r>
-              <a:rPr lang="pt-BR" sz="1800" spc="300">
+              <a:rPr lang="pt-BR" sz="1800" spc="300" dirty="0">
                 <a:solidFill>
                   <a:schemeClr val="bg1"/>
                 </a:solidFill>
@@ -3818,7 +3819,7 @@
               <a:t>Faculdade de Tecnologia de Mogi das Cruze</a:t>
             </a:r>
             <a:r>
-              <a:rPr lang="pt-BR" sz="1800">
+              <a:rPr lang="pt-BR" sz="1800" dirty="0">
                 <a:solidFill>
                   <a:schemeClr val="bg1"/>
                 </a:solidFill>
@@ -27513,15 +27514,15 @@
           <a:lstStyle/>
           <a:p>
             <a:r>
-              <a:rPr lang="pt-BR" b="1">
+              <a:rPr lang="pt-BR" b="1" dirty="0">
                 <a:solidFill>
                   <a:srgbClr val="002060"/>
                 </a:solidFill>
                 <a:latin typeface="Century Gothic"/>
               </a:rPr>
-              <a:t>Preço e forma de pagamento</a:t>
+              <a:t>Segunda entrega: CRUD Venda</a:t>
             </a:r>
-            <a:endParaRPr lang="pt-BR" b="1">
+            <a:endParaRPr lang="pt-BR" b="1" dirty="0">
               <a:solidFill>
                 <a:srgbClr val="002060"/>
               </a:solidFill>
@@ -27546,7 +27547,7 @@
         </p:nvSpPr>
         <p:spPr>
           <a:xfrm>
-            <a:off x="523240" y="1496027"/>
+            <a:off x="523240" y="1592742"/>
             <a:ext cx="10830560" cy="3753694"/>
           </a:xfrm>
           <a:prstGeom prst="rect">
@@ -27727,62 +27728,25 @@
           <a:p>
             <a:pPr algn="just"/>
             <a:r>
-              <a:rPr lang="pt-BR" altLang="ko-KR" sz="2000">
+              <a:rPr lang="pt-BR" sz="2000" dirty="0">
                 <a:solidFill>
                   <a:schemeClr val="tx1"/>
                 </a:solidFill>
                 <a:latin typeface="Century Gothic"/>
-                <a:ea typeface="맑은 고딕" panose="020B0503020000020004" pitchFamily="34" charset="-127"/>
+                <a:cs typeface="Times New Roman"/>
               </a:rPr>
-              <a:t>Os valores informados nesta proposta já incluem os impostos incidentes sobre serviços (ISS, PIS, COFINS, CSSL e IRPJ). Valor total: </a:t>
+              <a:t>O primeiro entregável do sistema é uma versão da funcionalidade de inserção de uma venda/pedido. </a:t>
             </a:r>
-          </a:p>
-          <a:p>
-            <a:pPr algn="just"/>
-            <a:endParaRPr lang="pt-BR" altLang="ko-KR" sz="2000">
+            <a:endParaRPr lang="pt-BR" sz="2000" dirty="0">
               <a:solidFill>
                 <a:schemeClr val="tx1"/>
               </a:solidFill>
               <a:latin typeface="Century Gothic"/>
-              <a:ea typeface="맑은 고딕" panose="020B0503020000020004" pitchFamily="34" charset="-127"/>
             </a:endParaRPr>
           </a:p>
           <a:p>
             <a:pPr algn="just"/>
-            <a:endParaRPr lang="pt-BR" altLang="ko-KR" sz="2000">
-              <a:solidFill>
-                <a:schemeClr val="tx1"/>
-              </a:solidFill>
-              <a:latin typeface="Century Gothic"/>
-              <a:ea typeface="맑은 고딕" panose="020B0503020000020004" pitchFamily="34" charset="-127"/>
-            </a:endParaRPr>
-          </a:p>
-          <a:p>
-            <a:pPr algn="just"/>
-            <a:endParaRPr lang="pt-BR" altLang="ko-KR" sz="2000">
-              <a:solidFill>
-                <a:schemeClr val="tx1"/>
-              </a:solidFill>
-              <a:latin typeface="Century Gothic"/>
-              <a:ea typeface="맑은 고딕" panose="020B0503020000020004" pitchFamily="34" charset="-127"/>
-            </a:endParaRPr>
-          </a:p>
-          <a:p>
-            <a:pPr algn="just"/>
-            <a:r>
-              <a:rPr lang="pt-BR" altLang="ko-KR" sz="2000">
-                <a:solidFill>
-                  <a:schemeClr val="tx1"/>
-                </a:solidFill>
-                <a:latin typeface="Century Gothic"/>
-                <a:ea typeface="맑은 고딕" panose="020B0503020000020004" pitchFamily="34" charset="-127"/>
-              </a:rPr>
-              <a:t>O pagamento será dividido em quatro parcelas iguais. Sendo que a última parcela estará vinculada ao aceite da entrega final do projeto:</a:t>
-            </a:r>
-          </a:p>
-          <a:p>
-            <a:pPr algn="just"/>
-            <a:endParaRPr lang="pt-BR" altLang="ko-KR" sz="2000">
+            <a:endParaRPr lang="ko-KR" altLang="en-US" sz="2000" dirty="0">
               <a:solidFill>
                 <a:schemeClr val="tx1"/>
               </a:solidFill>
@@ -27878,1749 +27842,12 @@
           </a:p>
         </p:txBody>
       </p:sp>
-      <p:graphicFrame>
-        <p:nvGraphicFramePr>
-          <p:cNvPr id="4" name="Tabela 4">
+      <p:pic>
+        <p:nvPicPr>
+          <p:cNvPr id="9" name="Imagem 8" descr="Uma imagem contendo texto, homem, screenshot, em pé&#10;&#10;Descrição gerada automaticamente">
             <a:extLst>
               <a:ext uri="{FF2B5EF4-FFF2-40B4-BE49-F238E27FC236}">
-                <a16:creationId xmlns:a16="http://schemas.microsoft.com/office/drawing/2014/main" id="{799B4115-AB34-4B72-88FD-93B763BDA13D}"/>
-              </a:ext>
-            </a:extLst>
-          </p:cNvPr>
-          <p:cNvGraphicFramePr>
-            <a:graphicFrameLocks noGrp="1"/>
-          </p:cNvGraphicFramePr>
-          <p:nvPr>
-            <p:extLst>
-              <p:ext uri="{D42A27DB-BD31-4B8C-83A1-F6EECF244321}">
-                <p14:modId xmlns:p14="http://schemas.microsoft.com/office/powerpoint/2010/main" val="2308319116"/>
-              </p:ext>
-            </p:extLst>
-          </p:nvPr>
-        </p:nvGraphicFramePr>
-        <p:xfrm>
-          <a:off x="838201" y="2325952"/>
-          <a:ext cx="10515599" cy="883708"/>
-        </p:xfrm>
-        <a:graphic>
-          <a:graphicData uri="http://schemas.openxmlformats.org/drawingml/2006/table">
-            <a:tbl>
-              <a:tblPr firstRow="1" bandRow="1">
-                <a:tableStyleId>{5C22544A-7EE6-4342-B048-85BDC9FD1C3A}</a:tableStyleId>
-              </a:tblPr>
-              <a:tblGrid>
-                <a:gridCol w="7443393">
-                  <a:extLst>
-                    <a:ext uri="{9D8B030D-6E8A-4147-A177-3AD203B41FA5}">
-                      <a16:colId xmlns:a16="http://schemas.microsoft.com/office/drawing/2014/main" val="668136959"/>
-                    </a:ext>
-                  </a:extLst>
-                </a:gridCol>
-                <a:gridCol w="3072206">
-                  <a:extLst>
-                    <a:ext uri="{9D8B030D-6E8A-4147-A177-3AD203B41FA5}">
-                      <a16:colId xmlns:a16="http://schemas.microsoft.com/office/drawing/2014/main" val="1552878829"/>
-                    </a:ext>
-                  </a:extLst>
-                </a:gridCol>
-              </a:tblGrid>
-              <a:tr h="441854">
-                <a:tc>
-                  <a:txBody>
-                    <a:bodyPr/>
-                    <a:lstStyle/>
-                    <a:p>
-                      <a:pPr algn="ctr"/>
-                      <a:r>
-                        <a:rPr lang="pt-BR" sz="1200" b="1">
-                          <a:solidFill>
-                            <a:schemeClr val="bg2"/>
-                          </a:solidFill>
-                          <a:latin typeface="Century Gothic" panose="020B0502020202020204" pitchFamily="34" charset="0"/>
-                        </a:rPr>
-                        <a:t>Descrição</a:t>
-                      </a:r>
-                    </a:p>
-                  </a:txBody>
-                  <a:tcPr anchor="ctr">
-                    <a:lnL w="12700" cap="flat" cmpd="sng" algn="ctr">
-                      <a:solidFill>
-                        <a:schemeClr val="tx1"/>
-                      </a:solidFill>
-                      <a:prstDash val="solid"/>
-                      <a:round/>
-                      <a:headEnd type="none" w="med" len="med"/>
-                      <a:tailEnd type="none" w="med" len="med"/>
-                    </a:lnL>
-                    <a:lnR w="12700" cap="flat" cmpd="sng" algn="ctr">
-                      <a:solidFill>
-                        <a:schemeClr val="tx1"/>
-                      </a:solidFill>
-                      <a:prstDash val="solid"/>
-                      <a:round/>
-                      <a:headEnd type="none" w="med" len="med"/>
-                      <a:tailEnd type="none" w="med" len="med"/>
-                    </a:lnR>
-                    <a:lnT w="12700" cap="flat" cmpd="sng" algn="ctr">
-                      <a:solidFill>
-                        <a:schemeClr val="tx1"/>
-                      </a:solidFill>
-                      <a:prstDash val="solid"/>
-                      <a:round/>
-                      <a:headEnd type="none" w="med" len="med"/>
-                      <a:tailEnd type="none" w="med" len="med"/>
-                    </a:lnT>
-                    <a:lnB w="12700" cap="flat" cmpd="sng" algn="ctr">
-                      <a:solidFill>
-                        <a:schemeClr val="tx1"/>
-                      </a:solidFill>
-                      <a:prstDash val="solid"/>
-                      <a:round/>
-                      <a:headEnd type="none" w="med" len="med"/>
-                      <a:tailEnd type="none" w="med" len="med"/>
-                    </a:lnB>
-                    <a:solidFill>
-                      <a:srgbClr val="002060"/>
-                    </a:solidFill>
-                  </a:tcPr>
-                </a:tc>
-                <a:tc>
-                  <a:txBody>
-                    <a:bodyPr/>
-                    <a:lstStyle/>
-                    <a:p>
-                      <a:pPr algn="ctr"/>
-                      <a:r>
-                        <a:rPr lang="pt-BR" sz="1200" b="1">
-                          <a:solidFill>
-                            <a:schemeClr val="bg2"/>
-                          </a:solidFill>
-                          <a:latin typeface="Century Gothic" panose="020B0502020202020204" pitchFamily="34" charset="0"/>
-                        </a:rPr>
-                        <a:t>Valor total</a:t>
-                      </a:r>
-                      <a:endParaRPr lang="pt-BR"/>
-                    </a:p>
-                  </a:txBody>
-                  <a:tcPr anchor="ctr">
-                    <a:lnL w="12700" cap="flat" cmpd="sng" algn="ctr">
-                      <a:solidFill>
-                        <a:schemeClr val="tx1"/>
-                      </a:solidFill>
-                      <a:prstDash val="solid"/>
-                      <a:round/>
-                      <a:headEnd type="none" w="med" len="med"/>
-                      <a:tailEnd type="none" w="med" len="med"/>
-                    </a:lnL>
-                    <a:lnR w="12700" cap="flat" cmpd="sng" algn="ctr">
-                      <a:solidFill>
-                        <a:schemeClr val="tx1"/>
-                      </a:solidFill>
-                      <a:prstDash val="solid"/>
-                      <a:round/>
-                      <a:headEnd type="none" w="med" len="med"/>
-                      <a:tailEnd type="none" w="med" len="med"/>
-                    </a:lnR>
-                    <a:lnT w="12700" cap="flat" cmpd="sng" algn="ctr">
-                      <a:solidFill>
-                        <a:schemeClr val="tx1"/>
-                      </a:solidFill>
-                      <a:prstDash val="solid"/>
-                      <a:round/>
-                      <a:headEnd type="none" w="med" len="med"/>
-                      <a:tailEnd type="none" w="med" len="med"/>
-                    </a:lnT>
-                    <a:lnB w="12700" cap="flat" cmpd="sng" algn="ctr">
-                      <a:solidFill>
-                        <a:schemeClr val="tx1"/>
-                      </a:solidFill>
-                      <a:prstDash val="solid"/>
-                      <a:round/>
-                      <a:headEnd type="none" w="med" len="med"/>
-                      <a:tailEnd type="none" w="med" len="med"/>
-                    </a:lnB>
-                    <a:solidFill>
-                      <a:srgbClr val="002060"/>
-                    </a:solidFill>
-                  </a:tcPr>
-                </a:tc>
-                <a:extLst>
-                  <a:ext uri="{0D108BD9-81ED-4DB2-BD59-A6C34878D82A}">
-                    <a16:rowId xmlns:a16="http://schemas.microsoft.com/office/drawing/2014/main" val="1643989339"/>
-                  </a:ext>
-                </a:extLst>
-              </a:tr>
-              <a:tr h="441854">
-                <a:tc>
-                  <a:txBody>
-                    <a:bodyPr/>
-                    <a:lstStyle/>
-                    <a:p>
-                      <a:pPr algn="ctr" fontAlgn="ctr"/>
-                      <a:r>
-                        <a:rPr lang="pt-BR" sz="1200" b="0" i="0" u="none" strike="noStrike">
-                          <a:solidFill>
-                            <a:schemeClr val="tx1"/>
-                          </a:solidFill>
-                          <a:effectLst/>
-                          <a:latin typeface="Calibri" panose="020F0502020204030204" pitchFamily="34" charset="0"/>
-                        </a:rPr>
-                        <a:t>ECOMMERCE BUIATCHAKA GAMES</a:t>
-                      </a:r>
-                    </a:p>
-                  </a:txBody>
-                  <a:tcPr marL="9525" marR="9525" marT="9525" marB="0" anchor="ctr">
-                    <a:lnL w="12700" cap="flat" cmpd="sng" algn="ctr">
-                      <a:solidFill>
-                        <a:schemeClr val="tx1"/>
-                      </a:solidFill>
-                      <a:prstDash val="solid"/>
-                      <a:round/>
-                      <a:headEnd type="none" w="med" len="med"/>
-                      <a:tailEnd type="none" w="med" len="med"/>
-                    </a:lnL>
-                    <a:lnR w="12700" cap="flat" cmpd="sng" algn="ctr">
-                      <a:solidFill>
-                        <a:schemeClr val="tx1"/>
-                      </a:solidFill>
-                      <a:prstDash val="solid"/>
-                      <a:round/>
-                      <a:headEnd type="none" w="med" len="med"/>
-                      <a:tailEnd type="none" w="med" len="med"/>
-                    </a:lnR>
-                    <a:lnT w="12700" cap="flat" cmpd="sng" algn="ctr">
-                      <a:solidFill>
-                        <a:schemeClr val="tx1"/>
-                      </a:solidFill>
-                      <a:prstDash val="solid"/>
-                      <a:round/>
-                      <a:headEnd type="none" w="med" len="med"/>
-                      <a:tailEnd type="none" w="med" len="med"/>
-                    </a:lnT>
-                    <a:lnB w="12700" cap="flat" cmpd="sng" algn="ctr">
-                      <a:solidFill>
-                        <a:schemeClr val="tx1"/>
-                      </a:solidFill>
-                      <a:prstDash val="solid"/>
-                      <a:round/>
-                      <a:headEnd type="none" w="med" len="med"/>
-                      <a:tailEnd type="none" w="med" len="med"/>
-                    </a:lnB>
-                  </a:tcPr>
-                </a:tc>
-                <a:tc>
-                  <a:txBody>
-                    <a:bodyPr/>
-                    <a:lstStyle/>
-                    <a:p>
-                      <a:pPr algn="ctr" fontAlgn="ctr"/>
-                      <a:r>
-                        <a:rPr lang="pt-BR" sz="1200" b="0" i="0" u="none" strike="noStrike">
-                          <a:solidFill>
-                            <a:schemeClr val="tx1"/>
-                          </a:solidFill>
-                          <a:effectLst/>
-                          <a:latin typeface="Calibri" panose="020F0502020204030204" pitchFamily="34" charset="0"/>
-                        </a:rPr>
-                        <a:t>R$ 70.640,00</a:t>
-                      </a:r>
-                    </a:p>
-                  </a:txBody>
-                  <a:tcPr marL="9525" marR="9525" marT="9525" marB="0" anchor="ctr">
-                    <a:lnL w="12700" cap="flat" cmpd="sng" algn="ctr">
-                      <a:solidFill>
-                        <a:schemeClr val="tx1"/>
-                      </a:solidFill>
-                      <a:prstDash val="solid"/>
-                      <a:round/>
-                      <a:headEnd type="none" w="med" len="med"/>
-                      <a:tailEnd type="none" w="med" len="med"/>
-                    </a:lnL>
-                    <a:lnR w="12700" cap="flat" cmpd="sng" algn="ctr">
-                      <a:solidFill>
-                        <a:schemeClr val="tx1"/>
-                      </a:solidFill>
-                      <a:prstDash val="solid"/>
-                      <a:round/>
-                      <a:headEnd type="none" w="med" len="med"/>
-                      <a:tailEnd type="none" w="med" len="med"/>
-                    </a:lnR>
-                    <a:lnT w="12700" cap="flat" cmpd="sng" algn="ctr">
-                      <a:solidFill>
-                        <a:schemeClr val="tx1"/>
-                      </a:solidFill>
-                      <a:prstDash val="solid"/>
-                      <a:round/>
-                      <a:headEnd type="none" w="med" len="med"/>
-                      <a:tailEnd type="none" w="med" len="med"/>
-                    </a:lnT>
-                    <a:lnB w="12700" cap="flat" cmpd="sng" algn="ctr">
-                      <a:solidFill>
-                        <a:schemeClr val="tx1"/>
-                      </a:solidFill>
-                      <a:prstDash val="solid"/>
-                      <a:round/>
-                      <a:headEnd type="none" w="med" len="med"/>
-                      <a:tailEnd type="none" w="med" len="med"/>
-                    </a:lnB>
-                  </a:tcPr>
-                </a:tc>
-                <a:extLst>
-                  <a:ext uri="{0D108BD9-81ED-4DB2-BD59-A6C34878D82A}">
-                    <a16:rowId xmlns:a16="http://schemas.microsoft.com/office/drawing/2014/main" val="164761615"/>
-                  </a:ext>
-                </a:extLst>
-              </a:tr>
-            </a:tbl>
-          </a:graphicData>
-        </a:graphic>
-      </p:graphicFrame>
-      <p:graphicFrame>
-        <p:nvGraphicFramePr>
-          <p:cNvPr id="11" name="Tabela 4">
-            <a:extLst>
-              <a:ext uri="{FF2B5EF4-FFF2-40B4-BE49-F238E27FC236}">
-                <a16:creationId xmlns:a16="http://schemas.microsoft.com/office/drawing/2014/main" id="{381DA933-18D4-4640-BAB8-09AF14827847}"/>
-              </a:ext>
-            </a:extLst>
-          </p:cNvPr>
-          <p:cNvGraphicFramePr>
-            <a:graphicFrameLocks noGrp="1"/>
-          </p:cNvGraphicFramePr>
-          <p:nvPr>
-            <p:extLst>
-              <p:ext uri="{D42A27DB-BD31-4B8C-83A1-F6EECF244321}">
-                <p14:modId xmlns:p14="http://schemas.microsoft.com/office/powerpoint/2010/main" val="1106011318"/>
-              </p:ext>
-            </p:extLst>
-          </p:nvPr>
-        </p:nvGraphicFramePr>
-        <p:xfrm>
-          <a:off x="838200" y="4084172"/>
-          <a:ext cx="10515595" cy="2224616"/>
-        </p:xfrm>
-        <a:graphic>
-          <a:graphicData uri="http://schemas.openxmlformats.org/drawingml/2006/table">
-            <a:tbl>
-              <a:tblPr firstRow="1" bandRow="1">
-                <a:tableStyleId>{5C22544A-7EE6-4342-B048-85BDC9FD1C3A}</a:tableStyleId>
-              </a:tblPr>
-              <a:tblGrid>
-                <a:gridCol w="3081274">
-                  <a:extLst>
-                    <a:ext uri="{9D8B030D-6E8A-4147-A177-3AD203B41FA5}">
-                      <a16:colId xmlns:a16="http://schemas.microsoft.com/office/drawing/2014/main" val="668136959"/>
-                    </a:ext>
-                  </a:extLst>
-                </a:gridCol>
-                <a:gridCol w="3081274">
-                  <a:extLst>
-                    <a:ext uri="{9D8B030D-6E8A-4147-A177-3AD203B41FA5}">
-                      <a16:colId xmlns:a16="http://schemas.microsoft.com/office/drawing/2014/main" val="1560634046"/>
-                    </a:ext>
-                  </a:extLst>
-                </a:gridCol>
-                <a:gridCol w="3081274">
-                  <a:extLst>
-                    <a:ext uri="{9D8B030D-6E8A-4147-A177-3AD203B41FA5}">
-                      <a16:colId xmlns:a16="http://schemas.microsoft.com/office/drawing/2014/main" val="4116290467"/>
-                    </a:ext>
-                  </a:extLst>
-                </a:gridCol>
-                <a:gridCol w="1271773">
-                  <a:extLst>
-                    <a:ext uri="{9D8B030D-6E8A-4147-A177-3AD203B41FA5}">
-                      <a16:colId xmlns:a16="http://schemas.microsoft.com/office/drawing/2014/main" val="1552878829"/>
-                    </a:ext>
-                  </a:extLst>
-                </a:gridCol>
-              </a:tblGrid>
-              <a:tr h="441854">
-                <a:tc>
-                  <a:txBody>
-                    <a:bodyPr/>
-                    <a:lstStyle/>
-                    <a:p>
-                      <a:pPr algn="ctr"/>
-                      <a:r>
-                        <a:rPr lang="pt-BR" sz="1200" b="1">
-                          <a:solidFill>
-                            <a:schemeClr val="bg2"/>
-                          </a:solidFill>
-                          <a:latin typeface="Century Gothic" panose="020B0502020202020204" pitchFamily="34" charset="0"/>
-                        </a:rPr>
-                        <a:t>Descrição</a:t>
-                      </a:r>
-                    </a:p>
-                  </a:txBody>
-                  <a:tcPr anchor="ctr">
-                    <a:lnL w="12700" cap="flat" cmpd="sng" algn="ctr">
-                      <a:solidFill>
-                        <a:schemeClr val="tx1"/>
-                      </a:solidFill>
-                      <a:prstDash val="solid"/>
-                      <a:round/>
-                      <a:headEnd type="none" w="med" len="med"/>
-                      <a:tailEnd type="none" w="med" len="med"/>
-                    </a:lnL>
-                    <a:lnR w="12700" cap="flat" cmpd="sng" algn="ctr">
-                      <a:solidFill>
-                        <a:schemeClr val="tx1"/>
-                      </a:solidFill>
-                      <a:prstDash val="solid"/>
-                      <a:round/>
-                      <a:headEnd type="none" w="med" len="med"/>
-                      <a:tailEnd type="none" w="med" len="med"/>
-                    </a:lnR>
-                    <a:lnT w="12700" cap="flat" cmpd="sng" algn="ctr">
-                      <a:solidFill>
-                        <a:schemeClr val="tx1"/>
-                      </a:solidFill>
-                      <a:prstDash val="solid"/>
-                      <a:round/>
-                      <a:headEnd type="none" w="med" len="med"/>
-                      <a:tailEnd type="none" w="med" len="med"/>
-                    </a:lnT>
-                    <a:lnB w="12700" cap="flat" cmpd="sng" algn="ctr">
-                      <a:solidFill>
-                        <a:schemeClr val="tx1"/>
-                      </a:solidFill>
-                      <a:prstDash val="solid"/>
-                      <a:round/>
-                      <a:headEnd type="none" w="med" len="med"/>
-                      <a:tailEnd type="none" w="med" len="med"/>
-                    </a:lnB>
-                    <a:solidFill>
-                      <a:srgbClr val="002060"/>
-                    </a:solidFill>
-                  </a:tcPr>
-                </a:tc>
-                <a:tc>
-                  <a:txBody>
-                    <a:bodyPr/>
-                    <a:lstStyle/>
-                    <a:p>
-                      <a:pPr algn="ctr"/>
-                      <a:r>
-                        <a:rPr lang="pt-BR" sz="1200" b="1">
-                          <a:solidFill>
-                            <a:schemeClr val="bg2"/>
-                          </a:solidFill>
-                          <a:latin typeface="Century Gothic" panose="020B0502020202020204" pitchFamily="34" charset="0"/>
-                        </a:rPr>
-                        <a:t>Valor do faturamento</a:t>
-                      </a:r>
-                    </a:p>
-                  </a:txBody>
-                  <a:tcPr anchor="ctr">
-                    <a:lnL w="12700" cap="flat" cmpd="sng" algn="ctr">
-                      <a:solidFill>
-                        <a:schemeClr val="tx1"/>
-                      </a:solidFill>
-                      <a:prstDash val="solid"/>
-                      <a:round/>
-                      <a:headEnd type="none" w="med" len="med"/>
-                      <a:tailEnd type="none" w="med" len="med"/>
-                    </a:lnL>
-                    <a:lnR w="12700" cap="flat" cmpd="sng" algn="ctr">
-                      <a:solidFill>
-                        <a:schemeClr val="tx1"/>
-                      </a:solidFill>
-                      <a:prstDash val="solid"/>
-                      <a:round/>
-                      <a:headEnd type="none" w="med" len="med"/>
-                      <a:tailEnd type="none" w="med" len="med"/>
-                    </a:lnR>
-                    <a:lnT w="12700" cap="flat" cmpd="sng" algn="ctr">
-                      <a:solidFill>
-                        <a:schemeClr val="tx1"/>
-                      </a:solidFill>
-                      <a:prstDash val="solid"/>
-                      <a:round/>
-                      <a:headEnd type="none" w="med" len="med"/>
-                      <a:tailEnd type="none" w="med" len="med"/>
-                    </a:lnT>
-                    <a:lnB w="12700" cap="flat" cmpd="sng" algn="ctr">
-                      <a:solidFill>
-                        <a:schemeClr val="tx1"/>
-                      </a:solidFill>
-                      <a:prstDash val="solid"/>
-                      <a:round/>
-                      <a:headEnd type="none" w="med" len="med"/>
-                      <a:tailEnd type="none" w="med" len="med"/>
-                    </a:lnB>
-                    <a:solidFill>
-                      <a:srgbClr val="002060"/>
-                    </a:solidFill>
-                  </a:tcPr>
-                </a:tc>
-                <a:tc>
-                  <a:txBody>
-                    <a:bodyPr/>
-                    <a:lstStyle/>
-                    <a:p>
-                      <a:pPr algn="ctr"/>
-                      <a:r>
-                        <a:rPr lang="pt-BR" sz="1200" b="1">
-                          <a:solidFill>
-                            <a:schemeClr val="bg2"/>
-                          </a:solidFill>
-                          <a:latin typeface="Century Gothic" panose="020B0502020202020204" pitchFamily="34" charset="0"/>
-                        </a:rPr>
-                        <a:t>Data do faturamento</a:t>
-                      </a:r>
-                    </a:p>
-                  </a:txBody>
-                  <a:tcPr anchor="ctr">
-                    <a:lnL w="12700" cap="flat" cmpd="sng" algn="ctr">
-                      <a:solidFill>
-                        <a:schemeClr val="tx1"/>
-                      </a:solidFill>
-                      <a:prstDash val="solid"/>
-                      <a:round/>
-                      <a:headEnd type="none" w="med" len="med"/>
-                      <a:tailEnd type="none" w="med" len="med"/>
-                    </a:lnL>
-                    <a:lnR w="12700" cap="flat" cmpd="sng" algn="ctr">
-                      <a:solidFill>
-                        <a:schemeClr val="tx1"/>
-                      </a:solidFill>
-                      <a:prstDash val="solid"/>
-                      <a:round/>
-                      <a:headEnd type="none" w="med" len="med"/>
-                      <a:tailEnd type="none" w="med" len="med"/>
-                    </a:lnR>
-                    <a:lnT w="12700" cap="flat" cmpd="sng" algn="ctr">
-                      <a:solidFill>
-                        <a:schemeClr val="tx1"/>
-                      </a:solidFill>
-                      <a:prstDash val="solid"/>
-                      <a:round/>
-                      <a:headEnd type="none" w="med" len="med"/>
-                      <a:tailEnd type="none" w="med" len="med"/>
-                    </a:lnT>
-                    <a:lnB w="12700" cap="flat" cmpd="sng" algn="ctr">
-                      <a:solidFill>
-                        <a:schemeClr val="tx1"/>
-                      </a:solidFill>
-                      <a:prstDash val="solid"/>
-                      <a:round/>
-                      <a:headEnd type="none" w="med" len="med"/>
-                      <a:tailEnd type="none" w="med" len="med"/>
-                    </a:lnB>
-                    <a:solidFill>
-                      <a:srgbClr val="002060"/>
-                    </a:solidFill>
-                  </a:tcPr>
-                </a:tc>
-                <a:tc>
-                  <a:txBody>
-                    <a:bodyPr/>
-                    <a:lstStyle/>
-                    <a:p>
-                      <a:pPr algn="ctr"/>
-                      <a:r>
-                        <a:rPr lang="pt-BR" sz="1200" b="1">
-                          <a:solidFill>
-                            <a:schemeClr val="bg2"/>
-                          </a:solidFill>
-                          <a:latin typeface="Century Gothic" panose="020B0502020202020204" pitchFamily="34" charset="0"/>
-                        </a:rPr>
-                        <a:t>Data do pagamento</a:t>
-                      </a:r>
-                      <a:endParaRPr lang="pt-BR"/>
-                    </a:p>
-                  </a:txBody>
-                  <a:tcPr anchor="ctr">
-                    <a:lnL w="12700" cap="flat" cmpd="sng" algn="ctr">
-                      <a:solidFill>
-                        <a:schemeClr val="tx1"/>
-                      </a:solidFill>
-                      <a:prstDash val="solid"/>
-                      <a:round/>
-                      <a:headEnd type="none" w="med" len="med"/>
-                      <a:tailEnd type="none" w="med" len="med"/>
-                    </a:lnL>
-                    <a:lnR w="12700" cap="flat" cmpd="sng" algn="ctr">
-                      <a:solidFill>
-                        <a:schemeClr val="tx1"/>
-                      </a:solidFill>
-                      <a:prstDash val="solid"/>
-                      <a:round/>
-                      <a:headEnd type="none" w="med" len="med"/>
-                      <a:tailEnd type="none" w="med" len="med"/>
-                    </a:lnR>
-                    <a:lnT w="12700" cap="flat" cmpd="sng" algn="ctr">
-                      <a:solidFill>
-                        <a:schemeClr val="tx1"/>
-                      </a:solidFill>
-                      <a:prstDash val="solid"/>
-                      <a:round/>
-                      <a:headEnd type="none" w="med" len="med"/>
-                      <a:tailEnd type="none" w="med" len="med"/>
-                    </a:lnT>
-                    <a:lnB w="12700" cap="flat" cmpd="sng" algn="ctr">
-                      <a:solidFill>
-                        <a:schemeClr val="tx1"/>
-                      </a:solidFill>
-                      <a:prstDash val="solid"/>
-                      <a:round/>
-                      <a:headEnd type="none" w="med" len="med"/>
-                      <a:tailEnd type="none" w="med" len="med"/>
-                    </a:lnB>
-                    <a:solidFill>
-                      <a:srgbClr val="002060"/>
-                    </a:solidFill>
-                  </a:tcPr>
-                </a:tc>
-                <a:extLst>
-                  <a:ext uri="{0D108BD9-81ED-4DB2-BD59-A6C34878D82A}">
-                    <a16:rowId xmlns:a16="http://schemas.microsoft.com/office/drawing/2014/main" val="1643989339"/>
-                  </a:ext>
-                </a:extLst>
-              </a:tr>
-              <a:tr h="441854">
-                <a:tc>
-                  <a:txBody>
-                    <a:bodyPr/>
-                    <a:lstStyle/>
-                    <a:p>
-                      <a:pPr algn="ctr">
-                        <a:lnSpc>
-                          <a:spcPct val="115000"/>
-                        </a:lnSpc>
-                        <a:spcAft>
-                          <a:spcPts val="1000"/>
-                        </a:spcAft>
-                      </a:pPr>
-                      <a:r>
-                        <a:rPr lang="pt-BR" sz="1200">
-                          <a:effectLst/>
-                          <a:latin typeface="Calibri" panose="020F0502020204030204" pitchFamily="34" charset="0"/>
-                          <a:ea typeface="Abadi Extra Light" panose="020B0204020104020204" pitchFamily="34" charset="0"/>
-                          <a:cs typeface="Calibri" panose="020F0502020204030204" pitchFamily="34" charset="0"/>
-                        </a:rPr>
-                        <a:t>1º Parcela</a:t>
-                      </a:r>
-                      <a:endParaRPr lang="pt-BR" sz="1200">
-                        <a:effectLst/>
-                        <a:latin typeface="Calibri" panose="020F0502020204030204" pitchFamily="34" charset="0"/>
-                        <a:ea typeface="Calibri" panose="020F0502020204030204" pitchFamily="34" charset="0"/>
-                        <a:cs typeface="Calibri" panose="020F0502020204030204" pitchFamily="34" charset="0"/>
-                      </a:endParaRPr>
-                    </a:p>
-                  </a:txBody>
-                  <a:tcPr marL="68580" marR="68580" marT="0" marB="0" anchor="ctr">
-                    <a:lnL w="12700" cap="flat" cmpd="sng" algn="ctr">
-                      <a:solidFill>
-                        <a:schemeClr val="tx1"/>
-                      </a:solidFill>
-                      <a:prstDash val="solid"/>
-                      <a:round/>
-                      <a:headEnd type="none" w="med" len="med"/>
-                      <a:tailEnd type="none" w="med" len="med"/>
-                    </a:lnL>
-                    <a:lnR w="12700" cap="flat" cmpd="sng" algn="ctr">
-                      <a:solidFill>
-                        <a:schemeClr val="tx1"/>
-                      </a:solidFill>
-                      <a:prstDash val="solid"/>
-                      <a:round/>
-                      <a:headEnd type="none" w="med" len="med"/>
-                      <a:tailEnd type="none" w="med" len="med"/>
-                    </a:lnR>
-                    <a:lnT w="12700" cap="flat" cmpd="sng" algn="ctr">
-                      <a:solidFill>
-                        <a:schemeClr val="tx1"/>
-                      </a:solidFill>
-                      <a:prstDash val="solid"/>
-                      <a:round/>
-                      <a:headEnd type="none" w="med" len="med"/>
-                      <a:tailEnd type="none" w="med" len="med"/>
-                    </a:lnT>
-                    <a:lnB w="12700" cap="flat" cmpd="sng" algn="ctr">
-                      <a:solidFill>
-                        <a:schemeClr val="tx1"/>
-                      </a:solidFill>
-                      <a:prstDash val="solid"/>
-                      <a:round/>
-                      <a:headEnd type="none" w="med" len="med"/>
-                      <a:tailEnd type="none" w="med" len="med"/>
-                    </a:lnB>
-                  </a:tcPr>
-                </a:tc>
-                <a:tc>
-                  <a:txBody>
-                    <a:bodyPr/>
-                    <a:lstStyle/>
-                    <a:p>
-                      <a:pPr algn="ctr">
-                        <a:lnSpc>
-                          <a:spcPct val="115000"/>
-                        </a:lnSpc>
-                        <a:spcAft>
-                          <a:spcPts val="1000"/>
-                        </a:spcAft>
-                      </a:pPr>
-                      <a:r>
-                        <a:rPr lang="pt-BR" sz="1200">
-                          <a:effectLst/>
-                          <a:latin typeface="Calibri" panose="020F0502020204030204" pitchFamily="34" charset="0"/>
-                          <a:ea typeface="Abadi Extra Light" panose="020B0204020104020204" pitchFamily="34" charset="0"/>
-                          <a:cs typeface="Calibri" panose="020F0502020204030204" pitchFamily="34" charset="0"/>
-                        </a:rPr>
-                        <a:t>R$ 17.660,00</a:t>
-                      </a:r>
-                      <a:endParaRPr lang="pt-BR" sz="1200">
-                        <a:effectLst/>
-                        <a:latin typeface="Calibri" panose="020F0502020204030204" pitchFamily="34" charset="0"/>
-                        <a:ea typeface="Calibri" panose="020F0502020204030204" pitchFamily="34" charset="0"/>
-                        <a:cs typeface="Calibri" panose="020F0502020204030204" pitchFamily="34" charset="0"/>
-                      </a:endParaRPr>
-                    </a:p>
-                  </a:txBody>
-                  <a:tcPr marL="68580" marR="68580" marT="0" marB="0" anchor="ctr">
-                    <a:lnL w="12700" cap="flat" cmpd="sng" algn="ctr">
-                      <a:solidFill>
-                        <a:schemeClr val="tx1"/>
-                      </a:solidFill>
-                      <a:prstDash val="solid"/>
-                      <a:round/>
-                      <a:headEnd type="none" w="med" len="med"/>
-                      <a:tailEnd type="none" w="med" len="med"/>
-                    </a:lnL>
-                    <a:lnR w="12700" cap="flat" cmpd="sng" algn="ctr">
-                      <a:solidFill>
-                        <a:schemeClr val="tx1"/>
-                      </a:solidFill>
-                      <a:prstDash val="solid"/>
-                      <a:round/>
-                      <a:headEnd type="none" w="med" len="med"/>
-                      <a:tailEnd type="none" w="med" len="med"/>
-                    </a:lnR>
-                    <a:lnT w="12700" cap="flat" cmpd="sng" algn="ctr">
-                      <a:solidFill>
-                        <a:schemeClr val="tx1"/>
-                      </a:solidFill>
-                      <a:prstDash val="solid"/>
-                      <a:round/>
-                      <a:headEnd type="none" w="med" len="med"/>
-                      <a:tailEnd type="none" w="med" len="med"/>
-                    </a:lnT>
-                    <a:lnB w="12700" cap="flat" cmpd="sng" algn="ctr">
-                      <a:solidFill>
-                        <a:schemeClr val="tx1"/>
-                      </a:solidFill>
-                      <a:prstDash val="solid"/>
-                      <a:round/>
-                      <a:headEnd type="none" w="med" len="med"/>
-                      <a:tailEnd type="none" w="med" len="med"/>
-                    </a:lnB>
-                  </a:tcPr>
-                </a:tc>
-                <a:tc>
-                  <a:txBody>
-                    <a:bodyPr/>
-                    <a:lstStyle/>
-                    <a:p>
-                      <a:pPr algn="ctr">
-                        <a:lnSpc>
-                          <a:spcPct val="115000"/>
-                        </a:lnSpc>
-                        <a:spcAft>
-                          <a:spcPts val="1000"/>
-                        </a:spcAft>
-                      </a:pPr>
-                      <a:r>
-                        <a:rPr lang="pt-BR" sz="1200">
-                          <a:effectLst/>
-                          <a:latin typeface="Calibri" panose="020F0502020204030204" pitchFamily="34" charset="0"/>
-                          <a:ea typeface="Abadi Extra Light" panose="020B0204020104020204" pitchFamily="34" charset="0"/>
-                          <a:cs typeface="Calibri" panose="020F0502020204030204" pitchFamily="34" charset="0"/>
-                        </a:rPr>
-                        <a:t>01/09/2020</a:t>
-                      </a:r>
-                      <a:endParaRPr lang="pt-BR" sz="1200">
-                        <a:effectLst/>
-                        <a:latin typeface="Calibri" panose="020F0502020204030204" pitchFamily="34" charset="0"/>
-                        <a:ea typeface="Calibri" panose="020F0502020204030204" pitchFamily="34" charset="0"/>
-                        <a:cs typeface="Calibri" panose="020F0502020204030204" pitchFamily="34" charset="0"/>
-                      </a:endParaRPr>
-                    </a:p>
-                  </a:txBody>
-                  <a:tcPr marL="68580" marR="68580" marT="0" marB="0" anchor="ctr">
-                    <a:lnL w="12700" cap="flat" cmpd="sng" algn="ctr">
-                      <a:solidFill>
-                        <a:schemeClr val="tx1"/>
-                      </a:solidFill>
-                      <a:prstDash val="solid"/>
-                      <a:round/>
-                      <a:headEnd type="none" w="med" len="med"/>
-                      <a:tailEnd type="none" w="med" len="med"/>
-                    </a:lnL>
-                    <a:lnR w="12700" cap="flat" cmpd="sng" algn="ctr">
-                      <a:solidFill>
-                        <a:schemeClr val="tx1"/>
-                      </a:solidFill>
-                      <a:prstDash val="solid"/>
-                      <a:round/>
-                      <a:headEnd type="none" w="med" len="med"/>
-                      <a:tailEnd type="none" w="med" len="med"/>
-                    </a:lnR>
-                    <a:lnT w="12700" cap="flat" cmpd="sng" algn="ctr">
-                      <a:solidFill>
-                        <a:schemeClr val="tx1"/>
-                      </a:solidFill>
-                      <a:prstDash val="solid"/>
-                      <a:round/>
-                      <a:headEnd type="none" w="med" len="med"/>
-                      <a:tailEnd type="none" w="med" len="med"/>
-                    </a:lnT>
-                    <a:lnB w="12700" cap="flat" cmpd="sng" algn="ctr">
-                      <a:solidFill>
-                        <a:schemeClr val="tx1"/>
-                      </a:solidFill>
-                      <a:prstDash val="solid"/>
-                      <a:round/>
-                      <a:headEnd type="none" w="med" len="med"/>
-                      <a:tailEnd type="none" w="med" len="med"/>
-                    </a:lnB>
-                  </a:tcPr>
-                </a:tc>
-                <a:tc>
-                  <a:txBody>
-                    <a:bodyPr/>
-                    <a:lstStyle/>
-                    <a:p>
-                      <a:pPr algn="ctr">
-                        <a:lnSpc>
-                          <a:spcPct val="115000"/>
-                        </a:lnSpc>
-                        <a:spcAft>
-                          <a:spcPts val="1000"/>
-                        </a:spcAft>
-                      </a:pPr>
-                      <a:r>
-                        <a:rPr lang="pt-BR" sz="1200">
-                          <a:effectLst/>
-                          <a:latin typeface="Calibri" panose="020F0502020204030204" pitchFamily="34" charset="0"/>
-                          <a:ea typeface="Abadi Extra Light" panose="020B0204020104020204" pitchFamily="34" charset="0"/>
-                          <a:cs typeface="Calibri" panose="020F0502020204030204" pitchFamily="34" charset="0"/>
-                        </a:rPr>
-                        <a:t>16/09/2020</a:t>
-                      </a:r>
-                      <a:endParaRPr lang="pt-BR" sz="1200">
-                        <a:effectLst/>
-                        <a:latin typeface="Calibri" panose="020F0502020204030204" pitchFamily="34" charset="0"/>
-                        <a:ea typeface="Calibri" panose="020F0502020204030204" pitchFamily="34" charset="0"/>
-                        <a:cs typeface="Calibri" panose="020F0502020204030204" pitchFamily="34" charset="0"/>
-                      </a:endParaRPr>
-                    </a:p>
-                  </a:txBody>
-                  <a:tcPr marL="68580" marR="68580" marT="0" marB="0" anchor="ctr">
-                    <a:lnL w="12700" cap="flat" cmpd="sng" algn="ctr">
-                      <a:solidFill>
-                        <a:schemeClr val="tx1"/>
-                      </a:solidFill>
-                      <a:prstDash val="solid"/>
-                      <a:round/>
-                      <a:headEnd type="none" w="med" len="med"/>
-                      <a:tailEnd type="none" w="med" len="med"/>
-                    </a:lnL>
-                    <a:lnR w="12700" cap="flat" cmpd="sng" algn="ctr">
-                      <a:solidFill>
-                        <a:schemeClr val="tx1"/>
-                      </a:solidFill>
-                      <a:prstDash val="solid"/>
-                      <a:round/>
-                      <a:headEnd type="none" w="med" len="med"/>
-                      <a:tailEnd type="none" w="med" len="med"/>
-                    </a:lnR>
-                    <a:lnT w="12700" cap="flat" cmpd="sng" algn="ctr">
-                      <a:solidFill>
-                        <a:schemeClr val="tx1"/>
-                      </a:solidFill>
-                      <a:prstDash val="solid"/>
-                      <a:round/>
-                      <a:headEnd type="none" w="med" len="med"/>
-                      <a:tailEnd type="none" w="med" len="med"/>
-                    </a:lnT>
-                    <a:lnB w="12700" cap="flat" cmpd="sng" algn="ctr">
-                      <a:solidFill>
-                        <a:schemeClr val="tx1"/>
-                      </a:solidFill>
-                      <a:prstDash val="solid"/>
-                      <a:round/>
-                      <a:headEnd type="none" w="med" len="med"/>
-                      <a:tailEnd type="none" w="med" len="med"/>
-                    </a:lnB>
-                  </a:tcPr>
-                </a:tc>
-                <a:extLst>
-                  <a:ext uri="{0D108BD9-81ED-4DB2-BD59-A6C34878D82A}">
-                    <a16:rowId xmlns:a16="http://schemas.microsoft.com/office/drawing/2014/main" val="1934115713"/>
-                  </a:ext>
-                </a:extLst>
-              </a:tr>
-              <a:tr h="441854">
-                <a:tc>
-                  <a:txBody>
-                    <a:bodyPr/>
-                    <a:lstStyle/>
-                    <a:p>
-                      <a:pPr algn="ctr">
-                        <a:lnSpc>
-                          <a:spcPct val="115000"/>
-                        </a:lnSpc>
-                        <a:spcAft>
-                          <a:spcPts val="1000"/>
-                        </a:spcAft>
-                      </a:pPr>
-                      <a:r>
-                        <a:rPr lang="pt-BR" sz="1200">
-                          <a:effectLst/>
-                          <a:latin typeface="Calibri" panose="020F0502020204030204" pitchFamily="34" charset="0"/>
-                          <a:ea typeface="Abadi Extra Light" panose="020B0204020104020204" pitchFamily="34" charset="0"/>
-                          <a:cs typeface="Calibri" panose="020F0502020204030204" pitchFamily="34" charset="0"/>
-                        </a:rPr>
-                        <a:t>2º Parcela</a:t>
-                      </a:r>
-                      <a:endParaRPr lang="pt-BR" sz="1200">
-                        <a:effectLst/>
-                        <a:latin typeface="Calibri" panose="020F0502020204030204" pitchFamily="34" charset="0"/>
-                        <a:ea typeface="Calibri" panose="020F0502020204030204" pitchFamily="34" charset="0"/>
-                        <a:cs typeface="Calibri" panose="020F0502020204030204" pitchFamily="34" charset="0"/>
-                      </a:endParaRPr>
-                    </a:p>
-                  </a:txBody>
-                  <a:tcPr marL="68580" marR="68580" marT="0" marB="0" anchor="ctr">
-                    <a:lnL w="12700" cap="flat" cmpd="sng" algn="ctr">
-                      <a:solidFill>
-                        <a:schemeClr val="tx1"/>
-                      </a:solidFill>
-                      <a:prstDash val="solid"/>
-                      <a:round/>
-                      <a:headEnd type="none" w="med" len="med"/>
-                      <a:tailEnd type="none" w="med" len="med"/>
-                    </a:lnL>
-                    <a:lnR w="12700" cap="flat" cmpd="sng" algn="ctr">
-                      <a:solidFill>
-                        <a:schemeClr val="tx1"/>
-                      </a:solidFill>
-                      <a:prstDash val="solid"/>
-                      <a:round/>
-                      <a:headEnd type="none" w="med" len="med"/>
-                      <a:tailEnd type="none" w="med" len="med"/>
-                    </a:lnR>
-                    <a:lnT w="12700" cap="flat" cmpd="sng" algn="ctr">
-                      <a:solidFill>
-                        <a:schemeClr val="tx1"/>
-                      </a:solidFill>
-                      <a:prstDash val="solid"/>
-                      <a:round/>
-                      <a:headEnd type="none" w="med" len="med"/>
-                      <a:tailEnd type="none" w="med" len="med"/>
-                    </a:lnT>
-                    <a:lnB w="12700" cap="flat" cmpd="sng" algn="ctr">
-                      <a:solidFill>
-                        <a:schemeClr val="tx1"/>
-                      </a:solidFill>
-                      <a:prstDash val="solid"/>
-                      <a:round/>
-                      <a:headEnd type="none" w="med" len="med"/>
-                      <a:tailEnd type="none" w="med" len="med"/>
-                    </a:lnB>
-                  </a:tcPr>
-                </a:tc>
-                <a:tc>
-                  <a:txBody>
-                    <a:bodyPr/>
-                    <a:lstStyle/>
-                    <a:p>
-                      <a:pPr algn="ctr">
-                        <a:lnSpc>
-                          <a:spcPct val="115000"/>
-                        </a:lnSpc>
-                        <a:spcAft>
-                          <a:spcPts val="1000"/>
-                        </a:spcAft>
-                      </a:pPr>
-                      <a:r>
-                        <a:rPr lang="pt-BR" sz="1200">
-                          <a:effectLst/>
-                          <a:latin typeface="Calibri" panose="020F0502020204030204" pitchFamily="34" charset="0"/>
-                          <a:ea typeface="Abadi Extra Light" panose="020B0204020104020204" pitchFamily="34" charset="0"/>
-                          <a:cs typeface="Calibri" panose="020F0502020204030204" pitchFamily="34" charset="0"/>
-                        </a:rPr>
-                        <a:t>R$ 17.660,00</a:t>
-                      </a:r>
-                      <a:endParaRPr lang="pt-BR" sz="1200">
-                        <a:effectLst/>
-                        <a:latin typeface="Calibri" panose="020F0502020204030204" pitchFamily="34" charset="0"/>
-                        <a:ea typeface="Calibri" panose="020F0502020204030204" pitchFamily="34" charset="0"/>
-                        <a:cs typeface="Calibri" panose="020F0502020204030204" pitchFamily="34" charset="0"/>
-                      </a:endParaRPr>
-                    </a:p>
-                  </a:txBody>
-                  <a:tcPr marL="68580" marR="68580" marT="0" marB="0" anchor="ctr">
-                    <a:lnL w="12700" cap="flat" cmpd="sng" algn="ctr">
-                      <a:solidFill>
-                        <a:schemeClr val="tx1"/>
-                      </a:solidFill>
-                      <a:prstDash val="solid"/>
-                      <a:round/>
-                      <a:headEnd type="none" w="med" len="med"/>
-                      <a:tailEnd type="none" w="med" len="med"/>
-                    </a:lnL>
-                    <a:lnR w="12700" cap="flat" cmpd="sng" algn="ctr">
-                      <a:solidFill>
-                        <a:schemeClr val="tx1"/>
-                      </a:solidFill>
-                      <a:prstDash val="solid"/>
-                      <a:round/>
-                      <a:headEnd type="none" w="med" len="med"/>
-                      <a:tailEnd type="none" w="med" len="med"/>
-                    </a:lnR>
-                    <a:lnT w="12700" cap="flat" cmpd="sng" algn="ctr">
-                      <a:solidFill>
-                        <a:schemeClr val="tx1"/>
-                      </a:solidFill>
-                      <a:prstDash val="solid"/>
-                      <a:round/>
-                      <a:headEnd type="none" w="med" len="med"/>
-                      <a:tailEnd type="none" w="med" len="med"/>
-                    </a:lnT>
-                    <a:lnB w="12700" cap="flat" cmpd="sng" algn="ctr">
-                      <a:solidFill>
-                        <a:schemeClr val="tx1"/>
-                      </a:solidFill>
-                      <a:prstDash val="solid"/>
-                      <a:round/>
-                      <a:headEnd type="none" w="med" len="med"/>
-                      <a:tailEnd type="none" w="med" len="med"/>
-                    </a:lnB>
-                  </a:tcPr>
-                </a:tc>
-                <a:tc>
-                  <a:txBody>
-                    <a:bodyPr/>
-                    <a:lstStyle/>
-                    <a:p>
-                      <a:pPr algn="ctr">
-                        <a:lnSpc>
-                          <a:spcPct val="115000"/>
-                        </a:lnSpc>
-                        <a:spcAft>
-                          <a:spcPts val="1000"/>
-                        </a:spcAft>
-                      </a:pPr>
-                      <a:r>
-                        <a:rPr lang="pt-BR" sz="1200">
-                          <a:effectLst/>
-                          <a:latin typeface="Calibri" panose="020F0502020204030204" pitchFamily="34" charset="0"/>
-                          <a:ea typeface="Abadi Extra Light" panose="020B0204020104020204" pitchFamily="34" charset="0"/>
-                          <a:cs typeface="Calibri" panose="020F0502020204030204" pitchFamily="34" charset="0"/>
-                        </a:rPr>
-                        <a:t>01/10/2020</a:t>
-                      </a:r>
-                      <a:endParaRPr lang="pt-BR" sz="1200">
-                        <a:effectLst/>
-                        <a:latin typeface="Calibri" panose="020F0502020204030204" pitchFamily="34" charset="0"/>
-                        <a:ea typeface="Calibri" panose="020F0502020204030204" pitchFamily="34" charset="0"/>
-                        <a:cs typeface="Calibri" panose="020F0502020204030204" pitchFamily="34" charset="0"/>
-                      </a:endParaRPr>
-                    </a:p>
-                  </a:txBody>
-                  <a:tcPr marL="68580" marR="68580" marT="0" marB="0" anchor="ctr">
-                    <a:lnL w="12700" cap="flat" cmpd="sng" algn="ctr">
-                      <a:solidFill>
-                        <a:schemeClr val="tx1"/>
-                      </a:solidFill>
-                      <a:prstDash val="solid"/>
-                      <a:round/>
-                      <a:headEnd type="none" w="med" len="med"/>
-                      <a:tailEnd type="none" w="med" len="med"/>
-                    </a:lnL>
-                    <a:lnR w="12700" cap="flat" cmpd="sng" algn="ctr">
-                      <a:solidFill>
-                        <a:schemeClr val="tx1"/>
-                      </a:solidFill>
-                      <a:prstDash val="solid"/>
-                      <a:round/>
-                      <a:headEnd type="none" w="med" len="med"/>
-                      <a:tailEnd type="none" w="med" len="med"/>
-                    </a:lnR>
-                    <a:lnT w="12700" cap="flat" cmpd="sng" algn="ctr">
-                      <a:solidFill>
-                        <a:schemeClr val="tx1"/>
-                      </a:solidFill>
-                      <a:prstDash val="solid"/>
-                      <a:round/>
-                      <a:headEnd type="none" w="med" len="med"/>
-                      <a:tailEnd type="none" w="med" len="med"/>
-                    </a:lnT>
-                    <a:lnB w="12700" cap="flat" cmpd="sng" algn="ctr">
-                      <a:solidFill>
-                        <a:schemeClr val="tx1"/>
-                      </a:solidFill>
-                      <a:prstDash val="solid"/>
-                      <a:round/>
-                      <a:headEnd type="none" w="med" len="med"/>
-                      <a:tailEnd type="none" w="med" len="med"/>
-                    </a:lnB>
-                  </a:tcPr>
-                </a:tc>
-                <a:tc>
-                  <a:txBody>
-                    <a:bodyPr/>
-                    <a:lstStyle/>
-                    <a:p>
-                      <a:pPr algn="ctr">
-                        <a:lnSpc>
-                          <a:spcPct val="115000"/>
-                        </a:lnSpc>
-                        <a:spcAft>
-                          <a:spcPts val="1000"/>
-                        </a:spcAft>
-                      </a:pPr>
-                      <a:r>
-                        <a:rPr lang="pt-BR" sz="1200">
-                          <a:effectLst/>
-                          <a:latin typeface="Calibri" panose="020F0502020204030204" pitchFamily="34" charset="0"/>
-                          <a:ea typeface="Abadi Extra Light" panose="020B0204020104020204" pitchFamily="34" charset="0"/>
-                          <a:cs typeface="Calibri" panose="020F0502020204030204" pitchFamily="34" charset="0"/>
-                        </a:rPr>
-                        <a:t>16/10/2020</a:t>
-                      </a:r>
-                      <a:endParaRPr lang="pt-BR" sz="1200">
-                        <a:effectLst/>
-                        <a:latin typeface="Calibri" panose="020F0502020204030204" pitchFamily="34" charset="0"/>
-                        <a:ea typeface="Calibri" panose="020F0502020204030204" pitchFamily="34" charset="0"/>
-                        <a:cs typeface="Calibri" panose="020F0502020204030204" pitchFamily="34" charset="0"/>
-                      </a:endParaRPr>
-                    </a:p>
-                  </a:txBody>
-                  <a:tcPr marL="68580" marR="68580" marT="0" marB="0" anchor="ctr">
-                    <a:lnL w="12700" cap="flat" cmpd="sng" algn="ctr">
-                      <a:solidFill>
-                        <a:schemeClr val="tx1"/>
-                      </a:solidFill>
-                      <a:prstDash val="solid"/>
-                      <a:round/>
-                      <a:headEnd type="none" w="med" len="med"/>
-                      <a:tailEnd type="none" w="med" len="med"/>
-                    </a:lnL>
-                    <a:lnR w="12700" cap="flat" cmpd="sng" algn="ctr">
-                      <a:solidFill>
-                        <a:schemeClr val="tx1"/>
-                      </a:solidFill>
-                      <a:prstDash val="solid"/>
-                      <a:round/>
-                      <a:headEnd type="none" w="med" len="med"/>
-                      <a:tailEnd type="none" w="med" len="med"/>
-                    </a:lnR>
-                    <a:lnT w="12700" cap="flat" cmpd="sng" algn="ctr">
-                      <a:solidFill>
-                        <a:schemeClr val="tx1"/>
-                      </a:solidFill>
-                      <a:prstDash val="solid"/>
-                      <a:round/>
-                      <a:headEnd type="none" w="med" len="med"/>
-                      <a:tailEnd type="none" w="med" len="med"/>
-                    </a:lnT>
-                    <a:lnB w="12700" cap="flat" cmpd="sng" algn="ctr">
-                      <a:solidFill>
-                        <a:schemeClr val="tx1"/>
-                      </a:solidFill>
-                      <a:prstDash val="solid"/>
-                      <a:round/>
-                      <a:headEnd type="none" w="med" len="med"/>
-                      <a:tailEnd type="none" w="med" len="med"/>
-                    </a:lnB>
-                  </a:tcPr>
-                </a:tc>
-                <a:extLst>
-                  <a:ext uri="{0D108BD9-81ED-4DB2-BD59-A6C34878D82A}">
-                    <a16:rowId xmlns:a16="http://schemas.microsoft.com/office/drawing/2014/main" val="4277832923"/>
-                  </a:ext>
-                </a:extLst>
-              </a:tr>
-              <a:tr h="441854">
-                <a:tc>
-                  <a:txBody>
-                    <a:bodyPr/>
-                    <a:lstStyle/>
-                    <a:p>
-                      <a:pPr algn="ctr">
-                        <a:lnSpc>
-                          <a:spcPct val="115000"/>
-                        </a:lnSpc>
-                        <a:spcAft>
-                          <a:spcPts val="1000"/>
-                        </a:spcAft>
-                      </a:pPr>
-                      <a:r>
-                        <a:rPr lang="pt-BR" sz="1200">
-                          <a:effectLst/>
-                          <a:latin typeface="Calibri" panose="020F0502020204030204" pitchFamily="34" charset="0"/>
-                          <a:ea typeface="Abadi Extra Light" panose="020B0204020104020204" pitchFamily="34" charset="0"/>
-                          <a:cs typeface="Calibri" panose="020F0502020204030204" pitchFamily="34" charset="0"/>
-                        </a:rPr>
-                        <a:t>3º Parcela</a:t>
-                      </a:r>
-                      <a:endParaRPr lang="pt-BR" sz="1200">
-                        <a:effectLst/>
-                        <a:latin typeface="Calibri" panose="020F0502020204030204" pitchFamily="34" charset="0"/>
-                        <a:ea typeface="Calibri" panose="020F0502020204030204" pitchFamily="34" charset="0"/>
-                        <a:cs typeface="Calibri" panose="020F0502020204030204" pitchFamily="34" charset="0"/>
-                      </a:endParaRPr>
-                    </a:p>
-                  </a:txBody>
-                  <a:tcPr marL="68580" marR="68580" marT="0" marB="0" anchor="ctr">
-                    <a:lnL w="12700" cap="flat" cmpd="sng" algn="ctr">
-                      <a:solidFill>
-                        <a:schemeClr val="tx1"/>
-                      </a:solidFill>
-                      <a:prstDash val="solid"/>
-                      <a:round/>
-                      <a:headEnd type="none" w="med" len="med"/>
-                      <a:tailEnd type="none" w="med" len="med"/>
-                    </a:lnL>
-                    <a:lnR w="12700" cap="flat" cmpd="sng" algn="ctr">
-                      <a:solidFill>
-                        <a:schemeClr val="tx1"/>
-                      </a:solidFill>
-                      <a:prstDash val="solid"/>
-                      <a:round/>
-                      <a:headEnd type="none" w="med" len="med"/>
-                      <a:tailEnd type="none" w="med" len="med"/>
-                    </a:lnR>
-                    <a:lnT w="12700" cap="flat" cmpd="sng" algn="ctr">
-                      <a:solidFill>
-                        <a:schemeClr val="tx1"/>
-                      </a:solidFill>
-                      <a:prstDash val="solid"/>
-                      <a:round/>
-                      <a:headEnd type="none" w="med" len="med"/>
-                      <a:tailEnd type="none" w="med" len="med"/>
-                    </a:lnT>
-                    <a:lnB w="12700" cap="flat" cmpd="sng" algn="ctr">
-                      <a:solidFill>
-                        <a:schemeClr val="tx1"/>
-                      </a:solidFill>
-                      <a:prstDash val="solid"/>
-                      <a:round/>
-                      <a:headEnd type="none" w="med" len="med"/>
-                      <a:tailEnd type="none" w="med" len="med"/>
-                    </a:lnB>
-                  </a:tcPr>
-                </a:tc>
-                <a:tc>
-                  <a:txBody>
-                    <a:bodyPr/>
-                    <a:lstStyle/>
-                    <a:p>
-                      <a:pPr algn="ctr">
-                        <a:lnSpc>
-                          <a:spcPct val="115000"/>
-                        </a:lnSpc>
-                        <a:spcAft>
-                          <a:spcPts val="1000"/>
-                        </a:spcAft>
-                      </a:pPr>
-                      <a:r>
-                        <a:rPr lang="pt-BR" sz="1200">
-                          <a:effectLst/>
-                          <a:latin typeface="Calibri" panose="020F0502020204030204" pitchFamily="34" charset="0"/>
-                          <a:ea typeface="Abadi Extra Light" panose="020B0204020104020204" pitchFamily="34" charset="0"/>
-                          <a:cs typeface="Calibri" panose="020F0502020204030204" pitchFamily="34" charset="0"/>
-                        </a:rPr>
-                        <a:t>R$ 17.660,00</a:t>
-                      </a:r>
-                      <a:endParaRPr lang="pt-BR" sz="1200">
-                        <a:effectLst/>
-                        <a:latin typeface="Calibri" panose="020F0502020204030204" pitchFamily="34" charset="0"/>
-                        <a:ea typeface="Calibri" panose="020F0502020204030204" pitchFamily="34" charset="0"/>
-                        <a:cs typeface="Calibri" panose="020F0502020204030204" pitchFamily="34" charset="0"/>
-                      </a:endParaRPr>
-                    </a:p>
-                  </a:txBody>
-                  <a:tcPr marL="68580" marR="68580" marT="0" marB="0" anchor="ctr">
-                    <a:lnL w="12700" cap="flat" cmpd="sng" algn="ctr">
-                      <a:solidFill>
-                        <a:schemeClr val="tx1"/>
-                      </a:solidFill>
-                      <a:prstDash val="solid"/>
-                      <a:round/>
-                      <a:headEnd type="none" w="med" len="med"/>
-                      <a:tailEnd type="none" w="med" len="med"/>
-                    </a:lnL>
-                    <a:lnR w="12700" cap="flat" cmpd="sng" algn="ctr">
-                      <a:solidFill>
-                        <a:schemeClr val="tx1"/>
-                      </a:solidFill>
-                      <a:prstDash val="solid"/>
-                      <a:round/>
-                      <a:headEnd type="none" w="med" len="med"/>
-                      <a:tailEnd type="none" w="med" len="med"/>
-                    </a:lnR>
-                    <a:lnT w="12700" cap="flat" cmpd="sng" algn="ctr">
-                      <a:solidFill>
-                        <a:schemeClr val="tx1"/>
-                      </a:solidFill>
-                      <a:prstDash val="solid"/>
-                      <a:round/>
-                      <a:headEnd type="none" w="med" len="med"/>
-                      <a:tailEnd type="none" w="med" len="med"/>
-                    </a:lnT>
-                    <a:lnB w="12700" cap="flat" cmpd="sng" algn="ctr">
-                      <a:solidFill>
-                        <a:schemeClr val="tx1"/>
-                      </a:solidFill>
-                      <a:prstDash val="solid"/>
-                      <a:round/>
-                      <a:headEnd type="none" w="med" len="med"/>
-                      <a:tailEnd type="none" w="med" len="med"/>
-                    </a:lnB>
-                  </a:tcPr>
-                </a:tc>
-                <a:tc>
-                  <a:txBody>
-                    <a:bodyPr/>
-                    <a:lstStyle/>
-                    <a:p>
-                      <a:pPr algn="ctr">
-                        <a:lnSpc>
-                          <a:spcPct val="115000"/>
-                        </a:lnSpc>
-                        <a:spcAft>
-                          <a:spcPts val="1000"/>
-                        </a:spcAft>
-                      </a:pPr>
-                      <a:r>
-                        <a:rPr lang="pt-BR" sz="1200">
-                          <a:effectLst/>
-                          <a:latin typeface="Calibri" panose="020F0502020204030204" pitchFamily="34" charset="0"/>
-                          <a:ea typeface="Abadi Extra Light" panose="020B0204020104020204" pitchFamily="34" charset="0"/>
-                          <a:cs typeface="Calibri" panose="020F0502020204030204" pitchFamily="34" charset="0"/>
-                        </a:rPr>
-                        <a:t>01/11/2020</a:t>
-                      </a:r>
-                      <a:endParaRPr lang="pt-BR" sz="1200">
-                        <a:effectLst/>
-                        <a:latin typeface="Calibri" panose="020F0502020204030204" pitchFamily="34" charset="0"/>
-                        <a:ea typeface="Calibri" panose="020F0502020204030204" pitchFamily="34" charset="0"/>
-                        <a:cs typeface="Calibri" panose="020F0502020204030204" pitchFamily="34" charset="0"/>
-                      </a:endParaRPr>
-                    </a:p>
-                  </a:txBody>
-                  <a:tcPr marL="68580" marR="68580" marT="0" marB="0" anchor="ctr">
-                    <a:lnL w="12700" cap="flat" cmpd="sng" algn="ctr">
-                      <a:solidFill>
-                        <a:schemeClr val="tx1"/>
-                      </a:solidFill>
-                      <a:prstDash val="solid"/>
-                      <a:round/>
-                      <a:headEnd type="none" w="med" len="med"/>
-                      <a:tailEnd type="none" w="med" len="med"/>
-                    </a:lnL>
-                    <a:lnR w="12700" cap="flat" cmpd="sng" algn="ctr">
-                      <a:solidFill>
-                        <a:schemeClr val="tx1"/>
-                      </a:solidFill>
-                      <a:prstDash val="solid"/>
-                      <a:round/>
-                      <a:headEnd type="none" w="med" len="med"/>
-                      <a:tailEnd type="none" w="med" len="med"/>
-                    </a:lnR>
-                    <a:lnT w="12700" cap="flat" cmpd="sng" algn="ctr">
-                      <a:solidFill>
-                        <a:schemeClr val="tx1"/>
-                      </a:solidFill>
-                      <a:prstDash val="solid"/>
-                      <a:round/>
-                      <a:headEnd type="none" w="med" len="med"/>
-                      <a:tailEnd type="none" w="med" len="med"/>
-                    </a:lnT>
-                    <a:lnB w="12700" cap="flat" cmpd="sng" algn="ctr">
-                      <a:solidFill>
-                        <a:schemeClr val="tx1"/>
-                      </a:solidFill>
-                      <a:prstDash val="solid"/>
-                      <a:round/>
-                      <a:headEnd type="none" w="med" len="med"/>
-                      <a:tailEnd type="none" w="med" len="med"/>
-                    </a:lnB>
-                  </a:tcPr>
-                </a:tc>
-                <a:tc>
-                  <a:txBody>
-                    <a:bodyPr/>
-                    <a:lstStyle/>
-                    <a:p>
-                      <a:pPr algn="ctr">
-                        <a:lnSpc>
-                          <a:spcPct val="115000"/>
-                        </a:lnSpc>
-                        <a:spcAft>
-                          <a:spcPts val="1000"/>
-                        </a:spcAft>
-                      </a:pPr>
-                      <a:r>
-                        <a:rPr lang="pt-BR" sz="1200">
-                          <a:effectLst/>
-                          <a:latin typeface="Calibri" panose="020F0502020204030204" pitchFamily="34" charset="0"/>
-                          <a:ea typeface="Abadi Extra Light" panose="020B0204020104020204" pitchFamily="34" charset="0"/>
-                          <a:cs typeface="Calibri" panose="020F0502020204030204" pitchFamily="34" charset="0"/>
-                        </a:rPr>
-                        <a:t>16/11/2020</a:t>
-                      </a:r>
-                      <a:endParaRPr lang="pt-BR" sz="1200">
-                        <a:effectLst/>
-                        <a:latin typeface="Calibri" panose="020F0502020204030204" pitchFamily="34" charset="0"/>
-                        <a:ea typeface="Calibri" panose="020F0502020204030204" pitchFamily="34" charset="0"/>
-                        <a:cs typeface="Calibri" panose="020F0502020204030204" pitchFamily="34" charset="0"/>
-                      </a:endParaRPr>
-                    </a:p>
-                  </a:txBody>
-                  <a:tcPr marL="68580" marR="68580" marT="0" marB="0" anchor="ctr">
-                    <a:lnL w="12700" cap="flat" cmpd="sng" algn="ctr">
-                      <a:solidFill>
-                        <a:schemeClr val="tx1"/>
-                      </a:solidFill>
-                      <a:prstDash val="solid"/>
-                      <a:round/>
-                      <a:headEnd type="none" w="med" len="med"/>
-                      <a:tailEnd type="none" w="med" len="med"/>
-                    </a:lnL>
-                    <a:lnR w="12700" cap="flat" cmpd="sng" algn="ctr">
-                      <a:solidFill>
-                        <a:schemeClr val="tx1"/>
-                      </a:solidFill>
-                      <a:prstDash val="solid"/>
-                      <a:round/>
-                      <a:headEnd type="none" w="med" len="med"/>
-                      <a:tailEnd type="none" w="med" len="med"/>
-                    </a:lnR>
-                    <a:lnT w="12700" cap="flat" cmpd="sng" algn="ctr">
-                      <a:solidFill>
-                        <a:schemeClr val="tx1"/>
-                      </a:solidFill>
-                      <a:prstDash val="solid"/>
-                      <a:round/>
-                      <a:headEnd type="none" w="med" len="med"/>
-                      <a:tailEnd type="none" w="med" len="med"/>
-                    </a:lnT>
-                    <a:lnB w="12700" cap="flat" cmpd="sng" algn="ctr">
-                      <a:solidFill>
-                        <a:schemeClr val="tx1"/>
-                      </a:solidFill>
-                      <a:prstDash val="solid"/>
-                      <a:round/>
-                      <a:headEnd type="none" w="med" len="med"/>
-                      <a:tailEnd type="none" w="med" len="med"/>
-                    </a:lnB>
-                  </a:tcPr>
-                </a:tc>
-                <a:extLst>
-                  <a:ext uri="{0D108BD9-81ED-4DB2-BD59-A6C34878D82A}">
-                    <a16:rowId xmlns:a16="http://schemas.microsoft.com/office/drawing/2014/main" val="1810590542"/>
-                  </a:ext>
-                </a:extLst>
-              </a:tr>
-              <a:tr h="441854">
-                <a:tc>
-                  <a:txBody>
-                    <a:bodyPr/>
-                    <a:lstStyle/>
-                    <a:p>
-                      <a:pPr algn="ctr">
-                        <a:lnSpc>
-                          <a:spcPct val="115000"/>
-                        </a:lnSpc>
-                        <a:spcAft>
-                          <a:spcPts val="1000"/>
-                        </a:spcAft>
-                      </a:pPr>
-                      <a:r>
-                        <a:rPr lang="pt-BR" sz="1200">
-                          <a:effectLst/>
-                          <a:latin typeface="Calibri" panose="020F0502020204030204" pitchFamily="34" charset="0"/>
-                          <a:ea typeface="Abadi Extra Light" panose="020B0204020104020204" pitchFamily="34" charset="0"/>
-                          <a:cs typeface="Calibri" panose="020F0502020204030204" pitchFamily="34" charset="0"/>
-                        </a:rPr>
-                        <a:t>4º Parcela</a:t>
-                      </a:r>
-                      <a:endParaRPr lang="pt-BR" sz="1200">
-                        <a:effectLst/>
-                        <a:latin typeface="Calibri" panose="020F0502020204030204" pitchFamily="34" charset="0"/>
-                        <a:ea typeface="Calibri" panose="020F0502020204030204" pitchFamily="34" charset="0"/>
-                        <a:cs typeface="Calibri" panose="020F0502020204030204" pitchFamily="34" charset="0"/>
-                      </a:endParaRPr>
-                    </a:p>
-                  </a:txBody>
-                  <a:tcPr marL="68580" marR="68580" marT="0" marB="0" anchor="ctr">
-                    <a:lnL w="12700" cap="flat" cmpd="sng" algn="ctr">
-                      <a:solidFill>
-                        <a:schemeClr val="tx1"/>
-                      </a:solidFill>
-                      <a:prstDash val="solid"/>
-                      <a:round/>
-                      <a:headEnd type="none" w="med" len="med"/>
-                      <a:tailEnd type="none" w="med" len="med"/>
-                    </a:lnL>
-                    <a:lnR w="12700" cap="flat" cmpd="sng" algn="ctr">
-                      <a:solidFill>
-                        <a:schemeClr val="tx1"/>
-                      </a:solidFill>
-                      <a:prstDash val="solid"/>
-                      <a:round/>
-                      <a:headEnd type="none" w="med" len="med"/>
-                      <a:tailEnd type="none" w="med" len="med"/>
-                    </a:lnR>
-                    <a:lnT w="12700" cap="flat" cmpd="sng" algn="ctr">
-                      <a:solidFill>
-                        <a:schemeClr val="tx1"/>
-                      </a:solidFill>
-                      <a:prstDash val="solid"/>
-                      <a:round/>
-                      <a:headEnd type="none" w="med" len="med"/>
-                      <a:tailEnd type="none" w="med" len="med"/>
-                    </a:lnT>
-                    <a:lnB w="12700" cap="flat" cmpd="sng" algn="ctr">
-                      <a:solidFill>
-                        <a:schemeClr val="tx1"/>
-                      </a:solidFill>
-                      <a:prstDash val="solid"/>
-                      <a:round/>
-                      <a:headEnd type="none" w="med" len="med"/>
-                      <a:tailEnd type="none" w="med" len="med"/>
-                    </a:lnB>
-                  </a:tcPr>
-                </a:tc>
-                <a:tc>
-                  <a:txBody>
-                    <a:bodyPr/>
-                    <a:lstStyle/>
-                    <a:p>
-                      <a:pPr algn="ctr">
-                        <a:lnSpc>
-                          <a:spcPct val="115000"/>
-                        </a:lnSpc>
-                        <a:spcAft>
-                          <a:spcPts val="1000"/>
-                        </a:spcAft>
-                      </a:pPr>
-                      <a:r>
-                        <a:rPr lang="pt-BR" sz="1200">
-                          <a:effectLst/>
-                          <a:latin typeface="Calibri" panose="020F0502020204030204" pitchFamily="34" charset="0"/>
-                          <a:ea typeface="Abadi Extra Light" panose="020B0204020104020204" pitchFamily="34" charset="0"/>
-                          <a:cs typeface="Calibri" panose="020F0502020204030204" pitchFamily="34" charset="0"/>
-                        </a:rPr>
-                        <a:t>R$ 17.660,00</a:t>
-                      </a:r>
-                      <a:endParaRPr lang="pt-BR" sz="1200">
-                        <a:effectLst/>
-                        <a:latin typeface="Calibri" panose="020F0502020204030204" pitchFamily="34" charset="0"/>
-                        <a:ea typeface="Calibri" panose="020F0502020204030204" pitchFamily="34" charset="0"/>
-                        <a:cs typeface="Calibri" panose="020F0502020204030204" pitchFamily="34" charset="0"/>
-                      </a:endParaRPr>
-                    </a:p>
-                  </a:txBody>
-                  <a:tcPr marL="68580" marR="68580" marT="0" marB="0" anchor="ctr">
-                    <a:lnL w="12700" cap="flat" cmpd="sng" algn="ctr">
-                      <a:solidFill>
-                        <a:schemeClr val="tx1"/>
-                      </a:solidFill>
-                      <a:prstDash val="solid"/>
-                      <a:round/>
-                      <a:headEnd type="none" w="med" len="med"/>
-                      <a:tailEnd type="none" w="med" len="med"/>
-                    </a:lnL>
-                    <a:lnR w="12700" cap="flat" cmpd="sng" algn="ctr">
-                      <a:solidFill>
-                        <a:schemeClr val="tx1"/>
-                      </a:solidFill>
-                      <a:prstDash val="solid"/>
-                      <a:round/>
-                      <a:headEnd type="none" w="med" len="med"/>
-                      <a:tailEnd type="none" w="med" len="med"/>
-                    </a:lnR>
-                    <a:lnT w="12700" cap="flat" cmpd="sng" algn="ctr">
-                      <a:solidFill>
-                        <a:schemeClr val="tx1"/>
-                      </a:solidFill>
-                      <a:prstDash val="solid"/>
-                      <a:round/>
-                      <a:headEnd type="none" w="med" len="med"/>
-                      <a:tailEnd type="none" w="med" len="med"/>
-                    </a:lnT>
-                    <a:lnB w="12700" cap="flat" cmpd="sng" algn="ctr">
-                      <a:solidFill>
-                        <a:schemeClr val="tx1"/>
-                      </a:solidFill>
-                      <a:prstDash val="solid"/>
-                      <a:round/>
-                      <a:headEnd type="none" w="med" len="med"/>
-                      <a:tailEnd type="none" w="med" len="med"/>
-                    </a:lnB>
-                  </a:tcPr>
-                </a:tc>
-                <a:tc>
-                  <a:txBody>
-                    <a:bodyPr/>
-                    <a:lstStyle/>
-                    <a:p>
-                      <a:pPr algn="ctr">
-                        <a:lnSpc>
-                          <a:spcPct val="115000"/>
-                        </a:lnSpc>
-                        <a:spcAft>
-                          <a:spcPts val="1000"/>
-                        </a:spcAft>
-                      </a:pPr>
-                      <a:r>
-                        <a:rPr lang="pt-BR" sz="1200">
-                          <a:effectLst/>
-                          <a:latin typeface="Calibri" panose="020F0502020204030204" pitchFamily="34" charset="0"/>
-                          <a:ea typeface="Abadi Extra Light" panose="020B0204020104020204" pitchFamily="34" charset="0"/>
-                          <a:cs typeface="Calibri" panose="020F0502020204030204" pitchFamily="34" charset="0"/>
-                        </a:rPr>
-                        <a:t>01/12/2020</a:t>
-                      </a:r>
-                      <a:endParaRPr lang="pt-BR" sz="1200">
-                        <a:effectLst/>
-                        <a:latin typeface="Calibri" panose="020F0502020204030204" pitchFamily="34" charset="0"/>
-                        <a:ea typeface="Calibri" panose="020F0502020204030204" pitchFamily="34" charset="0"/>
-                        <a:cs typeface="Calibri" panose="020F0502020204030204" pitchFamily="34" charset="0"/>
-                      </a:endParaRPr>
-                    </a:p>
-                  </a:txBody>
-                  <a:tcPr marL="68580" marR="68580" marT="0" marB="0" anchor="ctr">
-                    <a:lnL w="12700" cap="flat" cmpd="sng" algn="ctr">
-                      <a:solidFill>
-                        <a:schemeClr val="tx1"/>
-                      </a:solidFill>
-                      <a:prstDash val="solid"/>
-                      <a:round/>
-                      <a:headEnd type="none" w="med" len="med"/>
-                      <a:tailEnd type="none" w="med" len="med"/>
-                    </a:lnL>
-                    <a:lnR w="12700" cap="flat" cmpd="sng" algn="ctr">
-                      <a:solidFill>
-                        <a:schemeClr val="tx1"/>
-                      </a:solidFill>
-                      <a:prstDash val="solid"/>
-                      <a:round/>
-                      <a:headEnd type="none" w="med" len="med"/>
-                      <a:tailEnd type="none" w="med" len="med"/>
-                    </a:lnR>
-                    <a:lnT w="12700" cap="flat" cmpd="sng" algn="ctr">
-                      <a:solidFill>
-                        <a:schemeClr val="tx1"/>
-                      </a:solidFill>
-                      <a:prstDash val="solid"/>
-                      <a:round/>
-                      <a:headEnd type="none" w="med" len="med"/>
-                      <a:tailEnd type="none" w="med" len="med"/>
-                    </a:lnT>
-                    <a:lnB w="12700" cap="flat" cmpd="sng" algn="ctr">
-                      <a:solidFill>
-                        <a:schemeClr val="tx1"/>
-                      </a:solidFill>
-                      <a:prstDash val="solid"/>
-                      <a:round/>
-                      <a:headEnd type="none" w="med" len="med"/>
-                      <a:tailEnd type="none" w="med" len="med"/>
-                    </a:lnB>
-                  </a:tcPr>
-                </a:tc>
-                <a:tc>
-                  <a:txBody>
-                    <a:bodyPr/>
-                    <a:lstStyle/>
-                    <a:p>
-                      <a:pPr algn="ctr">
-                        <a:lnSpc>
-                          <a:spcPct val="115000"/>
-                        </a:lnSpc>
-                        <a:spcAft>
-                          <a:spcPts val="1000"/>
-                        </a:spcAft>
-                      </a:pPr>
-                      <a:r>
-                        <a:rPr lang="pt-BR" sz="1200">
-                          <a:effectLst/>
-                          <a:latin typeface="Calibri" panose="020F0502020204030204" pitchFamily="34" charset="0"/>
-                          <a:ea typeface="Abadi Extra Light" panose="020B0204020104020204" pitchFamily="34" charset="0"/>
-                          <a:cs typeface="Calibri" panose="020F0502020204030204" pitchFamily="34" charset="0"/>
-                        </a:rPr>
-                        <a:t>16/12/2020</a:t>
-                      </a:r>
-                      <a:endParaRPr lang="pt-BR" sz="1200">
-                        <a:effectLst/>
-                        <a:latin typeface="Calibri" panose="020F0502020204030204" pitchFamily="34" charset="0"/>
-                        <a:ea typeface="Calibri" panose="020F0502020204030204" pitchFamily="34" charset="0"/>
-                        <a:cs typeface="Calibri" panose="020F0502020204030204" pitchFamily="34" charset="0"/>
-                      </a:endParaRPr>
-                    </a:p>
-                  </a:txBody>
-                  <a:tcPr marL="68580" marR="68580" marT="0" marB="0" anchor="ctr">
-                    <a:lnL w="12700" cap="flat" cmpd="sng" algn="ctr">
-                      <a:solidFill>
-                        <a:schemeClr val="tx1"/>
-                      </a:solidFill>
-                      <a:prstDash val="solid"/>
-                      <a:round/>
-                      <a:headEnd type="none" w="med" len="med"/>
-                      <a:tailEnd type="none" w="med" len="med"/>
-                    </a:lnL>
-                    <a:lnR w="12700" cap="flat" cmpd="sng" algn="ctr">
-                      <a:solidFill>
-                        <a:schemeClr val="tx1"/>
-                      </a:solidFill>
-                      <a:prstDash val="solid"/>
-                      <a:round/>
-                      <a:headEnd type="none" w="med" len="med"/>
-                      <a:tailEnd type="none" w="med" len="med"/>
-                    </a:lnR>
-                    <a:lnT w="12700" cap="flat" cmpd="sng" algn="ctr">
-                      <a:solidFill>
-                        <a:schemeClr val="tx1"/>
-                      </a:solidFill>
-                      <a:prstDash val="solid"/>
-                      <a:round/>
-                      <a:headEnd type="none" w="med" len="med"/>
-                      <a:tailEnd type="none" w="med" len="med"/>
-                    </a:lnT>
-                    <a:lnB w="12700" cap="flat" cmpd="sng" algn="ctr">
-                      <a:solidFill>
-                        <a:schemeClr val="tx1"/>
-                      </a:solidFill>
-                      <a:prstDash val="solid"/>
-                      <a:round/>
-                      <a:headEnd type="none" w="med" len="med"/>
-                      <a:tailEnd type="none" w="med" len="med"/>
-                    </a:lnB>
-                  </a:tcPr>
-                </a:tc>
-                <a:extLst>
-                  <a:ext uri="{0D108BD9-81ED-4DB2-BD59-A6C34878D82A}">
-                    <a16:rowId xmlns:a16="http://schemas.microsoft.com/office/drawing/2014/main" val="164761615"/>
-                  </a:ext>
-                </a:extLst>
-              </a:tr>
-            </a:tbl>
-          </a:graphicData>
-        </a:graphic>
-      </p:graphicFrame>
-      <p:pic>
-        <p:nvPicPr>
-          <p:cNvPr id="13" name="Imagem 12" descr="Uma imagem contendo homem, segurando&#10;&#10;Descrição gerada automaticamente">
-            <a:extLst>
-              <a:ext uri="{FF2B5EF4-FFF2-40B4-BE49-F238E27FC236}">
-                <a16:creationId xmlns:a16="http://schemas.microsoft.com/office/drawing/2014/main" id="{15841944-E37A-410E-8129-925031F09E24}"/>
+                <a16:creationId xmlns:a16="http://schemas.microsoft.com/office/drawing/2014/main" id="{6A47D407-B4EA-4A7D-A5ED-824DDCC0A746}"/>
               </a:ext>
             </a:extLst>
           </p:cNvPr>
@@ -29643,8 +27870,8 @@
         </p:blipFill>
         <p:spPr>
           <a:xfrm>
-            <a:off x="9964675" y="-2215"/>
-            <a:ext cx="2227325" cy="1593560"/>
+            <a:off x="9566451" y="-891"/>
+            <a:ext cx="2567589" cy="1609170"/>
           </a:xfrm>
           <a:prstGeom prst="rect">
             <a:avLst/>
@@ -29654,25 +27881,16 @@
     </p:spTree>
     <p:extLst>
       <p:ext uri="{BB962C8B-B14F-4D97-AF65-F5344CB8AC3E}">
-        <p14:creationId xmlns:p14="http://schemas.microsoft.com/office/powerpoint/2010/main" val="2876785368"/>
+        <p14:creationId xmlns:p14="http://schemas.microsoft.com/office/powerpoint/2010/main" val="3041979982"/>
       </p:ext>
     </p:extLst>
   </p:cSld>
   <p:clrMapOvr>
     <a:masterClrMapping/>
   </p:clrMapOvr>
-  <mc:AlternateContent xmlns:mc="http://schemas.openxmlformats.org/markup-compatibility/2006" xmlns:p14="http://schemas.microsoft.com/office/powerpoint/2010/main">
-    <mc:Choice Requires="p14">
-      <p:transition spd="slow">
-        <p14:flash/>
-      </p:transition>
-    </mc:Choice>
-    <mc:Fallback xmlns="">
-      <p:transition spd="slow">
-        <p:fade/>
-      </p:transition>
-    </mc:Fallback>
-  </mc:AlternateContent>
+  <p:transition spd="slow">
+    <p:wipe/>
+  </p:transition>
 </p:sld>
 </file>
 
@@ -29695,179 +27913,40 @@
       </p:grpSpPr>
       <p:sp>
         <p:nvSpPr>
-          <p:cNvPr id="4" name="Título 1">
+          <p:cNvPr id="2" name="Título 1">
             <a:extLst>
               <a:ext uri="{FF2B5EF4-FFF2-40B4-BE49-F238E27FC236}">
-                <a16:creationId xmlns:a16="http://schemas.microsoft.com/office/drawing/2014/main" id="{8B2E5E53-9E39-4FB1-823D-3C703040A847}"/>
+                <a16:creationId xmlns:a16="http://schemas.microsoft.com/office/drawing/2014/main" id="{53C9334F-F7EA-4C4D-AD73-14F433AEFC7C}"/>
               </a:ext>
             </a:extLst>
           </p:cNvPr>
-          <p:cNvSpPr txBox="1">
-            <a:spLocks/>
+          <p:cNvSpPr>
+            <a:spLocks noGrp="1"/>
           </p:cNvSpPr>
-          <p:nvPr/>
+          <p:nvPr>
+            <p:ph type="title"/>
+          </p:nvPr>
         </p:nvSpPr>
         <p:spPr>
           <a:xfrm>
-            <a:off x="0" y="1124744"/>
-            <a:ext cx="12192000" cy="360040"/>
+            <a:off x="838200" y="86830"/>
+            <a:ext cx="10515600" cy="1325563"/>
           </a:xfrm>
-          <a:prstGeom prst="rect">
-            <a:avLst/>
-          </a:prstGeom>
-          <a:solidFill>
-            <a:srgbClr val="002060"/>
-          </a:solidFill>
         </p:spPr>
         <p:txBody>
-          <a:bodyPr vert="horz" lIns="91440" tIns="45720" rIns="91440" bIns="45720" rtlCol="0" anchor="ctr">
-            <a:noAutofit/>
-          </a:bodyPr>
-          <a:lstStyle>
-            <a:lvl1pPr algn="ctr" defTabSz="914400" rtl="0" eaLnBrk="1" latinLnBrk="0" hangingPunct="1">
-              <a:spcBef>
-                <a:spcPct val="0"/>
-              </a:spcBef>
-              <a:buNone/>
-              <a:defRPr sz="4400" kern="1200">
-                <a:solidFill>
-                  <a:schemeClr val="tx1"/>
-                </a:solidFill>
-                <a:latin typeface="+mj-lt"/>
-                <a:ea typeface="+mj-ea"/>
-                <a:cs typeface="+mj-cs"/>
-              </a:defRPr>
-            </a:lvl1pPr>
-          </a:lstStyle>
+          <a:bodyPr/>
+          <a:lstStyle/>
           <a:p>
             <a:r>
-              <a:rPr lang="pt-BR" sz="1800" spc="300">
-                <a:solidFill>
-                  <a:schemeClr val="bg1"/>
-                </a:solidFill>
-                <a:latin typeface="Times New Roman" pitchFamily="18" charset="0"/>
-                <a:cs typeface="Times New Roman" pitchFamily="18" charset="0"/>
-              </a:rPr>
-              <a:t>Faculdade de Tecnologia de Mogi das Cruze</a:t>
-            </a:r>
-            <a:r>
-              <a:rPr lang="pt-BR" sz="1800">
-                <a:solidFill>
-                  <a:schemeClr val="bg1"/>
-                </a:solidFill>
-                <a:latin typeface="Times New Roman" pitchFamily="18" charset="0"/>
-                <a:cs typeface="Times New Roman" pitchFamily="18" charset="0"/>
-              </a:rPr>
-              <a:t>s</a:t>
-            </a:r>
-          </a:p>
-        </p:txBody>
-      </p:sp>
-      <p:sp>
-        <p:nvSpPr>
-          <p:cNvPr id="5" name="Título 1">
-            <a:extLst>
-              <a:ext uri="{FF2B5EF4-FFF2-40B4-BE49-F238E27FC236}">
-                <a16:creationId xmlns:a16="http://schemas.microsoft.com/office/drawing/2014/main" id="{89D938D6-E2AA-44CA-B68B-67D297F63CE7}"/>
-              </a:ext>
-            </a:extLst>
-          </p:cNvPr>
-          <p:cNvSpPr txBox="1">
-            <a:spLocks/>
-          </p:cNvSpPr>
-          <p:nvPr/>
-        </p:nvSpPr>
-        <p:spPr>
-          <a:xfrm>
-            <a:off x="2220191" y="1709619"/>
-            <a:ext cx="7751618" cy="3627311"/>
-          </a:xfrm>
-          <a:prstGeom prst="rect">
-            <a:avLst/>
-          </a:prstGeom>
-        </p:spPr>
-        <p:txBody>
-          <a:bodyPr vert="horz" lIns="91440" tIns="45720" rIns="91440" bIns="45720" rtlCol="0" anchor="ctr">
-            <a:normAutofit/>
-          </a:bodyPr>
-          <a:lstStyle>
-            <a:lvl1pPr algn="l" defTabSz="914400" rtl="0" eaLnBrk="1" latinLnBrk="0" hangingPunct="1">
-              <a:lnSpc>
-                <a:spcPct val="90000"/>
-              </a:lnSpc>
-              <a:spcBef>
-                <a:spcPct val="0"/>
-              </a:spcBef>
-              <a:buNone/>
-              <a:defRPr sz="4400" kern="1200">
-                <a:solidFill>
-                  <a:schemeClr val="tx1"/>
-                </a:solidFill>
-                <a:latin typeface="+mj-lt"/>
-                <a:ea typeface="+mj-ea"/>
-                <a:cs typeface="+mj-cs"/>
-              </a:defRPr>
-            </a:lvl1pPr>
-          </a:lstStyle>
-          <a:p>
-            <a:pPr algn="ctr"/>
-            <a:r>
-              <a:rPr lang="pt-BR" sz="3700" b="1">
+              <a:rPr lang="pt-BR" b="1" dirty="0">
                 <a:solidFill>
                   <a:srgbClr val="002060"/>
                 </a:solidFill>
-                <a:latin typeface="Century Gothic" panose="020B0502020202020204" pitchFamily="34" charset="0"/>
+                <a:latin typeface="Century Gothic"/>
               </a:rPr>
-              <a:t>Laboratório de Engenharia de Software </a:t>
+              <a:t>Tela: Consulta de produto</a:t>
             </a:r>
-          </a:p>
-          <a:p>
-            <a:pPr algn="ctr"/>
-            <a:br>
-              <a:rPr lang="pt-BR" sz="3700" b="1">
-                <a:solidFill>
-                  <a:srgbClr val="002060"/>
-                </a:solidFill>
-                <a:latin typeface="Century Gothic" panose="020B0502020202020204" pitchFamily="34" charset="0"/>
-              </a:rPr>
-            </a:br>
-            <a:r>
-              <a:rPr lang="pt-BR" sz="3700" b="1" err="1">
-                <a:solidFill>
-                  <a:srgbClr val="002060"/>
-                </a:solidFill>
-                <a:latin typeface="Century Gothic" panose="020B0502020202020204" pitchFamily="34" charset="0"/>
-              </a:rPr>
-              <a:t>GrowUp</a:t>
-            </a:r>
-            <a:endParaRPr lang="pt-BR" sz="3700" b="1">
-              <a:solidFill>
-                <a:srgbClr val="002060"/>
-              </a:solidFill>
-              <a:latin typeface="Century Gothic" panose="020B0502020202020204" pitchFamily="34" charset="0"/>
-            </a:endParaRPr>
-          </a:p>
-          <a:p>
-            <a:pPr algn="ctr"/>
-            <a:endParaRPr lang="pt-BR" sz="3700" b="1">
-              <a:solidFill>
-                <a:srgbClr val="002060"/>
-              </a:solidFill>
-              <a:latin typeface="Century Gothic" panose="020B0502020202020204" pitchFamily="34" charset="0"/>
-            </a:endParaRPr>
-          </a:p>
-          <a:p>
-            <a:pPr algn="ctr"/>
-            <a:r>
-              <a:rPr lang="pt-BR" sz="3700" b="1">
-                <a:solidFill>
-                  <a:srgbClr val="002060"/>
-                </a:solidFill>
-                <a:latin typeface="Century Gothic" panose="020B0502020202020204" pitchFamily="34" charset="0"/>
-              </a:rPr>
-              <a:t>Obrigado!</a:t>
-            </a:r>
-            <a:endParaRPr lang="pt-BR" sz="3600" b="1">
+            <a:endParaRPr lang="pt-BR" b="1" dirty="0">
               <a:solidFill>
                 <a:srgbClr val="002060"/>
               </a:solidFill>
@@ -29878,110 +27957,190 @@
       </p:sp>
       <p:pic>
         <p:nvPicPr>
-          <p:cNvPr id="7" name="Imagem 6" descr="logo-novo-cps-cor">
+          <p:cNvPr id="3" name="Picture 4" descr="A picture containing soccer, person, field, room&#10;&#10;Description automatically generated">
             <a:extLst>
               <a:ext uri="{FF2B5EF4-FFF2-40B4-BE49-F238E27FC236}">
-                <a16:creationId xmlns:a16="http://schemas.microsoft.com/office/drawing/2014/main" id="{0C00EA31-2DD5-4F53-9D69-98D4ADD9D842}"/>
+                <a16:creationId xmlns:a16="http://schemas.microsoft.com/office/drawing/2014/main" id="{4BD75C6F-D32A-47ED-8C5D-F4D3A0F6F4E4}"/>
               </a:ext>
             </a:extLst>
           </p:cNvPr>
-          <p:cNvPicPr/>
+          <p:cNvPicPr>
+            <a:picLocks noChangeAspect="1"/>
+          </p:cNvPicPr>
           <p:nvPr/>
         </p:nvPicPr>
-        <p:blipFill>
+        <p:blipFill rotWithShape="1">
           <a:blip r:embed="rId2"/>
-          <a:srcRect/>
-          <a:stretch>
-            <a:fillRect/>
-          </a:stretch>
+          <a:srcRect b="11667"/>
+          <a:stretch/>
         </p:blipFill>
-        <p:spPr bwMode="auto">
-          <a:xfrm>
-            <a:off x="3299298" y="103000"/>
-            <a:ext cx="5580660" cy="924809"/>
-          </a:xfrm>
-          <a:prstGeom prst="rect">
-            <a:avLst/>
-          </a:prstGeom>
-          <a:noFill/>
-          <a:ln w="9525">
-            <a:noFill/>
-            <a:miter lim="800000"/>
-            <a:headEnd/>
-            <a:tailEnd/>
-          </a:ln>
-        </p:spPr>
-      </p:pic>
-      <p:sp>
-        <p:nvSpPr>
-          <p:cNvPr id="8" name="Título 1">
-            <a:extLst>
-              <a:ext uri="{FF2B5EF4-FFF2-40B4-BE49-F238E27FC236}">
-                <a16:creationId xmlns:a16="http://schemas.microsoft.com/office/drawing/2014/main" id="{961F6963-9864-4982-BB08-2ACE44CC2B5E}"/>
-              </a:ext>
-            </a:extLst>
-          </p:cNvPr>
-          <p:cNvSpPr txBox="1">
-            <a:spLocks/>
-          </p:cNvSpPr>
-          <p:nvPr/>
-        </p:nvSpPr>
         <p:spPr>
           <a:xfrm>
-            <a:off x="2220191" y="4899997"/>
-            <a:ext cx="7751618" cy="1958003"/>
+            <a:off x="10312400" y="5249721"/>
+            <a:ext cx="1356360" cy="1006416"/>
           </a:xfrm>
           <a:prstGeom prst="rect">
             <a:avLst/>
           </a:prstGeom>
         </p:spPr>
+      </p:pic>
+      <p:sp>
+        <p:nvSpPr>
+          <p:cNvPr id="5" name="Espaço Reservado para Rodapé 4">
+            <a:extLst>
+              <a:ext uri="{FF2B5EF4-FFF2-40B4-BE49-F238E27FC236}">
+                <a16:creationId xmlns:a16="http://schemas.microsoft.com/office/drawing/2014/main" id="{75938DF3-E53E-449A-A3ED-A0E032B49E3B}"/>
+              </a:ext>
+            </a:extLst>
+          </p:cNvPr>
+          <p:cNvSpPr>
+            <a:spLocks noGrp="1"/>
+          </p:cNvSpPr>
+          <p:nvPr>
+            <p:ph type="ftr" sz="quarter" idx="11"/>
+          </p:nvPr>
+        </p:nvSpPr>
+        <p:spPr/>
         <p:txBody>
-          <a:bodyPr vert="horz" lIns="91440" tIns="45720" rIns="91440" bIns="45720" rtlCol="0" anchor="ctr">
-            <a:normAutofit/>
-          </a:bodyPr>
-          <a:lstStyle>
-            <a:lvl1pPr algn="l" defTabSz="914400" rtl="0" eaLnBrk="1" latinLnBrk="0" hangingPunct="1">
-              <a:lnSpc>
-                <a:spcPct val="90000"/>
-              </a:lnSpc>
-              <a:spcBef>
-                <a:spcPct val="0"/>
-              </a:spcBef>
-              <a:buNone/>
-              <a:defRPr sz="4400" kern="1200">
-                <a:solidFill>
-                  <a:schemeClr val="tx1"/>
-                </a:solidFill>
-                <a:latin typeface="+mj-lt"/>
-                <a:ea typeface="+mj-ea"/>
-                <a:cs typeface="+mj-cs"/>
-              </a:defRPr>
-            </a:lvl1pPr>
-          </a:lstStyle>
+          <a:bodyPr/>
+          <a:lstStyle/>
           <a:p>
-            <a:pPr algn="ctr"/>
             <a:r>
-              <a:rPr lang="pt-BR" sz="2000" b="1">
-                <a:latin typeface="Century Gothic" panose="020B0502020202020204" pitchFamily="34" charset="0"/>
-              </a:rPr>
-              <a:t>Pablo Luiz de Oliveira Lessa Ribeiro</a:t>
-            </a:r>
-          </a:p>
-          <a:p>
-            <a:pPr algn="ctr"/>
-            <a:r>
-              <a:rPr lang="pt-BR" sz="2000" b="1">
-                <a:latin typeface="Century Gothic" panose="020B0502020202020204" pitchFamily="34" charset="0"/>
-              </a:rPr>
-              <a:t>Grupo: LS-025</a:t>
+              <a:rPr lang="pt-BR"/>
+              <a:t>FATEC MOGI DAS CRUZES</a:t>
             </a:r>
           </a:p>
         </p:txBody>
       </p:sp>
+      <p:sp>
+        <p:nvSpPr>
+          <p:cNvPr id="6" name="Espaço Reservado para Número de Slide 5">
+            <a:extLst>
+              <a:ext uri="{FF2B5EF4-FFF2-40B4-BE49-F238E27FC236}">
+                <a16:creationId xmlns:a16="http://schemas.microsoft.com/office/drawing/2014/main" id="{34A58F1A-F1BA-4B3F-80F5-FA21E0B933DA}"/>
+              </a:ext>
+            </a:extLst>
+          </p:cNvPr>
+          <p:cNvSpPr>
+            <a:spLocks noGrp="1"/>
+          </p:cNvSpPr>
+          <p:nvPr>
+            <p:ph type="sldNum" sz="quarter" idx="12"/>
+          </p:nvPr>
+        </p:nvSpPr>
+        <p:spPr/>
+        <p:txBody>
+          <a:bodyPr/>
+          <a:lstStyle/>
+          <a:p>
+            <a:fld id="{BD2B5394-143A-4208-A3B1-25D9600048D5}" type="slidenum">
+              <a:rPr lang="pt-BR" smtClean="0"/>
+              <a:t>38</a:t>
+            </a:fld>
+            <a:endParaRPr lang="pt-BR"/>
+          </a:p>
+        </p:txBody>
+      </p:sp>
+      <p:pic>
+        <p:nvPicPr>
+          <p:cNvPr id="9" name="Imagem 8" descr="Uma imagem contendo texto, homem, screenshot, em pé&#10;&#10;Descrição gerada automaticamente">
+            <a:extLst>
+              <a:ext uri="{FF2B5EF4-FFF2-40B4-BE49-F238E27FC236}">
+                <a16:creationId xmlns:a16="http://schemas.microsoft.com/office/drawing/2014/main" id="{6A47D407-B4EA-4A7D-A5ED-824DDCC0A746}"/>
+              </a:ext>
+            </a:extLst>
+          </p:cNvPr>
+          <p:cNvPicPr>
+            <a:picLocks noChangeAspect="1"/>
+          </p:cNvPicPr>
+          <p:nvPr/>
+        </p:nvPicPr>
+        <p:blipFill>
+          <a:blip r:embed="rId3">
+            <a:extLst>
+              <a:ext uri="{28A0092B-C50C-407E-A947-70E740481C1C}">
+                <a14:useLocalDpi xmlns:a14="http://schemas.microsoft.com/office/drawing/2010/main" val="0"/>
+              </a:ext>
+            </a:extLst>
+          </a:blip>
+          <a:stretch>
+            <a:fillRect/>
+          </a:stretch>
+        </p:blipFill>
+        <p:spPr>
+          <a:xfrm>
+            <a:off x="9566451" y="-891"/>
+            <a:ext cx="2567589" cy="1609170"/>
+          </a:xfrm>
+          <a:prstGeom prst="rect">
+            <a:avLst/>
+          </a:prstGeom>
+        </p:spPr>
+      </p:pic>
+      <p:pic>
+        <p:nvPicPr>
+          <p:cNvPr id="8" name="Imagem 7">
+            <a:extLst>
+              <a:ext uri="{FF2B5EF4-FFF2-40B4-BE49-F238E27FC236}">
+                <a16:creationId xmlns:a16="http://schemas.microsoft.com/office/drawing/2014/main" id="{7F0669EB-81DC-4498-ACA9-D8185D14B596}"/>
+              </a:ext>
+            </a:extLst>
+          </p:cNvPr>
+          <p:cNvPicPr>
+            <a:picLocks noChangeAspect="1"/>
+          </p:cNvPicPr>
+          <p:nvPr/>
+        </p:nvPicPr>
+        <p:blipFill>
+          <a:blip r:embed="rId4"/>
+          <a:stretch>
+            <a:fillRect/>
+          </a:stretch>
+        </p:blipFill>
+        <p:spPr>
+          <a:xfrm>
+            <a:off x="0" y="1831975"/>
+            <a:ext cx="12192000" cy="3194050"/>
+          </a:xfrm>
+          <a:prstGeom prst="rect">
+            <a:avLst/>
+          </a:prstGeom>
+        </p:spPr>
+      </p:pic>
+      <p:pic>
+        <p:nvPicPr>
+          <p:cNvPr id="11" name="Imagem 10">
+            <a:extLst>
+              <a:ext uri="{FF2B5EF4-FFF2-40B4-BE49-F238E27FC236}">
+                <a16:creationId xmlns:a16="http://schemas.microsoft.com/office/drawing/2014/main" id="{98089439-629A-48ED-B95F-F3E991489DA0}"/>
+              </a:ext>
+            </a:extLst>
+          </p:cNvPr>
+          <p:cNvPicPr>
+            <a:picLocks noChangeAspect="1"/>
+          </p:cNvPicPr>
+          <p:nvPr/>
+        </p:nvPicPr>
+        <p:blipFill>
+          <a:blip r:embed="rId5"/>
+          <a:stretch>
+            <a:fillRect/>
+          </a:stretch>
+        </p:blipFill>
+        <p:spPr>
+          <a:xfrm>
+            <a:off x="0" y="1549400"/>
+            <a:ext cx="12192000" cy="3759200"/>
+          </a:xfrm>
+          <a:prstGeom prst="rect">
+            <a:avLst/>
+          </a:prstGeom>
+        </p:spPr>
+      </p:pic>
     </p:spTree>
     <p:extLst>
       <p:ext uri="{BB962C8B-B14F-4D97-AF65-F5344CB8AC3E}">
-        <p14:creationId xmlns:p14="http://schemas.microsoft.com/office/powerpoint/2010/main" val="2006994937"/>
+        <p14:creationId xmlns:p14="http://schemas.microsoft.com/office/powerpoint/2010/main" val="1236919032"/>
       </p:ext>
     </p:extLst>
   </p:cSld>
@@ -29989,7 +28148,266 @@
     <a:masterClrMapping/>
   </p:clrMapOvr>
   <p:transition spd="slow">
-    <p:push dir="u"/>
+    <p:wipe/>
+  </p:transition>
+</p:sld>
+</file>
+
+<file path=ppt/slides/slide39.xml><?xml version="1.0" encoding="utf-8"?>
+<p:sld xmlns:a="http://schemas.openxmlformats.org/drawingml/2006/main" xmlns:r="http://schemas.openxmlformats.org/officeDocument/2006/relationships" xmlns:p="http://schemas.openxmlformats.org/presentationml/2006/main">
+  <p:cSld>
+    <p:spTree>
+      <p:nvGrpSpPr>
+        <p:cNvPr id="1" name=""/>
+        <p:cNvGrpSpPr/>
+        <p:nvPr/>
+      </p:nvGrpSpPr>
+      <p:grpSpPr>
+        <a:xfrm>
+          <a:off x="0" y="0"/>
+          <a:ext cx="0" cy="0"/>
+          <a:chOff x="0" y="0"/>
+          <a:chExt cx="0" cy="0"/>
+        </a:xfrm>
+      </p:grpSpPr>
+      <p:sp>
+        <p:nvSpPr>
+          <p:cNvPr id="2" name="Título 1">
+            <a:extLst>
+              <a:ext uri="{FF2B5EF4-FFF2-40B4-BE49-F238E27FC236}">
+                <a16:creationId xmlns:a16="http://schemas.microsoft.com/office/drawing/2014/main" id="{53C9334F-F7EA-4C4D-AD73-14F433AEFC7C}"/>
+              </a:ext>
+            </a:extLst>
+          </p:cNvPr>
+          <p:cNvSpPr>
+            <a:spLocks noGrp="1"/>
+          </p:cNvSpPr>
+          <p:nvPr>
+            <p:ph type="title"/>
+          </p:nvPr>
+        </p:nvSpPr>
+        <p:spPr>
+          <a:xfrm>
+            <a:off x="838200" y="86830"/>
+            <a:ext cx="10515600" cy="1325563"/>
+          </a:xfrm>
+        </p:spPr>
+        <p:txBody>
+          <a:bodyPr/>
+          <a:lstStyle/>
+          <a:p>
+            <a:r>
+              <a:rPr lang="pt-BR" b="1" dirty="0">
+                <a:solidFill>
+                  <a:srgbClr val="002060"/>
+                </a:solidFill>
+                <a:latin typeface="Century Gothic"/>
+              </a:rPr>
+              <a:t>Tela: Carrinho</a:t>
+            </a:r>
+            <a:endParaRPr lang="pt-BR" b="1" dirty="0">
+              <a:solidFill>
+                <a:srgbClr val="002060"/>
+              </a:solidFill>
+              <a:latin typeface="Century Gothic" panose="020B0502020202020204" pitchFamily="34" charset="0"/>
+            </a:endParaRPr>
+          </a:p>
+        </p:txBody>
+      </p:sp>
+      <p:pic>
+        <p:nvPicPr>
+          <p:cNvPr id="3" name="Picture 4" descr="A picture containing soccer, person, field, room&#10;&#10;Description automatically generated">
+            <a:extLst>
+              <a:ext uri="{FF2B5EF4-FFF2-40B4-BE49-F238E27FC236}">
+                <a16:creationId xmlns:a16="http://schemas.microsoft.com/office/drawing/2014/main" id="{4BD75C6F-D32A-47ED-8C5D-F4D3A0F6F4E4}"/>
+              </a:ext>
+            </a:extLst>
+          </p:cNvPr>
+          <p:cNvPicPr>
+            <a:picLocks noChangeAspect="1"/>
+          </p:cNvPicPr>
+          <p:nvPr/>
+        </p:nvPicPr>
+        <p:blipFill rotWithShape="1">
+          <a:blip r:embed="rId2"/>
+          <a:srcRect b="11667"/>
+          <a:stretch/>
+        </p:blipFill>
+        <p:spPr>
+          <a:xfrm>
+            <a:off x="10312400" y="5249721"/>
+            <a:ext cx="1356360" cy="1006416"/>
+          </a:xfrm>
+          <a:prstGeom prst="rect">
+            <a:avLst/>
+          </a:prstGeom>
+        </p:spPr>
+      </p:pic>
+      <p:sp>
+        <p:nvSpPr>
+          <p:cNvPr id="5" name="Espaço Reservado para Rodapé 4">
+            <a:extLst>
+              <a:ext uri="{FF2B5EF4-FFF2-40B4-BE49-F238E27FC236}">
+                <a16:creationId xmlns:a16="http://schemas.microsoft.com/office/drawing/2014/main" id="{75938DF3-E53E-449A-A3ED-A0E032B49E3B}"/>
+              </a:ext>
+            </a:extLst>
+          </p:cNvPr>
+          <p:cNvSpPr>
+            <a:spLocks noGrp="1"/>
+          </p:cNvSpPr>
+          <p:nvPr>
+            <p:ph type="ftr" sz="quarter" idx="11"/>
+          </p:nvPr>
+        </p:nvSpPr>
+        <p:spPr/>
+        <p:txBody>
+          <a:bodyPr/>
+          <a:lstStyle/>
+          <a:p>
+            <a:r>
+              <a:rPr lang="pt-BR"/>
+              <a:t>FATEC MOGI DAS CRUZES</a:t>
+            </a:r>
+          </a:p>
+        </p:txBody>
+      </p:sp>
+      <p:sp>
+        <p:nvSpPr>
+          <p:cNvPr id="6" name="Espaço Reservado para Número de Slide 5">
+            <a:extLst>
+              <a:ext uri="{FF2B5EF4-FFF2-40B4-BE49-F238E27FC236}">
+                <a16:creationId xmlns:a16="http://schemas.microsoft.com/office/drawing/2014/main" id="{34A58F1A-F1BA-4B3F-80F5-FA21E0B933DA}"/>
+              </a:ext>
+            </a:extLst>
+          </p:cNvPr>
+          <p:cNvSpPr>
+            <a:spLocks noGrp="1"/>
+          </p:cNvSpPr>
+          <p:nvPr>
+            <p:ph type="sldNum" sz="quarter" idx="12"/>
+          </p:nvPr>
+        </p:nvSpPr>
+        <p:spPr/>
+        <p:txBody>
+          <a:bodyPr/>
+          <a:lstStyle/>
+          <a:p>
+            <a:fld id="{BD2B5394-143A-4208-A3B1-25D9600048D5}" type="slidenum">
+              <a:rPr lang="pt-BR" smtClean="0"/>
+              <a:t>39</a:t>
+            </a:fld>
+            <a:endParaRPr lang="pt-BR"/>
+          </a:p>
+        </p:txBody>
+      </p:sp>
+      <p:pic>
+        <p:nvPicPr>
+          <p:cNvPr id="9" name="Imagem 8" descr="Uma imagem contendo texto, homem, screenshot, em pé&#10;&#10;Descrição gerada automaticamente">
+            <a:extLst>
+              <a:ext uri="{FF2B5EF4-FFF2-40B4-BE49-F238E27FC236}">
+                <a16:creationId xmlns:a16="http://schemas.microsoft.com/office/drawing/2014/main" id="{6A47D407-B4EA-4A7D-A5ED-824DDCC0A746}"/>
+              </a:ext>
+            </a:extLst>
+          </p:cNvPr>
+          <p:cNvPicPr>
+            <a:picLocks noChangeAspect="1"/>
+          </p:cNvPicPr>
+          <p:nvPr/>
+        </p:nvPicPr>
+        <p:blipFill>
+          <a:blip r:embed="rId3">
+            <a:extLst>
+              <a:ext uri="{28A0092B-C50C-407E-A947-70E740481C1C}">
+                <a14:useLocalDpi xmlns:a14="http://schemas.microsoft.com/office/drawing/2010/main" val="0"/>
+              </a:ext>
+            </a:extLst>
+          </a:blip>
+          <a:stretch>
+            <a:fillRect/>
+          </a:stretch>
+        </p:blipFill>
+        <p:spPr>
+          <a:xfrm>
+            <a:off x="9566451" y="-891"/>
+            <a:ext cx="2567589" cy="1609170"/>
+          </a:xfrm>
+          <a:prstGeom prst="rect">
+            <a:avLst/>
+          </a:prstGeom>
+        </p:spPr>
+      </p:pic>
+      <p:pic>
+        <p:nvPicPr>
+          <p:cNvPr id="11" name="Imagem 10">
+            <a:extLst>
+              <a:ext uri="{FF2B5EF4-FFF2-40B4-BE49-F238E27FC236}">
+                <a16:creationId xmlns:a16="http://schemas.microsoft.com/office/drawing/2014/main" id="{98089439-629A-48ED-B95F-F3E991489DA0}"/>
+              </a:ext>
+            </a:extLst>
+          </p:cNvPr>
+          <p:cNvPicPr>
+            <a:picLocks noChangeAspect="1"/>
+          </p:cNvPicPr>
+          <p:nvPr/>
+        </p:nvPicPr>
+        <p:blipFill>
+          <a:blip r:embed="rId4"/>
+          <a:stretch>
+            <a:fillRect/>
+          </a:stretch>
+        </p:blipFill>
+        <p:spPr>
+          <a:xfrm>
+            <a:off x="-3584" y="1546735"/>
+            <a:ext cx="12192000" cy="3759200"/>
+          </a:xfrm>
+          <a:prstGeom prst="rect">
+            <a:avLst/>
+          </a:prstGeom>
+        </p:spPr>
+      </p:pic>
+      <p:pic>
+        <p:nvPicPr>
+          <p:cNvPr id="7" name="Imagem 6">
+            <a:extLst>
+              <a:ext uri="{FF2B5EF4-FFF2-40B4-BE49-F238E27FC236}">
+                <a16:creationId xmlns:a16="http://schemas.microsoft.com/office/drawing/2014/main" id="{5A793369-8032-4493-A732-5C300AE54F63}"/>
+              </a:ext>
+            </a:extLst>
+          </p:cNvPr>
+          <p:cNvPicPr>
+            <a:picLocks noChangeAspect="1"/>
+          </p:cNvPicPr>
+          <p:nvPr/>
+        </p:nvPicPr>
+        <p:blipFill>
+          <a:blip r:embed="rId5"/>
+          <a:stretch>
+            <a:fillRect/>
+          </a:stretch>
+        </p:blipFill>
+        <p:spPr>
+          <a:xfrm>
+            <a:off x="0" y="860425"/>
+            <a:ext cx="12192000" cy="5137150"/>
+          </a:xfrm>
+          <a:prstGeom prst="rect">
+            <a:avLst/>
+          </a:prstGeom>
+        </p:spPr>
+      </p:pic>
+    </p:spTree>
+    <p:extLst>
+      <p:ext uri="{BB962C8B-B14F-4D97-AF65-F5344CB8AC3E}">
+        <p14:creationId xmlns:p14="http://schemas.microsoft.com/office/powerpoint/2010/main" val="650079237"/>
+      </p:ext>
+    </p:extLst>
+  </p:cSld>
+  <p:clrMapOvr>
+    <a:masterClrMapping/>
+  </p:clrMapOvr>
+  <p:transition spd="slow">
+    <p:wipe/>
   </p:transition>
 </p:sld>
 </file>
@@ -30489,6 +28907,4025 @@
       </p:transition>
     </mc:Fallback>
   </mc:AlternateContent>
+</p:sld>
+</file>
+
+<file path=ppt/slides/slide40.xml><?xml version="1.0" encoding="utf-8"?>
+<p:sld xmlns:a="http://schemas.openxmlformats.org/drawingml/2006/main" xmlns:r="http://schemas.openxmlformats.org/officeDocument/2006/relationships" xmlns:p="http://schemas.openxmlformats.org/presentationml/2006/main">
+  <p:cSld>
+    <p:spTree>
+      <p:nvGrpSpPr>
+        <p:cNvPr id="1" name=""/>
+        <p:cNvGrpSpPr/>
+        <p:nvPr/>
+      </p:nvGrpSpPr>
+      <p:grpSpPr>
+        <a:xfrm>
+          <a:off x="0" y="0"/>
+          <a:ext cx="0" cy="0"/>
+          <a:chOff x="0" y="0"/>
+          <a:chExt cx="0" cy="0"/>
+        </a:xfrm>
+      </p:grpSpPr>
+      <p:sp>
+        <p:nvSpPr>
+          <p:cNvPr id="2" name="Título 1">
+            <a:extLst>
+              <a:ext uri="{FF2B5EF4-FFF2-40B4-BE49-F238E27FC236}">
+                <a16:creationId xmlns:a16="http://schemas.microsoft.com/office/drawing/2014/main" id="{53C9334F-F7EA-4C4D-AD73-14F433AEFC7C}"/>
+              </a:ext>
+            </a:extLst>
+          </p:cNvPr>
+          <p:cNvSpPr>
+            <a:spLocks noGrp="1"/>
+          </p:cNvSpPr>
+          <p:nvPr>
+            <p:ph type="title"/>
+          </p:nvPr>
+        </p:nvSpPr>
+        <p:spPr>
+          <a:xfrm>
+            <a:off x="838200" y="86830"/>
+            <a:ext cx="10515600" cy="1325563"/>
+          </a:xfrm>
+        </p:spPr>
+        <p:txBody>
+          <a:bodyPr/>
+          <a:lstStyle/>
+          <a:p>
+            <a:r>
+              <a:rPr lang="pt-BR" b="1" dirty="0">
+                <a:solidFill>
+                  <a:srgbClr val="002060"/>
+                </a:solidFill>
+                <a:latin typeface="Century Gothic"/>
+              </a:rPr>
+              <a:t>Tela: Escolher end. entrega</a:t>
+            </a:r>
+            <a:endParaRPr lang="pt-BR" b="1" dirty="0">
+              <a:solidFill>
+                <a:srgbClr val="002060"/>
+              </a:solidFill>
+              <a:latin typeface="Century Gothic" panose="020B0502020202020204" pitchFamily="34" charset="0"/>
+            </a:endParaRPr>
+          </a:p>
+        </p:txBody>
+      </p:sp>
+      <p:pic>
+        <p:nvPicPr>
+          <p:cNvPr id="3" name="Picture 4" descr="A picture containing soccer, person, field, room&#10;&#10;Description automatically generated">
+            <a:extLst>
+              <a:ext uri="{FF2B5EF4-FFF2-40B4-BE49-F238E27FC236}">
+                <a16:creationId xmlns:a16="http://schemas.microsoft.com/office/drawing/2014/main" id="{4BD75C6F-D32A-47ED-8C5D-F4D3A0F6F4E4}"/>
+              </a:ext>
+            </a:extLst>
+          </p:cNvPr>
+          <p:cNvPicPr>
+            <a:picLocks noChangeAspect="1"/>
+          </p:cNvPicPr>
+          <p:nvPr/>
+        </p:nvPicPr>
+        <p:blipFill rotWithShape="1">
+          <a:blip r:embed="rId2"/>
+          <a:srcRect b="11667"/>
+          <a:stretch/>
+        </p:blipFill>
+        <p:spPr>
+          <a:xfrm>
+            <a:off x="10312400" y="5249721"/>
+            <a:ext cx="1356360" cy="1006416"/>
+          </a:xfrm>
+          <a:prstGeom prst="rect">
+            <a:avLst/>
+          </a:prstGeom>
+        </p:spPr>
+      </p:pic>
+      <p:sp>
+        <p:nvSpPr>
+          <p:cNvPr id="5" name="Espaço Reservado para Rodapé 4">
+            <a:extLst>
+              <a:ext uri="{FF2B5EF4-FFF2-40B4-BE49-F238E27FC236}">
+                <a16:creationId xmlns:a16="http://schemas.microsoft.com/office/drawing/2014/main" id="{75938DF3-E53E-449A-A3ED-A0E032B49E3B}"/>
+              </a:ext>
+            </a:extLst>
+          </p:cNvPr>
+          <p:cNvSpPr>
+            <a:spLocks noGrp="1"/>
+          </p:cNvSpPr>
+          <p:nvPr>
+            <p:ph type="ftr" sz="quarter" idx="11"/>
+          </p:nvPr>
+        </p:nvSpPr>
+        <p:spPr/>
+        <p:txBody>
+          <a:bodyPr/>
+          <a:lstStyle/>
+          <a:p>
+            <a:r>
+              <a:rPr lang="pt-BR"/>
+              <a:t>FATEC MOGI DAS CRUZES</a:t>
+            </a:r>
+          </a:p>
+        </p:txBody>
+      </p:sp>
+      <p:sp>
+        <p:nvSpPr>
+          <p:cNvPr id="6" name="Espaço Reservado para Número de Slide 5">
+            <a:extLst>
+              <a:ext uri="{FF2B5EF4-FFF2-40B4-BE49-F238E27FC236}">
+                <a16:creationId xmlns:a16="http://schemas.microsoft.com/office/drawing/2014/main" id="{34A58F1A-F1BA-4B3F-80F5-FA21E0B933DA}"/>
+              </a:ext>
+            </a:extLst>
+          </p:cNvPr>
+          <p:cNvSpPr>
+            <a:spLocks noGrp="1"/>
+          </p:cNvSpPr>
+          <p:nvPr>
+            <p:ph type="sldNum" sz="quarter" idx="12"/>
+          </p:nvPr>
+        </p:nvSpPr>
+        <p:spPr/>
+        <p:txBody>
+          <a:bodyPr/>
+          <a:lstStyle/>
+          <a:p>
+            <a:fld id="{BD2B5394-143A-4208-A3B1-25D9600048D5}" type="slidenum">
+              <a:rPr lang="pt-BR" smtClean="0"/>
+              <a:t>40</a:t>
+            </a:fld>
+            <a:endParaRPr lang="pt-BR"/>
+          </a:p>
+        </p:txBody>
+      </p:sp>
+      <p:pic>
+        <p:nvPicPr>
+          <p:cNvPr id="9" name="Imagem 8" descr="Uma imagem contendo texto, homem, screenshot, em pé&#10;&#10;Descrição gerada automaticamente">
+            <a:extLst>
+              <a:ext uri="{FF2B5EF4-FFF2-40B4-BE49-F238E27FC236}">
+                <a16:creationId xmlns:a16="http://schemas.microsoft.com/office/drawing/2014/main" id="{6A47D407-B4EA-4A7D-A5ED-824DDCC0A746}"/>
+              </a:ext>
+            </a:extLst>
+          </p:cNvPr>
+          <p:cNvPicPr>
+            <a:picLocks noChangeAspect="1"/>
+          </p:cNvPicPr>
+          <p:nvPr/>
+        </p:nvPicPr>
+        <p:blipFill>
+          <a:blip r:embed="rId3">
+            <a:extLst>
+              <a:ext uri="{28A0092B-C50C-407E-A947-70E740481C1C}">
+                <a14:useLocalDpi xmlns:a14="http://schemas.microsoft.com/office/drawing/2010/main" val="0"/>
+              </a:ext>
+            </a:extLst>
+          </a:blip>
+          <a:stretch>
+            <a:fillRect/>
+          </a:stretch>
+        </p:blipFill>
+        <p:spPr>
+          <a:xfrm>
+            <a:off x="9566451" y="-891"/>
+            <a:ext cx="2567589" cy="1609170"/>
+          </a:xfrm>
+          <a:prstGeom prst="rect">
+            <a:avLst/>
+          </a:prstGeom>
+        </p:spPr>
+      </p:pic>
+      <p:pic>
+        <p:nvPicPr>
+          <p:cNvPr id="7" name="Imagem 6">
+            <a:extLst>
+              <a:ext uri="{FF2B5EF4-FFF2-40B4-BE49-F238E27FC236}">
+                <a16:creationId xmlns:a16="http://schemas.microsoft.com/office/drawing/2014/main" id="{5A793369-8032-4493-A732-5C300AE54F63}"/>
+              </a:ext>
+            </a:extLst>
+          </p:cNvPr>
+          <p:cNvPicPr>
+            <a:picLocks noChangeAspect="1"/>
+          </p:cNvPicPr>
+          <p:nvPr/>
+        </p:nvPicPr>
+        <p:blipFill>
+          <a:blip r:embed="rId4"/>
+          <a:stretch>
+            <a:fillRect/>
+          </a:stretch>
+        </p:blipFill>
+        <p:spPr>
+          <a:xfrm>
+            <a:off x="0" y="1467840"/>
+            <a:ext cx="12192000" cy="5137150"/>
+          </a:xfrm>
+          <a:prstGeom prst="rect">
+            <a:avLst/>
+          </a:prstGeom>
+        </p:spPr>
+      </p:pic>
+      <p:pic>
+        <p:nvPicPr>
+          <p:cNvPr id="8" name="Imagem 7">
+            <a:extLst>
+              <a:ext uri="{FF2B5EF4-FFF2-40B4-BE49-F238E27FC236}">
+                <a16:creationId xmlns:a16="http://schemas.microsoft.com/office/drawing/2014/main" id="{A6C3A906-0C6E-4FC0-A5E7-AE05A4CF03F8}"/>
+              </a:ext>
+            </a:extLst>
+          </p:cNvPr>
+          <p:cNvPicPr>
+            <a:picLocks noChangeAspect="1"/>
+          </p:cNvPicPr>
+          <p:nvPr/>
+        </p:nvPicPr>
+        <p:blipFill>
+          <a:blip r:embed="rId5"/>
+          <a:stretch>
+            <a:fillRect/>
+          </a:stretch>
+        </p:blipFill>
+        <p:spPr>
+          <a:xfrm>
+            <a:off x="0" y="476250"/>
+            <a:ext cx="12192000" cy="5905500"/>
+          </a:xfrm>
+          <a:prstGeom prst="rect">
+            <a:avLst/>
+          </a:prstGeom>
+        </p:spPr>
+      </p:pic>
+    </p:spTree>
+    <p:extLst>
+      <p:ext uri="{BB962C8B-B14F-4D97-AF65-F5344CB8AC3E}">
+        <p14:creationId xmlns:p14="http://schemas.microsoft.com/office/powerpoint/2010/main" val="2384283881"/>
+      </p:ext>
+    </p:extLst>
+  </p:cSld>
+  <p:clrMapOvr>
+    <a:masterClrMapping/>
+  </p:clrMapOvr>
+  <p:transition spd="slow">
+    <p:wipe/>
+  </p:transition>
+</p:sld>
+</file>
+
+<file path=ppt/slides/slide41.xml><?xml version="1.0" encoding="utf-8"?>
+<p:sld xmlns:a="http://schemas.openxmlformats.org/drawingml/2006/main" xmlns:r="http://schemas.openxmlformats.org/officeDocument/2006/relationships" xmlns:p="http://schemas.openxmlformats.org/presentationml/2006/main">
+  <p:cSld>
+    <p:spTree>
+      <p:nvGrpSpPr>
+        <p:cNvPr id="1" name=""/>
+        <p:cNvGrpSpPr/>
+        <p:nvPr/>
+      </p:nvGrpSpPr>
+      <p:grpSpPr>
+        <a:xfrm>
+          <a:off x="0" y="0"/>
+          <a:ext cx="0" cy="0"/>
+          <a:chOff x="0" y="0"/>
+          <a:chExt cx="0" cy="0"/>
+        </a:xfrm>
+      </p:grpSpPr>
+      <p:sp>
+        <p:nvSpPr>
+          <p:cNvPr id="2" name="Título 1">
+            <a:extLst>
+              <a:ext uri="{FF2B5EF4-FFF2-40B4-BE49-F238E27FC236}">
+                <a16:creationId xmlns:a16="http://schemas.microsoft.com/office/drawing/2014/main" id="{53C9334F-F7EA-4C4D-AD73-14F433AEFC7C}"/>
+              </a:ext>
+            </a:extLst>
+          </p:cNvPr>
+          <p:cNvSpPr>
+            <a:spLocks noGrp="1"/>
+          </p:cNvSpPr>
+          <p:nvPr>
+            <p:ph type="title"/>
+          </p:nvPr>
+        </p:nvSpPr>
+        <p:spPr>
+          <a:xfrm>
+            <a:off x="838200" y="86830"/>
+            <a:ext cx="10515600" cy="1325563"/>
+          </a:xfrm>
+        </p:spPr>
+        <p:txBody>
+          <a:bodyPr/>
+          <a:lstStyle/>
+          <a:p>
+            <a:r>
+              <a:rPr lang="pt-BR" b="1" dirty="0">
+                <a:solidFill>
+                  <a:srgbClr val="002060"/>
+                </a:solidFill>
+                <a:latin typeface="Century Gothic"/>
+              </a:rPr>
+              <a:t>Tela: Escolher forma de pgto.</a:t>
+            </a:r>
+            <a:endParaRPr lang="pt-BR" b="1" dirty="0">
+              <a:solidFill>
+                <a:srgbClr val="002060"/>
+              </a:solidFill>
+              <a:latin typeface="Century Gothic" panose="020B0502020202020204" pitchFamily="34" charset="0"/>
+            </a:endParaRPr>
+          </a:p>
+        </p:txBody>
+      </p:sp>
+      <p:pic>
+        <p:nvPicPr>
+          <p:cNvPr id="3" name="Picture 4" descr="A picture containing soccer, person, field, room&#10;&#10;Description automatically generated">
+            <a:extLst>
+              <a:ext uri="{FF2B5EF4-FFF2-40B4-BE49-F238E27FC236}">
+                <a16:creationId xmlns:a16="http://schemas.microsoft.com/office/drawing/2014/main" id="{4BD75C6F-D32A-47ED-8C5D-F4D3A0F6F4E4}"/>
+              </a:ext>
+            </a:extLst>
+          </p:cNvPr>
+          <p:cNvPicPr>
+            <a:picLocks noChangeAspect="1"/>
+          </p:cNvPicPr>
+          <p:nvPr/>
+        </p:nvPicPr>
+        <p:blipFill rotWithShape="1">
+          <a:blip r:embed="rId2"/>
+          <a:srcRect b="11667"/>
+          <a:stretch/>
+        </p:blipFill>
+        <p:spPr>
+          <a:xfrm>
+            <a:off x="10312400" y="5249721"/>
+            <a:ext cx="1356360" cy="1006416"/>
+          </a:xfrm>
+          <a:prstGeom prst="rect">
+            <a:avLst/>
+          </a:prstGeom>
+        </p:spPr>
+      </p:pic>
+      <p:sp>
+        <p:nvSpPr>
+          <p:cNvPr id="5" name="Espaço Reservado para Rodapé 4">
+            <a:extLst>
+              <a:ext uri="{FF2B5EF4-FFF2-40B4-BE49-F238E27FC236}">
+                <a16:creationId xmlns:a16="http://schemas.microsoft.com/office/drawing/2014/main" id="{75938DF3-E53E-449A-A3ED-A0E032B49E3B}"/>
+              </a:ext>
+            </a:extLst>
+          </p:cNvPr>
+          <p:cNvSpPr>
+            <a:spLocks noGrp="1"/>
+          </p:cNvSpPr>
+          <p:nvPr>
+            <p:ph type="ftr" sz="quarter" idx="11"/>
+          </p:nvPr>
+        </p:nvSpPr>
+        <p:spPr/>
+        <p:txBody>
+          <a:bodyPr/>
+          <a:lstStyle/>
+          <a:p>
+            <a:r>
+              <a:rPr lang="pt-BR"/>
+              <a:t>FATEC MOGI DAS CRUZES</a:t>
+            </a:r>
+          </a:p>
+        </p:txBody>
+      </p:sp>
+      <p:sp>
+        <p:nvSpPr>
+          <p:cNvPr id="6" name="Espaço Reservado para Número de Slide 5">
+            <a:extLst>
+              <a:ext uri="{FF2B5EF4-FFF2-40B4-BE49-F238E27FC236}">
+                <a16:creationId xmlns:a16="http://schemas.microsoft.com/office/drawing/2014/main" id="{34A58F1A-F1BA-4B3F-80F5-FA21E0B933DA}"/>
+              </a:ext>
+            </a:extLst>
+          </p:cNvPr>
+          <p:cNvSpPr>
+            <a:spLocks noGrp="1"/>
+          </p:cNvSpPr>
+          <p:nvPr>
+            <p:ph type="sldNum" sz="quarter" idx="12"/>
+          </p:nvPr>
+        </p:nvSpPr>
+        <p:spPr/>
+        <p:txBody>
+          <a:bodyPr/>
+          <a:lstStyle/>
+          <a:p>
+            <a:fld id="{BD2B5394-143A-4208-A3B1-25D9600048D5}" type="slidenum">
+              <a:rPr lang="pt-BR" smtClean="0"/>
+              <a:t>41</a:t>
+            </a:fld>
+            <a:endParaRPr lang="pt-BR"/>
+          </a:p>
+        </p:txBody>
+      </p:sp>
+      <p:pic>
+        <p:nvPicPr>
+          <p:cNvPr id="9" name="Imagem 8" descr="Uma imagem contendo texto, homem, screenshot, em pé&#10;&#10;Descrição gerada automaticamente">
+            <a:extLst>
+              <a:ext uri="{FF2B5EF4-FFF2-40B4-BE49-F238E27FC236}">
+                <a16:creationId xmlns:a16="http://schemas.microsoft.com/office/drawing/2014/main" id="{6A47D407-B4EA-4A7D-A5ED-824DDCC0A746}"/>
+              </a:ext>
+            </a:extLst>
+          </p:cNvPr>
+          <p:cNvPicPr>
+            <a:picLocks noChangeAspect="1"/>
+          </p:cNvPicPr>
+          <p:nvPr/>
+        </p:nvPicPr>
+        <p:blipFill>
+          <a:blip r:embed="rId3">
+            <a:extLst>
+              <a:ext uri="{28A0092B-C50C-407E-A947-70E740481C1C}">
+                <a14:useLocalDpi xmlns:a14="http://schemas.microsoft.com/office/drawing/2010/main" val="0"/>
+              </a:ext>
+            </a:extLst>
+          </a:blip>
+          <a:stretch>
+            <a:fillRect/>
+          </a:stretch>
+        </p:blipFill>
+        <p:spPr>
+          <a:xfrm>
+            <a:off x="9566451" y="-891"/>
+            <a:ext cx="2567589" cy="1609170"/>
+          </a:xfrm>
+          <a:prstGeom prst="rect">
+            <a:avLst/>
+          </a:prstGeom>
+        </p:spPr>
+      </p:pic>
+      <p:pic>
+        <p:nvPicPr>
+          <p:cNvPr id="8" name="Imagem 7">
+            <a:extLst>
+              <a:ext uri="{FF2B5EF4-FFF2-40B4-BE49-F238E27FC236}">
+                <a16:creationId xmlns:a16="http://schemas.microsoft.com/office/drawing/2014/main" id="{A6C3A906-0C6E-4FC0-A5E7-AE05A4CF03F8}"/>
+              </a:ext>
+            </a:extLst>
+          </p:cNvPr>
+          <p:cNvPicPr>
+            <a:picLocks noChangeAspect="1"/>
+          </p:cNvPicPr>
+          <p:nvPr/>
+        </p:nvPicPr>
+        <p:blipFill>
+          <a:blip r:embed="rId4"/>
+          <a:stretch>
+            <a:fillRect/>
+          </a:stretch>
+        </p:blipFill>
+        <p:spPr>
+          <a:xfrm>
+            <a:off x="0" y="1214804"/>
+            <a:ext cx="12192000" cy="5905500"/>
+          </a:xfrm>
+          <a:prstGeom prst="rect">
+            <a:avLst/>
+          </a:prstGeom>
+        </p:spPr>
+      </p:pic>
+      <p:pic>
+        <p:nvPicPr>
+          <p:cNvPr id="10" name="Imagem 9">
+            <a:extLst>
+              <a:ext uri="{FF2B5EF4-FFF2-40B4-BE49-F238E27FC236}">
+                <a16:creationId xmlns:a16="http://schemas.microsoft.com/office/drawing/2014/main" id="{CA4F6C34-B7D6-4E07-9AB1-329FC66059B8}"/>
+              </a:ext>
+            </a:extLst>
+          </p:cNvPr>
+          <p:cNvPicPr>
+            <a:picLocks noChangeAspect="1"/>
+          </p:cNvPicPr>
+          <p:nvPr/>
+        </p:nvPicPr>
+        <p:blipFill>
+          <a:blip r:embed="rId5"/>
+          <a:stretch>
+            <a:fillRect/>
+          </a:stretch>
+        </p:blipFill>
+        <p:spPr>
+          <a:xfrm>
+            <a:off x="0" y="2619375"/>
+            <a:ext cx="12192000" cy="1619250"/>
+          </a:xfrm>
+          <a:prstGeom prst="rect">
+            <a:avLst/>
+          </a:prstGeom>
+        </p:spPr>
+      </p:pic>
+    </p:spTree>
+    <p:extLst>
+      <p:ext uri="{BB962C8B-B14F-4D97-AF65-F5344CB8AC3E}">
+        <p14:creationId xmlns:p14="http://schemas.microsoft.com/office/powerpoint/2010/main" val="363437442"/>
+      </p:ext>
+    </p:extLst>
+  </p:cSld>
+  <p:clrMapOvr>
+    <a:masterClrMapping/>
+  </p:clrMapOvr>
+  <p:transition spd="slow">
+    <p:wipe/>
+  </p:transition>
+</p:sld>
+</file>
+
+<file path=ppt/slides/slide42.xml><?xml version="1.0" encoding="utf-8"?>
+<p:sld xmlns:a="http://schemas.openxmlformats.org/drawingml/2006/main" xmlns:r="http://schemas.openxmlformats.org/officeDocument/2006/relationships" xmlns:p="http://schemas.openxmlformats.org/presentationml/2006/main">
+  <p:cSld>
+    <p:spTree>
+      <p:nvGrpSpPr>
+        <p:cNvPr id="1" name=""/>
+        <p:cNvGrpSpPr/>
+        <p:nvPr/>
+      </p:nvGrpSpPr>
+      <p:grpSpPr>
+        <a:xfrm>
+          <a:off x="0" y="0"/>
+          <a:ext cx="0" cy="0"/>
+          <a:chOff x="0" y="0"/>
+          <a:chExt cx="0" cy="0"/>
+        </a:xfrm>
+      </p:grpSpPr>
+      <p:sp>
+        <p:nvSpPr>
+          <p:cNvPr id="2" name="Título 1">
+            <a:extLst>
+              <a:ext uri="{FF2B5EF4-FFF2-40B4-BE49-F238E27FC236}">
+                <a16:creationId xmlns:a16="http://schemas.microsoft.com/office/drawing/2014/main" id="{53C9334F-F7EA-4C4D-AD73-14F433AEFC7C}"/>
+              </a:ext>
+            </a:extLst>
+          </p:cNvPr>
+          <p:cNvSpPr>
+            <a:spLocks noGrp="1"/>
+          </p:cNvSpPr>
+          <p:nvPr>
+            <p:ph type="title"/>
+          </p:nvPr>
+        </p:nvSpPr>
+        <p:spPr>
+          <a:xfrm>
+            <a:off x="838200" y="86830"/>
+            <a:ext cx="10515600" cy="1325563"/>
+          </a:xfrm>
+        </p:spPr>
+        <p:txBody>
+          <a:bodyPr/>
+          <a:lstStyle/>
+          <a:p>
+            <a:r>
+              <a:rPr lang="pt-BR" b="1" dirty="0">
+                <a:solidFill>
+                  <a:srgbClr val="002060"/>
+                </a:solidFill>
+                <a:latin typeface="Century Gothic"/>
+              </a:rPr>
+              <a:t>Tela: Cartões e cupons</a:t>
+            </a:r>
+            <a:endParaRPr lang="pt-BR" b="1" dirty="0">
+              <a:solidFill>
+                <a:srgbClr val="002060"/>
+              </a:solidFill>
+              <a:latin typeface="Century Gothic" panose="020B0502020202020204" pitchFamily="34" charset="0"/>
+            </a:endParaRPr>
+          </a:p>
+        </p:txBody>
+      </p:sp>
+      <p:pic>
+        <p:nvPicPr>
+          <p:cNvPr id="3" name="Picture 4" descr="A picture containing soccer, person, field, room&#10;&#10;Description automatically generated">
+            <a:extLst>
+              <a:ext uri="{FF2B5EF4-FFF2-40B4-BE49-F238E27FC236}">
+                <a16:creationId xmlns:a16="http://schemas.microsoft.com/office/drawing/2014/main" id="{4BD75C6F-D32A-47ED-8C5D-F4D3A0F6F4E4}"/>
+              </a:ext>
+            </a:extLst>
+          </p:cNvPr>
+          <p:cNvPicPr>
+            <a:picLocks noChangeAspect="1"/>
+          </p:cNvPicPr>
+          <p:nvPr/>
+        </p:nvPicPr>
+        <p:blipFill rotWithShape="1">
+          <a:blip r:embed="rId2"/>
+          <a:srcRect b="11667"/>
+          <a:stretch/>
+        </p:blipFill>
+        <p:spPr>
+          <a:xfrm>
+            <a:off x="10312400" y="5249721"/>
+            <a:ext cx="1356360" cy="1006416"/>
+          </a:xfrm>
+          <a:prstGeom prst="rect">
+            <a:avLst/>
+          </a:prstGeom>
+        </p:spPr>
+      </p:pic>
+      <p:sp>
+        <p:nvSpPr>
+          <p:cNvPr id="5" name="Espaço Reservado para Rodapé 4">
+            <a:extLst>
+              <a:ext uri="{FF2B5EF4-FFF2-40B4-BE49-F238E27FC236}">
+                <a16:creationId xmlns:a16="http://schemas.microsoft.com/office/drawing/2014/main" id="{75938DF3-E53E-449A-A3ED-A0E032B49E3B}"/>
+              </a:ext>
+            </a:extLst>
+          </p:cNvPr>
+          <p:cNvSpPr>
+            <a:spLocks noGrp="1"/>
+          </p:cNvSpPr>
+          <p:nvPr>
+            <p:ph type="ftr" sz="quarter" idx="11"/>
+          </p:nvPr>
+        </p:nvSpPr>
+        <p:spPr/>
+        <p:txBody>
+          <a:bodyPr/>
+          <a:lstStyle/>
+          <a:p>
+            <a:r>
+              <a:rPr lang="pt-BR"/>
+              <a:t>FATEC MOGI DAS CRUZES</a:t>
+            </a:r>
+          </a:p>
+        </p:txBody>
+      </p:sp>
+      <p:sp>
+        <p:nvSpPr>
+          <p:cNvPr id="6" name="Espaço Reservado para Número de Slide 5">
+            <a:extLst>
+              <a:ext uri="{FF2B5EF4-FFF2-40B4-BE49-F238E27FC236}">
+                <a16:creationId xmlns:a16="http://schemas.microsoft.com/office/drawing/2014/main" id="{34A58F1A-F1BA-4B3F-80F5-FA21E0B933DA}"/>
+              </a:ext>
+            </a:extLst>
+          </p:cNvPr>
+          <p:cNvSpPr>
+            <a:spLocks noGrp="1"/>
+          </p:cNvSpPr>
+          <p:nvPr>
+            <p:ph type="sldNum" sz="quarter" idx="12"/>
+          </p:nvPr>
+        </p:nvSpPr>
+        <p:spPr/>
+        <p:txBody>
+          <a:bodyPr/>
+          <a:lstStyle/>
+          <a:p>
+            <a:fld id="{BD2B5394-143A-4208-A3B1-25D9600048D5}" type="slidenum">
+              <a:rPr lang="pt-BR" smtClean="0"/>
+              <a:t>42</a:t>
+            </a:fld>
+            <a:endParaRPr lang="pt-BR"/>
+          </a:p>
+        </p:txBody>
+      </p:sp>
+      <p:pic>
+        <p:nvPicPr>
+          <p:cNvPr id="9" name="Imagem 8" descr="Uma imagem contendo texto, homem, screenshot, em pé&#10;&#10;Descrição gerada automaticamente">
+            <a:extLst>
+              <a:ext uri="{FF2B5EF4-FFF2-40B4-BE49-F238E27FC236}">
+                <a16:creationId xmlns:a16="http://schemas.microsoft.com/office/drawing/2014/main" id="{6A47D407-B4EA-4A7D-A5ED-824DDCC0A746}"/>
+              </a:ext>
+            </a:extLst>
+          </p:cNvPr>
+          <p:cNvPicPr>
+            <a:picLocks noChangeAspect="1"/>
+          </p:cNvPicPr>
+          <p:nvPr/>
+        </p:nvPicPr>
+        <p:blipFill>
+          <a:blip r:embed="rId3">
+            <a:extLst>
+              <a:ext uri="{28A0092B-C50C-407E-A947-70E740481C1C}">
+                <a14:useLocalDpi xmlns:a14="http://schemas.microsoft.com/office/drawing/2010/main" val="0"/>
+              </a:ext>
+            </a:extLst>
+          </a:blip>
+          <a:stretch>
+            <a:fillRect/>
+          </a:stretch>
+        </p:blipFill>
+        <p:spPr>
+          <a:xfrm>
+            <a:off x="9566451" y="-891"/>
+            <a:ext cx="2567589" cy="1609170"/>
+          </a:xfrm>
+          <a:prstGeom prst="rect">
+            <a:avLst/>
+          </a:prstGeom>
+        </p:spPr>
+      </p:pic>
+      <p:pic>
+        <p:nvPicPr>
+          <p:cNvPr id="10" name="Imagem 9">
+            <a:extLst>
+              <a:ext uri="{FF2B5EF4-FFF2-40B4-BE49-F238E27FC236}">
+                <a16:creationId xmlns:a16="http://schemas.microsoft.com/office/drawing/2014/main" id="{CA4F6C34-B7D6-4E07-9AB1-329FC66059B8}"/>
+              </a:ext>
+            </a:extLst>
+          </p:cNvPr>
+          <p:cNvPicPr>
+            <a:picLocks noChangeAspect="1"/>
+          </p:cNvPicPr>
+          <p:nvPr/>
+        </p:nvPicPr>
+        <p:blipFill>
+          <a:blip r:embed="rId4"/>
+          <a:stretch>
+            <a:fillRect/>
+          </a:stretch>
+        </p:blipFill>
+        <p:spPr>
+          <a:xfrm>
+            <a:off x="0" y="1412393"/>
+            <a:ext cx="12192000" cy="1619250"/>
+          </a:xfrm>
+          <a:prstGeom prst="rect">
+            <a:avLst/>
+          </a:prstGeom>
+        </p:spPr>
+      </p:pic>
+      <p:pic>
+        <p:nvPicPr>
+          <p:cNvPr id="7" name="Imagem 6">
+            <a:extLst>
+              <a:ext uri="{FF2B5EF4-FFF2-40B4-BE49-F238E27FC236}">
+                <a16:creationId xmlns:a16="http://schemas.microsoft.com/office/drawing/2014/main" id="{2E0DD7EB-B3F3-4C6C-BDDF-EADBBAA80BA2}"/>
+              </a:ext>
+            </a:extLst>
+          </p:cNvPr>
+          <p:cNvPicPr>
+            <a:picLocks noChangeAspect="1"/>
+          </p:cNvPicPr>
+          <p:nvPr/>
+        </p:nvPicPr>
+        <p:blipFill>
+          <a:blip r:embed="rId5"/>
+          <a:stretch>
+            <a:fillRect/>
+          </a:stretch>
+        </p:blipFill>
+        <p:spPr>
+          <a:xfrm>
+            <a:off x="0" y="3157056"/>
+            <a:ext cx="12192000" cy="1200150"/>
+          </a:xfrm>
+          <a:prstGeom prst="rect">
+            <a:avLst/>
+          </a:prstGeom>
+        </p:spPr>
+      </p:pic>
+    </p:spTree>
+    <p:extLst>
+      <p:ext uri="{BB962C8B-B14F-4D97-AF65-F5344CB8AC3E}">
+        <p14:creationId xmlns:p14="http://schemas.microsoft.com/office/powerpoint/2010/main" val="847192376"/>
+      </p:ext>
+    </p:extLst>
+  </p:cSld>
+  <p:clrMapOvr>
+    <a:masterClrMapping/>
+  </p:clrMapOvr>
+  <p:transition spd="slow">
+    <p:wipe/>
+  </p:transition>
+</p:sld>
+</file>
+
+<file path=ppt/slides/slide43.xml><?xml version="1.0" encoding="utf-8"?>
+<p:sld xmlns:a="http://schemas.openxmlformats.org/drawingml/2006/main" xmlns:r="http://schemas.openxmlformats.org/officeDocument/2006/relationships" xmlns:p="http://schemas.openxmlformats.org/presentationml/2006/main">
+  <p:cSld>
+    <p:spTree>
+      <p:nvGrpSpPr>
+        <p:cNvPr id="1" name=""/>
+        <p:cNvGrpSpPr/>
+        <p:nvPr/>
+      </p:nvGrpSpPr>
+      <p:grpSpPr>
+        <a:xfrm>
+          <a:off x="0" y="0"/>
+          <a:ext cx="0" cy="0"/>
+          <a:chOff x="0" y="0"/>
+          <a:chExt cx="0" cy="0"/>
+        </a:xfrm>
+      </p:grpSpPr>
+      <p:sp>
+        <p:nvSpPr>
+          <p:cNvPr id="2" name="Título 1">
+            <a:extLst>
+              <a:ext uri="{FF2B5EF4-FFF2-40B4-BE49-F238E27FC236}">
+                <a16:creationId xmlns:a16="http://schemas.microsoft.com/office/drawing/2014/main" id="{53C9334F-F7EA-4C4D-AD73-14F433AEFC7C}"/>
+              </a:ext>
+            </a:extLst>
+          </p:cNvPr>
+          <p:cNvSpPr>
+            <a:spLocks noGrp="1"/>
+          </p:cNvSpPr>
+          <p:nvPr>
+            <p:ph type="title"/>
+          </p:nvPr>
+        </p:nvSpPr>
+        <p:spPr>
+          <a:xfrm>
+            <a:off x="838200" y="86830"/>
+            <a:ext cx="10515600" cy="1325563"/>
+          </a:xfrm>
+        </p:spPr>
+        <p:txBody>
+          <a:bodyPr/>
+          <a:lstStyle/>
+          <a:p>
+            <a:r>
+              <a:rPr lang="pt-BR" b="1" dirty="0">
+                <a:solidFill>
+                  <a:srgbClr val="002060"/>
+                </a:solidFill>
+                <a:latin typeface="Century Gothic"/>
+              </a:rPr>
+              <a:t>Tela: Confirmação carrinho</a:t>
+            </a:r>
+            <a:endParaRPr lang="pt-BR" b="1" dirty="0">
+              <a:solidFill>
+                <a:srgbClr val="002060"/>
+              </a:solidFill>
+              <a:latin typeface="Century Gothic" panose="020B0502020202020204" pitchFamily="34" charset="0"/>
+            </a:endParaRPr>
+          </a:p>
+        </p:txBody>
+      </p:sp>
+      <p:pic>
+        <p:nvPicPr>
+          <p:cNvPr id="3" name="Picture 4" descr="A picture containing soccer, person, field, room&#10;&#10;Description automatically generated">
+            <a:extLst>
+              <a:ext uri="{FF2B5EF4-FFF2-40B4-BE49-F238E27FC236}">
+                <a16:creationId xmlns:a16="http://schemas.microsoft.com/office/drawing/2014/main" id="{4BD75C6F-D32A-47ED-8C5D-F4D3A0F6F4E4}"/>
+              </a:ext>
+            </a:extLst>
+          </p:cNvPr>
+          <p:cNvPicPr>
+            <a:picLocks noChangeAspect="1"/>
+          </p:cNvPicPr>
+          <p:nvPr/>
+        </p:nvPicPr>
+        <p:blipFill rotWithShape="1">
+          <a:blip r:embed="rId2"/>
+          <a:srcRect b="11667"/>
+          <a:stretch/>
+        </p:blipFill>
+        <p:spPr>
+          <a:xfrm>
+            <a:off x="10312400" y="5249721"/>
+            <a:ext cx="1356360" cy="1006416"/>
+          </a:xfrm>
+          <a:prstGeom prst="rect">
+            <a:avLst/>
+          </a:prstGeom>
+        </p:spPr>
+      </p:pic>
+      <p:sp>
+        <p:nvSpPr>
+          <p:cNvPr id="5" name="Espaço Reservado para Rodapé 4">
+            <a:extLst>
+              <a:ext uri="{FF2B5EF4-FFF2-40B4-BE49-F238E27FC236}">
+                <a16:creationId xmlns:a16="http://schemas.microsoft.com/office/drawing/2014/main" id="{75938DF3-E53E-449A-A3ED-A0E032B49E3B}"/>
+              </a:ext>
+            </a:extLst>
+          </p:cNvPr>
+          <p:cNvSpPr>
+            <a:spLocks noGrp="1"/>
+          </p:cNvSpPr>
+          <p:nvPr>
+            <p:ph type="ftr" sz="quarter" idx="11"/>
+          </p:nvPr>
+        </p:nvSpPr>
+        <p:spPr/>
+        <p:txBody>
+          <a:bodyPr/>
+          <a:lstStyle/>
+          <a:p>
+            <a:r>
+              <a:rPr lang="pt-BR"/>
+              <a:t>FATEC MOGI DAS CRUZES</a:t>
+            </a:r>
+          </a:p>
+        </p:txBody>
+      </p:sp>
+      <p:sp>
+        <p:nvSpPr>
+          <p:cNvPr id="6" name="Espaço Reservado para Número de Slide 5">
+            <a:extLst>
+              <a:ext uri="{FF2B5EF4-FFF2-40B4-BE49-F238E27FC236}">
+                <a16:creationId xmlns:a16="http://schemas.microsoft.com/office/drawing/2014/main" id="{34A58F1A-F1BA-4B3F-80F5-FA21E0B933DA}"/>
+              </a:ext>
+            </a:extLst>
+          </p:cNvPr>
+          <p:cNvSpPr>
+            <a:spLocks noGrp="1"/>
+          </p:cNvSpPr>
+          <p:nvPr>
+            <p:ph type="sldNum" sz="quarter" idx="12"/>
+          </p:nvPr>
+        </p:nvSpPr>
+        <p:spPr/>
+        <p:txBody>
+          <a:bodyPr/>
+          <a:lstStyle/>
+          <a:p>
+            <a:fld id="{BD2B5394-143A-4208-A3B1-25D9600048D5}" type="slidenum">
+              <a:rPr lang="pt-BR" smtClean="0"/>
+              <a:t>43</a:t>
+            </a:fld>
+            <a:endParaRPr lang="pt-BR"/>
+          </a:p>
+        </p:txBody>
+      </p:sp>
+      <p:pic>
+        <p:nvPicPr>
+          <p:cNvPr id="9" name="Imagem 8" descr="Uma imagem contendo texto, homem, screenshot, em pé&#10;&#10;Descrição gerada automaticamente">
+            <a:extLst>
+              <a:ext uri="{FF2B5EF4-FFF2-40B4-BE49-F238E27FC236}">
+                <a16:creationId xmlns:a16="http://schemas.microsoft.com/office/drawing/2014/main" id="{6A47D407-B4EA-4A7D-A5ED-824DDCC0A746}"/>
+              </a:ext>
+            </a:extLst>
+          </p:cNvPr>
+          <p:cNvPicPr>
+            <a:picLocks noChangeAspect="1"/>
+          </p:cNvPicPr>
+          <p:nvPr/>
+        </p:nvPicPr>
+        <p:blipFill>
+          <a:blip r:embed="rId3">
+            <a:extLst>
+              <a:ext uri="{28A0092B-C50C-407E-A947-70E740481C1C}">
+                <a14:useLocalDpi xmlns:a14="http://schemas.microsoft.com/office/drawing/2010/main" val="0"/>
+              </a:ext>
+            </a:extLst>
+          </a:blip>
+          <a:stretch>
+            <a:fillRect/>
+          </a:stretch>
+        </p:blipFill>
+        <p:spPr>
+          <a:xfrm>
+            <a:off x="9566451" y="-891"/>
+            <a:ext cx="2567589" cy="1609170"/>
+          </a:xfrm>
+          <a:prstGeom prst="rect">
+            <a:avLst/>
+          </a:prstGeom>
+        </p:spPr>
+      </p:pic>
+      <p:pic>
+        <p:nvPicPr>
+          <p:cNvPr id="8" name="Imagem 7">
+            <a:extLst>
+              <a:ext uri="{FF2B5EF4-FFF2-40B4-BE49-F238E27FC236}">
+                <a16:creationId xmlns:a16="http://schemas.microsoft.com/office/drawing/2014/main" id="{4A642BF6-3797-4C18-AA1C-F862B8C4F476}"/>
+              </a:ext>
+            </a:extLst>
+          </p:cNvPr>
+          <p:cNvPicPr>
+            <a:picLocks noChangeAspect="1"/>
+          </p:cNvPicPr>
+          <p:nvPr/>
+        </p:nvPicPr>
+        <p:blipFill>
+          <a:blip r:embed="rId4"/>
+          <a:stretch>
+            <a:fillRect/>
+          </a:stretch>
+        </p:blipFill>
+        <p:spPr>
+          <a:xfrm>
+            <a:off x="0" y="1271347"/>
+            <a:ext cx="12192000" cy="5226050"/>
+          </a:xfrm>
+          <a:prstGeom prst="rect">
+            <a:avLst/>
+          </a:prstGeom>
+        </p:spPr>
+      </p:pic>
+      <p:pic>
+        <p:nvPicPr>
+          <p:cNvPr id="12" name="Imagem 11">
+            <a:extLst>
+              <a:ext uri="{FF2B5EF4-FFF2-40B4-BE49-F238E27FC236}">
+                <a16:creationId xmlns:a16="http://schemas.microsoft.com/office/drawing/2014/main" id="{7CEC8870-180F-4925-8705-81172FDACB2E}"/>
+              </a:ext>
+            </a:extLst>
+          </p:cNvPr>
+          <p:cNvPicPr>
+            <a:picLocks noChangeAspect="1"/>
+          </p:cNvPicPr>
+          <p:nvPr/>
+        </p:nvPicPr>
+        <p:blipFill>
+          <a:blip r:embed="rId5"/>
+          <a:stretch>
+            <a:fillRect/>
+          </a:stretch>
+        </p:blipFill>
+        <p:spPr>
+          <a:xfrm>
+            <a:off x="0" y="2559050"/>
+            <a:ext cx="12192000" cy="1739900"/>
+          </a:xfrm>
+          <a:prstGeom prst="rect">
+            <a:avLst/>
+          </a:prstGeom>
+        </p:spPr>
+      </p:pic>
+    </p:spTree>
+    <p:extLst>
+      <p:ext uri="{BB962C8B-B14F-4D97-AF65-F5344CB8AC3E}">
+        <p14:creationId xmlns:p14="http://schemas.microsoft.com/office/powerpoint/2010/main" val="1976869050"/>
+      </p:ext>
+    </p:extLst>
+  </p:cSld>
+  <p:clrMapOvr>
+    <a:masterClrMapping/>
+  </p:clrMapOvr>
+  <p:transition spd="slow">
+    <p:wipe/>
+  </p:transition>
+</p:sld>
+</file>
+
+<file path=ppt/slides/slide44.xml><?xml version="1.0" encoding="utf-8"?>
+<p:sld xmlns:a="http://schemas.openxmlformats.org/drawingml/2006/main" xmlns:r="http://schemas.openxmlformats.org/officeDocument/2006/relationships" xmlns:p="http://schemas.openxmlformats.org/presentationml/2006/main">
+  <p:cSld>
+    <p:spTree>
+      <p:nvGrpSpPr>
+        <p:cNvPr id="1" name=""/>
+        <p:cNvGrpSpPr/>
+        <p:nvPr/>
+      </p:nvGrpSpPr>
+      <p:grpSpPr>
+        <a:xfrm>
+          <a:off x="0" y="0"/>
+          <a:ext cx="0" cy="0"/>
+          <a:chOff x="0" y="0"/>
+          <a:chExt cx="0" cy="0"/>
+        </a:xfrm>
+      </p:grpSpPr>
+      <p:sp>
+        <p:nvSpPr>
+          <p:cNvPr id="2" name="Título 1">
+            <a:extLst>
+              <a:ext uri="{FF2B5EF4-FFF2-40B4-BE49-F238E27FC236}">
+                <a16:creationId xmlns:a16="http://schemas.microsoft.com/office/drawing/2014/main" id="{53C9334F-F7EA-4C4D-AD73-14F433AEFC7C}"/>
+              </a:ext>
+            </a:extLst>
+          </p:cNvPr>
+          <p:cNvSpPr>
+            <a:spLocks noGrp="1"/>
+          </p:cNvSpPr>
+          <p:nvPr>
+            <p:ph type="title"/>
+          </p:nvPr>
+        </p:nvSpPr>
+        <p:spPr>
+          <a:xfrm>
+            <a:off x="838200" y="86830"/>
+            <a:ext cx="10515600" cy="1325563"/>
+          </a:xfrm>
+        </p:spPr>
+        <p:txBody>
+          <a:bodyPr/>
+          <a:lstStyle/>
+          <a:p>
+            <a:r>
+              <a:rPr lang="pt-BR" b="1" dirty="0">
+                <a:solidFill>
+                  <a:srgbClr val="002060"/>
+                </a:solidFill>
+                <a:latin typeface="Century Gothic"/>
+              </a:rPr>
+              <a:t>Tela: Pedido efetuado</a:t>
+            </a:r>
+            <a:endParaRPr lang="pt-BR" b="1" dirty="0">
+              <a:solidFill>
+                <a:srgbClr val="002060"/>
+              </a:solidFill>
+              <a:latin typeface="Century Gothic" panose="020B0502020202020204" pitchFamily="34" charset="0"/>
+            </a:endParaRPr>
+          </a:p>
+        </p:txBody>
+      </p:sp>
+      <p:pic>
+        <p:nvPicPr>
+          <p:cNvPr id="3" name="Picture 4" descr="A picture containing soccer, person, field, room&#10;&#10;Description automatically generated">
+            <a:extLst>
+              <a:ext uri="{FF2B5EF4-FFF2-40B4-BE49-F238E27FC236}">
+                <a16:creationId xmlns:a16="http://schemas.microsoft.com/office/drawing/2014/main" id="{4BD75C6F-D32A-47ED-8C5D-F4D3A0F6F4E4}"/>
+              </a:ext>
+            </a:extLst>
+          </p:cNvPr>
+          <p:cNvPicPr>
+            <a:picLocks noChangeAspect="1"/>
+          </p:cNvPicPr>
+          <p:nvPr/>
+        </p:nvPicPr>
+        <p:blipFill rotWithShape="1">
+          <a:blip r:embed="rId2"/>
+          <a:srcRect b="11667"/>
+          <a:stretch/>
+        </p:blipFill>
+        <p:spPr>
+          <a:xfrm>
+            <a:off x="10312400" y="5249721"/>
+            <a:ext cx="1356360" cy="1006416"/>
+          </a:xfrm>
+          <a:prstGeom prst="rect">
+            <a:avLst/>
+          </a:prstGeom>
+        </p:spPr>
+      </p:pic>
+      <p:sp>
+        <p:nvSpPr>
+          <p:cNvPr id="5" name="Espaço Reservado para Rodapé 4">
+            <a:extLst>
+              <a:ext uri="{FF2B5EF4-FFF2-40B4-BE49-F238E27FC236}">
+                <a16:creationId xmlns:a16="http://schemas.microsoft.com/office/drawing/2014/main" id="{75938DF3-E53E-449A-A3ED-A0E032B49E3B}"/>
+              </a:ext>
+            </a:extLst>
+          </p:cNvPr>
+          <p:cNvSpPr>
+            <a:spLocks noGrp="1"/>
+          </p:cNvSpPr>
+          <p:nvPr>
+            <p:ph type="ftr" sz="quarter" idx="11"/>
+          </p:nvPr>
+        </p:nvSpPr>
+        <p:spPr/>
+        <p:txBody>
+          <a:bodyPr/>
+          <a:lstStyle/>
+          <a:p>
+            <a:r>
+              <a:rPr lang="pt-BR"/>
+              <a:t>FATEC MOGI DAS CRUZES</a:t>
+            </a:r>
+          </a:p>
+        </p:txBody>
+      </p:sp>
+      <p:sp>
+        <p:nvSpPr>
+          <p:cNvPr id="6" name="Espaço Reservado para Número de Slide 5">
+            <a:extLst>
+              <a:ext uri="{FF2B5EF4-FFF2-40B4-BE49-F238E27FC236}">
+                <a16:creationId xmlns:a16="http://schemas.microsoft.com/office/drawing/2014/main" id="{34A58F1A-F1BA-4B3F-80F5-FA21E0B933DA}"/>
+              </a:ext>
+            </a:extLst>
+          </p:cNvPr>
+          <p:cNvSpPr>
+            <a:spLocks noGrp="1"/>
+          </p:cNvSpPr>
+          <p:nvPr>
+            <p:ph type="sldNum" sz="quarter" idx="12"/>
+          </p:nvPr>
+        </p:nvSpPr>
+        <p:spPr/>
+        <p:txBody>
+          <a:bodyPr/>
+          <a:lstStyle/>
+          <a:p>
+            <a:fld id="{BD2B5394-143A-4208-A3B1-25D9600048D5}" type="slidenum">
+              <a:rPr lang="pt-BR" smtClean="0"/>
+              <a:t>44</a:t>
+            </a:fld>
+            <a:endParaRPr lang="pt-BR"/>
+          </a:p>
+        </p:txBody>
+      </p:sp>
+      <p:pic>
+        <p:nvPicPr>
+          <p:cNvPr id="9" name="Imagem 8" descr="Uma imagem contendo texto, homem, screenshot, em pé&#10;&#10;Descrição gerada automaticamente">
+            <a:extLst>
+              <a:ext uri="{FF2B5EF4-FFF2-40B4-BE49-F238E27FC236}">
+                <a16:creationId xmlns:a16="http://schemas.microsoft.com/office/drawing/2014/main" id="{6A47D407-B4EA-4A7D-A5ED-824DDCC0A746}"/>
+              </a:ext>
+            </a:extLst>
+          </p:cNvPr>
+          <p:cNvPicPr>
+            <a:picLocks noChangeAspect="1"/>
+          </p:cNvPicPr>
+          <p:nvPr/>
+        </p:nvPicPr>
+        <p:blipFill>
+          <a:blip r:embed="rId3">
+            <a:extLst>
+              <a:ext uri="{28A0092B-C50C-407E-A947-70E740481C1C}">
+                <a14:useLocalDpi xmlns:a14="http://schemas.microsoft.com/office/drawing/2010/main" val="0"/>
+              </a:ext>
+            </a:extLst>
+          </a:blip>
+          <a:stretch>
+            <a:fillRect/>
+          </a:stretch>
+        </p:blipFill>
+        <p:spPr>
+          <a:xfrm>
+            <a:off x="9566451" y="-891"/>
+            <a:ext cx="2567589" cy="1609170"/>
+          </a:xfrm>
+          <a:prstGeom prst="rect">
+            <a:avLst/>
+          </a:prstGeom>
+        </p:spPr>
+      </p:pic>
+      <p:pic>
+        <p:nvPicPr>
+          <p:cNvPr id="12" name="Imagem 11">
+            <a:extLst>
+              <a:ext uri="{FF2B5EF4-FFF2-40B4-BE49-F238E27FC236}">
+                <a16:creationId xmlns:a16="http://schemas.microsoft.com/office/drawing/2014/main" id="{7CEC8870-180F-4925-8705-81172FDACB2E}"/>
+              </a:ext>
+            </a:extLst>
+          </p:cNvPr>
+          <p:cNvPicPr>
+            <a:picLocks noChangeAspect="1"/>
+          </p:cNvPicPr>
+          <p:nvPr/>
+        </p:nvPicPr>
+        <p:blipFill>
+          <a:blip r:embed="rId4"/>
+          <a:stretch>
+            <a:fillRect/>
+          </a:stretch>
+        </p:blipFill>
+        <p:spPr>
+          <a:xfrm>
+            <a:off x="0" y="2777029"/>
+            <a:ext cx="12192000" cy="1739900"/>
+          </a:xfrm>
+          <a:prstGeom prst="rect">
+            <a:avLst/>
+          </a:prstGeom>
+        </p:spPr>
+      </p:pic>
+    </p:spTree>
+    <p:extLst>
+      <p:ext uri="{BB962C8B-B14F-4D97-AF65-F5344CB8AC3E}">
+        <p14:creationId xmlns:p14="http://schemas.microsoft.com/office/powerpoint/2010/main" val="2350327952"/>
+      </p:ext>
+    </p:extLst>
+  </p:cSld>
+  <p:clrMapOvr>
+    <a:masterClrMapping/>
+  </p:clrMapOvr>
+  <p:transition spd="slow">
+    <p:wipe/>
+  </p:transition>
+</p:sld>
+</file>
+
+<file path=ppt/slides/slide45.xml><?xml version="1.0" encoding="utf-8"?>
+<p:sld xmlns:a="http://schemas.openxmlformats.org/drawingml/2006/main" xmlns:r="http://schemas.openxmlformats.org/officeDocument/2006/relationships" xmlns:p="http://schemas.openxmlformats.org/presentationml/2006/main">
+  <p:cSld>
+    <p:spTree>
+      <p:nvGrpSpPr>
+        <p:cNvPr id="1" name=""/>
+        <p:cNvGrpSpPr/>
+        <p:nvPr/>
+      </p:nvGrpSpPr>
+      <p:grpSpPr>
+        <a:xfrm>
+          <a:off x="0" y="0"/>
+          <a:ext cx="0" cy="0"/>
+          <a:chOff x="0" y="0"/>
+          <a:chExt cx="0" cy="0"/>
+        </a:xfrm>
+      </p:grpSpPr>
+      <p:sp>
+        <p:nvSpPr>
+          <p:cNvPr id="2" name="Título 1">
+            <a:extLst>
+              <a:ext uri="{FF2B5EF4-FFF2-40B4-BE49-F238E27FC236}">
+                <a16:creationId xmlns:a16="http://schemas.microsoft.com/office/drawing/2014/main" id="{53C9334F-F7EA-4C4D-AD73-14F433AEFC7C}"/>
+              </a:ext>
+            </a:extLst>
+          </p:cNvPr>
+          <p:cNvSpPr>
+            <a:spLocks noGrp="1"/>
+          </p:cNvSpPr>
+          <p:nvPr>
+            <p:ph type="title"/>
+          </p:nvPr>
+        </p:nvSpPr>
+        <p:spPr>
+          <a:xfrm>
+            <a:off x="838200" y="86830"/>
+            <a:ext cx="10515600" cy="1325563"/>
+          </a:xfrm>
+        </p:spPr>
+        <p:txBody>
+          <a:bodyPr/>
+          <a:lstStyle/>
+          <a:p>
+            <a:r>
+              <a:rPr lang="pt-BR" b="1" dirty="0">
+                <a:solidFill>
+                  <a:srgbClr val="002060"/>
+                </a:solidFill>
+                <a:latin typeface="Century Gothic"/>
+              </a:rPr>
+              <a:t>Tela: Consultar pedidos</a:t>
+            </a:r>
+            <a:endParaRPr lang="pt-BR" b="1" dirty="0">
+              <a:solidFill>
+                <a:srgbClr val="002060"/>
+              </a:solidFill>
+              <a:latin typeface="Century Gothic" panose="020B0502020202020204" pitchFamily="34" charset="0"/>
+            </a:endParaRPr>
+          </a:p>
+        </p:txBody>
+      </p:sp>
+      <p:pic>
+        <p:nvPicPr>
+          <p:cNvPr id="3" name="Picture 4" descr="A picture containing soccer, person, field, room&#10;&#10;Description automatically generated">
+            <a:extLst>
+              <a:ext uri="{FF2B5EF4-FFF2-40B4-BE49-F238E27FC236}">
+                <a16:creationId xmlns:a16="http://schemas.microsoft.com/office/drawing/2014/main" id="{4BD75C6F-D32A-47ED-8C5D-F4D3A0F6F4E4}"/>
+              </a:ext>
+            </a:extLst>
+          </p:cNvPr>
+          <p:cNvPicPr>
+            <a:picLocks noChangeAspect="1"/>
+          </p:cNvPicPr>
+          <p:nvPr/>
+        </p:nvPicPr>
+        <p:blipFill rotWithShape="1">
+          <a:blip r:embed="rId2"/>
+          <a:srcRect b="11667"/>
+          <a:stretch/>
+        </p:blipFill>
+        <p:spPr>
+          <a:xfrm>
+            <a:off x="10312400" y="5249721"/>
+            <a:ext cx="1356360" cy="1006416"/>
+          </a:xfrm>
+          <a:prstGeom prst="rect">
+            <a:avLst/>
+          </a:prstGeom>
+        </p:spPr>
+      </p:pic>
+      <p:sp>
+        <p:nvSpPr>
+          <p:cNvPr id="5" name="Espaço Reservado para Rodapé 4">
+            <a:extLst>
+              <a:ext uri="{FF2B5EF4-FFF2-40B4-BE49-F238E27FC236}">
+                <a16:creationId xmlns:a16="http://schemas.microsoft.com/office/drawing/2014/main" id="{75938DF3-E53E-449A-A3ED-A0E032B49E3B}"/>
+              </a:ext>
+            </a:extLst>
+          </p:cNvPr>
+          <p:cNvSpPr>
+            <a:spLocks noGrp="1"/>
+          </p:cNvSpPr>
+          <p:nvPr>
+            <p:ph type="ftr" sz="quarter" idx="11"/>
+          </p:nvPr>
+        </p:nvSpPr>
+        <p:spPr/>
+        <p:txBody>
+          <a:bodyPr/>
+          <a:lstStyle/>
+          <a:p>
+            <a:r>
+              <a:rPr lang="pt-BR"/>
+              <a:t>FATEC MOGI DAS CRUZES</a:t>
+            </a:r>
+          </a:p>
+        </p:txBody>
+      </p:sp>
+      <p:sp>
+        <p:nvSpPr>
+          <p:cNvPr id="6" name="Espaço Reservado para Número de Slide 5">
+            <a:extLst>
+              <a:ext uri="{FF2B5EF4-FFF2-40B4-BE49-F238E27FC236}">
+                <a16:creationId xmlns:a16="http://schemas.microsoft.com/office/drawing/2014/main" id="{34A58F1A-F1BA-4B3F-80F5-FA21E0B933DA}"/>
+              </a:ext>
+            </a:extLst>
+          </p:cNvPr>
+          <p:cNvSpPr>
+            <a:spLocks noGrp="1"/>
+          </p:cNvSpPr>
+          <p:nvPr>
+            <p:ph type="sldNum" sz="quarter" idx="12"/>
+          </p:nvPr>
+        </p:nvSpPr>
+        <p:spPr/>
+        <p:txBody>
+          <a:bodyPr/>
+          <a:lstStyle/>
+          <a:p>
+            <a:fld id="{BD2B5394-143A-4208-A3B1-25D9600048D5}" type="slidenum">
+              <a:rPr lang="pt-BR" smtClean="0"/>
+              <a:t>45</a:t>
+            </a:fld>
+            <a:endParaRPr lang="pt-BR"/>
+          </a:p>
+        </p:txBody>
+      </p:sp>
+      <p:pic>
+        <p:nvPicPr>
+          <p:cNvPr id="9" name="Imagem 8" descr="Uma imagem contendo texto, homem, screenshot, em pé&#10;&#10;Descrição gerada automaticamente">
+            <a:extLst>
+              <a:ext uri="{FF2B5EF4-FFF2-40B4-BE49-F238E27FC236}">
+                <a16:creationId xmlns:a16="http://schemas.microsoft.com/office/drawing/2014/main" id="{6A47D407-B4EA-4A7D-A5ED-824DDCC0A746}"/>
+              </a:ext>
+            </a:extLst>
+          </p:cNvPr>
+          <p:cNvPicPr>
+            <a:picLocks noChangeAspect="1"/>
+          </p:cNvPicPr>
+          <p:nvPr/>
+        </p:nvPicPr>
+        <p:blipFill>
+          <a:blip r:embed="rId3">
+            <a:extLst>
+              <a:ext uri="{28A0092B-C50C-407E-A947-70E740481C1C}">
+                <a14:useLocalDpi xmlns:a14="http://schemas.microsoft.com/office/drawing/2010/main" val="0"/>
+              </a:ext>
+            </a:extLst>
+          </a:blip>
+          <a:stretch>
+            <a:fillRect/>
+          </a:stretch>
+        </p:blipFill>
+        <p:spPr>
+          <a:xfrm>
+            <a:off x="9566451" y="-891"/>
+            <a:ext cx="2567589" cy="1609170"/>
+          </a:xfrm>
+          <a:prstGeom prst="rect">
+            <a:avLst/>
+          </a:prstGeom>
+        </p:spPr>
+      </p:pic>
+      <p:pic>
+        <p:nvPicPr>
+          <p:cNvPr id="7" name="Imagem 6">
+            <a:extLst>
+              <a:ext uri="{FF2B5EF4-FFF2-40B4-BE49-F238E27FC236}">
+                <a16:creationId xmlns:a16="http://schemas.microsoft.com/office/drawing/2014/main" id="{17ACBBC3-36B8-4C04-9E89-7A1AAFF3E141}"/>
+              </a:ext>
+            </a:extLst>
+          </p:cNvPr>
+          <p:cNvPicPr>
+            <a:picLocks noChangeAspect="1"/>
+          </p:cNvPicPr>
+          <p:nvPr/>
+        </p:nvPicPr>
+        <p:blipFill>
+          <a:blip r:embed="rId4"/>
+          <a:stretch>
+            <a:fillRect/>
+          </a:stretch>
+        </p:blipFill>
+        <p:spPr>
+          <a:xfrm>
+            <a:off x="0" y="1814259"/>
+            <a:ext cx="12192000" cy="2070100"/>
+          </a:xfrm>
+          <a:prstGeom prst="rect">
+            <a:avLst/>
+          </a:prstGeom>
+        </p:spPr>
+      </p:pic>
+    </p:spTree>
+    <p:extLst>
+      <p:ext uri="{BB962C8B-B14F-4D97-AF65-F5344CB8AC3E}">
+        <p14:creationId xmlns:p14="http://schemas.microsoft.com/office/powerpoint/2010/main" val="1535060060"/>
+      </p:ext>
+    </p:extLst>
+  </p:cSld>
+  <p:clrMapOvr>
+    <a:masterClrMapping/>
+  </p:clrMapOvr>
+  <p:transition spd="slow">
+    <p:wipe/>
+  </p:transition>
+</p:sld>
+</file>
+
+<file path=ppt/slides/slide46.xml><?xml version="1.0" encoding="utf-8"?>
+<p:sld xmlns:a="http://schemas.openxmlformats.org/drawingml/2006/main" xmlns:r="http://schemas.openxmlformats.org/officeDocument/2006/relationships" xmlns:p="http://schemas.openxmlformats.org/presentationml/2006/main">
+  <p:cSld>
+    <p:spTree>
+      <p:nvGrpSpPr>
+        <p:cNvPr id="1" name=""/>
+        <p:cNvGrpSpPr/>
+        <p:nvPr/>
+      </p:nvGrpSpPr>
+      <p:grpSpPr>
+        <a:xfrm>
+          <a:off x="0" y="0"/>
+          <a:ext cx="0" cy="0"/>
+          <a:chOff x="0" y="0"/>
+          <a:chExt cx="0" cy="0"/>
+        </a:xfrm>
+      </p:grpSpPr>
+      <p:sp>
+        <p:nvSpPr>
+          <p:cNvPr id="2" name="Título 1">
+            <a:extLst>
+              <a:ext uri="{FF2B5EF4-FFF2-40B4-BE49-F238E27FC236}">
+                <a16:creationId xmlns:a16="http://schemas.microsoft.com/office/drawing/2014/main" id="{53C9334F-F7EA-4C4D-AD73-14F433AEFC7C}"/>
+              </a:ext>
+            </a:extLst>
+          </p:cNvPr>
+          <p:cNvSpPr>
+            <a:spLocks noGrp="1"/>
+          </p:cNvSpPr>
+          <p:nvPr>
+            <p:ph type="title"/>
+          </p:nvPr>
+        </p:nvSpPr>
+        <p:spPr>
+          <a:xfrm>
+            <a:off x="838200" y="86830"/>
+            <a:ext cx="10515600" cy="1325563"/>
+          </a:xfrm>
+        </p:spPr>
+        <p:txBody>
+          <a:bodyPr/>
+          <a:lstStyle/>
+          <a:p>
+            <a:r>
+              <a:rPr lang="pt-BR" b="1">
+                <a:solidFill>
+                  <a:srgbClr val="002060"/>
+                </a:solidFill>
+                <a:latin typeface="Century Gothic"/>
+              </a:rPr>
+              <a:t>Preço e forma de pagamento</a:t>
+            </a:r>
+            <a:endParaRPr lang="pt-BR" b="1">
+              <a:solidFill>
+                <a:srgbClr val="002060"/>
+              </a:solidFill>
+              <a:latin typeface="Century Gothic" panose="020B0502020202020204" pitchFamily="34" charset="0"/>
+            </a:endParaRPr>
+          </a:p>
+        </p:txBody>
+      </p:sp>
+      <p:sp>
+        <p:nvSpPr>
+          <p:cNvPr id="7" name="Content Placeholder 6">
+            <a:extLst>
+              <a:ext uri="{FF2B5EF4-FFF2-40B4-BE49-F238E27FC236}">
+                <a16:creationId xmlns:a16="http://schemas.microsoft.com/office/drawing/2014/main" id="{CAF04F12-0930-4925-93A7-E1E37CB1168F}"/>
+              </a:ext>
+            </a:extLst>
+          </p:cNvPr>
+          <p:cNvSpPr>
+            <a:spLocks noGrp="1"/>
+          </p:cNvSpPr>
+          <p:nvPr/>
+        </p:nvSpPr>
+        <p:spPr>
+          <a:xfrm>
+            <a:off x="523240" y="1496027"/>
+            <a:ext cx="10830560" cy="3753694"/>
+          </a:xfrm>
+          <a:prstGeom prst="rect">
+            <a:avLst/>
+          </a:prstGeom>
+        </p:spPr>
+        <p:txBody>
+          <a:bodyPr vert="horz" lIns="396000" tIns="45720" rIns="91440" bIns="45720" rtlCol="0" anchor="t">
+            <a:noAutofit/>
+          </a:bodyPr>
+          <a:lstStyle>
+            <a:lvl1pPr marL="0" indent="0" algn="l" defTabSz="914400" rtl="0" eaLnBrk="1" latinLnBrk="0" hangingPunct="1">
+              <a:lnSpc>
+                <a:spcPct val="90000"/>
+              </a:lnSpc>
+              <a:spcBef>
+                <a:spcPts val="1000"/>
+              </a:spcBef>
+              <a:buFont typeface="Arial" panose="020B0604020202020204" pitchFamily="34" charset="0"/>
+              <a:buNone/>
+              <a:defRPr sz="1400" kern="1200">
+                <a:solidFill>
+                  <a:schemeClr val="tx1">
+                    <a:lumMod val="75000"/>
+                    <a:lumOff val="25000"/>
+                  </a:schemeClr>
+                </a:solidFill>
+                <a:latin typeface="Arial" pitchFamily="34" charset="0"/>
+                <a:ea typeface="+mn-ea"/>
+                <a:cs typeface="Arial" pitchFamily="34" charset="0"/>
+              </a:defRPr>
+            </a:lvl1pPr>
+            <a:lvl2pPr marL="685800" indent="-228600" algn="l" defTabSz="914400" rtl="0" eaLnBrk="1" latinLnBrk="0" hangingPunct="1">
+              <a:lnSpc>
+                <a:spcPct val="90000"/>
+              </a:lnSpc>
+              <a:spcBef>
+                <a:spcPts val="500"/>
+              </a:spcBef>
+              <a:buFont typeface="Arial" panose="020B0604020202020204" pitchFamily="34" charset="0"/>
+              <a:buChar char="•"/>
+              <a:defRPr sz="2400" kern="1200">
+                <a:solidFill>
+                  <a:schemeClr val="tx1"/>
+                </a:solidFill>
+                <a:latin typeface="+mn-lt"/>
+                <a:ea typeface="+mn-ea"/>
+                <a:cs typeface="+mn-cs"/>
+              </a:defRPr>
+            </a:lvl2pPr>
+            <a:lvl3pPr marL="1143000" indent="-228600" algn="l" defTabSz="914400" rtl="0" eaLnBrk="1" latinLnBrk="0" hangingPunct="1">
+              <a:lnSpc>
+                <a:spcPct val="90000"/>
+              </a:lnSpc>
+              <a:spcBef>
+                <a:spcPts val="500"/>
+              </a:spcBef>
+              <a:buFont typeface="Arial" panose="020B0604020202020204" pitchFamily="34" charset="0"/>
+              <a:buChar char="•"/>
+              <a:defRPr sz="2000" kern="1200">
+                <a:solidFill>
+                  <a:schemeClr val="tx1"/>
+                </a:solidFill>
+                <a:latin typeface="+mn-lt"/>
+                <a:ea typeface="+mn-ea"/>
+                <a:cs typeface="+mn-cs"/>
+              </a:defRPr>
+            </a:lvl3pPr>
+            <a:lvl4pPr marL="1600200" indent="-228600" algn="l" defTabSz="914400" rtl="0" eaLnBrk="1" latinLnBrk="0" hangingPunct="1">
+              <a:lnSpc>
+                <a:spcPct val="90000"/>
+              </a:lnSpc>
+              <a:spcBef>
+                <a:spcPts val="500"/>
+              </a:spcBef>
+              <a:buFont typeface="Arial" panose="020B0604020202020204" pitchFamily="34" charset="0"/>
+              <a:buChar char="•"/>
+              <a:defRPr sz="1800" kern="1200">
+                <a:solidFill>
+                  <a:schemeClr val="tx1"/>
+                </a:solidFill>
+                <a:latin typeface="+mn-lt"/>
+                <a:ea typeface="+mn-ea"/>
+                <a:cs typeface="+mn-cs"/>
+              </a:defRPr>
+            </a:lvl4pPr>
+            <a:lvl5pPr marL="2057400" indent="-228600" algn="l" defTabSz="914400" rtl="0" eaLnBrk="1" latinLnBrk="0" hangingPunct="1">
+              <a:lnSpc>
+                <a:spcPct val="90000"/>
+              </a:lnSpc>
+              <a:spcBef>
+                <a:spcPts val="500"/>
+              </a:spcBef>
+              <a:buFont typeface="Arial" panose="020B0604020202020204" pitchFamily="34" charset="0"/>
+              <a:buChar char="•"/>
+              <a:defRPr sz="1800" kern="1200">
+                <a:solidFill>
+                  <a:schemeClr val="tx1"/>
+                </a:solidFill>
+                <a:latin typeface="+mn-lt"/>
+                <a:ea typeface="+mn-ea"/>
+                <a:cs typeface="+mn-cs"/>
+              </a:defRPr>
+            </a:lvl5pPr>
+            <a:lvl6pPr marL="2514600" indent="-228600" algn="l" defTabSz="914400" rtl="0" eaLnBrk="1" latinLnBrk="0" hangingPunct="1">
+              <a:lnSpc>
+                <a:spcPct val="90000"/>
+              </a:lnSpc>
+              <a:spcBef>
+                <a:spcPts val="500"/>
+              </a:spcBef>
+              <a:buFont typeface="Arial" panose="020B0604020202020204" pitchFamily="34" charset="0"/>
+              <a:buChar char="•"/>
+              <a:defRPr sz="1800" kern="1200">
+                <a:solidFill>
+                  <a:schemeClr val="tx1"/>
+                </a:solidFill>
+                <a:latin typeface="+mn-lt"/>
+                <a:ea typeface="+mn-ea"/>
+                <a:cs typeface="+mn-cs"/>
+              </a:defRPr>
+            </a:lvl6pPr>
+            <a:lvl7pPr marL="2971800" indent="-228600" algn="l" defTabSz="914400" rtl="0" eaLnBrk="1" latinLnBrk="0" hangingPunct="1">
+              <a:lnSpc>
+                <a:spcPct val="90000"/>
+              </a:lnSpc>
+              <a:spcBef>
+                <a:spcPts val="500"/>
+              </a:spcBef>
+              <a:buFont typeface="Arial" panose="020B0604020202020204" pitchFamily="34" charset="0"/>
+              <a:buChar char="•"/>
+              <a:defRPr sz="1800" kern="1200">
+                <a:solidFill>
+                  <a:schemeClr val="tx1"/>
+                </a:solidFill>
+                <a:latin typeface="+mn-lt"/>
+                <a:ea typeface="+mn-ea"/>
+                <a:cs typeface="+mn-cs"/>
+              </a:defRPr>
+            </a:lvl7pPr>
+            <a:lvl8pPr marL="3429000" indent="-228600" algn="l" defTabSz="914400" rtl="0" eaLnBrk="1" latinLnBrk="0" hangingPunct="1">
+              <a:lnSpc>
+                <a:spcPct val="90000"/>
+              </a:lnSpc>
+              <a:spcBef>
+                <a:spcPts val="500"/>
+              </a:spcBef>
+              <a:buFont typeface="Arial" panose="020B0604020202020204" pitchFamily="34" charset="0"/>
+              <a:buChar char="•"/>
+              <a:defRPr sz="1800" kern="1200">
+                <a:solidFill>
+                  <a:schemeClr val="tx1"/>
+                </a:solidFill>
+                <a:latin typeface="+mn-lt"/>
+                <a:ea typeface="+mn-ea"/>
+                <a:cs typeface="+mn-cs"/>
+              </a:defRPr>
+            </a:lvl8pPr>
+            <a:lvl9pPr marL="3886200" indent="-228600" algn="l" defTabSz="914400" rtl="0" eaLnBrk="1" latinLnBrk="0" hangingPunct="1">
+              <a:lnSpc>
+                <a:spcPct val="90000"/>
+              </a:lnSpc>
+              <a:spcBef>
+                <a:spcPts val="500"/>
+              </a:spcBef>
+              <a:buFont typeface="Arial" panose="020B0604020202020204" pitchFamily="34" charset="0"/>
+              <a:buChar char="•"/>
+              <a:defRPr sz="1800" kern="1200">
+                <a:solidFill>
+                  <a:schemeClr val="tx1"/>
+                </a:solidFill>
+                <a:latin typeface="+mn-lt"/>
+                <a:ea typeface="+mn-ea"/>
+                <a:cs typeface="+mn-cs"/>
+              </a:defRPr>
+            </a:lvl9pPr>
+          </a:lstStyle>
+          <a:p>
+            <a:pPr algn="just"/>
+            <a:r>
+              <a:rPr lang="pt-BR" altLang="ko-KR" sz="2000">
+                <a:solidFill>
+                  <a:schemeClr val="tx1"/>
+                </a:solidFill>
+                <a:latin typeface="Century Gothic"/>
+                <a:ea typeface="맑은 고딕" panose="020B0503020000020004" pitchFamily="34" charset="-127"/>
+              </a:rPr>
+              <a:t>Os valores informados nesta proposta já incluem os impostos incidentes sobre serviços (ISS, PIS, COFINS, CSSL e IRPJ). Valor total: </a:t>
+            </a:r>
+          </a:p>
+          <a:p>
+            <a:pPr algn="just"/>
+            <a:endParaRPr lang="pt-BR" altLang="ko-KR" sz="2000">
+              <a:solidFill>
+                <a:schemeClr val="tx1"/>
+              </a:solidFill>
+              <a:latin typeface="Century Gothic"/>
+              <a:ea typeface="맑은 고딕" panose="020B0503020000020004" pitchFamily="34" charset="-127"/>
+            </a:endParaRPr>
+          </a:p>
+          <a:p>
+            <a:pPr algn="just"/>
+            <a:endParaRPr lang="pt-BR" altLang="ko-KR" sz="2000">
+              <a:solidFill>
+                <a:schemeClr val="tx1"/>
+              </a:solidFill>
+              <a:latin typeface="Century Gothic"/>
+              <a:ea typeface="맑은 고딕" panose="020B0503020000020004" pitchFamily="34" charset="-127"/>
+            </a:endParaRPr>
+          </a:p>
+          <a:p>
+            <a:pPr algn="just"/>
+            <a:endParaRPr lang="pt-BR" altLang="ko-KR" sz="2000">
+              <a:solidFill>
+                <a:schemeClr val="tx1"/>
+              </a:solidFill>
+              <a:latin typeface="Century Gothic"/>
+              <a:ea typeface="맑은 고딕" panose="020B0503020000020004" pitchFamily="34" charset="-127"/>
+            </a:endParaRPr>
+          </a:p>
+          <a:p>
+            <a:pPr algn="just"/>
+            <a:r>
+              <a:rPr lang="pt-BR" altLang="ko-KR" sz="2000">
+                <a:solidFill>
+                  <a:schemeClr val="tx1"/>
+                </a:solidFill>
+                <a:latin typeface="Century Gothic"/>
+                <a:ea typeface="맑은 고딕" panose="020B0503020000020004" pitchFamily="34" charset="-127"/>
+              </a:rPr>
+              <a:t>O pagamento será dividido em quatro parcelas iguais. Sendo que a última parcela estará vinculada ao aceite da entrega final do projeto:</a:t>
+            </a:r>
+          </a:p>
+          <a:p>
+            <a:pPr algn="just"/>
+            <a:endParaRPr lang="pt-BR" altLang="ko-KR" sz="2000">
+              <a:solidFill>
+                <a:schemeClr val="tx1"/>
+              </a:solidFill>
+              <a:latin typeface="Century Gothic"/>
+              <a:ea typeface="맑은 고딕" panose="020B0503020000020004" pitchFamily="34" charset="-127"/>
+            </a:endParaRPr>
+          </a:p>
+        </p:txBody>
+      </p:sp>
+      <p:pic>
+        <p:nvPicPr>
+          <p:cNvPr id="3" name="Picture 4" descr="A picture containing soccer, person, field, room&#10;&#10;Description automatically generated">
+            <a:extLst>
+              <a:ext uri="{FF2B5EF4-FFF2-40B4-BE49-F238E27FC236}">
+                <a16:creationId xmlns:a16="http://schemas.microsoft.com/office/drawing/2014/main" id="{4BD75C6F-D32A-47ED-8C5D-F4D3A0F6F4E4}"/>
+              </a:ext>
+            </a:extLst>
+          </p:cNvPr>
+          <p:cNvPicPr>
+            <a:picLocks noChangeAspect="1"/>
+          </p:cNvPicPr>
+          <p:nvPr/>
+        </p:nvPicPr>
+        <p:blipFill rotWithShape="1">
+          <a:blip r:embed="rId2"/>
+          <a:srcRect b="11667"/>
+          <a:stretch/>
+        </p:blipFill>
+        <p:spPr>
+          <a:xfrm>
+            <a:off x="10312400" y="5249721"/>
+            <a:ext cx="1356360" cy="1006416"/>
+          </a:xfrm>
+          <a:prstGeom prst="rect">
+            <a:avLst/>
+          </a:prstGeom>
+        </p:spPr>
+      </p:pic>
+      <p:sp>
+        <p:nvSpPr>
+          <p:cNvPr id="5" name="Espaço Reservado para Rodapé 4">
+            <a:extLst>
+              <a:ext uri="{FF2B5EF4-FFF2-40B4-BE49-F238E27FC236}">
+                <a16:creationId xmlns:a16="http://schemas.microsoft.com/office/drawing/2014/main" id="{75938DF3-E53E-449A-A3ED-A0E032B49E3B}"/>
+              </a:ext>
+            </a:extLst>
+          </p:cNvPr>
+          <p:cNvSpPr>
+            <a:spLocks noGrp="1"/>
+          </p:cNvSpPr>
+          <p:nvPr>
+            <p:ph type="ftr" sz="quarter" idx="11"/>
+          </p:nvPr>
+        </p:nvSpPr>
+        <p:spPr/>
+        <p:txBody>
+          <a:bodyPr/>
+          <a:lstStyle/>
+          <a:p>
+            <a:r>
+              <a:rPr lang="pt-BR"/>
+              <a:t>FATEC MOGI DAS CRUZES</a:t>
+            </a:r>
+          </a:p>
+        </p:txBody>
+      </p:sp>
+      <p:sp>
+        <p:nvSpPr>
+          <p:cNvPr id="6" name="Espaço Reservado para Número de Slide 5">
+            <a:extLst>
+              <a:ext uri="{FF2B5EF4-FFF2-40B4-BE49-F238E27FC236}">
+                <a16:creationId xmlns:a16="http://schemas.microsoft.com/office/drawing/2014/main" id="{34A58F1A-F1BA-4B3F-80F5-FA21E0B933DA}"/>
+              </a:ext>
+            </a:extLst>
+          </p:cNvPr>
+          <p:cNvSpPr>
+            <a:spLocks noGrp="1"/>
+          </p:cNvSpPr>
+          <p:nvPr>
+            <p:ph type="sldNum" sz="quarter" idx="12"/>
+          </p:nvPr>
+        </p:nvSpPr>
+        <p:spPr/>
+        <p:txBody>
+          <a:bodyPr/>
+          <a:lstStyle/>
+          <a:p>
+            <a:fld id="{BD2B5394-143A-4208-A3B1-25D9600048D5}" type="slidenum">
+              <a:rPr lang="pt-BR" smtClean="0"/>
+              <a:t>46</a:t>
+            </a:fld>
+            <a:endParaRPr lang="pt-BR"/>
+          </a:p>
+        </p:txBody>
+      </p:sp>
+      <p:graphicFrame>
+        <p:nvGraphicFramePr>
+          <p:cNvPr id="4" name="Tabela 4">
+            <a:extLst>
+              <a:ext uri="{FF2B5EF4-FFF2-40B4-BE49-F238E27FC236}">
+                <a16:creationId xmlns:a16="http://schemas.microsoft.com/office/drawing/2014/main" id="{799B4115-AB34-4B72-88FD-93B763BDA13D}"/>
+              </a:ext>
+            </a:extLst>
+          </p:cNvPr>
+          <p:cNvGraphicFramePr>
+            <a:graphicFrameLocks noGrp="1"/>
+          </p:cNvGraphicFramePr>
+          <p:nvPr>
+            <p:extLst>
+              <p:ext uri="{D42A27DB-BD31-4B8C-83A1-F6EECF244321}">
+                <p14:modId xmlns:p14="http://schemas.microsoft.com/office/powerpoint/2010/main" val="2308319116"/>
+              </p:ext>
+            </p:extLst>
+          </p:nvPr>
+        </p:nvGraphicFramePr>
+        <p:xfrm>
+          <a:off x="838201" y="2325952"/>
+          <a:ext cx="10515599" cy="883708"/>
+        </p:xfrm>
+        <a:graphic>
+          <a:graphicData uri="http://schemas.openxmlformats.org/drawingml/2006/table">
+            <a:tbl>
+              <a:tblPr firstRow="1" bandRow="1">
+                <a:tableStyleId>{5C22544A-7EE6-4342-B048-85BDC9FD1C3A}</a:tableStyleId>
+              </a:tblPr>
+              <a:tblGrid>
+                <a:gridCol w="7443393">
+                  <a:extLst>
+                    <a:ext uri="{9D8B030D-6E8A-4147-A177-3AD203B41FA5}">
+                      <a16:colId xmlns:a16="http://schemas.microsoft.com/office/drawing/2014/main" val="668136959"/>
+                    </a:ext>
+                  </a:extLst>
+                </a:gridCol>
+                <a:gridCol w="3072206">
+                  <a:extLst>
+                    <a:ext uri="{9D8B030D-6E8A-4147-A177-3AD203B41FA5}">
+                      <a16:colId xmlns:a16="http://schemas.microsoft.com/office/drawing/2014/main" val="1552878829"/>
+                    </a:ext>
+                  </a:extLst>
+                </a:gridCol>
+              </a:tblGrid>
+              <a:tr h="441854">
+                <a:tc>
+                  <a:txBody>
+                    <a:bodyPr/>
+                    <a:lstStyle/>
+                    <a:p>
+                      <a:pPr algn="ctr"/>
+                      <a:r>
+                        <a:rPr lang="pt-BR" sz="1200" b="1">
+                          <a:solidFill>
+                            <a:schemeClr val="bg2"/>
+                          </a:solidFill>
+                          <a:latin typeface="Century Gothic" panose="020B0502020202020204" pitchFamily="34" charset="0"/>
+                        </a:rPr>
+                        <a:t>Descrição</a:t>
+                      </a:r>
+                    </a:p>
+                  </a:txBody>
+                  <a:tcPr anchor="ctr">
+                    <a:lnL w="12700" cap="flat" cmpd="sng" algn="ctr">
+                      <a:solidFill>
+                        <a:schemeClr val="tx1"/>
+                      </a:solidFill>
+                      <a:prstDash val="solid"/>
+                      <a:round/>
+                      <a:headEnd type="none" w="med" len="med"/>
+                      <a:tailEnd type="none" w="med" len="med"/>
+                    </a:lnL>
+                    <a:lnR w="12700" cap="flat" cmpd="sng" algn="ctr">
+                      <a:solidFill>
+                        <a:schemeClr val="tx1"/>
+                      </a:solidFill>
+                      <a:prstDash val="solid"/>
+                      <a:round/>
+                      <a:headEnd type="none" w="med" len="med"/>
+                      <a:tailEnd type="none" w="med" len="med"/>
+                    </a:lnR>
+                    <a:lnT w="12700" cap="flat" cmpd="sng" algn="ctr">
+                      <a:solidFill>
+                        <a:schemeClr val="tx1"/>
+                      </a:solidFill>
+                      <a:prstDash val="solid"/>
+                      <a:round/>
+                      <a:headEnd type="none" w="med" len="med"/>
+                      <a:tailEnd type="none" w="med" len="med"/>
+                    </a:lnT>
+                    <a:lnB w="12700" cap="flat" cmpd="sng" algn="ctr">
+                      <a:solidFill>
+                        <a:schemeClr val="tx1"/>
+                      </a:solidFill>
+                      <a:prstDash val="solid"/>
+                      <a:round/>
+                      <a:headEnd type="none" w="med" len="med"/>
+                      <a:tailEnd type="none" w="med" len="med"/>
+                    </a:lnB>
+                    <a:solidFill>
+                      <a:srgbClr val="002060"/>
+                    </a:solidFill>
+                  </a:tcPr>
+                </a:tc>
+                <a:tc>
+                  <a:txBody>
+                    <a:bodyPr/>
+                    <a:lstStyle/>
+                    <a:p>
+                      <a:pPr algn="ctr"/>
+                      <a:r>
+                        <a:rPr lang="pt-BR" sz="1200" b="1">
+                          <a:solidFill>
+                            <a:schemeClr val="bg2"/>
+                          </a:solidFill>
+                          <a:latin typeface="Century Gothic" panose="020B0502020202020204" pitchFamily="34" charset="0"/>
+                        </a:rPr>
+                        <a:t>Valor total</a:t>
+                      </a:r>
+                      <a:endParaRPr lang="pt-BR"/>
+                    </a:p>
+                  </a:txBody>
+                  <a:tcPr anchor="ctr">
+                    <a:lnL w="12700" cap="flat" cmpd="sng" algn="ctr">
+                      <a:solidFill>
+                        <a:schemeClr val="tx1"/>
+                      </a:solidFill>
+                      <a:prstDash val="solid"/>
+                      <a:round/>
+                      <a:headEnd type="none" w="med" len="med"/>
+                      <a:tailEnd type="none" w="med" len="med"/>
+                    </a:lnL>
+                    <a:lnR w="12700" cap="flat" cmpd="sng" algn="ctr">
+                      <a:solidFill>
+                        <a:schemeClr val="tx1"/>
+                      </a:solidFill>
+                      <a:prstDash val="solid"/>
+                      <a:round/>
+                      <a:headEnd type="none" w="med" len="med"/>
+                      <a:tailEnd type="none" w="med" len="med"/>
+                    </a:lnR>
+                    <a:lnT w="12700" cap="flat" cmpd="sng" algn="ctr">
+                      <a:solidFill>
+                        <a:schemeClr val="tx1"/>
+                      </a:solidFill>
+                      <a:prstDash val="solid"/>
+                      <a:round/>
+                      <a:headEnd type="none" w="med" len="med"/>
+                      <a:tailEnd type="none" w="med" len="med"/>
+                    </a:lnT>
+                    <a:lnB w="12700" cap="flat" cmpd="sng" algn="ctr">
+                      <a:solidFill>
+                        <a:schemeClr val="tx1"/>
+                      </a:solidFill>
+                      <a:prstDash val="solid"/>
+                      <a:round/>
+                      <a:headEnd type="none" w="med" len="med"/>
+                      <a:tailEnd type="none" w="med" len="med"/>
+                    </a:lnB>
+                    <a:solidFill>
+                      <a:srgbClr val="002060"/>
+                    </a:solidFill>
+                  </a:tcPr>
+                </a:tc>
+                <a:extLst>
+                  <a:ext uri="{0D108BD9-81ED-4DB2-BD59-A6C34878D82A}">
+                    <a16:rowId xmlns:a16="http://schemas.microsoft.com/office/drawing/2014/main" val="1643989339"/>
+                  </a:ext>
+                </a:extLst>
+              </a:tr>
+              <a:tr h="441854">
+                <a:tc>
+                  <a:txBody>
+                    <a:bodyPr/>
+                    <a:lstStyle/>
+                    <a:p>
+                      <a:pPr algn="ctr" fontAlgn="ctr"/>
+                      <a:r>
+                        <a:rPr lang="pt-BR" sz="1200" b="0" i="0" u="none" strike="noStrike">
+                          <a:solidFill>
+                            <a:schemeClr val="tx1"/>
+                          </a:solidFill>
+                          <a:effectLst/>
+                          <a:latin typeface="Calibri" panose="020F0502020204030204" pitchFamily="34" charset="0"/>
+                        </a:rPr>
+                        <a:t>ECOMMERCE BUIATCHAKA GAMES</a:t>
+                      </a:r>
+                    </a:p>
+                  </a:txBody>
+                  <a:tcPr marL="9525" marR="9525" marT="9525" marB="0" anchor="ctr">
+                    <a:lnL w="12700" cap="flat" cmpd="sng" algn="ctr">
+                      <a:solidFill>
+                        <a:schemeClr val="tx1"/>
+                      </a:solidFill>
+                      <a:prstDash val="solid"/>
+                      <a:round/>
+                      <a:headEnd type="none" w="med" len="med"/>
+                      <a:tailEnd type="none" w="med" len="med"/>
+                    </a:lnL>
+                    <a:lnR w="12700" cap="flat" cmpd="sng" algn="ctr">
+                      <a:solidFill>
+                        <a:schemeClr val="tx1"/>
+                      </a:solidFill>
+                      <a:prstDash val="solid"/>
+                      <a:round/>
+                      <a:headEnd type="none" w="med" len="med"/>
+                      <a:tailEnd type="none" w="med" len="med"/>
+                    </a:lnR>
+                    <a:lnT w="12700" cap="flat" cmpd="sng" algn="ctr">
+                      <a:solidFill>
+                        <a:schemeClr val="tx1"/>
+                      </a:solidFill>
+                      <a:prstDash val="solid"/>
+                      <a:round/>
+                      <a:headEnd type="none" w="med" len="med"/>
+                      <a:tailEnd type="none" w="med" len="med"/>
+                    </a:lnT>
+                    <a:lnB w="12700" cap="flat" cmpd="sng" algn="ctr">
+                      <a:solidFill>
+                        <a:schemeClr val="tx1"/>
+                      </a:solidFill>
+                      <a:prstDash val="solid"/>
+                      <a:round/>
+                      <a:headEnd type="none" w="med" len="med"/>
+                      <a:tailEnd type="none" w="med" len="med"/>
+                    </a:lnB>
+                  </a:tcPr>
+                </a:tc>
+                <a:tc>
+                  <a:txBody>
+                    <a:bodyPr/>
+                    <a:lstStyle/>
+                    <a:p>
+                      <a:pPr algn="ctr" fontAlgn="ctr"/>
+                      <a:r>
+                        <a:rPr lang="pt-BR" sz="1200" b="0" i="0" u="none" strike="noStrike">
+                          <a:solidFill>
+                            <a:schemeClr val="tx1"/>
+                          </a:solidFill>
+                          <a:effectLst/>
+                          <a:latin typeface="Calibri" panose="020F0502020204030204" pitchFamily="34" charset="0"/>
+                        </a:rPr>
+                        <a:t>R$ 70.640,00</a:t>
+                      </a:r>
+                    </a:p>
+                  </a:txBody>
+                  <a:tcPr marL="9525" marR="9525" marT="9525" marB="0" anchor="ctr">
+                    <a:lnL w="12700" cap="flat" cmpd="sng" algn="ctr">
+                      <a:solidFill>
+                        <a:schemeClr val="tx1"/>
+                      </a:solidFill>
+                      <a:prstDash val="solid"/>
+                      <a:round/>
+                      <a:headEnd type="none" w="med" len="med"/>
+                      <a:tailEnd type="none" w="med" len="med"/>
+                    </a:lnL>
+                    <a:lnR w="12700" cap="flat" cmpd="sng" algn="ctr">
+                      <a:solidFill>
+                        <a:schemeClr val="tx1"/>
+                      </a:solidFill>
+                      <a:prstDash val="solid"/>
+                      <a:round/>
+                      <a:headEnd type="none" w="med" len="med"/>
+                      <a:tailEnd type="none" w="med" len="med"/>
+                    </a:lnR>
+                    <a:lnT w="12700" cap="flat" cmpd="sng" algn="ctr">
+                      <a:solidFill>
+                        <a:schemeClr val="tx1"/>
+                      </a:solidFill>
+                      <a:prstDash val="solid"/>
+                      <a:round/>
+                      <a:headEnd type="none" w="med" len="med"/>
+                      <a:tailEnd type="none" w="med" len="med"/>
+                    </a:lnT>
+                    <a:lnB w="12700" cap="flat" cmpd="sng" algn="ctr">
+                      <a:solidFill>
+                        <a:schemeClr val="tx1"/>
+                      </a:solidFill>
+                      <a:prstDash val="solid"/>
+                      <a:round/>
+                      <a:headEnd type="none" w="med" len="med"/>
+                      <a:tailEnd type="none" w="med" len="med"/>
+                    </a:lnB>
+                  </a:tcPr>
+                </a:tc>
+                <a:extLst>
+                  <a:ext uri="{0D108BD9-81ED-4DB2-BD59-A6C34878D82A}">
+                    <a16:rowId xmlns:a16="http://schemas.microsoft.com/office/drawing/2014/main" val="164761615"/>
+                  </a:ext>
+                </a:extLst>
+              </a:tr>
+            </a:tbl>
+          </a:graphicData>
+        </a:graphic>
+      </p:graphicFrame>
+      <p:graphicFrame>
+        <p:nvGraphicFramePr>
+          <p:cNvPr id="11" name="Tabela 4">
+            <a:extLst>
+              <a:ext uri="{FF2B5EF4-FFF2-40B4-BE49-F238E27FC236}">
+                <a16:creationId xmlns:a16="http://schemas.microsoft.com/office/drawing/2014/main" id="{381DA933-18D4-4640-BAB8-09AF14827847}"/>
+              </a:ext>
+            </a:extLst>
+          </p:cNvPr>
+          <p:cNvGraphicFramePr>
+            <a:graphicFrameLocks noGrp="1"/>
+          </p:cNvGraphicFramePr>
+          <p:nvPr>
+            <p:extLst>
+              <p:ext uri="{D42A27DB-BD31-4B8C-83A1-F6EECF244321}">
+                <p14:modId xmlns:p14="http://schemas.microsoft.com/office/powerpoint/2010/main" val="1106011318"/>
+              </p:ext>
+            </p:extLst>
+          </p:nvPr>
+        </p:nvGraphicFramePr>
+        <p:xfrm>
+          <a:off x="838200" y="4084172"/>
+          <a:ext cx="10515595" cy="2224616"/>
+        </p:xfrm>
+        <a:graphic>
+          <a:graphicData uri="http://schemas.openxmlformats.org/drawingml/2006/table">
+            <a:tbl>
+              <a:tblPr firstRow="1" bandRow="1">
+                <a:tableStyleId>{5C22544A-7EE6-4342-B048-85BDC9FD1C3A}</a:tableStyleId>
+              </a:tblPr>
+              <a:tblGrid>
+                <a:gridCol w="3081274">
+                  <a:extLst>
+                    <a:ext uri="{9D8B030D-6E8A-4147-A177-3AD203B41FA5}">
+                      <a16:colId xmlns:a16="http://schemas.microsoft.com/office/drawing/2014/main" val="668136959"/>
+                    </a:ext>
+                  </a:extLst>
+                </a:gridCol>
+                <a:gridCol w="3081274">
+                  <a:extLst>
+                    <a:ext uri="{9D8B030D-6E8A-4147-A177-3AD203B41FA5}">
+                      <a16:colId xmlns:a16="http://schemas.microsoft.com/office/drawing/2014/main" val="1560634046"/>
+                    </a:ext>
+                  </a:extLst>
+                </a:gridCol>
+                <a:gridCol w="3081274">
+                  <a:extLst>
+                    <a:ext uri="{9D8B030D-6E8A-4147-A177-3AD203B41FA5}">
+                      <a16:colId xmlns:a16="http://schemas.microsoft.com/office/drawing/2014/main" val="4116290467"/>
+                    </a:ext>
+                  </a:extLst>
+                </a:gridCol>
+                <a:gridCol w="1271773">
+                  <a:extLst>
+                    <a:ext uri="{9D8B030D-6E8A-4147-A177-3AD203B41FA5}">
+                      <a16:colId xmlns:a16="http://schemas.microsoft.com/office/drawing/2014/main" val="1552878829"/>
+                    </a:ext>
+                  </a:extLst>
+                </a:gridCol>
+              </a:tblGrid>
+              <a:tr h="441854">
+                <a:tc>
+                  <a:txBody>
+                    <a:bodyPr/>
+                    <a:lstStyle/>
+                    <a:p>
+                      <a:pPr algn="ctr"/>
+                      <a:r>
+                        <a:rPr lang="pt-BR" sz="1200" b="1">
+                          <a:solidFill>
+                            <a:schemeClr val="bg2"/>
+                          </a:solidFill>
+                          <a:latin typeface="Century Gothic" panose="020B0502020202020204" pitchFamily="34" charset="0"/>
+                        </a:rPr>
+                        <a:t>Descrição</a:t>
+                      </a:r>
+                    </a:p>
+                  </a:txBody>
+                  <a:tcPr anchor="ctr">
+                    <a:lnL w="12700" cap="flat" cmpd="sng" algn="ctr">
+                      <a:solidFill>
+                        <a:schemeClr val="tx1"/>
+                      </a:solidFill>
+                      <a:prstDash val="solid"/>
+                      <a:round/>
+                      <a:headEnd type="none" w="med" len="med"/>
+                      <a:tailEnd type="none" w="med" len="med"/>
+                    </a:lnL>
+                    <a:lnR w="12700" cap="flat" cmpd="sng" algn="ctr">
+                      <a:solidFill>
+                        <a:schemeClr val="tx1"/>
+                      </a:solidFill>
+                      <a:prstDash val="solid"/>
+                      <a:round/>
+                      <a:headEnd type="none" w="med" len="med"/>
+                      <a:tailEnd type="none" w="med" len="med"/>
+                    </a:lnR>
+                    <a:lnT w="12700" cap="flat" cmpd="sng" algn="ctr">
+                      <a:solidFill>
+                        <a:schemeClr val="tx1"/>
+                      </a:solidFill>
+                      <a:prstDash val="solid"/>
+                      <a:round/>
+                      <a:headEnd type="none" w="med" len="med"/>
+                      <a:tailEnd type="none" w="med" len="med"/>
+                    </a:lnT>
+                    <a:lnB w="12700" cap="flat" cmpd="sng" algn="ctr">
+                      <a:solidFill>
+                        <a:schemeClr val="tx1"/>
+                      </a:solidFill>
+                      <a:prstDash val="solid"/>
+                      <a:round/>
+                      <a:headEnd type="none" w="med" len="med"/>
+                      <a:tailEnd type="none" w="med" len="med"/>
+                    </a:lnB>
+                    <a:solidFill>
+                      <a:srgbClr val="002060"/>
+                    </a:solidFill>
+                  </a:tcPr>
+                </a:tc>
+                <a:tc>
+                  <a:txBody>
+                    <a:bodyPr/>
+                    <a:lstStyle/>
+                    <a:p>
+                      <a:pPr algn="ctr"/>
+                      <a:r>
+                        <a:rPr lang="pt-BR" sz="1200" b="1">
+                          <a:solidFill>
+                            <a:schemeClr val="bg2"/>
+                          </a:solidFill>
+                          <a:latin typeface="Century Gothic" panose="020B0502020202020204" pitchFamily="34" charset="0"/>
+                        </a:rPr>
+                        <a:t>Valor do faturamento</a:t>
+                      </a:r>
+                    </a:p>
+                  </a:txBody>
+                  <a:tcPr anchor="ctr">
+                    <a:lnL w="12700" cap="flat" cmpd="sng" algn="ctr">
+                      <a:solidFill>
+                        <a:schemeClr val="tx1"/>
+                      </a:solidFill>
+                      <a:prstDash val="solid"/>
+                      <a:round/>
+                      <a:headEnd type="none" w="med" len="med"/>
+                      <a:tailEnd type="none" w="med" len="med"/>
+                    </a:lnL>
+                    <a:lnR w="12700" cap="flat" cmpd="sng" algn="ctr">
+                      <a:solidFill>
+                        <a:schemeClr val="tx1"/>
+                      </a:solidFill>
+                      <a:prstDash val="solid"/>
+                      <a:round/>
+                      <a:headEnd type="none" w="med" len="med"/>
+                      <a:tailEnd type="none" w="med" len="med"/>
+                    </a:lnR>
+                    <a:lnT w="12700" cap="flat" cmpd="sng" algn="ctr">
+                      <a:solidFill>
+                        <a:schemeClr val="tx1"/>
+                      </a:solidFill>
+                      <a:prstDash val="solid"/>
+                      <a:round/>
+                      <a:headEnd type="none" w="med" len="med"/>
+                      <a:tailEnd type="none" w="med" len="med"/>
+                    </a:lnT>
+                    <a:lnB w="12700" cap="flat" cmpd="sng" algn="ctr">
+                      <a:solidFill>
+                        <a:schemeClr val="tx1"/>
+                      </a:solidFill>
+                      <a:prstDash val="solid"/>
+                      <a:round/>
+                      <a:headEnd type="none" w="med" len="med"/>
+                      <a:tailEnd type="none" w="med" len="med"/>
+                    </a:lnB>
+                    <a:solidFill>
+                      <a:srgbClr val="002060"/>
+                    </a:solidFill>
+                  </a:tcPr>
+                </a:tc>
+                <a:tc>
+                  <a:txBody>
+                    <a:bodyPr/>
+                    <a:lstStyle/>
+                    <a:p>
+                      <a:pPr algn="ctr"/>
+                      <a:r>
+                        <a:rPr lang="pt-BR" sz="1200" b="1">
+                          <a:solidFill>
+                            <a:schemeClr val="bg2"/>
+                          </a:solidFill>
+                          <a:latin typeface="Century Gothic" panose="020B0502020202020204" pitchFamily="34" charset="0"/>
+                        </a:rPr>
+                        <a:t>Data do faturamento</a:t>
+                      </a:r>
+                    </a:p>
+                  </a:txBody>
+                  <a:tcPr anchor="ctr">
+                    <a:lnL w="12700" cap="flat" cmpd="sng" algn="ctr">
+                      <a:solidFill>
+                        <a:schemeClr val="tx1"/>
+                      </a:solidFill>
+                      <a:prstDash val="solid"/>
+                      <a:round/>
+                      <a:headEnd type="none" w="med" len="med"/>
+                      <a:tailEnd type="none" w="med" len="med"/>
+                    </a:lnL>
+                    <a:lnR w="12700" cap="flat" cmpd="sng" algn="ctr">
+                      <a:solidFill>
+                        <a:schemeClr val="tx1"/>
+                      </a:solidFill>
+                      <a:prstDash val="solid"/>
+                      <a:round/>
+                      <a:headEnd type="none" w="med" len="med"/>
+                      <a:tailEnd type="none" w="med" len="med"/>
+                    </a:lnR>
+                    <a:lnT w="12700" cap="flat" cmpd="sng" algn="ctr">
+                      <a:solidFill>
+                        <a:schemeClr val="tx1"/>
+                      </a:solidFill>
+                      <a:prstDash val="solid"/>
+                      <a:round/>
+                      <a:headEnd type="none" w="med" len="med"/>
+                      <a:tailEnd type="none" w="med" len="med"/>
+                    </a:lnT>
+                    <a:lnB w="12700" cap="flat" cmpd="sng" algn="ctr">
+                      <a:solidFill>
+                        <a:schemeClr val="tx1"/>
+                      </a:solidFill>
+                      <a:prstDash val="solid"/>
+                      <a:round/>
+                      <a:headEnd type="none" w="med" len="med"/>
+                      <a:tailEnd type="none" w="med" len="med"/>
+                    </a:lnB>
+                    <a:solidFill>
+                      <a:srgbClr val="002060"/>
+                    </a:solidFill>
+                  </a:tcPr>
+                </a:tc>
+                <a:tc>
+                  <a:txBody>
+                    <a:bodyPr/>
+                    <a:lstStyle/>
+                    <a:p>
+                      <a:pPr algn="ctr"/>
+                      <a:r>
+                        <a:rPr lang="pt-BR" sz="1200" b="1">
+                          <a:solidFill>
+                            <a:schemeClr val="bg2"/>
+                          </a:solidFill>
+                          <a:latin typeface="Century Gothic" panose="020B0502020202020204" pitchFamily="34" charset="0"/>
+                        </a:rPr>
+                        <a:t>Data do pagamento</a:t>
+                      </a:r>
+                      <a:endParaRPr lang="pt-BR"/>
+                    </a:p>
+                  </a:txBody>
+                  <a:tcPr anchor="ctr">
+                    <a:lnL w="12700" cap="flat" cmpd="sng" algn="ctr">
+                      <a:solidFill>
+                        <a:schemeClr val="tx1"/>
+                      </a:solidFill>
+                      <a:prstDash val="solid"/>
+                      <a:round/>
+                      <a:headEnd type="none" w="med" len="med"/>
+                      <a:tailEnd type="none" w="med" len="med"/>
+                    </a:lnL>
+                    <a:lnR w="12700" cap="flat" cmpd="sng" algn="ctr">
+                      <a:solidFill>
+                        <a:schemeClr val="tx1"/>
+                      </a:solidFill>
+                      <a:prstDash val="solid"/>
+                      <a:round/>
+                      <a:headEnd type="none" w="med" len="med"/>
+                      <a:tailEnd type="none" w="med" len="med"/>
+                    </a:lnR>
+                    <a:lnT w="12700" cap="flat" cmpd="sng" algn="ctr">
+                      <a:solidFill>
+                        <a:schemeClr val="tx1"/>
+                      </a:solidFill>
+                      <a:prstDash val="solid"/>
+                      <a:round/>
+                      <a:headEnd type="none" w="med" len="med"/>
+                      <a:tailEnd type="none" w="med" len="med"/>
+                    </a:lnT>
+                    <a:lnB w="12700" cap="flat" cmpd="sng" algn="ctr">
+                      <a:solidFill>
+                        <a:schemeClr val="tx1"/>
+                      </a:solidFill>
+                      <a:prstDash val="solid"/>
+                      <a:round/>
+                      <a:headEnd type="none" w="med" len="med"/>
+                      <a:tailEnd type="none" w="med" len="med"/>
+                    </a:lnB>
+                    <a:solidFill>
+                      <a:srgbClr val="002060"/>
+                    </a:solidFill>
+                  </a:tcPr>
+                </a:tc>
+                <a:extLst>
+                  <a:ext uri="{0D108BD9-81ED-4DB2-BD59-A6C34878D82A}">
+                    <a16:rowId xmlns:a16="http://schemas.microsoft.com/office/drawing/2014/main" val="1643989339"/>
+                  </a:ext>
+                </a:extLst>
+              </a:tr>
+              <a:tr h="441854">
+                <a:tc>
+                  <a:txBody>
+                    <a:bodyPr/>
+                    <a:lstStyle/>
+                    <a:p>
+                      <a:pPr algn="ctr">
+                        <a:lnSpc>
+                          <a:spcPct val="115000"/>
+                        </a:lnSpc>
+                        <a:spcAft>
+                          <a:spcPts val="1000"/>
+                        </a:spcAft>
+                      </a:pPr>
+                      <a:r>
+                        <a:rPr lang="pt-BR" sz="1200">
+                          <a:effectLst/>
+                          <a:latin typeface="Calibri" panose="020F0502020204030204" pitchFamily="34" charset="0"/>
+                          <a:ea typeface="Abadi Extra Light" panose="020B0204020104020204" pitchFamily="34" charset="0"/>
+                          <a:cs typeface="Calibri" panose="020F0502020204030204" pitchFamily="34" charset="0"/>
+                        </a:rPr>
+                        <a:t>1º Parcela</a:t>
+                      </a:r>
+                      <a:endParaRPr lang="pt-BR" sz="1200">
+                        <a:effectLst/>
+                        <a:latin typeface="Calibri" panose="020F0502020204030204" pitchFamily="34" charset="0"/>
+                        <a:ea typeface="Calibri" panose="020F0502020204030204" pitchFamily="34" charset="0"/>
+                        <a:cs typeface="Calibri" panose="020F0502020204030204" pitchFamily="34" charset="0"/>
+                      </a:endParaRPr>
+                    </a:p>
+                  </a:txBody>
+                  <a:tcPr marL="68580" marR="68580" marT="0" marB="0" anchor="ctr">
+                    <a:lnL w="12700" cap="flat" cmpd="sng" algn="ctr">
+                      <a:solidFill>
+                        <a:schemeClr val="tx1"/>
+                      </a:solidFill>
+                      <a:prstDash val="solid"/>
+                      <a:round/>
+                      <a:headEnd type="none" w="med" len="med"/>
+                      <a:tailEnd type="none" w="med" len="med"/>
+                    </a:lnL>
+                    <a:lnR w="12700" cap="flat" cmpd="sng" algn="ctr">
+                      <a:solidFill>
+                        <a:schemeClr val="tx1"/>
+                      </a:solidFill>
+                      <a:prstDash val="solid"/>
+                      <a:round/>
+                      <a:headEnd type="none" w="med" len="med"/>
+                      <a:tailEnd type="none" w="med" len="med"/>
+                    </a:lnR>
+                    <a:lnT w="12700" cap="flat" cmpd="sng" algn="ctr">
+                      <a:solidFill>
+                        <a:schemeClr val="tx1"/>
+                      </a:solidFill>
+                      <a:prstDash val="solid"/>
+                      <a:round/>
+                      <a:headEnd type="none" w="med" len="med"/>
+                      <a:tailEnd type="none" w="med" len="med"/>
+                    </a:lnT>
+                    <a:lnB w="12700" cap="flat" cmpd="sng" algn="ctr">
+                      <a:solidFill>
+                        <a:schemeClr val="tx1"/>
+                      </a:solidFill>
+                      <a:prstDash val="solid"/>
+                      <a:round/>
+                      <a:headEnd type="none" w="med" len="med"/>
+                      <a:tailEnd type="none" w="med" len="med"/>
+                    </a:lnB>
+                  </a:tcPr>
+                </a:tc>
+                <a:tc>
+                  <a:txBody>
+                    <a:bodyPr/>
+                    <a:lstStyle/>
+                    <a:p>
+                      <a:pPr algn="ctr">
+                        <a:lnSpc>
+                          <a:spcPct val="115000"/>
+                        </a:lnSpc>
+                        <a:spcAft>
+                          <a:spcPts val="1000"/>
+                        </a:spcAft>
+                      </a:pPr>
+                      <a:r>
+                        <a:rPr lang="pt-BR" sz="1200">
+                          <a:effectLst/>
+                          <a:latin typeface="Calibri" panose="020F0502020204030204" pitchFamily="34" charset="0"/>
+                          <a:ea typeface="Abadi Extra Light" panose="020B0204020104020204" pitchFamily="34" charset="0"/>
+                          <a:cs typeface="Calibri" panose="020F0502020204030204" pitchFamily="34" charset="0"/>
+                        </a:rPr>
+                        <a:t>R$ 17.660,00</a:t>
+                      </a:r>
+                      <a:endParaRPr lang="pt-BR" sz="1200">
+                        <a:effectLst/>
+                        <a:latin typeface="Calibri" panose="020F0502020204030204" pitchFamily="34" charset="0"/>
+                        <a:ea typeface="Calibri" panose="020F0502020204030204" pitchFamily="34" charset="0"/>
+                        <a:cs typeface="Calibri" panose="020F0502020204030204" pitchFamily="34" charset="0"/>
+                      </a:endParaRPr>
+                    </a:p>
+                  </a:txBody>
+                  <a:tcPr marL="68580" marR="68580" marT="0" marB="0" anchor="ctr">
+                    <a:lnL w="12700" cap="flat" cmpd="sng" algn="ctr">
+                      <a:solidFill>
+                        <a:schemeClr val="tx1"/>
+                      </a:solidFill>
+                      <a:prstDash val="solid"/>
+                      <a:round/>
+                      <a:headEnd type="none" w="med" len="med"/>
+                      <a:tailEnd type="none" w="med" len="med"/>
+                    </a:lnL>
+                    <a:lnR w="12700" cap="flat" cmpd="sng" algn="ctr">
+                      <a:solidFill>
+                        <a:schemeClr val="tx1"/>
+                      </a:solidFill>
+                      <a:prstDash val="solid"/>
+                      <a:round/>
+                      <a:headEnd type="none" w="med" len="med"/>
+                      <a:tailEnd type="none" w="med" len="med"/>
+                    </a:lnR>
+                    <a:lnT w="12700" cap="flat" cmpd="sng" algn="ctr">
+                      <a:solidFill>
+                        <a:schemeClr val="tx1"/>
+                      </a:solidFill>
+                      <a:prstDash val="solid"/>
+                      <a:round/>
+                      <a:headEnd type="none" w="med" len="med"/>
+                      <a:tailEnd type="none" w="med" len="med"/>
+                    </a:lnT>
+                    <a:lnB w="12700" cap="flat" cmpd="sng" algn="ctr">
+                      <a:solidFill>
+                        <a:schemeClr val="tx1"/>
+                      </a:solidFill>
+                      <a:prstDash val="solid"/>
+                      <a:round/>
+                      <a:headEnd type="none" w="med" len="med"/>
+                      <a:tailEnd type="none" w="med" len="med"/>
+                    </a:lnB>
+                  </a:tcPr>
+                </a:tc>
+                <a:tc>
+                  <a:txBody>
+                    <a:bodyPr/>
+                    <a:lstStyle/>
+                    <a:p>
+                      <a:pPr algn="ctr">
+                        <a:lnSpc>
+                          <a:spcPct val="115000"/>
+                        </a:lnSpc>
+                        <a:spcAft>
+                          <a:spcPts val="1000"/>
+                        </a:spcAft>
+                      </a:pPr>
+                      <a:r>
+                        <a:rPr lang="pt-BR" sz="1200">
+                          <a:effectLst/>
+                          <a:latin typeface="Calibri" panose="020F0502020204030204" pitchFamily="34" charset="0"/>
+                          <a:ea typeface="Abadi Extra Light" panose="020B0204020104020204" pitchFamily="34" charset="0"/>
+                          <a:cs typeface="Calibri" panose="020F0502020204030204" pitchFamily="34" charset="0"/>
+                        </a:rPr>
+                        <a:t>01/09/2020</a:t>
+                      </a:r>
+                      <a:endParaRPr lang="pt-BR" sz="1200">
+                        <a:effectLst/>
+                        <a:latin typeface="Calibri" panose="020F0502020204030204" pitchFamily="34" charset="0"/>
+                        <a:ea typeface="Calibri" panose="020F0502020204030204" pitchFamily="34" charset="0"/>
+                        <a:cs typeface="Calibri" panose="020F0502020204030204" pitchFamily="34" charset="0"/>
+                      </a:endParaRPr>
+                    </a:p>
+                  </a:txBody>
+                  <a:tcPr marL="68580" marR="68580" marT="0" marB="0" anchor="ctr">
+                    <a:lnL w="12700" cap="flat" cmpd="sng" algn="ctr">
+                      <a:solidFill>
+                        <a:schemeClr val="tx1"/>
+                      </a:solidFill>
+                      <a:prstDash val="solid"/>
+                      <a:round/>
+                      <a:headEnd type="none" w="med" len="med"/>
+                      <a:tailEnd type="none" w="med" len="med"/>
+                    </a:lnL>
+                    <a:lnR w="12700" cap="flat" cmpd="sng" algn="ctr">
+                      <a:solidFill>
+                        <a:schemeClr val="tx1"/>
+                      </a:solidFill>
+                      <a:prstDash val="solid"/>
+                      <a:round/>
+                      <a:headEnd type="none" w="med" len="med"/>
+                      <a:tailEnd type="none" w="med" len="med"/>
+                    </a:lnR>
+                    <a:lnT w="12700" cap="flat" cmpd="sng" algn="ctr">
+                      <a:solidFill>
+                        <a:schemeClr val="tx1"/>
+                      </a:solidFill>
+                      <a:prstDash val="solid"/>
+                      <a:round/>
+                      <a:headEnd type="none" w="med" len="med"/>
+                      <a:tailEnd type="none" w="med" len="med"/>
+                    </a:lnT>
+                    <a:lnB w="12700" cap="flat" cmpd="sng" algn="ctr">
+                      <a:solidFill>
+                        <a:schemeClr val="tx1"/>
+                      </a:solidFill>
+                      <a:prstDash val="solid"/>
+                      <a:round/>
+                      <a:headEnd type="none" w="med" len="med"/>
+                      <a:tailEnd type="none" w="med" len="med"/>
+                    </a:lnB>
+                  </a:tcPr>
+                </a:tc>
+                <a:tc>
+                  <a:txBody>
+                    <a:bodyPr/>
+                    <a:lstStyle/>
+                    <a:p>
+                      <a:pPr algn="ctr">
+                        <a:lnSpc>
+                          <a:spcPct val="115000"/>
+                        </a:lnSpc>
+                        <a:spcAft>
+                          <a:spcPts val="1000"/>
+                        </a:spcAft>
+                      </a:pPr>
+                      <a:r>
+                        <a:rPr lang="pt-BR" sz="1200">
+                          <a:effectLst/>
+                          <a:latin typeface="Calibri" panose="020F0502020204030204" pitchFamily="34" charset="0"/>
+                          <a:ea typeface="Abadi Extra Light" panose="020B0204020104020204" pitchFamily="34" charset="0"/>
+                          <a:cs typeface="Calibri" panose="020F0502020204030204" pitchFamily="34" charset="0"/>
+                        </a:rPr>
+                        <a:t>16/09/2020</a:t>
+                      </a:r>
+                      <a:endParaRPr lang="pt-BR" sz="1200">
+                        <a:effectLst/>
+                        <a:latin typeface="Calibri" panose="020F0502020204030204" pitchFamily="34" charset="0"/>
+                        <a:ea typeface="Calibri" panose="020F0502020204030204" pitchFamily="34" charset="0"/>
+                        <a:cs typeface="Calibri" panose="020F0502020204030204" pitchFamily="34" charset="0"/>
+                      </a:endParaRPr>
+                    </a:p>
+                  </a:txBody>
+                  <a:tcPr marL="68580" marR="68580" marT="0" marB="0" anchor="ctr">
+                    <a:lnL w="12700" cap="flat" cmpd="sng" algn="ctr">
+                      <a:solidFill>
+                        <a:schemeClr val="tx1"/>
+                      </a:solidFill>
+                      <a:prstDash val="solid"/>
+                      <a:round/>
+                      <a:headEnd type="none" w="med" len="med"/>
+                      <a:tailEnd type="none" w="med" len="med"/>
+                    </a:lnL>
+                    <a:lnR w="12700" cap="flat" cmpd="sng" algn="ctr">
+                      <a:solidFill>
+                        <a:schemeClr val="tx1"/>
+                      </a:solidFill>
+                      <a:prstDash val="solid"/>
+                      <a:round/>
+                      <a:headEnd type="none" w="med" len="med"/>
+                      <a:tailEnd type="none" w="med" len="med"/>
+                    </a:lnR>
+                    <a:lnT w="12700" cap="flat" cmpd="sng" algn="ctr">
+                      <a:solidFill>
+                        <a:schemeClr val="tx1"/>
+                      </a:solidFill>
+                      <a:prstDash val="solid"/>
+                      <a:round/>
+                      <a:headEnd type="none" w="med" len="med"/>
+                      <a:tailEnd type="none" w="med" len="med"/>
+                    </a:lnT>
+                    <a:lnB w="12700" cap="flat" cmpd="sng" algn="ctr">
+                      <a:solidFill>
+                        <a:schemeClr val="tx1"/>
+                      </a:solidFill>
+                      <a:prstDash val="solid"/>
+                      <a:round/>
+                      <a:headEnd type="none" w="med" len="med"/>
+                      <a:tailEnd type="none" w="med" len="med"/>
+                    </a:lnB>
+                  </a:tcPr>
+                </a:tc>
+                <a:extLst>
+                  <a:ext uri="{0D108BD9-81ED-4DB2-BD59-A6C34878D82A}">
+                    <a16:rowId xmlns:a16="http://schemas.microsoft.com/office/drawing/2014/main" val="1934115713"/>
+                  </a:ext>
+                </a:extLst>
+              </a:tr>
+              <a:tr h="441854">
+                <a:tc>
+                  <a:txBody>
+                    <a:bodyPr/>
+                    <a:lstStyle/>
+                    <a:p>
+                      <a:pPr algn="ctr">
+                        <a:lnSpc>
+                          <a:spcPct val="115000"/>
+                        </a:lnSpc>
+                        <a:spcAft>
+                          <a:spcPts val="1000"/>
+                        </a:spcAft>
+                      </a:pPr>
+                      <a:r>
+                        <a:rPr lang="pt-BR" sz="1200">
+                          <a:effectLst/>
+                          <a:latin typeface="Calibri" panose="020F0502020204030204" pitchFamily="34" charset="0"/>
+                          <a:ea typeface="Abadi Extra Light" panose="020B0204020104020204" pitchFamily="34" charset="0"/>
+                          <a:cs typeface="Calibri" panose="020F0502020204030204" pitchFamily="34" charset="0"/>
+                        </a:rPr>
+                        <a:t>2º Parcela</a:t>
+                      </a:r>
+                      <a:endParaRPr lang="pt-BR" sz="1200">
+                        <a:effectLst/>
+                        <a:latin typeface="Calibri" panose="020F0502020204030204" pitchFamily="34" charset="0"/>
+                        <a:ea typeface="Calibri" panose="020F0502020204030204" pitchFamily="34" charset="0"/>
+                        <a:cs typeface="Calibri" panose="020F0502020204030204" pitchFamily="34" charset="0"/>
+                      </a:endParaRPr>
+                    </a:p>
+                  </a:txBody>
+                  <a:tcPr marL="68580" marR="68580" marT="0" marB="0" anchor="ctr">
+                    <a:lnL w="12700" cap="flat" cmpd="sng" algn="ctr">
+                      <a:solidFill>
+                        <a:schemeClr val="tx1"/>
+                      </a:solidFill>
+                      <a:prstDash val="solid"/>
+                      <a:round/>
+                      <a:headEnd type="none" w="med" len="med"/>
+                      <a:tailEnd type="none" w="med" len="med"/>
+                    </a:lnL>
+                    <a:lnR w="12700" cap="flat" cmpd="sng" algn="ctr">
+                      <a:solidFill>
+                        <a:schemeClr val="tx1"/>
+                      </a:solidFill>
+                      <a:prstDash val="solid"/>
+                      <a:round/>
+                      <a:headEnd type="none" w="med" len="med"/>
+                      <a:tailEnd type="none" w="med" len="med"/>
+                    </a:lnR>
+                    <a:lnT w="12700" cap="flat" cmpd="sng" algn="ctr">
+                      <a:solidFill>
+                        <a:schemeClr val="tx1"/>
+                      </a:solidFill>
+                      <a:prstDash val="solid"/>
+                      <a:round/>
+                      <a:headEnd type="none" w="med" len="med"/>
+                      <a:tailEnd type="none" w="med" len="med"/>
+                    </a:lnT>
+                    <a:lnB w="12700" cap="flat" cmpd="sng" algn="ctr">
+                      <a:solidFill>
+                        <a:schemeClr val="tx1"/>
+                      </a:solidFill>
+                      <a:prstDash val="solid"/>
+                      <a:round/>
+                      <a:headEnd type="none" w="med" len="med"/>
+                      <a:tailEnd type="none" w="med" len="med"/>
+                    </a:lnB>
+                  </a:tcPr>
+                </a:tc>
+                <a:tc>
+                  <a:txBody>
+                    <a:bodyPr/>
+                    <a:lstStyle/>
+                    <a:p>
+                      <a:pPr algn="ctr">
+                        <a:lnSpc>
+                          <a:spcPct val="115000"/>
+                        </a:lnSpc>
+                        <a:spcAft>
+                          <a:spcPts val="1000"/>
+                        </a:spcAft>
+                      </a:pPr>
+                      <a:r>
+                        <a:rPr lang="pt-BR" sz="1200">
+                          <a:effectLst/>
+                          <a:latin typeface="Calibri" panose="020F0502020204030204" pitchFamily="34" charset="0"/>
+                          <a:ea typeface="Abadi Extra Light" panose="020B0204020104020204" pitchFamily="34" charset="0"/>
+                          <a:cs typeface="Calibri" panose="020F0502020204030204" pitchFamily="34" charset="0"/>
+                        </a:rPr>
+                        <a:t>R$ 17.660,00</a:t>
+                      </a:r>
+                      <a:endParaRPr lang="pt-BR" sz="1200">
+                        <a:effectLst/>
+                        <a:latin typeface="Calibri" panose="020F0502020204030204" pitchFamily="34" charset="0"/>
+                        <a:ea typeface="Calibri" panose="020F0502020204030204" pitchFamily="34" charset="0"/>
+                        <a:cs typeface="Calibri" panose="020F0502020204030204" pitchFamily="34" charset="0"/>
+                      </a:endParaRPr>
+                    </a:p>
+                  </a:txBody>
+                  <a:tcPr marL="68580" marR="68580" marT="0" marB="0" anchor="ctr">
+                    <a:lnL w="12700" cap="flat" cmpd="sng" algn="ctr">
+                      <a:solidFill>
+                        <a:schemeClr val="tx1"/>
+                      </a:solidFill>
+                      <a:prstDash val="solid"/>
+                      <a:round/>
+                      <a:headEnd type="none" w="med" len="med"/>
+                      <a:tailEnd type="none" w="med" len="med"/>
+                    </a:lnL>
+                    <a:lnR w="12700" cap="flat" cmpd="sng" algn="ctr">
+                      <a:solidFill>
+                        <a:schemeClr val="tx1"/>
+                      </a:solidFill>
+                      <a:prstDash val="solid"/>
+                      <a:round/>
+                      <a:headEnd type="none" w="med" len="med"/>
+                      <a:tailEnd type="none" w="med" len="med"/>
+                    </a:lnR>
+                    <a:lnT w="12700" cap="flat" cmpd="sng" algn="ctr">
+                      <a:solidFill>
+                        <a:schemeClr val="tx1"/>
+                      </a:solidFill>
+                      <a:prstDash val="solid"/>
+                      <a:round/>
+                      <a:headEnd type="none" w="med" len="med"/>
+                      <a:tailEnd type="none" w="med" len="med"/>
+                    </a:lnT>
+                    <a:lnB w="12700" cap="flat" cmpd="sng" algn="ctr">
+                      <a:solidFill>
+                        <a:schemeClr val="tx1"/>
+                      </a:solidFill>
+                      <a:prstDash val="solid"/>
+                      <a:round/>
+                      <a:headEnd type="none" w="med" len="med"/>
+                      <a:tailEnd type="none" w="med" len="med"/>
+                    </a:lnB>
+                  </a:tcPr>
+                </a:tc>
+                <a:tc>
+                  <a:txBody>
+                    <a:bodyPr/>
+                    <a:lstStyle/>
+                    <a:p>
+                      <a:pPr algn="ctr">
+                        <a:lnSpc>
+                          <a:spcPct val="115000"/>
+                        </a:lnSpc>
+                        <a:spcAft>
+                          <a:spcPts val="1000"/>
+                        </a:spcAft>
+                      </a:pPr>
+                      <a:r>
+                        <a:rPr lang="pt-BR" sz="1200">
+                          <a:effectLst/>
+                          <a:latin typeface="Calibri" panose="020F0502020204030204" pitchFamily="34" charset="0"/>
+                          <a:ea typeface="Abadi Extra Light" panose="020B0204020104020204" pitchFamily="34" charset="0"/>
+                          <a:cs typeface="Calibri" panose="020F0502020204030204" pitchFamily="34" charset="0"/>
+                        </a:rPr>
+                        <a:t>01/10/2020</a:t>
+                      </a:r>
+                      <a:endParaRPr lang="pt-BR" sz="1200">
+                        <a:effectLst/>
+                        <a:latin typeface="Calibri" panose="020F0502020204030204" pitchFamily="34" charset="0"/>
+                        <a:ea typeface="Calibri" panose="020F0502020204030204" pitchFamily="34" charset="0"/>
+                        <a:cs typeface="Calibri" panose="020F0502020204030204" pitchFamily="34" charset="0"/>
+                      </a:endParaRPr>
+                    </a:p>
+                  </a:txBody>
+                  <a:tcPr marL="68580" marR="68580" marT="0" marB="0" anchor="ctr">
+                    <a:lnL w="12700" cap="flat" cmpd="sng" algn="ctr">
+                      <a:solidFill>
+                        <a:schemeClr val="tx1"/>
+                      </a:solidFill>
+                      <a:prstDash val="solid"/>
+                      <a:round/>
+                      <a:headEnd type="none" w="med" len="med"/>
+                      <a:tailEnd type="none" w="med" len="med"/>
+                    </a:lnL>
+                    <a:lnR w="12700" cap="flat" cmpd="sng" algn="ctr">
+                      <a:solidFill>
+                        <a:schemeClr val="tx1"/>
+                      </a:solidFill>
+                      <a:prstDash val="solid"/>
+                      <a:round/>
+                      <a:headEnd type="none" w="med" len="med"/>
+                      <a:tailEnd type="none" w="med" len="med"/>
+                    </a:lnR>
+                    <a:lnT w="12700" cap="flat" cmpd="sng" algn="ctr">
+                      <a:solidFill>
+                        <a:schemeClr val="tx1"/>
+                      </a:solidFill>
+                      <a:prstDash val="solid"/>
+                      <a:round/>
+                      <a:headEnd type="none" w="med" len="med"/>
+                      <a:tailEnd type="none" w="med" len="med"/>
+                    </a:lnT>
+                    <a:lnB w="12700" cap="flat" cmpd="sng" algn="ctr">
+                      <a:solidFill>
+                        <a:schemeClr val="tx1"/>
+                      </a:solidFill>
+                      <a:prstDash val="solid"/>
+                      <a:round/>
+                      <a:headEnd type="none" w="med" len="med"/>
+                      <a:tailEnd type="none" w="med" len="med"/>
+                    </a:lnB>
+                  </a:tcPr>
+                </a:tc>
+                <a:tc>
+                  <a:txBody>
+                    <a:bodyPr/>
+                    <a:lstStyle/>
+                    <a:p>
+                      <a:pPr algn="ctr">
+                        <a:lnSpc>
+                          <a:spcPct val="115000"/>
+                        </a:lnSpc>
+                        <a:spcAft>
+                          <a:spcPts val="1000"/>
+                        </a:spcAft>
+                      </a:pPr>
+                      <a:r>
+                        <a:rPr lang="pt-BR" sz="1200">
+                          <a:effectLst/>
+                          <a:latin typeface="Calibri" panose="020F0502020204030204" pitchFamily="34" charset="0"/>
+                          <a:ea typeface="Abadi Extra Light" panose="020B0204020104020204" pitchFamily="34" charset="0"/>
+                          <a:cs typeface="Calibri" panose="020F0502020204030204" pitchFamily="34" charset="0"/>
+                        </a:rPr>
+                        <a:t>16/10/2020</a:t>
+                      </a:r>
+                      <a:endParaRPr lang="pt-BR" sz="1200">
+                        <a:effectLst/>
+                        <a:latin typeface="Calibri" panose="020F0502020204030204" pitchFamily="34" charset="0"/>
+                        <a:ea typeface="Calibri" panose="020F0502020204030204" pitchFamily="34" charset="0"/>
+                        <a:cs typeface="Calibri" panose="020F0502020204030204" pitchFamily="34" charset="0"/>
+                      </a:endParaRPr>
+                    </a:p>
+                  </a:txBody>
+                  <a:tcPr marL="68580" marR="68580" marT="0" marB="0" anchor="ctr">
+                    <a:lnL w="12700" cap="flat" cmpd="sng" algn="ctr">
+                      <a:solidFill>
+                        <a:schemeClr val="tx1"/>
+                      </a:solidFill>
+                      <a:prstDash val="solid"/>
+                      <a:round/>
+                      <a:headEnd type="none" w="med" len="med"/>
+                      <a:tailEnd type="none" w="med" len="med"/>
+                    </a:lnL>
+                    <a:lnR w="12700" cap="flat" cmpd="sng" algn="ctr">
+                      <a:solidFill>
+                        <a:schemeClr val="tx1"/>
+                      </a:solidFill>
+                      <a:prstDash val="solid"/>
+                      <a:round/>
+                      <a:headEnd type="none" w="med" len="med"/>
+                      <a:tailEnd type="none" w="med" len="med"/>
+                    </a:lnR>
+                    <a:lnT w="12700" cap="flat" cmpd="sng" algn="ctr">
+                      <a:solidFill>
+                        <a:schemeClr val="tx1"/>
+                      </a:solidFill>
+                      <a:prstDash val="solid"/>
+                      <a:round/>
+                      <a:headEnd type="none" w="med" len="med"/>
+                      <a:tailEnd type="none" w="med" len="med"/>
+                    </a:lnT>
+                    <a:lnB w="12700" cap="flat" cmpd="sng" algn="ctr">
+                      <a:solidFill>
+                        <a:schemeClr val="tx1"/>
+                      </a:solidFill>
+                      <a:prstDash val="solid"/>
+                      <a:round/>
+                      <a:headEnd type="none" w="med" len="med"/>
+                      <a:tailEnd type="none" w="med" len="med"/>
+                    </a:lnB>
+                  </a:tcPr>
+                </a:tc>
+                <a:extLst>
+                  <a:ext uri="{0D108BD9-81ED-4DB2-BD59-A6C34878D82A}">
+                    <a16:rowId xmlns:a16="http://schemas.microsoft.com/office/drawing/2014/main" val="4277832923"/>
+                  </a:ext>
+                </a:extLst>
+              </a:tr>
+              <a:tr h="441854">
+                <a:tc>
+                  <a:txBody>
+                    <a:bodyPr/>
+                    <a:lstStyle/>
+                    <a:p>
+                      <a:pPr algn="ctr">
+                        <a:lnSpc>
+                          <a:spcPct val="115000"/>
+                        </a:lnSpc>
+                        <a:spcAft>
+                          <a:spcPts val="1000"/>
+                        </a:spcAft>
+                      </a:pPr>
+                      <a:r>
+                        <a:rPr lang="pt-BR" sz="1200">
+                          <a:effectLst/>
+                          <a:latin typeface="Calibri" panose="020F0502020204030204" pitchFamily="34" charset="0"/>
+                          <a:ea typeface="Abadi Extra Light" panose="020B0204020104020204" pitchFamily="34" charset="0"/>
+                          <a:cs typeface="Calibri" panose="020F0502020204030204" pitchFamily="34" charset="0"/>
+                        </a:rPr>
+                        <a:t>3º Parcela</a:t>
+                      </a:r>
+                      <a:endParaRPr lang="pt-BR" sz="1200">
+                        <a:effectLst/>
+                        <a:latin typeface="Calibri" panose="020F0502020204030204" pitchFamily="34" charset="0"/>
+                        <a:ea typeface="Calibri" panose="020F0502020204030204" pitchFamily="34" charset="0"/>
+                        <a:cs typeface="Calibri" panose="020F0502020204030204" pitchFamily="34" charset="0"/>
+                      </a:endParaRPr>
+                    </a:p>
+                  </a:txBody>
+                  <a:tcPr marL="68580" marR="68580" marT="0" marB="0" anchor="ctr">
+                    <a:lnL w="12700" cap="flat" cmpd="sng" algn="ctr">
+                      <a:solidFill>
+                        <a:schemeClr val="tx1"/>
+                      </a:solidFill>
+                      <a:prstDash val="solid"/>
+                      <a:round/>
+                      <a:headEnd type="none" w="med" len="med"/>
+                      <a:tailEnd type="none" w="med" len="med"/>
+                    </a:lnL>
+                    <a:lnR w="12700" cap="flat" cmpd="sng" algn="ctr">
+                      <a:solidFill>
+                        <a:schemeClr val="tx1"/>
+                      </a:solidFill>
+                      <a:prstDash val="solid"/>
+                      <a:round/>
+                      <a:headEnd type="none" w="med" len="med"/>
+                      <a:tailEnd type="none" w="med" len="med"/>
+                    </a:lnR>
+                    <a:lnT w="12700" cap="flat" cmpd="sng" algn="ctr">
+                      <a:solidFill>
+                        <a:schemeClr val="tx1"/>
+                      </a:solidFill>
+                      <a:prstDash val="solid"/>
+                      <a:round/>
+                      <a:headEnd type="none" w="med" len="med"/>
+                      <a:tailEnd type="none" w="med" len="med"/>
+                    </a:lnT>
+                    <a:lnB w="12700" cap="flat" cmpd="sng" algn="ctr">
+                      <a:solidFill>
+                        <a:schemeClr val="tx1"/>
+                      </a:solidFill>
+                      <a:prstDash val="solid"/>
+                      <a:round/>
+                      <a:headEnd type="none" w="med" len="med"/>
+                      <a:tailEnd type="none" w="med" len="med"/>
+                    </a:lnB>
+                  </a:tcPr>
+                </a:tc>
+                <a:tc>
+                  <a:txBody>
+                    <a:bodyPr/>
+                    <a:lstStyle/>
+                    <a:p>
+                      <a:pPr algn="ctr">
+                        <a:lnSpc>
+                          <a:spcPct val="115000"/>
+                        </a:lnSpc>
+                        <a:spcAft>
+                          <a:spcPts val="1000"/>
+                        </a:spcAft>
+                      </a:pPr>
+                      <a:r>
+                        <a:rPr lang="pt-BR" sz="1200">
+                          <a:effectLst/>
+                          <a:latin typeface="Calibri" panose="020F0502020204030204" pitchFamily="34" charset="0"/>
+                          <a:ea typeface="Abadi Extra Light" panose="020B0204020104020204" pitchFamily="34" charset="0"/>
+                          <a:cs typeface="Calibri" panose="020F0502020204030204" pitchFamily="34" charset="0"/>
+                        </a:rPr>
+                        <a:t>R$ 17.660,00</a:t>
+                      </a:r>
+                      <a:endParaRPr lang="pt-BR" sz="1200">
+                        <a:effectLst/>
+                        <a:latin typeface="Calibri" panose="020F0502020204030204" pitchFamily="34" charset="0"/>
+                        <a:ea typeface="Calibri" panose="020F0502020204030204" pitchFamily="34" charset="0"/>
+                        <a:cs typeface="Calibri" panose="020F0502020204030204" pitchFamily="34" charset="0"/>
+                      </a:endParaRPr>
+                    </a:p>
+                  </a:txBody>
+                  <a:tcPr marL="68580" marR="68580" marT="0" marB="0" anchor="ctr">
+                    <a:lnL w="12700" cap="flat" cmpd="sng" algn="ctr">
+                      <a:solidFill>
+                        <a:schemeClr val="tx1"/>
+                      </a:solidFill>
+                      <a:prstDash val="solid"/>
+                      <a:round/>
+                      <a:headEnd type="none" w="med" len="med"/>
+                      <a:tailEnd type="none" w="med" len="med"/>
+                    </a:lnL>
+                    <a:lnR w="12700" cap="flat" cmpd="sng" algn="ctr">
+                      <a:solidFill>
+                        <a:schemeClr val="tx1"/>
+                      </a:solidFill>
+                      <a:prstDash val="solid"/>
+                      <a:round/>
+                      <a:headEnd type="none" w="med" len="med"/>
+                      <a:tailEnd type="none" w="med" len="med"/>
+                    </a:lnR>
+                    <a:lnT w="12700" cap="flat" cmpd="sng" algn="ctr">
+                      <a:solidFill>
+                        <a:schemeClr val="tx1"/>
+                      </a:solidFill>
+                      <a:prstDash val="solid"/>
+                      <a:round/>
+                      <a:headEnd type="none" w="med" len="med"/>
+                      <a:tailEnd type="none" w="med" len="med"/>
+                    </a:lnT>
+                    <a:lnB w="12700" cap="flat" cmpd="sng" algn="ctr">
+                      <a:solidFill>
+                        <a:schemeClr val="tx1"/>
+                      </a:solidFill>
+                      <a:prstDash val="solid"/>
+                      <a:round/>
+                      <a:headEnd type="none" w="med" len="med"/>
+                      <a:tailEnd type="none" w="med" len="med"/>
+                    </a:lnB>
+                  </a:tcPr>
+                </a:tc>
+                <a:tc>
+                  <a:txBody>
+                    <a:bodyPr/>
+                    <a:lstStyle/>
+                    <a:p>
+                      <a:pPr algn="ctr">
+                        <a:lnSpc>
+                          <a:spcPct val="115000"/>
+                        </a:lnSpc>
+                        <a:spcAft>
+                          <a:spcPts val="1000"/>
+                        </a:spcAft>
+                      </a:pPr>
+                      <a:r>
+                        <a:rPr lang="pt-BR" sz="1200">
+                          <a:effectLst/>
+                          <a:latin typeface="Calibri" panose="020F0502020204030204" pitchFamily="34" charset="0"/>
+                          <a:ea typeface="Abadi Extra Light" panose="020B0204020104020204" pitchFamily="34" charset="0"/>
+                          <a:cs typeface="Calibri" panose="020F0502020204030204" pitchFamily="34" charset="0"/>
+                        </a:rPr>
+                        <a:t>01/11/2020</a:t>
+                      </a:r>
+                      <a:endParaRPr lang="pt-BR" sz="1200">
+                        <a:effectLst/>
+                        <a:latin typeface="Calibri" panose="020F0502020204030204" pitchFamily="34" charset="0"/>
+                        <a:ea typeface="Calibri" panose="020F0502020204030204" pitchFamily="34" charset="0"/>
+                        <a:cs typeface="Calibri" panose="020F0502020204030204" pitchFamily="34" charset="0"/>
+                      </a:endParaRPr>
+                    </a:p>
+                  </a:txBody>
+                  <a:tcPr marL="68580" marR="68580" marT="0" marB="0" anchor="ctr">
+                    <a:lnL w="12700" cap="flat" cmpd="sng" algn="ctr">
+                      <a:solidFill>
+                        <a:schemeClr val="tx1"/>
+                      </a:solidFill>
+                      <a:prstDash val="solid"/>
+                      <a:round/>
+                      <a:headEnd type="none" w="med" len="med"/>
+                      <a:tailEnd type="none" w="med" len="med"/>
+                    </a:lnL>
+                    <a:lnR w="12700" cap="flat" cmpd="sng" algn="ctr">
+                      <a:solidFill>
+                        <a:schemeClr val="tx1"/>
+                      </a:solidFill>
+                      <a:prstDash val="solid"/>
+                      <a:round/>
+                      <a:headEnd type="none" w="med" len="med"/>
+                      <a:tailEnd type="none" w="med" len="med"/>
+                    </a:lnR>
+                    <a:lnT w="12700" cap="flat" cmpd="sng" algn="ctr">
+                      <a:solidFill>
+                        <a:schemeClr val="tx1"/>
+                      </a:solidFill>
+                      <a:prstDash val="solid"/>
+                      <a:round/>
+                      <a:headEnd type="none" w="med" len="med"/>
+                      <a:tailEnd type="none" w="med" len="med"/>
+                    </a:lnT>
+                    <a:lnB w="12700" cap="flat" cmpd="sng" algn="ctr">
+                      <a:solidFill>
+                        <a:schemeClr val="tx1"/>
+                      </a:solidFill>
+                      <a:prstDash val="solid"/>
+                      <a:round/>
+                      <a:headEnd type="none" w="med" len="med"/>
+                      <a:tailEnd type="none" w="med" len="med"/>
+                    </a:lnB>
+                  </a:tcPr>
+                </a:tc>
+                <a:tc>
+                  <a:txBody>
+                    <a:bodyPr/>
+                    <a:lstStyle/>
+                    <a:p>
+                      <a:pPr algn="ctr">
+                        <a:lnSpc>
+                          <a:spcPct val="115000"/>
+                        </a:lnSpc>
+                        <a:spcAft>
+                          <a:spcPts val="1000"/>
+                        </a:spcAft>
+                      </a:pPr>
+                      <a:r>
+                        <a:rPr lang="pt-BR" sz="1200">
+                          <a:effectLst/>
+                          <a:latin typeface="Calibri" panose="020F0502020204030204" pitchFamily="34" charset="0"/>
+                          <a:ea typeface="Abadi Extra Light" panose="020B0204020104020204" pitchFamily="34" charset="0"/>
+                          <a:cs typeface="Calibri" panose="020F0502020204030204" pitchFamily="34" charset="0"/>
+                        </a:rPr>
+                        <a:t>16/11/2020</a:t>
+                      </a:r>
+                      <a:endParaRPr lang="pt-BR" sz="1200">
+                        <a:effectLst/>
+                        <a:latin typeface="Calibri" panose="020F0502020204030204" pitchFamily="34" charset="0"/>
+                        <a:ea typeface="Calibri" panose="020F0502020204030204" pitchFamily="34" charset="0"/>
+                        <a:cs typeface="Calibri" panose="020F0502020204030204" pitchFamily="34" charset="0"/>
+                      </a:endParaRPr>
+                    </a:p>
+                  </a:txBody>
+                  <a:tcPr marL="68580" marR="68580" marT="0" marB="0" anchor="ctr">
+                    <a:lnL w="12700" cap="flat" cmpd="sng" algn="ctr">
+                      <a:solidFill>
+                        <a:schemeClr val="tx1"/>
+                      </a:solidFill>
+                      <a:prstDash val="solid"/>
+                      <a:round/>
+                      <a:headEnd type="none" w="med" len="med"/>
+                      <a:tailEnd type="none" w="med" len="med"/>
+                    </a:lnL>
+                    <a:lnR w="12700" cap="flat" cmpd="sng" algn="ctr">
+                      <a:solidFill>
+                        <a:schemeClr val="tx1"/>
+                      </a:solidFill>
+                      <a:prstDash val="solid"/>
+                      <a:round/>
+                      <a:headEnd type="none" w="med" len="med"/>
+                      <a:tailEnd type="none" w="med" len="med"/>
+                    </a:lnR>
+                    <a:lnT w="12700" cap="flat" cmpd="sng" algn="ctr">
+                      <a:solidFill>
+                        <a:schemeClr val="tx1"/>
+                      </a:solidFill>
+                      <a:prstDash val="solid"/>
+                      <a:round/>
+                      <a:headEnd type="none" w="med" len="med"/>
+                      <a:tailEnd type="none" w="med" len="med"/>
+                    </a:lnT>
+                    <a:lnB w="12700" cap="flat" cmpd="sng" algn="ctr">
+                      <a:solidFill>
+                        <a:schemeClr val="tx1"/>
+                      </a:solidFill>
+                      <a:prstDash val="solid"/>
+                      <a:round/>
+                      <a:headEnd type="none" w="med" len="med"/>
+                      <a:tailEnd type="none" w="med" len="med"/>
+                    </a:lnB>
+                  </a:tcPr>
+                </a:tc>
+                <a:extLst>
+                  <a:ext uri="{0D108BD9-81ED-4DB2-BD59-A6C34878D82A}">
+                    <a16:rowId xmlns:a16="http://schemas.microsoft.com/office/drawing/2014/main" val="1810590542"/>
+                  </a:ext>
+                </a:extLst>
+              </a:tr>
+              <a:tr h="441854">
+                <a:tc>
+                  <a:txBody>
+                    <a:bodyPr/>
+                    <a:lstStyle/>
+                    <a:p>
+                      <a:pPr algn="ctr">
+                        <a:lnSpc>
+                          <a:spcPct val="115000"/>
+                        </a:lnSpc>
+                        <a:spcAft>
+                          <a:spcPts val="1000"/>
+                        </a:spcAft>
+                      </a:pPr>
+                      <a:r>
+                        <a:rPr lang="pt-BR" sz="1200">
+                          <a:effectLst/>
+                          <a:latin typeface="Calibri" panose="020F0502020204030204" pitchFamily="34" charset="0"/>
+                          <a:ea typeface="Abadi Extra Light" panose="020B0204020104020204" pitchFamily="34" charset="0"/>
+                          <a:cs typeface="Calibri" panose="020F0502020204030204" pitchFamily="34" charset="0"/>
+                        </a:rPr>
+                        <a:t>4º Parcela</a:t>
+                      </a:r>
+                      <a:endParaRPr lang="pt-BR" sz="1200">
+                        <a:effectLst/>
+                        <a:latin typeface="Calibri" panose="020F0502020204030204" pitchFamily="34" charset="0"/>
+                        <a:ea typeface="Calibri" panose="020F0502020204030204" pitchFamily="34" charset="0"/>
+                        <a:cs typeface="Calibri" panose="020F0502020204030204" pitchFamily="34" charset="0"/>
+                      </a:endParaRPr>
+                    </a:p>
+                  </a:txBody>
+                  <a:tcPr marL="68580" marR="68580" marT="0" marB="0" anchor="ctr">
+                    <a:lnL w="12700" cap="flat" cmpd="sng" algn="ctr">
+                      <a:solidFill>
+                        <a:schemeClr val="tx1"/>
+                      </a:solidFill>
+                      <a:prstDash val="solid"/>
+                      <a:round/>
+                      <a:headEnd type="none" w="med" len="med"/>
+                      <a:tailEnd type="none" w="med" len="med"/>
+                    </a:lnL>
+                    <a:lnR w="12700" cap="flat" cmpd="sng" algn="ctr">
+                      <a:solidFill>
+                        <a:schemeClr val="tx1"/>
+                      </a:solidFill>
+                      <a:prstDash val="solid"/>
+                      <a:round/>
+                      <a:headEnd type="none" w="med" len="med"/>
+                      <a:tailEnd type="none" w="med" len="med"/>
+                    </a:lnR>
+                    <a:lnT w="12700" cap="flat" cmpd="sng" algn="ctr">
+                      <a:solidFill>
+                        <a:schemeClr val="tx1"/>
+                      </a:solidFill>
+                      <a:prstDash val="solid"/>
+                      <a:round/>
+                      <a:headEnd type="none" w="med" len="med"/>
+                      <a:tailEnd type="none" w="med" len="med"/>
+                    </a:lnT>
+                    <a:lnB w="12700" cap="flat" cmpd="sng" algn="ctr">
+                      <a:solidFill>
+                        <a:schemeClr val="tx1"/>
+                      </a:solidFill>
+                      <a:prstDash val="solid"/>
+                      <a:round/>
+                      <a:headEnd type="none" w="med" len="med"/>
+                      <a:tailEnd type="none" w="med" len="med"/>
+                    </a:lnB>
+                  </a:tcPr>
+                </a:tc>
+                <a:tc>
+                  <a:txBody>
+                    <a:bodyPr/>
+                    <a:lstStyle/>
+                    <a:p>
+                      <a:pPr algn="ctr">
+                        <a:lnSpc>
+                          <a:spcPct val="115000"/>
+                        </a:lnSpc>
+                        <a:spcAft>
+                          <a:spcPts val="1000"/>
+                        </a:spcAft>
+                      </a:pPr>
+                      <a:r>
+                        <a:rPr lang="pt-BR" sz="1200">
+                          <a:effectLst/>
+                          <a:latin typeface="Calibri" panose="020F0502020204030204" pitchFamily="34" charset="0"/>
+                          <a:ea typeface="Abadi Extra Light" panose="020B0204020104020204" pitchFamily="34" charset="0"/>
+                          <a:cs typeface="Calibri" panose="020F0502020204030204" pitchFamily="34" charset="0"/>
+                        </a:rPr>
+                        <a:t>R$ 17.660,00</a:t>
+                      </a:r>
+                      <a:endParaRPr lang="pt-BR" sz="1200">
+                        <a:effectLst/>
+                        <a:latin typeface="Calibri" panose="020F0502020204030204" pitchFamily="34" charset="0"/>
+                        <a:ea typeface="Calibri" panose="020F0502020204030204" pitchFamily="34" charset="0"/>
+                        <a:cs typeface="Calibri" panose="020F0502020204030204" pitchFamily="34" charset="0"/>
+                      </a:endParaRPr>
+                    </a:p>
+                  </a:txBody>
+                  <a:tcPr marL="68580" marR="68580" marT="0" marB="0" anchor="ctr">
+                    <a:lnL w="12700" cap="flat" cmpd="sng" algn="ctr">
+                      <a:solidFill>
+                        <a:schemeClr val="tx1"/>
+                      </a:solidFill>
+                      <a:prstDash val="solid"/>
+                      <a:round/>
+                      <a:headEnd type="none" w="med" len="med"/>
+                      <a:tailEnd type="none" w="med" len="med"/>
+                    </a:lnL>
+                    <a:lnR w="12700" cap="flat" cmpd="sng" algn="ctr">
+                      <a:solidFill>
+                        <a:schemeClr val="tx1"/>
+                      </a:solidFill>
+                      <a:prstDash val="solid"/>
+                      <a:round/>
+                      <a:headEnd type="none" w="med" len="med"/>
+                      <a:tailEnd type="none" w="med" len="med"/>
+                    </a:lnR>
+                    <a:lnT w="12700" cap="flat" cmpd="sng" algn="ctr">
+                      <a:solidFill>
+                        <a:schemeClr val="tx1"/>
+                      </a:solidFill>
+                      <a:prstDash val="solid"/>
+                      <a:round/>
+                      <a:headEnd type="none" w="med" len="med"/>
+                      <a:tailEnd type="none" w="med" len="med"/>
+                    </a:lnT>
+                    <a:lnB w="12700" cap="flat" cmpd="sng" algn="ctr">
+                      <a:solidFill>
+                        <a:schemeClr val="tx1"/>
+                      </a:solidFill>
+                      <a:prstDash val="solid"/>
+                      <a:round/>
+                      <a:headEnd type="none" w="med" len="med"/>
+                      <a:tailEnd type="none" w="med" len="med"/>
+                    </a:lnB>
+                  </a:tcPr>
+                </a:tc>
+                <a:tc>
+                  <a:txBody>
+                    <a:bodyPr/>
+                    <a:lstStyle/>
+                    <a:p>
+                      <a:pPr algn="ctr">
+                        <a:lnSpc>
+                          <a:spcPct val="115000"/>
+                        </a:lnSpc>
+                        <a:spcAft>
+                          <a:spcPts val="1000"/>
+                        </a:spcAft>
+                      </a:pPr>
+                      <a:r>
+                        <a:rPr lang="pt-BR" sz="1200">
+                          <a:effectLst/>
+                          <a:latin typeface="Calibri" panose="020F0502020204030204" pitchFamily="34" charset="0"/>
+                          <a:ea typeface="Abadi Extra Light" panose="020B0204020104020204" pitchFamily="34" charset="0"/>
+                          <a:cs typeface="Calibri" panose="020F0502020204030204" pitchFamily="34" charset="0"/>
+                        </a:rPr>
+                        <a:t>01/12/2020</a:t>
+                      </a:r>
+                      <a:endParaRPr lang="pt-BR" sz="1200">
+                        <a:effectLst/>
+                        <a:latin typeface="Calibri" panose="020F0502020204030204" pitchFamily="34" charset="0"/>
+                        <a:ea typeface="Calibri" panose="020F0502020204030204" pitchFamily="34" charset="0"/>
+                        <a:cs typeface="Calibri" panose="020F0502020204030204" pitchFamily="34" charset="0"/>
+                      </a:endParaRPr>
+                    </a:p>
+                  </a:txBody>
+                  <a:tcPr marL="68580" marR="68580" marT="0" marB="0" anchor="ctr">
+                    <a:lnL w="12700" cap="flat" cmpd="sng" algn="ctr">
+                      <a:solidFill>
+                        <a:schemeClr val="tx1"/>
+                      </a:solidFill>
+                      <a:prstDash val="solid"/>
+                      <a:round/>
+                      <a:headEnd type="none" w="med" len="med"/>
+                      <a:tailEnd type="none" w="med" len="med"/>
+                    </a:lnL>
+                    <a:lnR w="12700" cap="flat" cmpd="sng" algn="ctr">
+                      <a:solidFill>
+                        <a:schemeClr val="tx1"/>
+                      </a:solidFill>
+                      <a:prstDash val="solid"/>
+                      <a:round/>
+                      <a:headEnd type="none" w="med" len="med"/>
+                      <a:tailEnd type="none" w="med" len="med"/>
+                    </a:lnR>
+                    <a:lnT w="12700" cap="flat" cmpd="sng" algn="ctr">
+                      <a:solidFill>
+                        <a:schemeClr val="tx1"/>
+                      </a:solidFill>
+                      <a:prstDash val="solid"/>
+                      <a:round/>
+                      <a:headEnd type="none" w="med" len="med"/>
+                      <a:tailEnd type="none" w="med" len="med"/>
+                    </a:lnT>
+                    <a:lnB w="12700" cap="flat" cmpd="sng" algn="ctr">
+                      <a:solidFill>
+                        <a:schemeClr val="tx1"/>
+                      </a:solidFill>
+                      <a:prstDash val="solid"/>
+                      <a:round/>
+                      <a:headEnd type="none" w="med" len="med"/>
+                      <a:tailEnd type="none" w="med" len="med"/>
+                    </a:lnB>
+                  </a:tcPr>
+                </a:tc>
+                <a:tc>
+                  <a:txBody>
+                    <a:bodyPr/>
+                    <a:lstStyle/>
+                    <a:p>
+                      <a:pPr algn="ctr">
+                        <a:lnSpc>
+                          <a:spcPct val="115000"/>
+                        </a:lnSpc>
+                        <a:spcAft>
+                          <a:spcPts val="1000"/>
+                        </a:spcAft>
+                      </a:pPr>
+                      <a:r>
+                        <a:rPr lang="pt-BR" sz="1200">
+                          <a:effectLst/>
+                          <a:latin typeface="Calibri" panose="020F0502020204030204" pitchFamily="34" charset="0"/>
+                          <a:ea typeface="Abadi Extra Light" panose="020B0204020104020204" pitchFamily="34" charset="0"/>
+                          <a:cs typeface="Calibri" panose="020F0502020204030204" pitchFamily="34" charset="0"/>
+                        </a:rPr>
+                        <a:t>16/12/2020</a:t>
+                      </a:r>
+                      <a:endParaRPr lang="pt-BR" sz="1200">
+                        <a:effectLst/>
+                        <a:latin typeface="Calibri" panose="020F0502020204030204" pitchFamily="34" charset="0"/>
+                        <a:ea typeface="Calibri" panose="020F0502020204030204" pitchFamily="34" charset="0"/>
+                        <a:cs typeface="Calibri" panose="020F0502020204030204" pitchFamily="34" charset="0"/>
+                      </a:endParaRPr>
+                    </a:p>
+                  </a:txBody>
+                  <a:tcPr marL="68580" marR="68580" marT="0" marB="0" anchor="ctr">
+                    <a:lnL w="12700" cap="flat" cmpd="sng" algn="ctr">
+                      <a:solidFill>
+                        <a:schemeClr val="tx1"/>
+                      </a:solidFill>
+                      <a:prstDash val="solid"/>
+                      <a:round/>
+                      <a:headEnd type="none" w="med" len="med"/>
+                      <a:tailEnd type="none" w="med" len="med"/>
+                    </a:lnL>
+                    <a:lnR w="12700" cap="flat" cmpd="sng" algn="ctr">
+                      <a:solidFill>
+                        <a:schemeClr val="tx1"/>
+                      </a:solidFill>
+                      <a:prstDash val="solid"/>
+                      <a:round/>
+                      <a:headEnd type="none" w="med" len="med"/>
+                      <a:tailEnd type="none" w="med" len="med"/>
+                    </a:lnR>
+                    <a:lnT w="12700" cap="flat" cmpd="sng" algn="ctr">
+                      <a:solidFill>
+                        <a:schemeClr val="tx1"/>
+                      </a:solidFill>
+                      <a:prstDash val="solid"/>
+                      <a:round/>
+                      <a:headEnd type="none" w="med" len="med"/>
+                      <a:tailEnd type="none" w="med" len="med"/>
+                    </a:lnT>
+                    <a:lnB w="12700" cap="flat" cmpd="sng" algn="ctr">
+                      <a:solidFill>
+                        <a:schemeClr val="tx1"/>
+                      </a:solidFill>
+                      <a:prstDash val="solid"/>
+                      <a:round/>
+                      <a:headEnd type="none" w="med" len="med"/>
+                      <a:tailEnd type="none" w="med" len="med"/>
+                    </a:lnB>
+                  </a:tcPr>
+                </a:tc>
+                <a:extLst>
+                  <a:ext uri="{0D108BD9-81ED-4DB2-BD59-A6C34878D82A}">
+                    <a16:rowId xmlns:a16="http://schemas.microsoft.com/office/drawing/2014/main" val="164761615"/>
+                  </a:ext>
+                </a:extLst>
+              </a:tr>
+            </a:tbl>
+          </a:graphicData>
+        </a:graphic>
+      </p:graphicFrame>
+      <p:pic>
+        <p:nvPicPr>
+          <p:cNvPr id="13" name="Imagem 12" descr="Uma imagem contendo homem, segurando&#10;&#10;Descrição gerada automaticamente">
+            <a:extLst>
+              <a:ext uri="{FF2B5EF4-FFF2-40B4-BE49-F238E27FC236}">
+                <a16:creationId xmlns:a16="http://schemas.microsoft.com/office/drawing/2014/main" id="{15841944-E37A-410E-8129-925031F09E24}"/>
+              </a:ext>
+            </a:extLst>
+          </p:cNvPr>
+          <p:cNvPicPr>
+            <a:picLocks noChangeAspect="1"/>
+          </p:cNvPicPr>
+          <p:nvPr/>
+        </p:nvPicPr>
+        <p:blipFill>
+          <a:blip r:embed="rId3">
+            <a:extLst>
+              <a:ext uri="{28A0092B-C50C-407E-A947-70E740481C1C}">
+                <a14:useLocalDpi xmlns:a14="http://schemas.microsoft.com/office/drawing/2010/main" val="0"/>
+              </a:ext>
+            </a:extLst>
+          </a:blip>
+          <a:stretch>
+            <a:fillRect/>
+          </a:stretch>
+        </p:blipFill>
+        <p:spPr>
+          <a:xfrm>
+            <a:off x="9964675" y="-2215"/>
+            <a:ext cx="2227325" cy="1593560"/>
+          </a:xfrm>
+          <a:prstGeom prst="rect">
+            <a:avLst/>
+          </a:prstGeom>
+        </p:spPr>
+      </p:pic>
+    </p:spTree>
+    <p:extLst>
+      <p:ext uri="{BB962C8B-B14F-4D97-AF65-F5344CB8AC3E}">
+        <p14:creationId xmlns:p14="http://schemas.microsoft.com/office/powerpoint/2010/main" val="2876785368"/>
+      </p:ext>
+    </p:extLst>
+  </p:cSld>
+  <p:clrMapOvr>
+    <a:masterClrMapping/>
+  </p:clrMapOvr>
+  <mc:AlternateContent xmlns:mc="http://schemas.openxmlformats.org/markup-compatibility/2006" xmlns:p14="http://schemas.microsoft.com/office/powerpoint/2010/main">
+    <mc:Choice Requires="p14">
+      <p:transition spd="slow">
+        <p14:flash/>
+      </p:transition>
+    </mc:Choice>
+    <mc:Fallback xmlns="">
+      <p:transition spd="slow">
+        <p:fade/>
+      </p:transition>
+    </mc:Fallback>
+  </mc:AlternateContent>
+</p:sld>
+</file>
+
+<file path=ppt/slides/slide47.xml><?xml version="1.0" encoding="utf-8"?>
+<p:sld xmlns:a="http://schemas.openxmlformats.org/drawingml/2006/main" xmlns:r="http://schemas.openxmlformats.org/officeDocument/2006/relationships" xmlns:p="http://schemas.openxmlformats.org/presentationml/2006/main">
+  <p:cSld>
+    <p:spTree>
+      <p:nvGrpSpPr>
+        <p:cNvPr id="1" name=""/>
+        <p:cNvGrpSpPr/>
+        <p:nvPr/>
+      </p:nvGrpSpPr>
+      <p:grpSpPr>
+        <a:xfrm>
+          <a:off x="0" y="0"/>
+          <a:ext cx="0" cy="0"/>
+          <a:chOff x="0" y="0"/>
+          <a:chExt cx="0" cy="0"/>
+        </a:xfrm>
+      </p:grpSpPr>
+      <p:sp>
+        <p:nvSpPr>
+          <p:cNvPr id="4" name="Título 1">
+            <a:extLst>
+              <a:ext uri="{FF2B5EF4-FFF2-40B4-BE49-F238E27FC236}">
+                <a16:creationId xmlns:a16="http://schemas.microsoft.com/office/drawing/2014/main" id="{8B2E5E53-9E39-4FB1-823D-3C703040A847}"/>
+              </a:ext>
+            </a:extLst>
+          </p:cNvPr>
+          <p:cNvSpPr txBox="1">
+            <a:spLocks/>
+          </p:cNvSpPr>
+          <p:nvPr/>
+        </p:nvSpPr>
+        <p:spPr>
+          <a:xfrm>
+            <a:off x="0" y="1124744"/>
+            <a:ext cx="12192000" cy="360040"/>
+          </a:xfrm>
+          <a:prstGeom prst="rect">
+            <a:avLst/>
+          </a:prstGeom>
+          <a:solidFill>
+            <a:srgbClr val="002060"/>
+          </a:solidFill>
+        </p:spPr>
+        <p:txBody>
+          <a:bodyPr vert="horz" lIns="91440" tIns="45720" rIns="91440" bIns="45720" rtlCol="0" anchor="ctr">
+            <a:noAutofit/>
+          </a:bodyPr>
+          <a:lstStyle>
+            <a:lvl1pPr algn="ctr" defTabSz="914400" rtl="0" eaLnBrk="1" latinLnBrk="0" hangingPunct="1">
+              <a:spcBef>
+                <a:spcPct val="0"/>
+              </a:spcBef>
+              <a:buNone/>
+              <a:defRPr sz="4400" kern="1200">
+                <a:solidFill>
+                  <a:schemeClr val="tx1"/>
+                </a:solidFill>
+                <a:latin typeface="+mj-lt"/>
+                <a:ea typeface="+mj-ea"/>
+                <a:cs typeface="+mj-cs"/>
+              </a:defRPr>
+            </a:lvl1pPr>
+          </a:lstStyle>
+          <a:p>
+            <a:r>
+              <a:rPr lang="pt-BR" sz="1800" spc="300">
+                <a:solidFill>
+                  <a:schemeClr val="bg1"/>
+                </a:solidFill>
+                <a:latin typeface="Times New Roman" pitchFamily="18" charset="0"/>
+                <a:cs typeface="Times New Roman" pitchFamily="18" charset="0"/>
+              </a:rPr>
+              <a:t>Faculdade de Tecnologia de Mogi das Cruze</a:t>
+            </a:r>
+            <a:r>
+              <a:rPr lang="pt-BR" sz="1800">
+                <a:solidFill>
+                  <a:schemeClr val="bg1"/>
+                </a:solidFill>
+                <a:latin typeface="Times New Roman" pitchFamily="18" charset="0"/>
+                <a:cs typeface="Times New Roman" pitchFamily="18" charset="0"/>
+              </a:rPr>
+              <a:t>s</a:t>
+            </a:r>
+          </a:p>
+        </p:txBody>
+      </p:sp>
+      <p:sp>
+        <p:nvSpPr>
+          <p:cNvPr id="5" name="Título 1">
+            <a:extLst>
+              <a:ext uri="{FF2B5EF4-FFF2-40B4-BE49-F238E27FC236}">
+                <a16:creationId xmlns:a16="http://schemas.microsoft.com/office/drawing/2014/main" id="{89D938D6-E2AA-44CA-B68B-67D297F63CE7}"/>
+              </a:ext>
+            </a:extLst>
+          </p:cNvPr>
+          <p:cNvSpPr txBox="1">
+            <a:spLocks/>
+          </p:cNvSpPr>
+          <p:nvPr/>
+        </p:nvSpPr>
+        <p:spPr>
+          <a:xfrm>
+            <a:off x="2220191" y="1709619"/>
+            <a:ext cx="7751618" cy="3627311"/>
+          </a:xfrm>
+          <a:prstGeom prst="rect">
+            <a:avLst/>
+          </a:prstGeom>
+        </p:spPr>
+        <p:txBody>
+          <a:bodyPr vert="horz" lIns="91440" tIns="45720" rIns="91440" bIns="45720" rtlCol="0" anchor="ctr">
+            <a:normAutofit/>
+          </a:bodyPr>
+          <a:lstStyle>
+            <a:lvl1pPr algn="l" defTabSz="914400" rtl="0" eaLnBrk="1" latinLnBrk="0" hangingPunct="1">
+              <a:lnSpc>
+                <a:spcPct val="90000"/>
+              </a:lnSpc>
+              <a:spcBef>
+                <a:spcPct val="0"/>
+              </a:spcBef>
+              <a:buNone/>
+              <a:defRPr sz="4400" kern="1200">
+                <a:solidFill>
+                  <a:schemeClr val="tx1"/>
+                </a:solidFill>
+                <a:latin typeface="+mj-lt"/>
+                <a:ea typeface="+mj-ea"/>
+                <a:cs typeface="+mj-cs"/>
+              </a:defRPr>
+            </a:lvl1pPr>
+          </a:lstStyle>
+          <a:p>
+            <a:pPr algn="ctr"/>
+            <a:r>
+              <a:rPr lang="pt-BR" sz="3700" b="1">
+                <a:solidFill>
+                  <a:srgbClr val="002060"/>
+                </a:solidFill>
+                <a:latin typeface="Century Gothic" panose="020B0502020202020204" pitchFamily="34" charset="0"/>
+              </a:rPr>
+              <a:t>Laboratório de Engenharia de Software </a:t>
+            </a:r>
+          </a:p>
+          <a:p>
+            <a:pPr algn="ctr"/>
+            <a:br>
+              <a:rPr lang="pt-BR" sz="3700" b="1">
+                <a:solidFill>
+                  <a:srgbClr val="002060"/>
+                </a:solidFill>
+                <a:latin typeface="Century Gothic" panose="020B0502020202020204" pitchFamily="34" charset="0"/>
+              </a:rPr>
+            </a:br>
+            <a:r>
+              <a:rPr lang="pt-BR" sz="3700" b="1" err="1">
+                <a:solidFill>
+                  <a:srgbClr val="002060"/>
+                </a:solidFill>
+                <a:latin typeface="Century Gothic" panose="020B0502020202020204" pitchFamily="34" charset="0"/>
+              </a:rPr>
+              <a:t>GrowUp</a:t>
+            </a:r>
+            <a:endParaRPr lang="pt-BR" sz="3700" b="1">
+              <a:solidFill>
+                <a:srgbClr val="002060"/>
+              </a:solidFill>
+              <a:latin typeface="Century Gothic" panose="020B0502020202020204" pitchFamily="34" charset="0"/>
+            </a:endParaRPr>
+          </a:p>
+          <a:p>
+            <a:pPr algn="ctr"/>
+            <a:endParaRPr lang="pt-BR" sz="3700" b="1">
+              <a:solidFill>
+                <a:srgbClr val="002060"/>
+              </a:solidFill>
+              <a:latin typeface="Century Gothic" panose="020B0502020202020204" pitchFamily="34" charset="0"/>
+            </a:endParaRPr>
+          </a:p>
+          <a:p>
+            <a:pPr algn="ctr"/>
+            <a:r>
+              <a:rPr lang="pt-BR" sz="3700" b="1">
+                <a:solidFill>
+                  <a:srgbClr val="002060"/>
+                </a:solidFill>
+                <a:latin typeface="Century Gothic" panose="020B0502020202020204" pitchFamily="34" charset="0"/>
+              </a:rPr>
+              <a:t>Obrigado!</a:t>
+            </a:r>
+            <a:endParaRPr lang="pt-BR" sz="3600" b="1">
+              <a:solidFill>
+                <a:srgbClr val="002060"/>
+              </a:solidFill>
+              <a:latin typeface="Century Gothic" panose="020B0502020202020204" pitchFamily="34" charset="0"/>
+            </a:endParaRPr>
+          </a:p>
+        </p:txBody>
+      </p:sp>
+      <p:pic>
+        <p:nvPicPr>
+          <p:cNvPr id="7" name="Imagem 6" descr="logo-novo-cps-cor">
+            <a:extLst>
+              <a:ext uri="{FF2B5EF4-FFF2-40B4-BE49-F238E27FC236}">
+                <a16:creationId xmlns:a16="http://schemas.microsoft.com/office/drawing/2014/main" id="{0C00EA31-2DD5-4F53-9D69-98D4ADD9D842}"/>
+              </a:ext>
+            </a:extLst>
+          </p:cNvPr>
+          <p:cNvPicPr/>
+          <p:nvPr/>
+        </p:nvPicPr>
+        <p:blipFill>
+          <a:blip r:embed="rId2"/>
+          <a:srcRect/>
+          <a:stretch>
+            <a:fillRect/>
+          </a:stretch>
+        </p:blipFill>
+        <p:spPr bwMode="auto">
+          <a:xfrm>
+            <a:off x="3299298" y="103000"/>
+            <a:ext cx="5580660" cy="924809"/>
+          </a:xfrm>
+          <a:prstGeom prst="rect">
+            <a:avLst/>
+          </a:prstGeom>
+          <a:noFill/>
+          <a:ln w="9525">
+            <a:noFill/>
+            <a:miter lim="800000"/>
+            <a:headEnd/>
+            <a:tailEnd/>
+          </a:ln>
+        </p:spPr>
+      </p:pic>
+      <p:sp>
+        <p:nvSpPr>
+          <p:cNvPr id="8" name="Título 1">
+            <a:extLst>
+              <a:ext uri="{FF2B5EF4-FFF2-40B4-BE49-F238E27FC236}">
+                <a16:creationId xmlns:a16="http://schemas.microsoft.com/office/drawing/2014/main" id="{961F6963-9864-4982-BB08-2ACE44CC2B5E}"/>
+              </a:ext>
+            </a:extLst>
+          </p:cNvPr>
+          <p:cNvSpPr txBox="1">
+            <a:spLocks/>
+          </p:cNvSpPr>
+          <p:nvPr/>
+        </p:nvSpPr>
+        <p:spPr>
+          <a:xfrm>
+            <a:off x="2220191" y="4899997"/>
+            <a:ext cx="7751618" cy="1958003"/>
+          </a:xfrm>
+          <a:prstGeom prst="rect">
+            <a:avLst/>
+          </a:prstGeom>
+        </p:spPr>
+        <p:txBody>
+          <a:bodyPr vert="horz" lIns="91440" tIns="45720" rIns="91440" bIns="45720" rtlCol="0" anchor="ctr">
+            <a:normAutofit/>
+          </a:bodyPr>
+          <a:lstStyle>
+            <a:lvl1pPr algn="l" defTabSz="914400" rtl="0" eaLnBrk="1" latinLnBrk="0" hangingPunct="1">
+              <a:lnSpc>
+                <a:spcPct val="90000"/>
+              </a:lnSpc>
+              <a:spcBef>
+                <a:spcPct val="0"/>
+              </a:spcBef>
+              <a:buNone/>
+              <a:defRPr sz="4400" kern="1200">
+                <a:solidFill>
+                  <a:schemeClr val="tx1"/>
+                </a:solidFill>
+                <a:latin typeface="+mj-lt"/>
+                <a:ea typeface="+mj-ea"/>
+                <a:cs typeface="+mj-cs"/>
+              </a:defRPr>
+            </a:lvl1pPr>
+          </a:lstStyle>
+          <a:p>
+            <a:pPr algn="ctr"/>
+            <a:r>
+              <a:rPr lang="pt-BR" sz="2000" b="1">
+                <a:latin typeface="Century Gothic" panose="020B0502020202020204" pitchFamily="34" charset="0"/>
+              </a:rPr>
+              <a:t>Pablo Luiz de Oliveira Lessa Ribeiro</a:t>
+            </a:r>
+          </a:p>
+          <a:p>
+            <a:pPr algn="ctr"/>
+            <a:r>
+              <a:rPr lang="pt-BR" sz="2000" b="1">
+                <a:latin typeface="Century Gothic" panose="020B0502020202020204" pitchFamily="34" charset="0"/>
+              </a:rPr>
+              <a:t>Grupo: LS-025</a:t>
+            </a:r>
+          </a:p>
+        </p:txBody>
+      </p:sp>
+    </p:spTree>
+    <p:extLst>
+      <p:ext uri="{BB962C8B-B14F-4D97-AF65-F5344CB8AC3E}">
+        <p14:creationId xmlns:p14="http://schemas.microsoft.com/office/powerpoint/2010/main" val="2006994937"/>
+      </p:ext>
+    </p:extLst>
+  </p:cSld>
+  <p:clrMapOvr>
+    <a:masterClrMapping/>
+  </p:clrMapOvr>
+  <p:transition spd="slow">
+    <p:push dir="u"/>
+  </p:transition>
 </p:sld>
 </file>
 
@@ -45174,21 +47611,12 @@
 </file>
 
 <file path=customXml/item1.xml><?xml version="1.0" encoding="utf-8"?>
-<?mso-contentType ?>
-<FormTemplates xmlns="http://schemas.microsoft.com/sharepoint/v3/contenttype/forms">
-  <Display>DocumentLibraryForm</Display>
-  <Edit>DocumentLibraryForm</Edit>
-  <New>DocumentLibraryForm</New>
-</FormTemplates>
-</file>
-
-<file path=customXml/item2.xml><?xml version="1.0" encoding="utf-8"?>
 <p:properties xmlns:p="http://schemas.microsoft.com/office/2006/metadata/properties" xmlns:xsi="http://www.w3.org/2001/XMLSchema-instance" xmlns:pc="http://schemas.microsoft.com/office/infopath/2007/PartnerControls">
   <documentManagement/>
 </p:properties>
 </file>
 
-<file path=customXml/item3.xml><?xml version="1.0" encoding="utf-8"?>
+<file path=customXml/item2.xml><?xml version="1.0" encoding="utf-8"?>
 <ct:contentTypeSchema xmlns:ct="http://schemas.microsoft.com/office/2006/metadata/contentType" xmlns:ma="http://schemas.microsoft.com/office/2006/metadata/properties/metaAttributes" ct:_="" ma:_="" ma:contentTypeName="Documento" ma:contentTypeID="0x01010085A270631BE6E644B5ECC5E0934FDCEB" ma:contentTypeVersion="2" ma:contentTypeDescription="Crie um novo documento." ma:contentTypeScope="" ma:versionID="56d17dba05b3f077caaf6fbaef9a2f41">
   <xsd:schema xmlns:xsd="http://www.w3.org/2001/XMLSchema" xmlns:xs="http://www.w3.org/2001/XMLSchema" xmlns:p="http://schemas.microsoft.com/office/2006/metadata/properties" xmlns:ns2="f3537469-bef8-4b77-a6a4-28593039d778" targetNamespace="http://schemas.microsoft.com/office/2006/metadata/properties" ma:root="true" ma:fieldsID="dbdfc210a957e247984b62cd4c8d0f58" ns2:_="">
     <xsd:import namespace="f3537469-bef8-4b77-a6a4-28593039d778"/>
@@ -45320,31 +47748,32 @@
 </ct:contentTypeSchema>
 </file>
 
+<file path=customXml/item3.xml><?xml version="1.0" encoding="utf-8"?>
+<?mso-contentType ?>
+<FormTemplates xmlns="http://schemas.microsoft.com/sharepoint/v3/contenttype/forms">
+  <Display>DocumentLibraryForm</Display>
+  <Edit>DocumentLibraryForm</Edit>
+  <New>DocumentLibraryForm</New>
+</FormTemplates>
+</file>
+
 <file path=customXml/itemProps1.xml><?xml version="1.0" encoding="utf-8"?>
-<ds:datastoreItem xmlns:ds="http://schemas.openxmlformats.org/officeDocument/2006/customXml" ds:itemID="{2186BE49-4CCC-46AC-9CFF-A8FBB65234A6}">
+<ds:datastoreItem xmlns:ds="http://schemas.openxmlformats.org/officeDocument/2006/customXml" ds:itemID="{0A39EAF2-64C7-41A6-86C1-B422BB530D5D}">
   <ds:schemaRefs>
-    <ds:schemaRef ds:uri="http://schemas.microsoft.com/sharepoint/v3/contenttype/forms"/>
+    <ds:schemaRef ds:uri="http://www.w3.org/XML/1998/namespace"/>
+    <ds:schemaRef ds:uri="http://purl.org/dc/dcmitype/"/>
+    <ds:schemaRef ds:uri="http://schemas.microsoft.com/office/2006/documentManagement/types"/>
+    <ds:schemaRef ds:uri="http://purl.org/dc/elements/1.1/"/>
+    <ds:schemaRef ds:uri="http://schemas.microsoft.com/office/2006/metadata/properties"/>
+    <ds:schemaRef ds:uri="http://purl.org/dc/terms/"/>
+    <ds:schemaRef ds:uri="http://schemas.microsoft.com/office/infopath/2007/PartnerControls"/>
+    <ds:schemaRef ds:uri="http://schemas.openxmlformats.org/package/2006/metadata/core-properties"/>
+    <ds:schemaRef ds:uri="f3537469-bef8-4b77-a6a4-28593039d778"/>
   </ds:schemaRefs>
 </ds:datastoreItem>
 </file>
 
 <file path=customXml/itemProps2.xml><?xml version="1.0" encoding="utf-8"?>
-<ds:datastoreItem xmlns:ds="http://schemas.openxmlformats.org/officeDocument/2006/customXml" ds:itemID="{0A39EAF2-64C7-41A6-86C1-B422BB530D5D}">
-  <ds:schemaRefs>
-    <ds:schemaRef ds:uri="http://purl.org/dc/dcmitype/"/>
-    <ds:schemaRef ds:uri="http://www.w3.org/XML/1998/namespace"/>
-    <ds:schemaRef ds:uri="http://schemas.microsoft.com/office/2006/documentManagement/types"/>
-    <ds:schemaRef ds:uri="http://schemas.microsoft.com/office/2006/metadata/properties"/>
-    <ds:schemaRef ds:uri="http://purl.org/dc/elements/1.1/"/>
-    <ds:schemaRef ds:uri="f3537469-bef8-4b77-a6a4-28593039d778"/>
-    <ds:schemaRef ds:uri="http://purl.org/dc/terms/"/>
-    <ds:schemaRef ds:uri="http://schemas.microsoft.com/office/infopath/2007/PartnerControls"/>
-    <ds:schemaRef ds:uri="http://schemas.openxmlformats.org/package/2006/metadata/core-properties"/>
-  </ds:schemaRefs>
-</ds:datastoreItem>
-</file>
-
-<file path=customXml/itemProps3.xml><?xml version="1.0" encoding="utf-8"?>
 <ds:datastoreItem xmlns:ds="http://schemas.openxmlformats.org/officeDocument/2006/customXml" ds:itemID="{AE7AFCE7-D449-434D-BF96-9E32E1273F54}">
   <ds:schemaRefs>
     <ds:schemaRef ds:uri="f3537469-bef8-4b77-a6a4-28593039d778"/>
@@ -45360,4 +47789,12 @@
     <ds:schemaRef ds:uri="http://www.w3.org/2001/XMLSchema"/>
   </ds:schemaRefs>
 </ds:datastoreItem>
+</file>
+
+<file path=customXml/itemProps3.xml><?xml version="1.0" encoding="utf-8"?>
+<ds:datastoreItem xmlns:ds="http://schemas.openxmlformats.org/officeDocument/2006/customXml" ds:itemID="{2186BE49-4CCC-46AC-9CFF-A8FBB65234A6}">
+  <ds:schemaRefs>
+    <ds:schemaRef ds:uri="http://schemas.microsoft.com/sharepoint/v3/contenttype/forms"/>
+  </ds:schemaRefs>
+</ds:datastoreItem>
 </file>
--- a/APRESENTAÇÃO.pptx
+++ b/APRESENTAÇÃO.pptx
@@ -5,7 +5,7 @@
     <p:sldMasterId id="2147483648" r:id="rId4"/>
   </p:sldMasterIdLst>
   <p:notesMasterIdLst>
-    <p:notesMasterId r:id="rId52"/>
+    <p:notesMasterId r:id="rId58"/>
   </p:notesMasterIdLst>
   <p:sldIdLst>
     <p:sldId id="285" r:id="rId5"/>
@@ -53,8 +53,14 @@
     <p:sldId id="384" r:id="rId47"/>
     <p:sldId id="385" r:id="rId48"/>
     <p:sldId id="386" r:id="rId49"/>
-    <p:sldId id="351" r:id="rId50"/>
-    <p:sldId id="337" r:id="rId51"/>
+    <p:sldId id="389" r:id="rId50"/>
+    <p:sldId id="390" r:id="rId51"/>
+    <p:sldId id="387" r:id="rId52"/>
+    <p:sldId id="388" r:id="rId53"/>
+    <p:sldId id="392" r:id="rId54"/>
+    <p:sldId id="391" r:id="rId55"/>
+    <p:sldId id="351" r:id="rId56"/>
+    <p:sldId id="337" r:id="rId57"/>
   </p:sldIdLst>
   <p:sldSz cx="12192000" cy="6858000"/>
   <p:notesSz cx="6858000" cy="9144000"/>
@@ -243,7 +249,7 @@
           <a:p>
             <a:fld id="{E0F86D54-DA32-4249-B31F-DC73D06C51A2}" type="datetimeFigureOut">
               <a:rPr lang="pt-BR" smtClean="0"/>
-              <a:t>28/09/2020</a:t>
+              <a:t>17/11/2020</a:t>
             </a:fld>
             <a:endParaRPr lang="pt-BR"/>
           </a:p>
@@ -657,7 +663,7 @@
           <a:p>
             <a:fld id="{EF6E9D72-62BA-497E-9689-56B6877B0064}" type="datetime1">
               <a:rPr lang="pt-BR" smtClean="0"/>
-              <a:t>28/09/2020</a:t>
+              <a:t>17/11/2020</a:t>
             </a:fld>
             <a:endParaRPr lang="pt-BR"/>
           </a:p>
@@ -858,7 +864,7 @@
           <a:p>
             <a:fld id="{1CB300A0-DB27-4380-91DD-6542E8980ACE}" type="datetime1">
               <a:rPr lang="pt-BR" smtClean="0"/>
-              <a:t>28/09/2020</a:t>
+              <a:t>17/11/2020</a:t>
             </a:fld>
             <a:endParaRPr lang="pt-BR"/>
           </a:p>
@@ -1069,7 +1075,7 @@
           <a:p>
             <a:fld id="{D3360261-C254-4598-9AC4-63AA54618917}" type="datetime1">
               <a:rPr lang="pt-BR" smtClean="0"/>
-              <a:t>28/09/2020</a:t>
+              <a:t>17/11/2020</a:t>
             </a:fld>
             <a:endParaRPr lang="pt-BR"/>
           </a:p>
@@ -1270,7 +1276,7 @@
           <a:p>
             <a:fld id="{88BBAD8D-7423-4C20-8314-4D8E8E2C51AB}" type="datetime1">
               <a:rPr lang="pt-BR" smtClean="0"/>
-              <a:t>28/09/2020</a:t>
+              <a:t>17/11/2020</a:t>
             </a:fld>
             <a:endParaRPr lang="pt-BR"/>
           </a:p>
@@ -1548,7 +1554,7 @@
           <a:p>
             <a:fld id="{C73408C8-A3CD-4704-A663-06FB0D1DB7BB}" type="datetime1">
               <a:rPr lang="pt-BR" smtClean="0"/>
-              <a:t>28/09/2020</a:t>
+              <a:t>17/11/2020</a:t>
             </a:fld>
             <a:endParaRPr lang="pt-BR"/>
           </a:p>
@@ -1816,7 +1822,7 @@
           <a:p>
             <a:fld id="{03304D04-B014-4A71-A860-ADBAB45C6D34}" type="datetime1">
               <a:rPr lang="pt-BR" smtClean="0"/>
-              <a:t>28/09/2020</a:t>
+              <a:t>17/11/2020</a:t>
             </a:fld>
             <a:endParaRPr lang="pt-BR"/>
           </a:p>
@@ -2231,7 +2237,7 @@
           <a:p>
             <a:fld id="{45BF0DE9-11EE-4342-9141-49A83AFADE3E}" type="datetime1">
               <a:rPr lang="pt-BR" smtClean="0"/>
-              <a:t>28/09/2020</a:t>
+              <a:t>17/11/2020</a:t>
             </a:fld>
             <a:endParaRPr lang="pt-BR"/>
           </a:p>
@@ -2375,7 +2381,7 @@
           <a:p>
             <a:fld id="{559CB44C-219B-43EC-BAC1-C192D8E05653}" type="datetime1">
               <a:rPr lang="pt-BR" smtClean="0"/>
-              <a:t>28/09/2020</a:t>
+              <a:t>17/11/2020</a:t>
             </a:fld>
             <a:endParaRPr lang="pt-BR"/>
           </a:p>
@@ -2491,7 +2497,7 @@
           <a:p>
             <a:fld id="{68867202-4D13-4045-B60A-71B3778B605C}" type="datetime1">
               <a:rPr lang="pt-BR" smtClean="0"/>
-              <a:t>28/09/2020</a:t>
+              <a:t>17/11/2020</a:t>
             </a:fld>
             <a:endParaRPr lang="pt-BR"/>
           </a:p>
@@ -2805,7 +2811,7 @@
           <a:p>
             <a:fld id="{6A14D430-76D1-4CB5-9FA4-1397F74F79A6}" type="datetime1">
               <a:rPr lang="pt-BR" smtClean="0"/>
-              <a:t>28/09/2020</a:t>
+              <a:t>17/11/2020</a:t>
             </a:fld>
             <a:endParaRPr lang="pt-BR"/>
           </a:p>
@@ -3096,7 +3102,7 @@
           <a:p>
             <a:fld id="{7487368C-01CB-450C-88DE-7111879311AD}" type="datetime1">
               <a:rPr lang="pt-BR" smtClean="0"/>
-              <a:t>28/09/2020</a:t>
+              <a:t>17/11/2020</a:t>
             </a:fld>
             <a:endParaRPr lang="pt-BR"/>
           </a:p>
@@ -3340,7 +3346,7 @@
           <a:p>
             <a:fld id="{8AB9EB09-7393-43F0-9161-6BAD68D0F9C8}" type="datetime1">
               <a:rPr lang="pt-BR" smtClean="0"/>
-              <a:t>28/09/2020</a:t>
+              <a:t>17/11/2020</a:t>
             </a:fld>
             <a:endParaRPr lang="pt-BR"/>
           </a:p>
@@ -27520,7 +27526,7 @@
                 </a:solidFill>
                 <a:latin typeface="Century Gothic"/>
               </a:rPr>
-              <a:t>Segunda entrega: CRUD Venda</a:t>
+              <a:t>CRUD de Venda</a:t>
             </a:r>
             <a:endParaRPr lang="pt-BR" b="1" dirty="0">
               <a:solidFill>
@@ -28366,36 +28372,6 @@
           </a:prstGeom>
         </p:spPr>
       </p:pic>
-      <p:pic>
-        <p:nvPicPr>
-          <p:cNvPr id="7" name="Imagem 6">
-            <a:extLst>
-              <a:ext uri="{FF2B5EF4-FFF2-40B4-BE49-F238E27FC236}">
-                <a16:creationId xmlns:a16="http://schemas.microsoft.com/office/drawing/2014/main" id="{5A793369-8032-4493-A732-5C300AE54F63}"/>
-              </a:ext>
-            </a:extLst>
-          </p:cNvPr>
-          <p:cNvPicPr>
-            <a:picLocks noChangeAspect="1"/>
-          </p:cNvPicPr>
-          <p:nvPr/>
-        </p:nvPicPr>
-        <p:blipFill>
-          <a:blip r:embed="rId5"/>
-          <a:stretch>
-            <a:fillRect/>
-          </a:stretch>
-        </p:blipFill>
-        <p:spPr>
-          <a:xfrm>
-            <a:off x="0" y="860425"/>
-            <a:ext cx="12192000" cy="5137150"/>
-          </a:xfrm>
-          <a:prstGeom prst="rect">
-            <a:avLst/>
-          </a:prstGeom>
-        </p:spPr>
-      </p:pic>
     </p:spTree>
     <p:extLst>
       <p:ext uri="{BB962C8B-B14F-4D97-AF65-F5344CB8AC3E}">
@@ -29123,36 +29099,6 @@
           </a:prstGeom>
         </p:spPr>
       </p:pic>
-      <p:pic>
-        <p:nvPicPr>
-          <p:cNvPr id="8" name="Imagem 7">
-            <a:extLst>
-              <a:ext uri="{FF2B5EF4-FFF2-40B4-BE49-F238E27FC236}">
-                <a16:creationId xmlns:a16="http://schemas.microsoft.com/office/drawing/2014/main" id="{A6C3A906-0C6E-4FC0-A5E7-AE05A4CF03F8}"/>
-              </a:ext>
-            </a:extLst>
-          </p:cNvPr>
-          <p:cNvPicPr>
-            <a:picLocks noChangeAspect="1"/>
-          </p:cNvPicPr>
-          <p:nvPr/>
-        </p:nvPicPr>
-        <p:blipFill>
-          <a:blip r:embed="rId5"/>
-          <a:stretch>
-            <a:fillRect/>
-          </a:stretch>
-        </p:blipFill>
-        <p:spPr>
-          <a:xfrm>
-            <a:off x="0" y="476250"/>
-            <a:ext cx="12192000" cy="5905500"/>
-          </a:xfrm>
-          <a:prstGeom prst="rect">
-            <a:avLst/>
-          </a:prstGeom>
-        </p:spPr>
-      </p:pic>
     </p:spTree>
     <p:extLst>
       <p:ext uri="{BB962C8B-B14F-4D97-AF65-F5344CB8AC3E}">
@@ -29354,36 +29300,6 @@
       </p:pic>
       <p:pic>
         <p:nvPicPr>
-          <p:cNvPr id="8" name="Imagem 7">
-            <a:extLst>
-              <a:ext uri="{FF2B5EF4-FFF2-40B4-BE49-F238E27FC236}">
-                <a16:creationId xmlns:a16="http://schemas.microsoft.com/office/drawing/2014/main" id="{A6C3A906-0C6E-4FC0-A5E7-AE05A4CF03F8}"/>
-              </a:ext>
-            </a:extLst>
-          </p:cNvPr>
-          <p:cNvPicPr>
-            <a:picLocks noChangeAspect="1"/>
-          </p:cNvPicPr>
-          <p:nvPr/>
-        </p:nvPicPr>
-        <p:blipFill>
-          <a:blip r:embed="rId4"/>
-          <a:stretch>
-            <a:fillRect/>
-          </a:stretch>
-        </p:blipFill>
-        <p:spPr>
-          <a:xfrm>
-            <a:off x="0" y="1214804"/>
-            <a:ext cx="12192000" cy="5905500"/>
-          </a:xfrm>
-          <a:prstGeom prst="rect">
-            <a:avLst/>
-          </a:prstGeom>
-        </p:spPr>
-      </p:pic>
-      <p:pic>
-        <p:nvPicPr>
           <p:cNvPr id="10" name="Imagem 9">
             <a:extLst>
               <a:ext uri="{FF2B5EF4-FFF2-40B4-BE49-F238E27FC236}">
@@ -29397,7 +29313,7 @@
           <p:nvPr/>
         </p:nvPicPr>
         <p:blipFill>
-          <a:blip r:embed="rId5"/>
+          <a:blip r:embed="rId4"/>
           <a:stretch>
             <a:fillRect/>
           </a:stretch>
@@ -29900,36 +29816,6 @@
           </a:prstGeom>
         </p:spPr>
       </p:pic>
-      <p:pic>
-        <p:nvPicPr>
-          <p:cNvPr id="12" name="Imagem 11">
-            <a:extLst>
-              <a:ext uri="{FF2B5EF4-FFF2-40B4-BE49-F238E27FC236}">
-                <a16:creationId xmlns:a16="http://schemas.microsoft.com/office/drawing/2014/main" id="{7CEC8870-180F-4925-8705-81172FDACB2E}"/>
-              </a:ext>
-            </a:extLst>
-          </p:cNvPr>
-          <p:cNvPicPr>
-            <a:picLocks noChangeAspect="1"/>
-          </p:cNvPicPr>
-          <p:nvPr/>
-        </p:nvPicPr>
-        <p:blipFill>
-          <a:blip r:embed="rId5"/>
-          <a:stretch>
-            <a:fillRect/>
-          </a:stretch>
-        </p:blipFill>
-        <p:spPr>
-          <a:xfrm>
-            <a:off x="0" y="2559050"/>
-            <a:ext cx="12192000" cy="1739900"/>
-          </a:xfrm>
-          <a:prstGeom prst="rect">
-            <a:avLst/>
-          </a:prstGeom>
-        </p:spPr>
-      </p:pic>
     </p:spTree>
     <p:extLst>
       <p:ext uri="{BB962C8B-B14F-4D97-AF65-F5344CB8AC3E}">
@@ -30225,7 +30111,7 @@
                 </a:solidFill>
                 <a:latin typeface="Century Gothic"/>
               </a:rPr>
-              <a:t>Tela: Consultar pedidos</a:t>
+              <a:t>Tela: Listar pedidos</a:t>
             </a:r>
             <a:endParaRPr lang="pt-BR" b="1" dirty="0">
               <a:solidFill>
@@ -30448,281 +30334,19 @@
           <a:lstStyle/>
           <a:p>
             <a:r>
-              <a:rPr lang="pt-BR" b="1">
+              <a:rPr lang="pt-BR" b="1" dirty="0">
                 <a:solidFill>
                   <a:srgbClr val="002060"/>
                 </a:solidFill>
                 <a:latin typeface="Century Gothic"/>
               </a:rPr>
-              <a:t>Preço e forma de pagamento</a:t>
+              <a:t>Tela: Ver pedido</a:t>
             </a:r>
-            <a:endParaRPr lang="pt-BR" b="1">
+            <a:endParaRPr lang="pt-BR" b="1" dirty="0">
               <a:solidFill>
                 <a:srgbClr val="002060"/>
               </a:solidFill>
               <a:latin typeface="Century Gothic" panose="020B0502020202020204" pitchFamily="34" charset="0"/>
-            </a:endParaRPr>
-          </a:p>
-        </p:txBody>
-      </p:sp>
-      <p:sp>
-        <p:nvSpPr>
-          <p:cNvPr id="7" name="Content Placeholder 6">
-            <a:extLst>
-              <a:ext uri="{FF2B5EF4-FFF2-40B4-BE49-F238E27FC236}">
-                <a16:creationId xmlns:a16="http://schemas.microsoft.com/office/drawing/2014/main" id="{CAF04F12-0930-4925-93A7-E1E37CB1168F}"/>
-              </a:ext>
-            </a:extLst>
-          </p:cNvPr>
-          <p:cNvSpPr>
-            <a:spLocks noGrp="1"/>
-          </p:cNvSpPr>
-          <p:nvPr/>
-        </p:nvSpPr>
-        <p:spPr>
-          <a:xfrm>
-            <a:off x="523240" y="1496027"/>
-            <a:ext cx="10830560" cy="3753694"/>
-          </a:xfrm>
-          <a:prstGeom prst="rect">
-            <a:avLst/>
-          </a:prstGeom>
-        </p:spPr>
-        <p:txBody>
-          <a:bodyPr vert="horz" lIns="396000" tIns="45720" rIns="91440" bIns="45720" rtlCol="0" anchor="t">
-            <a:noAutofit/>
-          </a:bodyPr>
-          <a:lstStyle>
-            <a:lvl1pPr marL="0" indent="0" algn="l" defTabSz="914400" rtl="0" eaLnBrk="1" latinLnBrk="0" hangingPunct="1">
-              <a:lnSpc>
-                <a:spcPct val="90000"/>
-              </a:lnSpc>
-              <a:spcBef>
-                <a:spcPts val="1000"/>
-              </a:spcBef>
-              <a:buFont typeface="Arial" panose="020B0604020202020204" pitchFamily="34" charset="0"/>
-              <a:buNone/>
-              <a:defRPr sz="1400" kern="1200">
-                <a:solidFill>
-                  <a:schemeClr val="tx1">
-                    <a:lumMod val="75000"/>
-                    <a:lumOff val="25000"/>
-                  </a:schemeClr>
-                </a:solidFill>
-                <a:latin typeface="Arial" pitchFamily="34" charset="0"/>
-                <a:ea typeface="+mn-ea"/>
-                <a:cs typeface="Arial" pitchFamily="34" charset="0"/>
-              </a:defRPr>
-            </a:lvl1pPr>
-            <a:lvl2pPr marL="685800" indent="-228600" algn="l" defTabSz="914400" rtl="0" eaLnBrk="1" latinLnBrk="0" hangingPunct="1">
-              <a:lnSpc>
-                <a:spcPct val="90000"/>
-              </a:lnSpc>
-              <a:spcBef>
-                <a:spcPts val="500"/>
-              </a:spcBef>
-              <a:buFont typeface="Arial" panose="020B0604020202020204" pitchFamily="34" charset="0"/>
-              <a:buChar char="•"/>
-              <a:defRPr sz="2400" kern="1200">
-                <a:solidFill>
-                  <a:schemeClr val="tx1"/>
-                </a:solidFill>
-                <a:latin typeface="+mn-lt"/>
-                <a:ea typeface="+mn-ea"/>
-                <a:cs typeface="+mn-cs"/>
-              </a:defRPr>
-            </a:lvl2pPr>
-            <a:lvl3pPr marL="1143000" indent="-228600" algn="l" defTabSz="914400" rtl="0" eaLnBrk="1" latinLnBrk="0" hangingPunct="1">
-              <a:lnSpc>
-                <a:spcPct val="90000"/>
-              </a:lnSpc>
-              <a:spcBef>
-                <a:spcPts val="500"/>
-              </a:spcBef>
-              <a:buFont typeface="Arial" panose="020B0604020202020204" pitchFamily="34" charset="0"/>
-              <a:buChar char="•"/>
-              <a:defRPr sz="2000" kern="1200">
-                <a:solidFill>
-                  <a:schemeClr val="tx1"/>
-                </a:solidFill>
-                <a:latin typeface="+mn-lt"/>
-                <a:ea typeface="+mn-ea"/>
-                <a:cs typeface="+mn-cs"/>
-              </a:defRPr>
-            </a:lvl3pPr>
-            <a:lvl4pPr marL="1600200" indent="-228600" algn="l" defTabSz="914400" rtl="0" eaLnBrk="1" latinLnBrk="0" hangingPunct="1">
-              <a:lnSpc>
-                <a:spcPct val="90000"/>
-              </a:lnSpc>
-              <a:spcBef>
-                <a:spcPts val="500"/>
-              </a:spcBef>
-              <a:buFont typeface="Arial" panose="020B0604020202020204" pitchFamily="34" charset="0"/>
-              <a:buChar char="•"/>
-              <a:defRPr sz="1800" kern="1200">
-                <a:solidFill>
-                  <a:schemeClr val="tx1"/>
-                </a:solidFill>
-                <a:latin typeface="+mn-lt"/>
-                <a:ea typeface="+mn-ea"/>
-                <a:cs typeface="+mn-cs"/>
-              </a:defRPr>
-            </a:lvl4pPr>
-            <a:lvl5pPr marL="2057400" indent="-228600" algn="l" defTabSz="914400" rtl="0" eaLnBrk="1" latinLnBrk="0" hangingPunct="1">
-              <a:lnSpc>
-                <a:spcPct val="90000"/>
-              </a:lnSpc>
-              <a:spcBef>
-                <a:spcPts val="500"/>
-              </a:spcBef>
-              <a:buFont typeface="Arial" panose="020B0604020202020204" pitchFamily="34" charset="0"/>
-              <a:buChar char="•"/>
-              <a:defRPr sz="1800" kern="1200">
-                <a:solidFill>
-                  <a:schemeClr val="tx1"/>
-                </a:solidFill>
-                <a:latin typeface="+mn-lt"/>
-                <a:ea typeface="+mn-ea"/>
-                <a:cs typeface="+mn-cs"/>
-              </a:defRPr>
-            </a:lvl5pPr>
-            <a:lvl6pPr marL="2514600" indent="-228600" algn="l" defTabSz="914400" rtl="0" eaLnBrk="1" latinLnBrk="0" hangingPunct="1">
-              <a:lnSpc>
-                <a:spcPct val="90000"/>
-              </a:lnSpc>
-              <a:spcBef>
-                <a:spcPts val="500"/>
-              </a:spcBef>
-              <a:buFont typeface="Arial" panose="020B0604020202020204" pitchFamily="34" charset="0"/>
-              <a:buChar char="•"/>
-              <a:defRPr sz="1800" kern="1200">
-                <a:solidFill>
-                  <a:schemeClr val="tx1"/>
-                </a:solidFill>
-                <a:latin typeface="+mn-lt"/>
-                <a:ea typeface="+mn-ea"/>
-                <a:cs typeface="+mn-cs"/>
-              </a:defRPr>
-            </a:lvl6pPr>
-            <a:lvl7pPr marL="2971800" indent="-228600" algn="l" defTabSz="914400" rtl="0" eaLnBrk="1" latinLnBrk="0" hangingPunct="1">
-              <a:lnSpc>
-                <a:spcPct val="90000"/>
-              </a:lnSpc>
-              <a:spcBef>
-                <a:spcPts val="500"/>
-              </a:spcBef>
-              <a:buFont typeface="Arial" panose="020B0604020202020204" pitchFamily="34" charset="0"/>
-              <a:buChar char="•"/>
-              <a:defRPr sz="1800" kern="1200">
-                <a:solidFill>
-                  <a:schemeClr val="tx1"/>
-                </a:solidFill>
-                <a:latin typeface="+mn-lt"/>
-                <a:ea typeface="+mn-ea"/>
-                <a:cs typeface="+mn-cs"/>
-              </a:defRPr>
-            </a:lvl7pPr>
-            <a:lvl8pPr marL="3429000" indent="-228600" algn="l" defTabSz="914400" rtl="0" eaLnBrk="1" latinLnBrk="0" hangingPunct="1">
-              <a:lnSpc>
-                <a:spcPct val="90000"/>
-              </a:lnSpc>
-              <a:spcBef>
-                <a:spcPts val="500"/>
-              </a:spcBef>
-              <a:buFont typeface="Arial" panose="020B0604020202020204" pitchFamily="34" charset="0"/>
-              <a:buChar char="•"/>
-              <a:defRPr sz="1800" kern="1200">
-                <a:solidFill>
-                  <a:schemeClr val="tx1"/>
-                </a:solidFill>
-                <a:latin typeface="+mn-lt"/>
-                <a:ea typeface="+mn-ea"/>
-                <a:cs typeface="+mn-cs"/>
-              </a:defRPr>
-            </a:lvl8pPr>
-            <a:lvl9pPr marL="3886200" indent="-228600" algn="l" defTabSz="914400" rtl="0" eaLnBrk="1" latinLnBrk="0" hangingPunct="1">
-              <a:lnSpc>
-                <a:spcPct val="90000"/>
-              </a:lnSpc>
-              <a:spcBef>
-                <a:spcPts val="500"/>
-              </a:spcBef>
-              <a:buFont typeface="Arial" panose="020B0604020202020204" pitchFamily="34" charset="0"/>
-              <a:buChar char="•"/>
-              <a:defRPr sz="1800" kern="1200">
-                <a:solidFill>
-                  <a:schemeClr val="tx1"/>
-                </a:solidFill>
-                <a:latin typeface="+mn-lt"/>
-                <a:ea typeface="+mn-ea"/>
-                <a:cs typeface="+mn-cs"/>
-              </a:defRPr>
-            </a:lvl9pPr>
-          </a:lstStyle>
-          <a:p>
-            <a:pPr algn="just"/>
-            <a:r>
-              <a:rPr lang="pt-BR" altLang="ko-KR" sz="2000">
-                <a:solidFill>
-                  <a:schemeClr val="tx1"/>
-                </a:solidFill>
-                <a:latin typeface="Century Gothic"/>
-                <a:ea typeface="맑은 고딕" panose="020B0503020000020004" pitchFamily="34" charset="-127"/>
-              </a:rPr>
-              <a:t>Os valores informados nesta proposta já incluem os impostos incidentes sobre serviços (ISS, PIS, COFINS, CSSL e IRPJ). Valor total: </a:t>
-            </a:r>
-          </a:p>
-          <a:p>
-            <a:pPr algn="just"/>
-            <a:endParaRPr lang="pt-BR" altLang="ko-KR" sz="2000">
-              <a:solidFill>
-                <a:schemeClr val="tx1"/>
-              </a:solidFill>
-              <a:latin typeface="Century Gothic"/>
-              <a:ea typeface="맑은 고딕" panose="020B0503020000020004" pitchFamily="34" charset="-127"/>
-            </a:endParaRPr>
-          </a:p>
-          <a:p>
-            <a:pPr algn="just"/>
-            <a:endParaRPr lang="pt-BR" altLang="ko-KR" sz="2000">
-              <a:solidFill>
-                <a:schemeClr val="tx1"/>
-              </a:solidFill>
-              <a:latin typeface="Century Gothic"/>
-              <a:ea typeface="맑은 고딕" panose="020B0503020000020004" pitchFamily="34" charset="-127"/>
-            </a:endParaRPr>
-          </a:p>
-          <a:p>
-            <a:pPr algn="just"/>
-            <a:endParaRPr lang="pt-BR" altLang="ko-KR" sz="2000">
-              <a:solidFill>
-                <a:schemeClr val="tx1"/>
-              </a:solidFill>
-              <a:latin typeface="Century Gothic"/>
-              <a:ea typeface="맑은 고딕" panose="020B0503020000020004" pitchFamily="34" charset="-127"/>
-            </a:endParaRPr>
-          </a:p>
-          <a:p>
-            <a:pPr algn="just"/>
-            <a:r>
-              <a:rPr lang="pt-BR" altLang="ko-KR" sz="2000">
-                <a:solidFill>
-                  <a:schemeClr val="tx1"/>
-                </a:solidFill>
-                <a:latin typeface="Century Gothic"/>
-                <a:ea typeface="맑은 고딕" panose="020B0503020000020004" pitchFamily="34" charset="-127"/>
-              </a:rPr>
-              <a:t>O pagamento será dividido em quatro parcelas iguais. Sendo que a última parcela estará vinculada ao aceite da entrega final do projeto:</a:t>
-            </a:r>
-          </a:p>
-          <a:p>
-            <a:pPr algn="just"/>
-            <a:endParaRPr lang="pt-BR" altLang="ko-KR" sz="2000">
-              <a:solidFill>
-                <a:schemeClr val="tx1"/>
-              </a:solidFill>
-              <a:latin typeface="Century Gothic"/>
-              <a:ea typeface="맑은 고딕" panose="020B0503020000020004" pitchFamily="34" charset="-127"/>
             </a:endParaRPr>
           </a:p>
         </p:txBody>
@@ -30813,1749 +30437,12 @@
           </a:p>
         </p:txBody>
       </p:sp>
-      <p:graphicFrame>
-        <p:nvGraphicFramePr>
-          <p:cNvPr id="4" name="Tabela 4">
+      <p:pic>
+        <p:nvPicPr>
+          <p:cNvPr id="9" name="Imagem 8" descr="Uma imagem contendo texto, homem, screenshot, em pé&#10;&#10;Descrição gerada automaticamente">
             <a:extLst>
               <a:ext uri="{FF2B5EF4-FFF2-40B4-BE49-F238E27FC236}">
-                <a16:creationId xmlns:a16="http://schemas.microsoft.com/office/drawing/2014/main" id="{799B4115-AB34-4B72-88FD-93B763BDA13D}"/>
-              </a:ext>
-            </a:extLst>
-          </p:cNvPr>
-          <p:cNvGraphicFramePr>
-            <a:graphicFrameLocks noGrp="1"/>
-          </p:cNvGraphicFramePr>
-          <p:nvPr>
-            <p:extLst>
-              <p:ext uri="{D42A27DB-BD31-4B8C-83A1-F6EECF244321}">
-                <p14:modId xmlns:p14="http://schemas.microsoft.com/office/powerpoint/2010/main" val="2308319116"/>
-              </p:ext>
-            </p:extLst>
-          </p:nvPr>
-        </p:nvGraphicFramePr>
-        <p:xfrm>
-          <a:off x="838201" y="2325952"/>
-          <a:ext cx="10515599" cy="883708"/>
-        </p:xfrm>
-        <a:graphic>
-          <a:graphicData uri="http://schemas.openxmlformats.org/drawingml/2006/table">
-            <a:tbl>
-              <a:tblPr firstRow="1" bandRow="1">
-                <a:tableStyleId>{5C22544A-7EE6-4342-B048-85BDC9FD1C3A}</a:tableStyleId>
-              </a:tblPr>
-              <a:tblGrid>
-                <a:gridCol w="7443393">
-                  <a:extLst>
-                    <a:ext uri="{9D8B030D-6E8A-4147-A177-3AD203B41FA5}">
-                      <a16:colId xmlns:a16="http://schemas.microsoft.com/office/drawing/2014/main" val="668136959"/>
-                    </a:ext>
-                  </a:extLst>
-                </a:gridCol>
-                <a:gridCol w="3072206">
-                  <a:extLst>
-                    <a:ext uri="{9D8B030D-6E8A-4147-A177-3AD203B41FA5}">
-                      <a16:colId xmlns:a16="http://schemas.microsoft.com/office/drawing/2014/main" val="1552878829"/>
-                    </a:ext>
-                  </a:extLst>
-                </a:gridCol>
-              </a:tblGrid>
-              <a:tr h="441854">
-                <a:tc>
-                  <a:txBody>
-                    <a:bodyPr/>
-                    <a:lstStyle/>
-                    <a:p>
-                      <a:pPr algn="ctr"/>
-                      <a:r>
-                        <a:rPr lang="pt-BR" sz="1200" b="1">
-                          <a:solidFill>
-                            <a:schemeClr val="bg2"/>
-                          </a:solidFill>
-                          <a:latin typeface="Century Gothic" panose="020B0502020202020204" pitchFamily="34" charset="0"/>
-                        </a:rPr>
-                        <a:t>Descrição</a:t>
-                      </a:r>
-                    </a:p>
-                  </a:txBody>
-                  <a:tcPr anchor="ctr">
-                    <a:lnL w="12700" cap="flat" cmpd="sng" algn="ctr">
-                      <a:solidFill>
-                        <a:schemeClr val="tx1"/>
-                      </a:solidFill>
-                      <a:prstDash val="solid"/>
-                      <a:round/>
-                      <a:headEnd type="none" w="med" len="med"/>
-                      <a:tailEnd type="none" w="med" len="med"/>
-                    </a:lnL>
-                    <a:lnR w="12700" cap="flat" cmpd="sng" algn="ctr">
-                      <a:solidFill>
-                        <a:schemeClr val="tx1"/>
-                      </a:solidFill>
-                      <a:prstDash val="solid"/>
-                      <a:round/>
-                      <a:headEnd type="none" w="med" len="med"/>
-                      <a:tailEnd type="none" w="med" len="med"/>
-                    </a:lnR>
-                    <a:lnT w="12700" cap="flat" cmpd="sng" algn="ctr">
-                      <a:solidFill>
-                        <a:schemeClr val="tx1"/>
-                      </a:solidFill>
-                      <a:prstDash val="solid"/>
-                      <a:round/>
-                      <a:headEnd type="none" w="med" len="med"/>
-                      <a:tailEnd type="none" w="med" len="med"/>
-                    </a:lnT>
-                    <a:lnB w="12700" cap="flat" cmpd="sng" algn="ctr">
-                      <a:solidFill>
-                        <a:schemeClr val="tx1"/>
-                      </a:solidFill>
-                      <a:prstDash val="solid"/>
-                      <a:round/>
-                      <a:headEnd type="none" w="med" len="med"/>
-                      <a:tailEnd type="none" w="med" len="med"/>
-                    </a:lnB>
-                    <a:solidFill>
-                      <a:srgbClr val="002060"/>
-                    </a:solidFill>
-                  </a:tcPr>
-                </a:tc>
-                <a:tc>
-                  <a:txBody>
-                    <a:bodyPr/>
-                    <a:lstStyle/>
-                    <a:p>
-                      <a:pPr algn="ctr"/>
-                      <a:r>
-                        <a:rPr lang="pt-BR" sz="1200" b="1">
-                          <a:solidFill>
-                            <a:schemeClr val="bg2"/>
-                          </a:solidFill>
-                          <a:latin typeface="Century Gothic" panose="020B0502020202020204" pitchFamily="34" charset="0"/>
-                        </a:rPr>
-                        <a:t>Valor total</a:t>
-                      </a:r>
-                      <a:endParaRPr lang="pt-BR"/>
-                    </a:p>
-                  </a:txBody>
-                  <a:tcPr anchor="ctr">
-                    <a:lnL w="12700" cap="flat" cmpd="sng" algn="ctr">
-                      <a:solidFill>
-                        <a:schemeClr val="tx1"/>
-                      </a:solidFill>
-                      <a:prstDash val="solid"/>
-                      <a:round/>
-                      <a:headEnd type="none" w="med" len="med"/>
-                      <a:tailEnd type="none" w="med" len="med"/>
-                    </a:lnL>
-                    <a:lnR w="12700" cap="flat" cmpd="sng" algn="ctr">
-                      <a:solidFill>
-                        <a:schemeClr val="tx1"/>
-                      </a:solidFill>
-                      <a:prstDash val="solid"/>
-                      <a:round/>
-                      <a:headEnd type="none" w="med" len="med"/>
-                      <a:tailEnd type="none" w="med" len="med"/>
-                    </a:lnR>
-                    <a:lnT w="12700" cap="flat" cmpd="sng" algn="ctr">
-                      <a:solidFill>
-                        <a:schemeClr val="tx1"/>
-                      </a:solidFill>
-                      <a:prstDash val="solid"/>
-                      <a:round/>
-                      <a:headEnd type="none" w="med" len="med"/>
-                      <a:tailEnd type="none" w="med" len="med"/>
-                    </a:lnT>
-                    <a:lnB w="12700" cap="flat" cmpd="sng" algn="ctr">
-                      <a:solidFill>
-                        <a:schemeClr val="tx1"/>
-                      </a:solidFill>
-                      <a:prstDash val="solid"/>
-                      <a:round/>
-                      <a:headEnd type="none" w="med" len="med"/>
-                      <a:tailEnd type="none" w="med" len="med"/>
-                    </a:lnB>
-                    <a:solidFill>
-                      <a:srgbClr val="002060"/>
-                    </a:solidFill>
-                  </a:tcPr>
-                </a:tc>
-                <a:extLst>
-                  <a:ext uri="{0D108BD9-81ED-4DB2-BD59-A6C34878D82A}">
-                    <a16:rowId xmlns:a16="http://schemas.microsoft.com/office/drawing/2014/main" val="1643989339"/>
-                  </a:ext>
-                </a:extLst>
-              </a:tr>
-              <a:tr h="441854">
-                <a:tc>
-                  <a:txBody>
-                    <a:bodyPr/>
-                    <a:lstStyle/>
-                    <a:p>
-                      <a:pPr algn="ctr" fontAlgn="ctr"/>
-                      <a:r>
-                        <a:rPr lang="pt-BR" sz="1200" b="0" i="0" u="none" strike="noStrike">
-                          <a:solidFill>
-                            <a:schemeClr val="tx1"/>
-                          </a:solidFill>
-                          <a:effectLst/>
-                          <a:latin typeface="Calibri" panose="020F0502020204030204" pitchFamily="34" charset="0"/>
-                        </a:rPr>
-                        <a:t>ECOMMERCE BUIATCHAKA GAMES</a:t>
-                      </a:r>
-                    </a:p>
-                  </a:txBody>
-                  <a:tcPr marL="9525" marR="9525" marT="9525" marB="0" anchor="ctr">
-                    <a:lnL w="12700" cap="flat" cmpd="sng" algn="ctr">
-                      <a:solidFill>
-                        <a:schemeClr val="tx1"/>
-                      </a:solidFill>
-                      <a:prstDash val="solid"/>
-                      <a:round/>
-                      <a:headEnd type="none" w="med" len="med"/>
-                      <a:tailEnd type="none" w="med" len="med"/>
-                    </a:lnL>
-                    <a:lnR w="12700" cap="flat" cmpd="sng" algn="ctr">
-                      <a:solidFill>
-                        <a:schemeClr val="tx1"/>
-                      </a:solidFill>
-                      <a:prstDash val="solid"/>
-                      <a:round/>
-                      <a:headEnd type="none" w="med" len="med"/>
-                      <a:tailEnd type="none" w="med" len="med"/>
-                    </a:lnR>
-                    <a:lnT w="12700" cap="flat" cmpd="sng" algn="ctr">
-                      <a:solidFill>
-                        <a:schemeClr val="tx1"/>
-                      </a:solidFill>
-                      <a:prstDash val="solid"/>
-                      <a:round/>
-                      <a:headEnd type="none" w="med" len="med"/>
-                      <a:tailEnd type="none" w="med" len="med"/>
-                    </a:lnT>
-                    <a:lnB w="12700" cap="flat" cmpd="sng" algn="ctr">
-                      <a:solidFill>
-                        <a:schemeClr val="tx1"/>
-                      </a:solidFill>
-                      <a:prstDash val="solid"/>
-                      <a:round/>
-                      <a:headEnd type="none" w="med" len="med"/>
-                      <a:tailEnd type="none" w="med" len="med"/>
-                    </a:lnB>
-                  </a:tcPr>
-                </a:tc>
-                <a:tc>
-                  <a:txBody>
-                    <a:bodyPr/>
-                    <a:lstStyle/>
-                    <a:p>
-                      <a:pPr algn="ctr" fontAlgn="ctr"/>
-                      <a:r>
-                        <a:rPr lang="pt-BR" sz="1200" b="0" i="0" u="none" strike="noStrike">
-                          <a:solidFill>
-                            <a:schemeClr val="tx1"/>
-                          </a:solidFill>
-                          <a:effectLst/>
-                          <a:latin typeface="Calibri" panose="020F0502020204030204" pitchFamily="34" charset="0"/>
-                        </a:rPr>
-                        <a:t>R$ 70.640,00</a:t>
-                      </a:r>
-                    </a:p>
-                  </a:txBody>
-                  <a:tcPr marL="9525" marR="9525" marT="9525" marB="0" anchor="ctr">
-                    <a:lnL w="12700" cap="flat" cmpd="sng" algn="ctr">
-                      <a:solidFill>
-                        <a:schemeClr val="tx1"/>
-                      </a:solidFill>
-                      <a:prstDash val="solid"/>
-                      <a:round/>
-                      <a:headEnd type="none" w="med" len="med"/>
-                      <a:tailEnd type="none" w="med" len="med"/>
-                    </a:lnL>
-                    <a:lnR w="12700" cap="flat" cmpd="sng" algn="ctr">
-                      <a:solidFill>
-                        <a:schemeClr val="tx1"/>
-                      </a:solidFill>
-                      <a:prstDash val="solid"/>
-                      <a:round/>
-                      <a:headEnd type="none" w="med" len="med"/>
-                      <a:tailEnd type="none" w="med" len="med"/>
-                    </a:lnR>
-                    <a:lnT w="12700" cap="flat" cmpd="sng" algn="ctr">
-                      <a:solidFill>
-                        <a:schemeClr val="tx1"/>
-                      </a:solidFill>
-                      <a:prstDash val="solid"/>
-                      <a:round/>
-                      <a:headEnd type="none" w="med" len="med"/>
-                      <a:tailEnd type="none" w="med" len="med"/>
-                    </a:lnT>
-                    <a:lnB w="12700" cap="flat" cmpd="sng" algn="ctr">
-                      <a:solidFill>
-                        <a:schemeClr val="tx1"/>
-                      </a:solidFill>
-                      <a:prstDash val="solid"/>
-                      <a:round/>
-                      <a:headEnd type="none" w="med" len="med"/>
-                      <a:tailEnd type="none" w="med" len="med"/>
-                    </a:lnB>
-                  </a:tcPr>
-                </a:tc>
-                <a:extLst>
-                  <a:ext uri="{0D108BD9-81ED-4DB2-BD59-A6C34878D82A}">
-                    <a16:rowId xmlns:a16="http://schemas.microsoft.com/office/drawing/2014/main" val="164761615"/>
-                  </a:ext>
-                </a:extLst>
-              </a:tr>
-            </a:tbl>
-          </a:graphicData>
-        </a:graphic>
-      </p:graphicFrame>
-      <p:graphicFrame>
-        <p:nvGraphicFramePr>
-          <p:cNvPr id="11" name="Tabela 4">
-            <a:extLst>
-              <a:ext uri="{FF2B5EF4-FFF2-40B4-BE49-F238E27FC236}">
-                <a16:creationId xmlns:a16="http://schemas.microsoft.com/office/drawing/2014/main" id="{381DA933-18D4-4640-BAB8-09AF14827847}"/>
-              </a:ext>
-            </a:extLst>
-          </p:cNvPr>
-          <p:cNvGraphicFramePr>
-            <a:graphicFrameLocks noGrp="1"/>
-          </p:cNvGraphicFramePr>
-          <p:nvPr>
-            <p:extLst>
-              <p:ext uri="{D42A27DB-BD31-4B8C-83A1-F6EECF244321}">
-                <p14:modId xmlns:p14="http://schemas.microsoft.com/office/powerpoint/2010/main" val="1106011318"/>
-              </p:ext>
-            </p:extLst>
-          </p:nvPr>
-        </p:nvGraphicFramePr>
-        <p:xfrm>
-          <a:off x="838200" y="4084172"/>
-          <a:ext cx="10515595" cy="2224616"/>
-        </p:xfrm>
-        <a:graphic>
-          <a:graphicData uri="http://schemas.openxmlformats.org/drawingml/2006/table">
-            <a:tbl>
-              <a:tblPr firstRow="1" bandRow="1">
-                <a:tableStyleId>{5C22544A-7EE6-4342-B048-85BDC9FD1C3A}</a:tableStyleId>
-              </a:tblPr>
-              <a:tblGrid>
-                <a:gridCol w="3081274">
-                  <a:extLst>
-                    <a:ext uri="{9D8B030D-6E8A-4147-A177-3AD203B41FA5}">
-                      <a16:colId xmlns:a16="http://schemas.microsoft.com/office/drawing/2014/main" val="668136959"/>
-                    </a:ext>
-                  </a:extLst>
-                </a:gridCol>
-                <a:gridCol w="3081274">
-                  <a:extLst>
-                    <a:ext uri="{9D8B030D-6E8A-4147-A177-3AD203B41FA5}">
-                      <a16:colId xmlns:a16="http://schemas.microsoft.com/office/drawing/2014/main" val="1560634046"/>
-                    </a:ext>
-                  </a:extLst>
-                </a:gridCol>
-                <a:gridCol w="3081274">
-                  <a:extLst>
-                    <a:ext uri="{9D8B030D-6E8A-4147-A177-3AD203B41FA5}">
-                      <a16:colId xmlns:a16="http://schemas.microsoft.com/office/drawing/2014/main" val="4116290467"/>
-                    </a:ext>
-                  </a:extLst>
-                </a:gridCol>
-                <a:gridCol w="1271773">
-                  <a:extLst>
-                    <a:ext uri="{9D8B030D-6E8A-4147-A177-3AD203B41FA5}">
-                      <a16:colId xmlns:a16="http://schemas.microsoft.com/office/drawing/2014/main" val="1552878829"/>
-                    </a:ext>
-                  </a:extLst>
-                </a:gridCol>
-              </a:tblGrid>
-              <a:tr h="441854">
-                <a:tc>
-                  <a:txBody>
-                    <a:bodyPr/>
-                    <a:lstStyle/>
-                    <a:p>
-                      <a:pPr algn="ctr"/>
-                      <a:r>
-                        <a:rPr lang="pt-BR" sz="1200" b="1">
-                          <a:solidFill>
-                            <a:schemeClr val="bg2"/>
-                          </a:solidFill>
-                          <a:latin typeface="Century Gothic" panose="020B0502020202020204" pitchFamily="34" charset="0"/>
-                        </a:rPr>
-                        <a:t>Descrição</a:t>
-                      </a:r>
-                    </a:p>
-                  </a:txBody>
-                  <a:tcPr anchor="ctr">
-                    <a:lnL w="12700" cap="flat" cmpd="sng" algn="ctr">
-                      <a:solidFill>
-                        <a:schemeClr val="tx1"/>
-                      </a:solidFill>
-                      <a:prstDash val="solid"/>
-                      <a:round/>
-                      <a:headEnd type="none" w="med" len="med"/>
-                      <a:tailEnd type="none" w="med" len="med"/>
-                    </a:lnL>
-                    <a:lnR w="12700" cap="flat" cmpd="sng" algn="ctr">
-                      <a:solidFill>
-                        <a:schemeClr val="tx1"/>
-                      </a:solidFill>
-                      <a:prstDash val="solid"/>
-                      <a:round/>
-                      <a:headEnd type="none" w="med" len="med"/>
-                      <a:tailEnd type="none" w="med" len="med"/>
-                    </a:lnR>
-                    <a:lnT w="12700" cap="flat" cmpd="sng" algn="ctr">
-                      <a:solidFill>
-                        <a:schemeClr val="tx1"/>
-                      </a:solidFill>
-                      <a:prstDash val="solid"/>
-                      <a:round/>
-                      <a:headEnd type="none" w="med" len="med"/>
-                      <a:tailEnd type="none" w="med" len="med"/>
-                    </a:lnT>
-                    <a:lnB w="12700" cap="flat" cmpd="sng" algn="ctr">
-                      <a:solidFill>
-                        <a:schemeClr val="tx1"/>
-                      </a:solidFill>
-                      <a:prstDash val="solid"/>
-                      <a:round/>
-                      <a:headEnd type="none" w="med" len="med"/>
-                      <a:tailEnd type="none" w="med" len="med"/>
-                    </a:lnB>
-                    <a:solidFill>
-                      <a:srgbClr val="002060"/>
-                    </a:solidFill>
-                  </a:tcPr>
-                </a:tc>
-                <a:tc>
-                  <a:txBody>
-                    <a:bodyPr/>
-                    <a:lstStyle/>
-                    <a:p>
-                      <a:pPr algn="ctr"/>
-                      <a:r>
-                        <a:rPr lang="pt-BR" sz="1200" b="1">
-                          <a:solidFill>
-                            <a:schemeClr val="bg2"/>
-                          </a:solidFill>
-                          <a:latin typeface="Century Gothic" panose="020B0502020202020204" pitchFamily="34" charset="0"/>
-                        </a:rPr>
-                        <a:t>Valor do faturamento</a:t>
-                      </a:r>
-                    </a:p>
-                  </a:txBody>
-                  <a:tcPr anchor="ctr">
-                    <a:lnL w="12700" cap="flat" cmpd="sng" algn="ctr">
-                      <a:solidFill>
-                        <a:schemeClr val="tx1"/>
-                      </a:solidFill>
-                      <a:prstDash val="solid"/>
-                      <a:round/>
-                      <a:headEnd type="none" w="med" len="med"/>
-                      <a:tailEnd type="none" w="med" len="med"/>
-                    </a:lnL>
-                    <a:lnR w="12700" cap="flat" cmpd="sng" algn="ctr">
-                      <a:solidFill>
-                        <a:schemeClr val="tx1"/>
-                      </a:solidFill>
-                      <a:prstDash val="solid"/>
-                      <a:round/>
-                      <a:headEnd type="none" w="med" len="med"/>
-                      <a:tailEnd type="none" w="med" len="med"/>
-                    </a:lnR>
-                    <a:lnT w="12700" cap="flat" cmpd="sng" algn="ctr">
-                      <a:solidFill>
-                        <a:schemeClr val="tx1"/>
-                      </a:solidFill>
-                      <a:prstDash val="solid"/>
-                      <a:round/>
-                      <a:headEnd type="none" w="med" len="med"/>
-                      <a:tailEnd type="none" w="med" len="med"/>
-                    </a:lnT>
-                    <a:lnB w="12700" cap="flat" cmpd="sng" algn="ctr">
-                      <a:solidFill>
-                        <a:schemeClr val="tx1"/>
-                      </a:solidFill>
-                      <a:prstDash val="solid"/>
-                      <a:round/>
-                      <a:headEnd type="none" w="med" len="med"/>
-                      <a:tailEnd type="none" w="med" len="med"/>
-                    </a:lnB>
-                    <a:solidFill>
-                      <a:srgbClr val="002060"/>
-                    </a:solidFill>
-                  </a:tcPr>
-                </a:tc>
-                <a:tc>
-                  <a:txBody>
-                    <a:bodyPr/>
-                    <a:lstStyle/>
-                    <a:p>
-                      <a:pPr algn="ctr"/>
-                      <a:r>
-                        <a:rPr lang="pt-BR" sz="1200" b="1">
-                          <a:solidFill>
-                            <a:schemeClr val="bg2"/>
-                          </a:solidFill>
-                          <a:latin typeface="Century Gothic" panose="020B0502020202020204" pitchFamily="34" charset="0"/>
-                        </a:rPr>
-                        <a:t>Data do faturamento</a:t>
-                      </a:r>
-                    </a:p>
-                  </a:txBody>
-                  <a:tcPr anchor="ctr">
-                    <a:lnL w="12700" cap="flat" cmpd="sng" algn="ctr">
-                      <a:solidFill>
-                        <a:schemeClr val="tx1"/>
-                      </a:solidFill>
-                      <a:prstDash val="solid"/>
-                      <a:round/>
-                      <a:headEnd type="none" w="med" len="med"/>
-                      <a:tailEnd type="none" w="med" len="med"/>
-                    </a:lnL>
-                    <a:lnR w="12700" cap="flat" cmpd="sng" algn="ctr">
-                      <a:solidFill>
-                        <a:schemeClr val="tx1"/>
-                      </a:solidFill>
-                      <a:prstDash val="solid"/>
-                      <a:round/>
-                      <a:headEnd type="none" w="med" len="med"/>
-                      <a:tailEnd type="none" w="med" len="med"/>
-                    </a:lnR>
-                    <a:lnT w="12700" cap="flat" cmpd="sng" algn="ctr">
-                      <a:solidFill>
-                        <a:schemeClr val="tx1"/>
-                      </a:solidFill>
-                      <a:prstDash val="solid"/>
-                      <a:round/>
-                      <a:headEnd type="none" w="med" len="med"/>
-                      <a:tailEnd type="none" w="med" len="med"/>
-                    </a:lnT>
-                    <a:lnB w="12700" cap="flat" cmpd="sng" algn="ctr">
-                      <a:solidFill>
-                        <a:schemeClr val="tx1"/>
-                      </a:solidFill>
-                      <a:prstDash val="solid"/>
-                      <a:round/>
-                      <a:headEnd type="none" w="med" len="med"/>
-                      <a:tailEnd type="none" w="med" len="med"/>
-                    </a:lnB>
-                    <a:solidFill>
-                      <a:srgbClr val="002060"/>
-                    </a:solidFill>
-                  </a:tcPr>
-                </a:tc>
-                <a:tc>
-                  <a:txBody>
-                    <a:bodyPr/>
-                    <a:lstStyle/>
-                    <a:p>
-                      <a:pPr algn="ctr"/>
-                      <a:r>
-                        <a:rPr lang="pt-BR" sz="1200" b="1">
-                          <a:solidFill>
-                            <a:schemeClr val="bg2"/>
-                          </a:solidFill>
-                          <a:latin typeface="Century Gothic" panose="020B0502020202020204" pitchFamily="34" charset="0"/>
-                        </a:rPr>
-                        <a:t>Data do pagamento</a:t>
-                      </a:r>
-                      <a:endParaRPr lang="pt-BR"/>
-                    </a:p>
-                  </a:txBody>
-                  <a:tcPr anchor="ctr">
-                    <a:lnL w="12700" cap="flat" cmpd="sng" algn="ctr">
-                      <a:solidFill>
-                        <a:schemeClr val="tx1"/>
-                      </a:solidFill>
-                      <a:prstDash val="solid"/>
-                      <a:round/>
-                      <a:headEnd type="none" w="med" len="med"/>
-                      <a:tailEnd type="none" w="med" len="med"/>
-                    </a:lnL>
-                    <a:lnR w="12700" cap="flat" cmpd="sng" algn="ctr">
-                      <a:solidFill>
-                        <a:schemeClr val="tx1"/>
-                      </a:solidFill>
-                      <a:prstDash val="solid"/>
-                      <a:round/>
-                      <a:headEnd type="none" w="med" len="med"/>
-                      <a:tailEnd type="none" w="med" len="med"/>
-                    </a:lnR>
-                    <a:lnT w="12700" cap="flat" cmpd="sng" algn="ctr">
-                      <a:solidFill>
-                        <a:schemeClr val="tx1"/>
-                      </a:solidFill>
-                      <a:prstDash val="solid"/>
-                      <a:round/>
-                      <a:headEnd type="none" w="med" len="med"/>
-                      <a:tailEnd type="none" w="med" len="med"/>
-                    </a:lnT>
-                    <a:lnB w="12700" cap="flat" cmpd="sng" algn="ctr">
-                      <a:solidFill>
-                        <a:schemeClr val="tx1"/>
-                      </a:solidFill>
-                      <a:prstDash val="solid"/>
-                      <a:round/>
-                      <a:headEnd type="none" w="med" len="med"/>
-                      <a:tailEnd type="none" w="med" len="med"/>
-                    </a:lnB>
-                    <a:solidFill>
-                      <a:srgbClr val="002060"/>
-                    </a:solidFill>
-                  </a:tcPr>
-                </a:tc>
-                <a:extLst>
-                  <a:ext uri="{0D108BD9-81ED-4DB2-BD59-A6C34878D82A}">
-                    <a16:rowId xmlns:a16="http://schemas.microsoft.com/office/drawing/2014/main" val="1643989339"/>
-                  </a:ext>
-                </a:extLst>
-              </a:tr>
-              <a:tr h="441854">
-                <a:tc>
-                  <a:txBody>
-                    <a:bodyPr/>
-                    <a:lstStyle/>
-                    <a:p>
-                      <a:pPr algn="ctr">
-                        <a:lnSpc>
-                          <a:spcPct val="115000"/>
-                        </a:lnSpc>
-                        <a:spcAft>
-                          <a:spcPts val="1000"/>
-                        </a:spcAft>
-                      </a:pPr>
-                      <a:r>
-                        <a:rPr lang="pt-BR" sz="1200">
-                          <a:effectLst/>
-                          <a:latin typeface="Calibri" panose="020F0502020204030204" pitchFamily="34" charset="0"/>
-                          <a:ea typeface="Abadi Extra Light" panose="020B0204020104020204" pitchFamily="34" charset="0"/>
-                          <a:cs typeface="Calibri" panose="020F0502020204030204" pitchFamily="34" charset="0"/>
-                        </a:rPr>
-                        <a:t>1º Parcela</a:t>
-                      </a:r>
-                      <a:endParaRPr lang="pt-BR" sz="1200">
-                        <a:effectLst/>
-                        <a:latin typeface="Calibri" panose="020F0502020204030204" pitchFamily="34" charset="0"/>
-                        <a:ea typeface="Calibri" panose="020F0502020204030204" pitchFamily="34" charset="0"/>
-                        <a:cs typeface="Calibri" panose="020F0502020204030204" pitchFamily="34" charset="0"/>
-                      </a:endParaRPr>
-                    </a:p>
-                  </a:txBody>
-                  <a:tcPr marL="68580" marR="68580" marT="0" marB="0" anchor="ctr">
-                    <a:lnL w="12700" cap="flat" cmpd="sng" algn="ctr">
-                      <a:solidFill>
-                        <a:schemeClr val="tx1"/>
-                      </a:solidFill>
-                      <a:prstDash val="solid"/>
-                      <a:round/>
-                      <a:headEnd type="none" w="med" len="med"/>
-                      <a:tailEnd type="none" w="med" len="med"/>
-                    </a:lnL>
-                    <a:lnR w="12700" cap="flat" cmpd="sng" algn="ctr">
-                      <a:solidFill>
-                        <a:schemeClr val="tx1"/>
-                      </a:solidFill>
-                      <a:prstDash val="solid"/>
-                      <a:round/>
-                      <a:headEnd type="none" w="med" len="med"/>
-                      <a:tailEnd type="none" w="med" len="med"/>
-                    </a:lnR>
-                    <a:lnT w="12700" cap="flat" cmpd="sng" algn="ctr">
-                      <a:solidFill>
-                        <a:schemeClr val="tx1"/>
-                      </a:solidFill>
-                      <a:prstDash val="solid"/>
-                      <a:round/>
-                      <a:headEnd type="none" w="med" len="med"/>
-                      <a:tailEnd type="none" w="med" len="med"/>
-                    </a:lnT>
-                    <a:lnB w="12700" cap="flat" cmpd="sng" algn="ctr">
-                      <a:solidFill>
-                        <a:schemeClr val="tx1"/>
-                      </a:solidFill>
-                      <a:prstDash val="solid"/>
-                      <a:round/>
-                      <a:headEnd type="none" w="med" len="med"/>
-                      <a:tailEnd type="none" w="med" len="med"/>
-                    </a:lnB>
-                  </a:tcPr>
-                </a:tc>
-                <a:tc>
-                  <a:txBody>
-                    <a:bodyPr/>
-                    <a:lstStyle/>
-                    <a:p>
-                      <a:pPr algn="ctr">
-                        <a:lnSpc>
-                          <a:spcPct val="115000"/>
-                        </a:lnSpc>
-                        <a:spcAft>
-                          <a:spcPts val="1000"/>
-                        </a:spcAft>
-                      </a:pPr>
-                      <a:r>
-                        <a:rPr lang="pt-BR" sz="1200">
-                          <a:effectLst/>
-                          <a:latin typeface="Calibri" panose="020F0502020204030204" pitchFamily="34" charset="0"/>
-                          <a:ea typeface="Abadi Extra Light" panose="020B0204020104020204" pitchFamily="34" charset="0"/>
-                          <a:cs typeface="Calibri" panose="020F0502020204030204" pitchFamily="34" charset="0"/>
-                        </a:rPr>
-                        <a:t>R$ 17.660,00</a:t>
-                      </a:r>
-                      <a:endParaRPr lang="pt-BR" sz="1200">
-                        <a:effectLst/>
-                        <a:latin typeface="Calibri" panose="020F0502020204030204" pitchFamily="34" charset="0"/>
-                        <a:ea typeface="Calibri" panose="020F0502020204030204" pitchFamily="34" charset="0"/>
-                        <a:cs typeface="Calibri" panose="020F0502020204030204" pitchFamily="34" charset="0"/>
-                      </a:endParaRPr>
-                    </a:p>
-                  </a:txBody>
-                  <a:tcPr marL="68580" marR="68580" marT="0" marB="0" anchor="ctr">
-                    <a:lnL w="12700" cap="flat" cmpd="sng" algn="ctr">
-                      <a:solidFill>
-                        <a:schemeClr val="tx1"/>
-                      </a:solidFill>
-                      <a:prstDash val="solid"/>
-                      <a:round/>
-                      <a:headEnd type="none" w="med" len="med"/>
-                      <a:tailEnd type="none" w="med" len="med"/>
-                    </a:lnL>
-                    <a:lnR w="12700" cap="flat" cmpd="sng" algn="ctr">
-                      <a:solidFill>
-                        <a:schemeClr val="tx1"/>
-                      </a:solidFill>
-                      <a:prstDash val="solid"/>
-                      <a:round/>
-                      <a:headEnd type="none" w="med" len="med"/>
-                      <a:tailEnd type="none" w="med" len="med"/>
-                    </a:lnR>
-                    <a:lnT w="12700" cap="flat" cmpd="sng" algn="ctr">
-                      <a:solidFill>
-                        <a:schemeClr val="tx1"/>
-                      </a:solidFill>
-                      <a:prstDash val="solid"/>
-                      <a:round/>
-                      <a:headEnd type="none" w="med" len="med"/>
-                      <a:tailEnd type="none" w="med" len="med"/>
-                    </a:lnT>
-                    <a:lnB w="12700" cap="flat" cmpd="sng" algn="ctr">
-                      <a:solidFill>
-                        <a:schemeClr val="tx1"/>
-                      </a:solidFill>
-                      <a:prstDash val="solid"/>
-                      <a:round/>
-                      <a:headEnd type="none" w="med" len="med"/>
-                      <a:tailEnd type="none" w="med" len="med"/>
-                    </a:lnB>
-                  </a:tcPr>
-                </a:tc>
-                <a:tc>
-                  <a:txBody>
-                    <a:bodyPr/>
-                    <a:lstStyle/>
-                    <a:p>
-                      <a:pPr algn="ctr">
-                        <a:lnSpc>
-                          <a:spcPct val="115000"/>
-                        </a:lnSpc>
-                        <a:spcAft>
-                          <a:spcPts val="1000"/>
-                        </a:spcAft>
-                      </a:pPr>
-                      <a:r>
-                        <a:rPr lang="pt-BR" sz="1200">
-                          <a:effectLst/>
-                          <a:latin typeface="Calibri" panose="020F0502020204030204" pitchFamily="34" charset="0"/>
-                          <a:ea typeface="Abadi Extra Light" panose="020B0204020104020204" pitchFamily="34" charset="0"/>
-                          <a:cs typeface="Calibri" panose="020F0502020204030204" pitchFamily="34" charset="0"/>
-                        </a:rPr>
-                        <a:t>01/09/2020</a:t>
-                      </a:r>
-                      <a:endParaRPr lang="pt-BR" sz="1200">
-                        <a:effectLst/>
-                        <a:latin typeface="Calibri" panose="020F0502020204030204" pitchFamily="34" charset="0"/>
-                        <a:ea typeface="Calibri" panose="020F0502020204030204" pitchFamily="34" charset="0"/>
-                        <a:cs typeface="Calibri" panose="020F0502020204030204" pitchFamily="34" charset="0"/>
-                      </a:endParaRPr>
-                    </a:p>
-                  </a:txBody>
-                  <a:tcPr marL="68580" marR="68580" marT="0" marB="0" anchor="ctr">
-                    <a:lnL w="12700" cap="flat" cmpd="sng" algn="ctr">
-                      <a:solidFill>
-                        <a:schemeClr val="tx1"/>
-                      </a:solidFill>
-                      <a:prstDash val="solid"/>
-                      <a:round/>
-                      <a:headEnd type="none" w="med" len="med"/>
-                      <a:tailEnd type="none" w="med" len="med"/>
-                    </a:lnL>
-                    <a:lnR w="12700" cap="flat" cmpd="sng" algn="ctr">
-                      <a:solidFill>
-                        <a:schemeClr val="tx1"/>
-                      </a:solidFill>
-                      <a:prstDash val="solid"/>
-                      <a:round/>
-                      <a:headEnd type="none" w="med" len="med"/>
-                      <a:tailEnd type="none" w="med" len="med"/>
-                    </a:lnR>
-                    <a:lnT w="12700" cap="flat" cmpd="sng" algn="ctr">
-                      <a:solidFill>
-                        <a:schemeClr val="tx1"/>
-                      </a:solidFill>
-                      <a:prstDash val="solid"/>
-                      <a:round/>
-                      <a:headEnd type="none" w="med" len="med"/>
-                      <a:tailEnd type="none" w="med" len="med"/>
-                    </a:lnT>
-                    <a:lnB w="12700" cap="flat" cmpd="sng" algn="ctr">
-                      <a:solidFill>
-                        <a:schemeClr val="tx1"/>
-                      </a:solidFill>
-                      <a:prstDash val="solid"/>
-                      <a:round/>
-                      <a:headEnd type="none" w="med" len="med"/>
-                      <a:tailEnd type="none" w="med" len="med"/>
-                    </a:lnB>
-                  </a:tcPr>
-                </a:tc>
-                <a:tc>
-                  <a:txBody>
-                    <a:bodyPr/>
-                    <a:lstStyle/>
-                    <a:p>
-                      <a:pPr algn="ctr">
-                        <a:lnSpc>
-                          <a:spcPct val="115000"/>
-                        </a:lnSpc>
-                        <a:spcAft>
-                          <a:spcPts val="1000"/>
-                        </a:spcAft>
-                      </a:pPr>
-                      <a:r>
-                        <a:rPr lang="pt-BR" sz="1200">
-                          <a:effectLst/>
-                          <a:latin typeface="Calibri" panose="020F0502020204030204" pitchFamily="34" charset="0"/>
-                          <a:ea typeface="Abadi Extra Light" panose="020B0204020104020204" pitchFamily="34" charset="0"/>
-                          <a:cs typeface="Calibri" panose="020F0502020204030204" pitchFamily="34" charset="0"/>
-                        </a:rPr>
-                        <a:t>16/09/2020</a:t>
-                      </a:r>
-                      <a:endParaRPr lang="pt-BR" sz="1200">
-                        <a:effectLst/>
-                        <a:latin typeface="Calibri" panose="020F0502020204030204" pitchFamily="34" charset="0"/>
-                        <a:ea typeface="Calibri" panose="020F0502020204030204" pitchFamily="34" charset="0"/>
-                        <a:cs typeface="Calibri" panose="020F0502020204030204" pitchFamily="34" charset="0"/>
-                      </a:endParaRPr>
-                    </a:p>
-                  </a:txBody>
-                  <a:tcPr marL="68580" marR="68580" marT="0" marB="0" anchor="ctr">
-                    <a:lnL w="12700" cap="flat" cmpd="sng" algn="ctr">
-                      <a:solidFill>
-                        <a:schemeClr val="tx1"/>
-                      </a:solidFill>
-                      <a:prstDash val="solid"/>
-                      <a:round/>
-                      <a:headEnd type="none" w="med" len="med"/>
-                      <a:tailEnd type="none" w="med" len="med"/>
-                    </a:lnL>
-                    <a:lnR w="12700" cap="flat" cmpd="sng" algn="ctr">
-                      <a:solidFill>
-                        <a:schemeClr val="tx1"/>
-                      </a:solidFill>
-                      <a:prstDash val="solid"/>
-                      <a:round/>
-                      <a:headEnd type="none" w="med" len="med"/>
-                      <a:tailEnd type="none" w="med" len="med"/>
-                    </a:lnR>
-                    <a:lnT w="12700" cap="flat" cmpd="sng" algn="ctr">
-                      <a:solidFill>
-                        <a:schemeClr val="tx1"/>
-                      </a:solidFill>
-                      <a:prstDash val="solid"/>
-                      <a:round/>
-                      <a:headEnd type="none" w="med" len="med"/>
-                      <a:tailEnd type="none" w="med" len="med"/>
-                    </a:lnT>
-                    <a:lnB w="12700" cap="flat" cmpd="sng" algn="ctr">
-                      <a:solidFill>
-                        <a:schemeClr val="tx1"/>
-                      </a:solidFill>
-                      <a:prstDash val="solid"/>
-                      <a:round/>
-                      <a:headEnd type="none" w="med" len="med"/>
-                      <a:tailEnd type="none" w="med" len="med"/>
-                    </a:lnB>
-                  </a:tcPr>
-                </a:tc>
-                <a:extLst>
-                  <a:ext uri="{0D108BD9-81ED-4DB2-BD59-A6C34878D82A}">
-                    <a16:rowId xmlns:a16="http://schemas.microsoft.com/office/drawing/2014/main" val="1934115713"/>
-                  </a:ext>
-                </a:extLst>
-              </a:tr>
-              <a:tr h="441854">
-                <a:tc>
-                  <a:txBody>
-                    <a:bodyPr/>
-                    <a:lstStyle/>
-                    <a:p>
-                      <a:pPr algn="ctr">
-                        <a:lnSpc>
-                          <a:spcPct val="115000"/>
-                        </a:lnSpc>
-                        <a:spcAft>
-                          <a:spcPts val="1000"/>
-                        </a:spcAft>
-                      </a:pPr>
-                      <a:r>
-                        <a:rPr lang="pt-BR" sz="1200">
-                          <a:effectLst/>
-                          <a:latin typeface="Calibri" panose="020F0502020204030204" pitchFamily="34" charset="0"/>
-                          <a:ea typeface="Abadi Extra Light" panose="020B0204020104020204" pitchFamily="34" charset="0"/>
-                          <a:cs typeface="Calibri" panose="020F0502020204030204" pitchFamily="34" charset="0"/>
-                        </a:rPr>
-                        <a:t>2º Parcela</a:t>
-                      </a:r>
-                      <a:endParaRPr lang="pt-BR" sz="1200">
-                        <a:effectLst/>
-                        <a:latin typeface="Calibri" panose="020F0502020204030204" pitchFamily="34" charset="0"/>
-                        <a:ea typeface="Calibri" panose="020F0502020204030204" pitchFamily="34" charset="0"/>
-                        <a:cs typeface="Calibri" panose="020F0502020204030204" pitchFamily="34" charset="0"/>
-                      </a:endParaRPr>
-                    </a:p>
-                  </a:txBody>
-                  <a:tcPr marL="68580" marR="68580" marT="0" marB="0" anchor="ctr">
-                    <a:lnL w="12700" cap="flat" cmpd="sng" algn="ctr">
-                      <a:solidFill>
-                        <a:schemeClr val="tx1"/>
-                      </a:solidFill>
-                      <a:prstDash val="solid"/>
-                      <a:round/>
-                      <a:headEnd type="none" w="med" len="med"/>
-                      <a:tailEnd type="none" w="med" len="med"/>
-                    </a:lnL>
-                    <a:lnR w="12700" cap="flat" cmpd="sng" algn="ctr">
-                      <a:solidFill>
-                        <a:schemeClr val="tx1"/>
-                      </a:solidFill>
-                      <a:prstDash val="solid"/>
-                      <a:round/>
-                      <a:headEnd type="none" w="med" len="med"/>
-                      <a:tailEnd type="none" w="med" len="med"/>
-                    </a:lnR>
-                    <a:lnT w="12700" cap="flat" cmpd="sng" algn="ctr">
-                      <a:solidFill>
-                        <a:schemeClr val="tx1"/>
-                      </a:solidFill>
-                      <a:prstDash val="solid"/>
-                      <a:round/>
-                      <a:headEnd type="none" w="med" len="med"/>
-                      <a:tailEnd type="none" w="med" len="med"/>
-                    </a:lnT>
-                    <a:lnB w="12700" cap="flat" cmpd="sng" algn="ctr">
-                      <a:solidFill>
-                        <a:schemeClr val="tx1"/>
-                      </a:solidFill>
-                      <a:prstDash val="solid"/>
-                      <a:round/>
-                      <a:headEnd type="none" w="med" len="med"/>
-                      <a:tailEnd type="none" w="med" len="med"/>
-                    </a:lnB>
-                  </a:tcPr>
-                </a:tc>
-                <a:tc>
-                  <a:txBody>
-                    <a:bodyPr/>
-                    <a:lstStyle/>
-                    <a:p>
-                      <a:pPr algn="ctr">
-                        <a:lnSpc>
-                          <a:spcPct val="115000"/>
-                        </a:lnSpc>
-                        <a:spcAft>
-                          <a:spcPts val="1000"/>
-                        </a:spcAft>
-                      </a:pPr>
-                      <a:r>
-                        <a:rPr lang="pt-BR" sz="1200">
-                          <a:effectLst/>
-                          <a:latin typeface="Calibri" panose="020F0502020204030204" pitchFamily="34" charset="0"/>
-                          <a:ea typeface="Abadi Extra Light" panose="020B0204020104020204" pitchFamily="34" charset="0"/>
-                          <a:cs typeface="Calibri" panose="020F0502020204030204" pitchFamily="34" charset="0"/>
-                        </a:rPr>
-                        <a:t>R$ 17.660,00</a:t>
-                      </a:r>
-                      <a:endParaRPr lang="pt-BR" sz="1200">
-                        <a:effectLst/>
-                        <a:latin typeface="Calibri" panose="020F0502020204030204" pitchFamily="34" charset="0"/>
-                        <a:ea typeface="Calibri" panose="020F0502020204030204" pitchFamily="34" charset="0"/>
-                        <a:cs typeface="Calibri" panose="020F0502020204030204" pitchFamily="34" charset="0"/>
-                      </a:endParaRPr>
-                    </a:p>
-                  </a:txBody>
-                  <a:tcPr marL="68580" marR="68580" marT="0" marB="0" anchor="ctr">
-                    <a:lnL w="12700" cap="flat" cmpd="sng" algn="ctr">
-                      <a:solidFill>
-                        <a:schemeClr val="tx1"/>
-                      </a:solidFill>
-                      <a:prstDash val="solid"/>
-                      <a:round/>
-                      <a:headEnd type="none" w="med" len="med"/>
-                      <a:tailEnd type="none" w="med" len="med"/>
-                    </a:lnL>
-                    <a:lnR w="12700" cap="flat" cmpd="sng" algn="ctr">
-                      <a:solidFill>
-                        <a:schemeClr val="tx1"/>
-                      </a:solidFill>
-                      <a:prstDash val="solid"/>
-                      <a:round/>
-                      <a:headEnd type="none" w="med" len="med"/>
-                      <a:tailEnd type="none" w="med" len="med"/>
-                    </a:lnR>
-                    <a:lnT w="12700" cap="flat" cmpd="sng" algn="ctr">
-                      <a:solidFill>
-                        <a:schemeClr val="tx1"/>
-                      </a:solidFill>
-                      <a:prstDash val="solid"/>
-                      <a:round/>
-                      <a:headEnd type="none" w="med" len="med"/>
-                      <a:tailEnd type="none" w="med" len="med"/>
-                    </a:lnT>
-                    <a:lnB w="12700" cap="flat" cmpd="sng" algn="ctr">
-                      <a:solidFill>
-                        <a:schemeClr val="tx1"/>
-                      </a:solidFill>
-                      <a:prstDash val="solid"/>
-                      <a:round/>
-                      <a:headEnd type="none" w="med" len="med"/>
-                      <a:tailEnd type="none" w="med" len="med"/>
-                    </a:lnB>
-                  </a:tcPr>
-                </a:tc>
-                <a:tc>
-                  <a:txBody>
-                    <a:bodyPr/>
-                    <a:lstStyle/>
-                    <a:p>
-                      <a:pPr algn="ctr">
-                        <a:lnSpc>
-                          <a:spcPct val="115000"/>
-                        </a:lnSpc>
-                        <a:spcAft>
-                          <a:spcPts val="1000"/>
-                        </a:spcAft>
-                      </a:pPr>
-                      <a:r>
-                        <a:rPr lang="pt-BR" sz="1200">
-                          <a:effectLst/>
-                          <a:latin typeface="Calibri" panose="020F0502020204030204" pitchFamily="34" charset="0"/>
-                          <a:ea typeface="Abadi Extra Light" panose="020B0204020104020204" pitchFamily="34" charset="0"/>
-                          <a:cs typeface="Calibri" panose="020F0502020204030204" pitchFamily="34" charset="0"/>
-                        </a:rPr>
-                        <a:t>01/10/2020</a:t>
-                      </a:r>
-                      <a:endParaRPr lang="pt-BR" sz="1200">
-                        <a:effectLst/>
-                        <a:latin typeface="Calibri" panose="020F0502020204030204" pitchFamily="34" charset="0"/>
-                        <a:ea typeface="Calibri" panose="020F0502020204030204" pitchFamily="34" charset="0"/>
-                        <a:cs typeface="Calibri" panose="020F0502020204030204" pitchFamily="34" charset="0"/>
-                      </a:endParaRPr>
-                    </a:p>
-                  </a:txBody>
-                  <a:tcPr marL="68580" marR="68580" marT="0" marB="0" anchor="ctr">
-                    <a:lnL w="12700" cap="flat" cmpd="sng" algn="ctr">
-                      <a:solidFill>
-                        <a:schemeClr val="tx1"/>
-                      </a:solidFill>
-                      <a:prstDash val="solid"/>
-                      <a:round/>
-                      <a:headEnd type="none" w="med" len="med"/>
-                      <a:tailEnd type="none" w="med" len="med"/>
-                    </a:lnL>
-                    <a:lnR w="12700" cap="flat" cmpd="sng" algn="ctr">
-                      <a:solidFill>
-                        <a:schemeClr val="tx1"/>
-                      </a:solidFill>
-                      <a:prstDash val="solid"/>
-                      <a:round/>
-                      <a:headEnd type="none" w="med" len="med"/>
-                      <a:tailEnd type="none" w="med" len="med"/>
-                    </a:lnR>
-                    <a:lnT w="12700" cap="flat" cmpd="sng" algn="ctr">
-                      <a:solidFill>
-                        <a:schemeClr val="tx1"/>
-                      </a:solidFill>
-                      <a:prstDash val="solid"/>
-                      <a:round/>
-                      <a:headEnd type="none" w="med" len="med"/>
-                      <a:tailEnd type="none" w="med" len="med"/>
-                    </a:lnT>
-                    <a:lnB w="12700" cap="flat" cmpd="sng" algn="ctr">
-                      <a:solidFill>
-                        <a:schemeClr val="tx1"/>
-                      </a:solidFill>
-                      <a:prstDash val="solid"/>
-                      <a:round/>
-                      <a:headEnd type="none" w="med" len="med"/>
-                      <a:tailEnd type="none" w="med" len="med"/>
-                    </a:lnB>
-                  </a:tcPr>
-                </a:tc>
-                <a:tc>
-                  <a:txBody>
-                    <a:bodyPr/>
-                    <a:lstStyle/>
-                    <a:p>
-                      <a:pPr algn="ctr">
-                        <a:lnSpc>
-                          <a:spcPct val="115000"/>
-                        </a:lnSpc>
-                        <a:spcAft>
-                          <a:spcPts val="1000"/>
-                        </a:spcAft>
-                      </a:pPr>
-                      <a:r>
-                        <a:rPr lang="pt-BR" sz="1200">
-                          <a:effectLst/>
-                          <a:latin typeface="Calibri" panose="020F0502020204030204" pitchFamily="34" charset="0"/>
-                          <a:ea typeface="Abadi Extra Light" panose="020B0204020104020204" pitchFamily="34" charset="0"/>
-                          <a:cs typeface="Calibri" panose="020F0502020204030204" pitchFamily="34" charset="0"/>
-                        </a:rPr>
-                        <a:t>16/10/2020</a:t>
-                      </a:r>
-                      <a:endParaRPr lang="pt-BR" sz="1200">
-                        <a:effectLst/>
-                        <a:latin typeface="Calibri" panose="020F0502020204030204" pitchFamily="34" charset="0"/>
-                        <a:ea typeface="Calibri" panose="020F0502020204030204" pitchFamily="34" charset="0"/>
-                        <a:cs typeface="Calibri" panose="020F0502020204030204" pitchFamily="34" charset="0"/>
-                      </a:endParaRPr>
-                    </a:p>
-                  </a:txBody>
-                  <a:tcPr marL="68580" marR="68580" marT="0" marB="0" anchor="ctr">
-                    <a:lnL w="12700" cap="flat" cmpd="sng" algn="ctr">
-                      <a:solidFill>
-                        <a:schemeClr val="tx1"/>
-                      </a:solidFill>
-                      <a:prstDash val="solid"/>
-                      <a:round/>
-                      <a:headEnd type="none" w="med" len="med"/>
-                      <a:tailEnd type="none" w="med" len="med"/>
-                    </a:lnL>
-                    <a:lnR w="12700" cap="flat" cmpd="sng" algn="ctr">
-                      <a:solidFill>
-                        <a:schemeClr val="tx1"/>
-                      </a:solidFill>
-                      <a:prstDash val="solid"/>
-                      <a:round/>
-                      <a:headEnd type="none" w="med" len="med"/>
-                      <a:tailEnd type="none" w="med" len="med"/>
-                    </a:lnR>
-                    <a:lnT w="12700" cap="flat" cmpd="sng" algn="ctr">
-                      <a:solidFill>
-                        <a:schemeClr val="tx1"/>
-                      </a:solidFill>
-                      <a:prstDash val="solid"/>
-                      <a:round/>
-                      <a:headEnd type="none" w="med" len="med"/>
-                      <a:tailEnd type="none" w="med" len="med"/>
-                    </a:lnT>
-                    <a:lnB w="12700" cap="flat" cmpd="sng" algn="ctr">
-                      <a:solidFill>
-                        <a:schemeClr val="tx1"/>
-                      </a:solidFill>
-                      <a:prstDash val="solid"/>
-                      <a:round/>
-                      <a:headEnd type="none" w="med" len="med"/>
-                      <a:tailEnd type="none" w="med" len="med"/>
-                    </a:lnB>
-                  </a:tcPr>
-                </a:tc>
-                <a:extLst>
-                  <a:ext uri="{0D108BD9-81ED-4DB2-BD59-A6C34878D82A}">
-                    <a16:rowId xmlns:a16="http://schemas.microsoft.com/office/drawing/2014/main" val="4277832923"/>
-                  </a:ext>
-                </a:extLst>
-              </a:tr>
-              <a:tr h="441854">
-                <a:tc>
-                  <a:txBody>
-                    <a:bodyPr/>
-                    <a:lstStyle/>
-                    <a:p>
-                      <a:pPr algn="ctr">
-                        <a:lnSpc>
-                          <a:spcPct val="115000"/>
-                        </a:lnSpc>
-                        <a:spcAft>
-                          <a:spcPts val="1000"/>
-                        </a:spcAft>
-                      </a:pPr>
-                      <a:r>
-                        <a:rPr lang="pt-BR" sz="1200">
-                          <a:effectLst/>
-                          <a:latin typeface="Calibri" panose="020F0502020204030204" pitchFamily="34" charset="0"/>
-                          <a:ea typeface="Abadi Extra Light" panose="020B0204020104020204" pitchFamily="34" charset="0"/>
-                          <a:cs typeface="Calibri" panose="020F0502020204030204" pitchFamily="34" charset="0"/>
-                        </a:rPr>
-                        <a:t>3º Parcela</a:t>
-                      </a:r>
-                      <a:endParaRPr lang="pt-BR" sz="1200">
-                        <a:effectLst/>
-                        <a:latin typeface="Calibri" panose="020F0502020204030204" pitchFamily="34" charset="0"/>
-                        <a:ea typeface="Calibri" panose="020F0502020204030204" pitchFamily="34" charset="0"/>
-                        <a:cs typeface="Calibri" panose="020F0502020204030204" pitchFamily="34" charset="0"/>
-                      </a:endParaRPr>
-                    </a:p>
-                  </a:txBody>
-                  <a:tcPr marL="68580" marR="68580" marT="0" marB="0" anchor="ctr">
-                    <a:lnL w="12700" cap="flat" cmpd="sng" algn="ctr">
-                      <a:solidFill>
-                        <a:schemeClr val="tx1"/>
-                      </a:solidFill>
-                      <a:prstDash val="solid"/>
-                      <a:round/>
-                      <a:headEnd type="none" w="med" len="med"/>
-                      <a:tailEnd type="none" w="med" len="med"/>
-                    </a:lnL>
-                    <a:lnR w="12700" cap="flat" cmpd="sng" algn="ctr">
-                      <a:solidFill>
-                        <a:schemeClr val="tx1"/>
-                      </a:solidFill>
-                      <a:prstDash val="solid"/>
-                      <a:round/>
-                      <a:headEnd type="none" w="med" len="med"/>
-                      <a:tailEnd type="none" w="med" len="med"/>
-                    </a:lnR>
-                    <a:lnT w="12700" cap="flat" cmpd="sng" algn="ctr">
-                      <a:solidFill>
-                        <a:schemeClr val="tx1"/>
-                      </a:solidFill>
-                      <a:prstDash val="solid"/>
-                      <a:round/>
-                      <a:headEnd type="none" w="med" len="med"/>
-                      <a:tailEnd type="none" w="med" len="med"/>
-                    </a:lnT>
-                    <a:lnB w="12700" cap="flat" cmpd="sng" algn="ctr">
-                      <a:solidFill>
-                        <a:schemeClr val="tx1"/>
-                      </a:solidFill>
-                      <a:prstDash val="solid"/>
-                      <a:round/>
-                      <a:headEnd type="none" w="med" len="med"/>
-                      <a:tailEnd type="none" w="med" len="med"/>
-                    </a:lnB>
-                  </a:tcPr>
-                </a:tc>
-                <a:tc>
-                  <a:txBody>
-                    <a:bodyPr/>
-                    <a:lstStyle/>
-                    <a:p>
-                      <a:pPr algn="ctr">
-                        <a:lnSpc>
-                          <a:spcPct val="115000"/>
-                        </a:lnSpc>
-                        <a:spcAft>
-                          <a:spcPts val="1000"/>
-                        </a:spcAft>
-                      </a:pPr>
-                      <a:r>
-                        <a:rPr lang="pt-BR" sz="1200">
-                          <a:effectLst/>
-                          <a:latin typeface="Calibri" panose="020F0502020204030204" pitchFamily="34" charset="0"/>
-                          <a:ea typeface="Abadi Extra Light" panose="020B0204020104020204" pitchFamily="34" charset="0"/>
-                          <a:cs typeface="Calibri" panose="020F0502020204030204" pitchFamily="34" charset="0"/>
-                        </a:rPr>
-                        <a:t>R$ 17.660,00</a:t>
-                      </a:r>
-                      <a:endParaRPr lang="pt-BR" sz="1200">
-                        <a:effectLst/>
-                        <a:latin typeface="Calibri" panose="020F0502020204030204" pitchFamily="34" charset="0"/>
-                        <a:ea typeface="Calibri" panose="020F0502020204030204" pitchFamily="34" charset="0"/>
-                        <a:cs typeface="Calibri" panose="020F0502020204030204" pitchFamily="34" charset="0"/>
-                      </a:endParaRPr>
-                    </a:p>
-                  </a:txBody>
-                  <a:tcPr marL="68580" marR="68580" marT="0" marB="0" anchor="ctr">
-                    <a:lnL w="12700" cap="flat" cmpd="sng" algn="ctr">
-                      <a:solidFill>
-                        <a:schemeClr val="tx1"/>
-                      </a:solidFill>
-                      <a:prstDash val="solid"/>
-                      <a:round/>
-                      <a:headEnd type="none" w="med" len="med"/>
-                      <a:tailEnd type="none" w="med" len="med"/>
-                    </a:lnL>
-                    <a:lnR w="12700" cap="flat" cmpd="sng" algn="ctr">
-                      <a:solidFill>
-                        <a:schemeClr val="tx1"/>
-                      </a:solidFill>
-                      <a:prstDash val="solid"/>
-                      <a:round/>
-                      <a:headEnd type="none" w="med" len="med"/>
-                      <a:tailEnd type="none" w="med" len="med"/>
-                    </a:lnR>
-                    <a:lnT w="12700" cap="flat" cmpd="sng" algn="ctr">
-                      <a:solidFill>
-                        <a:schemeClr val="tx1"/>
-                      </a:solidFill>
-                      <a:prstDash val="solid"/>
-                      <a:round/>
-                      <a:headEnd type="none" w="med" len="med"/>
-                      <a:tailEnd type="none" w="med" len="med"/>
-                    </a:lnT>
-                    <a:lnB w="12700" cap="flat" cmpd="sng" algn="ctr">
-                      <a:solidFill>
-                        <a:schemeClr val="tx1"/>
-                      </a:solidFill>
-                      <a:prstDash val="solid"/>
-                      <a:round/>
-                      <a:headEnd type="none" w="med" len="med"/>
-                      <a:tailEnd type="none" w="med" len="med"/>
-                    </a:lnB>
-                  </a:tcPr>
-                </a:tc>
-                <a:tc>
-                  <a:txBody>
-                    <a:bodyPr/>
-                    <a:lstStyle/>
-                    <a:p>
-                      <a:pPr algn="ctr">
-                        <a:lnSpc>
-                          <a:spcPct val="115000"/>
-                        </a:lnSpc>
-                        <a:spcAft>
-                          <a:spcPts val="1000"/>
-                        </a:spcAft>
-                      </a:pPr>
-                      <a:r>
-                        <a:rPr lang="pt-BR" sz="1200">
-                          <a:effectLst/>
-                          <a:latin typeface="Calibri" panose="020F0502020204030204" pitchFamily="34" charset="0"/>
-                          <a:ea typeface="Abadi Extra Light" panose="020B0204020104020204" pitchFamily="34" charset="0"/>
-                          <a:cs typeface="Calibri" panose="020F0502020204030204" pitchFamily="34" charset="0"/>
-                        </a:rPr>
-                        <a:t>01/11/2020</a:t>
-                      </a:r>
-                      <a:endParaRPr lang="pt-BR" sz="1200">
-                        <a:effectLst/>
-                        <a:latin typeface="Calibri" panose="020F0502020204030204" pitchFamily="34" charset="0"/>
-                        <a:ea typeface="Calibri" panose="020F0502020204030204" pitchFamily="34" charset="0"/>
-                        <a:cs typeface="Calibri" panose="020F0502020204030204" pitchFamily="34" charset="0"/>
-                      </a:endParaRPr>
-                    </a:p>
-                  </a:txBody>
-                  <a:tcPr marL="68580" marR="68580" marT="0" marB="0" anchor="ctr">
-                    <a:lnL w="12700" cap="flat" cmpd="sng" algn="ctr">
-                      <a:solidFill>
-                        <a:schemeClr val="tx1"/>
-                      </a:solidFill>
-                      <a:prstDash val="solid"/>
-                      <a:round/>
-                      <a:headEnd type="none" w="med" len="med"/>
-                      <a:tailEnd type="none" w="med" len="med"/>
-                    </a:lnL>
-                    <a:lnR w="12700" cap="flat" cmpd="sng" algn="ctr">
-                      <a:solidFill>
-                        <a:schemeClr val="tx1"/>
-                      </a:solidFill>
-                      <a:prstDash val="solid"/>
-                      <a:round/>
-                      <a:headEnd type="none" w="med" len="med"/>
-                      <a:tailEnd type="none" w="med" len="med"/>
-                    </a:lnR>
-                    <a:lnT w="12700" cap="flat" cmpd="sng" algn="ctr">
-                      <a:solidFill>
-                        <a:schemeClr val="tx1"/>
-                      </a:solidFill>
-                      <a:prstDash val="solid"/>
-                      <a:round/>
-                      <a:headEnd type="none" w="med" len="med"/>
-                      <a:tailEnd type="none" w="med" len="med"/>
-                    </a:lnT>
-                    <a:lnB w="12700" cap="flat" cmpd="sng" algn="ctr">
-                      <a:solidFill>
-                        <a:schemeClr val="tx1"/>
-                      </a:solidFill>
-                      <a:prstDash val="solid"/>
-                      <a:round/>
-                      <a:headEnd type="none" w="med" len="med"/>
-                      <a:tailEnd type="none" w="med" len="med"/>
-                    </a:lnB>
-                  </a:tcPr>
-                </a:tc>
-                <a:tc>
-                  <a:txBody>
-                    <a:bodyPr/>
-                    <a:lstStyle/>
-                    <a:p>
-                      <a:pPr algn="ctr">
-                        <a:lnSpc>
-                          <a:spcPct val="115000"/>
-                        </a:lnSpc>
-                        <a:spcAft>
-                          <a:spcPts val="1000"/>
-                        </a:spcAft>
-                      </a:pPr>
-                      <a:r>
-                        <a:rPr lang="pt-BR" sz="1200">
-                          <a:effectLst/>
-                          <a:latin typeface="Calibri" panose="020F0502020204030204" pitchFamily="34" charset="0"/>
-                          <a:ea typeface="Abadi Extra Light" panose="020B0204020104020204" pitchFamily="34" charset="0"/>
-                          <a:cs typeface="Calibri" panose="020F0502020204030204" pitchFamily="34" charset="0"/>
-                        </a:rPr>
-                        <a:t>16/11/2020</a:t>
-                      </a:r>
-                      <a:endParaRPr lang="pt-BR" sz="1200">
-                        <a:effectLst/>
-                        <a:latin typeface="Calibri" panose="020F0502020204030204" pitchFamily="34" charset="0"/>
-                        <a:ea typeface="Calibri" panose="020F0502020204030204" pitchFamily="34" charset="0"/>
-                        <a:cs typeface="Calibri" panose="020F0502020204030204" pitchFamily="34" charset="0"/>
-                      </a:endParaRPr>
-                    </a:p>
-                  </a:txBody>
-                  <a:tcPr marL="68580" marR="68580" marT="0" marB="0" anchor="ctr">
-                    <a:lnL w="12700" cap="flat" cmpd="sng" algn="ctr">
-                      <a:solidFill>
-                        <a:schemeClr val="tx1"/>
-                      </a:solidFill>
-                      <a:prstDash val="solid"/>
-                      <a:round/>
-                      <a:headEnd type="none" w="med" len="med"/>
-                      <a:tailEnd type="none" w="med" len="med"/>
-                    </a:lnL>
-                    <a:lnR w="12700" cap="flat" cmpd="sng" algn="ctr">
-                      <a:solidFill>
-                        <a:schemeClr val="tx1"/>
-                      </a:solidFill>
-                      <a:prstDash val="solid"/>
-                      <a:round/>
-                      <a:headEnd type="none" w="med" len="med"/>
-                      <a:tailEnd type="none" w="med" len="med"/>
-                    </a:lnR>
-                    <a:lnT w="12700" cap="flat" cmpd="sng" algn="ctr">
-                      <a:solidFill>
-                        <a:schemeClr val="tx1"/>
-                      </a:solidFill>
-                      <a:prstDash val="solid"/>
-                      <a:round/>
-                      <a:headEnd type="none" w="med" len="med"/>
-                      <a:tailEnd type="none" w="med" len="med"/>
-                    </a:lnT>
-                    <a:lnB w="12700" cap="flat" cmpd="sng" algn="ctr">
-                      <a:solidFill>
-                        <a:schemeClr val="tx1"/>
-                      </a:solidFill>
-                      <a:prstDash val="solid"/>
-                      <a:round/>
-                      <a:headEnd type="none" w="med" len="med"/>
-                      <a:tailEnd type="none" w="med" len="med"/>
-                    </a:lnB>
-                  </a:tcPr>
-                </a:tc>
-                <a:extLst>
-                  <a:ext uri="{0D108BD9-81ED-4DB2-BD59-A6C34878D82A}">
-                    <a16:rowId xmlns:a16="http://schemas.microsoft.com/office/drawing/2014/main" val="1810590542"/>
-                  </a:ext>
-                </a:extLst>
-              </a:tr>
-              <a:tr h="441854">
-                <a:tc>
-                  <a:txBody>
-                    <a:bodyPr/>
-                    <a:lstStyle/>
-                    <a:p>
-                      <a:pPr algn="ctr">
-                        <a:lnSpc>
-                          <a:spcPct val="115000"/>
-                        </a:lnSpc>
-                        <a:spcAft>
-                          <a:spcPts val="1000"/>
-                        </a:spcAft>
-                      </a:pPr>
-                      <a:r>
-                        <a:rPr lang="pt-BR" sz="1200">
-                          <a:effectLst/>
-                          <a:latin typeface="Calibri" panose="020F0502020204030204" pitchFamily="34" charset="0"/>
-                          <a:ea typeface="Abadi Extra Light" panose="020B0204020104020204" pitchFamily="34" charset="0"/>
-                          <a:cs typeface="Calibri" panose="020F0502020204030204" pitchFamily="34" charset="0"/>
-                        </a:rPr>
-                        <a:t>4º Parcela</a:t>
-                      </a:r>
-                      <a:endParaRPr lang="pt-BR" sz="1200">
-                        <a:effectLst/>
-                        <a:latin typeface="Calibri" panose="020F0502020204030204" pitchFamily="34" charset="0"/>
-                        <a:ea typeface="Calibri" panose="020F0502020204030204" pitchFamily="34" charset="0"/>
-                        <a:cs typeface="Calibri" panose="020F0502020204030204" pitchFamily="34" charset="0"/>
-                      </a:endParaRPr>
-                    </a:p>
-                  </a:txBody>
-                  <a:tcPr marL="68580" marR="68580" marT="0" marB="0" anchor="ctr">
-                    <a:lnL w="12700" cap="flat" cmpd="sng" algn="ctr">
-                      <a:solidFill>
-                        <a:schemeClr val="tx1"/>
-                      </a:solidFill>
-                      <a:prstDash val="solid"/>
-                      <a:round/>
-                      <a:headEnd type="none" w="med" len="med"/>
-                      <a:tailEnd type="none" w="med" len="med"/>
-                    </a:lnL>
-                    <a:lnR w="12700" cap="flat" cmpd="sng" algn="ctr">
-                      <a:solidFill>
-                        <a:schemeClr val="tx1"/>
-                      </a:solidFill>
-                      <a:prstDash val="solid"/>
-                      <a:round/>
-                      <a:headEnd type="none" w="med" len="med"/>
-                      <a:tailEnd type="none" w="med" len="med"/>
-                    </a:lnR>
-                    <a:lnT w="12700" cap="flat" cmpd="sng" algn="ctr">
-                      <a:solidFill>
-                        <a:schemeClr val="tx1"/>
-                      </a:solidFill>
-                      <a:prstDash val="solid"/>
-                      <a:round/>
-                      <a:headEnd type="none" w="med" len="med"/>
-                      <a:tailEnd type="none" w="med" len="med"/>
-                    </a:lnT>
-                    <a:lnB w="12700" cap="flat" cmpd="sng" algn="ctr">
-                      <a:solidFill>
-                        <a:schemeClr val="tx1"/>
-                      </a:solidFill>
-                      <a:prstDash val="solid"/>
-                      <a:round/>
-                      <a:headEnd type="none" w="med" len="med"/>
-                      <a:tailEnd type="none" w="med" len="med"/>
-                    </a:lnB>
-                  </a:tcPr>
-                </a:tc>
-                <a:tc>
-                  <a:txBody>
-                    <a:bodyPr/>
-                    <a:lstStyle/>
-                    <a:p>
-                      <a:pPr algn="ctr">
-                        <a:lnSpc>
-                          <a:spcPct val="115000"/>
-                        </a:lnSpc>
-                        <a:spcAft>
-                          <a:spcPts val="1000"/>
-                        </a:spcAft>
-                      </a:pPr>
-                      <a:r>
-                        <a:rPr lang="pt-BR" sz="1200">
-                          <a:effectLst/>
-                          <a:latin typeface="Calibri" panose="020F0502020204030204" pitchFamily="34" charset="0"/>
-                          <a:ea typeface="Abadi Extra Light" panose="020B0204020104020204" pitchFamily="34" charset="0"/>
-                          <a:cs typeface="Calibri" panose="020F0502020204030204" pitchFamily="34" charset="0"/>
-                        </a:rPr>
-                        <a:t>R$ 17.660,00</a:t>
-                      </a:r>
-                      <a:endParaRPr lang="pt-BR" sz="1200">
-                        <a:effectLst/>
-                        <a:latin typeface="Calibri" panose="020F0502020204030204" pitchFamily="34" charset="0"/>
-                        <a:ea typeface="Calibri" panose="020F0502020204030204" pitchFamily="34" charset="0"/>
-                        <a:cs typeface="Calibri" panose="020F0502020204030204" pitchFamily="34" charset="0"/>
-                      </a:endParaRPr>
-                    </a:p>
-                  </a:txBody>
-                  <a:tcPr marL="68580" marR="68580" marT="0" marB="0" anchor="ctr">
-                    <a:lnL w="12700" cap="flat" cmpd="sng" algn="ctr">
-                      <a:solidFill>
-                        <a:schemeClr val="tx1"/>
-                      </a:solidFill>
-                      <a:prstDash val="solid"/>
-                      <a:round/>
-                      <a:headEnd type="none" w="med" len="med"/>
-                      <a:tailEnd type="none" w="med" len="med"/>
-                    </a:lnL>
-                    <a:lnR w="12700" cap="flat" cmpd="sng" algn="ctr">
-                      <a:solidFill>
-                        <a:schemeClr val="tx1"/>
-                      </a:solidFill>
-                      <a:prstDash val="solid"/>
-                      <a:round/>
-                      <a:headEnd type="none" w="med" len="med"/>
-                      <a:tailEnd type="none" w="med" len="med"/>
-                    </a:lnR>
-                    <a:lnT w="12700" cap="flat" cmpd="sng" algn="ctr">
-                      <a:solidFill>
-                        <a:schemeClr val="tx1"/>
-                      </a:solidFill>
-                      <a:prstDash val="solid"/>
-                      <a:round/>
-                      <a:headEnd type="none" w="med" len="med"/>
-                      <a:tailEnd type="none" w="med" len="med"/>
-                    </a:lnT>
-                    <a:lnB w="12700" cap="flat" cmpd="sng" algn="ctr">
-                      <a:solidFill>
-                        <a:schemeClr val="tx1"/>
-                      </a:solidFill>
-                      <a:prstDash val="solid"/>
-                      <a:round/>
-                      <a:headEnd type="none" w="med" len="med"/>
-                      <a:tailEnd type="none" w="med" len="med"/>
-                    </a:lnB>
-                  </a:tcPr>
-                </a:tc>
-                <a:tc>
-                  <a:txBody>
-                    <a:bodyPr/>
-                    <a:lstStyle/>
-                    <a:p>
-                      <a:pPr algn="ctr">
-                        <a:lnSpc>
-                          <a:spcPct val="115000"/>
-                        </a:lnSpc>
-                        <a:spcAft>
-                          <a:spcPts val="1000"/>
-                        </a:spcAft>
-                      </a:pPr>
-                      <a:r>
-                        <a:rPr lang="pt-BR" sz="1200">
-                          <a:effectLst/>
-                          <a:latin typeface="Calibri" panose="020F0502020204030204" pitchFamily="34" charset="0"/>
-                          <a:ea typeface="Abadi Extra Light" panose="020B0204020104020204" pitchFamily="34" charset="0"/>
-                          <a:cs typeface="Calibri" panose="020F0502020204030204" pitchFamily="34" charset="0"/>
-                        </a:rPr>
-                        <a:t>01/12/2020</a:t>
-                      </a:r>
-                      <a:endParaRPr lang="pt-BR" sz="1200">
-                        <a:effectLst/>
-                        <a:latin typeface="Calibri" panose="020F0502020204030204" pitchFamily="34" charset="0"/>
-                        <a:ea typeface="Calibri" panose="020F0502020204030204" pitchFamily="34" charset="0"/>
-                        <a:cs typeface="Calibri" panose="020F0502020204030204" pitchFamily="34" charset="0"/>
-                      </a:endParaRPr>
-                    </a:p>
-                  </a:txBody>
-                  <a:tcPr marL="68580" marR="68580" marT="0" marB="0" anchor="ctr">
-                    <a:lnL w="12700" cap="flat" cmpd="sng" algn="ctr">
-                      <a:solidFill>
-                        <a:schemeClr val="tx1"/>
-                      </a:solidFill>
-                      <a:prstDash val="solid"/>
-                      <a:round/>
-                      <a:headEnd type="none" w="med" len="med"/>
-                      <a:tailEnd type="none" w="med" len="med"/>
-                    </a:lnL>
-                    <a:lnR w="12700" cap="flat" cmpd="sng" algn="ctr">
-                      <a:solidFill>
-                        <a:schemeClr val="tx1"/>
-                      </a:solidFill>
-                      <a:prstDash val="solid"/>
-                      <a:round/>
-                      <a:headEnd type="none" w="med" len="med"/>
-                      <a:tailEnd type="none" w="med" len="med"/>
-                    </a:lnR>
-                    <a:lnT w="12700" cap="flat" cmpd="sng" algn="ctr">
-                      <a:solidFill>
-                        <a:schemeClr val="tx1"/>
-                      </a:solidFill>
-                      <a:prstDash val="solid"/>
-                      <a:round/>
-                      <a:headEnd type="none" w="med" len="med"/>
-                      <a:tailEnd type="none" w="med" len="med"/>
-                    </a:lnT>
-                    <a:lnB w="12700" cap="flat" cmpd="sng" algn="ctr">
-                      <a:solidFill>
-                        <a:schemeClr val="tx1"/>
-                      </a:solidFill>
-                      <a:prstDash val="solid"/>
-                      <a:round/>
-                      <a:headEnd type="none" w="med" len="med"/>
-                      <a:tailEnd type="none" w="med" len="med"/>
-                    </a:lnB>
-                  </a:tcPr>
-                </a:tc>
-                <a:tc>
-                  <a:txBody>
-                    <a:bodyPr/>
-                    <a:lstStyle/>
-                    <a:p>
-                      <a:pPr algn="ctr">
-                        <a:lnSpc>
-                          <a:spcPct val="115000"/>
-                        </a:lnSpc>
-                        <a:spcAft>
-                          <a:spcPts val="1000"/>
-                        </a:spcAft>
-                      </a:pPr>
-                      <a:r>
-                        <a:rPr lang="pt-BR" sz="1200">
-                          <a:effectLst/>
-                          <a:latin typeface="Calibri" panose="020F0502020204030204" pitchFamily="34" charset="0"/>
-                          <a:ea typeface="Abadi Extra Light" panose="020B0204020104020204" pitchFamily="34" charset="0"/>
-                          <a:cs typeface="Calibri" panose="020F0502020204030204" pitchFamily="34" charset="0"/>
-                        </a:rPr>
-                        <a:t>16/12/2020</a:t>
-                      </a:r>
-                      <a:endParaRPr lang="pt-BR" sz="1200">
-                        <a:effectLst/>
-                        <a:latin typeface="Calibri" panose="020F0502020204030204" pitchFamily="34" charset="0"/>
-                        <a:ea typeface="Calibri" panose="020F0502020204030204" pitchFamily="34" charset="0"/>
-                        <a:cs typeface="Calibri" panose="020F0502020204030204" pitchFamily="34" charset="0"/>
-                      </a:endParaRPr>
-                    </a:p>
-                  </a:txBody>
-                  <a:tcPr marL="68580" marR="68580" marT="0" marB="0" anchor="ctr">
-                    <a:lnL w="12700" cap="flat" cmpd="sng" algn="ctr">
-                      <a:solidFill>
-                        <a:schemeClr val="tx1"/>
-                      </a:solidFill>
-                      <a:prstDash val="solid"/>
-                      <a:round/>
-                      <a:headEnd type="none" w="med" len="med"/>
-                      <a:tailEnd type="none" w="med" len="med"/>
-                    </a:lnL>
-                    <a:lnR w="12700" cap="flat" cmpd="sng" algn="ctr">
-                      <a:solidFill>
-                        <a:schemeClr val="tx1"/>
-                      </a:solidFill>
-                      <a:prstDash val="solid"/>
-                      <a:round/>
-                      <a:headEnd type="none" w="med" len="med"/>
-                      <a:tailEnd type="none" w="med" len="med"/>
-                    </a:lnR>
-                    <a:lnT w="12700" cap="flat" cmpd="sng" algn="ctr">
-                      <a:solidFill>
-                        <a:schemeClr val="tx1"/>
-                      </a:solidFill>
-                      <a:prstDash val="solid"/>
-                      <a:round/>
-                      <a:headEnd type="none" w="med" len="med"/>
-                      <a:tailEnd type="none" w="med" len="med"/>
-                    </a:lnT>
-                    <a:lnB w="12700" cap="flat" cmpd="sng" algn="ctr">
-                      <a:solidFill>
-                        <a:schemeClr val="tx1"/>
-                      </a:solidFill>
-                      <a:prstDash val="solid"/>
-                      <a:round/>
-                      <a:headEnd type="none" w="med" len="med"/>
-                      <a:tailEnd type="none" w="med" len="med"/>
-                    </a:lnB>
-                  </a:tcPr>
-                </a:tc>
-                <a:extLst>
-                  <a:ext uri="{0D108BD9-81ED-4DB2-BD59-A6C34878D82A}">
-                    <a16:rowId xmlns:a16="http://schemas.microsoft.com/office/drawing/2014/main" val="164761615"/>
-                  </a:ext>
-                </a:extLst>
-              </a:tr>
-            </a:tbl>
-          </a:graphicData>
-        </a:graphic>
-      </p:graphicFrame>
-      <p:pic>
-        <p:nvPicPr>
-          <p:cNvPr id="13" name="Imagem 12" descr="Uma imagem contendo homem, segurando&#10;&#10;Descrição gerada automaticamente">
-            <a:extLst>
-              <a:ext uri="{FF2B5EF4-FFF2-40B4-BE49-F238E27FC236}">
-                <a16:creationId xmlns:a16="http://schemas.microsoft.com/office/drawing/2014/main" id="{15841944-E37A-410E-8129-925031F09E24}"/>
+                <a16:creationId xmlns:a16="http://schemas.microsoft.com/office/drawing/2014/main" id="{6A47D407-B4EA-4A7D-A5ED-824DDCC0A746}"/>
               </a:ext>
             </a:extLst>
           </p:cNvPr>
@@ -32578,8 +30465,38 @@
         </p:blipFill>
         <p:spPr>
           <a:xfrm>
-            <a:off x="9964675" y="-2215"/>
-            <a:ext cx="2227325" cy="1593560"/>
+            <a:off x="9566451" y="-891"/>
+            <a:ext cx="2567589" cy="1609170"/>
+          </a:xfrm>
+          <a:prstGeom prst="rect">
+            <a:avLst/>
+          </a:prstGeom>
+        </p:spPr>
+      </p:pic>
+      <p:pic>
+        <p:nvPicPr>
+          <p:cNvPr id="4" name="Imagem 3">
+            <a:extLst>
+              <a:ext uri="{FF2B5EF4-FFF2-40B4-BE49-F238E27FC236}">
+                <a16:creationId xmlns:a16="http://schemas.microsoft.com/office/drawing/2014/main" id="{B398A5EC-B865-49D7-8BC4-58AB02FEAAA0}"/>
+              </a:ext>
+            </a:extLst>
+          </p:cNvPr>
+          <p:cNvPicPr>
+            <a:picLocks noChangeAspect="1"/>
+          </p:cNvPicPr>
+          <p:nvPr/>
+        </p:nvPicPr>
+        <p:blipFill>
+          <a:blip r:embed="rId4"/>
+          <a:stretch>
+            <a:fillRect/>
+          </a:stretch>
+        </p:blipFill>
+        <p:spPr>
+          <a:xfrm>
+            <a:off x="0" y="1162744"/>
+            <a:ext cx="12192000" cy="5143500"/>
           </a:xfrm>
           <a:prstGeom prst="rect">
             <a:avLst/>
@@ -32589,25 +30506,16 @@
     </p:spTree>
     <p:extLst>
       <p:ext uri="{BB962C8B-B14F-4D97-AF65-F5344CB8AC3E}">
-        <p14:creationId xmlns:p14="http://schemas.microsoft.com/office/powerpoint/2010/main" val="2876785368"/>
+        <p14:creationId xmlns:p14="http://schemas.microsoft.com/office/powerpoint/2010/main" val="3970146028"/>
       </p:ext>
     </p:extLst>
   </p:cSld>
   <p:clrMapOvr>
     <a:masterClrMapping/>
   </p:clrMapOvr>
-  <mc:AlternateContent xmlns:mc="http://schemas.openxmlformats.org/markup-compatibility/2006" xmlns:p14="http://schemas.microsoft.com/office/powerpoint/2010/main">
-    <mc:Choice Requires="p14">
-      <p:transition spd="slow">
-        <p14:flash/>
-      </p:transition>
-    </mc:Choice>
-    <mc:Fallback xmlns="">
-      <p:transition spd="slow">
-        <p:fade/>
-      </p:transition>
-    </mc:Fallback>
-  </mc:AlternateContent>
+  <p:transition spd="slow">
+    <p:wipe/>
+  </p:transition>
 </p:sld>
 </file>
 
@@ -32630,179 +30538,40 @@
       </p:grpSpPr>
       <p:sp>
         <p:nvSpPr>
-          <p:cNvPr id="4" name="Título 1">
+          <p:cNvPr id="2" name="Título 1">
             <a:extLst>
               <a:ext uri="{FF2B5EF4-FFF2-40B4-BE49-F238E27FC236}">
-                <a16:creationId xmlns:a16="http://schemas.microsoft.com/office/drawing/2014/main" id="{8B2E5E53-9E39-4FB1-823D-3C703040A847}"/>
+                <a16:creationId xmlns:a16="http://schemas.microsoft.com/office/drawing/2014/main" id="{53C9334F-F7EA-4C4D-AD73-14F433AEFC7C}"/>
               </a:ext>
             </a:extLst>
           </p:cNvPr>
-          <p:cNvSpPr txBox="1">
-            <a:spLocks/>
+          <p:cNvSpPr>
+            <a:spLocks noGrp="1"/>
           </p:cNvSpPr>
-          <p:nvPr/>
+          <p:nvPr>
+            <p:ph type="title"/>
+          </p:nvPr>
         </p:nvSpPr>
         <p:spPr>
           <a:xfrm>
-            <a:off x="0" y="1124744"/>
-            <a:ext cx="12192000" cy="360040"/>
+            <a:off x="838200" y="86830"/>
+            <a:ext cx="10515600" cy="1325563"/>
           </a:xfrm>
-          <a:prstGeom prst="rect">
-            <a:avLst/>
-          </a:prstGeom>
-          <a:solidFill>
-            <a:srgbClr val="002060"/>
-          </a:solidFill>
         </p:spPr>
         <p:txBody>
-          <a:bodyPr vert="horz" lIns="91440" tIns="45720" rIns="91440" bIns="45720" rtlCol="0" anchor="ctr">
-            <a:noAutofit/>
-          </a:bodyPr>
-          <a:lstStyle>
-            <a:lvl1pPr algn="ctr" defTabSz="914400" rtl="0" eaLnBrk="1" latinLnBrk="0" hangingPunct="1">
-              <a:spcBef>
-                <a:spcPct val="0"/>
-              </a:spcBef>
-              <a:buNone/>
-              <a:defRPr sz="4400" kern="1200">
-                <a:solidFill>
-                  <a:schemeClr val="tx1"/>
-                </a:solidFill>
-                <a:latin typeface="+mj-lt"/>
-                <a:ea typeface="+mj-ea"/>
-                <a:cs typeface="+mj-cs"/>
-              </a:defRPr>
-            </a:lvl1pPr>
-          </a:lstStyle>
+          <a:bodyPr/>
+          <a:lstStyle/>
           <a:p>
             <a:r>
-              <a:rPr lang="pt-BR" sz="1800" spc="300">
-                <a:solidFill>
-                  <a:schemeClr val="bg1"/>
-                </a:solidFill>
-                <a:latin typeface="Times New Roman" pitchFamily="18" charset="0"/>
-                <a:cs typeface="Times New Roman" pitchFamily="18" charset="0"/>
-              </a:rPr>
-              <a:t>Faculdade de Tecnologia de Mogi das Cruze</a:t>
-            </a:r>
-            <a:r>
-              <a:rPr lang="pt-BR" sz="1800">
-                <a:solidFill>
-                  <a:schemeClr val="bg1"/>
-                </a:solidFill>
-                <a:latin typeface="Times New Roman" pitchFamily="18" charset="0"/>
-                <a:cs typeface="Times New Roman" pitchFamily="18" charset="0"/>
-              </a:rPr>
-              <a:t>s</a:t>
-            </a:r>
-          </a:p>
-        </p:txBody>
-      </p:sp>
-      <p:sp>
-        <p:nvSpPr>
-          <p:cNvPr id="5" name="Título 1">
-            <a:extLst>
-              <a:ext uri="{FF2B5EF4-FFF2-40B4-BE49-F238E27FC236}">
-                <a16:creationId xmlns:a16="http://schemas.microsoft.com/office/drawing/2014/main" id="{89D938D6-E2AA-44CA-B68B-67D297F63CE7}"/>
-              </a:ext>
-            </a:extLst>
-          </p:cNvPr>
-          <p:cNvSpPr txBox="1">
-            <a:spLocks/>
-          </p:cNvSpPr>
-          <p:nvPr/>
-        </p:nvSpPr>
-        <p:spPr>
-          <a:xfrm>
-            <a:off x="2220191" y="1709619"/>
-            <a:ext cx="7751618" cy="3627311"/>
-          </a:xfrm>
-          <a:prstGeom prst="rect">
-            <a:avLst/>
-          </a:prstGeom>
-        </p:spPr>
-        <p:txBody>
-          <a:bodyPr vert="horz" lIns="91440" tIns="45720" rIns="91440" bIns="45720" rtlCol="0" anchor="ctr">
-            <a:normAutofit/>
-          </a:bodyPr>
-          <a:lstStyle>
-            <a:lvl1pPr algn="l" defTabSz="914400" rtl="0" eaLnBrk="1" latinLnBrk="0" hangingPunct="1">
-              <a:lnSpc>
-                <a:spcPct val="90000"/>
-              </a:lnSpc>
-              <a:spcBef>
-                <a:spcPct val="0"/>
-              </a:spcBef>
-              <a:buNone/>
-              <a:defRPr sz="4400" kern="1200">
-                <a:solidFill>
-                  <a:schemeClr val="tx1"/>
-                </a:solidFill>
-                <a:latin typeface="+mj-lt"/>
-                <a:ea typeface="+mj-ea"/>
-                <a:cs typeface="+mj-cs"/>
-              </a:defRPr>
-            </a:lvl1pPr>
-          </a:lstStyle>
-          <a:p>
-            <a:pPr algn="ctr"/>
-            <a:r>
-              <a:rPr lang="pt-BR" sz="3700" b="1">
+              <a:rPr lang="pt-BR" b="1" dirty="0">
                 <a:solidFill>
                   <a:srgbClr val="002060"/>
                 </a:solidFill>
-                <a:latin typeface="Century Gothic" panose="020B0502020202020204" pitchFamily="34" charset="0"/>
+                <a:latin typeface="Century Gothic"/>
               </a:rPr>
-              <a:t>Laboratório de Engenharia de Software </a:t>
+              <a:t>Tela: Solicitar troca</a:t>
             </a:r>
-          </a:p>
-          <a:p>
-            <a:pPr algn="ctr"/>
-            <a:br>
-              <a:rPr lang="pt-BR" sz="3700" b="1">
-                <a:solidFill>
-                  <a:srgbClr val="002060"/>
-                </a:solidFill>
-                <a:latin typeface="Century Gothic" panose="020B0502020202020204" pitchFamily="34" charset="0"/>
-              </a:rPr>
-            </a:br>
-            <a:r>
-              <a:rPr lang="pt-BR" sz="3700" b="1" err="1">
-                <a:solidFill>
-                  <a:srgbClr val="002060"/>
-                </a:solidFill>
-                <a:latin typeface="Century Gothic" panose="020B0502020202020204" pitchFamily="34" charset="0"/>
-              </a:rPr>
-              <a:t>GrowUp</a:t>
-            </a:r>
-            <a:endParaRPr lang="pt-BR" sz="3700" b="1">
-              <a:solidFill>
-                <a:srgbClr val="002060"/>
-              </a:solidFill>
-              <a:latin typeface="Century Gothic" panose="020B0502020202020204" pitchFamily="34" charset="0"/>
-            </a:endParaRPr>
-          </a:p>
-          <a:p>
-            <a:pPr algn="ctr"/>
-            <a:endParaRPr lang="pt-BR" sz="3700" b="1">
-              <a:solidFill>
-                <a:srgbClr val="002060"/>
-              </a:solidFill>
-              <a:latin typeface="Century Gothic" panose="020B0502020202020204" pitchFamily="34" charset="0"/>
-            </a:endParaRPr>
-          </a:p>
-          <a:p>
-            <a:pPr algn="ctr"/>
-            <a:r>
-              <a:rPr lang="pt-BR" sz="3700" b="1">
-                <a:solidFill>
-                  <a:srgbClr val="002060"/>
-                </a:solidFill>
-                <a:latin typeface="Century Gothic" panose="020B0502020202020204" pitchFamily="34" charset="0"/>
-              </a:rPr>
-              <a:t>Obrigado!</a:t>
-            </a:r>
-            <a:endParaRPr lang="pt-BR" sz="3600" b="1">
+            <a:endParaRPr lang="pt-BR" b="1" dirty="0">
               <a:solidFill>
                 <a:srgbClr val="002060"/>
               </a:solidFill>
@@ -32813,110 +30582,160 @@
       </p:sp>
       <p:pic>
         <p:nvPicPr>
-          <p:cNvPr id="7" name="Imagem 6" descr="logo-novo-cps-cor">
+          <p:cNvPr id="3" name="Picture 4" descr="A picture containing soccer, person, field, room&#10;&#10;Description automatically generated">
             <a:extLst>
               <a:ext uri="{FF2B5EF4-FFF2-40B4-BE49-F238E27FC236}">
-                <a16:creationId xmlns:a16="http://schemas.microsoft.com/office/drawing/2014/main" id="{0C00EA31-2DD5-4F53-9D69-98D4ADD9D842}"/>
+                <a16:creationId xmlns:a16="http://schemas.microsoft.com/office/drawing/2014/main" id="{4BD75C6F-D32A-47ED-8C5D-F4D3A0F6F4E4}"/>
               </a:ext>
             </a:extLst>
           </p:cNvPr>
-          <p:cNvPicPr/>
+          <p:cNvPicPr>
+            <a:picLocks noChangeAspect="1"/>
+          </p:cNvPicPr>
           <p:nvPr/>
         </p:nvPicPr>
-        <p:blipFill>
+        <p:blipFill rotWithShape="1">
           <a:blip r:embed="rId2"/>
-          <a:srcRect/>
-          <a:stretch>
-            <a:fillRect/>
-          </a:stretch>
+          <a:srcRect b="11667"/>
+          <a:stretch/>
         </p:blipFill>
-        <p:spPr bwMode="auto">
-          <a:xfrm>
-            <a:off x="3299298" y="103000"/>
-            <a:ext cx="5580660" cy="924809"/>
-          </a:xfrm>
-          <a:prstGeom prst="rect">
-            <a:avLst/>
-          </a:prstGeom>
-          <a:noFill/>
-          <a:ln w="9525">
-            <a:noFill/>
-            <a:miter lim="800000"/>
-            <a:headEnd/>
-            <a:tailEnd/>
-          </a:ln>
-        </p:spPr>
-      </p:pic>
-      <p:sp>
-        <p:nvSpPr>
-          <p:cNvPr id="8" name="Título 1">
-            <a:extLst>
-              <a:ext uri="{FF2B5EF4-FFF2-40B4-BE49-F238E27FC236}">
-                <a16:creationId xmlns:a16="http://schemas.microsoft.com/office/drawing/2014/main" id="{961F6963-9864-4982-BB08-2ACE44CC2B5E}"/>
-              </a:ext>
-            </a:extLst>
-          </p:cNvPr>
-          <p:cNvSpPr txBox="1">
-            <a:spLocks/>
-          </p:cNvSpPr>
-          <p:nvPr/>
-        </p:nvSpPr>
         <p:spPr>
           <a:xfrm>
-            <a:off x="2220191" y="4899997"/>
-            <a:ext cx="7751618" cy="1958003"/>
+            <a:off x="10312400" y="5249721"/>
+            <a:ext cx="1356360" cy="1006416"/>
           </a:xfrm>
           <a:prstGeom prst="rect">
             <a:avLst/>
           </a:prstGeom>
         </p:spPr>
+      </p:pic>
+      <p:sp>
+        <p:nvSpPr>
+          <p:cNvPr id="5" name="Espaço Reservado para Rodapé 4">
+            <a:extLst>
+              <a:ext uri="{FF2B5EF4-FFF2-40B4-BE49-F238E27FC236}">
+                <a16:creationId xmlns:a16="http://schemas.microsoft.com/office/drawing/2014/main" id="{75938DF3-E53E-449A-A3ED-A0E032B49E3B}"/>
+              </a:ext>
+            </a:extLst>
+          </p:cNvPr>
+          <p:cNvSpPr>
+            <a:spLocks noGrp="1"/>
+          </p:cNvSpPr>
+          <p:nvPr>
+            <p:ph type="ftr" sz="quarter" idx="11"/>
+          </p:nvPr>
+        </p:nvSpPr>
+        <p:spPr/>
         <p:txBody>
-          <a:bodyPr vert="horz" lIns="91440" tIns="45720" rIns="91440" bIns="45720" rtlCol="0" anchor="ctr">
-            <a:normAutofit/>
-          </a:bodyPr>
-          <a:lstStyle>
-            <a:lvl1pPr algn="l" defTabSz="914400" rtl="0" eaLnBrk="1" latinLnBrk="0" hangingPunct="1">
-              <a:lnSpc>
-                <a:spcPct val="90000"/>
-              </a:lnSpc>
-              <a:spcBef>
-                <a:spcPct val="0"/>
-              </a:spcBef>
-              <a:buNone/>
-              <a:defRPr sz="4400" kern="1200">
-                <a:solidFill>
-                  <a:schemeClr val="tx1"/>
-                </a:solidFill>
-                <a:latin typeface="+mj-lt"/>
-                <a:ea typeface="+mj-ea"/>
-                <a:cs typeface="+mj-cs"/>
-              </a:defRPr>
-            </a:lvl1pPr>
-          </a:lstStyle>
+          <a:bodyPr/>
+          <a:lstStyle/>
           <a:p>
-            <a:pPr algn="ctr"/>
             <a:r>
-              <a:rPr lang="pt-BR" sz="2000" b="1">
-                <a:latin typeface="Century Gothic" panose="020B0502020202020204" pitchFamily="34" charset="0"/>
-              </a:rPr>
-              <a:t>Pablo Luiz de Oliveira Lessa Ribeiro</a:t>
-            </a:r>
-          </a:p>
-          <a:p>
-            <a:pPr algn="ctr"/>
-            <a:r>
-              <a:rPr lang="pt-BR" sz="2000" b="1">
-                <a:latin typeface="Century Gothic" panose="020B0502020202020204" pitchFamily="34" charset="0"/>
-              </a:rPr>
-              <a:t>Grupo: LS-025</a:t>
+              <a:rPr lang="pt-BR"/>
+              <a:t>FATEC MOGI DAS CRUZES</a:t>
             </a:r>
           </a:p>
         </p:txBody>
       </p:sp>
+      <p:sp>
+        <p:nvSpPr>
+          <p:cNvPr id="6" name="Espaço Reservado para Número de Slide 5">
+            <a:extLst>
+              <a:ext uri="{FF2B5EF4-FFF2-40B4-BE49-F238E27FC236}">
+                <a16:creationId xmlns:a16="http://schemas.microsoft.com/office/drawing/2014/main" id="{34A58F1A-F1BA-4B3F-80F5-FA21E0B933DA}"/>
+              </a:ext>
+            </a:extLst>
+          </p:cNvPr>
+          <p:cNvSpPr>
+            <a:spLocks noGrp="1"/>
+          </p:cNvSpPr>
+          <p:nvPr>
+            <p:ph type="sldNum" sz="quarter" idx="12"/>
+          </p:nvPr>
+        </p:nvSpPr>
+        <p:spPr/>
+        <p:txBody>
+          <a:bodyPr/>
+          <a:lstStyle/>
+          <a:p>
+            <a:fld id="{BD2B5394-143A-4208-A3B1-25D9600048D5}" type="slidenum">
+              <a:rPr lang="pt-BR" smtClean="0"/>
+              <a:t>47</a:t>
+            </a:fld>
+            <a:endParaRPr lang="pt-BR"/>
+          </a:p>
+        </p:txBody>
+      </p:sp>
+      <p:pic>
+        <p:nvPicPr>
+          <p:cNvPr id="9" name="Imagem 8" descr="Uma imagem contendo texto, homem, screenshot, em pé&#10;&#10;Descrição gerada automaticamente">
+            <a:extLst>
+              <a:ext uri="{FF2B5EF4-FFF2-40B4-BE49-F238E27FC236}">
+                <a16:creationId xmlns:a16="http://schemas.microsoft.com/office/drawing/2014/main" id="{6A47D407-B4EA-4A7D-A5ED-824DDCC0A746}"/>
+              </a:ext>
+            </a:extLst>
+          </p:cNvPr>
+          <p:cNvPicPr>
+            <a:picLocks noChangeAspect="1"/>
+          </p:cNvPicPr>
+          <p:nvPr/>
+        </p:nvPicPr>
+        <p:blipFill>
+          <a:blip r:embed="rId3">
+            <a:extLst>
+              <a:ext uri="{28A0092B-C50C-407E-A947-70E740481C1C}">
+                <a14:useLocalDpi xmlns:a14="http://schemas.microsoft.com/office/drawing/2010/main" val="0"/>
+              </a:ext>
+            </a:extLst>
+          </a:blip>
+          <a:stretch>
+            <a:fillRect/>
+          </a:stretch>
+        </p:blipFill>
+        <p:spPr>
+          <a:xfrm>
+            <a:off x="9566451" y="-891"/>
+            <a:ext cx="2567589" cy="1609170"/>
+          </a:xfrm>
+          <a:prstGeom prst="rect">
+            <a:avLst/>
+          </a:prstGeom>
+        </p:spPr>
+      </p:pic>
+      <p:pic>
+        <p:nvPicPr>
+          <p:cNvPr id="7" name="Imagem 6">
+            <a:extLst>
+              <a:ext uri="{FF2B5EF4-FFF2-40B4-BE49-F238E27FC236}">
+                <a16:creationId xmlns:a16="http://schemas.microsoft.com/office/drawing/2014/main" id="{3AE6AF6F-91AD-44F9-9540-096AF5C9EEEB}"/>
+              </a:ext>
+            </a:extLst>
+          </p:cNvPr>
+          <p:cNvPicPr>
+            <a:picLocks noChangeAspect="1"/>
+          </p:cNvPicPr>
+          <p:nvPr/>
+        </p:nvPicPr>
+        <p:blipFill>
+          <a:blip r:embed="rId4"/>
+          <a:stretch>
+            <a:fillRect/>
+          </a:stretch>
+        </p:blipFill>
+        <p:spPr>
+          <a:xfrm>
+            <a:off x="0" y="1362075"/>
+            <a:ext cx="12192000" cy="4133850"/>
+          </a:xfrm>
+          <a:prstGeom prst="rect">
+            <a:avLst/>
+          </a:prstGeom>
+        </p:spPr>
+      </p:pic>
     </p:spTree>
     <p:extLst>
       <p:ext uri="{BB962C8B-B14F-4D97-AF65-F5344CB8AC3E}">
-        <p14:creationId xmlns:p14="http://schemas.microsoft.com/office/powerpoint/2010/main" val="2006994937"/>
+        <p14:creationId xmlns:p14="http://schemas.microsoft.com/office/powerpoint/2010/main" val="3716890668"/>
       </p:ext>
     </p:extLst>
   </p:cSld>
@@ -32924,7 +30743,465 @@
     <a:masterClrMapping/>
   </p:clrMapOvr>
   <p:transition spd="slow">
-    <p:push dir="u"/>
+    <p:wipe/>
+  </p:transition>
+</p:sld>
+</file>
+
+<file path=ppt/slides/slide48.xml><?xml version="1.0" encoding="utf-8"?>
+<p:sld xmlns:a="http://schemas.openxmlformats.org/drawingml/2006/main" xmlns:r="http://schemas.openxmlformats.org/officeDocument/2006/relationships" xmlns:p="http://schemas.openxmlformats.org/presentationml/2006/main">
+  <p:cSld>
+    <p:spTree>
+      <p:nvGrpSpPr>
+        <p:cNvPr id="1" name=""/>
+        <p:cNvGrpSpPr/>
+        <p:nvPr/>
+      </p:nvGrpSpPr>
+      <p:grpSpPr>
+        <a:xfrm>
+          <a:off x="0" y="0"/>
+          <a:ext cx="0" cy="0"/>
+          <a:chOff x="0" y="0"/>
+          <a:chExt cx="0" cy="0"/>
+        </a:xfrm>
+      </p:grpSpPr>
+      <p:sp>
+        <p:nvSpPr>
+          <p:cNvPr id="2" name="Título 1">
+            <a:extLst>
+              <a:ext uri="{FF2B5EF4-FFF2-40B4-BE49-F238E27FC236}">
+                <a16:creationId xmlns:a16="http://schemas.microsoft.com/office/drawing/2014/main" id="{53C9334F-F7EA-4C4D-AD73-14F433AEFC7C}"/>
+              </a:ext>
+            </a:extLst>
+          </p:cNvPr>
+          <p:cNvSpPr>
+            <a:spLocks noGrp="1"/>
+          </p:cNvSpPr>
+          <p:nvPr>
+            <p:ph type="title"/>
+          </p:nvPr>
+        </p:nvSpPr>
+        <p:spPr>
+          <a:xfrm>
+            <a:off x="838200" y="86830"/>
+            <a:ext cx="10515600" cy="1325563"/>
+          </a:xfrm>
+        </p:spPr>
+        <p:txBody>
+          <a:bodyPr/>
+          <a:lstStyle/>
+          <a:p>
+            <a:r>
+              <a:rPr lang="pt-BR" b="1" dirty="0">
+                <a:solidFill>
+                  <a:srgbClr val="002060"/>
+                </a:solidFill>
+                <a:latin typeface="Century Gothic"/>
+              </a:rPr>
+              <a:t>Tela: Listar pedidos - Admin</a:t>
+            </a:r>
+            <a:endParaRPr lang="pt-BR" b="1" dirty="0">
+              <a:solidFill>
+                <a:srgbClr val="002060"/>
+              </a:solidFill>
+              <a:latin typeface="Century Gothic" panose="020B0502020202020204" pitchFamily="34" charset="0"/>
+            </a:endParaRPr>
+          </a:p>
+        </p:txBody>
+      </p:sp>
+      <p:pic>
+        <p:nvPicPr>
+          <p:cNvPr id="3" name="Picture 4" descr="A picture containing soccer, person, field, room&#10;&#10;Description automatically generated">
+            <a:extLst>
+              <a:ext uri="{FF2B5EF4-FFF2-40B4-BE49-F238E27FC236}">
+                <a16:creationId xmlns:a16="http://schemas.microsoft.com/office/drawing/2014/main" id="{4BD75C6F-D32A-47ED-8C5D-F4D3A0F6F4E4}"/>
+              </a:ext>
+            </a:extLst>
+          </p:cNvPr>
+          <p:cNvPicPr>
+            <a:picLocks noChangeAspect="1"/>
+          </p:cNvPicPr>
+          <p:nvPr/>
+        </p:nvPicPr>
+        <p:blipFill rotWithShape="1">
+          <a:blip r:embed="rId2"/>
+          <a:srcRect b="11667"/>
+          <a:stretch/>
+        </p:blipFill>
+        <p:spPr>
+          <a:xfrm>
+            <a:off x="10312400" y="5249721"/>
+            <a:ext cx="1356360" cy="1006416"/>
+          </a:xfrm>
+          <a:prstGeom prst="rect">
+            <a:avLst/>
+          </a:prstGeom>
+        </p:spPr>
+      </p:pic>
+      <p:sp>
+        <p:nvSpPr>
+          <p:cNvPr id="5" name="Espaço Reservado para Rodapé 4">
+            <a:extLst>
+              <a:ext uri="{FF2B5EF4-FFF2-40B4-BE49-F238E27FC236}">
+                <a16:creationId xmlns:a16="http://schemas.microsoft.com/office/drawing/2014/main" id="{75938DF3-E53E-449A-A3ED-A0E032B49E3B}"/>
+              </a:ext>
+            </a:extLst>
+          </p:cNvPr>
+          <p:cNvSpPr>
+            <a:spLocks noGrp="1"/>
+          </p:cNvSpPr>
+          <p:nvPr>
+            <p:ph type="ftr" sz="quarter" idx="11"/>
+          </p:nvPr>
+        </p:nvSpPr>
+        <p:spPr/>
+        <p:txBody>
+          <a:bodyPr/>
+          <a:lstStyle/>
+          <a:p>
+            <a:r>
+              <a:rPr lang="pt-BR"/>
+              <a:t>FATEC MOGI DAS CRUZES</a:t>
+            </a:r>
+          </a:p>
+        </p:txBody>
+      </p:sp>
+      <p:sp>
+        <p:nvSpPr>
+          <p:cNvPr id="6" name="Espaço Reservado para Número de Slide 5">
+            <a:extLst>
+              <a:ext uri="{FF2B5EF4-FFF2-40B4-BE49-F238E27FC236}">
+                <a16:creationId xmlns:a16="http://schemas.microsoft.com/office/drawing/2014/main" id="{34A58F1A-F1BA-4B3F-80F5-FA21E0B933DA}"/>
+              </a:ext>
+            </a:extLst>
+          </p:cNvPr>
+          <p:cNvSpPr>
+            <a:spLocks noGrp="1"/>
+          </p:cNvSpPr>
+          <p:nvPr>
+            <p:ph type="sldNum" sz="quarter" idx="12"/>
+          </p:nvPr>
+        </p:nvSpPr>
+        <p:spPr/>
+        <p:txBody>
+          <a:bodyPr/>
+          <a:lstStyle/>
+          <a:p>
+            <a:fld id="{BD2B5394-143A-4208-A3B1-25D9600048D5}" type="slidenum">
+              <a:rPr lang="pt-BR" smtClean="0"/>
+              <a:t>48</a:t>
+            </a:fld>
+            <a:endParaRPr lang="pt-BR"/>
+          </a:p>
+        </p:txBody>
+      </p:sp>
+      <p:pic>
+        <p:nvPicPr>
+          <p:cNvPr id="9" name="Imagem 8" descr="Uma imagem contendo texto, homem, screenshot, em pé&#10;&#10;Descrição gerada automaticamente">
+            <a:extLst>
+              <a:ext uri="{FF2B5EF4-FFF2-40B4-BE49-F238E27FC236}">
+                <a16:creationId xmlns:a16="http://schemas.microsoft.com/office/drawing/2014/main" id="{6A47D407-B4EA-4A7D-A5ED-824DDCC0A746}"/>
+              </a:ext>
+            </a:extLst>
+          </p:cNvPr>
+          <p:cNvPicPr>
+            <a:picLocks noChangeAspect="1"/>
+          </p:cNvPicPr>
+          <p:nvPr/>
+        </p:nvPicPr>
+        <p:blipFill>
+          <a:blip r:embed="rId3">
+            <a:extLst>
+              <a:ext uri="{28A0092B-C50C-407E-A947-70E740481C1C}">
+                <a14:useLocalDpi xmlns:a14="http://schemas.microsoft.com/office/drawing/2010/main" val="0"/>
+              </a:ext>
+            </a:extLst>
+          </a:blip>
+          <a:stretch>
+            <a:fillRect/>
+          </a:stretch>
+        </p:blipFill>
+        <p:spPr>
+          <a:xfrm>
+            <a:off x="9566451" y="-891"/>
+            <a:ext cx="2567589" cy="1609170"/>
+          </a:xfrm>
+          <a:prstGeom prst="rect">
+            <a:avLst/>
+          </a:prstGeom>
+        </p:spPr>
+      </p:pic>
+      <p:pic>
+        <p:nvPicPr>
+          <p:cNvPr id="8" name="Imagem 7">
+            <a:extLst>
+              <a:ext uri="{FF2B5EF4-FFF2-40B4-BE49-F238E27FC236}">
+                <a16:creationId xmlns:a16="http://schemas.microsoft.com/office/drawing/2014/main" id="{4C83ADC7-6BFD-4D65-B9F8-85BACA423704}"/>
+              </a:ext>
+            </a:extLst>
+          </p:cNvPr>
+          <p:cNvPicPr>
+            <a:picLocks noChangeAspect="1"/>
+          </p:cNvPicPr>
+          <p:nvPr/>
+        </p:nvPicPr>
+        <p:blipFill>
+          <a:blip r:embed="rId4"/>
+          <a:stretch>
+            <a:fillRect/>
+          </a:stretch>
+        </p:blipFill>
+        <p:spPr>
+          <a:xfrm>
+            <a:off x="0" y="1608279"/>
+            <a:ext cx="12192000" cy="3299087"/>
+          </a:xfrm>
+          <a:prstGeom prst="rect">
+            <a:avLst/>
+          </a:prstGeom>
+        </p:spPr>
+      </p:pic>
+    </p:spTree>
+    <p:extLst>
+      <p:ext uri="{BB962C8B-B14F-4D97-AF65-F5344CB8AC3E}">
+        <p14:creationId xmlns:p14="http://schemas.microsoft.com/office/powerpoint/2010/main" val="217736636"/>
+      </p:ext>
+    </p:extLst>
+  </p:cSld>
+  <p:clrMapOvr>
+    <a:masterClrMapping/>
+  </p:clrMapOvr>
+  <p:transition spd="slow">
+    <p:wipe/>
+  </p:transition>
+</p:sld>
+</file>
+
+<file path=ppt/slides/slide49.xml><?xml version="1.0" encoding="utf-8"?>
+<p:sld xmlns:a="http://schemas.openxmlformats.org/drawingml/2006/main" xmlns:r="http://schemas.openxmlformats.org/officeDocument/2006/relationships" xmlns:p="http://schemas.openxmlformats.org/presentationml/2006/main">
+  <p:cSld>
+    <p:spTree>
+      <p:nvGrpSpPr>
+        <p:cNvPr id="1" name=""/>
+        <p:cNvGrpSpPr/>
+        <p:nvPr/>
+      </p:nvGrpSpPr>
+      <p:grpSpPr>
+        <a:xfrm>
+          <a:off x="0" y="0"/>
+          <a:ext cx="0" cy="0"/>
+          <a:chOff x="0" y="0"/>
+          <a:chExt cx="0" cy="0"/>
+        </a:xfrm>
+      </p:grpSpPr>
+      <p:sp>
+        <p:nvSpPr>
+          <p:cNvPr id="2" name="Título 1">
+            <a:extLst>
+              <a:ext uri="{FF2B5EF4-FFF2-40B4-BE49-F238E27FC236}">
+                <a16:creationId xmlns:a16="http://schemas.microsoft.com/office/drawing/2014/main" id="{53C9334F-F7EA-4C4D-AD73-14F433AEFC7C}"/>
+              </a:ext>
+            </a:extLst>
+          </p:cNvPr>
+          <p:cNvSpPr>
+            <a:spLocks noGrp="1"/>
+          </p:cNvSpPr>
+          <p:nvPr>
+            <p:ph type="title"/>
+          </p:nvPr>
+        </p:nvSpPr>
+        <p:spPr>
+          <a:xfrm>
+            <a:off x="838200" y="86830"/>
+            <a:ext cx="10515600" cy="1325563"/>
+          </a:xfrm>
+        </p:spPr>
+        <p:txBody>
+          <a:bodyPr/>
+          <a:lstStyle/>
+          <a:p>
+            <a:r>
+              <a:rPr lang="pt-BR" b="1" dirty="0">
+                <a:solidFill>
+                  <a:srgbClr val="002060"/>
+                </a:solidFill>
+                <a:latin typeface="Century Gothic"/>
+              </a:rPr>
+              <a:t>Tela: Ver pedido - Admin</a:t>
+            </a:r>
+            <a:endParaRPr lang="pt-BR" b="1" dirty="0">
+              <a:solidFill>
+                <a:srgbClr val="002060"/>
+              </a:solidFill>
+              <a:latin typeface="Century Gothic" panose="020B0502020202020204" pitchFamily="34" charset="0"/>
+            </a:endParaRPr>
+          </a:p>
+        </p:txBody>
+      </p:sp>
+      <p:pic>
+        <p:nvPicPr>
+          <p:cNvPr id="3" name="Picture 4" descr="A picture containing soccer, person, field, room&#10;&#10;Description automatically generated">
+            <a:extLst>
+              <a:ext uri="{FF2B5EF4-FFF2-40B4-BE49-F238E27FC236}">
+                <a16:creationId xmlns:a16="http://schemas.microsoft.com/office/drawing/2014/main" id="{4BD75C6F-D32A-47ED-8C5D-F4D3A0F6F4E4}"/>
+              </a:ext>
+            </a:extLst>
+          </p:cNvPr>
+          <p:cNvPicPr>
+            <a:picLocks noChangeAspect="1"/>
+          </p:cNvPicPr>
+          <p:nvPr/>
+        </p:nvPicPr>
+        <p:blipFill rotWithShape="1">
+          <a:blip r:embed="rId2"/>
+          <a:srcRect b="11667"/>
+          <a:stretch/>
+        </p:blipFill>
+        <p:spPr>
+          <a:xfrm>
+            <a:off x="10312400" y="5249721"/>
+            <a:ext cx="1356360" cy="1006416"/>
+          </a:xfrm>
+          <a:prstGeom prst="rect">
+            <a:avLst/>
+          </a:prstGeom>
+        </p:spPr>
+      </p:pic>
+      <p:sp>
+        <p:nvSpPr>
+          <p:cNvPr id="5" name="Espaço Reservado para Rodapé 4">
+            <a:extLst>
+              <a:ext uri="{FF2B5EF4-FFF2-40B4-BE49-F238E27FC236}">
+                <a16:creationId xmlns:a16="http://schemas.microsoft.com/office/drawing/2014/main" id="{75938DF3-E53E-449A-A3ED-A0E032B49E3B}"/>
+              </a:ext>
+            </a:extLst>
+          </p:cNvPr>
+          <p:cNvSpPr>
+            <a:spLocks noGrp="1"/>
+          </p:cNvSpPr>
+          <p:nvPr>
+            <p:ph type="ftr" sz="quarter" idx="11"/>
+          </p:nvPr>
+        </p:nvSpPr>
+        <p:spPr/>
+        <p:txBody>
+          <a:bodyPr/>
+          <a:lstStyle/>
+          <a:p>
+            <a:r>
+              <a:rPr lang="pt-BR"/>
+              <a:t>FATEC MOGI DAS CRUZES</a:t>
+            </a:r>
+          </a:p>
+        </p:txBody>
+      </p:sp>
+      <p:sp>
+        <p:nvSpPr>
+          <p:cNvPr id="6" name="Espaço Reservado para Número de Slide 5">
+            <a:extLst>
+              <a:ext uri="{FF2B5EF4-FFF2-40B4-BE49-F238E27FC236}">
+                <a16:creationId xmlns:a16="http://schemas.microsoft.com/office/drawing/2014/main" id="{34A58F1A-F1BA-4B3F-80F5-FA21E0B933DA}"/>
+              </a:ext>
+            </a:extLst>
+          </p:cNvPr>
+          <p:cNvSpPr>
+            <a:spLocks noGrp="1"/>
+          </p:cNvSpPr>
+          <p:nvPr>
+            <p:ph type="sldNum" sz="quarter" idx="12"/>
+          </p:nvPr>
+        </p:nvSpPr>
+        <p:spPr/>
+        <p:txBody>
+          <a:bodyPr/>
+          <a:lstStyle/>
+          <a:p>
+            <a:fld id="{BD2B5394-143A-4208-A3B1-25D9600048D5}" type="slidenum">
+              <a:rPr lang="pt-BR" smtClean="0"/>
+              <a:t>49</a:t>
+            </a:fld>
+            <a:endParaRPr lang="pt-BR"/>
+          </a:p>
+        </p:txBody>
+      </p:sp>
+      <p:pic>
+        <p:nvPicPr>
+          <p:cNvPr id="9" name="Imagem 8" descr="Uma imagem contendo texto, homem, screenshot, em pé&#10;&#10;Descrição gerada automaticamente">
+            <a:extLst>
+              <a:ext uri="{FF2B5EF4-FFF2-40B4-BE49-F238E27FC236}">
+                <a16:creationId xmlns:a16="http://schemas.microsoft.com/office/drawing/2014/main" id="{6A47D407-B4EA-4A7D-A5ED-824DDCC0A746}"/>
+              </a:ext>
+            </a:extLst>
+          </p:cNvPr>
+          <p:cNvPicPr>
+            <a:picLocks noChangeAspect="1"/>
+          </p:cNvPicPr>
+          <p:nvPr/>
+        </p:nvPicPr>
+        <p:blipFill>
+          <a:blip r:embed="rId3">
+            <a:extLst>
+              <a:ext uri="{28A0092B-C50C-407E-A947-70E740481C1C}">
+                <a14:useLocalDpi xmlns:a14="http://schemas.microsoft.com/office/drawing/2010/main" val="0"/>
+              </a:ext>
+            </a:extLst>
+          </a:blip>
+          <a:stretch>
+            <a:fillRect/>
+          </a:stretch>
+        </p:blipFill>
+        <p:spPr>
+          <a:xfrm>
+            <a:off x="9566451" y="-891"/>
+            <a:ext cx="2567589" cy="1609170"/>
+          </a:xfrm>
+          <a:prstGeom prst="rect">
+            <a:avLst/>
+          </a:prstGeom>
+        </p:spPr>
+      </p:pic>
+      <p:pic>
+        <p:nvPicPr>
+          <p:cNvPr id="7" name="Imagem 6">
+            <a:extLst>
+              <a:ext uri="{FF2B5EF4-FFF2-40B4-BE49-F238E27FC236}">
+                <a16:creationId xmlns:a16="http://schemas.microsoft.com/office/drawing/2014/main" id="{ED77008E-C888-4BD7-9E51-5A3ADB062B46}"/>
+              </a:ext>
+            </a:extLst>
+          </p:cNvPr>
+          <p:cNvPicPr>
+            <a:picLocks noChangeAspect="1"/>
+          </p:cNvPicPr>
+          <p:nvPr/>
+        </p:nvPicPr>
+        <p:blipFill>
+          <a:blip r:embed="rId4"/>
+          <a:stretch>
+            <a:fillRect/>
+          </a:stretch>
+        </p:blipFill>
+        <p:spPr>
+          <a:xfrm>
+            <a:off x="0" y="1249986"/>
+            <a:ext cx="12192000" cy="5302250"/>
+          </a:xfrm>
+          <a:prstGeom prst="rect">
+            <a:avLst/>
+          </a:prstGeom>
+        </p:spPr>
+      </p:pic>
+    </p:spTree>
+    <p:extLst>
+      <p:ext uri="{BB962C8B-B14F-4D97-AF65-F5344CB8AC3E}">
+        <p14:creationId xmlns:p14="http://schemas.microsoft.com/office/powerpoint/2010/main" val="473256985"/>
+      </p:ext>
+    </p:extLst>
+  </p:cSld>
+  <p:clrMapOvr>
+    <a:masterClrMapping/>
+  </p:clrMapOvr>
+  <p:transition spd="slow">
+    <p:wipe/>
   </p:transition>
 </p:sld>
 </file>
@@ -33420,6 +31697,2989 @@
   </p:clrMapOvr>
   <p:transition spd="med">
     <p:pull/>
+  </p:transition>
+</p:sld>
+</file>
+
+<file path=ppt/slides/slide50.xml><?xml version="1.0" encoding="utf-8"?>
+<p:sld xmlns:a="http://schemas.openxmlformats.org/drawingml/2006/main" xmlns:r="http://schemas.openxmlformats.org/officeDocument/2006/relationships" xmlns:p="http://schemas.openxmlformats.org/presentationml/2006/main">
+  <p:cSld>
+    <p:spTree>
+      <p:nvGrpSpPr>
+        <p:cNvPr id="1" name=""/>
+        <p:cNvGrpSpPr/>
+        <p:nvPr/>
+      </p:nvGrpSpPr>
+      <p:grpSpPr>
+        <a:xfrm>
+          <a:off x="0" y="0"/>
+          <a:ext cx="0" cy="0"/>
+          <a:chOff x="0" y="0"/>
+          <a:chExt cx="0" cy="0"/>
+        </a:xfrm>
+      </p:grpSpPr>
+      <p:sp>
+        <p:nvSpPr>
+          <p:cNvPr id="2" name="Título 1">
+            <a:extLst>
+              <a:ext uri="{FF2B5EF4-FFF2-40B4-BE49-F238E27FC236}">
+                <a16:creationId xmlns:a16="http://schemas.microsoft.com/office/drawing/2014/main" id="{53C9334F-F7EA-4C4D-AD73-14F433AEFC7C}"/>
+              </a:ext>
+            </a:extLst>
+          </p:cNvPr>
+          <p:cNvSpPr>
+            <a:spLocks noGrp="1"/>
+          </p:cNvSpPr>
+          <p:nvPr>
+            <p:ph type="title"/>
+          </p:nvPr>
+        </p:nvSpPr>
+        <p:spPr>
+          <a:xfrm>
+            <a:off x="838200" y="86830"/>
+            <a:ext cx="10515600" cy="1325563"/>
+          </a:xfrm>
+        </p:spPr>
+        <p:txBody>
+          <a:bodyPr/>
+          <a:lstStyle/>
+          <a:p>
+            <a:r>
+              <a:rPr lang="pt-BR" b="1" dirty="0">
+                <a:solidFill>
+                  <a:srgbClr val="002060"/>
+                </a:solidFill>
+                <a:latin typeface="Century Gothic"/>
+              </a:rPr>
+              <a:t>Tela: Listar trocas - Admin</a:t>
+            </a:r>
+            <a:endParaRPr lang="pt-BR" b="1" dirty="0">
+              <a:solidFill>
+                <a:srgbClr val="002060"/>
+              </a:solidFill>
+              <a:latin typeface="Century Gothic" panose="020B0502020202020204" pitchFamily="34" charset="0"/>
+            </a:endParaRPr>
+          </a:p>
+        </p:txBody>
+      </p:sp>
+      <p:pic>
+        <p:nvPicPr>
+          <p:cNvPr id="3" name="Picture 4" descr="A picture containing soccer, person, field, room&#10;&#10;Description automatically generated">
+            <a:extLst>
+              <a:ext uri="{FF2B5EF4-FFF2-40B4-BE49-F238E27FC236}">
+                <a16:creationId xmlns:a16="http://schemas.microsoft.com/office/drawing/2014/main" id="{4BD75C6F-D32A-47ED-8C5D-F4D3A0F6F4E4}"/>
+              </a:ext>
+            </a:extLst>
+          </p:cNvPr>
+          <p:cNvPicPr>
+            <a:picLocks noChangeAspect="1"/>
+          </p:cNvPicPr>
+          <p:nvPr/>
+        </p:nvPicPr>
+        <p:blipFill rotWithShape="1">
+          <a:blip r:embed="rId2"/>
+          <a:srcRect b="11667"/>
+          <a:stretch/>
+        </p:blipFill>
+        <p:spPr>
+          <a:xfrm>
+            <a:off x="10312400" y="5249721"/>
+            <a:ext cx="1356360" cy="1006416"/>
+          </a:xfrm>
+          <a:prstGeom prst="rect">
+            <a:avLst/>
+          </a:prstGeom>
+        </p:spPr>
+      </p:pic>
+      <p:sp>
+        <p:nvSpPr>
+          <p:cNvPr id="5" name="Espaço Reservado para Rodapé 4">
+            <a:extLst>
+              <a:ext uri="{FF2B5EF4-FFF2-40B4-BE49-F238E27FC236}">
+                <a16:creationId xmlns:a16="http://schemas.microsoft.com/office/drawing/2014/main" id="{75938DF3-E53E-449A-A3ED-A0E032B49E3B}"/>
+              </a:ext>
+            </a:extLst>
+          </p:cNvPr>
+          <p:cNvSpPr>
+            <a:spLocks noGrp="1"/>
+          </p:cNvSpPr>
+          <p:nvPr>
+            <p:ph type="ftr" sz="quarter" idx="11"/>
+          </p:nvPr>
+        </p:nvSpPr>
+        <p:spPr/>
+        <p:txBody>
+          <a:bodyPr/>
+          <a:lstStyle/>
+          <a:p>
+            <a:r>
+              <a:rPr lang="pt-BR"/>
+              <a:t>FATEC MOGI DAS CRUZES</a:t>
+            </a:r>
+          </a:p>
+        </p:txBody>
+      </p:sp>
+      <p:sp>
+        <p:nvSpPr>
+          <p:cNvPr id="6" name="Espaço Reservado para Número de Slide 5">
+            <a:extLst>
+              <a:ext uri="{FF2B5EF4-FFF2-40B4-BE49-F238E27FC236}">
+                <a16:creationId xmlns:a16="http://schemas.microsoft.com/office/drawing/2014/main" id="{34A58F1A-F1BA-4B3F-80F5-FA21E0B933DA}"/>
+              </a:ext>
+            </a:extLst>
+          </p:cNvPr>
+          <p:cNvSpPr>
+            <a:spLocks noGrp="1"/>
+          </p:cNvSpPr>
+          <p:nvPr>
+            <p:ph type="sldNum" sz="quarter" idx="12"/>
+          </p:nvPr>
+        </p:nvSpPr>
+        <p:spPr/>
+        <p:txBody>
+          <a:bodyPr/>
+          <a:lstStyle/>
+          <a:p>
+            <a:fld id="{BD2B5394-143A-4208-A3B1-25D9600048D5}" type="slidenum">
+              <a:rPr lang="pt-BR" smtClean="0"/>
+              <a:t>50</a:t>
+            </a:fld>
+            <a:endParaRPr lang="pt-BR"/>
+          </a:p>
+        </p:txBody>
+      </p:sp>
+      <p:pic>
+        <p:nvPicPr>
+          <p:cNvPr id="9" name="Imagem 8" descr="Uma imagem contendo texto, homem, screenshot, em pé&#10;&#10;Descrição gerada automaticamente">
+            <a:extLst>
+              <a:ext uri="{FF2B5EF4-FFF2-40B4-BE49-F238E27FC236}">
+                <a16:creationId xmlns:a16="http://schemas.microsoft.com/office/drawing/2014/main" id="{6A47D407-B4EA-4A7D-A5ED-824DDCC0A746}"/>
+              </a:ext>
+            </a:extLst>
+          </p:cNvPr>
+          <p:cNvPicPr>
+            <a:picLocks noChangeAspect="1"/>
+          </p:cNvPicPr>
+          <p:nvPr/>
+        </p:nvPicPr>
+        <p:blipFill>
+          <a:blip r:embed="rId3">
+            <a:extLst>
+              <a:ext uri="{28A0092B-C50C-407E-A947-70E740481C1C}">
+                <a14:useLocalDpi xmlns:a14="http://schemas.microsoft.com/office/drawing/2010/main" val="0"/>
+              </a:ext>
+            </a:extLst>
+          </a:blip>
+          <a:stretch>
+            <a:fillRect/>
+          </a:stretch>
+        </p:blipFill>
+        <p:spPr>
+          <a:xfrm>
+            <a:off x="9566451" y="-891"/>
+            <a:ext cx="2567589" cy="1609170"/>
+          </a:xfrm>
+          <a:prstGeom prst="rect">
+            <a:avLst/>
+          </a:prstGeom>
+        </p:spPr>
+      </p:pic>
+      <p:pic>
+        <p:nvPicPr>
+          <p:cNvPr id="8" name="Imagem 7">
+            <a:extLst>
+              <a:ext uri="{FF2B5EF4-FFF2-40B4-BE49-F238E27FC236}">
+                <a16:creationId xmlns:a16="http://schemas.microsoft.com/office/drawing/2014/main" id="{B90BFD0A-B29F-4828-BE3E-D676FA38E70F}"/>
+              </a:ext>
+            </a:extLst>
+          </p:cNvPr>
+          <p:cNvPicPr>
+            <a:picLocks noChangeAspect="1"/>
+          </p:cNvPicPr>
+          <p:nvPr/>
+        </p:nvPicPr>
+        <p:blipFill>
+          <a:blip r:embed="rId4"/>
+          <a:stretch>
+            <a:fillRect/>
+          </a:stretch>
+        </p:blipFill>
+        <p:spPr>
+          <a:xfrm>
+            <a:off x="0" y="1651000"/>
+            <a:ext cx="12192000" cy="3556000"/>
+          </a:xfrm>
+          <a:prstGeom prst="rect">
+            <a:avLst/>
+          </a:prstGeom>
+        </p:spPr>
+      </p:pic>
+    </p:spTree>
+    <p:extLst>
+      <p:ext uri="{BB962C8B-B14F-4D97-AF65-F5344CB8AC3E}">
+        <p14:creationId xmlns:p14="http://schemas.microsoft.com/office/powerpoint/2010/main" val="2294812509"/>
+      </p:ext>
+    </p:extLst>
+  </p:cSld>
+  <p:clrMapOvr>
+    <a:masterClrMapping/>
+  </p:clrMapOvr>
+  <p:transition spd="slow">
+    <p:wipe/>
+  </p:transition>
+</p:sld>
+</file>
+
+<file path=ppt/slides/slide51.xml><?xml version="1.0" encoding="utf-8"?>
+<p:sld xmlns:a="http://schemas.openxmlformats.org/drawingml/2006/main" xmlns:r="http://schemas.openxmlformats.org/officeDocument/2006/relationships" xmlns:p="http://schemas.openxmlformats.org/presentationml/2006/main">
+  <p:cSld>
+    <p:spTree>
+      <p:nvGrpSpPr>
+        <p:cNvPr id="1" name=""/>
+        <p:cNvGrpSpPr/>
+        <p:nvPr/>
+      </p:nvGrpSpPr>
+      <p:grpSpPr>
+        <a:xfrm>
+          <a:off x="0" y="0"/>
+          <a:ext cx="0" cy="0"/>
+          <a:chOff x="0" y="0"/>
+          <a:chExt cx="0" cy="0"/>
+        </a:xfrm>
+      </p:grpSpPr>
+      <p:sp>
+        <p:nvSpPr>
+          <p:cNvPr id="2" name="Título 1">
+            <a:extLst>
+              <a:ext uri="{FF2B5EF4-FFF2-40B4-BE49-F238E27FC236}">
+                <a16:creationId xmlns:a16="http://schemas.microsoft.com/office/drawing/2014/main" id="{53C9334F-F7EA-4C4D-AD73-14F433AEFC7C}"/>
+              </a:ext>
+            </a:extLst>
+          </p:cNvPr>
+          <p:cNvSpPr>
+            <a:spLocks noGrp="1"/>
+          </p:cNvSpPr>
+          <p:nvPr>
+            <p:ph type="title"/>
+          </p:nvPr>
+        </p:nvSpPr>
+        <p:spPr>
+          <a:xfrm>
+            <a:off x="838200" y="86830"/>
+            <a:ext cx="10515600" cy="1325563"/>
+          </a:xfrm>
+        </p:spPr>
+        <p:txBody>
+          <a:bodyPr/>
+          <a:lstStyle/>
+          <a:p>
+            <a:r>
+              <a:rPr lang="pt-BR" b="1" dirty="0">
+                <a:solidFill>
+                  <a:srgbClr val="002060"/>
+                </a:solidFill>
+                <a:latin typeface="Century Gothic"/>
+              </a:rPr>
+              <a:t>Tela: Ver troca - Admin</a:t>
+            </a:r>
+            <a:endParaRPr lang="pt-BR" b="1" dirty="0">
+              <a:solidFill>
+                <a:srgbClr val="002060"/>
+              </a:solidFill>
+              <a:latin typeface="Century Gothic" panose="020B0502020202020204" pitchFamily="34" charset="0"/>
+            </a:endParaRPr>
+          </a:p>
+        </p:txBody>
+      </p:sp>
+      <p:pic>
+        <p:nvPicPr>
+          <p:cNvPr id="3" name="Picture 4" descr="A picture containing soccer, person, field, room&#10;&#10;Description automatically generated">
+            <a:extLst>
+              <a:ext uri="{FF2B5EF4-FFF2-40B4-BE49-F238E27FC236}">
+                <a16:creationId xmlns:a16="http://schemas.microsoft.com/office/drawing/2014/main" id="{4BD75C6F-D32A-47ED-8C5D-F4D3A0F6F4E4}"/>
+              </a:ext>
+            </a:extLst>
+          </p:cNvPr>
+          <p:cNvPicPr>
+            <a:picLocks noChangeAspect="1"/>
+          </p:cNvPicPr>
+          <p:nvPr/>
+        </p:nvPicPr>
+        <p:blipFill rotWithShape="1">
+          <a:blip r:embed="rId2"/>
+          <a:srcRect b="11667"/>
+          <a:stretch/>
+        </p:blipFill>
+        <p:spPr>
+          <a:xfrm>
+            <a:off x="10312400" y="5249721"/>
+            <a:ext cx="1356360" cy="1006416"/>
+          </a:xfrm>
+          <a:prstGeom prst="rect">
+            <a:avLst/>
+          </a:prstGeom>
+        </p:spPr>
+      </p:pic>
+      <p:sp>
+        <p:nvSpPr>
+          <p:cNvPr id="5" name="Espaço Reservado para Rodapé 4">
+            <a:extLst>
+              <a:ext uri="{FF2B5EF4-FFF2-40B4-BE49-F238E27FC236}">
+                <a16:creationId xmlns:a16="http://schemas.microsoft.com/office/drawing/2014/main" id="{75938DF3-E53E-449A-A3ED-A0E032B49E3B}"/>
+              </a:ext>
+            </a:extLst>
+          </p:cNvPr>
+          <p:cNvSpPr>
+            <a:spLocks noGrp="1"/>
+          </p:cNvSpPr>
+          <p:nvPr>
+            <p:ph type="ftr" sz="quarter" idx="11"/>
+          </p:nvPr>
+        </p:nvSpPr>
+        <p:spPr/>
+        <p:txBody>
+          <a:bodyPr/>
+          <a:lstStyle/>
+          <a:p>
+            <a:r>
+              <a:rPr lang="pt-BR"/>
+              <a:t>FATEC MOGI DAS CRUZES</a:t>
+            </a:r>
+          </a:p>
+        </p:txBody>
+      </p:sp>
+      <p:sp>
+        <p:nvSpPr>
+          <p:cNvPr id="6" name="Espaço Reservado para Número de Slide 5">
+            <a:extLst>
+              <a:ext uri="{FF2B5EF4-FFF2-40B4-BE49-F238E27FC236}">
+                <a16:creationId xmlns:a16="http://schemas.microsoft.com/office/drawing/2014/main" id="{34A58F1A-F1BA-4B3F-80F5-FA21E0B933DA}"/>
+              </a:ext>
+            </a:extLst>
+          </p:cNvPr>
+          <p:cNvSpPr>
+            <a:spLocks noGrp="1"/>
+          </p:cNvSpPr>
+          <p:nvPr>
+            <p:ph type="sldNum" sz="quarter" idx="12"/>
+          </p:nvPr>
+        </p:nvSpPr>
+        <p:spPr/>
+        <p:txBody>
+          <a:bodyPr/>
+          <a:lstStyle/>
+          <a:p>
+            <a:fld id="{BD2B5394-143A-4208-A3B1-25D9600048D5}" type="slidenum">
+              <a:rPr lang="pt-BR" smtClean="0"/>
+              <a:t>51</a:t>
+            </a:fld>
+            <a:endParaRPr lang="pt-BR"/>
+          </a:p>
+        </p:txBody>
+      </p:sp>
+      <p:pic>
+        <p:nvPicPr>
+          <p:cNvPr id="9" name="Imagem 8" descr="Uma imagem contendo texto, homem, screenshot, em pé&#10;&#10;Descrição gerada automaticamente">
+            <a:extLst>
+              <a:ext uri="{FF2B5EF4-FFF2-40B4-BE49-F238E27FC236}">
+                <a16:creationId xmlns:a16="http://schemas.microsoft.com/office/drawing/2014/main" id="{6A47D407-B4EA-4A7D-A5ED-824DDCC0A746}"/>
+              </a:ext>
+            </a:extLst>
+          </p:cNvPr>
+          <p:cNvPicPr>
+            <a:picLocks noChangeAspect="1"/>
+          </p:cNvPicPr>
+          <p:nvPr/>
+        </p:nvPicPr>
+        <p:blipFill>
+          <a:blip r:embed="rId3">
+            <a:extLst>
+              <a:ext uri="{28A0092B-C50C-407E-A947-70E740481C1C}">
+                <a14:useLocalDpi xmlns:a14="http://schemas.microsoft.com/office/drawing/2010/main" val="0"/>
+              </a:ext>
+            </a:extLst>
+          </a:blip>
+          <a:stretch>
+            <a:fillRect/>
+          </a:stretch>
+        </p:blipFill>
+        <p:spPr>
+          <a:xfrm>
+            <a:off x="9566451" y="-891"/>
+            <a:ext cx="2567589" cy="1609170"/>
+          </a:xfrm>
+          <a:prstGeom prst="rect">
+            <a:avLst/>
+          </a:prstGeom>
+        </p:spPr>
+      </p:pic>
+      <p:pic>
+        <p:nvPicPr>
+          <p:cNvPr id="15" name="Imagem 14">
+            <a:extLst>
+              <a:ext uri="{FF2B5EF4-FFF2-40B4-BE49-F238E27FC236}">
+                <a16:creationId xmlns:a16="http://schemas.microsoft.com/office/drawing/2014/main" id="{1602E97D-0A84-474F-B563-3DA1DC8A4356}"/>
+              </a:ext>
+            </a:extLst>
+          </p:cNvPr>
+          <p:cNvPicPr>
+            <a:picLocks noChangeAspect="1"/>
+          </p:cNvPicPr>
+          <p:nvPr/>
+        </p:nvPicPr>
+        <p:blipFill>
+          <a:blip r:embed="rId4"/>
+          <a:stretch>
+            <a:fillRect/>
+          </a:stretch>
+        </p:blipFill>
+        <p:spPr>
+          <a:xfrm>
+            <a:off x="0" y="967123"/>
+            <a:ext cx="12192000" cy="5890877"/>
+          </a:xfrm>
+          <a:prstGeom prst="rect">
+            <a:avLst/>
+          </a:prstGeom>
+        </p:spPr>
+      </p:pic>
+    </p:spTree>
+    <p:extLst>
+      <p:ext uri="{BB962C8B-B14F-4D97-AF65-F5344CB8AC3E}">
+        <p14:creationId xmlns:p14="http://schemas.microsoft.com/office/powerpoint/2010/main" val="1861366746"/>
+      </p:ext>
+    </p:extLst>
+  </p:cSld>
+  <p:clrMapOvr>
+    <a:masterClrMapping/>
+  </p:clrMapOvr>
+  <p:transition spd="slow">
+    <p:wipe/>
+  </p:transition>
+</p:sld>
+</file>
+
+<file path=ppt/slides/slide52.xml><?xml version="1.0" encoding="utf-8"?>
+<p:sld xmlns:a="http://schemas.openxmlformats.org/drawingml/2006/main" xmlns:r="http://schemas.openxmlformats.org/officeDocument/2006/relationships" xmlns:p="http://schemas.openxmlformats.org/presentationml/2006/main">
+  <p:cSld>
+    <p:spTree>
+      <p:nvGrpSpPr>
+        <p:cNvPr id="1" name=""/>
+        <p:cNvGrpSpPr/>
+        <p:nvPr/>
+      </p:nvGrpSpPr>
+      <p:grpSpPr>
+        <a:xfrm>
+          <a:off x="0" y="0"/>
+          <a:ext cx="0" cy="0"/>
+          <a:chOff x="0" y="0"/>
+          <a:chExt cx="0" cy="0"/>
+        </a:xfrm>
+      </p:grpSpPr>
+      <p:sp>
+        <p:nvSpPr>
+          <p:cNvPr id="2" name="Título 1">
+            <a:extLst>
+              <a:ext uri="{FF2B5EF4-FFF2-40B4-BE49-F238E27FC236}">
+                <a16:creationId xmlns:a16="http://schemas.microsoft.com/office/drawing/2014/main" id="{53C9334F-F7EA-4C4D-AD73-14F433AEFC7C}"/>
+              </a:ext>
+            </a:extLst>
+          </p:cNvPr>
+          <p:cNvSpPr>
+            <a:spLocks noGrp="1"/>
+          </p:cNvSpPr>
+          <p:nvPr>
+            <p:ph type="title"/>
+          </p:nvPr>
+        </p:nvSpPr>
+        <p:spPr>
+          <a:xfrm>
+            <a:off x="838200" y="86830"/>
+            <a:ext cx="10515600" cy="1325563"/>
+          </a:xfrm>
+        </p:spPr>
+        <p:txBody>
+          <a:bodyPr/>
+          <a:lstStyle/>
+          <a:p>
+            <a:r>
+              <a:rPr lang="pt-BR" b="1">
+                <a:solidFill>
+                  <a:srgbClr val="002060"/>
+                </a:solidFill>
+                <a:latin typeface="Century Gothic"/>
+              </a:rPr>
+              <a:t>Preço e forma de pagamento</a:t>
+            </a:r>
+            <a:endParaRPr lang="pt-BR" b="1">
+              <a:solidFill>
+                <a:srgbClr val="002060"/>
+              </a:solidFill>
+              <a:latin typeface="Century Gothic" panose="020B0502020202020204" pitchFamily="34" charset="0"/>
+            </a:endParaRPr>
+          </a:p>
+        </p:txBody>
+      </p:sp>
+      <p:sp>
+        <p:nvSpPr>
+          <p:cNvPr id="7" name="Content Placeholder 6">
+            <a:extLst>
+              <a:ext uri="{FF2B5EF4-FFF2-40B4-BE49-F238E27FC236}">
+                <a16:creationId xmlns:a16="http://schemas.microsoft.com/office/drawing/2014/main" id="{CAF04F12-0930-4925-93A7-E1E37CB1168F}"/>
+              </a:ext>
+            </a:extLst>
+          </p:cNvPr>
+          <p:cNvSpPr>
+            <a:spLocks noGrp="1"/>
+          </p:cNvSpPr>
+          <p:nvPr/>
+        </p:nvSpPr>
+        <p:spPr>
+          <a:xfrm>
+            <a:off x="523240" y="1496027"/>
+            <a:ext cx="10830560" cy="3753694"/>
+          </a:xfrm>
+          <a:prstGeom prst="rect">
+            <a:avLst/>
+          </a:prstGeom>
+        </p:spPr>
+        <p:txBody>
+          <a:bodyPr vert="horz" lIns="396000" tIns="45720" rIns="91440" bIns="45720" rtlCol="0" anchor="t">
+            <a:noAutofit/>
+          </a:bodyPr>
+          <a:lstStyle>
+            <a:lvl1pPr marL="0" indent="0" algn="l" defTabSz="914400" rtl="0" eaLnBrk="1" latinLnBrk="0" hangingPunct="1">
+              <a:lnSpc>
+                <a:spcPct val="90000"/>
+              </a:lnSpc>
+              <a:spcBef>
+                <a:spcPts val="1000"/>
+              </a:spcBef>
+              <a:buFont typeface="Arial" panose="020B0604020202020204" pitchFamily="34" charset="0"/>
+              <a:buNone/>
+              <a:defRPr sz="1400" kern="1200">
+                <a:solidFill>
+                  <a:schemeClr val="tx1">
+                    <a:lumMod val="75000"/>
+                    <a:lumOff val="25000"/>
+                  </a:schemeClr>
+                </a:solidFill>
+                <a:latin typeface="Arial" pitchFamily="34" charset="0"/>
+                <a:ea typeface="+mn-ea"/>
+                <a:cs typeface="Arial" pitchFamily="34" charset="0"/>
+              </a:defRPr>
+            </a:lvl1pPr>
+            <a:lvl2pPr marL="685800" indent="-228600" algn="l" defTabSz="914400" rtl="0" eaLnBrk="1" latinLnBrk="0" hangingPunct="1">
+              <a:lnSpc>
+                <a:spcPct val="90000"/>
+              </a:lnSpc>
+              <a:spcBef>
+                <a:spcPts val="500"/>
+              </a:spcBef>
+              <a:buFont typeface="Arial" panose="020B0604020202020204" pitchFamily="34" charset="0"/>
+              <a:buChar char="•"/>
+              <a:defRPr sz="2400" kern="1200">
+                <a:solidFill>
+                  <a:schemeClr val="tx1"/>
+                </a:solidFill>
+                <a:latin typeface="+mn-lt"/>
+                <a:ea typeface="+mn-ea"/>
+                <a:cs typeface="+mn-cs"/>
+              </a:defRPr>
+            </a:lvl2pPr>
+            <a:lvl3pPr marL="1143000" indent="-228600" algn="l" defTabSz="914400" rtl="0" eaLnBrk="1" latinLnBrk="0" hangingPunct="1">
+              <a:lnSpc>
+                <a:spcPct val="90000"/>
+              </a:lnSpc>
+              <a:spcBef>
+                <a:spcPts val="500"/>
+              </a:spcBef>
+              <a:buFont typeface="Arial" panose="020B0604020202020204" pitchFamily="34" charset="0"/>
+              <a:buChar char="•"/>
+              <a:defRPr sz="2000" kern="1200">
+                <a:solidFill>
+                  <a:schemeClr val="tx1"/>
+                </a:solidFill>
+                <a:latin typeface="+mn-lt"/>
+                <a:ea typeface="+mn-ea"/>
+                <a:cs typeface="+mn-cs"/>
+              </a:defRPr>
+            </a:lvl3pPr>
+            <a:lvl4pPr marL="1600200" indent="-228600" algn="l" defTabSz="914400" rtl="0" eaLnBrk="1" latinLnBrk="0" hangingPunct="1">
+              <a:lnSpc>
+                <a:spcPct val="90000"/>
+              </a:lnSpc>
+              <a:spcBef>
+                <a:spcPts val="500"/>
+              </a:spcBef>
+              <a:buFont typeface="Arial" panose="020B0604020202020204" pitchFamily="34" charset="0"/>
+              <a:buChar char="•"/>
+              <a:defRPr sz="1800" kern="1200">
+                <a:solidFill>
+                  <a:schemeClr val="tx1"/>
+                </a:solidFill>
+                <a:latin typeface="+mn-lt"/>
+                <a:ea typeface="+mn-ea"/>
+                <a:cs typeface="+mn-cs"/>
+              </a:defRPr>
+            </a:lvl4pPr>
+            <a:lvl5pPr marL="2057400" indent="-228600" algn="l" defTabSz="914400" rtl="0" eaLnBrk="1" latinLnBrk="0" hangingPunct="1">
+              <a:lnSpc>
+                <a:spcPct val="90000"/>
+              </a:lnSpc>
+              <a:spcBef>
+                <a:spcPts val="500"/>
+              </a:spcBef>
+              <a:buFont typeface="Arial" panose="020B0604020202020204" pitchFamily="34" charset="0"/>
+              <a:buChar char="•"/>
+              <a:defRPr sz="1800" kern="1200">
+                <a:solidFill>
+                  <a:schemeClr val="tx1"/>
+                </a:solidFill>
+                <a:latin typeface="+mn-lt"/>
+                <a:ea typeface="+mn-ea"/>
+                <a:cs typeface="+mn-cs"/>
+              </a:defRPr>
+            </a:lvl5pPr>
+            <a:lvl6pPr marL="2514600" indent="-228600" algn="l" defTabSz="914400" rtl="0" eaLnBrk="1" latinLnBrk="0" hangingPunct="1">
+              <a:lnSpc>
+                <a:spcPct val="90000"/>
+              </a:lnSpc>
+              <a:spcBef>
+                <a:spcPts val="500"/>
+              </a:spcBef>
+              <a:buFont typeface="Arial" panose="020B0604020202020204" pitchFamily="34" charset="0"/>
+              <a:buChar char="•"/>
+              <a:defRPr sz="1800" kern="1200">
+                <a:solidFill>
+                  <a:schemeClr val="tx1"/>
+                </a:solidFill>
+                <a:latin typeface="+mn-lt"/>
+                <a:ea typeface="+mn-ea"/>
+                <a:cs typeface="+mn-cs"/>
+              </a:defRPr>
+            </a:lvl6pPr>
+            <a:lvl7pPr marL="2971800" indent="-228600" algn="l" defTabSz="914400" rtl="0" eaLnBrk="1" latinLnBrk="0" hangingPunct="1">
+              <a:lnSpc>
+                <a:spcPct val="90000"/>
+              </a:lnSpc>
+              <a:spcBef>
+                <a:spcPts val="500"/>
+              </a:spcBef>
+              <a:buFont typeface="Arial" panose="020B0604020202020204" pitchFamily="34" charset="0"/>
+              <a:buChar char="•"/>
+              <a:defRPr sz="1800" kern="1200">
+                <a:solidFill>
+                  <a:schemeClr val="tx1"/>
+                </a:solidFill>
+                <a:latin typeface="+mn-lt"/>
+                <a:ea typeface="+mn-ea"/>
+                <a:cs typeface="+mn-cs"/>
+              </a:defRPr>
+            </a:lvl7pPr>
+            <a:lvl8pPr marL="3429000" indent="-228600" algn="l" defTabSz="914400" rtl="0" eaLnBrk="1" latinLnBrk="0" hangingPunct="1">
+              <a:lnSpc>
+                <a:spcPct val="90000"/>
+              </a:lnSpc>
+              <a:spcBef>
+                <a:spcPts val="500"/>
+              </a:spcBef>
+              <a:buFont typeface="Arial" panose="020B0604020202020204" pitchFamily="34" charset="0"/>
+              <a:buChar char="•"/>
+              <a:defRPr sz="1800" kern="1200">
+                <a:solidFill>
+                  <a:schemeClr val="tx1"/>
+                </a:solidFill>
+                <a:latin typeface="+mn-lt"/>
+                <a:ea typeface="+mn-ea"/>
+                <a:cs typeface="+mn-cs"/>
+              </a:defRPr>
+            </a:lvl8pPr>
+            <a:lvl9pPr marL="3886200" indent="-228600" algn="l" defTabSz="914400" rtl="0" eaLnBrk="1" latinLnBrk="0" hangingPunct="1">
+              <a:lnSpc>
+                <a:spcPct val="90000"/>
+              </a:lnSpc>
+              <a:spcBef>
+                <a:spcPts val="500"/>
+              </a:spcBef>
+              <a:buFont typeface="Arial" panose="020B0604020202020204" pitchFamily="34" charset="0"/>
+              <a:buChar char="•"/>
+              <a:defRPr sz="1800" kern="1200">
+                <a:solidFill>
+                  <a:schemeClr val="tx1"/>
+                </a:solidFill>
+                <a:latin typeface="+mn-lt"/>
+                <a:ea typeface="+mn-ea"/>
+                <a:cs typeface="+mn-cs"/>
+              </a:defRPr>
+            </a:lvl9pPr>
+          </a:lstStyle>
+          <a:p>
+            <a:pPr algn="just"/>
+            <a:r>
+              <a:rPr lang="pt-BR" altLang="ko-KR" sz="2000">
+                <a:solidFill>
+                  <a:schemeClr val="tx1"/>
+                </a:solidFill>
+                <a:latin typeface="Century Gothic"/>
+                <a:ea typeface="맑은 고딕" panose="020B0503020000020004" pitchFamily="34" charset="-127"/>
+              </a:rPr>
+              <a:t>Os valores informados nesta proposta já incluem os impostos incidentes sobre serviços (ISS, PIS, COFINS, CSSL e IRPJ). Valor total: </a:t>
+            </a:r>
+          </a:p>
+          <a:p>
+            <a:pPr algn="just"/>
+            <a:endParaRPr lang="pt-BR" altLang="ko-KR" sz="2000">
+              <a:solidFill>
+                <a:schemeClr val="tx1"/>
+              </a:solidFill>
+              <a:latin typeface="Century Gothic"/>
+              <a:ea typeface="맑은 고딕" panose="020B0503020000020004" pitchFamily="34" charset="-127"/>
+            </a:endParaRPr>
+          </a:p>
+          <a:p>
+            <a:pPr algn="just"/>
+            <a:endParaRPr lang="pt-BR" altLang="ko-KR" sz="2000">
+              <a:solidFill>
+                <a:schemeClr val="tx1"/>
+              </a:solidFill>
+              <a:latin typeface="Century Gothic"/>
+              <a:ea typeface="맑은 고딕" panose="020B0503020000020004" pitchFamily="34" charset="-127"/>
+            </a:endParaRPr>
+          </a:p>
+          <a:p>
+            <a:pPr algn="just"/>
+            <a:endParaRPr lang="pt-BR" altLang="ko-KR" sz="2000">
+              <a:solidFill>
+                <a:schemeClr val="tx1"/>
+              </a:solidFill>
+              <a:latin typeface="Century Gothic"/>
+              <a:ea typeface="맑은 고딕" panose="020B0503020000020004" pitchFamily="34" charset="-127"/>
+            </a:endParaRPr>
+          </a:p>
+          <a:p>
+            <a:pPr algn="just"/>
+            <a:r>
+              <a:rPr lang="pt-BR" altLang="ko-KR" sz="2000">
+                <a:solidFill>
+                  <a:schemeClr val="tx1"/>
+                </a:solidFill>
+                <a:latin typeface="Century Gothic"/>
+                <a:ea typeface="맑은 고딕" panose="020B0503020000020004" pitchFamily="34" charset="-127"/>
+              </a:rPr>
+              <a:t>O pagamento será dividido em quatro parcelas iguais. Sendo que a última parcela estará vinculada ao aceite da entrega final do projeto:</a:t>
+            </a:r>
+          </a:p>
+          <a:p>
+            <a:pPr algn="just"/>
+            <a:endParaRPr lang="pt-BR" altLang="ko-KR" sz="2000">
+              <a:solidFill>
+                <a:schemeClr val="tx1"/>
+              </a:solidFill>
+              <a:latin typeface="Century Gothic"/>
+              <a:ea typeface="맑은 고딕" panose="020B0503020000020004" pitchFamily="34" charset="-127"/>
+            </a:endParaRPr>
+          </a:p>
+        </p:txBody>
+      </p:sp>
+      <p:pic>
+        <p:nvPicPr>
+          <p:cNvPr id="3" name="Picture 4" descr="A picture containing soccer, person, field, room&#10;&#10;Description automatically generated">
+            <a:extLst>
+              <a:ext uri="{FF2B5EF4-FFF2-40B4-BE49-F238E27FC236}">
+                <a16:creationId xmlns:a16="http://schemas.microsoft.com/office/drawing/2014/main" id="{4BD75C6F-D32A-47ED-8C5D-F4D3A0F6F4E4}"/>
+              </a:ext>
+            </a:extLst>
+          </p:cNvPr>
+          <p:cNvPicPr>
+            <a:picLocks noChangeAspect="1"/>
+          </p:cNvPicPr>
+          <p:nvPr/>
+        </p:nvPicPr>
+        <p:blipFill rotWithShape="1">
+          <a:blip r:embed="rId2"/>
+          <a:srcRect b="11667"/>
+          <a:stretch/>
+        </p:blipFill>
+        <p:spPr>
+          <a:xfrm>
+            <a:off x="10312400" y="5249721"/>
+            <a:ext cx="1356360" cy="1006416"/>
+          </a:xfrm>
+          <a:prstGeom prst="rect">
+            <a:avLst/>
+          </a:prstGeom>
+        </p:spPr>
+      </p:pic>
+      <p:sp>
+        <p:nvSpPr>
+          <p:cNvPr id="5" name="Espaço Reservado para Rodapé 4">
+            <a:extLst>
+              <a:ext uri="{FF2B5EF4-FFF2-40B4-BE49-F238E27FC236}">
+                <a16:creationId xmlns:a16="http://schemas.microsoft.com/office/drawing/2014/main" id="{75938DF3-E53E-449A-A3ED-A0E032B49E3B}"/>
+              </a:ext>
+            </a:extLst>
+          </p:cNvPr>
+          <p:cNvSpPr>
+            <a:spLocks noGrp="1"/>
+          </p:cNvSpPr>
+          <p:nvPr>
+            <p:ph type="ftr" sz="quarter" idx="11"/>
+          </p:nvPr>
+        </p:nvSpPr>
+        <p:spPr/>
+        <p:txBody>
+          <a:bodyPr/>
+          <a:lstStyle/>
+          <a:p>
+            <a:r>
+              <a:rPr lang="pt-BR"/>
+              <a:t>FATEC MOGI DAS CRUZES</a:t>
+            </a:r>
+          </a:p>
+        </p:txBody>
+      </p:sp>
+      <p:sp>
+        <p:nvSpPr>
+          <p:cNvPr id="6" name="Espaço Reservado para Número de Slide 5">
+            <a:extLst>
+              <a:ext uri="{FF2B5EF4-FFF2-40B4-BE49-F238E27FC236}">
+                <a16:creationId xmlns:a16="http://schemas.microsoft.com/office/drawing/2014/main" id="{34A58F1A-F1BA-4B3F-80F5-FA21E0B933DA}"/>
+              </a:ext>
+            </a:extLst>
+          </p:cNvPr>
+          <p:cNvSpPr>
+            <a:spLocks noGrp="1"/>
+          </p:cNvSpPr>
+          <p:nvPr>
+            <p:ph type="sldNum" sz="quarter" idx="12"/>
+          </p:nvPr>
+        </p:nvSpPr>
+        <p:spPr/>
+        <p:txBody>
+          <a:bodyPr/>
+          <a:lstStyle/>
+          <a:p>
+            <a:fld id="{BD2B5394-143A-4208-A3B1-25D9600048D5}" type="slidenum">
+              <a:rPr lang="pt-BR" smtClean="0"/>
+              <a:t>52</a:t>
+            </a:fld>
+            <a:endParaRPr lang="pt-BR"/>
+          </a:p>
+        </p:txBody>
+      </p:sp>
+      <p:graphicFrame>
+        <p:nvGraphicFramePr>
+          <p:cNvPr id="4" name="Tabela 4">
+            <a:extLst>
+              <a:ext uri="{FF2B5EF4-FFF2-40B4-BE49-F238E27FC236}">
+                <a16:creationId xmlns:a16="http://schemas.microsoft.com/office/drawing/2014/main" id="{799B4115-AB34-4B72-88FD-93B763BDA13D}"/>
+              </a:ext>
+            </a:extLst>
+          </p:cNvPr>
+          <p:cNvGraphicFramePr>
+            <a:graphicFrameLocks noGrp="1"/>
+          </p:cNvGraphicFramePr>
+          <p:nvPr>
+            <p:extLst>
+              <p:ext uri="{D42A27DB-BD31-4B8C-83A1-F6EECF244321}">
+                <p14:modId xmlns:p14="http://schemas.microsoft.com/office/powerpoint/2010/main" val="2308319116"/>
+              </p:ext>
+            </p:extLst>
+          </p:nvPr>
+        </p:nvGraphicFramePr>
+        <p:xfrm>
+          <a:off x="838201" y="2325952"/>
+          <a:ext cx="10515599" cy="883708"/>
+        </p:xfrm>
+        <a:graphic>
+          <a:graphicData uri="http://schemas.openxmlformats.org/drawingml/2006/table">
+            <a:tbl>
+              <a:tblPr firstRow="1" bandRow="1">
+                <a:tableStyleId>{5C22544A-7EE6-4342-B048-85BDC9FD1C3A}</a:tableStyleId>
+              </a:tblPr>
+              <a:tblGrid>
+                <a:gridCol w="7443393">
+                  <a:extLst>
+                    <a:ext uri="{9D8B030D-6E8A-4147-A177-3AD203B41FA5}">
+                      <a16:colId xmlns:a16="http://schemas.microsoft.com/office/drawing/2014/main" val="668136959"/>
+                    </a:ext>
+                  </a:extLst>
+                </a:gridCol>
+                <a:gridCol w="3072206">
+                  <a:extLst>
+                    <a:ext uri="{9D8B030D-6E8A-4147-A177-3AD203B41FA5}">
+                      <a16:colId xmlns:a16="http://schemas.microsoft.com/office/drawing/2014/main" val="1552878829"/>
+                    </a:ext>
+                  </a:extLst>
+                </a:gridCol>
+              </a:tblGrid>
+              <a:tr h="441854">
+                <a:tc>
+                  <a:txBody>
+                    <a:bodyPr/>
+                    <a:lstStyle/>
+                    <a:p>
+                      <a:pPr algn="ctr"/>
+                      <a:r>
+                        <a:rPr lang="pt-BR" sz="1200" b="1">
+                          <a:solidFill>
+                            <a:schemeClr val="bg2"/>
+                          </a:solidFill>
+                          <a:latin typeface="Century Gothic" panose="020B0502020202020204" pitchFamily="34" charset="0"/>
+                        </a:rPr>
+                        <a:t>Descrição</a:t>
+                      </a:r>
+                    </a:p>
+                  </a:txBody>
+                  <a:tcPr anchor="ctr">
+                    <a:lnL w="12700" cap="flat" cmpd="sng" algn="ctr">
+                      <a:solidFill>
+                        <a:schemeClr val="tx1"/>
+                      </a:solidFill>
+                      <a:prstDash val="solid"/>
+                      <a:round/>
+                      <a:headEnd type="none" w="med" len="med"/>
+                      <a:tailEnd type="none" w="med" len="med"/>
+                    </a:lnL>
+                    <a:lnR w="12700" cap="flat" cmpd="sng" algn="ctr">
+                      <a:solidFill>
+                        <a:schemeClr val="tx1"/>
+                      </a:solidFill>
+                      <a:prstDash val="solid"/>
+                      <a:round/>
+                      <a:headEnd type="none" w="med" len="med"/>
+                      <a:tailEnd type="none" w="med" len="med"/>
+                    </a:lnR>
+                    <a:lnT w="12700" cap="flat" cmpd="sng" algn="ctr">
+                      <a:solidFill>
+                        <a:schemeClr val="tx1"/>
+                      </a:solidFill>
+                      <a:prstDash val="solid"/>
+                      <a:round/>
+                      <a:headEnd type="none" w="med" len="med"/>
+                      <a:tailEnd type="none" w="med" len="med"/>
+                    </a:lnT>
+                    <a:lnB w="12700" cap="flat" cmpd="sng" algn="ctr">
+                      <a:solidFill>
+                        <a:schemeClr val="tx1"/>
+                      </a:solidFill>
+                      <a:prstDash val="solid"/>
+                      <a:round/>
+                      <a:headEnd type="none" w="med" len="med"/>
+                      <a:tailEnd type="none" w="med" len="med"/>
+                    </a:lnB>
+                    <a:solidFill>
+                      <a:srgbClr val="002060"/>
+                    </a:solidFill>
+                  </a:tcPr>
+                </a:tc>
+                <a:tc>
+                  <a:txBody>
+                    <a:bodyPr/>
+                    <a:lstStyle/>
+                    <a:p>
+                      <a:pPr algn="ctr"/>
+                      <a:r>
+                        <a:rPr lang="pt-BR" sz="1200" b="1">
+                          <a:solidFill>
+                            <a:schemeClr val="bg2"/>
+                          </a:solidFill>
+                          <a:latin typeface="Century Gothic" panose="020B0502020202020204" pitchFamily="34" charset="0"/>
+                        </a:rPr>
+                        <a:t>Valor total</a:t>
+                      </a:r>
+                      <a:endParaRPr lang="pt-BR"/>
+                    </a:p>
+                  </a:txBody>
+                  <a:tcPr anchor="ctr">
+                    <a:lnL w="12700" cap="flat" cmpd="sng" algn="ctr">
+                      <a:solidFill>
+                        <a:schemeClr val="tx1"/>
+                      </a:solidFill>
+                      <a:prstDash val="solid"/>
+                      <a:round/>
+                      <a:headEnd type="none" w="med" len="med"/>
+                      <a:tailEnd type="none" w="med" len="med"/>
+                    </a:lnL>
+                    <a:lnR w="12700" cap="flat" cmpd="sng" algn="ctr">
+                      <a:solidFill>
+                        <a:schemeClr val="tx1"/>
+                      </a:solidFill>
+                      <a:prstDash val="solid"/>
+                      <a:round/>
+                      <a:headEnd type="none" w="med" len="med"/>
+                      <a:tailEnd type="none" w="med" len="med"/>
+                    </a:lnR>
+                    <a:lnT w="12700" cap="flat" cmpd="sng" algn="ctr">
+                      <a:solidFill>
+                        <a:schemeClr val="tx1"/>
+                      </a:solidFill>
+                      <a:prstDash val="solid"/>
+                      <a:round/>
+                      <a:headEnd type="none" w="med" len="med"/>
+                      <a:tailEnd type="none" w="med" len="med"/>
+                    </a:lnT>
+                    <a:lnB w="12700" cap="flat" cmpd="sng" algn="ctr">
+                      <a:solidFill>
+                        <a:schemeClr val="tx1"/>
+                      </a:solidFill>
+                      <a:prstDash val="solid"/>
+                      <a:round/>
+                      <a:headEnd type="none" w="med" len="med"/>
+                      <a:tailEnd type="none" w="med" len="med"/>
+                    </a:lnB>
+                    <a:solidFill>
+                      <a:srgbClr val="002060"/>
+                    </a:solidFill>
+                  </a:tcPr>
+                </a:tc>
+                <a:extLst>
+                  <a:ext uri="{0D108BD9-81ED-4DB2-BD59-A6C34878D82A}">
+                    <a16:rowId xmlns:a16="http://schemas.microsoft.com/office/drawing/2014/main" val="1643989339"/>
+                  </a:ext>
+                </a:extLst>
+              </a:tr>
+              <a:tr h="441854">
+                <a:tc>
+                  <a:txBody>
+                    <a:bodyPr/>
+                    <a:lstStyle/>
+                    <a:p>
+                      <a:pPr algn="ctr" fontAlgn="ctr"/>
+                      <a:r>
+                        <a:rPr lang="pt-BR" sz="1200" b="0" i="0" u="none" strike="noStrike">
+                          <a:solidFill>
+                            <a:schemeClr val="tx1"/>
+                          </a:solidFill>
+                          <a:effectLst/>
+                          <a:latin typeface="Calibri" panose="020F0502020204030204" pitchFamily="34" charset="0"/>
+                        </a:rPr>
+                        <a:t>ECOMMERCE BUIATCHAKA GAMES</a:t>
+                      </a:r>
+                    </a:p>
+                  </a:txBody>
+                  <a:tcPr marL="9525" marR="9525" marT="9525" marB="0" anchor="ctr">
+                    <a:lnL w="12700" cap="flat" cmpd="sng" algn="ctr">
+                      <a:solidFill>
+                        <a:schemeClr val="tx1"/>
+                      </a:solidFill>
+                      <a:prstDash val="solid"/>
+                      <a:round/>
+                      <a:headEnd type="none" w="med" len="med"/>
+                      <a:tailEnd type="none" w="med" len="med"/>
+                    </a:lnL>
+                    <a:lnR w="12700" cap="flat" cmpd="sng" algn="ctr">
+                      <a:solidFill>
+                        <a:schemeClr val="tx1"/>
+                      </a:solidFill>
+                      <a:prstDash val="solid"/>
+                      <a:round/>
+                      <a:headEnd type="none" w="med" len="med"/>
+                      <a:tailEnd type="none" w="med" len="med"/>
+                    </a:lnR>
+                    <a:lnT w="12700" cap="flat" cmpd="sng" algn="ctr">
+                      <a:solidFill>
+                        <a:schemeClr val="tx1"/>
+                      </a:solidFill>
+                      <a:prstDash val="solid"/>
+                      <a:round/>
+                      <a:headEnd type="none" w="med" len="med"/>
+                      <a:tailEnd type="none" w="med" len="med"/>
+                    </a:lnT>
+                    <a:lnB w="12700" cap="flat" cmpd="sng" algn="ctr">
+                      <a:solidFill>
+                        <a:schemeClr val="tx1"/>
+                      </a:solidFill>
+                      <a:prstDash val="solid"/>
+                      <a:round/>
+                      <a:headEnd type="none" w="med" len="med"/>
+                      <a:tailEnd type="none" w="med" len="med"/>
+                    </a:lnB>
+                  </a:tcPr>
+                </a:tc>
+                <a:tc>
+                  <a:txBody>
+                    <a:bodyPr/>
+                    <a:lstStyle/>
+                    <a:p>
+                      <a:pPr algn="ctr" fontAlgn="ctr"/>
+                      <a:r>
+                        <a:rPr lang="pt-BR" sz="1200" b="0" i="0" u="none" strike="noStrike">
+                          <a:solidFill>
+                            <a:schemeClr val="tx1"/>
+                          </a:solidFill>
+                          <a:effectLst/>
+                          <a:latin typeface="Calibri" panose="020F0502020204030204" pitchFamily="34" charset="0"/>
+                        </a:rPr>
+                        <a:t>R$ 70.640,00</a:t>
+                      </a:r>
+                    </a:p>
+                  </a:txBody>
+                  <a:tcPr marL="9525" marR="9525" marT="9525" marB="0" anchor="ctr">
+                    <a:lnL w="12700" cap="flat" cmpd="sng" algn="ctr">
+                      <a:solidFill>
+                        <a:schemeClr val="tx1"/>
+                      </a:solidFill>
+                      <a:prstDash val="solid"/>
+                      <a:round/>
+                      <a:headEnd type="none" w="med" len="med"/>
+                      <a:tailEnd type="none" w="med" len="med"/>
+                    </a:lnL>
+                    <a:lnR w="12700" cap="flat" cmpd="sng" algn="ctr">
+                      <a:solidFill>
+                        <a:schemeClr val="tx1"/>
+                      </a:solidFill>
+                      <a:prstDash val="solid"/>
+                      <a:round/>
+                      <a:headEnd type="none" w="med" len="med"/>
+                      <a:tailEnd type="none" w="med" len="med"/>
+                    </a:lnR>
+                    <a:lnT w="12700" cap="flat" cmpd="sng" algn="ctr">
+                      <a:solidFill>
+                        <a:schemeClr val="tx1"/>
+                      </a:solidFill>
+                      <a:prstDash val="solid"/>
+                      <a:round/>
+                      <a:headEnd type="none" w="med" len="med"/>
+                      <a:tailEnd type="none" w="med" len="med"/>
+                    </a:lnT>
+                    <a:lnB w="12700" cap="flat" cmpd="sng" algn="ctr">
+                      <a:solidFill>
+                        <a:schemeClr val="tx1"/>
+                      </a:solidFill>
+                      <a:prstDash val="solid"/>
+                      <a:round/>
+                      <a:headEnd type="none" w="med" len="med"/>
+                      <a:tailEnd type="none" w="med" len="med"/>
+                    </a:lnB>
+                  </a:tcPr>
+                </a:tc>
+                <a:extLst>
+                  <a:ext uri="{0D108BD9-81ED-4DB2-BD59-A6C34878D82A}">
+                    <a16:rowId xmlns:a16="http://schemas.microsoft.com/office/drawing/2014/main" val="164761615"/>
+                  </a:ext>
+                </a:extLst>
+              </a:tr>
+            </a:tbl>
+          </a:graphicData>
+        </a:graphic>
+      </p:graphicFrame>
+      <p:graphicFrame>
+        <p:nvGraphicFramePr>
+          <p:cNvPr id="11" name="Tabela 4">
+            <a:extLst>
+              <a:ext uri="{FF2B5EF4-FFF2-40B4-BE49-F238E27FC236}">
+                <a16:creationId xmlns:a16="http://schemas.microsoft.com/office/drawing/2014/main" id="{381DA933-18D4-4640-BAB8-09AF14827847}"/>
+              </a:ext>
+            </a:extLst>
+          </p:cNvPr>
+          <p:cNvGraphicFramePr>
+            <a:graphicFrameLocks noGrp="1"/>
+          </p:cNvGraphicFramePr>
+          <p:nvPr>
+            <p:extLst>
+              <p:ext uri="{D42A27DB-BD31-4B8C-83A1-F6EECF244321}">
+                <p14:modId xmlns:p14="http://schemas.microsoft.com/office/powerpoint/2010/main" val="1106011318"/>
+              </p:ext>
+            </p:extLst>
+          </p:nvPr>
+        </p:nvGraphicFramePr>
+        <p:xfrm>
+          <a:off x="838200" y="4084172"/>
+          <a:ext cx="10515595" cy="2224616"/>
+        </p:xfrm>
+        <a:graphic>
+          <a:graphicData uri="http://schemas.openxmlformats.org/drawingml/2006/table">
+            <a:tbl>
+              <a:tblPr firstRow="1" bandRow="1">
+                <a:tableStyleId>{5C22544A-7EE6-4342-B048-85BDC9FD1C3A}</a:tableStyleId>
+              </a:tblPr>
+              <a:tblGrid>
+                <a:gridCol w="3081274">
+                  <a:extLst>
+                    <a:ext uri="{9D8B030D-6E8A-4147-A177-3AD203B41FA5}">
+                      <a16:colId xmlns:a16="http://schemas.microsoft.com/office/drawing/2014/main" val="668136959"/>
+                    </a:ext>
+                  </a:extLst>
+                </a:gridCol>
+                <a:gridCol w="3081274">
+                  <a:extLst>
+                    <a:ext uri="{9D8B030D-6E8A-4147-A177-3AD203B41FA5}">
+                      <a16:colId xmlns:a16="http://schemas.microsoft.com/office/drawing/2014/main" val="1560634046"/>
+                    </a:ext>
+                  </a:extLst>
+                </a:gridCol>
+                <a:gridCol w="3081274">
+                  <a:extLst>
+                    <a:ext uri="{9D8B030D-6E8A-4147-A177-3AD203B41FA5}">
+                      <a16:colId xmlns:a16="http://schemas.microsoft.com/office/drawing/2014/main" val="4116290467"/>
+                    </a:ext>
+                  </a:extLst>
+                </a:gridCol>
+                <a:gridCol w="1271773">
+                  <a:extLst>
+                    <a:ext uri="{9D8B030D-6E8A-4147-A177-3AD203B41FA5}">
+                      <a16:colId xmlns:a16="http://schemas.microsoft.com/office/drawing/2014/main" val="1552878829"/>
+                    </a:ext>
+                  </a:extLst>
+                </a:gridCol>
+              </a:tblGrid>
+              <a:tr h="441854">
+                <a:tc>
+                  <a:txBody>
+                    <a:bodyPr/>
+                    <a:lstStyle/>
+                    <a:p>
+                      <a:pPr algn="ctr"/>
+                      <a:r>
+                        <a:rPr lang="pt-BR" sz="1200" b="1">
+                          <a:solidFill>
+                            <a:schemeClr val="bg2"/>
+                          </a:solidFill>
+                          <a:latin typeface="Century Gothic" panose="020B0502020202020204" pitchFamily="34" charset="0"/>
+                        </a:rPr>
+                        <a:t>Descrição</a:t>
+                      </a:r>
+                    </a:p>
+                  </a:txBody>
+                  <a:tcPr anchor="ctr">
+                    <a:lnL w="12700" cap="flat" cmpd="sng" algn="ctr">
+                      <a:solidFill>
+                        <a:schemeClr val="tx1"/>
+                      </a:solidFill>
+                      <a:prstDash val="solid"/>
+                      <a:round/>
+                      <a:headEnd type="none" w="med" len="med"/>
+                      <a:tailEnd type="none" w="med" len="med"/>
+                    </a:lnL>
+                    <a:lnR w="12700" cap="flat" cmpd="sng" algn="ctr">
+                      <a:solidFill>
+                        <a:schemeClr val="tx1"/>
+                      </a:solidFill>
+                      <a:prstDash val="solid"/>
+                      <a:round/>
+                      <a:headEnd type="none" w="med" len="med"/>
+                      <a:tailEnd type="none" w="med" len="med"/>
+                    </a:lnR>
+                    <a:lnT w="12700" cap="flat" cmpd="sng" algn="ctr">
+                      <a:solidFill>
+                        <a:schemeClr val="tx1"/>
+                      </a:solidFill>
+                      <a:prstDash val="solid"/>
+                      <a:round/>
+                      <a:headEnd type="none" w="med" len="med"/>
+                      <a:tailEnd type="none" w="med" len="med"/>
+                    </a:lnT>
+                    <a:lnB w="12700" cap="flat" cmpd="sng" algn="ctr">
+                      <a:solidFill>
+                        <a:schemeClr val="tx1"/>
+                      </a:solidFill>
+                      <a:prstDash val="solid"/>
+                      <a:round/>
+                      <a:headEnd type="none" w="med" len="med"/>
+                      <a:tailEnd type="none" w="med" len="med"/>
+                    </a:lnB>
+                    <a:solidFill>
+                      <a:srgbClr val="002060"/>
+                    </a:solidFill>
+                  </a:tcPr>
+                </a:tc>
+                <a:tc>
+                  <a:txBody>
+                    <a:bodyPr/>
+                    <a:lstStyle/>
+                    <a:p>
+                      <a:pPr algn="ctr"/>
+                      <a:r>
+                        <a:rPr lang="pt-BR" sz="1200" b="1">
+                          <a:solidFill>
+                            <a:schemeClr val="bg2"/>
+                          </a:solidFill>
+                          <a:latin typeface="Century Gothic" panose="020B0502020202020204" pitchFamily="34" charset="0"/>
+                        </a:rPr>
+                        <a:t>Valor do faturamento</a:t>
+                      </a:r>
+                    </a:p>
+                  </a:txBody>
+                  <a:tcPr anchor="ctr">
+                    <a:lnL w="12700" cap="flat" cmpd="sng" algn="ctr">
+                      <a:solidFill>
+                        <a:schemeClr val="tx1"/>
+                      </a:solidFill>
+                      <a:prstDash val="solid"/>
+                      <a:round/>
+                      <a:headEnd type="none" w="med" len="med"/>
+                      <a:tailEnd type="none" w="med" len="med"/>
+                    </a:lnL>
+                    <a:lnR w="12700" cap="flat" cmpd="sng" algn="ctr">
+                      <a:solidFill>
+                        <a:schemeClr val="tx1"/>
+                      </a:solidFill>
+                      <a:prstDash val="solid"/>
+                      <a:round/>
+                      <a:headEnd type="none" w="med" len="med"/>
+                      <a:tailEnd type="none" w="med" len="med"/>
+                    </a:lnR>
+                    <a:lnT w="12700" cap="flat" cmpd="sng" algn="ctr">
+                      <a:solidFill>
+                        <a:schemeClr val="tx1"/>
+                      </a:solidFill>
+                      <a:prstDash val="solid"/>
+                      <a:round/>
+                      <a:headEnd type="none" w="med" len="med"/>
+                      <a:tailEnd type="none" w="med" len="med"/>
+                    </a:lnT>
+                    <a:lnB w="12700" cap="flat" cmpd="sng" algn="ctr">
+                      <a:solidFill>
+                        <a:schemeClr val="tx1"/>
+                      </a:solidFill>
+                      <a:prstDash val="solid"/>
+                      <a:round/>
+                      <a:headEnd type="none" w="med" len="med"/>
+                      <a:tailEnd type="none" w="med" len="med"/>
+                    </a:lnB>
+                    <a:solidFill>
+                      <a:srgbClr val="002060"/>
+                    </a:solidFill>
+                  </a:tcPr>
+                </a:tc>
+                <a:tc>
+                  <a:txBody>
+                    <a:bodyPr/>
+                    <a:lstStyle/>
+                    <a:p>
+                      <a:pPr algn="ctr"/>
+                      <a:r>
+                        <a:rPr lang="pt-BR" sz="1200" b="1">
+                          <a:solidFill>
+                            <a:schemeClr val="bg2"/>
+                          </a:solidFill>
+                          <a:latin typeface="Century Gothic" panose="020B0502020202020204" pitchFamily="34" charset="0"/>
+                        </a:rPr>
+                        <a:t>Data do faturamento</a:t>
+                      </a:r>
+                    </a:p>
+                  </a:txBody>
+                  <a:tcPr anchor="ctr">
+                    <a:lnL w="12700" cap="flat" cmpd="sng" algn="ctr">
+                      <a:solidFill>
+                        <a:schemeClr val="tx1"/>
+                      </a:solidFill>
+                      <a:prstDash val="solid"/>
+                      <a:round/>
+                      <a:headEnd type="none" w="med" len="med"/>
+                      <a:tailEnd type="none" w="med" len="med"/>
+                    </a:lnL>
+                    <a:lnR w="12700" cap="flat" cmpd="sng" algn="ctr">
+                      <a:solidFill>
+                        <a:schemeClr val="tx1"/>
+                      </a:solidFill>
+                      <a:prstDash val="solid"/>
+                      <a:round/>
+                      <a:headEnd type="none" w="med" len="med"/>
+                      <a:tailEnd type="none" w="med" len="med"/>
+                    </a:lnR>
+                    <a:lnT w="12700" cap="flat" cmpd="sng" algn="ctr">
+                      <a:solidFill>
+                        <a:schemeClr val="tx1"/>
+                      </a:solidFill>
+                      <a:prstDash val="solid"/>
+                      <a:round/>
+                      <a:headEnd type="none" w="med" len="med"/>
+                      <a:tailEnd type="none" w="med" len="med"/>
+                    </a:lnT>
+                    <a:lnB w="12700" cap="flat" cmpd="sng" algn="ctr">
+                      <a:solidFill>
+                        <a:schemeClr val="tx1"/>
+                      </a:solidFill>
+                      <a:prstDash val="solid"/>
+                      <a:round/>
+                      <a:headEnd type="none" w="med" len="med"/>
+                      <a:tailEnd type="none" w="med" len="med"/>
+                    </a:lnB>
+                    <a:solidFill>
+                      <a:srgbClr val="002060"/>
+                    </a:solidFill>
+                  </a:tcPr>
+                </a:tc>
+                <a:tc>
+                  <a:txBody>
+                    <a:bodyPr/>
+                    <a:lstStyle/>
+                    <a:p>
+                      <a:pPr algn="ctr"/>
+                      <a:r>
+                        <a:rPr lang="pt-BR" sz="1200" b="1">
+                          <a:solidFill>
+                            <a:schemeClr val="bg2"/>
+                          </a:solidFill>
+                          <a:latin typeface="Century Gothic" panose="020B0502020202020204" pitchFamily="34" charset="0"/>
+                        </a:rPr>
+                        <a:t>Data do pagamento</a:t>
+                      </a:r>
+                      <a:endParaRPr lang="pt-BR"/>
+                    </a:p>
+                  </a:txBody>
+                  <a:tcPr anchor="ctr">
+                    <a:lnL w="12700" cap="flat" cmpd="sng" algn="ctr">
+                      <a:solidFill>
+                        <a:schemeClr val="tx1"/>
+                      </a:solidFill>
+                      <a:prstDash val="solid"/>
+                      <a:round/>
+                      <a:headEnd type="none" w="med" len="med"/>
+                      <a:tailEnd type="none" w="med" len="med"/>
+                    </a:lnL>
+                    <a:lnR w="12700" cap="flat" cmpd="sng" algn="ctr">
+                      <a:solidFill>
+                        <a:schemeClr val="tx1"/>
+                      </a:solidFill>
+                      <a:prstDash val="solid"/>
+                      <a:round/>
+                      <a:headEnd type="none" w="med" len="med"/>
+                      <a:tailEnd type="none" w="med" len="med"/>
+                    </a:lnR>
+                    <a:lnT w="12700" cap="flat" cmpd="sng" algn="ctr">
+                      <a:solidFill>
+                        <a:schemeClr val="tx1"/>
+                      </a:solidFill>
+                      <a:prstDash val="solid"/>
+                      <a:round/>
+                      <a:headEnd type="none" w="med" len="med"/>
+                      <a:tailEnd type="none" w="med" len="med"/>
+                    </a:lnT>
+                    <a:lnB w="12700" cap="flat" cmpd="sng" algn="ctr">
+                      <a:solidFill>
+                        <a:schemeClr val="tx1"/>
+                      </a:solidFill>
+                      <a:prstDash val="solid"/>
+                      <a:round/>
+                      <a:headEnd type="none" w="med" len="med"/>
+                      <a:tailEnd type="none" w="med" len="med"/>
+                    </a:lnB>
+                    <a:solidFill>
+                      <a:srgbClr val="002060"/>
+                    </a:solidFill>
+                  </a:tcPr>
+                </a:tc>
+                <a:extLst>
+                  <a:ext uri="{0D108BD9-81ED-4DB2-BD59-A6C34878D82A}">
+                    <a16:rowId xmlns:a16="http://schemas.microsoft.com/office/drawing/2014/main" val="1643989339"/>
+                  </a:ext>
+                </a:extLst>
+              </a:tr>
+              <a:tr h="441854">
+                <a:tc>
+                  <a:txBody>
+                    <a:bodyPr/>
+                    <a:lstStyle/>
+                    <a:p>
+                      <a:pPr algn="ctr">
+                        <a:lnSpc>
+                          <a:spcPct val="115000"/>
+                        </a:lnSpc>
+                        <a:spcAft>
+                          <a:spcPts val="1000"/>
+                        </a:spcAft>
+                      </a:pPr>
+                      <a:r>
+                        <a:rPr lang="pt-BR" sz="1200">
+                          <a:effectLst/>
+                          <a:latin typeface="Calibri" panose="020F0502020204030204" pitchFamily="34" charset="0"/>
+                          <a:ea typeface="Abadi Extra Light" panose="020B0204020104020204" pitchFamily="34" charset="0"/>
+                          <a:cs typeface="Calibri" panose="020F0502020204030204" pitchFamily="34" charset="0"/>
+                        </a:rPr>
+                        <a:t>1º Parcela</a:t>
+                      </a:r>
+                      <a:endParaRPr lang="pt-BR" sz="1200">
+                        <a:effectLst/>
+                        <a:latin typeface="Calibri" panose="020F0502020204030204" pitchFamily="34" charset="0"/>
+                        <a:ea typeface="Calibri" panose="020F0502020204030204" pitchFamily="34" charset="0"/>
+                        <a:cs typeface="Calibri" panose="020F0502020204030204" pitchFamily="34" charset="0"/>
+                      </a:endParaRPr>
+                    </a:p>
+                  </a:txBody>
+                  <a:tcPr marL="68580" marR="68580" marT="0" marB="0" anchor="ctr">
+                    <a:lnL w="12700" cap="flat" cmpd="sng" algn="ctr">
+                      <a:solidFill>
+                        <a:schemeClr val="tx1"/>
+                      </a:solidFill>
+                      <a:prstDash val="solid"/>
+                      <a:round/>
+                      <a:headEnd type="none" w="med" len="med"/>
+                      <a:tailEnd type="none" w="med" len="med"/>
+                    </a:lnL>
+                    <a:lnR w="12700" cap="flat" cmpd="sng" algn="ctr">
+                      <a:solidFill>
+                        <a:schemeClr val="tx1"/>
+                      </a:solidFill>
+                      <a:prstDash val="solid"/>
+                      <a:round/>
+                      <a:headEnd type="none" w="med" len="med"/>
+                      <a:tailEnd type="none" w="med" len="med"/>
+                    </a:lnR>
+                    <a:lnT w="12700" cap="flat" cmpd="sng" algn="ctr">
+                      <a:solidFill>
+                        <a:schemeClr val="tx1"/>
+                      </a:solidFill>
+                      <a:prstDash val="solid"/>
+                      <a:round/>
+                      <a:headEnd type="none" w="med" len="med"/>
+                      <a:tailEnd type="none" w="med" len="med"/>
+                    </a:lnT>
+                    <a:lnB w="12700" cap="flat" cmpd="sng" algn="ctr">
+                      <a:solidFill>
+                        <a:schemeClr val="tx1"/>
+                      </a:solidFill>
+                      <a:prstDash val="solid"/>
+                      <a:round/>
+                      <a:headEnd type="none" w="med" len="med"/>
+                      <a:tailEnd type="none" w="med" len="med"/>
+                    </a:lnB>
+                  </a:tcPr>
+                </a:tc>
+                <a:tc>
+                  <a:txBody>
+                    <a:bodyPr/>
+                    <a:lstStyle/>
+                    <a:p>
+                      <a:pPr algn="ctr">
+                        <a:lnSpc>
+                          <a:spcPct val="115000"/>
+                        </a:lnSpc>
+                        <a:spcAft>
+                          <a:spcPts val="1000"/>
+                        </a:spcAft>
+                      </a:pPr>
+                      <a:r>
+                        <a:rPr lang="pt-BR" sz="1200">
+                          <a:effectLst/>
+                          <a:latin typeface="Calibri" panose="020F0502020204030204" pitchFamily="34" charset="0"/>
+                          <a:ea typeface="Abadi Extra Light" panose="020B0204020104020204" pitchFamily="34" charset="0"/>
+                          <a:cs typeface="Calibri" panose="020F0502020204030204" pitchFamily="34" charset="0"/>
+                        </a:rPr>
+                        <a:t>R$ 17.660,00</a:t>
+                      </a:r>
+                      <a:endParaRPr lang="pt-BR" sz="1200">
+                        <a:effectLst/>
+                        <a:latin typeface="Calibri" panose="020F0502020204030204" pitchFamily="34" charset="0"/>
+                        <a:ea typeface="Calibri" panose="020F0502020204030204" pitchFamily="34" charset="0"/>
+                        <a:cs typeface="Calibri" panose="020F0502020204030204" pitchFamily="34" charset="0"/>
+                      </a:endParaRPr>
+                    </a:p>
+                  </a:txBody>
+                  <a:tcPr marL="68580" marR="68580" marT="0" marB="0" anchor="ctr">
+                    <a:lnL w="12700" cap="flat" cmpd="sng" algn="ctr">
+                      <a:solidFill>
+                        <a:schemeClr val="tx1"/>
+                      </a:solidFill>
+                      <a:prstDash val="solid"/>
+                      <a:round/>
+                      <a:headEnd type="none" w="med" len="med"/>
+                      <a:tailEnd type="none" w="med" len="med"/>
+                    </a:lnL>
+                    <a:lnR w="12700" cap="flat" cmpd="sng" algn="ctr">
+                      <a:solidFill>
+                        <a:schemeClr val="tx1"/>
+                      </a:solidFill>
+                      <a:prstDash val="solid"/>
+                      <a:round/>
+                      <a:headEnd type="none" w="med" len="med"/>
+                      <a:tailEnd type="none" w="med" len="med"/>
+                    </a:lnR>
+                    <a:lnT w="12700" cap="flat" cmpd="sng" algn="ctr">
+                      <a:solidFill>
+                        <a:schemeClr val="tx1"/>
+                      </a:solidFill>
+                      <a:prstDash val="solid"/>
+                      <a:round/>
+                      <a:headEnd type="none" w="med" len="med"/>
+                      <a:tailEnd type="none" w="med" len="med"/>
+                    </a:lnT>
+                    <a:lnB w="12700" cap="flat" cmpd="sng" algn="ctr">
+                      <a:solidFill>
+                        <a:schemeClr val="tx1"/>
+                      </a:solidFill>
+                      <a:prstDash val="solid"/>
+                      <a:round/>
+                      <a:headEnd type="none" w="med" len="med"/>
+                      <a:tailEnd type="none" w="med" len="med"/>
+                    </a:lnB>
+                  </a:tcPr>
+                </a:tc>
+                <a:tc>
+                  <a:txBody>
+                    <a:bodyPr/>
+                    <a:lstStyle/>
+                    <a:p>
+                      <a:pPr algn="ctr">
+                        <a:lnSpc>
+                          <a:spcPct val="115000"/>
+                        </a:lnSpc>
+                        <a:spcAft>
+                          <a:spcPts val="1000"/>
+                        </a:spcAft>
+                      </a:pPr>
+                      <a:r>
+                        <a:rPr lang="pt-BR" sz="1200">
+                          <a:effectLst/>
+                          <a:latin typeface="Calibri" panose="020F0502020204030204" pitchFamily="34" charset="0"/>
+                          <a:ea typeface="Abadi Extra Light" panose="020B0204020104020204" pitchFamily="34" charset="0"/>
+                          <a:cs typeface="Calibri" panose="020F0502020204030204" pitchFamily="34" charset="0"/>
+                        </a:rPr>
+                        <a:t>01/09/2020</a:t>
+                      </a:r>
+                      <a:endParaRPr lang="pt-BR" sz="1200">
+                        <a:effectLst/>
+                        <a:latin typeface="Calibri" panose="020F0502020204030204" pitchFamily="34" charset="0"/>
+                        <a:ea typeface="Calibri" panose="020F0502020204030204" pitchFamily="34" charset="0"/>
+                        <a:cs typeface="Calibri" panose="020F0502020204030204" pitchFamily="34" charset="0"/>
+                      </a:endParaRPr>
+                    </a:p>
+                  </a:txBody>
+                  <a:tcPr marL="68580" marR="68580" marT="0" marB="0" anchor="ctr">
+                    <a:lnL w="12700" cap="flat" cmpd="sng" algn="ctr">
+                      <a:solidFill>
+                        <a:schemeClr val="tx1"/>
+                      </a:solidFill>
+                      <a:prstDash val="solid"/>
+                      <a:round/>
+                      <a:headEnd type="none" w="med" len="med"/>
+                      <a:tailEnd type="none" w="med" len="med"/>
+                    </a:lnL>
+                    <a:lnR w="12700" cap="flat" cmpd="sng" algn="ctr">
+                      <a:solidFill>
+                        <a:schemeClr val="tx1"/>
+                      </a:solidFill>
+                      <a:prstDash val="solid"/>
+                      <a:round/>
+                      <a:headEnd type="none" w="med" len="med"/>
+                      <a:tailEnd type="none" w="med" len="med"/>
+                    </a:lnR>
+                    <a:lnT w="12700" cap="flat" cmpd="sng" algn="ctr">
+                      <a:solidFill>
+                        <a:schemeClr val="tx1"/>
+                      </a:solidFill>
+                      <a:prstDash val="solid"/>
+                      <a:round/>
+                      <a:headEnd type="none" w="med" len="med"/>
+                      <a:tailEnd type="none" w="med" len="med"/>
+                    </a:lnT>
+                    <a:lnB w="12700" cap="flat" cmpd="sng" algn="ctr">
+                      <a:solidFill>
+                        <a:schemeClr val="tx1"/>
+                      </a:solidFill>
+                      <a:prstDash val="solid"/>
+                      <a:round/>
+                      <a:headEnd type="none" w="med" len="med"/>
+                      <a:tailEnd type="none" w="med" len="med"/>
+                    </a:lnB>
+                  </a:tcPr>
+                </a:tc>
+                <a:tc>
+                  <a:txBody>
+                    <a:bodyPr/>
+                    <a:lstStyle/>
+                    <a:p>
+                      <a:pPr algn="ctr">
+                        <a:lnSpc>
+                          <a:spcPct val="115000"/>
+                        </a:lnSpc>
+                        <a:spcAft>
+                          <a:spcPts val="1000"/>
+                        </a:spcAft>
+                      </a:pPr>
+                      <a:r>
+                        <a:rPr lang="pt-BR" sz="1200">
+                          <a:effectLst/>
+                          <a:latin typeface="Calibri" panose="020F0502020204030204" pitchFamily="34" charset="0"/>
+                          <a:ea typeface="Abadi Extra Light" panose="020B0204020104020204" pitchFamily="34" charset="0"/>
+                          <a:cs typeface="Calibri" panose="020F0502020204030204" pitchFamily="34" charset="0"/>
+                        </a:rPr>
+                        <a:t>16/09/2020</a:t>
+                      </a:r>
+                      <a:endParaRPr lang="pt-BR" sz="1200">
+                        <a:effectLst/>
+                        <a:latin typeface="Calibri" panose="020F0502020204030204" pitchFamily="34" charset="0"/>
+                        <a:ea typeface="Calibri" panose="020F0502020204030204" pitchFamily="34" charset="0"/>
+                        <a:cs typeface="Calibri" panose="020F0502020204030204" pitchFamily="34" charset="0"/>
+                      </a:endParaRPr>
+                    </a:p>
+                  </a:txBody>
+                  <a:tcPr marL="68580" marR="68580" marT="0" marB="0" anchor="ctr">
+                    <a:lnL w="12700" cap="flat" cmpd="sng" algn="ctr">
+                      <a:solidFill>
+                        <a:schemeClr val="tx1"/>
+                      </a:solidFill>
+                      <a:prstDash val="solid"/>
+                      <a:round/>
+                      <a:headEnd type="none" w="med" len="med"/>
+                      <a:tailEnd type="none" w="med" len="med"/>
+                    </a:lnL>
+                    <a:lnR w="12700" cap="flat" cmpd="sng" algn="ctr">
+                      <a:solidFill>
+                        <a:schemeClr val="tx1"/>
+                      </a:solidFill>
+                      <a:prstDash val="solid"/>
+                      <a:round/>
+                      <a:headEnd type="none" w="med" len="med"/>
+                      <a:tailEnd type="none" w="med" len="med"/>
+                    </a:lnR>
+                    <a:lnT w="12700" cap="flat" cmpd="sng" algn="ctr">
+                      <a:solidFill>
+                        <a:schemeClr val="tx1"/>
+                      </a:solidFill>
+                      <a:prstDash val="solid"/>
+                      <a:round/>
+                      <a:headEnd type="none" w="med" len="med"/>
+                      <a:tailEnd type="none" w="med" len="med"/>
+                    </a:lnT>
+                    <a:lnB w="12700" cap="flat" cmpd="sng" algn="ctr">
+                      <a:solidFill>
+                        <a:schemeClr val="tx1"/>
+                      </a:solidFill>
+                      <a:prstDash val="solid"/>
+                      <a:round/>
+                      <a:headEnd type="none" w="med" len="med"/>
+                      <a:tailEnd type="none" w="med" len="med"/>
+                    </a:lnB>
+                  </a:tcPr>
+                </a:tc>
+                <a:extLst>
+                  <a:ext uri="{0D108BD9-81ED-4DB2-BD59-A6C34878D82A}">
+                    <a16:rowId xmlns:a16="http://schemas.microsoft.com/office/drawing/2014/main" val="1934115713"/>
+                  </a:ext>
+                </a:extLst>
+              </a:tr>
+              <a:tr h="441854">
+                <a:tc>
+                  <a:txBody>
+                    <a:bodyPr/>
+                    <a:lstStyle/>
+                    <a:p>
+                      <a:pPr algn="ctr">
+                        <a:lnSpc>
+                          <a:spcPct val="115000"/>
+                        </a:lnSpc>
+                        <a:spcAft>
+                          <a:spcPts val="1000"/>
+                        </a:spcAft>
+                      </a:pPr>
+                      <a:r>
+                        <a:rPr lang="pt-BR" sz="1200">
+                          <a:effectLst/>
+                          <a:latin typeface="Calibri" panose="020F0502020204030204" pitchFamily="34" charset="0"/>
+                          <a:ea typeface="Abadi Extra Light" panose="020B0204020104020204" pitchFamily="34" charset="0"/>
+                          <a:cs typeface="Calibri" panose="020F0502020204030204" pitchFamily="34" charset="0"/>
+                        </a:rPr>
+                        <a:t>2º Parcela</a:t>
+                      </a:r>
+                      <a:endParaRPr lang="pt-BR" sz="1200">
+                        <a:effectLst/>
+                        <a:latin typeface="Calibri" panose="020F0502020204030204" pitchFamily="34" charset="0"/>
+                        <a:ea typeface="Calibri" panose="020F0502020204030204" pitchFamily="34" charset="0"/>
+                        <a:cs typeface="Calibri" panose="020F0502020204030204" pitchFamily="34" charset="0"/>
+                      </a:endParaRPr>
+                    </a:p>
+                  </a:txBody>
+                  <a:tcPr marL="68580" marR="68580" marT="0" marB="0" anchor="ctr">
+                    <a:lnL w="12700" cap="flat" cmpd="sng" algn="ctr">
+                      <a:solidFill>
+                        <a:schemeClr val="tx1"/>
+                      </a:solidFill>
+                      <a:prstDash val="solid"/>
+                      <a:round/>
+                      <a:headEnd type="none" w="med" len="med"/>
+                      <a:tailEnd type="none" w="med" len="med"/>
+                    </a:lnL>
+                    <a:lnR w="12700" cap="flat" cmpd="sng" algn="ctr">
+                      <a:solidFill>
+                        <a:schemeClr val="tx1"/>
+                      </a:solidFill>
+                      <a:prstDash val="solid"/>
+                      <a:round/>
+                      <a:headEnd type="none" w="med" len="med"/>
+                      <a:tailEnd type="none" w="med" len="med"/>
+                    </a:lnR>
+                    <a:lnT w="12700" cap="flat" cmpd="sng" algn="ctr">
+                      <a:solidFill>
+                        <a:schemeClr val="tx1"/>
+                      </a:solidFill>
+                      <a:prstDash val="solid"/>
+                      <a:round/>
+                      <a:headEnd type="none" w="med" len="med"/>
+                      <a:tailEnd type="none" w="med" len="med"/>
+                    </a:lnT>
+                    <a:lnB w="12700" cap="flat" cmpd="sng" algn="ctr">
+                      <a:solidFill>
+                        <a:schemeClr val="tx1"/>
+                      </a:solidFill>
+                      <a:prstDash val="solid"/>
+                      <a:round/>
+                      <a:headEnd type="none" w="med" len="med"/>
+                      <a:tailEnd type="none" w="med" len="med"/>
+                    </a:lnB>
+                  </a:tcPr>
+                </a:tc>
+                <a:tc>
+                  <a:txBody>
+                    <a:bodyPr/>
+                    <a:lstStyle/>
+                    <a:p>
+                      <a:pPr algn="ctr">
+                        <a:lnSpc>
+                          <a:spcPct val="115000"/>
+                        </a:lnSpc>
+                        <a:spcAft>
+                          <a:spcPts val="1000"/>
+                        </a:spcAft>
+                      </a:pPr>
+                      <a:r>
+                        <a:rPr lang="pt-BR" sz="1200">
+                          <a:effectLst/>
+                          <a:latin typeface="Calibri" panose="020F0502020204030204" pitchFamily="34" charset="0"/>
+                          <a:ea typeface="Abadi Extra Light" panose="020B0204020104020204" pitchFamily="34" charset="0"/>
+                          <a:cs typeface="Calibri" panose="020F0502020204030204" pitchFamily="34" charset="0"/>
+                        </a:rPr>
+                        <a:t>R$ 17.660,00</a:t>
+                      </a:r>
+                      <a:endParaRPr lang="pt-BR" sz="1200">
+                        <a:effectLst/>
+                        <a:latin typeface="Calibri" panose="020F0502020204030204" pitchFamily="34" charset="0"/>
+                        <a:ea typeface="Calibri" panose="020F0502020204030204" pitchFamily="34" charset="0"/>
+                        <a:cs typeface="Calibri" panose="020F0502020204030204" pitchFamily="34" charset="0"/>
+                      </a:endParaRPr>
+                    </a:p>
+                  </a:txBody>
+                  <a:tcPr marL="68580" marR="68580" marT="0" marB="0" anchor="ctr">
+                    <a:lnL w="12700" cap="flat" cmpd="sng" algn="ctr">
+                      <a:solidFill>
+                        <a:schemeClr val="tx1"/>
+                      </a:solidFill>
+                      <a:prstDash val="solid"/>
+                      <a:round/>
+                      <a:headEnd type="none" w="med" len="med"/>
+                      <a:tailEnd type="none" w="med" len="med"/>
+                    </a:lnL>
+                    <a:lnR w="12700" cap="flat" cmpd="sng" algn="ctr">
+                      <a:solidFill>
+                        <a:schemeClr val="tx1"/>
+                      </a:solidFill>
+                      <a:prstDash val="solid"/>
+                      <a:round/>
+                      <a:headEnd type="none" w="med" len="med"/>
+                      <a:tailEnd type="none" w="med" len="med"/>
+                    </a:lnR>
+                    <a:lnT w="12700" cap="flat" cmpd="sng" algn="ctr">
+                      <a:solidFill>
+                        <a:schemeClr val="tx1"/>
+                      </a:solidFill>
+                      <a:prstDash val="solid"/>
+                      <a:round/>
+                      <a:headEnd type="none" w="med" len="med"/>
+                      <a:tailEnd type="none" w="med" len="med"/>
+                    </a:lnT>
+                    <a:lnB w="12700" cap="flat" cmpd="sng" algn="ctr">
+                      <a:solidFill>
+                        <a:schemeClr val="tx1"/>
+                      </a:solidFill>
+                      <a:prstDash val="solid"/>
+                      <a:round/>
+                      <a:headEnd type="none" w="med" len="med"/>
+                      <a:tailEnd type="none" w="med" len="med"/>
+                    </a:lnB>
+                  </a:tcPr>
+                </a:tc>
+                <a:tc>
+                  <a:txBody>
+                    <a:bodyPr/>
+                    <a:lstStyle/>
+                    <a:p>
+                      <a:pPr algn="ctr">
+                        <a:lnSpc>
+                          <a:spcPct val="115000"/>
+                        </a:lnSpc>
+                        <a:spcAft>
+                          <a:spcPts val="1000"/>
+                        </a:spcAft>
+                      </a:pPr>
+                      <a:r>
+                        <a:rPr lang="pt-BR" sz="1200">
+                          <a:effectLst/>
+                          <a:latin typeface="Calibri" panose="020F0502020204030204" pitchFamily="34" charset="0"/>
+                          <a:ea typeface="Abadi Extra Light" panose="020B0204020104020204" pitchFamily="34" charset="0"/>
+                          <a:cs typeface="Calibri" panose="020F0502020204030204" pitchFamily="34" charset="0"/>
+                        </a:rPr>
+                        <a:t>01/10/2020</a:t>
+                      </a:r>
+                      <a:endParaRPr lang="pt-BR" sz="1200">
+                        <a:effectLst/>
+                        <a:latin typeface="Calibri" panose="020F0502020204030204" pitchFamily="34" charset="0"/>
+                        <a:ea typeface="Calibri" panose="020F0502020204030204" pitchFamily="34" charset="0"/>
+                        <a:cs typeface="Calibri" panose="020F0502020204030204" pitchFamily="34" charset="0"/>
+                      </a:endParaRPr>
+                    </a:p>
+                  </a:txBody>
+                  <a:tcPr marL="68580" marR="68580" marT="0" marB="0" anchor="ctr">
+                    <a:lnL w="12700" cap="flat" cmpd="sng" algn="ctr">
+                      <a:solidFill>
+                        <a:schemeClr val="tx1"/>
+                      </a:solidFill>
+                      <a:prstDash val="solid"/>
+                      <a:round/>
+                      <a:headEnd type="none" w="med" len="med"/>
+                      <a:tailEnd type="none" w="med" len="med"/>
+                    </a:lnL>
+                    <a:lnR w="12700" cap="flat" cmpd="sng" algn="ctr">
+                      <a:solidFill>
+                        <a:schemeClr val="tx1"/>
+                      </a:solidFill>
+                      <a:prstDash val="solid"/>
+                      <a:round/>
+                      <a:headEnd type="none" w="med" len="med"/>
+                      <a:tailEnd type="none" w="med" len="med"/>
+                    </a:lnR>
+                    <a:lnT w="12700" cap="flat" cmpd="sng" algn="ctr">
+                      <a:solidFill>
+                        <a:schemeClr val="tx1"/>
+                      </a:solidFill>
+                      <a:prstDash val="solid"/>
+                      <a:round/>
+                      <a:headEnd type="none" w="med" len="med"/>
+                      <a:tailEnd type="none" w="med" len="med"/>
+                    </a:lnT>
+                    <a:lnB w="12700" cap="flat" cmpd="sng" algn="ctr">
+                      <a:solidFill>
+                        <a:schemeClr val="tx1"/>
+                      </a:solidFill>
+                      <a:prstDash val="solid"/>
+                      <a:round/>
+                      <a:headEnd type="none" w="med" len="med"/>
+                      <a:tailEnd type="none" w="med" len="med"/>
+                    </a:lnB>
+                  </a:tcPr>
+                </a:tc>
+                <a:tc>
+                  <a:txBody>
+                    <a:bodyPr/>
+                    <a:lstStyle/>
+                    <a:p>
+                      <a:pPr algn="ctr">
+                        <a:lnSpc>
+                          <a:spcPct val="115000"/>
+                        </a:lnSpc>
+                        <a:spcAft>
+                          <a:spcPts val="1000"/>
+                        </a:spcAft>
+                      </a:pPr>
+                      <a:r>
+                        <a:rPr lang="pt-BR" sz="1200">
+                          <a:effectLst/>
+                          <a:latin typeface="Calibri" panose="020F0502020204030204" pitchFamily="34" charset="0"/>
+                          <a:ea typeface="Abadi Extra Light" panose="020B0204020104020204" pitchFamily="34" charset="0"/>
+                          <a:cs typeface="Calibri" panose="020F0502020204030204" pitchFamily="34" charset="0"/>
+                        </a:rPr>
+                        <a:t>16/10/2020</a:t>
+                      </a:r>
+                      <a:endParaRPr lang="pt-BR" sz="1200">
+                        <a:effectLst/>
+                        <a:latin typeface="Calibri" panose="020F0502020204030204" pitchFamily="34" charset="0"/>
+                        <a:ea typeface="Calibri" panose="020F0502020204030204" pitchFamily="34" charset="0"/>
+                        <a:cs typeface="Calibri" panose="020F0502020204030204" pitchFamily="34" charset="0"/>
+                      </a:endParaRPr>
+                    </a:p>
+                  </a:txBody>
+                  <a:tcPr marL="68580" marR="68580" marT="0" marB="0" anchor="ctr">
+                    <a:lnL w="12700" cap="flat" cmpd="sng" algn="ctr">
+                      <a:solidFill>
+                        <a:schemeClr val="tx1"/>
+                      </a:solidFill>
+                      <a:prstDash val="solid"/>
+                      <a:round/>
+                      <a:headEnd type="none" w="med" len="med"/>
+                      <a:tailEnd type="none" w="med" len="med"/>
+                    </a:lnL>
+                    <a:lnR w="12700" cap="flat" cmpd="sng" algn="ctr">
+                      <a:solidFill>
+                        <a:schemeClr val="tx1"/>
+                      </a:solidFill>
+                      <a:prstDash val="solid"/>
+                      <a:round/>
+                      <a:headEnd type="none" w="med" len="med"/>
+                      <a:tailEnd type="none" w="med" len="med"/>
+                    </a:lnR>
+                    <a:lnT w="12700" cap="flat" cmpd="sng" algn="ctr">
+                      <a:solidFill>
+                        <a:schemeClr val="tx1"/>
+                      </a:solidFill>
+                      <a:prstDash val="solid"/>
+                      <a:round/>
+                      <a:headEnd type="none" w="med" len="med"/>
+                      <a:tailEnd type="none" w="med" len="med"/>
+                    </a:lnT>
+                    <a:lnB w="12700" cap="flat" cmpd="sng" algn="ctr">
+                      <a:solidFill>
+                        <a:schemeClr val="tx1"/>
+                      </a:solidFill>
+                      <a:prstDash val="solid"/>
+                      <a:round/>
+                      <a:headEnd type="none" w="med" len="med"/>
+                      <a:tailEnd type="none" w="med" len="med"/>
+                    </a:lnB>
+                  </a:tcPr>
+                </a:tc>
+                <a:extLst>
+                  <a:ext uri="{0D108BD9-81ED-4DB2-BD59-A6C34878D82A}">
+                    <a16:rowId xmlns:a16="http://schemas.microsoft.com/office/drawing/2014/main" val="4277832923"/>
+                  </a:ext>
+                </a:extLst>
+              </a:tr>
+              <a:tr h="441854">
+                <a:tc>
+                  <a:txBody>
+                    <a:bodyPr/>
+                    <a:lstStyle/>
+                    <a:p>
+                      <a:pPr algn="ctr">
+                        <a:lnSpc>
+                          <a:spcPct val="115000"/>
+                        </a:lnSpc>
+                        <a:spcAft>
+                          <a:spcPts val="1000"/>
+                        </a:spcAft>
+                      </a:pPr>
+                      <a:r>
+                        <a:rPr lang="pt-BR" sz="1200">
+                          <a:effectLst/>
+                          <a:latin typeface="Calibri" panose="020F0502020204030204" pitchFamily="34" charset="0"/>
+                          <a:ea typeface="Abadi Extra Light" panose="020B0204020104020204" pitchFamily="34" charset="0"/>
+                          <a:cs typeface="Calibri" panose="020F0502020204030204" pitchFamily="34" charset="0"/>
+                        </a:rPr>
+                        <a:t>3º Parcela</a:t>
+                      </a:r>
+                      <a:endParaRPr lang="pt-BR" sz="1200">
+                        <a:effectLst/>
+                        <a:latin typeface="Calibri" panose="020F0502020204030204" pitchFamily="34" charset="0"/>
+                        <a:ea typeface="Calibri" panose="020F0502020204030204" pitchFamily="34" charset="0"/>
+                        <a:cs typeface="Calibri" panose="020F0502020204030204" pitchFamily="34" charset="0"/>
+                      </a:endParaRPr>
+                    </a:p>
+                  </a:txBody>
+                  <a:tcPr marL="68580" marR="68580" marT="0" marB="0" anchor="ctr">
+                    <a:lnL w="12700" cap="flat" cmpd="sng" algn="ctr">
+                      <a:solidFill>
+                        <a:schemeClr val="tx1"/>
+                      </a:solidFill>
+                      <a:prstDash val="solid"/>
+                      <a:round/>
+                      <a:headEnd type="none" w="med" len="med"/>
+                      <a:tailEnd type="none" w="med" len="med"/>
+                    </a:lnL>
+                    <a:lnR w="12700" cap="flat" cmpd="sng" algn="ctr">
+                      <a:solidFill>
+                        <a:schemeClr val="tx1"/>
+                      </a:solidFill>
+                      <a:prstDash val="solid"/>
+                      <a:round/>
+                      <a:headEnd type="none" w="med" len="med"/>
+                      <a:tailEnd type="none" w="med" len="med"/>
+                    </a:lnR>
+                    <a:lnT w="12700" cap="flat" cmpd="sng" algn="ctr">
+                      <a:solidFill>
+                        <a:schemeClr val="tx1"/>
+                      </a:solidFill>
+                      <a:prstDash val="solid"/>
+                      <a:round/>
+                      <a:headEnd type="none" w="med" len="med"/>
+                      <a:tailEnd type="none" w="med" len="med"/>
+                    </a:lnT>
+                    <a:lnB w="12700" cap="flat" cmpd="sng" algn="ctr">
+                      <a:solidFill>
+                        <a:schemeClr val="tx1"/>
+                      </a:solidFill>
+                      <a:prstDash val="solid"/>
+                      <a:round/>
+                      <a:headEnd type="none" w="med" len="med"/>
+                      <a:tailEnd type="none" w="med" len="med"/>
+                    </a:lnB>
+                  </a:tcPr>
+                </a:tc>
+                <a:tc>
+                  <a:txBody>
+                    <a:bodyPr/>
+                    <a:lstStyle/>
+                    <a:p>
+                      <a:pPr algn="ctr">
+                        <a:lnSpc>
+                          <a:spcPct val="115000"/>
+                        </a:lnSpc>
+                        <a:spcAft>
+                          <a:spcPts val="1000"/>
+                        </a:spcAft>
+                      </a:pPr>
+                      <a:r>
+                        <a:rPr lang="pt-BR" sz="1200">
+                          <a:effectLst/>
+                          <a:latin typeface="Calibri" panose="020F0502020204030204" pitchFamily="34" charset="0"/>
+                          <a:ea typeface="Abadi Extra Light" panose="020B0204020104020204" pitchFamily="34" charset="0"/>
+                          <a:cs typeface="Calibri" panose="020F0502020204030204" pitchFamily="34" charset="0"/>
+                        </a:rPr>
+                        <a:t>R$ 17.660,00</a:t>
+                      </a:r>
+                      <a:endParaRPr lang="pt-BR" sz="1200">
+                        <a:effectLst/>
+                        <a:latin typeface="Calibri" panose="020F0502020204030204" pitchFamily="34" charset="0"/>
+                        <a:ea typeface="Calibri" panose="020F0502020204030204" pitchFamily="34" charset="0"/>
+                        <a:cs typeface="Calibri" panose="020F0502020204030204" pitchFamily="34" charset="0"/>
+                      </a:endParaRPr>
+                    </a:p>
+                  </a:txBody>
+                  <a:tcPr marL="68580" marR="68580" marT="0" marB="0" anchor="ctr">
+                    <a:lnL w="12700" cap="flat" cmpd="sng" algn="ctr">
+                      <a:solidFill>
+                        <a:schemeClr val="tx1"/>
+                      </a:solidFill>
+                      <a:prstDash val="solid"/>
+                      <a:round/>
+                      <a:headEnd type="none" w="med" len="med"/>
+                      <a:tailEnd type="none" w="med" len="med"/>
+                    </a:lnL>
+                    <a:lnR w="12700" cap="flat" cmpd="sng" algn="ctr">
+                      <a:solidFill>
+                        <a:schemeClr val="tx1"/>
+                      </a:solidFill>
+                      <a:prstDash val="solid"/>
+                      <a:round/>
+                      <a:headEnd type="none" w="med" len="med"/>
+                      <a:tailEnd type="none" w="med" len="med"/>
+                    </a:lnR>
+                    <a:lnT w="12700" cap="flat" cmpd="sng" algn="ctr">
+                      <a:solidFill>
+                        <a:schemeClr val="tx1"/>
+                      </a:solidFill>
+                      <a:prstDash val="solid"/>
+                      <a:round/>
+                      <a:headEnd type="none" w="med" len="med"/>
+                      <a:tailEnd type="none" w="med" len="med"/>
+                    </a:lnT>
+                    <a:lnB w="12700" cap="flat" cmpd="sng" algn="ctr">
+                      <a:solidFill>
+                        <a:schemeClr val="tx1"/>
+                      </a:solidFill>
+                      <a:prstDash val="solid"/>
+                      <a:round/>
+                      <a:headEnd type="none" w="med" len="med"/>
+                      <a:tailEnd type="none" w="med" len="med"/>
+                    </a:lnB>
+                  </a:tcPr>
+                </a:tc>
+                <a:tc>
+                  <a:txBody>
+                    <a:bodyPr/>
+                    <a:lstStyle/>
+                    <a:p>
+                      <a:pPr algn="ctr">
+                        <a:lnSpc>
+                          <a:spcPct val="115000"/>
+                        </a:lnSpc>
+                        <a:spcAft>
+                          <a:spcPts val="1000"/>
+                        </a:spcAft>
+                      </a:pPr>
+                      <a:r>
+                        <a:rPr lang="pt-BR" sz="1200">
+                          <a:effectLst/>
+                          <a:latin typeface="Calibri" panose="020F0502020204030204" pitchFamily="34" charset="0"/>
+                          <a:ea typeface="Abadi Extra Light" panose="020B0204020104020204" pitchFamily="34" charset="0"/>
+                          <a:cs typeface="Calibri" panose="020F0502020204030204" pitchFamily="34" charset="0"/>
+                        </a:rPr>
+                        <a:t>01/11/2020</a:t>
+                      </a:r>
+                      <a:endParaRPr lang="pt-BR" sz="1200">
+                        <a:effectLst/>
+                        <a:latin typeface="Calibri" panose="020F0502020204030204" pitchFamily="34" charset="0"/>
+                        <a:ea typeface="Calibri" panose="020F0502020204030204" pitchFamily="34" charset="0"/>
+                        <a:cs typeface="Calibri" panose="020F0502020204030204" pitchFamily="34" charset="0"/>
+                      </a:endParaRPr>
+                    </a:p>
+                  </a:txBody>
+                  <a:tcPr marL="68580" marR="68580" marT="0" marB="0" anchor="ctr">
+                    <a:lnL w="12700" cap="flat" cmpd="sng" algn="ctr">
+                      <a:solidFill>
+                        <a:schemeClr val="tx1"/>
+                      </a:solidFill>
+                      <a:prstDash val="solid"/>
+                      <a:round/>
+                      <a:headEnd type="none" w="med" len="med"/>
+                      <a:tailEnd type="none" w="med" len="med"/>
+                    </a:lnL>
+                    <a:lnR w="12700" cap="flat" cmpd="sng" algn="ctr">
+                      <a:solidFill>
+                        <a:schemeClr val="tx1"/>
+                      </a:solidFill>
+                      <a:prstDash val="solid"/>
+                      <a:round/>
+                      <a:headEnd type="none" w="med" len="med"/>
+                      <a:tailEnd type="none" w="med" len="med"/>
+                    </a:lnR>
+                    <a:lnT w="12700" cap="flat" cmpd="sng" algn="ctr">
+                      <a:solidFill>
+                        <a:schemeClr val="tx1"/>
+                      </a:solidFill>
+                      <a:prstDash val="solid"/>
+                      <a:round/>
+                      <a:headEnd type="none" w="med" len="med"/>
+                      <a:tailEnd type="none" w="med" len="med"/>
+                    </a:lnT>
+                    <a:lnB w="12700" cap="flat" cmpd="sng" algn="ctr">
+                      <a:solidFill>
+                        <a:schemeClr val="tx1"/>
+                      </a:solidFill>
+                      <a:prstDash val="solid"/>
+                      <a:round/>
+                      <a:headEnd type="none" w="med" len="med"/>
+                      <a:tailEnd type="none" w="med" len="med"/>
+                    </a:lnB>
+                  </a:tcPr>
+                </a:tc>
+                <a:tc>
+                  <a:txBody>
+                    <a:bodyPr/>
+                    <a:lstStyle/>
+                    <a:p>
+                      <a:pPr algn="ctr">
+                        <a:lnSpc>
+                          <a:spcPct val="115000"/>
+                        </a:lnSpc>
+                        <a:spcAft>
+                          <a:spcPts val="1000"/>
+                        </a:spcAft>
+                      </a:pPr>
+                      <a:r>
+                        <a:rPr lang="pt-BR" sz="1200">
+                          <a:effectLst/>
+                          <a:latin typeface="Calibri" panose="020F0502020204030204" pitchFamily="34" charset="0"/>
+                          <a:ea typeface="Abadi Extra Light" panose="020B0204020104020204" pitchFamily="34" charset="0"/>
+                          <a:cs typeface="Calibri" panose="020F0502020204030204" pitchFamily="34" charset="0"/>
+                        </a:rPr>
+                        <a:t>16/11/2020</a:t>
+                      </a:r>
+                      <a:endParaRPr lang="pt-BR" sz="1200">
+                        <a:effectLst/>
+                        <a:latin typeface="Calibri" panose="020F0502020204030204" pitchFamily="34" charset="0"/>
+                        <a:ea typeface="Calibri" panose="020F0502020204030204" pitchFamily="34" charset="0"/>
+                        <a:cs typeface="Calibri" panose="020F0502020204030204" pitchFamily="34" charset="0"/>
+                      </a:endParaRPr>
+                    </a:p>
+                  </a:txBody>
+                  <a:tcPr marL="68580" marR="68580" marT="0" marB="0" anchor="ctr">
+                    <a:lnL w="12700" cap="flat" cmpd="sng" algn="ctr">
+                      <a:solidFill>
+                        <a:schemeClr val="tx1"/>
+                      </a:solidFill>
+                      <a:prstDash val="solid"/>
+                      <a:round/>
+                      <a:headEnd type="none" w="med" len="med"/>
+                      <a:tailEnd type="none" w="med" len="med"/>
+                    </a:lnL>
+                    <a:lnR w="12700" cap="flat" cmpd="sng" algn="ctr">
+                      <a:solidFill>
+                        <a:schemeClr val="tx1"/>
+                      </a:solidFill>
+                      <a:prstDash val="solid"/>
+                      <a:round/>
+                      <a:headEnd type="none" w="med" len="med"/>
+                      <a:tailEnd type="none" w="med" len="med"/>
+                    </a:lnR>
+                    <a:lnT w="12700" cap="flat" cmpd="sng" algn="ctr">
+                      <a:solidFill>
+                        <a:schemeClr val="tx1"/>
+                      </a:solidFill>
+                      <a:prstDash val="solid"/>
+                      <a:round/>
+                      <a:headEnd type="none" w="med" len="med"/>
+                      <a:tailEnd type="none" w="med" len="med"/>
+                    </a:lnT>
+                    <a:lnB w="12700" cap="flat" cmpd="sng" algn="ctr">
+                      <a:solidFill>
+                        <a:schemeClr val="tx1"/>
+                      </a:solidFill>
+                      <a:prstDash val="solid"/>
+                      <a:round/>
+                      <a:headEnd type="none" w="med" len="med"/>
+                      <a:tailEnd type="none" w="med" len="med"/>
+                    </a:lnB>
+                  </a:tcPr>
+                </a:tc>
+                <a:extLst>
+                  <a:ext uri="{0D108BD9-81ED-4DB2-BD59-A6C34878D82A}">
+                    <a16:rowId xmlns:a16="http://schemas.microsoft.com/office/drawing/2014/main" val="1810590542"/>
+                  </a:ext>
+                </a:extLst>
+              </a:tr>
+              <a:tr h="441854">
+                <a:tc>
+                  <a:txBody>
+                    <a:bodyPr/>
+                    <a:lstStyle/>
+                    <a:p>
+                      <a:pPr algn="ctr">
+                        <a:lnSpc>
+                          <a:spcPct val="115000"/>
+                        </a:lnSpc>
+                        <a:spcAft>
+                          <a:spcPts val="1000"/>
+                        </a:spcAft>
+                      </a:pPr>
+                      <a:r>
+                        <a:rPr lang="pt-BR" sz="1200">
+                          <a:effectLst/>
+                          <a:latin typeface="Calibri" panose="020F0502020204030204" pitchFamily="34" charset="0"/>
+                          <a:ea typeface="Abadi Extra Light" panose="020B0204020104020204" pitchFamily="34" charset="0"/>
+                          <a:cs typeface="Calibri" panose="020F0502020204030204" pitchFamily="34" charset="0"/>
+                        </a:rPr>
+                        <a:t>4º Parcela</a:t>
+                      </a:r>
+                      <a:endParaRPr lang="pt-BR" sz="1200">
+                        <a:effectLst/>
+                        <a:latin typeface="Calibri" panose="020F0502020204030204" pitchFamily="34" charset="0"/>
+                        <a:ea typeface="Calibri" panose="020F0502020204030204" pitchFamily="34" charset="0"/>
+                        <a:cs typeface="Calibri" panose="020F0502020204030204" pitchFamily="34" charset="0"/>
+                      </a:endParaRPr>
+                    </a:p>
+                  </a:txBody>
+                  <a:tcPr marL="68580" marR="68580" marT="0" marB="0" anchor="ctr">
+                    <a:lnL w="12700" cap="flat" cmpd="sng" algn="ctr">
+                      <a:solidFill>
+                        <a:schemeClr val="tx1"/>
+                      </a:solidFill>
+                      <a:prstDash val="solid"/>
+                      <a:round/>
+                      <a:headEnd type="none" w="med" len="med"/>
+                      <a:tailEnd type="none" w="med" len="med"/>
+                    </a:lnL>
+                    <a:lnR w="12700" cap="flat" cmpd="sng" algn="ctr">
+                      <a:solidFill>
+                        <a:schemeClr val="tx1"/>
+                      </a:solidFill>
+                      <a:prstDash val="solid"/>
+                      <a:round/>
+                      <a:headEnd type="none" w="med" len="med"/>
+                      <a:tailEnd type="none" w="med" len="med"/>
+                    </a:lnR>
+                    <a:lnT w="12700" cap="flat" cmpd="sng" algn="ctr">
+                      <a:solidFill>
+                        <a:schemeClr val="tx1"/>
+                      </a:solidFill>
+                      <a:prstDash val="solid"/>
+                      <a:round/>
+                      <a:headEnd type="none" w="med" len="med"/>
+                      <a:tailEnd type="none" w="med" len="med"/>
+                    </a:lnT>
+                    <a:lnB w="12700" cap="flat" cmpd="sng" algn="ctr">
+                      <a:solidFill>
+                        <a:schemeClr val="tx1"/>
+                      </a:solidFill>
+                      <a:prstDash val="solid"/>
+                      <a:round/>
+                      <a:headEnd type="none" w="med" len="med"/>
+                      <a:tailEnd type="none" w="med" len="med"/>
+                    </a:lnB>
+                  </a:tcPr>
+                </a:tc>
+                <a:tc>
+                  <a:txBody>
+                    <a:bodyPr/>
+                    <a:lstStyle/>
+                    <a:p>
+                      <a:pPr algn="ctr">
+                        <a:lnSpc>
+                          <a:spcPct val="115000"/>
+                        </a:lnSpc>
+                        <a:spcAft>
+                          <a:spcPts val="1000"/>
+                        </a:spcAft>
+                      </a:pPr>
+                      <a:r>
+                        <a:rPr lang="pt-BR" sz="1200">
+                          <a:effectLst/>
+                          <a:latin typeface="Calibri" panose="020F0502020204030204" pitchFamily="34" charset="0"/>
+                          <a:ea typeface="Abadi Extra Light" panose="020B0204020104020204" pitchFamily="34" charset="0"/>
+                          <a:cs typeface="Calibri" panose="020F0502020204030204" pitchFamily="34" charset="0"/>
+                        </a:rPr>
+                        <a:t>R$ 17.660,00</a:t>
+                      </a:r>
+                      <a:endParaRPr lang="pt-BR" sz="1200">
+                        <a:effectLst/>
+                        <a:latin typeface="Calibri" panose="020F0502020204030204" pitchFamily="34" charset="0"/>
+                        <a:ea typeface="Calibri" panose="020F0502020204030204" pitchFamily="34" charset="0"/>
+                        <a:cs typeface="Calibri" panose="020F0502020204030204" pitchFamily="34" charset="0"/>
+                      </a:endParaRPr>
+                    </a:p>
+                  </a:txBody>
+                  <a:tcPr marL="68580" marR="68580" marT="0" marB="0" anchor="ctr">
+                    <a:lnL w="12700" cap="flat" cmpd="sng" algn="ctr">
+                      <a:solidFill>
+                        <a:schemeClr val="tx1"/>
+                      </a:solidFill>
+                      <a:prstDash val="solid"/>
+                      <a:round/>
+                      <a:headEnd type="none" w="med" len="med"/>
+                      <a:tailEnd type="none" w="med" len="med"/>
+                    </a:lnL>
+                    <a:lnR w="12700" cap="flat" cmpd="sng" algn="ctr">
+                      <a:solidFill>
+                        <a:schemeClr val="tx1"/>
+                      </a:solidFill>
+                      <a:prstDash val="solid"/>
+                      <a:round/>
+                      <a:headEnd type="none" w="med" len="med"/>
+                      <a:tailEnd type="none" w="med" len="med"/>
+                    </a:lnR>
+                    <a:lnT w="12700" cap="flat" cmpd="sng" algn="ctr">
+                      <a:solidFill>
+                        <a:schemeClr val="tx1"/>
+                      </a:solidFill>
+                      <a:prstDash val="solid"/>
+                      <a:round/>
+                      <a:headEnd type="none" w="med" len="med"/>
+                      <a:tailEnd type="none" w="med" len="med"/>
+                    </a:lnT>
+                    <a:lnB w="12700" cap="flat" cmpd="sng" algn="ctr">
+                      <a:solidFill>
+                        <a:schemeClr val="tx1"/>
+                      </a:solidFill>
+                      <a:prstDash val="solid"/>
+                      <a:round/>
+                      <a:headEnd type="none" w="med" len="med"/>
+                      <a:tailEnd type="none" w="med" len="med"/>
+                    </a:lnB>
+                  </a:tcPr>
+                </a:tc>
+                <a:tc>
+                  <a:txBody>
+                    <a:bodyPr/>
+                    <a:lstStyle/>
+                    <a:p>
+                      <a:pPr algn="ctr">
+                        <a:lnSpc>
+                          <a:spcPct val="115000"/>
+                        </a:lnSpc>
+                        <a:spcAft>
+                          <a:spcPts val="1000"/>
+                        </a:spcAft>
+                      </a:pPr>
+                      <a:r>
+                        <a:rPr lang="pt-BR" sz="1200">
+                          <a:effectLst/>
+                          <a:latin typeface="Calibri" panose="020F0502020204030204" pitchFamily="34" charset="0"/>
+                          <a:ea typeface="Abadi Extra Light" panose="020B0204020104020204" pitchFamily="34" charset="0"/>
+                          <a:cs typeface="Calibri" panose="020F0502020204030204" pitchFamily="34" charset="0"/>
+                        </a:rPr>
+                        <a:t>01/12/2020</a:t>
+                      </a:r>
+                      <a:endParaRPr lang="pt-BR" sz="1200">
+                        <a:effectLst/>
+                        <a:latin typeface="Calibri" panose="020F0502020204030204" pitchFamily="34" charset="0"/>
+                        <a:ea typeface="Calibri" panose="020F0502020204030204" pitchFamily="34" charset="0"/>
+                        <a:cs typeface="Calibri" panose="020F0502020204030204" pitchFamily="34" charset="0"/>
+                      </a:endParaRPr>
+                    </a:p>
+                  </a:txBody>
+                  <a:tcPr marL="68580" marR="68580" marT="0" marB="0" anchor="ctr">
+                    <a:lnL w="12700" cap="flat" cmpd="sng" algn="ctr">
+                      <a:solidFill>
+                        <a:schemeClr val="tx1"/>
+                      </a:solidFill>
+                      <a:prstDash val="solid"/>
+                      <a:round/>
+                      <a:headEnd type="none" w="med" len="med"/>
+                      <a:tailEnd type="none" w="med" len="med"/>
+                    </a:lnL>
+                    <a:lnR w="12700" cap="flat" cmpd="sng" algn="ctr">
+                      <a:solidFill>
+                        <a:schemeClr val="tx1"/>
+                      </a:solidFill>
+                      <a:prstDash val="solid"/>
+                      <a:round/>
+                      <a:headEnd type="none" w="med" len="med"/>
+                      <a:tailEnd type="none" w="med" len="med"/>
+                    </a:lnR>
+                    <a:lnT w="12700" cap="flat" cmpd="sng" algn="ctr">
+                      <a:solidFill>
+                        <a:schemeClr val="tx1"/>
+                      </a:solidFill>
+                      <a:prstDash val="solid"/>
+                      <a:round/>
+                      <a:headEnd type="none" w="med" len="med"/>
+                      <a:tailEnd type="none" w="med" len="med"/>
+                    </a:lnT>
+                    <a:lnB w="12700" cap="flat" cmpd="sng" algn="ctr">
+                      <a:solidFill>
+                        <a:schemeClr val="tx1"/>
+                      </a:solidFill>
+                      <a:prstDash val="solid"/>
+                      <a:round/>
+                      <a:headEnd type="none" w="med" len="med"/>
+                      <a:tailEnd type="none" w="med" len="med"/>
+                    </a:lnB>
+                  </a:tcPr>
+                </a:tc>
+                <a:tc>
+                  <a:txBody>
+                    <a:bodyPr/>
+                    <a:lstStyle/>
+                    <a:p>
+                      <a:pPr algn="ctr">
+                        <a:lnSpc>
+                          <a:spcPct val="115000"/>
+                        </a:lnSpc>
+                        <a:spcAft>
+                          <a:spcPts val="1000"/>
+                        </a:spcAft>
+                      </a:pPr>
+                      <a:r>
+                        <a:rPr lang="pt-BR" sz="1200">
+                          <a:effectLst/>
+                          <a:latin typeface="Calibri" panose="020F0502020204030204" pitchFamily="34" charset="0"/>
+                          <a:ea typeface="Abadi Extra Light" panose="020B0204020104020204" pitchFamily="34" charset="0"/>
+                          <a:cs typeface="Calibri" panose="020F0502020204030204" pitchFamily="34" charset="0"/>
+                        </a:rPr>
+                        <a:t>16/12/2020</a:t>
+                      </a:r>
+                      <a:endParaRPr lang="pt-BR" sz="1200">
+                        <a:effectLst/>
+                        <a:latin typeface="Calibri" panose="020F0502020204030204" pitchFamily="34" charset="0"/>
+                        <a:ea typeface="Calibri" panose="020F0502020204030204" pitchFamily="34" charset="0"/>
+                        <a:cs typeface="Calibri" panose="020F0502020204030204" pitchFamily="34" charset="0"/>
+                      </a:endParaRPr>
+                    </a:p>
+                  </a:txBody>
+                  <a:tcPr marL="68580" marR="68580" marT="0" marB="0" anchor="ctr">
+                    <a:lnL w="12700" cap="flat" cmpd="sng" algn="ctr">
+                      <a:solidFill>
+                        <a:schemeClr val="tx1"/>
+                      </a:solidFill>
+                      <a:prstDash val="solid"/>
+                      <a:round/>
+                      <a:headEnd type="none" w="med" len="med"/>
+                      <a:tailEnd type="none" w="med" len="med"/>
+                    </a:lnL>
+                    <a:lnR w="12700" cap="flat" cmpd="sng" algn="ctr">
+                      <a:solidFill>
+                        <a:schemeClr val="tx1"/>
+                      </a:solidFill>
+                      <a:prstDash val="solid"/>
+                      <a:round/>
+                      <a:headEnd type="none" w="med" len="med"/>
+                      <a:tailEnd type="none" w="med" len="med"/>
+                    </a:lnR>
+                    <a:lnT w="12700" cap="flat" cmpd="sng" algn="ctr">
+                      <a:solidFill>
+                        <a:schemeClr val="tx1"/>
+                      </a:solidFill>
+                      <a:prstDash val="solid"/>
+                      <a:round/>
+                      <a:headEnd type="none" w="med" len="med"/>
+                      <a:tailEnd type="none" w="med" len="med"/>
+                    </a:lnT>
+                    <a:lnB w="12700" cap="flat" cmpd="sng" algn="ctr">
+                      <a:solidFill>
+                        <a:schemeClr val="tx1"/>
+                      </a:solidFill>
+                      <a:prstDash val="solid"/>
+                      <a:round/>
+                      <a:headEnd type="none" w="med" len="med"/>
+                      <a:tailEnd type="none" w="med" len="med"/>
+                    </a:lnB>
+                  </a:tcPr>
+                </a:tc>
+                <a:extLst>
+                  <a:ext uri="{0D108BD9-81ED-4DB2-BD59-A6C34878D82A}">
+                    <a16:rowId xmlns:a16="http://schemas.microsoft.com/office/drawing/2014/main" val="164761615"/>
+                  </a:ext>
+                </a:extLst>
+              </a:tr>
+            </a:tbl>
+          </a:graphicData>
+        </a:graphic>
+      </p:graphicFrame>
+      <p:pic>
+        <p:nvPicPr>
+          <p:cNvPr id="13" name="Imagem 12" descr="Uma imagem contendo homem, segurando&#10;&#10;Descrição gerada automaticamente">
+            <a:extLst>
+              <a:ext uri="{FF2B5EF4-FFF2-40B4-BE49-F238E27FC236}">
+                <a16:creationId xmlns:a16="http://schemas.microsoft.com/office/drawing/2014/main" id="{15841944-E37A-410E-8129-925031F09E24}"/>
+              </a:ext>
+            </a:extLst>
+          </p:cNvPr>
+          <p:cNvPicPr>
+            <a:picLocks noChangeAspect="1"/>
+          </p:cNvPicPr>
+          <p:nvPr/>
+        </p:nvPicPr>
+        <p:blipFill>
+          <a:blip r:embed="rId3">
+            <a:extLst>
+              <a:ext uri="{28A0092B-C50C-407E-A947-70E740481C1C}">
+                <a14:useLocalDpi xmlns:a14="http://schemas.microsoft.com/office/drawing/2010/main" val="0"/>
+              </a:ext>
+            </a:extLst>
+          </a:blip>
+          <a:stretch>
+            <a:fillRect/>
+          </a:stretch>
+        </p:blipFill>
+        <p:spPr>
+          <a:xfrm>
+            <a:off x="9964675" y="-2215"/>
+            <a:ext cx="2227325" cy="1593560"/>
+          </a:xfrm>
+          <a:prstGeom prst="rect">
+            <a:avLst/>
+          </a:prstGeom>
+        </p:spPr>
+      </p:pic>
+    </p:spTree>
+    <p:extLst>
+      <p:ext uri="{BB962C8B-B14F-4D97-AF65-F5344CB8AC3E}">
+        <p14:creationId xmlns:p14="http://schemas.microsoft.com/office/powerpoint/2010/main" val="2876785368"/>
+      </p:ext>
+    </p:extLst>
+  </p:cSld>
+  <p:clrMapOvr>
+    <a:masterClrMapping/>
+  </p:clrMapOvr>
+  <mc:AlternateContent xmlns:mc="http://schemas.openxmlformats.org/markup-compatibility/2006" xmlns:p14="http://schemas.microsoft.com/office/powerpoint/2010/main">
+    <mc:Choice Requires="p14">
+      <p:transition spd="slow">
+        <p14:flash/>
+      </p:transition>
+    </mc:Choice>
+    <mc:Fallback xmlns="">
+      <p:transition spd="slow">
+        <p:fade/>
+      </p:transition>
+    </mc:Fallback>
+  </mc:AlternateContent>
+</p:sld>
+</file>
+
+<file path=ppt/slides/slide53.xml><?xml version="1.0" encoding="utf-8"?>
+<p:sld xmlns:a="http://schemas.openxmlformats.org/drawingml/2006/main" xmlns:r="http://schemas.openxmlformats.org/officeDocument/2006/relationships" xmlns:p="http://schemas.openxmlformats.org/presentationml/2006/main">
+  <p:cSld>
+    <p:spTree>
+      <p:nvGrpSpPr>
+        <p:cNvPr id="1" name=""/>
+        <p:cNvGrpSpPr/>
+        <p:nvPr/>
+      </p:nvGrpSpPr>
+      <p:grpSpPr>
+        <a:xfrm>
+          <a:off x="0" y="0"/>
+          <a:ext cx="0" cy="0"/>
+          <a:chOff x="0" y="0"/>
+          <a:chExt cx="0" cy="0"/>
+        </a:xfrm>
+      </p:grpSpPr>
+      <p:sp>
+        <p:nvSpPr>
+          <p:cNvPr id="4" name="Título 1">
+            <a:extLst>
+              <a:ext uri="{FF2B5EF4-FFF2-40B4-BE49-F238E27FC236}">
+                <a16:creationId xmlns:a16="http://schemas.microsoft.com/office/drawing/2014/main" id="{8B2E5E53-9E39-4FB1-823D-3C703040A847}"/>
+              </a:ext>
+            </a:extLst>
+          </p:cNvPr>
+          <p:cNvSpPr txBox="1">
+            <a:spLocks/>
+          </p:cNvSpPr>
+          <p:nvPr/>
+        </p:nvSpPr>
+        <p:spPr>
+          <a:xfrm>
+            <a:off x="0" y="1124744"/>
+            <a:ext cx="12192000" cy="360040"/>
+          </a:xfrm>
+          <a:prstGeom prst="rect">
+            <a:avLst/>
+          </a:prstGeom>
+          <a:solidFill>
+            <a:srgbClr val="002060"/>
+          </a:solidFill>
+        </p:spPr>
+        <p:txBody>
+          <a:bodyPr vert="horz" lIns="91440" tIns="45720" rIns="91440" bIns="45720" rtlCol="0" anchor="ctr">
+            <a:noAutofit/>
+          </a:bodyPr>
+          <a:lstStyle>
+            <a:lvl1pPr algn="ctr" defTabSz="914400" rtl="0" eaLnBrk="1" latinLnBrk="0" hangingPunct="1">
+              <a:spcBef>
+                <a:spcPct val="0"/>
+              </a:spcBef>
+              <a:buNone/>
+              <a:defRPr sz="4400" kern="1200">
+                <a:solidFill>
+                  <a:schemeClr val="tx1"/>
+                </a:solidFill>
+                <a:latin typeface="+mj-lt"/>
+                <a:ea typeface="+mj-ea"/>
+                <a:cs typeface="+mj-cs"/>
+              </a:defRPr>
+            </a:lvl1pPr>
+          </a:lstStyle>
+          <a:p>
+            <a:r>
+              <a:rPr lang="pt-BR" sz="1800" spc="300">
+                <a:solidFill>
+                  <a:schemeClr val="bg1"/>
+                </a:solidFill>
+                <a:latin typeface="Times New Roman" pitchFamily="18" charset="0"/>
+                <a:cs typeface="Times New Roman" pitchFamily="18" charset="0"/>
+              </a:rPr>
+              <a:t>Faculdade de Tecnologia de Mogi das Cruze</a:t>
+            </a:r>
+            <a:r>
+              <a:rPr lang="pt-BR" sz="1800">
+                <a:solidFill>
+                  <a:schemeClr val="bg1"/>
+                </a:solidFill>
+                <a:latin typeface="Times New Roman" pitchFamily="18" charset="0"/>
+                <a:cs typeface="Times New Roman" pitchFamily="18" charset="0"/>
+              </a:rPr>
+              <a:t>s</a:t>
+            </a:r>
+          </a:p>
+        </p:txBody>
+      </p:sp>
+      <p:sp>
+        <p:nvSpPr>
+          <p:cNvPr id="5" name="Título 1">
+            <a:extLst>
+              <a:ext uri="{FF2B5EF4-FFF2-40B4-BE49-F238E27FC236}">
+                <a16:creationId xmlns:a16="http://schemas.microsoft.com/office/drawing/2014/main" id="{89D938D6-E2AA-44CA-B68B-67D297F63CE7}"/>
+              </a:ext>
+            </a:extLst>
+          </p:cNvPr>
+          <p:cNvSpPr txBox="1">
+            <a:spLocks/>
+          </p:cNvSpPr>
+          <p:nvPr/>
+        </p:nvSpPr>
+        <p:spPr>
+          <a:xfrm>
+            <a:off x="2220191" y="1709619"/>
+            <a:ext cx="7751618" cy="3627311"/>
+          </a:xfrm>
+          <a:prstGeom prst="rect">
+            <a:avLst/>
+          </a:prstGeom>
+        </p:spPr>
+        <p:txBody>
+          <a:bodyPr vert="horz" lIns="91440" tIns="45720" rIns="91440" bIns="45720" rtlCol="0" anchor="ctr">
+            <a:normAutofit/>
+          </a:bodyPr>
+          <a:lstStyle>
+            <a:lvl1pPr algn="l" defTabSz="914400" rtl="0" eaLnBrk="1" latinLnBrk="0" hangingPunct="1">
+              <a:lnSpc>
+                <a:spcPct val="90000"/>
+              </a:lnSpc>
+              <a:spcBef>
+                <a:spcPct val="0"/>
+              </a:spcBef>
+              <a:buNone/>
+              <a:defRPr sz="4400" kern="1200">
+                <a:solidFill>
+                  <a:schemeClr val="tx1"/>
+                </a:solidFill>
+                <a:latin typeface="+mj-lt"/>
+                <a:ea typeface="+mj-ea"/>
+                <a:cs typeface="+mj-cs"/>
+              </a:defRPr>
+            </a:lvl1pPr>
+          </a:lstStyle>
+          <a:p>
+            <a:pPr algn="ctr"/>
+            <a:r>
+              <a:rPr lang="pt-BR" sz="3700" b="1">
+                <a:solidFill>
+                  <a:srgbClr val="002060"/>
+                </a:solidFill>
+                <a:latin typeface="Century Gothic" panose="020B0502020202020204" pitchFamily="34" charset="0"/>
+              </a:rPr>
+              <a:t>Laboratório de Engenharia de Software </a:t>
+            </a:r>
+          </a:p>
+          <a:p>
+            <a:pPr algn="ctr"/>
+            <a:br>
+              <a:rPr lang="pt-BR" sz="3700" b="1">
+                <a:solidFill>
+                  <a:srgbClr val="002060"/>
+                </a:solidFill>
+                <a:latin typeface="Century Gothic" panose="020B0502020202020204" pitchFamily="34" charset="0"/>
+              </a:rPr>
+            </a:br>
+            <a:r>
+              <a:rPr lang="pt-BR" sz="3700" b="1" err="1">
+                <a:solidFill>
+                  <a:srgbClr val="002060"/>
+                </a:solidFill>
+                <a:latin typeface="Century Gothic" panose="020B0502020202020204" pitchFamily="34" charset="0"/>
+              </a:rPr>
+              <a:t>GrowUp</a:t>
+            </a:r>
+            <a:endParaRPr lang="pt-BR" sz="3700" b="1">
+              <a:solidFill>
+                <a:srgbClr val="002060"/>
+              </a:solidFill>
+              <a:latin typeface="Century Gothic" panose="020B0502020202020204" pitchFamily="34" charset="0"/>
+            </a:endParaRPr>
+          </a:p>
+          <a:p>
+            <a:pPr algn="ctr"/>
+            <a:endParaRPr lang="pt-BR" sz="3700" b="1">
+              <a:solidFill>
+                <a:srgbClr val="002060"/>
+              </a:solidFill>
+              <a:latin typeface="Century Gothic" panose="020B0502020202020204" pitchFamily="34" charset="0"/>
+            </a:endParaRPr>
+          </a:p>
+          <a:p>
+            <a:pPr algn="ctr"/>
+            <a:r>
+              <a:rPr lang="pt-BR" sz="3700" b="1">
+                <a:solidFill>
+                  <a:srgbClr val="002060"/>
+                </a:solidFill>
+                <a:latin typeface="Century Gothic" panose="020B0502020202020204" pitchFamily="34" charset="0"/>
+              </a:rPr>
+              <a:t>Obrigado!</a:t>
+            </a:r>
+            <a:endParaRPr lang="pt-BR" sz="3600" b="1">
+              <a:solidFill>
+                <a:srgbClr val="002060"/>
+              </a:solidFill>
+              <a:latin typeface="Century Gothic" panose="020B0502020202020204" pitchFamily="34" charset="0"/>
+            </a:endParaRPr>
+          </a:p>
+        </p:txBody>
+      </p:sp>
+      <p:pic>
+        <p:nvPicPr>
+          <p:cNvPr id="7" name="Imagem 6" descr="logo-novo-cps-cor">
+            <a:extLst>
+              <a:ext uri="{FF2B5EF4-FFF2-40B4-BE49-F238E27FC236}">
+                <a16:creationId xmlns:a16="http://schemas.microsoft.com/office/drawing/2014/main" id="{0C00EA31-2DD5-4F53-9D69-98D4ADD9D842}"/>
+              </a:ext>
+            </a:extLst>
+          </p:cNvPr>
+          <p:cNvPicPr/>
+          <p:nvPr/>
+        </p:nvPicPr>
+        <p:blipFill>
+          <a:blip r:embed="rId2"/>
+          <a:srcRect/>
+          <a:stretch>
+            <a:fillRect/>
+          </a:stretch>
+        </p:blipFill>
+        <p:spPr bwMode="auto">
+          <a:xfrm>
+            <a:off x="3299298" y="103000"/>
+            <a:ext cx="5580660" cy="924809"/>
+          </a:xfrm>
+          <a:prstGeom prst="rect">
+            <a:avLst/>
+          </a:prstGeom>
+          <a:noFill/>
+          <a:ln w="9525">
+            <a:noFill/>
+            <a:miter lim="800000"/>
+            <a:headEnd/>
+            <a:tailEnd/>
+          </a:ln>
+        </p:spPr>
+      </p:pic>
+      <p:sp>
+        <p:nvSpPr>
+          <p:cNvPr id="8" name="Título 1">
+            <a:extLst>
+              <a:ext uri="{FF2B5EF4-FFF2-40B4-BE49-F238E27FC236}">
+                <a16:creationId xmlns:a16="http://schemas.microsoft.com/office/drawing/2014/main" id="{961F6963-9864-4982-BB08-2ACE44CC2B5E}"/>
+              </a:ext>
+            </a:extLst>
+          </p:cNvPr>
+          <p:cNvSpPr txBox="1">
+            <a:spLocks/>
+          </p:cNvSpPr>
+          <p:nvPr/>
+        </p:nvSpPr>
+        <p:spPr>
+          <a:xfrm>
+            <a:off x="2220191" y="4899997"/>
+            <a:ext cx="7751618" cy="1958003"/>
+          </a:xfrm>
+          <a:prstGeom prst="rect">
+            <a:avLst/>
+          </a:prstGeom>
+        </p:spPr>
+        <p:txBody>
+          <a:bodyPr vert="horz" lIns="91440" tIns="45720" rIns="91440" bIns="45720" rtlCol="0" anchor="ctr">
+            <a:normAutofit/>
+          </a:bodyPr>
+          <a:lstStyle>
+            <a:lvl1pPr algn="l" defTabSz="914400" rtl="0" eaLnBrk="1" latinLnBrk="0" hangingPunct="1">
+              <a:lnSpc>
+                <a:spcPct val="90000"/>
+              </a:lnSpc>
+              <a:spcBef>
+                <a:spcPct val="0"/>
+              </a:spcBef>
+              <a:buNone/>
+              <a:defRPr sz="4400" kern="1200">
+                <a:solidFill>
+                  <a:schemeClr val="tx1"/>
+                </a:solidFill>
+                <a:latin typeface="+mj-lt"/>
+                <a:ea typeface="+mj-ea"/>
+                <a:cs typeface="+mj-cs"/>
+              </a:defRPr>
+            </a:lvl1pPr>
+          </a:lstStyle>
+          <a:p>
+            <a:pPr algn="ctr"/>
+            <a:r>
+              <a:rPr lang="pt-BR" sz="2000" b="1">
+                <a:latin typeface="Century Gothic" panose="020B0502020202020204" pitchFamily="34" charset="0"/>
+              </a:rPr>
+              <a:t>Pablo Luiz de Oliveira Lessa Ribeiro</a:t>
+            </a:r>
+          </a:p>
+          <a:p>
+            <a:pPr algn="ctr"/>
+            <a:r>
+              <a:rPr lang="pt-BR" sz="2000" b="1">
+                <a:latin typeface="Century Gothic" panose="020B0502020202020204" pitchFamily="34" charset="0"/>
+              </a:rPr>
+              <a:t>Grupo: LS-025</a:t>
+            </a:r>
+          </a:p>
+        </p:txBody>
+      </p:sp>
+    </p:spTree>
+    <p:extLst>
+      <p:ext uri="{BB962C8B-B14F-4D97-AF65-F5344CB8AC3E}">
+        <p14:creationId xmlns:p14="http://schemas.microsoft.com/office/powerpoint/2010/main" val="2006994937"/>
+      </p:ext>
+    </p:extLst>
+  </p:cSld>
+  <p:clrMapOvr>
+    <a:masterClrMapping/>
+  </p:clrMapOvr>
+  <p:transition spd="slow">
+    <p:push dir="u"/>
   </p:transition>
 </p:sld>
 </file>
@@ -47611,12 +48871,6 @@
 </file>
 
 <file path=customXml/item1.xml><?xml version="1.0" encoding="utf-8"?>
-<p:properties xmlns:p="http://schemas.microsoft.com/office/2006/metadata/properties" xmlns:xsi="http://www.w3.org/2001/XMLSchema-instance" xmlns:pc="http://schemas.microsoft.com/office/infopath/2007/PartnerControls">
-  <documentManagement/>
-</p:properties>
-</file>
-
-<file path=customXml/item2.xml><?xml version="1.0" encoding="utf-8"?>
 <ct:contentTypeSchema xmlns:ct="http://schemas.microsoft.com/office/2006/metadata/contentType" xmlns:ma="http://schemas.microsoft.com/office/2006/metadata/properties/metaAttributes" ct:_="" ma:_="" ma:contentTypeName="Documento" ma:contentTypeID="0x01010085A270631BE6E644B5ECC5E0934FDCEB" ma:contentTypeVersion="2" ma:contentTypeDescription="Crie um novo documento." ma:contentTypeScope="" ma:versionID="56d17dba05b3f077caaf6fbaef9a2f41">
   <xsd:schema xmlns:xsd="http://www.w3.org/2001/XMLSchema" xmlns:xs="http://www.w3.org/2001/XMLSchema" xmlns:p="http://schemas.microsoft.com/office/2006/metadata/properties" xmlns:ns2="f3537469-bef8-4b77-a6a4-28593039d778" targetNamespace="http://schemas.microsoft.com/office/2006/metadata/properties" ma:root="true" ma:fieldsID="dbdfc210a957e247984b62cd4c8d0f58" ns2:_="">
     <xsd:import namespace="f3537469-bef8-4b77-a6a4-28593039d778"/>
@@ -47748,7 +49002,7 @@
 </ct:contentTypeSchema>
 </file>
 
-<file path=customXml/item3.xml><?xml version="1.0" encoding="utf-8"?>
+<file path=customXml/item2.xml><?xml version="1.0" encoding="utf-8"?>
 <?mso-contentType ?>
 <FormTemplates xmlns="http://schemas.microsoft.com/sharepoint/v3/contenttype/forms">
   <Display>DocumentLibraryForm</Display>
@@ -47757,23 +49011,13 @@
 </FormTemplates>
 </file>
 
-<file path=customXml/itemProps1.xml><?xml version="1.0" encoding="utf-8"?>
-<ds:datastoreItem xmlns:ds="http://schemas.openxmlformats.org/officeDocument/2006/customXml" ds:itemID="{0A39EAF2-64C7-41A6-86C1-B422BB530D5D}">
-  <ds:schemaRefs>
-    <ds:schemaRef ds:uri="http://www.w3.org/XML/1998/namespace"/>
-    <ds:schemaRef ds:uri="http://purl.org/dc/dcmitype/"/>
-    <ds:schemaRef ds:uri="http://schemas.microsoft.com/office/2006/documentManagement/types"/>
-    <ds:schemaRef ds:uri="http://purl.org/dc/elements/1.1/"/>
-    <ds:schemaRef ds:uri="http://schemas.microsoft.com/office/2006/metadata/properties"/>
-    <ds:schemaRef ds:uri="http://purl.org/dc/terms/"/>
-    <ds:schemaRef ds:uri="http://schemas.microsoft.com/office/infopath/2007/PartnerControls"/>
-    <ds:schemaRef ds:uri="http://schemas.openxmlformats.org/package/2006/metadata/core-properties"/>
-    <ds:schemaRef ds:uri="f3537469-bef8-4b77-a6a4-28593039d778"/>
-  </ds:schemaRefs>
-</ds:datastoreItem>
+<file path=customXml/item3.xml><?xml version="1.0" encoding="utf-8"?>
+<p:properties xmlns:p="http://schemas.microsoft.com/office/2006/metadata/properties" xmlns:xsi="http://www.w3.org/2001/XMLSchema-instance" xmlns:pc="http://schemas.microsoft.com/office/infopath/2007/PartnerControls">
+  <documentManagement/>
+</p:properties>
 </file>
 
-<file path=customXml/itemProps2.xml><?xml version="1.0" encoding="utf-8"?>
+<file path=customXml/itemProps1.xml><?xml version="1.0" encoding="utf-8"?>
 <ds:datastoreItem xmlns:ds="http://schemas.openxmlformats.org/officeDocument/2006/customXml" ds:itemID="{AE7AFCE7-D449-434D-BF96-9E32E1273F54}">
   <ds:schemaRefs>
     <ds:schemaRef ds:uri="f3537469-bef8-4b77-a6a4-28593039d778"/>
@@ -47791,10 +49035,26 @@
 </ds:datastoreItem>
 </file>
 
-<file path=customXml/itemProps3.xml><?xml version="1.0" encoding="utf-8"?>
+<file path=customXml/itemProps2.xml><?xml version="1.0" encoding="utf-8"?>
 <ds:datastoreItem xmlns:ds="http://schemas.openxmlformats.org/officeDocument/2006/customXml" ds:itemID="{2186BE49-4CCC-46AC-9CFF-A8FBB65234A6}">
   <ds:schemaRefs>
     <ds:schemaRef ds:uri="http://schemas.microsoft.com/sharepoint/v3/contenttype/forms"/>
   </ds:schemaRefs>
 </ds:datastoreItem>
+</file>
+
+<file path=customXml/itemProps3.xml><?xml version="1.0" encoding="utf-8"?>
+<ds:datastoreItem xmlns:ds="http://schemas.openxmlformats.org/officeDocument/2006/customXml" ds:itemID="{0A39EAF2-64C7-41A6-86C1-B422BB530D5D}">
+  <ds:schemaRefs>
+    <ds:schemaRef ds:uri="http://www.w3.org/XML/1998/namespace"/>
+    <ds:schemaRef ds:uri="http://purl.org/dc/dcmitype/"/>
+    <ds:schemaRef ds:uri="http://schemas.microsoft.com/office/2006/documentManagement/types"/>
+    <ds:schemaRef ds:uri="http://purl.org/dc/elements/1.1/"/>
+    <ds:schemaRef ds:uri="http://schemas.microsoft.com/office/2006/metadata/properties"/>
+    <ds:schemaRef ds:uri="http://purl.org/dc/terms/"/>
+    <ds:schemaRef ds:uri="http://schemas.microsoft.com/office/infopath/2007/PartnerControls"/>
+    <ds:schemaRef ds:uri="http://schemas.openxmlformats.org/package/2006/metadata/core-properties"/>
+    <ds:schemaRef ds:uri="f3537469-bef8-4b77-a6a4-28593039d778"/>
+  </ds:schemaRefs>
+</ds:datastoreItem>
 </file>